--- a/로스트아크/아스트로맨서(Astromancer)_현자/아이디어정리.pptx
+++ b/로스트아크/아스트로맨서(Astromancer)_현자/아이디어정리.pptx
@@ -278,7 +278,7 @@
           <a:p>
             <a:fld id="{9C3EC951-20CE-4241-887B-24665EAD51A9}" type="datetimeFigureOut">
               <a:rPr lang="ko-KR" altLang="en-US" smtClean="0"/>
-              <a:t>2025-04-01</a:t>
+              <a:t>2025-04-02</a:t>
             </a:fld>
             <a:endParaRPr lang="ko-KR" altLang="en-US"/>
           </a:p>
@@ -476,7 +476,7 @@
           <a:p>
             <a:fld id="{9C3EC951-20CE-4241-887B-24665EAD51A9}" type="datetimeFigureOut">
               <a:rPr lang="ko-KR" altLang="en-US" smtClean="0"/>
-              <a:t>2025-04-01</a:t>
+              <a:t>2025-04-02</a:t>
             </a:fld>
             <a:endParaRPr lang="ko-KR" altLang="en-US"/>
           </a:p>
@@ -684,7 +684,7 @@
           <a:p>
             <a:fld id="{9C3EC951-20CE-4241-887B-24665EAD51A9}" type="datetimeFigureOut">
               <a:rPr lang="ko-KR" altLang="en-US" smtClean="0"/>
-              <a:t>2025-04-01</a:t>
+              <a:t>2025-04-02</a:t>
             </a:fld>
             <a:endParaRPr lang="ko-KR" altLang="en-US"/>
           </a:p>
@@ -1013,7 +1013,7 @@
           <a:p>
             <a:fld id="{9C3EC951-20CE-4241-887B-24665EAD51A9}" type="datetimeFigureOut">
               <a:rPr lang="ko-KR" altLang="en-US" smtClean="0"/>
-              <a:t>2025-04-01</a:t>
+              <a:t>2025-04-02</a:t>
             </a:fld>
             <a:endParaRPr lang="ko-KR" altLang="en-US"/>
           </a:p>
@@ -1278,7 +1278,7 @@
           <a:p>
             <a:fld id="{9C3EC951-20CE-4241-887B-24665EAD51A9}" type="datetimeFigureOut">
               <a:rPr lang="ko-KR" altLang="en-US" smtClean="0"/>
-              <a:t>2025-04-01</a:t>
+              <a:t>2025-04-02</a:t>
             </a:fld>
             <a:endParaRPr lang="ko-KR" altLang="en-US"/>
           </a:p>
@@ -1690,7 +1690,7 @@
           <a:p>
             <a:fld id="{9C3EC951-20CE-4241-887B-24665EAD51A9}" type="datetimeFigureOut">
               <a:rPr lang="ko-KR" altLang="en-US" smtClean="0"/>
-              <a:t>2025-04-01</a:t>
+              <a:t>2025-04-02</a:t>
             </a:fld>
             <a:endParaRPr lang="ko-KR" altLang="en-US"/>
           </a:p>
@@ -1831,7 +1831,7 @@
           <a:p>
             <a:fld id="{9C3EC951-20CE-4241-887B-24665EAD51A9}" type="datetimeFigureOut">
               <a:rPr lang="ko-KR" altLang="en-US" smtClean="0"/>
-              <a:t>2025-04-01</a:t>
+              <a:t>2025-04-02</a:t>
             </a:fld>
             <a:endParaRPr lang="ko-KR" altLang="en-US"/>
           </a:p>
@@ -1944,7 +1944,7 @@
           <a:p>
             <a:fld id="{9C3EC951-20CE-4241-887B-24665EAD51A9}" type="datetimeFigureOut">
               <a:rPr lang="ko-KR" altLang="en-US" smtClean="0"/>
-              <a:t>2025-04-01</a:t>
+              <a:t>2025-04-02</a:t>
             </a:fld>
             <a:endParaRPr lang="ko-KR" altLang="en-US"/>
           </a:p>
@@ -2255,7 +2255,7 @@
           <a:p>
             <a:fld id="{9C3EC951-20CE-4241-887B-24665EAD51A9}" type="datetimeFigureOut">
               <a:rPr lang="ko-KR" altLang="en-US" smtClean="0"/>
-              <a:t>2025-04-01</a:t>
+              <a:t>2025-04-02</a:t>
             </a:fld>
             <a:endParaRPr lang="ko-KR" altLang="en-US"/>
           </a:p>
@@ -2543,7 +2543,7 @@
           <a:p>
             <a:fld id="{9C3EC951-20CE-4241-887B-24665EAD51A9}" type="datetimeFigureOut">
               <a:rPr lang="ko-KR" altLang="en-US" smtClean="0"/>
-              <a:t>2025-04-01</a:t>
+              <a:t>2025-04-02</a:t>
             </a:fld>
             <a:endParaRPr lang="ko-KR" altLang="en-US"/>
           </a:p>
@@ -2784,7 +2784,7 @@
           <a:p>
             <a:fld id="{9C3EC951-20CE-4241-887B-24665EAD51A9}" type="datetimeFigureOut">
               <a:rPr lang="ko-KR" altLang="en-US" smtClean="0"/>
-              <a:t>2025-04-01</a:t>
+              <a:t>2025-04-02</a:t>
             </a:fld>
             <a:endParaRPr lang="ko-KR" altLang="en-US"/>
           </a:p>
@@ -14440,7 +14440,7 @@
         <p:spPr>
           <a:xfrm>
             <a:off x="0" y="113960"/>
-            <a:ext cx="4304139" cy="1115690"/>
+            <a:ext cx="4322315" cy="1115690"/>
           </a:xfrm>
           <a:prstGeom prst="rect">
             <a:avLst/>
@@ -14960,8 +14960,8 @@
         </p:nvSpPr>
         <p:spPr>
           <a:xfrm>
-            <a:off x="0" y="1525192"/>
-            <a:ext cx="4142779" cy="584775"/>
+            <a:off x="0" y="1613812"/>
+            <a:ext cx="4290255" cy="584775"/>
           </a:xfrm>
           <a:prstGeom prst="rect">
             <a:avLst/>
@@ -15058,7 +15058,7 @@
                 <a:ea typeface="Pretendard Medium" panose="02000603000000020004" pitchFamily="2" charset="-127"/>
                 <a:cs typeface="Pretendard Medium" panose="02000603000000020004" pitchFamily="2" charset="-127"/>
               </a:rPr>
-              <a:t>기록 모드 진입 시 치명타 적중률이 추가로 </a:t>
+              <a:t>별자리 스킬만 기록할 수 있게 되며 기록 모드 진입 시 치명타 적중률이 추가로 </a:t>
             </a:r>
             <a:r>
               <a:rPr lang="en-US" altLang="ko-KR" sz="900" dirty="0">
@@ -15131,7 +15131,7 @@
                 <a:ea typeface="Pretendard Medium" panose="02000603000000020004" pitchFamily="2" charset="-127"/>
                 <a:cs typeface="Pretendard Medium" panose="02000603000000020004" pitchFamily="2" charset="-127"/>
               </a:rPr>
-              <a:t> 별자리 스킬만 기록할 수 있게 되지만 별자리 스킬의</a:t>
+              <a:t> 별자리 스킬의</a:t>
             </a:r>
             <a:r>
               <a:rPr lang="en-US" altLang="ko-KR" sz="900" dirty="0">

--- a/로스트아크/아스트로맨서(Astromancer)_현자/아이디어정리.pptx
+++ b/로스트아크/아스트로맨서(Astromancer)_현자/아이디어정리.pptx
@@ -12,8 +12,9 @@
     <p:sldId id="260" r:id="rId6"/>
     <p:sldId id="262" r:id="rId7"/>
     <p:sldId id="263" r:id="rId8"/>
-    <p:sldId id="264" r:id="rId9"/>
-    <p:sldId id="265" r:id="rId10"/>
+    <p:sldId id="266" r:id="rId9"/>
+    <p:sldId id="264" r:id="rId10"/>
+    <p:sldId id="265" r:id="rId11"/>
   </p:sldIdLst>
   <p:sldSz cx="12192000" cy="6858000"/>
   <p:notesSz cx="6858000" cy="9144000"/>
@@ -278,7 +279,7 @@
           <a:p>
             <a:fld id="{9C3EC951-20CE-4241-887B-24665EAD51A9}" type="datetimeFigureOut">
               <a:rPr lang="ko-KR" altLang="en-US" smtClean="0"/>
-              <a:t>2025-04-02</a:t>
+              <a:t>2025-04-03</a:t>
             </a:fld>
             <a:endParaRPr lang="ko-KR" altLang="en-US"/>
           </a:p>
@@ -476,7 +477,7 @@
           <a:p>
             <a:fld id="{9C3EC951-20CE-4241-887B-24665EAD51A9}" type="datetimeFigureOut">
               <a:rPr lang="ko-KR" altLang="en-US" smtClean="0"/>
-              <a:t>2025-04-02</a:t>
+              <a:t>2025-04-03</a:t>
             </a:fld>
             <a:endParaRPr lang="ko-KR" altLang="en-US"/>
           </a:p>
@@ -684,7 +685,7 @@
           <a:p>
             <a:fld id="{9C3EC951-20CE-4241-887B-24665EAD51A9}" type="datetimeFigureOut">
               <a:rPr lang="ko-KR" altLang="en-US" smtClean="0"/>
-              <a:t>2025-04-02</a:t>
+              <a:t>2025-04-03</a:t>
             </a:fld>
             <a:endParaRPr lang="ko-KR" altLang="en-US"/>
           </a:p>
@@ -1013,7 +1014,7 @@
           <a:p>
             <a:fld id="{9C3EC951-20CE-4241-887B-24665EAD51A9}" type="datetimeFigureOut">
               <a:rPr lang="ko-KR" altLang="en-US" smtClean="0"/>
-              <a:t>2025-04-02</a:t>
+              <a:t>2025-04-03</a:t>
             </a:fld>
             <a:endParaRPr lang="ko-KR" altLang="en-US"/>
           </a:p>
@@ -1278,7 +1279,7 @@
           <a:p>
             <a:fld id="{9C3EC951-20CE-4241-887B-24665EAD51A9}" type="datetimeFigureOut">
               <a:rPr lang="ko-KR" altLang="en-US" smtClean="0"/>
-              <a:t>2025-04-02</a:t>
+              <a:t>2025-04-03</a:t>
             </a:fld>
             <a:endParaRPr lang="ko-KR" altLang="en-US"/>
           </a:p>
@@ -1690,7 +1691,7 @@
           <a:p>
             <a:fld id="{9C3EC951-20CE-4241-887B-24665EAD51A9}" type="datetimeFigureOut">
               <a:rPr lang="ko-KR" altLang="en-US" smtClean="0"/>
-              <a:t>2025-04-02</a:t>
+              <a:t>2025-04-03</a:t>
             </a:fld>
             <a:endParaRPr lang="ko-KR" altLang="en-US"/>
           </a:p>
@@ -1831,7 +1832,7 @@
           <a:p>
             <a:fld id="{9C3EC951-20CE-4241-887B-24665EAD51A9}" type="datetimeFigureOut">
               <a:rPr lang="ko-KR" altLang="en-US" smtClean="0"/>
-              <a:t>2025-04-02</a:t>
+              <a:t>2025-04-03</a:t>
             </a:fld>
             <a:endParaRPr lang="ko-KR" altLang="en-US"/>
           </a:p>
@@ -1944,7 +1945,7 @@
           <a:p>
             <a:fld id="{9C3EC951-20CE-4241-887B-24665EAD51A9}" type="datetimeFigureOut">
               <a:rPr lang="ko-KR" altLang="en-US" smtClean="0"/>
-              <a:t>2025-04-02</a:t>
+              <a:t>2025-04-03</a:t>
             </a:fld>
             <a:endParaRPr lang="ko-KR" altLang="en-US"/>
           </a:p>
@@ -2255,7 +2256,7 @@
           <a:p>
             <a:fld id="{9C3EC951-20CE-4241-887B-24665EAD51A9}" type="datetimeFigureOut">
               <a:rPr lang="ko-KR" altLang="en-US" smtClean="0"/>
-              <a:t>2025-04-02</a:t>
+              <a:t>2025-04-03</a:t>
             </a:fld>
             <a:endParaRPr lang="ko-KR" altLang="en-US"/>
           </a:p>
@@ -2543,7 +2544,7 @@
           <a:p>
             <a:fld id="{9C3EC951-20CE-4241-887B-24665EAD51A9}" type="datetimeFigureOut">
               <a:rPr lang="ko-KR" altLang="en-US" smtClean="0"/>
-              <a:t>2025-04-02</a:t>
+              <a:t>2025-04-03</a:t>
             </a:fld>
             <a:endParaRPr lang="ko-KR" altLang="en-US"/>
           </a:p>
@@ -2784,7 +2785,7 @@
           <a:p>
             <a:fld id="{9C3EC951-20CE-4241-887B-24665EAD51A9}" type="datetimeFigureOut">
               <a:rPr lang="ko-KR" altLang="en-US" smtClean="0"/>
-              <a:t>2025-04-02</a:t>
+              <a:t>2025-04-03</a:t>
             </a:fld>
             <a:endParaRPr lang="ko-KR" altLang="en-US"/>
           </a:p>
@@ -4322,6 +4323,2363 @@
 </p:sld>
 </file>
 
+<file path=ppt/slides/slide10.xml><?xml version="1.0" encoding="utf-8"?>
+<p:sld xmlns:a="http://schemas.openxmlformats.org/drawingml/2006/main" xmlns:r="http://schemas.openxmlformats.org/officeDocument/2006/relationships" xmlns:p="http://schemas.openxmlformats.org/presentationml/2006/main">
+  <p:cSld>
+    <p:spTree>
+      <p:nvGrpSpPr>
+        <p:cNvPr id="1" name="">
+          <a:extLst>
+            <a:ext uri="{FF2B5EF4-FFF2-40B4-BE49-F238E27FC236}">
+              <a16:creationId xmlns:a16="http://schemas.microsoft.com/office/drawing/2014/main" id="{B1FF3B5F-26C5-2F6C-AFE5-164E8E612F85}"/>
+            </a:ext>
+          </a:extLst>
+        </p:cNvPr>
+        <p:cNvGrpSpPr/>
+        <p:nvPr/>
+      </p:nvGrpSpPr>
+      <p:grpSpPr>
+        <a:xfrm>
+          <a:off x="0" y="0"/>
+          <a:ext cx="0" cy="0"/>
+          <a:chOff x="0" y="0"/>
+          <a:chExt cx="0" cy="0"/>
+        </a:xfrm>
+      </p:grpSpPr>
+      <p:sp>
+        <p:nvSpPr>
+          <p:cNvPr id="2" name="TextBox 4">
+            <a:extLst>
+              <a:ext uri="{FF2B5EF4-FFF2-40B4-BE49-F238E27FC236}">
+                <a16:creationId xmlns:a16="http://schemas.microsoft.com/office/drawing/2014/main" id="{33FF3E1A-9FB7-F5D1-1E63-6467B8E9D14F}"/>
+              </a:ext>
+            </a:extLst>
+          </p:cNvPr>
+          <p:cNvSpPr txBox="1"/>
+          <p:nvPr/>
+        </p:nvSpPr>
+        <p:spPr>
+          <a:xfrm>
+            <a:off x="0" y="0"/>
+            <a:ext cx="12191999" cy="400110"/>
+          </a:xfrm>
+          <a:prstGeom prst="rect">
+            <a:avLst/>
+          </a:prstGeom>
+          <a:solidFill>
+            <a:srgbClr val="FFFF00"/>
+          </a:solidFill>
+        </p:spPr>
+        <p:txBody>
+          <a:bodyPr wrap="square">
+            <a:spAutoFit/>
+          </a:bodyPr>
+          <a:lstStyle/>
+          <a:p>
+            <a:pPr marL="342900" lvl="0" indent="-342900" algn="ctr" latinLnBrk="1">
+              <a:tabLst>
+                <a:tab pos="457200" algn="l"/>
+              </a:tabLst>
+            </a:pPr>
+            <a:r>
+              <a:rPr lang="ko-KR" altLang="en-US" sz="2000" b="1" kern="100" dirty="0">
+                <a:solidFill>
+                  <a:srgbClr val="000000"/>
+                </a:solidFill>
+                <a:effectLst/>
+                <a:latin typeface="Pretendard Medium" panose="02000603000000020004" pitchFamily="2" charset="-127"/>
+                <a:ea typeface="Pretendard Medium" panose="02000603000000020004" pitchFamily="2" charset="-127"/>
+                <a:cs typeface="Pretendard Medium" panose="02000603000000020004" pitchFamily="2" charset="-127"/>
+              </a:rPr>
+              <a:t>추가 아이디어</a:t>
+            </a:r>
+            <a:endParaRPr lang="ko-KR" sz="2000" b="1" kern="100" dirty="0">
+              <a:solidFill>
+                <a:srgbClr val="000000"/>
+              </a:solidFill>
+              <a:effectLst/>
+              <a:latin typeface="Pretendard Medium" panose="02000603000000020004" pitchFamily="2" charset="-127"/>
+              <a:ea typeface="Pretendard Medium" panose="02000603000000020004" pitchFamily="2" charset="-127"/>
+              <a:cs typeface="Pretendard Medium" panose="02000603000000020004" pitchFamily="2" charset="-127"/>
+            </a:endParaRPr>
+          </a:p>
+        </p:txBody>
+      </p:sp>
+      <p:sp>
+        <p:nvSpPr>
+          <p:cNvPr id="3" name="TextBox 2">
+            <a:extLst>
+              <a:ext uri="{FF2B5EF4-FFF2-40B4-BE49-F238E27FC236}">
+                <a16:creationId xmlns:a16="http://schemas.microsoft.com/office/drawing/2014/main" id="{6AB13E1C-A6E5-227B-9D57-87200232B403}"/>
+              </a:ext>
+            </a:extLst>
+          </p:cNvPr>
+          <p:cNvSpPr txBox="1"/>
+          <p:nvPr/>
+        </p:nvSpPr>
+        <p:spPr>
+          <a:xfrm>
+            <a:off x="175267" y="483237"/>
+            <a:ext cx="1465145" cy="938719"/>
+          </a:xfrm>
+          <a:prstGeom prst="rect">
+            <a:avLst/>
+          </a:prstGeom>
+          <a:noFill/>
+        </p:spPr>
+        <p:txBody>
+          <a:bodyPr wrap="none" lIns="0" rIns="0" rtlCol="0">
+            <a:spAutoFit/>
+          </a:bodyPr>
+          <a:lstStyle/>
+          <a:p>
+            <a:pPr>
+              <a:spcAft>
+                <a:spcPts val="300"/>
+              </a:spcAft>
+            </a:pPr>
+            <a:r>
+              <a:rPr lang="ko-KR" altLang="en-US" sz="900" dirty="0">
+                <a:solidFill>
+                  <a:srgbClr val="D4CFC5"/>
+                </a:solidFill>
+                <a:latin typeface="Pretendard Medium" panose="02000603000000020004" pitchFamily="2" charset="-127"/>
+                <a:ea typeface="Pretendard Medium" panose="02000603000000020004" pitchFamily="2" charset="-127"/>
+                <a:cs typeface="Pretendard Medium" panose="02000603000000020004" pitchFamily="2" charset="-127"/>
+              </a:rPr>
+              <a:t>도전 </a:t>
+            </a:r>
+            <a:r>
+              <a:rPr lang="en-US" altLang="ko-KR" sz="900" dirty="0">
+                <a:solidFill>
+                  <a:srgbClr val="D4CFC5"/>
+                </a:solidFill>
+                <a:latin typeface="Pretendard Medium" panose="02000603000000020004" pitchFamily="2" charset="-127"/>
+                <a:ea typeface="Pretendard Medium" panose="02000603000000020004" pitchFamily="2" charset="-127"/>
+                <a:cs typeface="Pretendard Medium" panose="02000603000000020004" pitchFamily="2" charset="-127"/>
+              </a:rPr>
+              <a:t>– </a:t>
+            </a:r>
+            <a:r>
+              <a:rPr lang="ko-KR" altLang="en-US" sz="900" dirty="0">
+                <a:solidFill>
+                  <a:srgbClr val="D4CFC5"/>
+                </a:solidFill>
+                <a:latin typeface="Pretendard Medium" panose="02000603000000020004" pitchFamily="2" charset="-127"/>
+                <a:ea typeface="Pretendard Medium" panose="02000603000000020004" pitchFamily="2" charset="-127"/>
+                <a:cs typeface="Pretendard Medium" panose="02000603000000020004" pitchFamily="2" charset="-127"/>
+              </a:rPr>
+              <a:t>불굴 </a:t>
+            </a:r>
+            <a:r>
+              <a:rPr lang="en-US" altLang="ko-KR" sz="900" dirty="0">
+                <a:solidFill>
+                  <a:srgbClr val="D4CFC5"/>
+                </a:solidFill>
+                <a:latin typeface="Pretendard Medium" panose="02000603000000020004" pitchFamily="2" charset="-127"/>
+                <a:ea typeface="Pretendard Medium" panose="02000603000000020004" pitchFamily="2" charset="-127"/>
+                <a:cs typeface="Pretendard Medium" panose="02000603000000020004" pitchFamily="2" charset="-127"/>
+              </a:rPr>
+              <a:t>:</a:t>
+            </a:r>
+            <a:r>
+              <a:rPr lang="ko-KR" altLang="en-US" sz="900" dirty="0">
+                <a:solidFill>
+                  <a:srgbClr val="D4CFC5"/>
+                </a:solidFill>
+                <a:latin typeface="Pretendard Medium" panose="02000603000000020004" pitchFamily="2" charset="-127"/>
+                <a:ea typeface="Pretendard Medium" panose="02000603000000020004" pitchFamily="2" charset="-127"/>
+                <a:cs typeface="Pretendard Medium" panose="02000603000000020004" pitchFamily="2" charset="-127"/>
+              </a:rPr>
+              <a:t> 대립</a:t>
+            </a:r>
+            <a:endParaRPr lang="en-US" altLang="ko-KR" sz="900" dirty="0">
+              <a:solidFill>
+                <a:srgbClr val="D4CFC5"/>
+              </a:solidFill>
+              <a:latin typeface="Pretendard Medium" panose="02000603000000020004" pitchFamily="2" charset="-127"/>
+              <a:ea typeface="Pretendard Medium" panose="02000603000000020004" pitchFamily="2" charset="-127"/>
+              <a:cs typeface="Pretendard Medium" panose="02000603000000020004" pitchFamily="2" charset="-127"/>
+            </a:endParaRPr>
+          </a:p>
+          <a:p>
+            <a:pPr>
+              <a:spcAft>
+                <a:spcPts val="300"/>
+              </a:spcAft>
+            </a:pPr>
+            <a:r>
+              <a:rPr lang="ko-KR" altLang="en-US" sz="900" dirty="0">
+                <a:solidFill>
+                  <a:srgbClr val="D4CFC5"/>
+                </a:solidFill>
+                <a:latin typeface="Pretendard Medium" panose="02000603000000020004" pitchFamily="2" charset="-127"/>
+                <a:ea typeface="Pretendard Medium" panose="02000603000000020004" pitchFamily="2" charset="-127"/>
+                <a:cs typeface="Pretendard Medium" panose="02000603000000020004" pitchFamily="2" charset="-127"/>
+              </a:rPr>
+              <a:t>적응 </a:t>
+            </a:r>
+            <a:r>
+              <a:rPr lang="en-US" altLang="ko-KR" sz="900" dirty="0">
+                <a:solidFill>
+                  <a:srgbClr val="D4CFC5"/>
+                </a:solidFill>
+                <a:latin typeface="Pretendard Medium" panose="02000603000000020004" pitchFamily="2" charset="-127"/>
+                <a:ea typeface="Pretendard Medium" panose="02000603000000020004" pitchFamily="2" charset="-127"/>
+                <a:cs typeface="Pretendard Medium" panose="02000603000000020004" pitchFamily="2" charset="-127"/>
+              </a:rPr>
+              <a:t>: </a:t>
+            </a:r>
+            <a:r>
+              <a:rPr lang="ko-KR" altLang="en-US" sz="900" dirty="0">
+                <a:solidFill>
+                  <a:srgbClr val="D4CFC5"/>
+                </a:solidFill>
+                <a:latin typeface="Pretendard Medium" panose="02000603000000020004" pitchFamily="2" charset="-127"/>
+                <a:ea typeface="Pretendard Medium" panose="02000603000000020004" pitchFamily="2" charset="-127"/>
+                <a:cs typeface="Pretendard Medium" panose="02000603000000020004" pitchFamily="2" charset="-127"/>
+              </a:rPr>
+              <a:t>중립 </a:t>
+            </a:r>
+            <a:endParaRPr lang="en-US" altLang="ko-KR" sz="900" dirty="0">
+              <a:solidFill>
+                <a:srgbClr val="D4CFC5"/>
+              </a:solidFill>
+              <a:latin typeface="Pretendard Medium" panose="02000603000000020004" pitchFamily="2" charset="-127"/>
+              <a:ea typeface="Pretendard Medium" panose="02000603000000020004" pitchFamily="2" charset="-127"/>
+              <a:cs typeface="Pretendard Medium" panose="02000603000000020004" pitchFamily="2" charset="-127"/>
+            </a:endParaRPr>
+          </a:p>
+          <a:p>
+            <a:pPr>
+              <a:spcAft>
+                <a:spcPts val="300"/>
+              </a:spcAft>
+            </a:pPr>
+            <a:endParaRPr lang="en-US" altLang="ko-KR" sz="900" dirty="0">
+              <a:solidFill>
+                <a:srgbClr val="D4CFC5"/>
+              </a:solidFill>
+              <a:latin typeface="Pretendard Medium" panose="02000603000000020004" pitchFamily="2" charset="-127"/>
+              <a:ea typeface="Pretendard Medium" panose="02000603000000020004" pitchFamily="2" charset="-127"/>
+              <a:cs typeface="Pretendard Medium" panose="02000603000000020004" pitchFamily="2" charset="-127"/>
+            </a:endParaRPr>
+          </a:p>
+          <a:p>
+            <a:pPr>
+              <a:spcAft>
+                <a:spcPts val="300"/>
+              </a:spcAft>
+            </a:pPr>
+            <a:r>
+              <a:rPr lang="ko-KR" altLang="en-US" sz="900" dirty="0">
+                <a:solidFill>
+                  <a:srgbClr val="D4CFC5"/>
+                </a:solidFill>
+                <a:latin typeface="Pretendard Medium" panose="02000603000000020004" pitchFamily="2" charset="-127"/>
+                <a:ea typeface="Pretendard Medium" panose="02000603000000020004" pitchFamily="2" charset="-127"/>
+                <a:cs typeface="Pretendard Medium" panose="02000603000000020004" pitchFamily="2" charset="-127"/>
+              </a:rPr>
+              <a:t>이런 관계가 있으면 더 재밌을까</a:t>
+            </a:r>
+            <a:r>
+              <a:rPr lang="en-US" altLang="ko-KR" sz="900" dirty="0">
+                <a:solidFill>
+                  <a:srgbClr val="D4CFC5"/>
+                </a:solidFill>
+                <a:latin typeface="Pretendard Medium" panose="02000603000000020004" pitchFamily="2" charset="-127"/>
+                <a:ea typeface="Pretendard Medium" panose="02000603000000020004" pitchFamily="2" charset="-127"/>
+                <a:cs typeface="Pretendard Medium" panose="02000603000000020004" pitchFamily="2" charset="-127"/>
+              </a:rPr>
+              <a:t>?</a:t>
+            </a:r>
+          </a:p>
+          <a:p>
+            <a:pPr>
+              <a:spcAft>
+                <a:spcPts val="300"/>
+              </a:spcAft>
+            </a:pPr>
+            <a:endParaRPr lang="en-US" altLang="ko-KR" sz="900" dirty="0">
+              <a:solidFill>
+                <a:srgbClr val="D4CFC5"/>
+              </a:solidFill>
+              <a:latin typeface="Pretendard Medium" panose="02000603000000020004" pitchFamily="2" charset="-127"/>
+              <a:ea typeface="Pretendard Medium" panose="02000603000000020004" pitchFamily="2" charset="-127"/>
+              <a:cs typeface="Pretendard Medium" panose="02000603000000020004" pitchFamily="2" charset="-127"/>
+            </a:endParaRPr>
+          </a:p>
+        </p:txBody>
+      </p:sp>
+      <p:sp>
+        <p:nvSpPr>
+          <p:cNvPr id="6" name="TextBox 5">
+            <a:extLst>
+              <a:ext uri="{FF2B5EF4-FFF2-40B4-BE49-F238E27FC236}">
+                <a16:creationId xmlns:a16="http://schemas.microsoft.com/office/drawing/2014/main" id="{8C045AB5-5C2F-3E2A-25E0-03B296420E13}"/>
+              </a:ext>
+            </a:extLst>
+          </p:cNvPr>
+          <p:cNvSpPr txBox="1"/>
+          <p:nvPr/>
+        </p:nvSpPr>
+        <p:spPr>
+          <a:xfrm>
+            <a:off x="175267" y="2114610"/>
+            <a:ext cx="1308050" cy="761747"/>
+          </a:xfrm>
+          <a:prstGeom prst="rect">
+            <a:avLst/>
+          </a:prstGeom>
+          <a:noFill/>
+        </p:spPr>
+        <p:txBody>
+          <a:bodyPr wrap="none" lIns="0" rIns="0" rtlCol="0">
+            <a:spAutoFit/>
+          </a:bodyPr>
+          <a:lstStyle/>
+          <a:p>
+            <a:pPr>
+              <a:spcAft>
+                <a:spcPts val="300"/>
+              </a:spcAft>
+            </a:pPr>
+            <a:r>
+              <a:rPr lang="ko-KR" altLang="en-US" sz="900" dirty="0">
+                <a:solidFill>
+                  <a:srgbClr val="D4CFC5"/>
+                </a:solidFill>
+                <a:latin typeface="Pretendard Medium" panose="02000603000000020004" pitchFamily="2" charset="-127"/>
+                <a:ea typeface="Pretendard Medium" panose="02000603000000020004" pitchFamily="2" charset="-127"/>
+                <a:cs typeface="Pretendard Medium" panose="02000603000000020004" pitchFamily="2" charset="-127"/>
+              </a:rPr>
+              <a:t>메인 슬롯에 따른 최적의 조합</a:t>
+            </a:r>
+            <a:endParaRPr lang="en-US" altLang="ko-KR" sz="900" dirty="0">
+              <a:solidFill>
+                <a:srgbClr val="D4CFC5"/>
+              </a:solidFill>
+              <a:latin typeface="Pretendard Medium" panose="02000603000000020004" pitchFamily="2" charset="-127"/>
+              <a:ea typeface="Pretendard Medium" panose="02000603000000020004" pitchFamily="2" charset="-127"/>
+              <a:cs typeface="Pretendard Medium" panose="02000603000000020004" pitchFamily="2" charset="-127"/>
+            </a:endParaRPr>
+          </a:p>
+          <a:p>
+            <a:pPr>
+              <a:spcAft>
+                <a:spcPts val="300"/>
+              </a:spcAft>
+            </a:pPr>
+            <a:r>
+              <a:rPr lang="ko-KR" altLang="en-US" sz="900" dirty="0">
+                <a:solidFill>
+                  <a:srgbClr val="D4CFC5"/>
+                </a:solidFill>
+                <a:latin typeface="Pretendard Medium" panose="02000603000000020004" pitchFamily="2" charset="-127"/>
+                <a:ea typeface="Pretendard Medium" panose="02000603000000020004" pitchFamily="2" charset="-127"/>
+                <a:cs typeface="Pretendard Medium" panose="02000603000000020004" pitchFamily="2" charset="-127"/>
+              </a:rPr>
+              <a:t>도전 </a:t>
+            </a:r>
+            <a:r>
+              <a:rPr lang="en-US" altLang="ko-KR" sz="900" dirty="0">
+                <a:solidFill>
+                  <a:srgbClr val="D4CFC5"/>
+                </a:solidFill>
+                <a:latin typeface="Pretendard Medium" panose="02000603000000020004" pitchFamily="2" charset="-127"/>
+                <a:ea typeface="Pretendard Medium" panose="02000603000000020004" pitchFamily="2" charset="-127"/>
+                <a:cs typeface="Pretendard Medium" panose="02000603000000020004" pitchFamily="2" charset="-127"/>
+              </a:rPr>
+              <a:t>– </a:t>
+            </a:r>
+            <a:r>
+              <a:rPr lang="ko-KR" altLang="en-US" sz="900" dirty="0">
+                <a:solidFill>
+                  <a:srgbClr val="D4CFC5"/>
+                </a:solidFill>
+                <a:latin typeface="Pretendard Medium" panose="02000603000000020004" pitchFamily="2" charset="-127"/>
+                <a:ea typeface="Pretendard Medium" panose="02000603000000020004" pitchFamily="2" charset="-127"/>
+                <a:cs typeface="Pretendard Medium" panose="02000603000000020004" pitchFamily="2" charset="-127"/>
+              </a:rPr>
+              <a:t>모두 도전 양상</a:t>
+            </a:r>
+            <a:endParaRPr lang="en-US" altLang="ko-KR" sz="900" dirty="0">
+              <a:solidFill>
+                <a:srgbClr val="D4CFC5"/>
+              </a:solidFill>
+              <a:latin typeface="Pretendard Medium" panose="02000603000000020004" pitchFamily="2" charset="-127"/>
+              <a:ea typeface="Pretendard Medium" panose="02000603000000020004" pitchFamily="2" charset="-127"/>
+              <a:cs typeface="Pretendard Medium" panose="02000603000000020004" pitchFamily="2" charset="-127"/>
+            </a:endParaRPr>
+          </a:p>
+          <a:p>
+            <a:pPr>
+              <a:spcAft>
+                <a:spcPts val="300"/>
+              </a:spcAft>
+            </a:pPr>
+            <a:r>
+              <a:rPr lang="ko-KR" altLang="en-US" sz="900" dirty="0">
+                <a:solidFill>
+                  <a:srgbClr val="D4CFC5"/>
+                </a:solidFill>
+                <a:latin typeface="Pretendard Medium" panose="02000603000000020004" pitchFamily="2" charset="-127"/>
+                <a:ea typeface="Pretendard Medium" panose="02000603000000020004" pitchFamily="2" charset="-127"/>
+                <a:cs typeface="Pretendard Medium" panose="02000603000000020004" pitchFamily="2" charset="-127"/>
+              </a:rPr>
+              <a:t>불굴 </a:t>
+            </a:r>
+            <a:r>
+              <a:rPr lang="en-US" altLang="ko-KR" sz="900" dirty="0">
+                <a:solidFill>
+                  <a:srgbClr val="D4CFC5"/>
+                </a:solidFill>
+                <a:latin typeface="Pretendard Medium" panose="02000603000000020004" pitchFamily="2" charset="-127"/>
+                <a:ea typeface="Pretendard Medium" panose="02000603000000020004" pitchFamily="2" charset="-127"/>
+                <a:cs typeface="Pretendard Medium" panose="02000603000000020004" pitchFamily="2" charset="-127"/>
+              </a:rPr>
+              <a:t>– </a:t>
+            </a:r>
+            <a:r>
+              <a:rPr lang="ko-KR" altLang="en-US" sz="900" dirty="0">
+                <a:solidFill>
+                  <a:srgbClr val="D4CFC5"/>
+                </a:solidFill>
+                <a:latin typeface="Pretendard Medium" panose="02000603000000020004" pitchFamily="2" charset="-127"/>
+                <a:ea typeface="Pretendard Medium" panose="02000603000000020004" pitchFamily="2" charset="-127"/>
+                <a:cs typeface="Pretendard Medium" panose="02000603000000020004" pitchFamily="2" charset="-127"/>
+              </a:rPr>
+              <a:t>모두 불굴 양상</a:t>
+            </a:r>
+            <a:endParaRPr lang="en-US" altLang="ko-KR" sz="900" dirty="0">
+              <a:solidFill>
+                <a:srgbClr val="D4CFC5"/>
+              </a:solidFill>
+              <a:latin typeface="Pretendard Medium" panose="02000603000000020004" pitchFamily="2" charset="-127"/>
+              <a:ea typeface="Pretendard Medium" panose="02000603000000020004" pitchFamily="2" charset="-127"/>
+              <a:cs typeface="Pretendard Medium" panose="02000603000000020004" pitchFamily="2" charset="-127"/>
+            </a:endParaRPr>
+          </a:p>
+          <a:p>
+            <a:pPr>
+              <a:spcAft>
+                <a:spcPts val="300"/>
+              </a:spcAft>
+            </a:pPr>
+            <a:r>
+              <a:rPr lang="ko-KR" altLang="en-US" sz="900" dirty="0">
+                <a:solidFill>
+                  <a:srgbClr val="D4CFC5"/>
+                </a:solidFill>
+                <a:latin typeface="Pretendard Medium" panose="02000603000000020004" pitchFamily="2" charset="-127"/>
+                <a:ea typeface="Pretendard Medium" panose="02000603000000020004" pitchFamily="2" charset="-127"/>
+                <a:cs typeface="Pretendard Medium" panose="02000603000000020004" pitchFamily="2" charset="-127"/>
+              </a:rPr>
+              <a:t>적응 </a:t>
+            </a:r>
+            <a:r>
+              <a:rPr lang="en-US" altLang="ko-KR" sz="900" dirty="0">
+                <a:solidFill>
+                  <a:srgbClr val="D4CFC5"/>
+                </a:solidFill>
+                <a:latin typeface="Pretendard Medium" panose="02000603000000020004" pitchFamily="2" charset="-127"/>
+                <a:ea typeface="Pretendard Medium" panose="02000603000000020004" pitchFamily="2" charset="-127"/>
+                <a:cs typeface="Pretendard Medium" panose="02000603000000020004" pitchFamily="2" charset="-127"/>
+              </a:rPr>
+              <a:t>– </a:t>
+            </a:r>
+            <a:r>
+              <a:rPr lang="ko-KR" altLang="en-US" sz="900" dirty="0">
+                <a:solidFill>
+                  <a:srgbClr val="D4CFC5"/>
+                </a:solidFill>
+                <a:latin typeface="Pretendard Medium" panose="02000603000000020004" pitchFamily="2" charset="-127"/>
+                <a:ea typeface="Pretendard Medium" panose="02000603000000020004" pitchFamily="2" charset="-127"/>
+                <a:cs typeface="Pretendard Medium" panose="02000603000000020004" pitchFamily="2" charset="-127"/>
+              </a:rPr>
+              <a:t>모두 다르게</a:t>
+            </a:r>
+            <a:endParaRPr lang="en-US" altLang="ko-KR" sz="900" dirty="0">
+              <a:solidFill>
+                <a:srgbClr val="D4CFC5"/>
+              </a:solidFill>
+              <a:latin typeface="Pretendard Medium" panose="02000603000000020004" pitchFamily="2" charset="-127"/>
+              <a:ea typeface="Pretendard Medium" panose="02000603000000020004" pitchFamily="2" charset="-127"/>
+              <a:cs typeface="Pretendard Medium" panose="02000603000000020004" pitchFamily="2" charset="-127"/>
+            </a:endParaRPr>
+          </a:p>
+        </p:txBody>
+      </p:sp>
+      <p:sp>
+        <p:nvSpPr>
+          <p:cNvPr id="7" name="TextBox 6">
+            <a:extLst>
+              <a:ext uri="{FF2B5EF4-FFF2-40B4-BE49-F238E27FC236}">
+                <a16:creationId xmlns:a16="http://schemas.microsoft.com/office/drawing/2014/main" id="{4000604A-9C5F-8F8F-B22E-7184B301B42F}"/>
+              </a:ext>
+            </a:extLst>
+          </p:cNvPr>
+          <p:cNvSpPr txBox="1"/>
+          <p:nvPr/>
+        </p:nvSpPr>
+        <p:spPr>
+          <a:xfrm>
+            <a:off x="2412891" y="1052780"/>
+            <a:ext cx="7040389" cy="3239348"/>
+          </a:xfrm>
+          <a:prstGeom prst="rect">
+            <a:avLst/>
+          </a:prstGeom>
+          <a:noFill/>
+        </p:spPr>
+        <p:txBody>
+          <a:bodyPr wrap="none" lIns="0" rIns="0" rtlCol="0">
+            <a:spAutoFit/>
+          </a:bodyPr>
+          <a:lstStyle/>
+          <a:p>
+            <a:pPr>
+              <a:spcAft>
+                <a:spcPts val="300"/>
+              </a:spcAft>
+            </a:pPr>
+            <a:r>
+              <a:rPr lang="ko-KR" altLang="en-US" sz="900" dirty="0">
+                <a:solidFill>
+                  <a:srgbClr val="D4CFC5"/>
+                </a:solidFill>
+                <a:latin typeface="Pretendard Medium" panose="02000603000000020004" pitchFamily="2" charset="-127"/>
+                <a:ea typeface="Pretendard Medium" panose="02000603000000020004" pitchFamily="2" charset="-127"/>
+                <a:cs typeface="Pretendard Medium" panose="02000603000000020004" pitchFamily="2" charset="-127"/>
+              </a:rPr>
+              <a:t>기록 완료 시 양상 별 </a:t>
+            </a:r>
+            <a:r>
+              <a:rPr lang="ko-KR" altLang="en-US" sz="900" dirty="0" err="1">
+                <a:solidFill>
+                  <a:srgbClr val="D4CFC5"/>
+                </a:solidFill>
+                <a:latin typeface="Pretendard Medium" panose="02000603000000020004" pitchFamily="2" charset="-127"/>
+                <a:ea typeface="Pretendard Medium" panose="02000603000000020004" pitchFamily="2" charset="-127"/>
+                <a:cs typeface="Pretendard Medium" panose="02000603000000020004" pitchFamily="2" charset="-127"/>
+              </a:rPr>
+              <a:t>디버프가</a:t>
+            </a:r>
+            <a:r>
+              <a:rPr lang="ko-KR" altLang="en-US" sz="900" dirty="0">
+                <a:solidFill>
+                  <a:srgbClr val="D4CFC5"/>
+                </a:solidFill>
+                <a:latin typeface="Pretendard Medium" panose="02000603000000020004" pitchFamily="2" charset="-127"/>
+                <a:ea typeface="Pretendard Medium" panose="02000603000000020004" pitchFamily="2" charset="-127"/>
+                <a:cs typeface="Pretendard Medium" panose="02000603000000020004" pitchFamily="2" charset="-127"/>
+              </a:rPr>
+              <a:t> 발생한다</a:t>
+            </a:r>
+            <a:r>
+              <a:rPr lang="en-US" altLang="ko-KR" sz="900" dirty="0">
+                <a:solidFill>
+                  <a:srgbClr val="D4CFC5"/>
+                </a:solidFill>
+                <a:latin typeface="Pretendard Medium" panose="02000603000000020004" pitchFamily="2" charset="-127"/>
+                <a:ea typeface="Pretendard Medium" panose="02000603000000020004" pitchFamily="2" charset="-127"/>
+                <a:cs typeface="Pretendard Medium" panose="02000603000000020004" pitchFamily="2" charset="-127"/>
+              </a:rPr>
+              <a:t>. </a:t>
+            </a:r>
+            <a:r>
+              <a:rPr lang="ko-KR" altLang="en-US" sz="900" dirty="0">
+                <a:solidFill>
+                  <a:srgbClr val="D4CFC5"/>
+                </a:solidFill>
+                <a:latin typeface="Pretendard Medium" panose="02000603000000020004" pitchFamily="2" charset="-127"/>
+                <a:ea typeface="Pretendard Medium" panose="02000603000000020004" pitchFamily="2" charset="-127"/>
+                <a:cs typeface="Pretendard Medium" panose="02000603000000020004" pitchFamily="2" charset="-127"/>
+              </a:rPr>
+              <a:t>같은 양상 연속으로 기록하지 못함</a:t>
+            </a:r>
+            <a:endParaRPr lang="en-US" altLang="ko-KR" sz="900" dirty="0">
+              <a:solidFill>
+                <a:srgbClr val="D4CFC5"/>
+              </a:solidFill>
+              <a:latin typeface="Pretendard Medium" panose="02000603000000020004" pitchFamily="2" charset="-127"/>
+              <a:ea typeface="Pretendard Medium" panose="02000603000000020004" pitchFamily="2" charset="-127"/>
+              <a:cs typeface="Pretendard Medium" panose="02000603000000020004" pitchFamily="2" charset="-127"/>
+            </a:endParaRPr>
+          </a:p>
+          <a:p>
+            <a:pPr>
+              <a:spcAft>
+                <a:spcPts val="300"/>
+              </a:spcAft>
+            </a:pPr>
+            <a:endParaRPr lang="en-US" altLang="ko-KR" sz="900" dirty="0">
+              <a:solidFill>
+                <a:srgbClr val="D4CFC5"/>
+              </a:solidFill>
+              <a:latin typeface="Pretendard Medium" panose="02000603000000020004" pitchFamily="2" charset="-127"/>
+              <a:ea typeface="Pretendard Medium" panose="02000603000000020004" pitchFamily="2" charset="-127"/>
+              <a:cs typeface="Pretendard Medium" panose="02000603000000020004" pitchFamily="2" charset="-127"/>
+            </a:endParaRPr>
+          </a:p>
+          <a:p>
+            <a:pPr marL="171450" indent="-171450">
+              <a:spcAft>
+                <a:spcPts val="300"/>
+              </a:spcAft>
+              <a:buFontTx/>
+              <a:buChar char="-"/>
+            </a:pPr>
+            <a:r>
+              <a:rPr lang="ko-KR" altLang="en-US" sz="900" dirty="0">
+                <a:solidFill>
+                  <a:srgbClr val="D4CFC5"/>
+                </a:solidFill>
+                <a:latin typeface="Pretendard Medium" panose="02000603000000020004" pitchFamily="2" charset="-127"/>
+                <a:ea typeface="Pretendard Medium" panose="02000603000000020004" pitchFamily="2" charset="-127"/>
+                <a:cs typeface="Pretendard Medium" panose="02000603000000020004" pitchFamily="2" charset="-127"/>
+              </a:rPr>
+              <a:t>유실 </a:t>
+            </a:r>
+            <a:r>
+              <a:rPr lang="en-US" altLang="ko-KR" sz="900" dirty="0">
+                <a:solidFill>
+                  <a:srgbClr val="D4CFC5"/>
+                </a:solidFill>
+                <a:latin typeface="Pretendard Medium" panose="02000603000000020004" pitchFamily="2" charset="-127"/>
+                <a:ea typeface="Pretendard Medium" panose="02000603000000020004" pitchFamily="2" charset="-127"/>
+                <a:cs typeface="Pretendard Medium" panose="02000603000000020004" pitchFamily="2" charset="-127"/>
+              </a:rPr>
+              <a:t>: </a:t>
+            </a:r>
+            <a:r>
+              <a:rPr lang="ko-KR" altLang="en-US" sz="900" dirty="0">
+                <a:solidFill>
+                  <a:srgbClr val="D4CFC5"/>
+                </a:solidFill>
+                <a:latin typeface="Pretendard Medium" panose="02000603000000020004" pitchFamily="2" charset="-127"/>
+                <a:ea typeface="Pretendard Medium" panose="02000603000000020004" pitchFamily="2" charset="-127"/>
+                <a:cs typeface="Pretendard Medium" panose="02000603000000020004" pitchFamily="2" charset="-127"/>
+              </a:rPr>
+              <a:t>같은 양상 기록 불가</a:t>
+            </a:r>
+            <a:endParaRPr lang="en-US" altLang="ko-KR" sz="900" dirty="0">
+              <a:solidFill>
+                <a:srgbClr val="D4CFC5"/>
+              </a:solidFill>
+              <a:latin typeface="Pretendard Medium" panose="02000603000000020004" pitchFamily="2" charset="-127"/>
+              <a:ea typeface="Pretendard Medium" panose="02000603000000020004" pitchFamily="2" charset="-127"/>
+              <a:cs typeface="Pretendard Medium" panose="02000603000000020004" pitchFamily="2" charset="-127"/>
+            </a:endParaRPr>
+          </a:p>
+          <a:p>
+            <a:pPr marL="171450" indent="-171450">
+              <a:spcAft>
+                <a:spcPts val="300"/>
+              </a:spcAft>
+              <a:buFontTx/>
+              <a:buChar char="-"/>
+            </a:pPr>
+            <a:r>
+              <a:rPr lang="ko-KR" altLang="en-US" sz="900" dirty="0">
+                <a:solidFill>
+                  <a:srgbClr val="D4CFC5"/>
+                </a:solidFill>
+                <a:latin typeface="Pretendard Medium" panose="02000603000000020004" pitchFamily="2" charset="-127"/>
+                <a:ea typeface="Pretendard Medium" panose="02000603000000020004" pitchFamily="2" charset="-127"/>
+                <a:cs typeface="Pretendard Medium" panose="02000603000000020004" pitchFamily="2" charset="-127"/>
+              </a:rPr>
+              <a:t>유실</a:t>
+            </a:r>
+            <a:r>
+              <a:rPr lang="en-US" altLang="ko-KR" sz="900" dirty="0">
+                <a:solidFill>
+                  <a:srgbClr val="D4CFC5"/>
+                </a:solidFill>
+                <a:latin typeface="Pretendard Medium" panose="02000603000000020004" pitchFamily="2" charset="-127"/>
+                <a:ea typeface="Pretendard Medium" panose="02000603000000020004" pitchFamily="2" charset="-127"/>
+                <a:cs typeface="Pretendard Medium" panose="02000603000000020004" pitchFamily="2" charset="-127"/>
+              </a:rPr>
+              <a:t>: </a:t>
+            </a:r>
+            <a:r>
+              <a:rPr lang="ko-KR" altLang="en-US" sz="900" dirty="0">
+                <a:solidFill>
+                  <a:srgbClr val="D4CFC5"/>
+                </a:solidFill>
+                <a:latin typeface="Pretendard Medium" panose="02000603000000020004" pitchFamily="2" charset="-127"/>
+                <a:ea typeface="Pretendard Medium" panose="02000603000000020004" pitchFamily="2" charset="-127"/>
+                <a:cs typeface="Pretendard Medium" panose="02000603000000020004" pitchFamily="2" charset="-127"/>
+              </a:rPr>
+              <a:t>도전 </a:t>
+            </a:r>
+            <a:r>
+              <a:rPr lang="en-US" altLang="ko-KR" sz="900" dirty="0">
+                <a:solidFill>
+                  <a:srgbClr val="D4CFC5"/>
+                </a:solidFill>
+                <a:latin typeface="Pretendard Medium" panose="02000603000000020004" pitchFamily="2" charset="-127"/>
+                <a:ea typeface="Pretendard Medium" panose="02000603000000020004" pitchFamily="2" charset="-127"/>
+                <a:cs typeface="Pretendard Medium" panose="02000603000000020004" pitchFamily="2" charset="-127"/>
+              </a:rPr>
+              <a:t>/ </a:t>
+            </a:r>
+            <a:r>
+              <a:rPr lang="ko-KR" altLang="en-US" sz="900" dirty="0">
+                <a:solidFill>
+                  <a:srgbClr val="D4CFC5"/>
+                </a:solidFill>
+                <a:latin typeface="Pretendard Medium" panose="02000603000000020004" pitchFamily="2" charset="-127"/>
+                <a:ea typeface="Pretendard Medium" panose="02000603000000020004" pitchFamily="2" charset="-127"/>
+                <a:cs typeface="Pretendard Medium" panose="02000603000000020004" pitchFamily="2" charset="-127"/>
+              </a:rPr>
+              <a:t>유실</a:t>
+            </a:r>
+            <a:r>
+              <a:rPr lang="en-US" altLang="ko-KR" sz="900" dirty="0">
+                <a:solidFill>
+                  <a:srgbClr val="D4CFC5"/>
+                </a:solidFill>
+                <a:latin typeface="Pretendard Medium" panose="02000603000000020004" pitchFamily="2" charset="-127"/>
+                <a:ea typeface="Pretendard Medium" panose="02000603000000020004" pitchFamily="2" charset="-127"/>
+                <a:cs typeface="Pretendard Medium" panose="02000603000000020004" pitchFamily="2" charset="-127"/>
+              </a:rPr>
+              <a:t>: </a:t>
+            </a:r>
+            <a:r>
+              <a:rPr lang="ko-KR" altLang="en-US" sz="900" dirty="0">
+                <a:solidFill>
+                  <a:srgbClr val="D4CFC5"/>
+                </a:solidFill>
+                <a:latin typeface="Pretendard Medium" panose="02000603000000020004" pitchFamily="2" charset="-127"/>
+                <a:ea typeface="Pretendard Medium" panose="02000603000000020004" pitchFamily="2" charset="-127"/>
+                <a:cs typeface="Pretendard Medium" panose="02000603000000020004" pitchFamily="2" charset="-127"/>
+              </a:rPr>
+              <a:t>불굴 </a:t>
+            </a:r>
+            <a:r>
+              <a:rPr lang="en-US" altLang="ko-KR" sz="900" dirty="0">
+                <a:solidFill>
+                  <a:srgbClr val="D4CFC5"/>
+                </a:solidFill>
+                <a:latin typeface="Pretendard Medium" panose="02000603000000020004" pitchFamily="2" charset="-127"/>
+                <a:ea typeface="Pretendard Medium" panose="02000603000000020004" pitchFamily="2" charset="-127"/>
+                <a:cs typeface="Pretendard Medium" panose="02000603000000020004" pitchFamily="2" charset="-127"/>
+              </a:rPr>
+              <a:t>/ </a:t>
+            </a:r>
+            <a:r>
+              <a:rPr lang="ko-KR" altLang="en-US" sz="900" dirty="0">
+                <a:solidFill>
+                  <a:srgbClr val="D4CFC5"/>
+                </a:solidFill>
+                <a:latin typeface="Pretendard Medium" panose="02000603000000020004" pitchFamily="2" charset="-127"/>
+                <a:ea typeface="Pretendard Medium" panose="02000603000000020004" pitchFamily="2" charset="-127"/>
+                <a:cs typeface="Pretendard Medium" panose="02000603000000020004" pitchFamily="2" charset="-127"/>
+              </a:rPr>
+              <a:t>유실</a:t>
+            </a:r>
+            <a:r>
+              <a:rPr lang="en-US" altLang="ko-KR" sz="900" dirty="0">
+                <a:solidFill>
+                  <a:srgbClr val="D4CFC5"/>
+                </a:solidFill>
+                <a:latin typeface="Pretendard Medium" panose="02000603000000020004" pitchFamily="2" charset="-127"/>
+                <a:ea typeface="Pretendard Medium" panose="02000603000000020004" pitchFamily="2" charset="-127"/>
+                <a:cs typeface="Pretendard Medium" panose="02000603000000020004" pitchFamily="2" charset="-127"/>
+              </a:rPr>
+              <a:t>: </a:t>
+            </a:r>
+            <a:r>
+              <a:rPr lang="ko-KR" altLang="en-US" sz="900" dirty="0">
+                <a:solidFill>
+                  <a:srgbClr val="D4CFC5"/>
+                </a:solidFill>
+                <a:latin typeface="Pretendard Medium" panose="02000603000000020004" pitchFamily="2" charset="-127"/>
+                <a:ea typeface="Pretendard Medium" panose="02000603000000020004" pitchFamily="2" charset="-127"/>
+                <a:cs typeface="Pretendard Medium" panose="02000603000000020004" pitchFamily="2" charset="-127"/>
+              </a:rPr>
+              <a:t>적응</a:t>
+            </a:r>
+            <a:endParaRPr lang="en-US" altLang="ko-KR" sz="900" dirty="0">
+              <a:solidFill>
+                <a:srgbClr val="D4CFC5"/>
+              </a:solidFill>
+              <a:latin typeface="Pretendard Medium" panose="02000603000000020004" pitchFamily="2" charset="-127"/>
+              <a:ea typeface="Pretendard Medium" panose="02000603000000020004" pitchFamily="2" charset="-127"/>
+              <a:cs typeface="Pretendard Medium" panose="02000603000000020004" pitchFamily="2" charset="-127"/>
+            </a:endParaRPr>
+          </a:p>
+          <a:p>
+            <a:pPr marL="171450" indent="-171450">
+              <a:spcAft>
+                <a:spcPts val="300"/>
+              </a:spcAft>
+              <a:buFontTx/>
+              <a:buChar char="-"/>
+            </a:pPr>
+            <a:r>
+              <a:rPr lang="ko-KR" altLang="en-US" sz="900" dirty="0">
+                <a:solidFill>
+                  <a:srgbClr val="D4CFC5"/>
+                </a:solidFill>
+                <a:latin typeface="Pretendard Medium" panose="02000603000000020004" pitchFamily="2" charset="-127"/>
+                <a:ea typeface="Pretendard Medium" panose="02000603000000020004" pitchFamily="2" charset="-127"/>
+                <a:cs typeface="Pretendard Medium" panose="02000603000000020004" pitchFamily="2" charset="-127"/>
+              </a:rPr>
+              <a:t>해당 양상 기록 불가</a:t>
+            </a:r>
+            <a:endParaRPr lang="en-US" altLang="ko-KR" sz="900" dirty="0">
+              <a:solidFill>
+                <a:srgbClr val="D4CFC5"/>
+              </a:solidFill>
+              <a:latin typeface="Pretendard Medium" panose="02000603000000020004" pitchFamily="2" charset="-127"/>
+              <a:ea typeface="Pretendard Medium" panose="02000603000000020004" pitchFamily="2" charset="-127"/>
+              <a:cs typeface="Pretendard Medium" panose="02000603000000020004" pitchFamily="2" charset="-127"/>
+            </a:endParaRPr>
+          </a:p>
+          <a:p>
+            <a:pPr marL="171450" indent="-171450">
+              <a:spcAft>
+                <a:spcPts val="300"/>
+              </a:spcAft>
+              <a:buFontTx/>
+              <a:buChar char="-"/>
+            </a:pPr>
+            <a:r>
+              <a:rPr lang="ko-KR" altLang="en-US" sz="900" dirty="0">
+                <a:solidFill>
+                  <a:srgbClr val="D4CFC5"/>
+                </a:solidFill>
+                <a:latin typeface="Pretendard Medium" panose="02000603000000020004" pitchFamily="2" charset="-127"/>
+                <a:ea typeface="Pretendard Medium" panose="02000603000000020004" pitchFamily="2" charset="-127"/>
+                <a:cs typeface="Pretendard Medium" panose="02000603000000020004" pitchFamily="2" charset="-127"/>
+              </a:rPr>
+              <a:t>기록 모드 종료 후 기록한 양상에 맞는 유실 효과 갱신</a:t>
+            </a:r>
+            <a:r>
+              <a:rPr lang="en-US" altLang="ko-KR" sz="900" dirty="0">
+                <a:solidFill>
+                  <a:srgbClr val="D4CFC5"/>
+                </a:solidFill>
+                <a:latin typeface="Pretendard Medium" panose="02000603000000020004" pitchFamily="2" charset="-127"/>
+                <a:ea typeface="Pretendard Medium" panose="02000603000000020004" pitchFamily="2" charset="-127"/>
+                <a:cs typeface="Pretendard Medium" panose="02000603000000020004" pitchFamily="2" charset="-127"/>
+              </a:rPr>
+              <a:t>. (</a:t>
+            </a:r>
+            <a:r>
+              <a:rPr lang="ko-KR" altLang="en-US" sz="900" dirty="0">
+                <a:solidFill>
+                  <a:srgbClr val="D4CFC5"/>
+                </a:solidFill>
+                <a:latin typeface="Pretendard Medium" panose="02000603000000020004" pitchFamily="2" charset="-127"/>
+                <a:ea typeface="Pretendard Medium" panose="02000603000000020004" pitchFamily="2" charset="-127"/>
+                <a:cs typeface="Pretendard Medium" panose="02000603000000020004" pitchFamily="2" charset="-127"/>
+              </a:rPr>
+              <a:t>이전의 효과 삭제됨</a:t>
+            </a:r>
+            <a:r>
+              <a:rPr lang="en-US" altLang="ko-KR" sz="900" dirty="0">
+                <a:solidFill>
+                  <a:srgbClr val="D4CFC5"/>
+                </a:solidFill>
+                <a:latin typeface="Pretendard Medium" panose="02000603000000020004" pitchFamily="2" charset="-127"/>
+                <a:ea typeface="Pretendard Medium" panose="02000603000000020004" pitchFamily="2" charset="-127"/>
+                <a:cs typeface="Pretendard Medium" panose="02000603000000020004" pitchFamily="2" charset="-127"/>
+              </a:rPr>
+              <a:t>)</a:t>
+            </a:r>
+          </a:p>
+          <a:p>
+            <a:pPr marL="171450" indent="-171450">
+              <a:spcAft>
+                <a:spcPts val="300"/>
+              </a:spcAft>
+              <a:buFontTx/>
+              <a:buChar char="-"/>
+            </a:pPr>
+            <a:r>
+              <a:rPr lang="ko-KR" altLang="en-US" sz="900" dirty="0">
+                <a:solidFill>
+                  <a:srgbClr val="D4CFC5"/>
+                </a:solidFill>
+                <a:latin typeface="Pretendard Medium" panose="02000603000000020004" pitchFamily="2" charset="-127"/>
+                <a:ea typeface="Pretendard Medium" panose="02000603000000020004" pitchFamily="2" charset="-127"/>
+                <a:cs typeface="Pretendard Medium" panose="02000603000000020004" pitchFamily="2" charset="-127"/>
+              </a:rPr>
+              <a:t>해제 불가</a:t>
+            </a:r>
+            <a:r>
+              <a:rPr lang="en-US" altLang="ko-KR" sz="900" dirty="0">
+                <a:solidFill>
+                  <a:srgbClr val="D4CFC5"/>
+                </a:solidFill>
+                <a:latin typeface="Pretendard Medium" panose="02000603000000020004" pitchFamily="2" charset="-127"/>
+                <a:ea typeface="Pretendard Medium" panose="02000603000000020004" pitchFamily="2" charset="-127"/>
+                <a:cs typeface="Pretendard Medium" panose="02000603000000020004" pitchFamily="2" charset="-127"/>
+              </a:rPr>
+              <a:t>, </a:t>
+            </a:r>
+            <a:r>
+              <a:rPr lang="ko-KR" altLang="en-US" sz="900" dirty="0">
+                <a:solidFill>
+                  <a:srgbClr val="D4CFC5"/>
+                </a:solidFill>
+                <a:latin typeface="Pretendard Medium" panose="02000603000000020004" pitchFamily="2" charset="-127"/>
+                <a:ea typeface="Pretendard Medium" panose="02000603000000020004" pitchFamily="2" charset="-127"/>
+                <a:cs typeface="Pretendard Medium" panose="02000603000000020004" pitchFamily="2" charset="-127"/>
+              </a:rPr>
+              <a:t>면역 무시</a:t>
+            </a:r>
+            <a:endParaRPr lang="en-US" altLang="ko-KR" sz="900" dirty="0">
+              <a:solidFill>
+                <a:srgbClr val="D4CFC5"/>
+              </a:solidFill>
+              <a:latin typeface="Pretendard Medium" panose="02000603000000020004" pitchFamily="2" charset="-127"/>
+              <a:ea typeface="Pretendard Medium" panose="02000603000000020004" pitchFamily="2" charset="-127"/>
+              <a:cs typeface="Pretendard Medium" panose="02000603000000020004" pitchFamily="2" charset="-127"/>
+            </a:endParaRPr>
+          </a:p>
+          <a:p>
+            <a:pPr marL="171450" indent="-171450">
+              <a:spcAft>
+                <a:spcPts val="300"/>
+              </a:spcAft>
+              <a:buFontTx/>
+              <a:buChar char="-"/>
+            </a:pPr>
+            <a:r>
+              <a:rPr lang="ko-KR" altLang="en-US" sz="900" dirty="0">
+                <a:solidFill>
+                  <a:srgbClr val="D4CFC5"/>
+                </a:solidFill>
+                <a:latin typeface="Pretendard Medium" panose="02000603000000020004" pitchFamily="2" charset="-127"/>
+                <a:ea typeface="Pretendard Medium" panose="02000603000000020004" pitchFamily="2" charset="-127"/>
+                <a:cs typeface="Pretendard Medium" panose="02000603000000020004" pitchFamily="2" charset="-127"/>
+              </a:rPr>
+              <a:t>양상의 기록이 일부 유실되며 해당 양상의 기록이 </a:t>
+            </a:r>
+            <a:r>
+              <a:rPr lang="ko-KR" altLang="en-US" sz="900" dirty="0" err="1">
+                <a:solidFill>
+                  <a:srgbClr val="D4CFC5"/>
+                </a:solidFill>
+                <a:latin typeface="Pretendard Medium" panose="02000603000000020004" pitchFamily="2" charset="-127"/>
+                <a:ea typeface="Pretendard Medium" panose="02000603000000020004" pitchFamily="2" charset="-127"/>
+                <a:cs typeface="Pretendard Medium" panose="02000603000000020004" pitchFamily="2" charset="-127"/>
+              </a:rPr>
+              <a:t>불가능해집니다</a:t>
+            </a:r>
+            <a:r>
+              <a:rPr lang="en-US" altLang="ko-KR" sz="900" dirty="0">
+                <a:solidFill>
+                  <a:srgbClr val="D4CFC5"/>
+                </a:solidFill>
+                <a:latin typeface="Pretendard Medium" panose="02000603000000020004" pitchFamily="2" charset="-127"/>
+                <a:ea typeface="Pretendard Medium" panose="02000603000000020004" pitchFamily="2" charset="-127"/>
+                <a:cs typeface="Pretendard Medium" panose="02000603000000020004" pitchFamily="2" charset="-127"/>
+              </a:rPr>
+              <a:t>.</a:t>
+            </a:r>
+          </a:p>
+          <a:p>
+            <a:pPr marL="171450" indent="-171450">
+              <a:spcAft>
+                <a:spcPts val="300"/>
+              </a:spcAft>
+              <a:buFontTx/>
+              <a:buChar char="-"/>
+            </a:pPr>
+            <a:endParaRPr lang="en-US" altLang="ko-KR" sz="900" dirty="0">
+              <a:solidFill>
+                <a:srgbClr val="D4CFC5"/>
+              </a:solidFill>
+              <a:latin typeface="Pretendard Medium" panose="02000603000000020004" pitchFamily="2" charset="-127"/>
+              <a:ea typeface="Pretendard Medium" panose="02000603000000020004" pitchFamily="2" charset="-127"/>
+              <a:cs typeface="Pretendard Medium" panose="02000603000000020004" pitchFamily="2" charset="-127"/>
+            </a:endParaRPr>
+          </a:p>
+          <a:p>
+            <a:pPr>
+              <a:spcAft>
+                <a:spcPts val="300"/>
+              </a:spcAft>
+            </a:pPr>
+            <a:r>
+              <a:rPr lang="en-US" altLang="ko-KR" sz="900" dirty="0">
+                <a:solidFill>
+                  <a:srgbClr val="D4CFC5"/>
+                </a:solidFill>
+                <a:latin typeface="Pretendard Medium" panose="02000603000000020004" pitchFamily="2" charset="-127"/>
+                <a:ea typeface="Pretendard Medium" panose="02000603000000020004" pitchFamily="2" charset="-127"/>
+                <a:cs typeface="Pretendard Medium" panose="02000603000000020004" pitchFamily="2" charset="-127"/>
+              </a:rPr>
+              <a:t>+ </a:t>
+            </a:r>
+            <a:r>
+              <a:rPr lang="ko-KR" altLang="en-US" sz="900" dirty="0">
+                <a:solidFill>
+                  <a:srgbClr val="D4CFC5"/>
+                </a:solidFill>
+                <a:latin typeface="Pretendard Medium" panose="02000603000000020004" pitchFamily="2" charset="-127"/>
+                <a:ea typeface="Pretendard Medium" panose="02000603000000020004" pitchFamily="2" charset="-127"/>
+                <a:cs typeface="Pretendard Medium" panose="02000603000000020004" pitchFamily="2" charset="-127"/>
+              </a:rPr>
+              <a:t>유실 효과 추가 아이디어</a:t>
+            </a:r>
+            <a:endParaRPr lang="en-US" altLang="ko-KR" sz="900" dirty="0">
+              <a:solidFill>
+                <a:srgbClr val="D4CFC5"/>
+              </a:solidFill>
+              <a:latin typeface="Pretendard Medium" panose="02000603000000020004" pitchFamily="2" charset="-127"/>
+              <a:ea typeface="Pretendard Medium" panose="02000603000000020004" pitchFamily="2" charset="-127"/>
+              <a:cs typeface="Pretendard Medium" panose="02000603000000020004" pitchFamily="2" charset="-127"/>
+            </a:endParaRPr>
+          </a:p>
+          <a:p>
+            <a:pPr marL="171450" indent="-171450">
+              <a:spcAft>
+                <a:spcPts val="300"/>
+              </a:spcAft>
+              <a:buFontTx/>
+              <a:buChar char="-"/>
+            </a:pPr>
+            <a:r>
+              <a:rPr lang="ko-KR" altLang="en-US" sz="900" dirty="0">
+                <a:solidFill>
+                  <a:srgbClr val="D4CFC5"/>
+                </a:solidFill>
+                <a:latin typeface="Pretendard Medium" panose="02000603000000020004" pitchFamily="2" charset="-127"/>
+                <a:ea typeface="Pretendard Medium" panose="02000603000000020004" pitchFamily="2" charset="-127"/>
+                <a:cs typeface="Pretendard Medium" panose="02000603000000020004" pitchFamily="2" charset="-127"/>
+              </a:rPr>
+              <a:t>유실 효과가 적용된 양상은 기록이 불가능 하지만 해당 양상 스킬의</a:t>
+            </a:r>
+            <a:r>
+              <a:rPr lang="en-US" altLang="ko-KR" sz="900" dirty="0">
+                <a:solidFill>
+                  <a:srgbClr val="D4CFC5"/>
+                </a:solidFill>
+                <a:latin typeface="Pretendard Medium" panose="02000603000000020004" pitchFamily="2" charset="-127"/>
+                <a:ea typeface="Pretendard Medium" panose="02000603000000020004" pitchFamily="2" charset="-127"/>
+                <a:cs typeface="Pretendard Medium" panose="02000603000000020004" pitchFamily="2" charset="-127"/>
+              </a:rPr>
+              <a:t> </a:t>
+            </a:r>
+            <a:r>
+              <a:rPr lang="ko-KR" altLang="en-US" sz="900" dirty="0">
+                <a:solidFill>
+                  <a:srgbClr val="D4CFC5"/>
+                </a:solidFill>
+                <a:latin typeface="Pretendard Medium" panose="02000603000000020004" pitchFamily="2" charset="-127"/>
+                <a:ea typeface="Pretendard Medium" panose="02000603000000020004" pitchFamily="2" charset="-127"/>
+                <a:cs typeface="Pretendard Medium" panose="02000603000000020004" pitchFamily="2" charset="-127"/>
+              </a:rPr>
+              <a:t>기록 게이지 </a:t>
+            </a:r>
+            <a:r>
+              <a:rPr lang="ko-KR" altLang="en-US" sz="900" dirty="0" err="1">
+                <a:solidFill>
+                  <a:srgbClr val="D4CFC5"/>
+                </a:solidFill>
+                <a:latin typeface="Pretendard Medium" panose="02000603000000020004" pitchFamily="2" charset="-127"/>
+                <a:ea typeface="Pretendard Medium" panose="02000603000000020004" pitchFamily="2" charset="-127"/>
+                <a:cs typeface="Pretendard Medium" panose="02000603000000020004" pitchFamily="2" charset="-127"/>
+              </a:rPr>
+              <a:t>회복량이</a:t>
+            </a:r>
+            <a:r>
+              <a:rPr lang="ko-KR" altLang="en-US" sz="900" dirty="0">
+                <a:solidFill>
+                  <a:srgbClr val="D4CFC5"/>
+                </a:solidFill>
+                <a:latin typeface="Pretendard Medium" panose="02000603000000020004" pitchFamily="2" charset="-127"/>
+                <a:ea typeface="Pretendard Medium" panose="02000603000000020004" pitchFamily="2" charset="-127"/>
+                <a:cs typeface="Pretendard Medium" panose="02000603000000020004" pitchFamily="2" charset="-127"/>
+              </a:rPr>
+              <a:t> 증가합니다</a:t>
+            </a:r>
+            <a:r>
+              <a:rPr lang="en-US" altLang="ko-KR" sz="900" dirty="0">
+                <a:solidFill>
+                  <a:srgbClr val="D4CFC5"/>
+                </a:solidFill>
+                <a:latin typeface="Pretendard Medium" panose="02000603000000020004" pitchFamily="2" charset="-127"/>
+                <a:ea typeface="Pretendard Medium" panose="02000603000000020004" pitchFamily="2" charset="-127"/>
+                <a:cs typeface="Pretendard Medium" panose="02000603000000020004" pitchFamily="2" charset="-127"/>
+              </a:rPr>
+              <a:t>.</a:t>
+            </a:r>
+          </a:p>
+          <a:p>
+            <a:pPr>
+              <a:spcAft>
+                <a:spcPts val="300"/>
+              </a:spcAft>
+            </a:pPr>
+            <a:endParaRPr lang="en-US" altLang="ko-KR" sz="900" dirty="0">
+              <a:solidFill>
+                <a:srgbClr val="D4CFC5"/>
+              </a:solidFill>
+              <a:latin typeface="Pretendard Medium" panose="02000603000000020004" pitchFamily="2" charset="-127"/>
+              <a:ea typeface="Pretendard Medium" panose="02000603000000020004" pitchFamily="2" charset="-127"/>
+              <a:cs typeface="Pretendard Medium" panose="02000603000000020004" pitchFamily="2" charset="-127"/>
+            </a:endParaRPr>
+          </a:p>
+          <a:p>
+            <a:pPr>
+              <a:spcAft>
+                <a:spcPts val="300"/>
+              </a:spcAft>
+            </a:pPr>
+            <a:endParaRPr lang="en-US" altLang="ko-KR" sz="900" dirty="0">
+              <a:solidFill>
+                <a:srgbClr val="D4CFC5"/>
+              </a:solidFill>
+              <a:latin typeface="Pretendard Medium" panose="02000603000000020004" pitchFamily="2" charset="-127"/>
+              <a:ea typeface="Pretendard Medium" panose="02000603000000020004" pitchFamily="2" charset="-127"/>
+              <a:cs typeface="Pretendard Medium" panose="02000603000000020004" pitchFamily="2" charset="-127"/>
+            </a:endParaRPr>
+          </a:p>
+          <a:p>
+            <a:pPr>
+              <a:spcAft>
+                <a:spcPts val="300"/>
+              </a:spcAft>
+            </a:pPr>
+            <a:r>
+              <a:rPr lang="en-US" altLang="ko-KR" sz="900" dirty="0">
+                <a:solidFill>
+                  <a:srgbClr val="D4CFC5"/>
+                </a:solidFill>
+                <a:latin typeface="Pretendard Medium" panose="02000603000000020004" pitchFamily="2" charset="-127"/>
+                <a:ea typeface="Pretendard Medium" panose="02000603000000020004" pitchFamily="2" charset="-127"/>
+                <a:cs typeface="Pretendard Medium" panose="02000603000000020004" pitchFamily="2" charset="-127"/>
+              </a:rPr>
+              <a:t>+ ‘</a:t>
+            </a:r>
+            <a:r>
+              <a:rPr lang="ko-KR" altLang="en-US" sz="900" dirty="0">
+                <a:solidFill>
+                  <a:srgbClr val="D4CFC5"/>
+                </a:solidFill>
+                <a:latin typeface="Pretendard Medium" panose="02000603000000020004" pitchFamily="2" charset="-127"/>
+                <a:ea typeface="Pretendard Medium" panose="02000603000000020004" pitchFamily="2" charset="-127"/>
+                <a:cs typeface="Pretendard Medium" panose="02000603000000020004" pitchFamily="2" charset="-127"/>
+              </a:rPr>
+              <a:t>별의 인도</a:t>
+            </a:r>
+            <a:r>
+              <a:rPr lang="en-US" altLang="ko-KR" sz="900" dirty="0">
+                <a:solidFill>
+                  <a:srgbClr val="D4CFC5"/>
+                </a:solidFill>
+                <a:latin typeface="Pretendard Medium" panose="02000603000000020004" pitchFamily="2" charset="-127"/>
+                <a:ea typeface="Pretendard Medium" panose="02000603000000020004" pitchFamily="2" charset="-127"/>
+                <a:cs typeface="Pretendard Medium" panose="02000603000000020004" pitchFamily="2" charset="-127"/>
+              </a:rPr>
+              <a:t>’ </a:t>
+            </a:r>
+            <a:r>
+              <a:rPr lang="ko-KR" altLang="en-US" sz="900" dirty="0">
+                <a:solidFill>
+                  <a:srgbClr val="D4CFC5"/>
+                </a:solidFill>
+                <a:latin typeface="Pretendard Medium" panose="02000603000000020004" pitchFamily="2" charset="-127"/>
+                <a:ea typeface="Pretendard Medium" panose="02000603000000020004" pitchFamily="2" charset="-127"/>
+                <a:cs typeface="Pretendard Medium" panose="02000603000000020004" pitchFamily="2" charset="-127"/>
+              </a:rPr>
+              <a:t>유실 효과 </a:t>
+            </a:r>
+            <a:r>
+              <a:rPr lang="ko-KR" altLang="en-US" sz="900" dirty="0" err="1">
+                <a:solidFill>
+                  <a:srgbClr val="D4CFC5"/>
+                </a:solidFill>
+                <a:latin typeface="Pretendard Medium" panose="02000603000000020004" pitchFamily="2" charset="-127"/>
+                <a:ea typeface="Pretendard Medium" panose="02000603000000020004" pitchFamily="2" charset="-127"/>
+                <a:cs typeface="Pretendard Medium" panose="02000603000000020004" pitchFamily="2" charset="-127"/>
+              </a:rPr>
+              <a:t>변경점</a:t>
+            </a:r>
+            <a:endParaRPr lang="en-US" altLang="ko-KR" sz="900" dirty="0">
+              <a:solidFill>
+                <a:srgbClr val="D4CFC5"/>
+              </a:solidFill>
+              <a:latin typeface="Pretendard Medium" panose="02000603000000020004" pitchFamily="2" charset="-127"/>
+              <a:ea typeface="Pretendard Medium" panose="02000603000000020004" pitchFamily="2" charset="-127"/>
+              <a:cs typeface="Pretendard Medium" panose="02000603000000020004" pitchFamily="2" charset="-127"/>
+            </a:endParaRPr>
+          </a:p>
+          <a:p>
+            <a:pPr marL="171450" indent="-171450">
+              <a:spcAft>
+                <a:spcPts val="300"/>
+              </a:spcAft>
+              <a:buFontTx/>
+              <a:buChar char="-"/>
+            </a:pPr>
+            <a:r>
+              <a:rPr lang="ko-KR" altLang="en-US" sz="900" dirty="0">
+                <a:solidFill>
+                  <a:srgbClr val="D4CFC5"/>
+                </a:solidFill>
+                <a:latin typeface="Pretendard Medium" panose="02000603000000020004" pitchFamily="2" charset="-127"/>
+                <a:ea typeface="Pretendard Medium" panose="02000603000000020004" pitchFamily="2" charset="-127"/>
+                <a:cs typeface="Pretendard Medium" panose="02000603000000020004" pitchFamily="2" charset="-127"/>
+              </a:rPr>
+              <a:t>유실 효과가 변경되며 클러스터 스킬 사용시 해당 양상에 맞는 효과가 적용됩니다</a:t>
+            </a:r>
+            <a:r>
+              <a:rPr lang="en-US" altLang="ko-KR" sz="900" dirty="0">
+                <a:solidFill>
+                  <a:srgbClr val="D4CFC5"/>
+                </a:solidFill>
+                <a:latin typeface="Pretendard Medium" panose="02000603000000020004" pitchFamily="2" charset="-127"/>
+                <a:ea typeface="Pretendard Medium" panose="02000603000000020004" pitchFamily="2" charset="-127"/>
+                <a:cs typeface="Pretendard Medium" panose="02000603000000020004" pitchFamily="2" charset="-127"/>
+              </a:rPr>
+              <a:t>.</a:t>
+            </a:r>
+          </a:p>
+          <a:p>
+            <a:pPr marL="171450" indent="-171450">
+              <a:spcAft>
+                <a:spcPts val="300"/>
+              </a:spcAft>
+              <a:buFontTx/>
+              <a:buChar char="-"/>
+            </a:pPr>
+            <a:r>
+              <a:rPr lang="ko-KR" altLang="en-US" sz="900" dirty="0">
+                <a:solidFill>
+                  <a:srgbClr val="D4CFC5"/>
+                </a:solidFill>
+                <a:latin typeface="Pretendard Medium" panose="02000603000000020004" pitchFamily="2" charset="-127"/>
+                <a:ea typeface="Pretendard Medium" panose="02000603000000020004" pitchFamily="2" charset="-127"/>
+                <a:cs typeface="Pretendard Medium" panose="02000603000000020004" pitchFamily="2" charset="-127"/>
+              </a:rPr>
+              <a:t>유실 효과 </a:t>
+            </a:r>
+            <a:r>
+              <a:rPr lang="en-US" altLang="ko-KR" sz="900" dirty="0">
+                <a:solidFill>
+                  <a:srgbClr val="D4CFC5"/>
+                </a:solidFill>
+                <a:latin typeface="Pretendard Medium" panose="02000603000000020004" pitchFamily="2" charset="-127"/>
+                <a:ea typeface="Pretendard Medium" panose="02000603000000020004" pitchFamily="2" charset="-127"/>
+                <a:cs typeface="Pretendard Medium" panose="02000603000000020004" pitchFamily="2" charset="-127"/>
+              </a:rPr>
+              <a:t>: </a:t>
+            </a:r>
+            <a:r>
+              <a:rPr lang="ko-KR" altLang="en-US" sz="900" dirty="0">
+                <a:solidFill>
+                  <a:srgbClr val="D4CFC5"/>
+                </a:solidFill>
+                <a:latin typeface="Pretendard Medium" panose="02000603000000020004" pitchFamily="2" charset="-127"/>
+                <a:ea typeface="Pretendard Medium" panose="02000603000000020004" pitchFamily="2" charset="-127"/>
+                <a:cs typeface="Pretendard Medium" panose="02000603000000020004" pitchFamily="2" charset="-127"/>
+              </a:rPr>
+              <a:t>해당 클러스터 스킬의 피해량 </a:t>
+            </a:r>
+            <a:r>
+              <a:rPr lang="en-US" altLang="ko-KR" sz="900" dirty="0">
+                <a:solidFill>
+                  <a:srgbClr val="D4CFC5"/>
+                </a:solidFill>
+                <a:latin typeface="Pretendard Medium" panose="02000603000000020004" pitchFamily="2" charset="-127"/>
+                <a:ea typeface="Pretendard Medium" panose="02000603000000020004" pitchFamily="2" charset="-127"/>
+                <a:cs typeface="Pretendard Medium" panose="02000603000000020004" pitchFamily="2" charset="-127"/>
+              </a:rPr>
+              <a:t>20% </a:t>
+            </a:r>
+            <a:r>
+              <a:rPr lang="ko-KR" altLang="en-US" sz="900" dirty="0">
+                <a:solidFill>
+                  <a:srgbClr val="D4CFC5"/>
+                </a:solidFill>
+                <a:latin typeface="Pretendard Medium" panose="02000603000000020004" pitchFamily="2" charset="-127"/>
+                <a:ea typeface="Pretendard Medium" panose="02000603000000020004" pitchFamily="2" charset="-127"/>
+                <a:cs typeface="Pretendard Medium" panose="02000603000000020004" pitchFamily="2" charset="-127"/>
+              </a:rPr>
+              <a:t>감소</a:t>
+            </a:r>
+            <a:r>
+              <a:rPr lang="en-US" altLang="ko-KR" sz="900" dirty="0">
+                <a:solidFill>
+                  <a:srgbClr val="D4CFC5"/>
+                </a:solidFill>
+                <a:latin typeface="Pretendard Medium" panose="02000603000000020004" pitchFamily="2" charset="-127"/>
+                <a:ea typeface="Pretendard Medium" panose="02000603000000020004" pitchFamily="2" charset="-127"/>
+                <a:cs typeface="Pretendard Medium" panose="02000603000000020004" pitchFamily="2" charset="-127"/>
+              </a:rPr>
+              <a:t>, </a:t>
+            </a:r>
+            <a:r>
+              <a:rPr lang="ko-KR" altLang="en-US" sz="900" dirty="0">
+                <a:solidFill>
+                  <a:srgbClr val="D4CFC5"/>
+                </a:solidFill>
+                <a:latin typeface="Pretendard Medium" panose="02000603000000020004" pitchFamily="2" charset="-127"/>
+                <a:ea typeface="Pretendard Medium" panose="02000603000000020004" pitchFamily="2" charset="-127"/>
+                <a:cs typeface="Pretendard Medium" panose="02000603000000020004" pitchFamily="2" charset="-127"/>
+              </a:rPr>
+              <a:t>해당 클러스터 스킬 이외의 클러스터 스킬의 피해량 </a:t>
+            </a:r>
+            <a:r>
+              <a:rPr lang="en-US" altLang="ko-KR" sz="900" dirty="0">
+                <a:solidFill>
+                  <a:srgbClr val="D4CFC5"/>
+                </a:solidFill>
+                <a:latin typeface="Pretendard Medium" panose="02000603000000020004" pitchFamily="2" charset="-127"/>
+                <a:ea typeface="Pretendard Medium" panose="02000603000000020004" pitchFamily="2" charset="-127"/>
+                <a:cs typeface="Pretendard Medium" panose="02000603000000020004" pitchFamily="2" charset="-127"/>
+              </a:rPr>
+              <a:t>10% </a:t>
+            </a:r>
+            <a:r>
+              <a:rPr lang="ko-KR" altLang="en-US" sz="900" dirty="0">
+                <a:solidFill>
+                  <a:srgbClr val="D4CFC5"/>
+                </a:solidFill>
+                <a:latin typeface="Pretendard Medium" panose="02000603000000020004" pitchFamily="2" charset="-127"/>
+                <a:ea typeface="Pretendard Medium" panose="02000603000000020004" pitchFamily="2" charset="-127"/>
+                <a:cs typeface="Pretendard Medium" panose="02000603000000020004" pitchFamily="2" charset="-127"/>
+              </a:rPr>
+              <a:t>증가</a:t>
+            </a:r>
+            <a:endParaRPr lang="en-US" altLang="ko-KR" sz="900" dirty="0">
+              <a:solidFill>
+                <a:srgbClr val="D4CFC5"/>
+              </a:solidFill>
+              <a:latin typeface="Pretendard Medium" panose="02000603000000020004" pitchFamily="2" charset="-127"/>
+              <a:ea typeface="Pretendard Medium" panose="02000603000000020004" pitchFamily="2" charset="-127"/>
+              <a:cs typeface="Pretendard Medium" panose="02000603000000020004" pitchFamily="2" charset="-127"/>
+            </a:endParaRPr>
+          </a:p>
+          <a:p>
+            <a:pPr marL="171450" indent="-171450">
+              <a:spcAft>
+                <a:spcPts val="300"/>
+              </a:spcAft>
+              <a:buFontTx/>
+              <a:buChar char="-"/>
+            </a:pPr>
+            <a:r>
+              <a:rPr lang="ko-KR" altLang="en-US" sz="900" dirty="0">
+                <a:solidFill>
+                  <a:srgbClr val="D4CFC5"/>
+                </a:solidFill>
+                <a:latin typeface="Pretendard Medium" panose="02000603000000020004" pitchFamily="2" charset="-127"/>
+                <a:ea typeface="Pretendard Medium" panose="02000603000000020004" pitchFamily="2" charset="-127"/>
+                <a:cs typeface="Pretendard Medium" panose="02000603000000020004" pitchFamily="2" charset="-127"/>
+              </a:rPr>
+              <a:t>“기록한 양상의 에너지가 </a:t>
+            </a:r>
+            <a:r>
+              <a:rPr lang="ko-KR" altLang="en-US" sz="900" dirty="0" err="1">
+                <a:solidFill>
+                  <a:srgbClr val="D4CFC5"/>
+                </a:solidFill>
+                <a:latin typeface="Pretendard Medium" panose="02000603000000020004" pitchFamily="2" charset="-127"/>
+                <a:ea typeface="Pretendard Medium" panose="02000603000000020004" pitchFamily="2" charset="-127"/>
+                <a:cs typeface="Pretendard Medium" panose="02000603000000020004" pitchFamily="2" charset="-127"/>
+              </a:rPr>
+              <a:t>희미해지며</a:t>
+            </a:r>
+            <a:r>
+              <a:rPr lang="ko-KR" altLang="en-US" sz="900" dirty="0">
+                <a:solidFill>
+                  <a:srgbClr val="D4CFC5"/>
+                </a:solidFill>
+                <a:latin typeface="Pretendard Medium" panose="02000603000000020004" pitchFamily="2" charset="-127"/>
+                <a:ea typeface="Pretendard Medium" panose="02000603000000020004" pitchFamily="2" charset="-127"/>
+                <a:cs typeface="Pretendard Medium" panose="02000603000000020004" pitchFamily="2" charset="-127"/>
+              </a:rPr>
+              <a:t> 해당 양상의 클러스터 스킬 피해량이 </a:t>
+            </a:r>
+            <a:r>
+              <a:rPr lang="en-US" altLang="ko-KR" sz="900" dirty="0">
+                <a:solidFill>
+                  <a:srgbClr val="D4CFC5"/>
+                </a:solidFill>
+                <a:latin typeface="Pretendard Medium" panose="02000603000000020004" pitchFamily="2" charset="-127"/>
+                <a:ea typeface="Pretendard Medium" panose="02000603000000020004" pitchFamily="2" charset="-127"/>
+                <a:cs typeface="Pretendard Medium" panose="02000603000000020004" pitchFamily="2" charset="-127"/>
+              </a:rPr>
+              <a:t>50% </a:t>
+            </a:r>
+            <a:r>
+              <a:rPr lang="ko-KR" altLang="en-US" sz="900" dirty="0">
+                <a:solidFill>
+                  <a:srgbClr val="D4CFC5"/>
+                </a:solidFill>
+                <a:latin typeface="Pretendard Medium" panose="02000603000000020004" pitchFamily="2" charset="-127"/>
+                <a:ea typeface="Pretendard Medium" panose="02000603000000020004" pitchFamily="2" charset="-127"/>
+                <a:cs typeface="Pretendard Medium" panose="02000603000000020004" pitchFamily="2" charset="-127"/>
+              </a:rPr>
+              <a:t>감소합니다</a:t>
+            </a:r>
+            <a:r>
+              <a:rPr lang="en-US" altLang="ko-KR" sz="900" dirty="0">
+                <a:solidFill>
+                  <a:srgbClr val="D4CFC5"/>
+                </a:solidFill>
+                <a:latin typeface="Pretendard Medium" panose="02000603000000020004" pitchFamily="2" charset="-127"/>
+                <a:ea typeface="Pretendard Medium" panose="02000603000000020004" pitchFamily="2" charset="-127"/>
+                <a:cs typeface="Pretendard Medium" panose="02000603000000020004" pitchFamily="2" charset="-127"/>
+              </a:rPr>
+              <a:t>. </a:t>
+            </a:r>
+            <a:r>
+              <a:rPr lang="ko-KR" altLang="en-US" sz="900" dirty="0">
+                <a:solidFill>
+                  <a:srgbClr val="D4CFC5"/>
+                </a:solidFill>
+                <a:latin typeface="Pretendard Medium" panose="02000603000000020004" pitchFamily="2" charset="-127"/>
+                <a:ea typeface="Pretendard Medium" panose="02000603000000020004" pitchFamily="2" charset="-127"/>
+                <a:cs typeface="Pretendard Medium" panose="02000603000000020004" pitchFamily="2" charset="-127"/>
+              </a:rPr>
+              <a:t>대신</a:t>
+            </a:r>
+            <a:r>
+              <a:rPr lang="en-US" altLang="ko-KR" sz="900" dirty="0">
+                <a:solidFill>
+                  <a:srgbClr val="D4CFC5"/>
+                </a:solidFill>
+                <a:latin typeface="Pretendard Medium" panose="02000603000000020004" pitchFamily="2" charset="-127"/>
+                <a:ea typeface="Pretendard Medium" panose="02000603000000020004" pitchFamily="2" charset="-127"/>
+                <a:cs typeface="Pretendard Medium" panose="02000603000000020004" pitchFamily="2" charset="-127"/>
+              </a:rPr>
+              <a:t>, </a:t>
+            </a:r>
+            <a:r>
+              <a:rPr lang="ko-KR" altLang="en-US" sz="900" dirty="0">
+                <a:solidFill>
+                  <a:srgbClr val="D4CFC5"/>
+                </a:solidFill>
+                <a:latin typeface="Pretendard Medium" panose="02000603000000020004" pitchFamily="2" charset="-127"/>
+                <a:ea typeface="Pretendard Medium" panose="02000603000000020004" pitchFamily="2" charset="-127"/>
+                <a:cs typeface="Pretendard Medium" panose="02000603000000020004" pitchFamily="2" charset="-127"/>
+              </a:rPr>
+              <a:t>다른 양상의 클러스터 스킬 피해량이 </a:t>
+            </a:r>
+            <a:r>
+              <a:rPr lang="en-US" altLang="ko-KR" sz="900" dirty="0">
+                <a:solidFill>
+                  <a:srgbClr val="D4CFC5"/>
+                </a:solidFill>
+                <a:latin typeface="Pretendard Medium" panose="02000603000000020004" pitchFamily="2" charset="-127"/>
+                <a:ea typeface="Pretendard Medium" panose="02000603000000020004" pitchFamily="2" charset="-127"/>
+                <a:cs typeface="Pretendard Medium" panose="02000603000000020004" pitchFamily="2" charset="-127"/>
+              </a:rPr>
+              <a:t>20% </a:t>
+            </a:r>
+            <a:r>
+              <a:rPr lang="ko-KR" altLang="en-US" sz="900" dirty="0">
+                <a:solidFill>
+                  <a:srgbClr val="D4CFC5"/>
+                </a:solidFill>
+                <a:latin typeface="Pretendard Medium" panose="02000603000000020004" pitchFamily="2" charset="-127"/>
+                <a:ea typeface="Pretendard Medium" panose="02000603000000020004" pitchFamily="2" charset="-127"/>
+                <a:cs typeface="Pretendard Medium" panose="02000603000000020004" pitchFamily="2" charset="-127"/>
+              </a:rPr>
+              <a:t>증가합니다</a:t>
+            </a:r>
+            <a:r>
+              <a:rPr lang="en-US" altLang="ko-KR" sz="900" dirty="0">
+                <a:solidFill>
+                  <a:srgbClr val="D4CFC5"/>
+                </a:solidFill>
+                <a:latin typeface="Pretendard Medium" panose="02000603000000020004" pitchFamily="2" charset="-127"/>
+                <a:ea typeface="Pretendard Medium" panose="02000603000000020004" pitchFamily="2" charset="-127"/>
+                <a:cs typeface="Pretendard Medium" panose="02000603000000020004" pitchFamily="2" charset="-127"/>
+              </a:rPr>
+              <a:t>.”</a:t>
+            </a:r>
+          </a:p>
+          <a:p>
+            <a:pPr marL="171450" indent="-171450">
+              <a:spcAft>
+                <a:spcPts val="300"/>
+              </a:spcAft>
+              <a:buFontTx/>
+              <a:buChar char="-"/>
+            </a:pPr>
+            <a:endParaRPr lang="en-US" altLang="ko-KR" sz="900" dirty="0">
+              <a:solidFill>
+                <a:srgbClr val="D4CFC5"/>
+              </a:solidFill>
+              <a:latin typeface="Pretendard Medium" panose="02000603000000020004" pitchFamily="2" charset="-127"/>
+              <a:ea typeface="Pretendard Medium" panose="02000603000000020004" pitchFamily="2" charset="-127"/>
+              <a:cs typeface="Pretendard Medium" panose="02000603000000020004" pitchFamily="2" charset="-127"/>
+            </a:endParaRPr>
+          </a:p>
+        </p:txBody>
+      </p:sp>
+      <p:sp>
+        <p:nvSpPr>
+          <p:cNvPr id="5" name="TextBox 4">
+            <a:extLst>
+              <a:ext uri="{FF2B5EF4-FFF2-40B4-BE49-F238E27FC236}">
+                <a16:creationId xmlns:a16="http://schemas.microsoft.com/office/drawing/2014/main" id="{C1B635B8-F6EF-45E8-12C4-C9E4466B33F6}"/>
+              </a:ext>
+            </a:extLst>
+          </p:cNvPr>
+          <p:cNvSpPr txBox="1"/>
+          <p:nvPr/>
+        </p:nvSpPr>
+        <p:spPr>
+          <a:xfrm>
+            <a:off x="8690796" y="702062"/>
+            <a:ext cx="3813544" cy="584775"/>
+          </a:xfrm>
+          <a:prstGeom prst="rect">
+            <a:avLst/>
+          </a:prstGeom>
+          <a:noFill/>
+        </p:spPr>
+        <p:txBody>
+          <a:bodyPr wrap="none" lIns="0" rIns="0" rtlCol="0">
+            <a:spAutoFit/>
+          </a:bodyPr>
+          <a:lstStyle/>
+          <a:p>
+            <a:pPr>
+              <a:spcAft>
+                <a:spcPts val="300"/>
+              </a:spcAft>
+            </a:pPr>
+            <a:r>
+              <a:rPr lang="ko-KR" altLang="en-US" sz="900">
+                <a:solidFill>
+                  <a:srgbClr val="D4CFC5"/>
+                </a:solidFill>
+                <a:latin typeface="Pretendard Medium" panose="02000603000000020004" pitchFamily="2" charset="-127"/>
+                <a:ea typeface="Pretendard Medium" panose="02000603000000020004" pitchFamily="2" charset="-127"/>
+                <a:cs typeface="Pretendard Medium" panose="02000603000000020004" pitchFamily="2" charset="-127"/>
+              </a:rPr>
+              <a:t>기본 기호로 통일</a:t>
+            </a:r>
+            <a:endParaRPr lang="en-US" altLang="ko-KR" sz="900">
+              <a:solidFill>
+                <a:srgbClr val="D4CFC5"/>
+              </a:solidFill>
+              <a:latin typeface="Pretendard Medium" panose="02000603000000020004" pitchFamily="2" charset="-127"/>
+              <a:ea typeface="Pretendard Medium" panose="02000603000000020004" pitchFamily="2" charset="-127"/>
+              <a:cs typeface="Pretendard Medium" panose="02000603000000020004" pitchFamily="2" charset="-127"/>
+            </a:endParaRPr>
+          </a:p>
+          <a:p>
+            <a:pPr>
+              <a:spcAft>
+                <a:spcPts val="300"/>
+              </a:spcAft>
+            </a:pPr>
+            <a:r>
+              <a:rPr lang="en-US" altLang="ko-KR" sz="900" dirty="0">
+                <a:solidFill>
+                  <a:srgbClr val="D4CFC5"/>
+                </a:solidFill>
+                <a:latin typeface="Pretendard Medium" panose="02000603000000020004" pitchFamily="2" charset="-127"/>
+                <a:ea typeface="Pretendard Medium" panose="02000603000000020004" pitchFamily="2" charset="-127"/>
+                <a:cs typeface="Pretendard Medium" panose="02000603000000020004" pitchFamily="2" charset="-127"/>
+              </a:rPr>
+              <a:t>‘</a:t>
+            </a:r>
+            <a:r>
+              <a:rPr lang="ko-KR" altLang="en-US" sz="900" dirty="0">
+                <a:solidFill>
+                  <a:srgbClr val="D4CFC5"/>
+                </a:solidFill>
+                <a:latin typeface="Pretendard Medium" panose="02000603000000020004" pitchFamily="2" charset="-127"/>
+                <a:ea typeface="Pretendard Medium" panose="02000603000000020004" pitchFamily="2" charset="-127"/>
+                <a:cs typeface="Pretendard Medium" panose="02000603000000020004" pitchFamily="2" charset="-127"/>
+              </a:rPr>
+              <a:t>별의 인도</a:t>
+            </a:r>
+            <a:r>
+              <a:rPr lang="en-US" altLang="ko-KR" sz="900" dirty="0">
+                <a:solidFill>
+                  <a:srgbClr val="D4CFC5"/>
+                </a:solidFill>
+                <a:latin typeface="Pretendard Medium" panose="02000603000000020004" pitchFamily="2" charset="-127"/>
+                <a:ea typeface="Pretendard Medium" panose="02000603000000020004" pitchFamily="2" charset="-127"/>
+                <a:cs typeface="Pretendard Medium" panose="02000603000000020004" pitchFamily="2" charset="-127"/>
+              </a:rPr>
+              <a:t>’ </a:t>
+            </a:r>
+            <a:r>
+              <a:rPr lang="ko-KR" altLang="en-US" sz="900" dirty="0">
+                <a:solidFill>
+                  <a:srgbClr val="D4CFC5"/>
+                </a:solidFill>
+                <a:latin typeface="Pretendard Medium" panose="02000603000000020004" pitchFamily="2" charset="-127"/>
+                <a:ea typeface="Pretendard Medium" panose="02000603000000020004" pitchFamily="2" charset="-127"/>
+                <a:cs typeface="Pretendard Medium" panose="02000603000000020004" pitchFamily="2" charset="-127"/>
+              </a:rPr>
+              <a:t>연계형 노드 중 메인</a:t>
+            </a:r>
+            <a:r>
+              <a:rPr lang="en-US" altLang="ko-KR" sz="900" dirty="0">
+                <a:solidFill>
+                  <a:srgbClr val="D4CFC5"/>
+                </a:solidFill>
+                <a:latin typeface="Pretendard Medium" panose="02000603000000020004" pitchFamily="2" charset="-127"/>
+                <a:ea typeface="Pretendard Medium" panose="02000603000000020004" pitchFamily="2" charset="-127"/>
+                <a:cs typeface="Pretendard Medium" panose="02000603000000020004" pitchFamily="2" charset="-127"/>
+              </a:rPr>
+              <a:t>/</a:t>
+            </a:r>
+            <a:r>
+              <a:rPr lang="ko-KR" altLang="en-US" sz="900" dirty="0">
+                <a:solidFill>
+                  <a:srgbClr val="D4CFC5"/>
+                </a:solidFill>
+                <a:latin typeface="Pretendard Medium" panose="02000603000000020004" pitchFamily="2" charset="-127"/>
+                <a:ea typeface="Pretendard Medium" panose="02000603000000020004" pitchFamily="2" charset="-127"/>
+                <a:cs typeface="Pretendard Medium" panose="02000603000000020004" pitchFamily="2" charset="-127"/>
+              </a:rPr>
+              <a:t>서브</a:t>
+            </a:r>
+            <a:r>
+              <a:rPr lang="en-US" altLang="ko-KR" sz="900" dirty="0">
+                <a:solidFill>
+                  <a:srgbClr val="D4CFC5"/>
+                </a:solidFill>
+                <a:latin typeface="Pretendard Medium" panose="02000603000000020004" pitchFamily="2" charset="-127"/>
+                <a:ea typeface="Pretendard Medium" panose="02000603000000020004" pitchFamily="2" charset="-127"/>
+                <a:cs typeface="Pretendard Medium" panose="02000603000000020004" pitchFamily="2" charset="-127"/>
+              </a:rPr>
+              <a:t>1,2</a:t>
+            </a:r>
+            <a:r>
+              <a:rPr lang="ko-KR" altLang="en-US" sz="900" dirty="0">
+                <a:solidFill>
+                  <a:srgbClr val="D4CFC5"/>
+                </a:solidFill>
+                <a:latin typeface="Pretendard Medium" panose="02000603000000020004" pitchFamily="2" charset="-127"/>
+                <a:ea typeface="Pretendard Medium" panose="02000603000000020004" pitchFamily="2" charset="-127"/>
+                <a:cs typeface="Pretendard Medium" panose="02000603000000020004" pitchFamily="2" charset="-127"/>
+              </a:rPr>
+              <a:t>로 나뉘는 노드를 선택하면 게이지가 변경되고</a:t>
+            </a:r>
+            <a:endParaRPr lang="en-US" altLang="ko-KR" sz="900" dirty="0">
+              <a:solidFill>
+                <a:srgbClr val="D4CFC5"/>
+              </a:solidFill>
+              <a:latin typeface="Pretendard Medium" panose="02000603000000020004" pitchFamily="2" charset="-127"/>
+              <a:ea typeface="Pretendard Medium" panose="02000603000000020004" pitchFamily="2" charset="-127"/>
+              <a:cs typeface="Pretendard Medium" panose="02000603000000020004" pitchFamily="2" charset="-127"/>
+            </a:endParaRPr>
+          </a:p>
+          <a:p>
+            <a:pPr>
+              <a:spcAft>
+                <a:spcPts val="300"/>
+              </a:spcAft>
+            </a:pPr>
+            <a:r>
+              <a:rPr lang="ko-KR" altLang="en-US" sz="900" dirty="0">
+                <a:solidFill>
+                  <a:srgbClr val="D4CFC5"/>
+                </a:solidFill>
+                <a:latin typeface="Pretendard Medium" panose="02000603000000020004" pitchFamily="2" charset="-127"/>
+                <a:ea typeface="Pretendard Medium" panose="02000603000000020004" pitchFamily="2" charset="-127"/>
+                <a:cs typeface="Pretendard Medium" panose="02000603000000020004" pitchFamily="2" charset="-127"/>
+              </a:rPr>
+              <a:t>완성 기호가 메인 슬롯에 기록되는 거로 바꾸자</a:t>
+            </a:r>
+            <a:r>
+              <a:rPr lang="en-US" altLang="ko-KR" sz="900" dirty="0">
+                <a:solidFill>
+                  <a:srgbClr val="D4CFC5"/>
+                </a:solidFill>
+                <a:latin typeface="Pretendard Medium" panose="02000603000000020004" pitchFamily="2" charset="-127"/>
+                <a:ea typeface="Pretendard Medium" panose="02000603000000020004" pitchFamily="2" charset="-127"/>
+                <a:cs typeface="Pretendard Medium" panose="02000603000000020004" pitchFamily="2" charset="-127"/>
+              </a:rPr>
+              <a:t>.</a:t>
+            </a:r>
+          </a:p>
+        </p:txBody>
+      </p:sp>
+      <p:sp>
+        <p:nvSpPr>
+          <p:cNvPr id="4" name="TextBox 3">
+            <a:extLst>
+              <a:ext uri="{FF2B5EF4-FFF2-40B4-BE49-F238E27FC236}">
+                <a16:creationId xmlns:a16="http://schemas.microsoft.com/office/drawing/2014/main" id="{8F91E08F-7AB8-B9A4-3853-F74C1F286DC7}"/>
+              </a:ext>
+            </a:extLst>
+          </p:cNvPr>
+          <p:cNvSpPr txBox="1"/>
+          <p:nvPr/>
+        </p:nvSpPr>
+        <p:spPr>
+          <a:xfrm>
+            <a:off x="3147067" y="4461356"/>
+            <a:ext cx="4042773" cy="584775"/>
+          </a:xfrm>
+          <a:prstGeom prst="rect">
+            <a:avLst/>
+          </a:prstGeom>
+          <a:noFill/>
+        </p:spPr>
+        <p:txBody>
+          <a:bodyPr wrap="none" lIns="0" rIns="0" rtlCol="0">
+            <a:spAutoFit/>
+          </a:bodyPr>
+          <a:lstStyle/>
+          <a:p>
+            <a:pPr>
+              <a:spcAft>
+                <a:spcPts val="300"/>
+              </a:spcAft>
+            </a:pPr>
+            <a:r>
+              <a:rPr lang="ko-KR" altLang="en-US" sz="900" dirty="0">
+                <a:solidFill>
+                  <a:srgbClr val="D4CFC5"/>
+                </a:solidFill>
+                <a:latin typeface="Pretendard Medium" panose="02000603000000020004" pitchFamily="2" charset="-127"/>
+                <a:ea typeface="Pretendard Medium" panose="02000603000000020004" pitchFamily="2" charset="-127"/>
+                <a:cs typeface="Pretendard Medium" panose="02000603000000020004" pitchFamily="2" charset="-127"/>
+              </a:rPr>
+              <a:t>완성 기록 시 효과 발생으로 바꾸면 어때</a:t>
+            </a:r>
+            <a:r>
+              <a:rPr lang="en-US" altLang="ko-KR" sz="900" dirty="0">
+                <a:solidFill>
+                  <a:srgbClr val="D4CFC5"/>
+                </a:solidFill>
+                <a:latin typeface="Pretendard Medium" panose="02000603000000020004" pitchFamily="2" charset="-127"/>
+                <a:ea typeface="Pretendard Medium" panose="02000603000000020004" pitchFamily="2" charset="-127"/>
+                <a:cs typeface="Pretendard Medium" panose="02000603000000020004" pitchFamily="2" charset="-127"/>
+              </a:rPr>
+              <a:t>?</a:t>
+            </a:r>
+          </a:p>
+          <a:p>
+            <a:pPr marL="171450" indent="-171450">
+              <a:spcAft>
+                <a:spcPts val="300"/>
+              </a:spcAft>
+              <a:buFontTx/>
+              <a:buChar char="-"/>
+            </a:pPr>
+            <a:r>
+              <a:rPr lang="ko-KR" altLang="en-US" sz="900" dirty="0">
+                <a:solidFill>
+                  <a:srgbClr val="D4CFC5"/>
+                </a:solidFill>
+                <a:latin typeface="Pretendard Medium" panose="02000603000000020004" pitchFamily="2" charset="-127"/>
+                <a:ea typeface="Pretendard Medium" panose="02000603000000020004" pitchFamily="2" charset="-127"/>
+                <a:cs typeface="Pretendard Medium" panose="02000603000000020004" pitchFamily="2" charset="-127"/>
+              </a:rPr>
+              <a:t>하나  하나에 효과가 있는 게 아니라</a:t>
+            </a:r>
+            <a:r>
+              <a:rPr lang="en-US" altLang="ko-KR" sz="900" dirty="0">
+                <a:solidFill>
+                  <a:srgbClr val="D4CFC5"/>
+                </a:solidFill>
+                <a:latin typeface="Pretendard Medium" panose="02000603000000020004" pitchFamily="2" charset="-127"/>
+                <a:ea typeface="Pretendard Medium" panose="02000603000000020004" pitchFamily="2" charset="-127"/>
+                <a:cs typeface="Pretendard Medium" panose="02000603000000020004" pitchFamily="2" charset="-127"/>
+              </a:rPr>
+              <a:t>.</a:t>
+            </a:r>
+          </a:p>
+          <a:p>
+            <a:pPr marL="171450" indent="-171450">
+              <a:spcAft>
+                <a:spcPts val="300"/>
+              </a:spcAft>
+              <a:buFontTx/>
+              <a:buChar char="-"/>
+            </a:pPr>
+            <a:r>
+              <a:rPr lang="ko-KR" altLang="en-US" sz="900" dirty="0">
+                <a:solidFill>
+                  <a:srgbClr val="D4CFC5"/>
+                </a:solidFill>
+                <a:latin typeface="Pretendard Medium" panose="02000603000000020004" pitchFamily="2" charset="-127"/>
+                <a:ea typeface="Pretendard Medium" panose="02000603000000020004" pitchFamily="2" charset="-127"/>
+                <a:cs typeface="Pretendard Medium" panose="02000603000000020004" pitchFamily="2" charset="-127"/>
+              </a:rPr>
+              <a:t>대신</a:t>
+            </a:r>
+            <a:r>
+              <a:rPr lang="en-US" altLang="ko-KR" sz="900" dirty="0">
+                <a:solidFill>
+                  <a:srgbClr val="D4CFC5"/>
+                </a:solidFill>
+                <a:latin typeface="Pretendard Medium" panose="02000603000000020004" pitchFamily="2" charset="-127"/>
+                <a:ea typeface="Pretendard Medium" panose="02000603000000020004" pitchFamily="2" charset="-127"/>
+                <a:cs typeface="Pretendard Medium" panose="02000603000000020004" pitchFamily="2" charset="-127"/>
+              </a:rPr>
+              <a:t>, </a:t>
+            </a:r>
+            <a:r>
+              <a:rPr lang="ko-KR" altLang="en-US" sz="900" dirty="0">
+                <a:solidFill>
+                  <a:srgbClr val="D4CFC5"/>
+                </a:solidFill>
+                <a:latin typeface="Pretendard Medium" panose="02000603000000020004" pitchFamily="2" charset="-127"/>
+                <a:ea typeface="Pretendard Medium" panose="02000603000000020004" pitchFamily="2" charset="-127"/>
+                <a:cs typeface="Pretendard Medium" panose="02000603000000020004" pitchFamily="2" charset="-127"/>
+              </a:rPr>
+              <a:t>기록된 두 양상이 다른 경우 게이지 환급 </a:t>
+            </a:r>
+            <a:r>
+              <a:rPr lang="en-US" altLang="ko-KR" sz="900" dirty="0">
+                <a:solidFill>
+                  <a:srgbClr val="D4CFC5"/>
+                </a:solidFill>
+                <a:latin typeface="Pretendard Medium" panose="02000603000000020004" pitchFamily="2" charset="-127"/>
+                <a:ea typeface="Pretendard Medium" panose="02000603000000020004" pitchFamily="2" charset="-127"/>
+                <a:cs typeface="Pretendard Medium" panose="02000603000000020004" pitchFamily="2" charset="-127"/>
+              </a:rPr>
+              <a:t>or </a:t>
+            </a:r>
+            <a:r>
+              <a:rPr lang="ko-KR" altLang="en-US" sz="900" dirty="0" err="1">
+                <a:solidFill>
+                  <a:srgbClr val="D4CFC5"/>
+                </a:solidFill>
+                <a:latin typeface="Pretendard Medium" panose="02000603000000020004" pitchFamily="2" charset="-127"/>
+                <a:ea typeface="Pretendard Medium" panose="02000603000000020004" pitchFamily="2" charset="-127"/>
+                <a:cs typeface="Pretendard Medium" panose="02000603000000020004" pitchFamily="2" charset="-127"/>
+              </a:rPr>
+              <a:t>디버프</a:t>
+            </a:r>
+            <a:r>
+              <a:rPr lang="ko-KR" altLang="en-US" sz="900" dirty="0">
+                <a:solidFill>
+                  <a:srgbClr val="D4CFC5"/>
+                </a:solidFill>
+                <a:latin typeface="Pretendard Medium" panose="02000603000000020004" pitchFamily="2" charset="-127"/>
+                <a:ea typeface="Pretendard Medium" panose="02000603000000020004" pitchFamily="2" charset="-127"/>
+                <a:cs typeface="Pretendard Medium" panose="02000603000000020004" pitchFamily="2" charset="-127"/>
+              </a:rPr>
+              <a:t> 발생 </a:t>
+            </a:r>
+            <a:r>
+              <a:rPr lang="en-US" altLang="ko-KR" sz="900" dirty="0">
+                <a:solidFill>
+                  <a:srgbClr val="D4CFC5"/>
+                </a:solidFill>
+                <a:latin typeface="Pretendard Medium" panose="02000603000000020004" pitchFamily="2" charset="-127"/>
+                <a:ea typeface="Pretendard Medium" panose="02000603000000020004" pitchFamily="2" charset="-127"/>
+                <a:cs typeface="Pretendard Medium" panose="02000603000000020004" pitchFamily="2" charset="-127"/>
+              </a:rPr>
+              <a:t>x </a:t>
+            </a:r>
+            <a:r>
+              <a:rPr lang="ko-KR" altLang="en-US" sz="900" dirty="0">
+                <a:solidFill>
+                  <a:srgbClr val="D4CFC5"/>
+                </a:solidFill>
+                <a:latin typeface="Pretendard Medium" panose="02000603000000020004" pitchFamily="2" charset="-127"/>
+                <a:ea typeface="Pretendard Medium" panose="02000603000000020004" pitchFamily="2" charset="-127"/>
+                <a:cs typeface="Pretendard Medium" panose="02000603000000020004" pitchFamily="2" charset="-127"/>
+              </a:rPr>
+              <a:t>등 기타 효과가 있으면</a:t>
+            </a:r>
+            <a:r>
+              <a:rPr lang="en-US" altLang="ko-KR" sz="900">
+                <a:solidFill>
+                  <a:srgbClr val="D4CFC5"/>
+                </a:solidFill>
+                <a:latin typeface="Pretendard Medium" panose="02000603000000020004" pitchFamily="2" charset="-127"/>
+                <a:ea typeface="Pretendard Medium" panose="02000603000000020004" pitchFamily="2" charset="-127"/>
+                <a:cs typeface="Pretendard Medium" panose="02000603000000020004" pitchFamily="2" charset="-127"/>
+              </a:rPr>
+              <a:t>?</a:t>
+            </a:r>
+            <a:endParaRPr lang="en-US" altLang="ko-KR" sz="900" dirty="0">
+              <a:solidFill>
+                <a:srgbClr val="D4CFC5"/>
+              </a:solidFill>
+              <a:latin typeface="Pretendard Medium" panose="02000603000000020004" pitchFamily="2" charset="-127"/>
+              <a:ea typeface="Pretendard Medium" panose="02000603000000020004" pitchFamily="2" charset="-127"/>
+              <a:cs typeface="Pretendard Medium" panose="02000603000000020004" pitchFamily="2" charset="-127"/>
+            </a:endParaRPr>
+          </a:p>
+        </p:txBody>
+      </p:sp>
+      <p:grpSp>
+        <p:nvGrpSpPr>
+          <p:cNvPr id="103" name="그룹 102">
+            <a:extLst>
+              <a:ext uri="{FF2B5EF4-FFF2-40B4-BE49-F238E27FC236}">
+                <a16:creationId xmlns:a16="http://schemas.microsoft.com/office/drawing/2014/main" id="{2173FA70-5315-5E19-E6EE-AF91D3B12832}"/>
+              </a:ext>
+            </a:extLst>
+          </p:cNvPr>
+          <p:cNvGrpSpPr/>
+          <p:nvPr/>
+        </p:nvGrpSpPr>
+        <p:grpSpPr>
+          <a:xfrm>
+            <a:off x="7828546" y="5579754"/>
+            <a:ext cx="4363453" cy="820737"/>
+            <a:chOff x="1604527" y="2712306"/>
+            <a:chExt cx="4363453" cy="820737"/>
+          </a:xfrm>
+        </p:grpSpPr>
+        <p:sp>
+          <p:nvSpPr>
+            <p:cNvPr id="104" name="TextBox 103">
+              <a:extLst>
+                <a:ext uri="{FF2B5EF4-FFF2-40B4-BE49-F238E27FC236}">
+                  <a16:creationId xmlns:a16="http://schemas.microsoft.com/office/drawing/2014/main" id="{6BF4664B-9F7D-FEDA-E1D6-6CC3E52931A8}"/>
+                </a:ext>
+              </a:extLst>
+            </p:cNvPr>
+            <p:cNvSpPr txBox="1"/>
+            <p:nvPr/>
+          </p:nvSpPr>
+          <p:spPr>
+            <a:xfrm>
+              <a:off x="1604527" y="2943138"/>
+              <a:ext cx="4363453" cy="589905"/>
+            </a:xfrm>
+            <a:prstGeom prst="rect">
+              <a:avLst/>
+            </a:prstGeom>
+            <a:noFill/>
+          </p:spPr>
+          <p:txBody>
+            <a:bodyPr wrap="square" lIns="180000" rIns="0" rtlCol="0">
+              <a:spAutoFit/>
+            </a:bodyPr>
+            <a:lstStyle/>
+            <a:p>
+              <a:pPr indent="-171450">
+                <a:spcAft>
+                  <a:spcPts val="500"/>
+                </a:spcAft>
+                <a:buBlip>
+                  <a:blip r:embed="rId2"/>
+                </a:buBlip>
+              </a:pPr>
+              <a:r>
+                <a:rPr lang="ko-KR" altLang="en-US" sz="800" dirty="0">
+                  <a:solidFill>
+                    <a:srgbClr val="D4CFC5"/>
+                  </a:solidFill>
+                  <a:latin typeface="Pretendard Medium" panose="02000603000000020004" pitchFamily="2" charset="-127"/>
+                  <a:ea typeface="Pretendard Medium" panose="02000603000000020004" pitchFamily="2" charset="-127"/>
+                  <a:cs typeface="Pretendard Medium" panose="02000603000000020004" pitchFamily="2" charset="-127"/>
+                </a:rPr>
+                <a:t> 인공 별이 스킬을 대신 시전하는 동안 다른 행동을 하며 </a:t>
+              </a:r>
+              <a:r>
+                <a:rPr lang="ko-KR" altLang="en-US" sz="800" dirty="0">
+                  <a:solidFill>
+                    <a:srgbClr val="F7D4FC"/>
+                  </a:solidFill>
+                  <a:effectLst>
+                    <a:glow rad="88900">
+                      <a:schemeClr val="accent5">
+                        <a:lumMod val="50000"/>
+                      </a:schemeClr>
+                    </a:glow>
+                  </a:effectLst>
+                  <a:latin typeface="Pretendard Medium" panose="02000603000000020004" pitchFamily="2" charset="-127"/>
+                  <a:ea typeface="Pretendard Medium" panose="02000603000000020004" pitchFamily="2" charset="-127"/>
+                  <a:cs typeface="Pretendard Medium" panose="02000603000000020004" pitchFamily="2" charset="-127"/>
+                </a:rPr>
+                <a:t>속도감 있는 전투</a:t>
+              </a:r>
+              <a:r>
+                <a:rPr lang="ko-KR" altLang="en-US" sz="800" dirty="0">
+                  <a:solidFill>
+                    <a:srgbClr val="D4CFC5"/>
+                  </a:solidFill>
+                  <a:latin typeface="Pretendard Medium" panose="02000603000000020004" pitchFamily="2" charset="-127"/>
+                  <a:ea typeface="Pretendard Medium" panose="02000603000000020004" pitchFamily="2" charset="-127"/>
+                  <a:cs typeface="Pretendard Medium" panose="02000603000000020004" pitchFamily="2" charset="-127"/>
+                </a:rPr>
+                <a:t>를 할 수 있습니다</a:t>
+              </a:r>
+              <a:r>
+                <a:rPr lang="en-US" altLang="ko-KR" sz="800" dirty="0">
+                  <a:solidFill>
+                    <a:srgbClr val="D4CFC5"/>
+                  </a:solidFill>
+                  <a:latin typeface="Pretendard Medium" panose="02000603000000020004" pitchFamily="2" charset="-127"/>
+                  <a:ea typeface="Pretendard Medium" panose="02000603000000020004" pitchFamily="2" charset="-127"/>
+                  <a:cs typeface="Pretendard Medium" panose="02000603000000020004" pitchFamily="2" charset="-127"/>
+                </a:rPr>
+                <a:t>.</a:t>
+              </a:r>
+            </a:p>
+            <a:p>
+              <a:pPr indent="-171450">
+                <a:spcAft>
+                  <a:spcPts val="500"/>
+                </a:spcAft>
+                <a:buBlip>
+                  <a:blip r:embed="rId2"/>
+                </a:buBlip>
+              </a:pPr>
+              <a:r>
+                <a:rPr lang="ko-KR" altLang="en-US" sz="800" dirty="0">
+                  <a:solidFill>
+                    <a:srgbClr val="D4CFC5"/>
+                  </a:solidFill>
+                  <a:latin typeface="Pretendard Medium" panose="02000603000000020004" pitchFamily="2" charset="-127"/>
+                  <a:ea typeface="Pretendard Medium" panose="02000603000000020004" pitchFamily="2" charset="-127"/>
+                  <a:cs typeface="Pretendard Medium" panose="02000603000000020004" pitchFamily="2" charset="-127"/>
+                </a:rPr>
+                <a:t> </a:t>
+              </a:r>
+              <a:r>
+                <a:rPr lang="ko-KR" altLang="en-US" sz="800" dirty="0">
+                  <a:solidFill>
+                    <a:srgbClr val="F7D4FC"/>
+                  </a:solidFill>
+                  <a:effectLst>
+                    <a:glow rad="88900">
+                      <a:schemeClr val="accent5">
+                        <a:lumMod val="50000"/>
+                      </a:schemeClr>
+                    </a:glow>
+                  </a:effectLst>
+                  <a:latin typeface="Pretendard Medium" panose="02000603000000020004" pitchFamily="2" charset="-127"/>
+                  <a:ea typeface="Pretendard Medium" panose="02000603000000020004" pitchFamily="2" charset="-127"/>
+                  <a:cs typeface="Pretendard Medium" panose="02000603000000020004" pitchFamily="2" charset="-127"/>
+                </a:rPr>
+                <a:t>신속</a:t>
+              </a:r>
+              <a:r>
+                <a:rPr lang="ko-KR" altLang="en-US" sz="800" dirty="0">
+                  <a:solidFill>
+                    <a:srgbClr val="D4CFC5"/>
+                  </a:solidFill>
+                  <a:latin typeface="Pretendard Medium" panose="02000603000000020004" pitchFamily="2" charset="-127"/>
+                  <a:ea typeface="Pretendard Medium" panose="02000603000000020004" pitchFamily="2" charset="-127"/>
+                  <a:cs typeface="Pretendard Medium" panose="02000603000000020004" pitchFamily="2" charset="-127"/>
+                </a:rPr>
+                <a:t> </a:t>
+              </a:r>
+              <a:r>
+                <a:rPr lang="ko-KR" altLang="en-US" sz="800" dirty="0" err="1">
+                  <a:solidFill>
+                    <a:srgbClr val="D4CFC5"/>
+                  </a:solidFill>
+                  <a:latin typeface="Pretendard Medium" panose="02000603000000020004" pitchFamily="2" charset="-127"/>
+                  <a:ea typeface="Pretendard Medium" panose="02000603000000020004" pitchFamily="2" charset="-127"/>
+                  <a:cs typeface="Pretendard Medium" panose="02000603000000020004" pitchFamily="2" charset="-127"/>
+                </a:rPr>
+                <a:t>스탯을</a:t>
+              </a:r>
+              <a:r>
+                <a:rPr lang="ko-KR" altLang="en-US" sz="800" dirty="0">
+                  <a:solidFill>
+                    <a:srgbClr val="D4CFC5"/>
+                  </a:solidFill>
+                  <a:latin typeface="Pretendard Medium" panose="02000603000000020004" pitchFamily="2" charset="-127"/>
+                  <a:ea typeface="Pretendard Medium" panose="02000603000000020004" pitchFamily="2" charset="-127"/>
+                  <a:cs typeface="Pretendard Medium" panose="02000603000000020004" pitchFamily="2" charset="-127"/>
+                </a:rPr>
+                <a:t> 높여 </a:t>
+              </a:r>
+              <a:r>
+                <a:rPr lang="ko-KR" altLang="en-US" sz="800" dirty="0">
+                  <a:solidFill>
+                    <a:srgbClr val="F7D4FC"/>
+                  </a:solidFill>
+                  <a:effectLst>
+                    <a:glow rad="88900">
+                      <a:schemeClr val="accent5">
+                        <a:lumMod val="50000"/>
+                      </a:schemeClr>
+                    </a:glow>
+                  </a:effectLst>
+                  <a:latin typeface="Pretendard Medium" panose="02000603000000020004" pitchFamily="2" charset="-127"/>
+                  <a:ea typeface="Pretendard Medium" panose="02000603000000020004" pitchFamily="2" charset="-127"/>
+                  <a:cs typeface="Pretendard Medium" panose="02000603000000020004" pitchFamily="2" charset="-127"/>
+                </a:rPr>
+                <a:t>인공 별의 속도를 높일 수 있습니다</a:t>
+              </a:r>
+              <a:r>
+                <a:rPr lang="en-US" altLang="ko-KR" sz="800" dirty="0">
+                  <a:solidFill>
+                    <a:srgbClr val="F7D4FC"/>
+                  </a:solidFill>
+                  <a:effectLst>
+                    <a:glow rad="88900">
+                      <a:schemeClr val="accent5">
+                        <a:lumMod val="50000"/>
+                      </a:schemeClr>
+                    </a:glow>
+                  </a:effectLst>
+                  <a:latin typeface="Pretendard Medium" panose="02000603000000020004" pitchFamily="2" charset="-127"/>
+                  <a:ea typeface="Pretendard Medium" panose="02000603000000020004" pitchFamily="2" charset="-127"/>
+                  <a:cs typeface="Pretendard Medium" panose="02000603000000020004" pitchFamily="2" charset="-127"/>
+                </a:rPr>
+                <a:t>.</a:t>
+              </a:r>
+              <a:r>
+                <a:rPr lang="en-US" altLang="ko-KR" sz="800" dirty="0">
+                  <a:solidFill>
+                    <a:srgbClr val="D4CFC5"/>
+                  </a:solidFill>
+                  <a:latin typeface="Pretendard Medium" panose="02000603000000020004" pitchFamily="2" charset="-127"/>
+                  <a:ea typeface="Pretendard Medium" panose="02000603000000020004" pitchFamily="2" charset="-127"/>
+                  <a:cs typeface="Pretendard Medium" panose="02000603000000020004" pitchFamily="2" charset="-127"/>
+                </a:rPr>
+                <a:t> </a:t>
+              </a:r>
+            </a:p>
+            <a:p>
+              <a:pPr indent="-171450">
+                <a:spcAft>
+                  <a:spcPts val="500"/>
+                </a:spcAft>
+                <a:buBlip>
+                  <a:blip r:embed="rId2"/>
+                </a:buBlip>
+              </a:pPr>
+              <a:r>
+                <a:rPr lang="en-US" altLang="ko-KR" sz="800" dirty="0">
+                  <a:solidFill>
+                    <a:srgbClr val="D4CFC5"/>
+                  </a:solidFill>
+                  <a:latin typeface="Pretendard Medium" panose="02000603000000020004" pitchFamily="2" charset="-127"/>
+                  <a:ea typeface="Pretendard Medium" panose="02000603000000020004" pitchFamily="2" charset="-127"/>
+                  <a:cs typeface="Pretendard Medium" panose="02000603000000020004" pitchFamily="2" charset="-127"/>
+                </a:rPr>
+                <a:t> [</a:t>
+              </a:r>
+              <a:r>
+                <a:rPr lang="ko-KR" altLang="en-US" sz="800" dirty="0">
+                  <a:solidFill>
+                    <a:srgbClr val="D4CFC5"/>
+                  </a:solidFill>
+                  <a:latin typeface="Pretendard Medium" panose="02000603000000020004" pitchFamily="2" charset="-127"/>
+                  <a:ea typeface="Pretendard Medium" panose="02000603000000020004" pitchFamily="2" charset="-127"/>
+                  <a:cs typeface="Pretendard Medium" panose="02000603000000020004" pitchFamily="2" charset="-127"/>
+                </a:rPr>
+                <a:t>현상 스킬</a:t>
+              </a:r>
+              <a:r>
+                <a:rPr lang="en-US" altLang="ko-KR" sz="800" dirty="0">
+                  <a:solidFill>
+                    <a:srgbClr val="D4CFC5"/>
+                  </a:solidFill>
+                  <a:latin typeface="Pretendard Medium" panose="02000603000000020004" pitchFamily="2" charset="-127"/>
+                  <a:ea typeface="Pretendard Medium" panose="02000603000000020004" pitchFamily="2" charset="-127"/>
+                  <a:cs typeface="Pretendard Medium" panose="02000603000000020004" pitchFamily="2" charset="-127"/>
+                </a:rPr>
+                <a:t>]</a:t>
+              </a:r>
+              <a:r>
+                <a:rPr lang="ko-KR" altLang="en-US" sz="800" dirty="0">
+                  <a:solidFill>
+                    <a:srgbClr val="D4CFC5"/>
+                  </a:solidFill>
+                  <a:latin typeface="Pretendard Medium" panose="02000603000000020004" pitchFamily="2" charset="-127"/>
+                  <a:ea typeface="Pretendard Medium" panose="02000603000000020004" pitchFamily="2" charset="-127"/>
+                  <a:cs typeface="Pretendard Medium" panose="02000603000000020004" pitchFamily="2" charset="-127"/>
+                </a:rPr>
+                <a:t>과 </a:t>
+              </a:r>
+              <a:r>
+                <a:rPr lang="en-US" altLang="ko-KR" sz="800" dirty="0">
+                  <a:solidFill>
+                    <a:srgbClr val="D4CFC5"/>
+                  </a:solidFill>
+                  <a:latin typeface="Pretendard Medium" panose="02000603000000020004" pitchFamily="2" charset="-127"/>
+                  <a:ea typeface="Pretendard Medium" panose="02000603000000020004" pitchFamily="2" charset="-127"/>
+                  <a:cs typeface="Pretendard Medium" panose="02000603000000020004" pitchFamily="2" charset="-127"/>
+                </a:rPr>
+                <a:t>[</a:t>
+              </a:r>
+              <a:r>
+                <a:rPr lang="ko-KR" altLang="en-US" sz="800" dirty="0">
+                  <a:solidFill>
+                    <a:srgbClr val="D4CFC5"/>
+                  </a:solidFill>
+                  <a:latin typeface="Pretendard Medium" panose="02000603000000020004" pitchFamily="2" charset="-127"/>
+                  <a:ea typeface="Pretendard Medium" panose="02000603000000020004" pitchFamily="2" charset="-127"/>
+                  <a:cs typeface="Pretendard Medium" panose="02000603000000020004" pitchFamily="2" charset="-127"/>
+                </a:rPr>
+                <a:t>별자리 스킬</a:t>
+              </a:r>
+              <a:r>
+                <a:rPr lang="en-US" altLang="ko-KR" sz="800" dirty="0">
+                  <a:solidFill>
+                    <a:srgbClr val="D4CFC5"/>
+                  </a:solidFill>
+                  <a:latin typeface="Pretendard Medium" panose="02000603000000020004" pitchFamily="2" charset="-127"/>
+                  <a:ea typeface="Pretendard Medium" panose="02000603000000020004" pitchFamily="2" charset="-127"/>
+                  <a:cs typeface="Pretendard Medium" panose="02000603000000020004" pitchFamily="2" charset="-127"/>
+                </a:rPr>
+                <a:t>]</a:t>
+              </a:r>
+              <a:r>
+                <a:rPr lang="ko-KR" altLang="en-US" sz="800" dirty="0">
+                  <a:solidFill>
+                    <a:srgbClr val="D4CFC5"/>
+                  </a:solidFill>
+                  <a:latin typeface="Pretendard Medium" panose="02000603000000020004" pitchFamily="2" charset="-127"/>
+                  <a:ea typeface="Pretendard Medium" panose="02000603000000020004" pitchFamily="2" charset="-127"/>
+                  <a:cs typeface="Pretendard Medium" panose="02000603000000020004" pitchFamily="2" charset="-127"/>
+                </a:rPr>
+                <a:t>을 </a:t>
+              </a:r>
+              <a:r>
+                <a:rPr lang="ko-KR" altLang="en-US" sz="800" dirty="0">
+                  <a:solidFill>
+                    <a:srgbClr val="F7D4FC"/>
+                  </a:solidFill>
+                  <a:effectLst>
+                    <a:glow rad="88900">
+                      <a:schemeClr val="accent5">
+                        <a:lumMod val="50000"/>
+                      </a:schemeClr>
+                    </a:glow>
+                  </a:effectLst>
+                  <a:latin typeface="Pretendard Medium" panose="02000603000000020004" pitchFamily="2" charset="-127"/>
+                  <a:ea typeface="Pretendard Medium" panose="02000603000000020004" pitchFamily="2" charset="-127"/>
+                  <a:cs typeface="Pretendard Medium" panose="02000603000000020004" pitchFamily="2" charset="-127"/>
+                </a:rPr>
+                <a:t>콤보 형식</a:t>
+              </a:r>
+              <a:r>
+                <a:rPr lang="ko-KR" altLang="en-US" sz="800" dirty="0">
+                  <a:solidFill>
+                    <a:srgbClr val="D4CFC5"/>
+                  </a:solidFill>
+                  <a:latin typeface="Pretendard Medium" panose="02000603000000020004" pitchFamily="2" charset="-127"/>
+                  <a:ea typeface="Pretendard Medium" panose="02000603000000020004" pitchFamily="2" charset="-127"/>
+                  <a:cs typeface="Pretendard Medium" panose="02000603000000020004" pitchFamily="2" charset="-127"/>
+                </a:rPr>
+                <a:t>으로 사용하여 타격감을 더욱 높일 수 있습니다</a:t>
+              </a:r>
+              <a:r>
+                <a:rPr lang="en-US" altLang="ko-KR" sz="800" dirty="0">
+                  <a:solidFill>
+                    <a:srgbClr val="D4CFC5"/>
+                  </a:solidFill>
+                  <a:latin typeface="Pretendard Medium" panose="02000603000000020004" pitchFamily="2" charset="-127"/>
+                  <a:ea typeface="Pretendard Medium" panose="02000603000000020004" pitchFamily="2" charset="-127"/>
+                  <a:cs typeface="Pretendard Medium" panose="02000603000000020004" pitchFamily="2" charset="-127"/>
+                </a:rPr>
+                <a:t>.</a:t>
+              </a:r>
+            </a:p>
+          </p:txBody>
+        </p:sp>
+        <p:sp>
+          <p:nvSpPr>
+            <p:cNvPr id="105" name="TextBox 104">
+              <a:extLst>
+                <a:ext uri="{FF2B5EF4-FFF2-40B4-BE49-F238E27FC236}">
+                  <a16:creationId xmlns:a16="http://schemas.microsoft.com/office/drawing/2014/main" id="{A30EA0EC-F558-73F4-0ECC-ABE219106435}"/>
+                </a:ext>
+              </a:extLst>
+            </p:cNvPr>
+            <p:cNvSpPr txBox="1"/>
+            <p:nvPr/>
+          </p:nvSpPr>
+          <p:spPr>
+            <a:xfrm>
+              <a:off x="1604527" y="2712306"/>
+              <a:ext cx="2406108" cy="215444"/>
+            </a:xfrm>
+            <a:prstGeom prst="rect">
+              <a:avLst/>
+            </a:prstGeom>
+            <a:noFill/>
+          </p:spPr>
+          <p:txBody>
+            <a:bodyPr wrap="none" lIns="0" rIns="0" rtlCol="0">
+              <a:spAutoFit/>
+            </a:bodyPr>
+            <a:lstStyle/>
+            <a:p>
+              <a:pPr>
+                <a:spcAft>
+                  <a:spcPts val="500"/>
+                </a:spcAft>
+              </a:pPr>
+              <a:r>
+                <a:rPr lang="en-US" altLang="ko-KR" sz="800" dirty="0">
+                  <a:solidFill>
+                    <a:srgbClr val="D4CFC5"/>
+                  </a:solidFill>
+                  <a:latin typeface="Pretendard Medium" panose="02000603000000020004" pitchFamily="2" charset="-127"/>
+                  <a:ea typeface="Pretendard Medium" panose="02000603000000020004" pitchFamily="2" charset="-127"/>
+                  <a:cs typeface="Pretendard Medium" panose="02000603000000020004" pitchFamily="2" charset="-127"/>
+                </a:rPr>
+                <a:t>‘</a:t>
+              </a:r>
+              <a:r>
+                <a:rPr lang="ko-KR" altLang="en-US" sz="800" dirty="0">
+                  <a:solidFill>
+                    <a:srgbClr val="D4CFC5"/>
+                  </a:solidFill>
+                  <a:latin typeface="Pretendard Medium" panose="02000603000000020004" pitchFamily="2" charset="-127"/>
+                  <a:ea typeface="Pretendard Medium" panose="02000603000000020004" pitchFamily="2" charset="-127"/>
+                  <a:cs typeface="Pretendard Medium" panose="02000603000000020004" pitchFamily="2" charset="-127"/>
+                </a:rPr>
+                <a:t>천체 조율</a:t>
+              </a:r>
+              <a:r>
+                <a:rPr lang="en-US" altLang="ko-KR" sz="800" dirty="0">
+                  <a:solidFill>
+                    <a:srgbClr val="D4CFC5"/>
+                  </a:solidFill>
+                  <a:latin typeface="Pretendard Medium" panose="02000603000000020004" pitchFamily="2" charset="-127"/>
+                  <a:ea typeface="Pretendard Medium" panose="02000603000000020004" pitchFamily="2" charset="-127"/>
+                  <a:cs typeface="Pretendard Medium" panose="02000603000000020004" pitchFamily="2" charset="-127"/>
+                </a:rPr>
+                <a:t>’</a:t>
+              </a:r>
+              <a:r>
+                <a:rPr lang="ko-KR" altLang="en-US" sz="800" dirty="0">
+                  <a:solidFill>
+                    <a:srgbClr val="D4CFC5"/>
+                  </a:solidFill>
+                  <a:latin typeface="Pretendard Medium" panose="02000603000000020004" pitchFamily="2" charset="-127"/>
+                  <a:ea typeface="Pretendard Medium" panose="02000603000000020004" pitchFamily="2" charset="-127"/>
+                  <a:cs typeface="Pretendard Medium" panose="02000603000000020004" pitchFamily="2" charset="-127"/>
+                </a:rPr>
+                <a:t>과 연계형 패시브 효과들을 습득한 아스트로맨서는</a:t>
+              </a:r>
+              <a:endParaRPr lang="en-US" altLang="ko-KR" sz="800" dirty="0">
+                <a:solidFill>
+                  <a:srgbClr val="D4CFC5"/>
+                </a:solidFill>
+                <a:latin typeface="Pretendard Medium" panose="02000603000000020004" pitchFamily="2" charset="-127"/>
+                <a:ea typeface="Pretendard Medium" panose="02000603000000020004" pitchFamily="2" charset="-127"/>
+                <a:cs typeface="Pretendard Medium" panose="02000603000000020004" pitchFamily="2" charset="-127"/>
+              </a:endParaRPr>
+            </a:p>
+          </p:txBody>
+        </p:sp>
+      </p:grpSp>
+    </p:spTree>
+    <p:extLst>
+      <p:ext uri="{BB962C8B-B14F-4D97-AF65-F5344CB8AC3E}">
+        <p14:creationId xmlns:p14="http://schemas.microsoft.com/office/powerpoint/2010/main" val="1976696391"/>
+      </p:ext>
+    </p:extLst>
+  </p:cSld>
+  <p:clrMapOvr>
+    <a:masterClrMapping/>
+  </p:clrMapOvr>
+</p:sld>
+</file>
+
 <file path=ppt/slides/slide2.xml><?xml version="1.0" encoding="utf-8"?>
 <p:sld xmlns:a="http://schemas.openxmlformats.org/drawingml/2006/main" xmlns:r="http://schemas.openxmlformats.org/officeDocument/2006/relationships" xmlns:p="http://schemas.openxmlformats.org/presentationml/2006/main">
   <p:cSld>
@@ -16798,8 +19156,8 @@
         </p:nvSpPr>
         <p:spPr>
           <a:xfrm>
-            <a:off x="5037568" y="80001"/>
-            <a:ext cx="2076507" cy="400110"/>
+            <a:off x="5511257" y="80001"/>
+            <a:ext cx="1129133" cy="400110"/>
           </a:xfrm>
           <a:prstGeom prst="rect">
             <a:avLst/>
@@ -16825,15 +19183,7 @@
                 <a:ea typeface="Pretendard Medium" panose="02000603000000020004" pitchFamily="2" charset="-127"/>
                 <a:cs typeface="Pretendard Medium" panose="02000603000000020004" pitchFamily="2" charset="-127"/>
               </a:rPr>
-              <a:t>다 넣으려고 </a:t>
-            </a:r>
-            <a:r>
-              <a:rPr lang="ko-KR" altLang="en-US" sz="2000" dirty="0" err="1">
-                <a:latin typeface="Pretendard Medium" panose="02000603000000020004" pitchFamily="2" charset="-127"/>
-                <a:ea typeface="Pretendard Medium" panose="02000603000000020004" pitchFamily="2" charset="-127"/>
-                <a:cs typeface="Pretendard Medium" panose="02000603000000020004" pitchFamily="2" charset="-127"/>
-              </a:rPr>
-              <a:t>하지마</a:t>
+              <a:t>별의 인도</a:t>
             </a:r>
             <a:endParaRPr lang="en-US" altLang="ko-KR" sz="2000" dirty="0">
               <a:latin typeface="Pretendard Medium" panose="02000603000000020004" pitchFamily="2" charset="-127"/>
@@ -17121,6 +19471,1798 @@
 </file>
 
 <file path=ppt/slides/slide8.xml><?xml version="1.0" encoding="utf-8"?>
+<p:sld xmlns:a="http://schemas.openxmlformats.org/drawingml/2006/main" xmlns:r="http://schemas.openxmlformats.org/officeDocument/2006/relationships" xmlns:p="http://schemas.openxmlformats.org/presentationml/2006/main">
+  <p:cSld>
+    <p:spTree>
+      <p:nvGrpSpPr>
+        <p:cNvPr id="1" name="">
+          <a:extLst>
+            <a:ext uri="{FF2B5EF4-FFF2-40B4-BE49-F238E27FC236}">
+              <a16:creationId xmlns:a16="http://schemas.microsoft.com/office/drawing/2014/main" id="{29F24A4C-8D09-2B68-92EC-574DDEF31413}"/>
+            </a:ext>
+          </a:extLst>
+        </p:cNvPr>
+        <p:cNvGrpSpPr/>
+        <p:nvPr/>
+      </p:nvGrpSpPr>
+      <p:grpSpPr>
+        <a:xfrm>
+          <a:off x="0" y="0"/>
+          <a:ext cx="0" cy="0"/>
+          <a:chOff x="0" y="0"/>
+          <a:chExt cx="0" cy="0"/>
+        </a:xfrm>
+      </p:grpSpPr>
+      <p:sp>
+        <p:nvSpPr>
+          <p:cNvPr id="4" name="TextBox 3">
+            <a:extLst>
+              <a:ext uri="{FF2B5EF4-FFF2-40B4-BE49-F238E27FC236}">
+                <a16:creationId xmlns:a16="http://schemas.microsoft.com/office/drawing/2014/main" id="{1AAE04D0-0373-EEB9-5AE8-B7614766BF0E}"/>
+              </a:ext>
+            </a:extLst>
+          </p:cNvPr>
+          <p:cNvSpPr txBox="1"/>
+          <p:nvPr/>
+        </p:nvSpPr>
+        <p:spPr>
+          <a:xfrm>
+            <a:off x="0" y="18582"/>
+            <a:ext cx="5006797" cy="1469633"/>
+          </a:xfrm>
+          <a:prstGeom prst="rect">
+            <a:avLst/>
+          </a:prstGeom>
+          <a:noFill/>
+        </p:spPr>
+        <p:txBody>
+          <a:bodyPr wrap="none" lIns="90000" rIns="90000" rtlCol="0">
+            <a:spAutoFit/>
+          </a:bodyPr>
+          <a:lstStyle/>
+          <a:p>
+            <a:pPr>
+              <a:spcAft>
+                <a:spcPts val="300"/>
+              </a:spcAft>
+            </a:pPr>
+            <a:r>
+              <a:rPr lang="en-US" altLang="ko-KR" sz="900" dirty="0">
+                <a:solidFill>
+                  <a:srgbClr val="D4CFC5"/>
+                </a:solidFill>
+                <a:latin typeface="Pretendard Medium" panose="02000603000000020004" pitchFamily="2" charset="-127"/>
+                <a:ea typeface="Pretendard Medium" panose="02000603000000020004" pitchFamily="2" charset="-127"/>
+                <a:cs typeface="Pretendard Medium" panose="02000603000000020004" pitchFamily="2" charset="-127"/>
+              </a:rPr>
+              <a:t>(1T) </a:t>
+            </a:r>
+            <a:r>
+              <a:rPr lang="ko-KR" altLang="en-US" sz="900" dirty="0">
+                <a:solidFill>
+                  <a:srgbClr val="D4CFC5"/>
+                </a:solidFill>
+                <a:latin typeface="Pretendard Medium" panose="02000603000000020004" pitchFamily="2" charset="-127"/>
+                <a:ea typeface="Pretendard Medium" panose="02000603000000020004" pitchFamily="2" charset="-127"/>
+                <a:cs typeface="Pretendard Medium" panose="02000603000000020004" pitchFamily="2" charset="-127"/>
+              </a:rPr>
+              <a:t>천체 조율  </a:t>
+            </a:r>
+            <a:r>
+              <a:rPr lang="en-US" altLang="ko-KR" sz="900" dirty="0">
+                <a:solidFill>
+                  <a:srgbClr val="D4CFC5"/>
+                </a:solidFill>
+                <a:latin typeface="Pretendard Medium" panose="02000603000000020004" pitchFamily="2" charset="-127"/>
+                <a:ea typeface="Pretendard Medium" panose="02000603000000020004" pitchFamily="2" charset="-127"/>
+                <a:cs typeface="Pretendard Medium" panose="02000603000000020004" pitchFamily="2" charset="-127"/>
+              </a:rPr>
+              <a:t>24p</a:t>
+            </a:r>
+            <a:r>
+              <a:rPr lang="ko-KR" altLang="en-US" sz="900" dirty="0">
+                <a:solidFill>
+                  <a:srgbClr val="D4CFC5"/>
+                </a:solidFill>
+                <a:latin typeface="Pretendard Medium" panose="02000603000000020004" pitchFamily="2" charset="-127"/>
+                <a:ea typeface="Pretendard Medium" panose="02000603000000020004" pitchFamily="2" charset="-127"/>
+                <a:cs typeface="Pretendard Medium" panose="02000603000000020004" pitchFamily="2" charset="-127"/>
+              </a:rPr>
+              <a:t>         </a:t>
+            </a:r>
+            <a:r>
+              <a:rPr lang="en-US" altLang="ko-KR" sz="900" dirty="0">
+                <a:solidFill>
+                  <a:srgbClr val="FFFF00"/>
+                </a:solidFill>
+                <a:latin typeface="Pretendard Medium" panose="02000603000000020004" pitchFamily="2" charset="-127"/>
+                <a:ea typeface="Pretendard Medium" panose="02000603000000020004" pitchFamily="2" charset="-127"/>
+                <a:cs typeface="Pretendard Medium" panose="02000603000000020004" pitchFamily="2" charset="-127"/>
+              </a:rPr>
+              <a:t>#</a:t>
+            </a:r>
+            <a:r>
+              <a:rPr lang="ko-KR" altLang="en-US" sz="900" dirty="0">
+                <a:solidFill>
+                  <a:srgbClr val="FFFF00"/>
+                </a:solidFill>
+                <a:latin typeface="Pretendard Medium" panose="02000603000000020004" pitchFamily="2" charset="-127"/>
+                <a:ea typeface="Pretendard Medium" panose="02000603000000020004" pitchFamily="2" charset="-127"/>
+                <a:cs typeface="Pretendard Medium" panose="02000603000000020004" pitchFamily="2" charset="-127"/>
+              </a:rPr>
+              <a:t>인공별 형성</a:t>
+            </a:r>
+            <a:endParaRPr lang="en-US" altLang="ko-KR" sz="900" dirty="0">
+              <a:solidFill>
+                <a:srgbClr val="FFFF00"/>
+              </a:solidFill>
+              <a:latin typeface="Pretendard Medium" panose="02000603000000020004" pitchFamily="2" charset="-127"/>
+              <a:ea typeface="Pretendard Medium" panose="02000603000000020004" pitchFamily="2" charset="-127"/>
+              <a:cs typeface="Pretendard Medium" panose="02000603000000020004" pitchFamily="2" charset="-127"/>
+            </a:endParaRPr>
+          </a:p>
+          <a:p>
+            <a:pPr>
+              <a:spcAft>
+                <a:spcPts val="300"/>
+              </a:spcAft>
+            </a:pPr>
+            <a:r>
+              <a:rPr lang="ko-KR" altLang="en-US" sz="900" dirty="0">
+                <a:solidFill>
+                  <a:srgbClr val="D4CFC5"/>
+                </a:solidFill>
+                <a:latin typeface="Pretendard Medium" panose="02000603000000020004" pitchFamily="2" charset="-127"/>
+                <a:ea typeface="Pretendard Medium" panose="02000603000000020004" pitchFamily="2" charset="-127"/>
+                <a:cs typeface="Pretendard Medium" panose="02000603000000020004" pitchFamily="2" charset="-127"/>
+              </a:rPr>
+              <a:t>기록 모드에 진입할 수 없게 되지만</a:t>
+            </a:r>
+            <a:r>
+              <a:rPr lang="en-US" altLang="ko-KR" sz="900" dirty="0">
+                <a:solidFill>
+                  <a:srgbClr val="D4CFC5"/>
+                </a:solidFill>
+                <a:latin typeface="Pretendard Medium" panose="02000603000000020004" pitchFamily="2" charset="-127"/>
+                <a:ea typeface="Pretendard Medium" panose="02000603000000020004" pitchFamily="2" charset="-127"/>
+                <a:cs typeface="Pretendard Medium" panose="02000603000000020004" pitchFamily="2" charset="-127"/>
+              </a:rPr>
+              <a:t>, </a:t>
+            </a:r>
+            <a:r>
+              <a:rPr lang="ko-KR" altLang="en-US" sz="900" dirty="0">
+                <a:solidFill>
+                  <a:srgbClr val="D4CFC5"/>
+                </a:solidFill>
+                <a:latin typeface="Pretendard Medium" panose="02000603000000020004" pitchFamily="2" charset="-127"/>
+                <a:ea typeface="Pretendard Medium" panose="02000603000000020004" pitchFamily="2" charset="-127"/>
+                <a:cs typeface="Pretendard Medium" panose="02000603000000020004" pitchFamily="2" charset="-127"/>
+              </a:rPr>
+              <a:t>인공 별을 형성할 수 있습니다</a:t>
+            </a:r>
+            <a:r>
+              <a:rPr lang="en-US" altLang="ko-KR" sz="900" dirty="0">
+                <a:solidFill>
+                  <a:srgbClr val="D4CFC5"/>
+                </a:solidFill>
+                <a:latin typeface="Pretendard Medium" panose="02000603000000020004" pitchFamily="2" charset="-127"/>
+                <a:ea typeface="Pretendard Medium" panose="02000603000000020004" pitchFamily="2" charset="-127"/>
+                <a:cs typeface="Pretendard Medium" panose="02000603000000020004" pitchFamily="2" charset="-127"/>
+              </a:rPr>
+              <a:t>. </a:t>
+            </a:r>
+          </a:p>
+          <a:p>
+            <a:pPr>
+              <a:spcAft>
+                <a:spcPts val="300"/>
+              </a:spcAft>
+            </a:pPr>
+            <a:r>
+              <a:rPr lang="ko-KR" altLang="en-US" sz="900" dirty="0">
+                <a:solidFill>
+                  <a:srgbClr val="D4CFC5"/>
+                </a:solidFill>
+                <a:latin typeface="Pretendard Medium" panose="02000603000000020004" pitchFamily="2" charset="-127"/>
+                <a:ea typeface="Pretendard Medium" panose="02000603000000020004" pitchFamily="2" charset="-127"/>
+                <a:cs typeface="Pretendard Medium" panose="02000603000000020004" pitchFamily="2" charset="-127"/>
+              </a:rPr>
+              <a:t>인공 별은 직접 조작할 수 는 없지만</a:t>
+            </a:r>
+            <a:r>
+              <a:rPr lang="en-US" altLang="ko-KR" sz="900" dirty="0">
+                <a:solidFill>
+                  <a:srgbClr val="D4CFC5"/>
+                </a:solidFill>
+                <a:latin typeface="Pretendard Medium" panose="02000603000000020004" pitchFamily="2" charset="-127"/>
+                <a:ea typeface="Pretendard Medium" panose="02000603000000020004" pitchFamily="2" charset="-127"/>
+                <a:cs typeface="Pretendard Medium" panose="02000603000000020004" pitchFamily="2" charset="-127"/>
+              </a:rPr>
+              <a:t>, </a:t>
+            </a:r>
+            <a:r>
+              <a:rPr lang="ko-KR" altLang="en-US" sz="900" dirty="0">
+                <a:solidFill>
+                  <a:srgbClr val="D4CFC5"/>
+                </a:solidFill>
+                <a:latin typeface="Pretendard Medium" panose="02000603000000020004" pitchFamily="2" charset="-127"/>
+                <a:ea typeface="Pretendard Medium" panose="02000603000000020004" pitchFamily="2" charset="-127"/>
+                <a:cs typeface="Pretendard Medium" panose="02000603000000020004" pitchFamily="2" charset="-127"/>
+              </a:rPr>
+              <a:t>현상 스킬 사용 시 인공 별이 스킬을 대신 시전한 후 자동으로 회수됩니다</a:t>
+            </a:r>
+            <a:r>
+              <a:rPr lang="en-US" altLang="ko-KR" sz="900" dirty="0">
+                <a:solidFill>
+                  <a:srgbClr val="D4CFC5"/>
+                </a:solidFill>
+                <a:latin typeface="Pretendard Medium" panose="02000603000000020004" pitchFamily="2" charset="-127"/>
+                <a:ea typeface="Pretendard Medium" panose="02000603000000020004" pitchFamily="2" charset="-127"/>
+                <a:cs typeface="Pretendard Medium" panose="02000603000000020004" pitchFamily="2" charset="-127"/>
+              </a:rPr>
+              <a:t>.</a:t>
+            </a:r>
+          </a:p>
+          <a:p>
+            <a:pPr>
+              <a:spcAft>
+                <a:spcPts val="300"/>
+              </a:spcAft>
+            </a:pPr>
+            <a:endParaRPr lang="en-US" altLang="ko-KR" sz="900" dirty="0">
+              <a:solidFill>
+                <a:srgbClr val="D4CFC5"/>
+              </a:solidFill>
+              <a:latin typeface="Pretendard Medium" panose="02000603000000020004" pitchFamily="2" charset="-127"/>
+              <a:ea typeface="Pretendard Medium" panose="02000603000000020004" pitchFamily="2" charset="-127"/>
+              <a:cs typeface="Pretendard Medium" panose="02000603000000020004" pitchFamily="2" charset="-127"/>
+            </a:endParaRPr>
+          </a:p>
+          <a:p>
+            <a:pPr>
+              <a:spcAft>
+                <a:spcPts val="300"/>
+              </a:spcAft>
+            </a:pPr>
+            <a:r>
+              <a:rPr lang="ko-KR" altLang="en-US" sz="900" dirty="0">
+                <a:solidFill>
+                  <a:srgbClr val="D4CFC5"/>
+                </a:solidFill>
+                <a:latin typeface="Pretendard Medium" panose="02000603000000020004" pitchFamily="2" charset="-127"/>
+                <a:ea typeface="Pretendard Medium" panose="02000603000000020004" pitchFamily="2" charset="-127"/>
+                <a:cs typeface="Pretendard Medium" panose="02000603000000020004" pitchFamily="2" charset="-127"/>
+              </a:rPr>
+              <a:t>인공 별이 현상 스킬을 대신 시전하는 동안 다른 행동을 할 수 있습니다</a:t>
+            </a:r>
+            <a:r>
+              <a:rPr lang="en-US" altLang="ko-KR" sz="900" dirty="0">
+                <a:solidFill>
+                  <a:srgbClr val="D4CFC5"/>
+                </a:solidFill>
+                <a:latin typeface="Pretendard Medium" panose="02000603000000020004" pitchFamily="2" charset="-127"/>
+                <a:ea typeface="Pretendard Medium" panose="02000603000000020004" pitchFamily="2" charset="-127"/>
+                <a:cs typeface="Pretendard Medium" panose="02000603000000020004" pitchFamily="2" charset="-127"/>
+              </a:rPr>
+              <a:t>. </a:t>
+            </a:r>
+          </a:p>
+          <a:p>
+            <a:pPr>
+              <a:spcAft>
+                <a:spcPts val="300"/>
+              </a:spcAft>
+            </a:pPr>
+            <a:r>
+              <a:rPr lang="ko-KR" altLang="en-US" sz="900" dirty="0">
+                <a:solidFill>
+                  <a:srgbClr val="D4CFC5"/>
+                </a:solidFill>
+                <a:latin typeface="Pretendard Medium" panose="02000603000000020004" pitchFamily="2" charset="-127"/>
+                <a:ea typeface="Pretendard Medium" panose="02000603000000020004" pitchFamily="2" charset="-127"/>
+                <a:cs typeface="Pretendard Medium" panose="02000603000000020004" pitchFamily="2" charset="-127"/>
+              </a:rPr>
+              <a:t>단</a:t>
+            </a:r>
+            <a:r>
+              <a:rPr lang="en-US" altLang="ko-KR" sz="900" dirty="0">
+                <a:solidFill>
+                  <a:srgbClr val="D4CFC5"/>
+                </a:solidFill>
+                <a:latin typeface="Pretendard Medium" panose="02000603000000020004" pitchFamily="2" charset="-127"/>
+                <a:ea typeface="Pretendard Medium" panose="02000603000000020004" pitchFamily="2" charset="-127"/>
+                <a:cs typeface="Pretendard Medium" panose="02000603000000020004" pitchFamily="2" charset="-127"/>
+              </a:rPr>
+              <a:t>, </a:t>
+            </a:r>
+            <a:r>
+              <a:rPr lang="ko-KR" altLang="en-US" sz="900" dirty="0">
+                <a:solidFill>
+                  <a:srgbClr val="D4CFC5"/>
+                </a:solidFill>
+                <a:latin typeface="Pretendard Medium" panose="02000603000000020004" pitchFamily="2" charset="-127"/>
+                <a:ea typeface="Pretendard Medium" panose="02000603000000020004" pitchFamily="2" charset="-127"/>
+                <a:cs typeface="Pretendard Medium" panose="02000603000000020004" pitchFamily="2" charset="-127"/>
+              </a:rPr>
+              <a:t>현상 스킬은 스킬을 시전할 인공 별이 회수되어 있을 때만 사용 가능합니다</a:t>
+            </a:r>
+            <a:endParaRPr lang="en-US" altLang="ko-KR" sz="900" dirty="0">
+              <a:solidFill>
+                <a:srgbClr val="D4CFC5"/>
+              </a:solidFill>
+              <a:latin typeface="Pretendard Medium" panose="02000603000000020004" pitchFamily="2" charset="-127"/>
+              <a:ea typeface="Pretendard Medium" panose="02000603000000020004" pitchFamily="2" charset="-127"/>
+              <a:cs typeface="Pretendard Medium" panose="02000603000000020004" pitchFamily="2" charset="-127"/>
+            </a:endParaRPr>
+          </a:p>
+          <a:p>
+            <a:pPr>
+              <a:spcAft>
+                <a:spcPts val="300"/>
+              </a:spcAft>
+            </a:pPr>
+            <a:endParaRPr lang="en-US" altLang="ko-KR" sz="900" dirty="0">
+              <a:solidFill>
+                <a:srgbClr val="D4CFC5"/>
+              </a:solidFill>
+              <a:latin typeface="Pretendard Medium" panose="02000603000000020004" pitchFamily="2" charset="-127"/>
+              <a:ea typeface="Pretendard Medium" panose="02000603000000020004" pitchFamily="2" charset="-127"/>
+              <a:cs typeface="Pretendard Medium" panose="02000603000000020004" pitchFamily="2" charset="-127"/>
+            </a:endParaRPr>
+          </a:p>
+          <a:p>
+            <a:pPr>
+              <a:spcAft>
+                <a:spcPts val="300"/>
+              </a:spcAft>
+            </a:pPr>
+            <a:r>
+              <a:rPr lang="ko-KR" altLang="en-US" sz="900" dirty="0">
+                <a:solidFill>
+                  <a:srgbClr val="D4CFC5"/>
+                </a:solidFill>
+                <a:latin typeface="Pretendard Medium" panose="02000603000000020004" pitchFamily="2" charset="-127"/>
+                <a:ea typeface="Pretendard Medium" panose="02000603000000020004" pitchFamily="2" charset="-127"/>
+                <a:cs typeface="Pretendard Medium" panose="02000603000000020004" pitchFamily="2" charset="-127"/>
+              </a:rPr>
+              <a:t>인공 별의 시전 속도는 공격 속도에</a:t>
+            </a:r>
+            <a:r>
+              <a:rPr lang="en-US" altLang="ko-KR" sz="900" dirty="0">
+                <a:solidFill>
+                  <a:srgbClr val="D4CFC5"/>
+                </a:solidFill>
+                <a:latin typeface="Pretendard Medium" panose="02000603000000020004" pitchFamily="2" charset="-127"/>
+                <a:ea typeface="Pretendard Medium" panose="02000603000000020004" pitchFamily="2" charset="-127"/>
+                <a:cs typeface="Pretendard Medium" panose="02000603000000020004" pitchFamily="2" charset="-127"/>
+              </a:rPr>
+              <a:t>, </a:t>
+            </a:r>
+            <a:r>
+              <a:rPr lang="ko-KR" altLang="en-US" sz="900" dirty="0">
+                <a:solidFill>
+                  <a:srgbClr val="D4CFC5"/>
+                </a:solidFill>
+                <a:latin typeface="Pretendard Medium" panose="02000603000000020004" pitchFamily="2" charset="-127"/>
+                <a:ea typeface="Pretendard Medium" panose="02000603000000020004" pitchFamily="2" charset="-127"/>
+                <a:cs typeface="Pretendard Medium" panose="02000603000000020004" pitchFamily="2" charset="-127"/>
+              </a:rPr>
+              <a:t>인공 별의 회수 속도는 이동 속도에 비례합니다</a:t>
+            </a:r>
+            <a:r>
+              <a:rPr lang="en-US" altLang="ko-KR" sz="900" dirty="0">
+                <a:solidFill>
+                  <a:srgbClr val="D4CFC5"/>
+                </a:solidFill>
+                <a:latin typeface="Pretendard Medium" panose="02000603000000020004" pitchFamily="2" charset="-127"/>
+                <a:ea typeface="Pretendard Medium" panose="02000603000000020004" pitchFamily="2" charset="-127"/>
+                <a:cs typeface="Pretendard Medium" panose="02000603000000020004" pitchFamily="2" charset="-127"/>
+              </a:rPr>
+              <a:t>.</a:t>
+            </a:r>
+          </a:p>
+        </p:txBody>
+      </p:sp>
+      <p:sp>
+        <p:nvSpPr>
+          <p:cNvPr id="5" name="TextBox 4">
+            <a:extLst>
+              <a:ext uri="{FF2B5EF4-FFF2-40B4-BE49-F238E27FC236}">
+                <a16:creationId xmlns:a16="http://schemas.microsoft.com/office/drawing/2014/main" id="{F2A9C4F9-578B-CA3B-D79E-BC15DF00D965}"/>
+              </a:ext>
+            </a:extLst>
+          </p:cNvPr>
+          <p:cNvSpPr txBox="1"/>
+          <p:nvPr/>
+        </p:nvSpPr>
+        <p:spPr>
+          <a:xfrm>
+            <a:off x="0" y="1782657"/>
+            <a:ext cx="2927702" cy="407804"/>
+          </a:xfrm>
+          <a:prstGeom prst="rect">
+            <a:avLst/>
+          </a:prstGeom>
+          <a:noFill/>
+        </p:spPr>
+        <p:txBody>
+          <a:bodyPr wrap="none" lIns="90000" rIns="90000" rtlCol="0">
+            <a:spAutoFit/>
+          </a:bodyPr>
+          <a:lstStyle/>
+          <a:p>
+            <a:pPr>
+              <a:spcAft>
+                <a:spcPts val="300"/>
+              </a:spcAft>
+            </a:pPr>
+            <a:r>
+              <a:rPr lang="en-US" altLang="ko-KR" sz="900" dirty="0">
+                <a:solidFill>
+                  <a:srgbClr val="D4CFC5"/>
+                </a:solidFill>
+                <a:latin typeface="Pretendard Medium" panose="02000603000000020004" pitchFamily="2" charset="-127"/>
+                <a:ea typeface="Pretendard Medium" panose="02000603000000020004" pitchFamily="2" charset="-127"/>
+                <a:cs typeface="Pretendard Medium" panose="02000603000000020004" pitchFamily="2" charset="-127"/>
+              </a:rPr>
+              <a:t>(2T) </a:t>
+            </a:r>
+            <a:r>
+              <a:rPr lang="ko-KR" altLang="en-US" sz="900" dirty="0">
+                <a:solidFill>
+                  <a:srgbClr val="D4CFC5"/>
+                </a:solidFill>
+                <a:latin typeface="Pretendard Medium" panose="02000603000000020004" pitchFamily="2" charset="-127"/>
+                <a:ea typeface="Pretendard Medium" panose="02000603000000020004" pitchFamily="2" charset="-127"/>
+                <a:cs typeface="Pretendard Medium" panose="02000603000000020004" pitchFamily="2" charset="-127"/>
+              </a:rPr>
+              <a:t>인공별 강화      </a:t>
+            </a:r>
+            <a:r>
+              <a:rPr lang="en-US" altLang="ko-KR" sz="900" dirty="0">
+                <a:solidFill>
+                  <a:srgbClr val="D4CFC5"/>
+                </a:solidFill>
+                <a:latin typeface="Pretendard Medium" panose="02000603000000020004" pitchFamily="2" charset="-127"/>
+                <a:ea typeface="Pretendard Medium" panose="02000603000000020004" pitchFamily="2" charset="-127"/>
+                <a:cs typeface="Pretendard Medium" panose="02000603000000020004" pitchFamily="2" charset="-127"/>
+              </a:rPr>
+              <a:t> </a:t>
+            </a:r>
+            <a:r>
+              <a:rPr lang="en-US" altLang="ko-KR" sz="900" dirty="0">
+                <a:solidFill>
+                  <a:srgbClr val="FFFF00"/>
+                </a:solidFill>
+                <a:latin typeface="Pretendard Medium" panose="02000603000000020004" pitchFamily="2" charset="-127"/>
+                <a:ea typeface="Pretendard Medium" panose="02000603000000020004" pitchFamily="2" charset="-127"/>
+                <a:cs typeface="Pretendard Medium" panose="02000603000000020004" pitchFamily="2" charset="-127"/>
+              </a:rPr>
+              <a:t>#</a:t>
+            </a:r>
+            <a:r>
+              <a:rPr lang="ko-KR" altLang="en-US" sz="900" dirty="0">
+                <a:solidFill>
+                  <a:srgbClr val="FFFF00"/>
+                </a:solidFill>
+                <a:latin typeface="Pretendard Medium" panose="02000603000000020004" pitchFamily="2" charset="-127"/>
+                <a:ea typeface="Pretendard Medium" panose="02000603000000020004" pitchFamily="2" charset="-127"/>
+                <a:cs typeface="Pretendard Medium" panose="02000603000000020004" pitchFamily="2" charset="-127"/>
+              </a:rPr>
+              <a:t>신속 스탯 사용할 수 있게</a:t>
+            </a:r>
+            <a:endParaRPr lang="en-US" altLang="ko-KR" sz="900" dirty="0">
+              <a:solidFill>
+                <a:srgbClr val="FFFF00"/>
+              </a:solidFill>
+              <a:latin typeface="Pretendard Medium" panose="02000603000000020004" pitchFamily="2" charset="-127"/>
+              <a:ea typeface="Pretendard Medium" panose="02000603000000020004" pitchFamily="2" charset="-127"/>
+              <a:cs typeface="Pretendard Medium" panose="02000603000000020004" pitchFamily="2" charset="-127"/>
+            </a:endParaRPr>
+          </a:p>
+          <a:p>
+            <a:pPr>
+              <a:spcAft>
+                <a:spcPts val="300"/>
+              </a:spcAft>
+            </a:pPr>
+            <a:r>
+              <a:rPr lang="ko-KR" altLang="en-US" sz="900" dirty="0">
+                <a:solidFill>
+                  <a:srgbClr val="D4CFC5"/>
+                </a:solidFill>
+                <a:latin typeface="Pretendard Medium" panose="02000603000000020004" pitchFamily="2" charset="-127"/>
+                <a:ea typeface="Pretendard Medium" panose="02000603000000020004" pitchFamily="2" charset="-127"/>
+                <a:cs typeface="Pretendard Medium" panose="02000603000000020004" pitchFamily="2" charset="-127"/>
+              </a:rPr>
+              <a:t>인공 별이 현상 스킬을 시전할 때 치명타 적중률이 증가합니다</a:t>
+            </a:r>
+            <a:r>
+              <a:rPr lang="en-US" altLang="ko-KR" sz="900" dirty="0">
+                <a:solidFill>
+                  <a:srgbClr val="D4CFC5"/>
+                </a:solidFill>
+                <a:latin typeface="Pretendard Medium" panose="02000603000000020004" pitchFamily="2" charset="-127"/>
+                <a:ea typeface="Pretendard Medium" panose="02000603000000020004" pitchFamily="2" charset="-127"/>
+                <a:cs typeface="Pretendard Medium" panose="02000603000000020004" pitchFamily="2" charset="-127"/>
+              </a:rPr>
+              <a:t>.</a:t>
+            </a:r>
+          </a:p>
+        </p:txBody>
+      </p:sp>
+      <p:sp>
+        <p:nvSpPr>
+          <p:cNvPr id="6" name="TextBox 5">
+            <a:extLst>
+              <a:ext uri="{FF2B5EF4-FFF2-40B4-BE49-F238E27FC236}">
+                <a16:creationId xmlns:a16="http://schemas.microsoft.com/office/drawing/2014/main" id="{3F292CA9-C454-A2CE-6138-4CD274AC8740}"/>
+              </a:ext>
+            </a:extLst>
+          </p:cNvPr>
+          <p:cNvSpPr txBox="1"/>
+          <p:nvPr/>
+        </p:nvSpPr>
+        <p:spPr>
+          <a:xfrm>
+            <a:off x="0" y="4748032"/>
+            <a:ext cx="6595373" cy="938719"/>
+          </a:xfrm>
+          <a:prstGeom prst="rect">
+            <a:avLst/>
+          </a:prstGeom>
+          <a:noFill/>
+        </p:spPr>
+        <p:txBody>
+          <a:bodyPr wrap="none" lIns="90000" rIns="90000" rtlCol="0">
+            <a:spAutoFit/>
+          </a:bodyPr>
+          <a:lstStyle/>
+          <a:p>
+            <a:pPr>
+              <a:spcAft>
+                <a:spcPts val="300"/>
+              </a:spcAft>
+            </a:pPr>
+            <a:r>
+              <a:rPr lang="en-US" altLang="ko-KR" sz="900" dirty="0">
+                <a:solidFill>
+                  <a:srgbClr val="D4CFC5"/>
+                </a:solidFill>
+                <a:latin typeface="Pretendard Medium" panose="02000603000000020004" pitchFamily="2" charset="-127"/>
+                <a:ea typeface="Pretendard Medium" panose="02000603000000020004" pitchFamily="2" charset="-127"/>
+                <a:cs typeface="Pretendard Medium" panose="02000603000000020004" pitchFamily="2" charset="-127"/>
+              </a:rPr>
+              <a:t>(4T) </a:t>
+            </a:r>
+            <a:r>
+              <a:rPr lang="ko-KR" altLang="en-US" sz="900" dirty="0">
+                <a:solidFill>
+                  <a:srgbClr val="D4CFC5"/>
+                </a:solidFill>
+                <a:latin typeface="Pretendard Medium" panose="02000603000000020004" pitchFamily="2" charset="-127"/>
+                <a:ea typeface="Pretendard Medium" panose="02000603000000020004" pitchFamily="2" charset="-127"/>
+                <a:cs typeface="Pretendard Medium" panose="02000603000000020004" pitchFamily="2" charset="-127"/>
+              </a:rPr>
+              <a:t>등가교환</a:t>
+            </a:r>
+            <a:r>
+              <a:rPr lang="en-US" altLang="ko-KR" sz="900" dirty="0">
+                <a:solidFill>
+                  <a:srgbClr val="D4CFC5"/>
+                </a:solidFill>
+                <a:latin typeface="Pretendard Medium" panose="02000603000000020004" pitchFamily="2" charset="-127"/>
+                <a:ea typeface="Pretendard Medium" panose="02000603000000020004" pitchFamily="2" charset="-127"/>
+                <a:cs typeface="Pretendard Medium" panose="02000603000000020004" pitchFamily="2" charset="-127"/>
+              </a:rPr>
+              <a:t>             </a:t>
+            </a:r>
+            <a:r>
+              <a:rPr lang="en-US" altLang="ko-KR" sz="900" dirty="0">
+                <a:solidFill>
+                  <a:srgbClr val="FFFF00"/>
+                </a:solidFill>
+                <a:latin typeface="Pretendard Medium" panose="02000603000000020004" pitchFamily="2" charset="-127"/>
+                <a:ea typeface="Pretendard Medium" panose="02000603000000020004" pitchFamily="2" charset="-127"/>
+                <a:cs typeface="Pretendard Medium" panose="02000603000000020004" pitchFamily="2" charset="-127"/>
+              </a:rPr>
+              <a:t>#</a:t>
+            </a:r>
+            <a:r>
+              <a:rPr lang="ko-KR" altLang="en-US" sz="900" dirty="0">
+                <a:solidFill>
+                  <a:srgbClr val="FFFF00"/>
+                </a:solidFill>
+                <a:latin typeface="Pretendard Medium" panose="02000603000000020004" pitchFamily="2" charset="-127"/>
+                <a:ea typeface="Pretendard Medium" panose="02000603000000020004" pitchFamily="2" charset="-127"/>
+                <a:cs typeface="Pretendard Medium" panose="02000603000000020004" pitchFamily="2" charset="-127"/>
+              </a:rPr>
+              <a:t>전투스타일 변화           </a:t>
+            </a:r>
+            <a:r>
+              <a:rPr lang="en-US" altLang="ko-KR" sz="900" dirty="0">
+                <a:solidFill>
+                  <a:srgbClr val="FFFF00"/>
+                </a:solidFill>
+                <a:latin typeface="Pretendard Medium" panose="02000603000000020004" pitchFamily="2" charset="-127"/>
+                <a:ea typeface="Pretendard Medium" panose="02000603000000020004" pitchFamily="2" charset="-127"/>
+                <a:cs typeface="Pretendard Medium" panose="02000603000000020004" pitchFamily="2" charset="-127"/>
+              </a:rPr>
+              <a:t>#</a:t>
+            </a:r>
+            <a:r>
+              <a:rPr lang="ko-KR" altLang="en-US" sz="900" dirty="0">
+                <a:solidFill>
+                  <a:srgbClr val="FFFF00"/>
+                </a:solidFill>
+                <a:latin typeface="Pretendard Medium" panose="02000603000000020004" pitchFamily="2" charset="-127"/>
+                <a:ea typeface="Pretendard Medium" panose="02000603000000020004" pitchFamily="2" charset="-127"/>
+                <a:cs typeface="Pretendard Medium" panose="02000603000000020004" pitchFamily="2" charset="-127"/>
+              </a:rPr>
+              <a:t>클러스터 강화</a:t>
+            </a:r>
+            <a:endParaRPr lang="en-US" altLang="ko-KR" sz="900" dirty="0">
+              <a:solidFill>
+                <a:srgbClr val="D4CFC5"/>
+              </a:solidFill>
+              <a:latin typeface="Pretendard Medium" panose="02000603000000020004" pitchFamily="2" charset="-127"/>
+              <a:ea typeface="Pretendard Medium" panose="02000603000000020004" pitchFamily="2" charset="-127"/>
+              <a:cs typeface="Pretendard Medium" panose="02000603000000020004" pitchFamily="2" charset="-127"/>
+            </a:endParaRPr>
+          </a:p>
+          <a:p>
+            <a:pPr>
+              <a:spcAft>
+                <a:spcPts val="300"/>
+              </a:spcAft>
+            </a:pPr>
+            <a:r>
+              <a:rPr lang="ko-KR" altLang="en-US" sz="900" dirty="0">
+                <a:solidFill>
+                  <a:srgbClr val="D4CFC5"/>
+                </a:solidFill>
+                <a:latin typeface="Pretendard Medium" panose="02000603000000020004" pitchFamily="2" charset="-127"/>
+                <a:ea typeface="Pretendard Medium" panose="02000603000000020004" pitchFamily="2" charset="-127"/>
+                <a:cs typeface="Pretendard Medium" panose="02000603000000020004" pitchFamily="2" charset="-127"/>
+              </a:rPr>
+              <a:t>순행 효과로 소모한 게이지 만큼 암흑 에너지가 차오르며 암흑 에너지가 모든 게이지를 차지하게 되면 피해량이 감소합니다</a:t>
+            </a:r>
+            <a:r>
+              <a:rPr lang="en-US" altLang="ko-KR" sz="900" dirty="0">
+                <a:solidFill>
+                  <a:srgbClr val="D4CFC5"/>
+                </a:solidFill>
+                <a:latin typeface="Pretendard Medium" panose="02000603000000020004" pitchFamily="2" charset="-127"/>
+                <a:ea typeface="Pretendard Medium" panose="02000603000000020004" pitchFamily="2" charset="-127"/>
+                <a:cs typeface="Pretendard Medium" panose="02000603000000020004" pitchFamily="2" charset="-127"/>
+              </a:rPr>
+              <a:t>.</a:t>
+            </a:r>
+          </a:p>
+          <a:p>
+            <a:pPr>
+              <a:spcAft>
+                <a:spcPts val="300"/>
+              </a:spcAft>
+            </a:pPr>
+            <a:endParaRPr lang="en-US" altLang="ko-KR" sz="900" dirty="0">
+              <a:solidFill>
+                <a:srgbClr val="D4CFC5"/>
+              </a:solidFill>
+              <a:latin typeface="Pretendard Medium" panose="02000603000000020004" pitchFamily="2" charset="-127"/>
+              <a:ea typeface="Pretendard Medium" panose="02000603000000020004" pitchFamily="2" charset="-127"/>
+              <a:cs typeface="Pretendard Medium" panose="02000603000000020004" pitchFamily="2" charset="-127"/>
+            </a:endParaRPr>
+          </a:p>
+          <a:p>
+            <a:pPr>
+              <a:spcAft>
+                <a:spcPts val="300"/>
+              </a:spcAft>
+            </a:pPr>
+            <a:r>
+              <a:rPr lang="ko-KR" altLang="en-US" sz="900" dirty="0">
+                <a:solidFill>
+                  <a:srgbClr val="D4CFC5"/>
+                </a:solidFill>
+                <a:latin typeface="Pretendard Medium" panose="02000603000000020004" pitchFamily="2" charset="-127"/>
+                <a:ea typeface="Pretendard Medium" panose="02000603000000020004" pitchFamily="2" charset="-127"/>
+                <a:cs typeface="Pretendard Medium" panose="02000603000000020004" pitchFamily="2" charset="-127"/>
+              </a:rPr>
+              <a:t>공격 적중으로 인한 게이지 회복이 불가능해지지만</a:t>
+            </a:r>
+            <a:r>
+              <a:rPr lang="en-US" altLang="ko-KR" sz="900" dirty="0">
+                <a:solidFill>
+                  <a:srgbClr val="D4CFC5"/>
+                </a:solidFill>
+                <a:latin typeface="Pretendard Medium" panose="02000603000000020004" pitchFamily="2" charset="-127"/>
+                <a:ea typeface="Pretendard Medium" panose="02000603000000020004" pitchFamily="2" charset="-127"/>
+                <a:cs typeface="Pretendard Medium" panose="02000603000000020004" pitchFamily="2" charset="-127"/>
+              </a:rPr>
+              <a:t>, </a:t>
+            </a:r>
+            <a:r>
+              <a:rPr lang="ko-KR" altLang="en-US" sz="900" dirty="0">
+                <a:solidFill>
+                  <a:srgbClr val="D4CFC5"/>
+                </a:solidFill>
+                <a:latin typeface="Pretendard Medium" panose="02000603000000020004" pitchFamily="2" charset="-127"/>
+                <a:ea typeface="Pretendard Medium" panose="02000603000000020004" pitchFamily="2" charset="-127"/>
+                <a:cs typeface="Pretendard Medium" panose="02000603000000020004" pitchFamily="2" charset="-127"/>
+              </a:rPr>
+              <a:t>순행 효과가 적용되어 있는 동안 별자리 스킬 시전 시 일정한 수 만큼 게이지가 회복됩니다</a:t>
+            </a:r>
+            <a:r>
+              <a:rPr lang="en-US" altLang="ko-KR" sz="900" dirty="0">
+                <a:solidFill>
+                  <a:srgbClr val="D4CFC5"/>
+                </a:solidFill>
+                <a:latin typeface="Pretendard Medium" panose="02000603000000020004" pitchFamily="2" charset="-127"/>
+                <a:ea typeface="Pretendard Medium" panose="02000603000000020004" pitchFamily="2" charset="-127"/>
+                <a:cs typeface="Pretendard Medium" panose="02000603000000020004" pitchFamily="2" charset="-127"/>
+              </a:rPr>
+              <a:t>.</a:t>
+            </a:r>
+          </a:p>
+          <a:p>
+            <a:pPr>
+              <a:spcAft>
+                <a:spcPts val="300"/>
+              </a:spcAft>
+            </a:pPr>
+            <a:endParaRPr lang="en-US" altLang="ko-KR" sz="900" dirty="0">
+              <a:solidFill>
+                <a:srgbClr val="D4CFC5"/>
+              </a:solidFill>
+              <a:latin typeface="Pretendard Medium" panose="02000603000000020004" pitchFamily="2" charset="-127"/>
+              <a:ea typeface="Pretendard Medium" panose="02000603000000020004" pitchFamily="2" charset="-127"/>
+              <a:cs typeface="Pretendard Medium" panose="02000603000000020004" pitchFamily="2" charset="-127"/>
+            </a:endParaRPr>
+          </a:p>
+        </p:txBody>
+      </p:sp>
+      <p:sp>
+        <p:nvSpPr>
+          <p:cNvPr id="7" name="TextBox 6">
+            <a:extLst>
+              <a:ext uri="{FF2B5EF4-FFF2-40B4-BE49-F238E27FC236}">
+                <a16:creationId xmlns:a16="http://schemas.microsoft.com/office/drawing/2014/main" id="{924D8857-2A65-EB9E-8A3A-D856BF6B2175}"/>
+              </a:ext>
+            </a:extLst>
+          </p:cNvPr>
+          <p:cNvSpPr txBox="1"/>
+          <p:nvPr/>
+        </p:nvSpPr>
+        <p:spPr>
+          <a:xfrm>
+            <a:off x="0" y="2663405"/>
+            <a:ext cx="7452979" cy="1115690"/>
+          </a:xfrm>
+          <a:prstGeom prst="rect">
+            <a:avLst/>
+          </a:prstGeom>
+          <a:noFill/>
+        </p:spPr>
+        <p:txBody>
+          <a:bodyPr wrap="none" lIns="90000" rIns="90000" rtlCol="0">
+            <a:spAutoFit/>
+          </a:bodyPr>
+          <a:lstStyle/>
+          <a:p>
+            <a:pPr>
+              <a:spcAft>
+                <a:spcPts val="300"/>
+              </a:spcAft>
+            </a:pPr>
+            <a:r>
+              <a:rPr lang="en-US" altLang="ko-KR" sz="900" dirty="0">
+                <a:solidFill>
+                  <a:srgbClr val="D4CFC5"/>
+                </a:solidFill>
+                <a:latin typeface="Pretendard Medium" panose="02000603000000020004" pitchFamily="2" charset="-127"/>
+                <a:ea typeface="Pretendard Medium" panose="02000603000000020004" pitchFamily="2" charset="-127"/>
+                <a:cs typeface="Pretendard Medium" panose="02000603000000020004" pitchFamily="2" charset="-127"/>
+              </a:rPr>
+              <a:t>(3T) </a:t>
+            </a:r>
+            <a:r>
+              <a:rPr lang="ko-KR" altLang="en-US" sz="900" dirty="0">
+                <a:solidFill>
+                  <a:srgbClr val="D4CFC5"/>
+                </a:solidFill>
+                <a:latin typeface="Pretendard Medium" panose="02000603000000020004" pitchFamily="2" charset="-127"/>
+                <a:ea typeface="Pretendard Medium" panose="02000603000000020004" pitchFamily="2" charset="-127"/>
+                <a:cs typeface="Pretendard Medium" panose="02000603000000020004" pitchFamily="2" charset="-127"/>
+              </a:rPr>
+              <a:t>밝기 증가           </a:t>
+            </a:r>
+            <a:r>
+              <a:rPr lang="en-US" altLang="ko-KR" sz="900" dirty="0">
+                <a:solidFill>
+                  <a:srgbClr val="FFFF00"/>
+                </a:solidFill>
+                <a:latin typeface="Pretendard Medium" panose="02000603000000020004" pitchFamily="2" charset="-127"/>
+                <a:ea typeface="Pretendard Medium" panose="02000603000000020004" pitchFamily="2" charset="-127"/>
+                <a:cs typeface="Pretendard Medium" panose="02000603000000020004" pitchFamily="2" charset="-127"/>
+              </a:rPr>
+              <a:t>#</a:t>
+            </a:r>
+            <a:r>
+              <a:rPr lang="ko-KR" altLang="en-US" sz="900" dirty="0">
+                <a:solidFill>
+                  <a:srgbClr val="FFFF00"/>
+                </a:solidFill>
+                <a:latin typeface="Pretendard Medium" panose="02000603000000020004" pitchFamily="2" charset="-127"/>
+                <a:ea typeface="Pretendard Medium" panose="02000603000000020004" pitchFamily="2" charset="-127"/>
+                <a:cs typeface="Pretendard Medium" panose="02000603000000020004" pitchFamily="2" charset="-127"/>
+              </a:rPr>
+              <a:t>양상 기록의 불편함 해소 </a:t>
+            </a:r>
+          </a:p>
+          <a:p>
+            <a:pPr>
+              <a:spcAft>
+                <a:spcPts val="300"/>
+              </a:spcAft>
+            </a:pPr>
+            <a:r>
+              <a:rPr lang="ko-KR" altLang="en-US" sz="900" dirty="0">
+                <a:solidFill>
+                  <a:srgbClr val="D4CFC5"/>
+                </a:solidFill>
+                <a:latin typeface="Pretendard Medium" panose="02000603000000020004" pitchFamily="2" charset="-127"/>
+                <a:ea typeface="Pretendard Medium" panose="02000603000000020004" pitchFamily="2" charset="-127"/>
+                <a:cs typeface="Pretendard Medium" panose="02000603000000020004" pitchFamily="2" charset="-127"/>
+              </a:rPr>
+              <a:t>인공별이 </a:t>
+            </a:r>
+            <a:r>
+              <a:rPr lang="en-US" altLang="ko-KR" sz="900" dirty="0">
+                <a:solidFill>
+                  <a:srgbClr val="D4CFC5"/>
+                </a:solidFill>
+                <a:latin typeface="Pretendard Medium" panose="02000603000000020004" pitchFamily="2" charset="-127"/>
+                <a:ea typeface="Pretendard Medium" panose="02000603000000020004" pitchFamily="2" charset="-127"/>
+                <a:cs typeface="Pretendard Medium" panose="02000603000000020004" pitchFamily="2" charset="-127"/>
+              </a:rPr>
+              <a:t>8</a:t>
+            </a:r>
+            <a:r>
+              <a:rPr lang="ko-KR" altLang="en-US" sz="900" dirty="0">
+                <a:solidFill>
+                  <a:srgbClr val="D4CFC5"/>
+                </a:solidFill>
+                <a:latin typeface="Pretendard Medium" panose="02000603000000020004" pitchFamily="2" charset="-127"/>
+                <a:ea typeface="Pretendard Medium" panose="02000603000000020004" pitchFamily="2" charset="-127"/>
+                <a:cs typeface="Pretendard Medium" panose="02000603000000020004" pitchFamily="2" charset="-127"/>
+              </a:rPr>
+              <a:t>개 까지 형성 가능해 지며</a:t>
+            </a:r>
+            <a:r>
+              <a:rPr lang="en-US" altLang="ko-KR" sz="900" dirty="0">
+                <a:solidFill>
+                  <a:srgbClr val="D4CFC5"/>
+                </a:solidFill>
+                <a:latin typeface="Pretendard Medium" panose="02000603000000020004" pitchFamily="2" charset="-127"/>
+                <a:ea typeface="Pretendard Medium" panose="02000603000000020004" pitchFamily="2" charset="-127"/>
+                <a:cs typeface="Pretendard Medium" panose="02000603000000020004" pitchFamily="2" charset="-127"/>
+              </a:rPr>
+              <a:t>, </a:t>
+            </a:r>
+            <a:r>
+              <a:rPr lang="ko-KR" altLang="en-US" sz="900" dirty="0">
+                <a:solidFill>
+                  <a:srgbClr val="D4CFC5"/>
+                </a:solidFill>
+                <a:latin typeface="Pretendard Medium" panose="02000603000000020004" pitchFamily="2" charset="-127"/>
+                <a:ea typeface="Pretendard Medium" panose="02000603000000020004" pitchFamily="2" charset="-127"/>
+                <a:cs typeface="Pretendard Medium" panose="02000603000000020004" pitchFamily="2" charset="-127"/>
+              </a:rPr>
+              <a:t>스킬에 따라 시전에 필요한 인공 별이 달라집니다</a:t>
+            </a:r>
+            <a:r>
+              <a:rPr lang="en-US" altLang="ko-KR" sz="900" dirty="0">
+                <a:solidFill>
+                  <a:srgbClr val="D4CFC5"/>
+                </a:solidFill>
+                <a:latin typeface="Pretendard Medium" panose="02000603000000020004" pitchFamily="2" charset="-127"/>
+                <a:ea typeface="Pretendard Medium" panose="02000603000000020004" pitchFamily="2" charset="-127"/>
+                <a:cs typeface="Pretendard Medium" panose="02000603000000020004" pitchFamily="2" charset="-127"/>
+              </a:rPr>
+              <a:t>. (</a:t>
+            </a:r>
+            <a:r>
+              <a:rPr lang="ko-KR" altLang="en-US" sz="900" dirty="0">
+                <a:solidFill>
+                  <a:srgbClr val="D4CFC5"/>
+                </a:solidFill>
+                <a:latin typeface="Pretendard Medium" panose="02000603000000020004" pitchFamily="2" charset="-127"/>
+                <a:ea typeface="Pretendard Medium" panose="02000603000000020004" pitchFamily="2" charset="-127"/>
+                <a:cs typeface="Pretendard Medium" panose="02000603000000020004" pitchFamily="2" charset="-127"/>
+              </a:rPr>
+              <a:t>최대 </a:t>
+            </a:r>
+            <a:r>
+              <a:rPr lang="en-US" altLang="ko-KR" sz="900" dirty="0">
+                <a:solidFill>
+                  <a:srgbClr val="D4CFC5"/>
+                </a:solidFill>
+                <a:latin typeface="Pretendard Medium" panose="02000603000000020004" pitchFamily="2" charset="-127"/>
+                <a:ea typeface="Pretendard Medium" panose="02000603000000020004" pitchFamily="2" charset="-127"/>
+                <a:cs typeface="Pretendard Medium" panose="02000603000000020004" pitchFamily="2" charset="-127"/>
+              </a:rPr>
+              <a:t>5</a:t>
+            </a:r>
+            <a:r>
+              <a:rPr lang="ko-KR" altLang="en-US" sz="900" dirty="0">
+                <a:solidFill>
+                  <a:srgbClr val="D4CFC5"/>
+                </a:solidFill>
+                <a:latin typeface="Pretendard Medium" panose="02000603000000020004" pitchFamily="2" charset="-127"/>
+                <a:ea typeface="Pretendard Medium" panose="02000603000000020004" pitchFamily="2" charset="-127"/>
+                <a:cs typeface="Pretendard Medium" panose="02000603000000020004" pitchFamily="2" charset="-127"/>
+              </a:rPr>
+              <a:t>개</a:t>
+            </a:r>
+            <a:r>
+              <a:rPr lang="en-US" altLang="ko-KR" sz="900" dirty="0">
+                <a:solidFill>
+                  <a:srgbClr val="D4CFC5"/>
+                </a:solidFill>
+                <a:latin typeface="Pretendard Medium" panose="02000603000000020004" pitchFamily="2" charset="-127"/>
+                <a:ea typeface="Pretendard Medium" panose="02000603000000020004" pitchFamily="2" charset="-127"/>
+                <a:cs typeface="Pretendard Medium" panose="02000603000000020004" pitchFamily="2" charset="-127"/>
+              </a:rPr>
+              <a:t>)</a:t>
+            </a:r>
+          </a:p>
+          <a:p>
+            <a:pPr>
+              <a:spcAft>
+                <a:spcPts val="300"/>
+              </a:spcAft>
+            </a:pPr>
+            <a:endParaRPr lang="en-US" altLang="ko-KR" sz="900" dirty="0">
+              <a:solidFill>
+                <a:srgbClr val="D4CFC5"/>
+              </a:solidFill>
+              <a:latin typeface="Pretendard Medium" panose="02000603000000020004" pitchFamily="2" charset="-127"/>
+              <a:ea typeface="Pretendard Medium" panose="02000603000000020004" pitchFamily="2" charset="-127"/>
+              <a:cs typeface="Pretendard Medium" panose="02000603000000020004" pitchFamily="2" charset="-127"/>
+            </a:endParaRPr>
+          </a:p>
+          <a:p>
+            <a:pPr>
+              <a:spcAft>
+                <a:spcPts val="300"/>
+              </a:spcAft>
+            </a:pPr>
+            <a:r>
+              <a:rPr lang="ko-KR" altLang="en-US" sz="900" dirty="0">
+                <a:solidFill>
+                  <a:srgbClr val="D4CFC5"/>
+                </a:solidFill>
+                <a:latin typeface="Pretendard Medium" panose="02000603000000020004" pitchFamily="2" charset="-127"/>
+                <a:ea typeface="Pretendard Medium" panose="02000603000000020004" pitchFamily="2" charset="-127"/>
+                <a:cs typeface="Pretendard Medium" panose="02000603000000020004" pitchFamily="2" charset="-127"/>
+              </a:rPr>
+              <a:t>또한</a:t>
+            </a:r>
+            <a:r>
+              <a:rPr lang="en-US" altLang="ko-KR" sz="900" dirty="0">
+                <a:solidFill>
+                  <a:srgbClr val="D4CFC5"/>
+                </a:solidFill>
+                <a:latin typeface="Pretendard Medium" panose="02000603000000020004" pitchFamily="2" charset="-127"/>
+                <a:ea typeface="Pretendard Medium" panose="02000603000000020004" pitchFamily="2" charset="-127"/>
+                <a:cs typeface="Pretendard Medium" panose="02000603000000020004" pitchFamily="2" charset="-127"/>
+              </a:rPr>
+              <a:t>, </a:t>
+            </a:r>
+            <a:r>
+              <a:rPr lang="ko-KR" altLang="en-US" sz="900" dirty="0">
+                <a:solidFill>
+                  <a:srgbClr val="D4CFC5"/>
+                </a:solidFill>
+                <a:latin typeface="Pretendard Medium" panose="02000603000000020004" pitchFamily="2" charset="-127"/>
+                <a:ea typeface="Pretendard Medium" panose="02000603000000020004" pitchFamily="2" charset="-127"/>
+                <a:cs typeface="Pretendard Medium" panose="02000603000000020004" pitchFamily="2" charset="-127"/>
+              </a:rPr>
+              <a:t>인공 별이 현상 스킬을 시전할 때  게이지를 소모하며 소모한 개수에 비례하여 현상 스킬의 피해량이 증가합니다</a:t>
+            </a:r>
+            <a:r>
+              <a:rPr lang="en-US" altLang="ko-KR" sz="900" dirty="0">
+                <a:solidFill>
+                  <a:srgbClr val="D4CFC5"/>
+                </a:solidFill>
+                <a:latin typeface="Pretendard Medium" panose="02000603000000020004" pitchFamily="2" charset="-127"/>
+                <a:ea typeface="Pretendard Medium" panose="02000603000000020004" pitchFamily="2" charset="-127"/>
+                <a:cs typeface="Pretendard Medium" panose="02000603000000020004" pitchFamily="2" charset="-127"/>
+              </a:rPr>
+              <a:t>. (</a:t>
+            </a:r>
+            <a:r>
+              <a:rPr lang="ko-KR" altLang="en-US" sz="900" dirty="0">
+                <a:solidFill>
+                  <a:srgbClr val="D4CFC5"/>
+                </a:solidFill>
+                <a:latin typeface="Pretendard Medium" panose="02000603000000020004" pitchFamily="2" charset="-127"/>
+                <a:ea typeface="Pretendard Medium" panose="02000603000000020004" pitchFamily="2" charset="-127"/>
+                <a:cs typeface="Pretendard Medium" panose="02000603000000020004" pitchFamily="2" charset="-127"/>
+              </a:rPr>
+              <a:t>시전에 필요한 인공별 </a:t>
+            </a:r>
+            <a:r>
+              <a:rPr lang="en-US" altLang="ko-KR" sz="900" dirty="0">
+                <a:solidFill>
+                  <a:srgbClr val="D4CFC5"/>
+                </a:solidFill>
+                <a:latin typeface="Pretendard Medium" panose="02000603000000020004" pitchFamily="2" charset="-127"/>
+                <a:ea typeface="Pretendard Medium" panose="02000603000000020004" pitchFamily="2" charset="-127"/>
+                <a:cs typeface="Pretendard Medium" panose="02000603000000020004" pitchFamily="2" charset="-127"/>
+              </a:rPr>
+              <a:t>1</a:t>
+            </a:r>
+            <a:r>
+              <a:rPr lang="ko-KR" altLang="en-US" sz="900" dirty="0">
+                <a:solidFill>
+                  <a:srgbClr val="D4CFC5"/>
+                </a:solidFill>
+                <a:latin typeface="Pretendard Medium" panose="02000603000000020004" pitchFamily="2" charset="-127"/>
+                <a:ea typeface="Pretendard Medium" panose="02000603000000020004" pitchFamily="2" charset="-127"/>
+                <a:cs typeface="Pretendard Medium" panose="02000603000000020004" pitchFamily="2" charset="-127"/>
+              </a:rPr>
+              <a:t>개당 게이지 </a:t>
+            </a:r>
+            <a:r>
+              <a:rPr lang="en-US" altLang="ko-KR" sz="900" dirty="0">
+                <a:solidFill>
+                  <a:srgbClr val="D4CFC5"/>
+                </a:solidFill>
+                <a:latin typeface="Pretendard Medium" panose="02000603000000020004" pitchFamily="2" charset="-127"/>
+                <a:ea typeface="Pretendard Medium" panose="02000603000000020004" pitchFamily="2" charset="-127"/>
+                <a:cs typeface="Pretendard Medium" panose="02000603000000020004" pitchFamily="2" charset="-127"/>
+              </a:rPr>
+              <a:t>1</a:t>
+            </a:r>
+            <a:r>
+              <a:rPr lang="ko-KR" altLang="en-US" sz="900" dirty="0">
+                <a:solidFill>
+                  <a:srgbClr val="D4CFC5"/>
+                </a:solidFill>
+                <a:latin typeface="Pretendard Medium" panose="02000603000000020004" pitchFamily="2" charset="-127"/>
+                <a:ea typeface="Pretendard Medium" panose="02000603000000020004" pitchFamily="2" charset="-127"/>
+                <a:cs typeface="Pretendard Medium" panose="02000603000000020004" pitchFamily="2" charset="-127"/>
+              </a:rPr>
+              <a:t>칸 소모</a:t>
+            </a:r>
+            <a:r>
+              <a:rPr lang="en-US" altLang="ko-KR" sz="900" dirty="0">
+                <a:solidFill>
+                  <a:srgbClr val="D4CFC5"/>
+                </a:solidFill>
+                <a:latin typeface="Pretendard Medium" panose="02000603000000020004" pitchFamily="2" charset="-127"/>
+                <a:ea typeface="Pretendard Medium" panose="02000603000000020004" pitchFamily="2" charset="-127"/>
+                <a:cs typeface="Pretendard Medium" panose="02000603000000020004" pitchFamily="2" charset="-127"/>
+              </a:rPr>
+              <a:t>)</a:t>
+            </a:r>
+          </a:p>
+          <a:p>
+            <a:pPr>
+              <a:spcAft>
+                <a:spcPts val="300"/>
+              </a:spcAft>
+            </a:pPr>
+            <a:endParaRPr lang="en-US" altLang="ko-KR" sz="900" dirty="0">
+              <a:solidFill>
+                <a:srgbClr val="D4CFC5"/>
+              </a:solidFill>
+              <a:latin typeface="Pretendard Medium" panose="02000603000000020004" pitchFamily="2" charset="-127"/>
+              <a:ea typeface="Pretendard Medium" panose="02000603000000020004" pitchFamily="2" charset="-127"/>
+              <a:cs typeface="Pretendard Medium" panose="02000603000000020004" pitchFamily="2" charset="-127"/>
+            </a:endParaRPr>
+          </a:p>
+          <a:p>
+            <a:pPr>
+              <a:spcAft>
+                <a:spcPts val="300"/>
+              </a:spcAft>
+            </a:pPr>
+            <a:r>
+              <a:rPr lang="ko-KR" altLang="en-US" sz="900" dirty="0">
+                <a:solidFill>
+                  <a:srgbClr val="D4CFC5"/>
+                </a:solidFill>
+                <a:latin typeface="Pretendard Medium" panose="02000603000000020004" pitchFamily="2" charset="-127"/>
+                <a:ea typeface="Pretendard Medium" panose="02000603000000020004" pitchFamily="2" charset="-127"/>
+                <a:cs typeface="Pretendard Medium" panose="02000603000000020004" pitchFamily="2" charset="-127"/>
+              </a:rPr>
+              <a:t>인공 별이 현상 스킬을 시전할 때 순행 효과가 발생하며 게이지를 소모합니다</a:t>
+            </a:r>
+            <a:r>
+              <a:rPr lang="en-US" altLang="ko-KR" sz="900" dirty="0">
+                <a:solidFill>
+                  <a:srgbClr val="D4CFC5"/>
+                </a:solidFill>
+                <a:latin typeface="Pretendard Medium" panose="02000603000000020004" pitchFamily="2" charset="-127"/>
+                <a:ea typeface="Pretendard Medium" panose="02000603000000020004" pitchFamily="2" charset="-127"/>
+                <a:cs typeface="Pretendard Medium" panose="02000603000000020004" pitchFamily="2" charset="-127"/>
+              </a:rPr>
+              <a:t>. </a:t>
+            </a:r>
+            <a:r>
+              <a:rPr lang="ko-KR" altLang="en-US" sz="900" dirty="0">
+                <a:solidFill>
+                  <a:srgbClr val="D4CFC5"/>
+                </a:solidFill>
+                <a:latin typeface="Pretendard Medium" panose="02000603000000020004" pitchFamily="2" charset="-127"/>
+                <a:ea typeface="Pretendard Medium" panose="02000603000000020004" pitchFamily="2" charset="-127"/>
+                <a:cs typeface="Pretendard Medium" panose="02000603000000020004" pitchFamily="2" charset="-127"/>
+              </a:rPr>
+              <a:t>소모한 게이지 개수에 비례하여 현상 스킬의 피해량이 증가합니다</a:t>
+            </a:r>
+            <a:r>
+              <a:rPr lang="en-US" altLang="ko-KR" sz="900" dirty="0">
+                <a:solidFill>
+                  <a:srgbClr val="D4CFC5"/>
+                </a:solidFill>
+                <a:latin typeface="Pretendard Medium" panose="02000603000000020004" pitchFamily="2" charset="-127"/>
+                <a:ea typeface="Pretendard Medium" panose="02000603000000020004" pitchFamily="2" charset="-127"/>
+                <a:cs typeface="Pretendard Medium" panose="02000603000000020004" pitchFamily="2" charset="-127"/>
+              </a:rPr>
+              <a:t>.</a:t>
+            </a:r>
+          </a:p>
+        </p:txBody>
+      </p:sp>
+      <p:sp>
+        <p:nvSpPr>
+          <p:cNvPr id="11" name="TextBox 10">
+            <a:extLst>
+              <a:ext uri="{FF2B5EF4-FFF2-40B4-BE49-F238E27FC236}">
+                <a16:creationId xmlns:a16="http://schemas.microsoft.com/office/drawing/2014/main" id="{336DE1B4-4B5C-7724-6DB9-9138AACD2271}"/>
+              </a:ext>
+            </a:extLst>
+          </p:cNvPr>
+          <p:cNvSpPr txBox="1"/>
+          <p:nvPr/>
+        </p:nvSpPr>
+        <p:spPr>
+          <a:xfrm>
+            <a:off x="8023633" y="2813446"/>
+            <a:ext cx="3354101" cy="407804"/>
+          </a:xfrm>
+          <a:prstGeom prst="rect">
+            <a:avLst/>
+          </a:prstGeom>
+          <a:noFill/>
+        </p:spPr>
+        <p:txBody>
+          <a:bodyPr wrap="none" lIns="90000" rIns="90000" rtlCol="0">
+            <a:spAutoFit/>
+          </a:bodyPr>
+          <a:lstStyle/>
+          <a:p>
+            <a:pPr>
+              <a:spcAft>
+                <a:spcPts val="300"/>
+              </a:spcAft>
+            </a:pPr>
+            <a:r>
+              <a:rPr lang="en-US" altLang="ko-KR" sz="900" dirty="0">
+                <a:solidFill>
+                  <a:srgbClr val="D4CFC5"/>
+                </a:solidFill>
+                <a:latin typeface="Pretendard Medium" panose="02000603000000020004" pitchFamily="2" charset="-127"/>
+                <a:ea typeface="Pretendard Medium" panose="02000603000000020004" pitchFamily="2" charset="-127"/>
+                <a:cs typeface="Pretendard Medium" panose="02000603000000020004" pitchFamily="2" charset="-127"/>
+              </a:rPr>
+              <a:t>(4T) </a:t>
+            </a:r>
+            <a:r>
+              <a:rPr lang="ko-KR" altLang="en-US" sz="900" dirty="0">
+                <a:solidFill>
+                  <a:srgbClr val="D4CFC5"/>
+                </a:solidFill>
+                <a:latin typeface="Pretendard Medium" panose="02000603000000020004" pitchFamily="2" charset="-127"/>
+                <a:ea typeface="Pretendard Medium" panose="02000603000000020004" pitchFamily="2" charset="-127"/>
+                <a:cs typeface="Pretendard Medium" panose="02000603000000020004" pitchFamily="2" charset="-127"/>
+              </a:rPr>
+              <a:t>기록 열람                </a:t>
+            </a:r>
+            <a:r>
+              <a:rPr lang="en-US" altLang="ko-KR" sz="900" dirty="0">
+                <a:solidFill>
+                  <a:srgbClr val="FFFF00"/>
+                </a:solidFill>
+                <a:latin typeface="Pretendard Medium" panose="02000603000000020004" pitchFamily="2" charset="-127"/>
+                <a:ea typeface="Pretendard Medium" panose="02000603000000020004" pitchFamily="2" charset="-127"/>
+                <a:cs typeface="Pretendard Medium" panose="02000603000000020004" pitchFamily="2" charset="-127"/>
+              </a:rPr>
+              <a:t>#</a:t>
+            </a:r>
+          </a:p>
+          <a:p>
+            <a:pPr>
+              <a:spcAft>
+                <a:spcPts val="300"/>
+              </a:spcAft>
+            </a:pPr>
+            <a:r>
+              <a:rPr lang="ko-KR" altLang="en-US" sz="900" dirty="0">
+                <a:solidFill>
+                  <a:srgbClr val="D4CFC5"/>
+                </a:solidFill>
+                <a:latin typeface="Pretendard Medium" panose="02000603000000020004" pitchFamily="2" charset="-127"/>
+                <a:ea typeface="Pretendard Medium" panose="02000603000000020004" pitchFamily="2" charset="-127"/>
+                <a:cs typeface="Pretendard Medium" panose="02000603000000020004" pitchFamily="2" charset="-127"/>
+              </a:rPr>
+              <a:t>양상 기록</a:t>
+            </a:r>
+            <a:r>
+              <a:rPr lang="en-US" altLang="ko-KR" sz="900" dirty="0">
+                <a:solidFill>
+                  <a:srgbClr val="D4CFC5"/>
+                </a:solidFill>
+                <a:latin typeface="Pretendard Medium" panose="02000603000000020004" pitchFamily="2" charset="-127"/>
+                <a:ea typeface="Pretendard Medium" panose="02000603000000020004" pitchFamily="2" charset="-127"/>
+                <a:cs typeface="Pretendard Medium" panose="02000603000000020004" pitchFamily="2" charset="-127"/>
+              </a:rPr>
+              <a:t>: </a:t>
+            </a:r>
+            <a:r>
+              <a:rPr lang="ko-KR" altLang="en-US" sz="900" dirty="0">
+                <a:solidFill>
+                  <a:srgbClr val="D4CFC5"/>
+                </a:solidFill>
+                <a:latin typeface="Pretendard Medium" panose="02000603000000020004" pitchFamily="2" charset="-127"/>
+                <a:ea typeface="Pretendard Medium" panose="02000603000000020004" pitchFamily="2" charset="-127"/>
+                <a:cs typeface="Pretendard Medium" panose="02000603000000020004" pitchFamily="2" charset="-127"/>
+              </a:rPr>
+              <a:t>균형 효과가 적용되어 있는 동안 게이지 </a:t>
+            </a:r>
+            <a:r>
+              <a:rPr lang="ko-KR" altLang="en-US" sz="900" dirty="0" err="1">
+                <a:solidFill>
+                  <a:srgbClr val="D4CFC5"/>
+                </a:solidFill>
+                <a:latin typeface="Pretendard Medium" panose="02000603000000020004" pitchFamily="2" charset="-127"/>
+                <a:ea typeface="Pretendard Medium" panose="02000603000000020004" pitchFamily="2" charset="-127"/>
+                <a:cs typeface="Pretendard Medium" panose="02000603000000020004" pitchFamily="2" charset="-127"/>
+              </a:rPr>
+              <a:t>회복량이</a:t>
+            </a:r>
+            <a:r>
+              <a:rPr lang="ko-KR" altLang="en-US" sz="900" dirty="0">
+                <a:solidFill>
+                  <a:srgbClr val="D4CFC5"/>
+                </a:solidFill>
+                <a:latin typeface="Pretendard Medium" panose="02000603000000020004" pitchFamily="2" charset="-127"/>
+                <a:ea typeface="Pretendard Medium" panose="02000603000000020004" pitchFamily="2" charset="-127"/>
+                <a:cs typeface="Pretendard Medium" panose="02000603000000020004" pitchFamily="2" charset="-127"/>
+              </a:rPr>
+              <a:t> 증가합니다</a:t>
+            </a:r>
+            <a:r>
+              <a:rPr lang="en-US" altLang="ko-KR" sz="900" dirty="0">
+                <a:solidFill>
+                  <a:srgbClr val="D4CFC5"/>
+                </a:solidFill>
+                <a:latin typeface="Pretendard Medium" panose="02000603000000020004" pitchFamily="2" charset="-127"/>
+                <a:ea typeface="Pretendard Medium" panose="02000603000000020004" pitchFamily="2" charset="-127"/>
+                <a:cs typeface="Pretendard Medium" panose="02000603000000020004" pitchFamily="2" charset="-127"/>
+              </a:rPr>
+              <a:t>.</a:t>
+            </a:r>
+          </a:p>
+        </p:txBody>
+      </p:sp>
+      <p:sp>
+        <p:nvSpPr>
+          <p:cNvPr id="15" name="TextBox 14">
+            <a:extLst>
+              <a:ext uri="{FF2B5EF4-FFF2-40B4-BE49-F238E27FC236}">
+                <a16:creationId xmlns:a16="http://schemas.microsoft.com/office/drawing/2014/main" id="{A3915579-EEB5-EA04-159B-2FD2CCC0F127}"/>
+              </a:ext>
+            </a:extLst>
+          </p:cNvPr>
+          <p:cNvSpPr txBox="1"/>
+          <p:nvPr/>
+        </p:nvSpPr>
+        <p:spPr>
+          <a:xfrm>
+            <a:off x="5511256" y="80001"/>
+            <a:ext cx="1129133" cy="400110"/>
+          </a:xfrm>
+          <a:prstGeom prst="rect">
+            <a:avLst/>
+          </a:prstGeom>
+          <a:solidFill>
+            <a:srgbClr val="FFFF00"/>
+          </a:solidFill>
+        </p:spPr>
+        <p:txBody>
+          <a:bodyPr wrap="none" lIns="90000" rIns="90000" rtlCol="0">
+            <a:spAutoFit/>
+          </a:bodyPr>
+          <a:lstStyle/>
+          <a:p>
+            <a:pPr algn="ctr">
+              <a:spcAft>
+                <a:spcPts val="300"/>
+              </a:spcAft>
+            </a:pPr>
+            <a:r>
+              <a:rPr lang="ko-KR" altLang="en-US" sz="2000" dirty="0">
+                <a:latin typeface="Pretendard Medium" panose="02000603000000020004" pitchFamily="2" charset="-127"/>
+                <a:ea typeface="Pretendard Medium" panose="02000603000000020004" pitchFamily="2" charset="-127"/>
+                <a:cs typeface="Pretendard Medium" panose="02000603000000020004" pitchFamily="2" charset="-127"/>
+              </a:rPr>
+              <a:t>천체 조율</a:t>
+            </a:r>
+            <a:endParaRPr lang="en-US" altLang="ko-KR" sz="2000" dirty="0">
+              <a:latin typeface="Pretendard Medium" panose="02000603000000020004" pitchFamily="2" charset="-127"/>
+              <a:ea typeface="Pretendard Medium" panose="02000603000000020004" pitchFamily="2" charset="-127"/>
+              <a:cs typeface="Pretendard Medium" panose="02000603000000020004" pitchFamily="2" charset="-127"/>
+            </a:endParaRPr>
+          </a:p>
+        </p:txBody>
+      </p:sp>
+      <p:sp>
+        <p:nvSpPr>
+          <p:cNvPr id="16" name="TextBox 15">
+            <a:extLst>
+              <a:ext uri="{FF2B5EF4-FFF2-40B4-BE49-F238E27FC236}">
+                <a16:creationId xmlns:a16="http://schemas.microsoft.com/office/drawing/2014/main" id="{75AA977E-C192-CA04-9CF0-2B7B4D63FCB3}"/>
+              </a:ext>
+            </a:extLst>
+          </p:cNvPr>
+          <p:cNvSpPr txBox="1"/>
+          <p:nvPr/>
+        </p:nvSpPr>
+        <p:spPr>
+          <a:xfrm>
+            <a:off x="8023633" y="4828960"/>
+            <a:ext cx="2600690" cy="1292662"/>
+          </a:xfrm>
+          <a:prstGeom prst="rect">
+            <a:avLst/>
+          </a:prstGeom>
+          <a:noFill/>
+        </p:spPr>
+        <p:txBody>
+          <a:bodyPr wrap="none" lIns="90000" rIns="90000" rtlCol="0">
+            <a:spAutoFit/>
+          </a:bodyPr>
+          <a:lstStyle/>
+          <a:p>
+            <a:pPr>
+              <a:spcAft>
+                <a:spcPts val="300"/>
+              </a:spcAft>
+            </a:pPr>
+            <a:r>
+              <a:rPr lang="en-US" altLang="ko-KR" sz="900" dirty="0">
+                <a:solidFill>
+                  <a:srgbClr val="D4CFC5"/>
+                </a:solidFill>
+                <a:latin typeface="Pretendard Medium" panose="02000603000000020004" pitchFamily="2" charset="-127"/>
+                <a:ea typeface="Pretendard Medium" panose="02000603000000020004" pitchFamily="2" charset="-127"/>
+                <a:cs typeface="Pretendard Medium" panose="02000603000000020004" pitchFamily="2" charset="-127"/>
+              </a:rPr>
+              <a:t>(4T) </a:t>
+            </a:r>
+            <a:r>
+              <a:rPr lang="ko-KR" altLang="en-US" sz="900" dirty="0">
+                <a:solidFill>
+                  <a:srgbClr val="D4CFC5"/>
+                </a:solidFill>
+                <a:latin typeface="Pretendard Medium" panose="02000603000000020004" pitchFamily="2" charset="-127"/>
+                <a:ea typeface="Pretendard Medium" panose="02000603000000020004" pitchFamily="2" charset="-127"/>
+                <a:cs typeface="Pretendard Medium" panose="02000603000000020004" pitchFamily="2" charset="-127"/>
+              </a:rPr>
+              <a:t>기록 강화                </a:t>
+            </a:r>
+            <a:r>
+              <a:rPr lang="en-US" altLang="ko-KR" sz="900" dirty="0">
+                <a:solidFill>
+                  <a:srgbClr val="FFFF00"/>
+                </a:solidFill>
+                <a:latin typeface="Pretendard Medium" panose="02000603000000020004" pitchFamily="2" charset="-127"/>
+                <a:ea typeface="Pretendard Medium" panose="02000603000000020004" pitchFamily="2" charset="-127"/>
+                <a:cs typeface="Pretendard Medium" panose="02000603000000020004" pitchFamily="2" charset="-127"/>
+              </a:rPr>
+              <a:t>#</a:t>
+            </a:r>
+            <a:r>
+              <a:rPr lang="ko-KR" altLang="en-US" sz="900" dirty="0">
+                <a:solidFill>
+                  <a:srgbClr val="FFFF00"/>
+                </a:solidFill>
+                <a:latin typeface="Pretendard Medium" panose="02000603000000020004" pitchFamily="2" charset="-127"/>
+                <a:ea typeface="Pretendard Medium" panose="02000603000000020004" pitchFamily="2" charset="-127"/>
+                <a:cs typeface="Pretendard Medium" panose="02000603000000020004" pitchFamily="2" charset="-127"/>
+              </a:rPr>
+              <a:t>서브 슬롯의 활용</a:t>
+            </a:r>
+            <a:endParaRPr lang="en-US" altLang="ko-KR" sz="900" dirty="0">
+              <a:solidFill>
+                <a:srgbClr val="FFFF00"/>
+              </a:solidFill>
+              <a:latin typeface="Pretendard Medium" panose="02000603000000020004" pitchFamily="2" charset="-127"/>
+              <a:ea typeface="Pretendard Medium" panose="02000603000000020004" pitchFamily="2" charset="-127"/>
+              <a:cs typeface="Pretendard Medium" panose="02000603000000020004" pitchFamily="2" charset="-127"/>
+            </a:endParaRPr>
+          </a:p>
+          <a:p>
+            <a:pPr>
+              <a:spcAft>
+                <a:spcPts val="300"/>
+              </a:spcAft>
+            </a:pPr>
+            <a:r>
+              <a:rPr lang="ko-KR" altLang="en-US" sz="900" dirty="0">
+                <a:solidFill>
+                  <a:srgbClr val="D4CFC5"/>
+                </a:solidFill>
+                <a:latin typeface="Pretendard Medium" panose="02000603000000020004" pitchFamily="2" charset="-127"/>
+                <a:ea typeface="Pretendard Medium" panose="02000603000000020004" pitchFamily="2" charset="-127"/>
+                <a:cs typeface="Pretendard Medium" panose="02000603000000020004" pitchFamily="2" charset="-127"/>
+              </a:rPr>
+              <a:t>기록 모드 상태에서 </a:t>
+            </a:r>
+            <a:endParaRPr lang="en-US" altLang="ko-KR" sz="900" dirty="0">
+              <a:solidFill>
+                <a:srgbClr val="D4CFC5"/>
+              </a:solidFill>
+              <a:latin typeface="Pretendard Medium" panose="02000603000000020004" pitchFamily="2" charset="-127"/>
+              <a:ea typeface="Pretendard Medium" panose="02000603000000020004" pitchFamily="2" charset="-127"/>
+              <a:cs typeface="Pretendard Medium" panose="02000603000000020004" pitchFamily="2" charset="-127"/>
+            </a:endParaRPr>
+          </a:p>
+          <a:p>
+            <a:pPr>
+              <a:spcAft>
+                <a:spcPts val="300"/>
+              </a:spcAft>
+            </a:pPr>
+            <a:endParaRPr lang="en-US" altLang="ko-KR" sz="900" dirty="0">
+              <a:solidFill>
+                <a:srgbClr val="D4CFC5"/>
+              </a:solidFill>
+              <a:latin typeface="Pretendard Medium" panose="02000603000000020004" pitchFamily="2" charset="-127"/>
+              <a:ea typeface="Pretendard Medium" panose="02000603000000020004" pitchFamily="2" charset="-127"/>
+              <a:cs typeface="Pretendard Medium" panose="02000603000000020004" pitchFamily="2" charset="-127"/>
+            </a:endParaRPr>
+          </a:p>
+          <a:p>
+            <a:pPr>
+              <a:spcAft>
+                <a:spcPts val="300"/>
+              </a:spcAft>
+            </a:pPr>
+            <a:r>
+              <a:rPr lang="ko-KR" altLang="en-US" sz="900" dirty="0">
+                <a:solidFill>
+                  <a:srgbClr val="D4CFC5"/>
+                </a:solidFill>
+                <a:latin typeface="Pretendard Medium" panose="02000603000000020004" pitchFamily="2" charset="-127"/>
+                <a:ea typeface="Pretendard Medium" panose="02000603000000020004" pitchFamily="2" charset="-127"/>
+                <a:cs typeface="Pretendard Medium" panose="02000603000000020004" pitchFamily="2" charset="-127"/>
+              </a:rPr>
+              <a:t>양상이 서브 슬롯에 기록될 때 추가 효과가 발생합니다</a:t>
+            </a:r>
+            <a:r>
+              <a:rPr lang="en-US" altLang="ko-KR" sz="900" dirty="0">
+                <a:solidFill>
+                  <a:srgbClr val="D4CFC5"/>
+                </a:solidFill>
+                <a:latin typeface="Pretendard Medium" panose="02000603000000020004" pitchFamily="2" charset="-127"/>
+                <a:ea typeface="Pretendard Medium" panose="02000603000000020004" pitchFamily="2" charset="-127"/>
+                <a:cs typeface="Pretendard Medium" panose="02000603000000020004" pitchFamily="2" charset="-127"/>
+              </a:rPr>
+              <a:t>.</a:t>
+            </a:r>
+          </a:p>
+          <a:p>
+            <a:pPr>
+              <a:spcAft>
+                <a:spcPts val="300"/>
+              </a:spcAft>
+            </a:pPr>
+            <a:r>
+              <a:rPr lang="ko-KR" altLang="en-US" sz="900" dirty="0">
+                <a:solidFill>
+                  <a:srgbClr val="D4CFC5"/>
+                </a:solidFill>
+                <a:latin typeface="Pretendard Medium" panose="02000603000000020004" pitchFamily="2" charset="-127"/>
+                <a:ea typeface="Pretendard Medium" panose="02000603000000020004" pitchFamily="2" charset="-127"/>
+                <a:cs typeface="Pretendard Medium" panose="02000603000000020004" pitchFamily="2" charset="-127"/>
+              </a:rPr>
+              <a:t>도전 </a:t>
+            </a:r>
+            <a:r>
+              <a:rPr lang="en-US" altLang="ko-KR" sz="900" dirty="0">
+                <a:solidFill>
+                  <a:srgbClr val="D4CFC5"/>
+                </a:solidFill>
+                <a:latin typeface="Pretendard Medium" panose="02000603000000020004" pitchFamily="2" charset="-127"/>
+                <a:ea typeface="Pretendard Medium" panose="02000603000000020004" pitchFamily="2" charset="-127"/>
+                <a:cs typeface="Pretendard Medium" panose="02000603000000020004" pitchFamily="2" charset="-127"/>
+              </a:rPr>
+              <a:t>: </a:t>
+            </a:r>
+          </a:p>
+          <a:p>
+            <a:pPr>
+              <a:spcAft>
+                <a:spcPts val="300"/>
+              </a:spcAft>
+            </a:pPr>
+            <a:r>
+              <a:rPr lang="ko-KR" altLang="en-US" sz="900" dirty="0">
+                <a:solidFill>
+                  <a:srgbClr val="D4CFC5"/>
+                </a:solidFill>
+                <a:latin typeface="Pretendard Medium" panose="02000603000000020004" pitchFamily="2" charset="-127"/>
+                <a:ea typeface="Pretendard Medium" panose="02000603000000020004" pitchFamily="2" charset="-127"/>
+                <a:cs typeface="Pretendard Medium" panose="02000603000000020004" pitchFamily="2" charset="-127"/>
+              </a:rPr>
+              <a:t>불굴 </a:t>
+            </a:r>
+            <a:r>
+              <a:rPr lang="en-US" altLang="ko-KR" sz="900" dirty="0">
+                <a:solidFill>
+                  <a:srgbClr val="D4CFC5"/>
+                </a:solidFill>
+                <a:latin typeface="Pretendard Medium" panose="02000603000000020004" pitchFamily="2" charset="-127"/>
+                <a:ea typeface="Pretendard Medium" panose="02000603000000020004" pitchFamily="2" charset="-127"/>
+                <a:cs typeface="Pretendard Medium" panose="02000603000000020004" pitchFamily="2" charset="-127"/>
+              </a:rPr>
+              <a:t>: </a:t>
+            </a:r>
+          </a:p>
+          <a:p>
+            <a:pPr>
+              <a:spcAft>
+                <a:spcPts val="300"/>
+              </a:spcAft>
+            </a:pPr>
+            <a:r>
+              <a:rPr lang="ko-KR" altLang="en-US" sz="900" dirty="0">
+                <a:solidFill>
+                  <a:srgbClr val="D4CFC5"/>
+                </a:solidFill>
+                <a:latin typeface="Pretendard Medium" panose="02000603000000020004" pitchFamily="2" charset="-127"/>
+                <a:ea typeface="Pretendard Medium" panose="02000603000000020004" pitchFamily="2" charset="-127"/>
+                <a:cs typeface="Pretendard Medium" panose="02000603000000020004" pitchFamily="2" charset="-127"/>
+              </a:rPr>
+              <a:t>적응 </a:t>
+            </a:r>
+            <a:r>
+              <a:rPr lang="en-US" altLang="ko-KR" sz="900" dirty="0">
+                <a:solidFill>
+                  <a:srgbClr val="D4CFC5"/>
+                </a:solidFill>
+                <a:latin typeface="Pretendard Medium" panose="02000603000000020004" pitchFamily="2" charset="-127"/>
+                <a:ea typeface="Pretendard Medium" panose="02000603000000020004" pitchFamily="2" charset="-127"/>
+                <a:cs typeface="Pretendard Medium" panose="02000603000000020004" pitchFamily="2" charset="-127"/>
+              </a:rPr>
+              <a:t>: </a:t>
+            </a:r>
+            <a:r>
+              <a:rPr lang="ko-KR" altLang="en-US" sz="900" dirty="0">
+                <a:solidFill>
+                  <a:srgbClr val="D4CFC5"/>
+                </a:solidFill>
+                <a:latin typeface="Pretendard Medium" panose="02000603000000020004" pitchFamily="2" charset="-127"/>
+                <a:ea typeface="Pretendard Medium" panose="02000603000000020004" pitchFamily="2" charset="-127"/>
+                <a:cs typeface="Pretendard Medium" panose="02000603000000020004" pitchFamily="2" charset="-127"/>
+              </a:rPr>
+              <a:t>메인 슬롯에 기록된 양상으로 적용</a:t>
+            </a:r>
+            <a:endParaRPr lang="en-US" altLang="ko-KR" sz="900" dirty="0">
+              <a:solidFill>
+                <a:srgbClr val="D4CFC5"/>
+              </a:solidFill>
+              <a:latin typeface="Pretendard Medium" panose="02000603000000020004" pitchFamily="2" charset="-127"/>
+              <a:ea typeface="Pretendard Medium" panose="02000603000000020004" pitchFamily="2" charset="-127"/>
+              <a:cs typeface="Pretendard Medium" panose="02000603000000020004" pitchFamily="2" charset="-127"/>
+            </a:endParaRPr>
+          </a:p>
+        </p:txBody>
+      </p:sp>
+      <p:sp>
+        <p:nvSpPr>
+          <p:cNvPr id="2" name="TextBox 1">
+            <a:extLst>
+              <a:ext uri="{FF2B5EF4-FFF2-40B4-BE49-F238E27FC236}">
+                <a16:creationId xmlns:a16="http://schemas.microsoft.com/office/drawing/2014/main" id="{BA427FD8-0CA7-5D79-4B3C-1EE1C78C4404}"/>
+              </a:ext>
+            </a:extLst>
+          </p:cNvPr>
+          <p:cNvSpPr txBox="1"/>
+          <p:nvPr/>
+        </p:nvSpPr>
+        <p:spPr>
+          <a:xfrm>
+            <a:off x="6912212" y="1020910"/>
+            <a:ext cx="3822178" cy="761747"/>
+          </a:xfrm>
+          <a:prstGeom prst="rect">
+            <a:avLst/>
+          </a:prstGeom>
+          <a:noFill/>
+        </p:spPr>
+        <p:txBody>
+          <a:bodyPr wrap="none" lIns="90000" rIns="90000" rtlCol="0">
+            <a:spAutoFit/>
+          </a:bodyPr>
+          <a:lstStyle/>
+          <a:p>
+            <a:pPr>
+              <a:spcAft>
+                <a:spcPts val="300"/>
+              </a:spcAft>
+            </a:pPr>
+            <a:r>
+              <a:rPr lang="ko-KR" altLang="en-US" sz="900" dirty="0">
+                <a:solidFill>
+                  <a:srgbClr val="D4CFC5"/>
+                </a:solidFill>
+                <a:latin typeface="Pretendard Medium" panose="02000603000000020004" pitchFamily="2" charset="-127"/>
+                <a:ea typeface="Pretendard Medium" panose="02000603000000020004" pitchFamily="2" charset="-127"/>
+                <a:cs typeface="Pretendard Medium" panose="02000603000000020004" pitchFamily="2" charset="-127"/>
+              </a:rPr>
+              <a:t>인공별이 </a:t>
+            </a:r>
+            <a:r>
+              <a:rPr lang="en-US" altLang="ko-KR" sz="900" dirty="0">
+                <a:solidFill>
+                  <a:srgbClr val="D4CFC5"/>
+                </a:solidFill>
+                <a:latin typeface="Pretendard Medium" panose="02000603000000020004" pitchFamily="2" charset="-127"/>
+                <a:ea typeface="Pretendard Medium" panose="02000603000000020004" pitchFamily="2" charset="-127"/>
+                <a:cs typeface="Pretendard Medium" panose="02000603000000020004" pitchFamily="2" charset="-127"/>
+              </a:rPr>
+              <a:t>8</a:t>
+            </a:r>
+            <a:r>
+              <a:rPr lang="ko-KR" altLang="en-US" sz="900" dirty="0">
+                <a:solidFill>
+                  <a:srgbClr val="D4CFC5"/>
+                </a:solidFill>
+                <a:latin typeface="Pretendard Medium" panose="02000603000000020004" pitchFamily="2" charset="-127"/>
+                <a:ea typeface="Pretendard Medium" panose="02000603000000020004" pitchFamily="2" charset="-127"/>
+                <a:cs typeface="Pretendard Medium" panose="02000603000000020004" pitchFamily="2" charset="-127"/>
+              </a:rPr>
+              <a:t>개 형성되어 있을 때 알파성 스킬</a:t>
+            </a:r>
+            <a:r>
+              <a:rPr lang="en-US" altLang="ko-KR" sz="900" dirty="0">
+                <a:solidFill>
+                  <a:srgbClr val="D4CFC5"/>
+                </a:solidFill>
+                <a:latin typeface="Pretendard Medium" panose="02000603000000020004" pitchFamily="2" charset="-127"/>
+                <a:ea typeface="Pretendard Medium" panose="02000603000000020004" pitchFamily="2" charset="-127"/>
+                <a:cs typeface="Pretendard Medium" panose="02000603000000020004" pitchFamily="2" charset="-127"/>
+              </a:rPr>
+              <a:t>[Z]</a:t>
+            </a:r>
+            <a:r>
+              <a:rPr lang="ko-KR" altLang="en-US" sz="900" dirty="0">
+                <a:solidFill>
+                  <a:srgbClr val="D4CFC5"/>
+                </a:solidFill>
+                <a:latin typeface="Pretendard Medium" panose="02000603000000020004" pitchFamily="2" charset="-127"/>
+                <a:ea typeface="Pretendard Medium" panose="02000603000000020004" pitchFamily="2" charset="-127"/>
+                <a:cs typeface="Pretendard Medium" panose="02000603000000020004" pitchFamily="2" charset="-127"/>
+              </a:rPr>
+              <a:t>이 활성화 됩니다</a:t>
+            </a:r>
+            <a:r>
+              <a:rPr lang="en-US" altLang="ko-KR" sz="900" dirty="0">
+                <a:solidFill>
+                  <a:srgbClr val="D4CFC5"/>
+                </a:solidFill>
+                <a:latin typeface="Pretendard Medium" panose="02000603000000020004" pitchFamily="2" charset="-127"/>
+                <a:ea typeface="Pretendard Medium" panose="02000603000000020004" pitchFamily="2" charset="-127"/>
+                <a:cs typeface="Pretendard Medium" panose="02000603000000020004" pitchFamily="2" charset="-127"/>
+              </a:rPr>
+              <a:t>.</a:t>
+            </a:r>
+          </a:p>
+          <a:p>
+            <a:pPr>
+              <a:spcAft>
+                <a:spcPts val="300"/>
+              </a:spcAft>
+            </a:pPr>
+            <a:r>
+              <a:rPr lang="ko-KR" altLang="en-US" sz="900" dirty="0">
+                <a:solidFill>
+                  <a:srgbClr val="D4CFC5"/>
+                </a:solidFill>
+                <a:latin typeface="Pretendard Medium" panose="02000603000000020004" pitchFamily="2" charset="-127"/>
+                <a:ea typeface="Pretendard Medium" panose="02000603000000020004" pitchFamily="2" charset="-127"/>
+                <a:cs typeface="Pretendard Medium" panose="02000603000000020004" pitchFamily="2" charset="-127"/>
+              </a:rPr>
+              <a:t>게이지를 모두 소모하여 인공 별을 주변으로 보냅니다</a:t>
+            </a:r>
+            <a:r>
+              <a:rPr lang="en-US" altLang="ko-KR" sz="900" dirty="0">
+                <a:solidFill>
+                  <a:srgbClr val="D4CFC5"/>
+                </a:solidFill>
+                <a:latin typeface="Pretendard Medium" panose="02000603000000020004" pitchFamily="2" charset="-127"/>
+                <a:ea typeface="Pretendard Medium" panose="02000603000000020004" pitchFamily="2" charset="-127"/>
+                <a:cs typeface="Pretendard Medium" panose="02000603000000020004" pitchFamily="2" charset="-127"/>
+              </a:rPr>
+              <a:t>.</a:t>
+            </a:r>
+          </a:p>
+          <a:p>
+            <a:pPr>
+              <a:spcAft>
+                <a:spcPts val="300"/>
+              </a:spcAft>
+            </a:pPr>
+            <a:r>
+              <a:rPr lang="ko-KR" altLang="en-US" sz="900" dirty="0">
+                <a:solidFill>
+                  <a:srgbClr val="D4CFC5"/>
+                </a:solidFill>
+                <a:latin typeface="Pretendard Medium" panose="02000603000000020004" pitchFamily="2" charset="-127"/>
+                <a:ea typeface="Pretendard Medium" panose="02000603000000020004" pitchFamily="2" charset="-127"/>
+                <a:cs typeface="Pretendard Medium" panose="02000603000000020004" pitchFamily="2" charset="-127"/>
+              </a:rPr>
+              <a:t>이후 인공별에서 사슬이 튀어나와 캐릭터와 연결되면서 새로운 별자리를 그립니다</a:t>
+            </a:r>
+            <a:r>
+              <a:rPr lang="en-US" altLang="ko-KR" sz="900" dirty="0">
+                <a:solidFill>
+                  <a:srgbClr val="D4CFC5"/>
+                </a:solidFill>
+                <a:latin typeface="Pretendard Medium" panose="02000603000000020004" pitchFamily="2" charset="-127"/>
+                <a:ea typeface="Pretendard Medium" panose="02000603000000020004" pitchFamily="2" charset="-127"/>
+                <a:cs typeface="Pretendard Medium" panose="02000603000000020004" pitchFamily="2" charset="-127"/>
+              </a:rPr>
+              <a:t>.</a:t>
+            </a:r>
+          </a:p>
+          <a:p>
+            <a:pPr>
+              <a:spcAft>
+                <a:spcPts val="300"/>
+              </a:spcAft>
+            </a:pPr>
+            <a:endParaRPr lang="en-US" altLang="ko-KR" sz="900" dirty="0">
+              <a:solidFill>
+                <a:srgbClr val="D4CFC5"/>
+              </a:solidFill>
+              <a:latin typeface="Pretendard Medium" panose="02000603000000020004" pitchFamily="2" charset="-127"/>
+              <a:ea typeface="Pretendard Medium" panose="02000603000000020004" pitchFamily="2" charset="-127"/>
+              <a:cs typeface="Pretendard Medium" panose="02000603000000020004" pitchFamily="2" charset="-127"/>
+            </a:endParaRPr>
+          </a:p>
+        </p:txBody>
+      </p:sp>
+    </p:spTree>
+    <p:extLst>
+      <p:ext uri="{BB962C8B-B14F-4D97-AF65-F5344CB8AC3E}">
+        <p14:creationId xmlns:p14="http://schemas.microsoft.com/office/powerpoint/2010/main" val="2487345855"/>
+      </p:ext>
+    </p:extLst>
+  </p:cSld>
+  <p:clrMapOvr>
+    <a:masterClrMapping/>
+  </p:clrMapOvr>
+</p:sld>
+</file>
+
+<file path=ppt/slides/slide9.xml><?xml version="1.0" encoding="utf-8"?>
 <p:sld xmlns:a="http://schemas.openxmlformats.org/drawingml/2006/main" xmlns:r="http://schemas.openxmlformats.org/officeDocument/2006/relationships" xmlns:p="http://schemas.openxmlformats.org/presentationml/2006/main">
   <p:cSld>
     <p:spTree>
@@ -18008,1907 +22150,6 @@
     <p:extLst>
       <p:ext uri="{BB962C8B-B14F-4D97-AF65-F5344CB8AC3E}">
         <p14:creationId xmlns:p14="http://schemas.microsoft.com/office/powerpoint/2010/main" val="1872010127"/>
-      </p:ext>
-    </p:extLst>
-  </p:cSld>
-  <p:clrMapOvr>
-    <a:masterClrMapping/>
-  </p:clrMapOvr>
-</p:sld>
-</file>
-
-<file path=ppt/slides/slide9.xml><?xml version="1.0" encoding="utf-8"?>
-<p:sld xmlns:a="http://schemas.openxmlformats.org/drawingml/2006/main" xmlns:r="http://schemas.openxmlformats.org/officeDocument/2006/relationships" xmlns:p="http://schemas.openxmlformats.org/presentationml/2006/main">
-  <p:cSld>
-    <p:spTree>
-      <p:nvGrpSpPr>
-        <p:cNvPr id="1" name="">
-          <a:extLst>
-            <a:ext uri="{FF2B5EF4-FFF2-40B4-BE49-F238E27FC236}">
-              <a16:creationId xmlns:a16="http://schemas.microsoft.com/office/drawing/2014/main" id="{B1FF3B5F-26C5-2F6C-AFE5-164E8E612F85}"/>
-            </a:ext>
-          </a:extLst>
-        </p:cNvPr>
-        <p:cNvGrpSpPr/>
-        <p:nvPr/>
-      </p:nvGrpSpPr>
-      <p:grpSpPr>
-        <a:xfrm>
-          <a:off x="0" y="0"/>
-          <a:ext cx="0" cy="0"/>
-          <a:chOff x="0" y="0"/>
-          <a:chExt cx="0" cy="0"/>
-        </a:xfrm>
-      </p:grpSpPr>
-      <p:sp>
-        <p:nvSpPr>
-          <p:cNvPr id="2" name="TextBox 4">
-            <a:extLst>
-              <a:ext uri="{FF2B5EF4-FFF2-40B4-BE49-F238E27FC236}">
-                <a16:creationId xmlns:a16="http://schemas.microsoft.com/office/drawing/2014/main" id="{33FF3E1A-9FB7-F5D1-1E63-6467B8E9D14F}"/>
-              </a:ext>
-            </a:extLst>
-          </p:cNvPr>
-          <p:cNvSpPr txBox="1"/>
-          <p:nvPr/>
-        </p:nvSpPr>
-        <p:spPr>
-          <a:xfrm>
-            <a:off x="0" y="0"/>
-            <a:ext cx="12191999" cy="400110"/>
-          </a:xfrm>
-          <a:prstGeom prst="rect">
-            <a:avLst/>
-          </a:prstGeom>
-          <a:solidFill>
-            <a:srgbClr val="FFFF00"/>
-          </a:solidFill>
-        </p:spPr>
-        <p:txBody>
-          <a:bodyPr wrap="square">
-            <a:spAutoFit/>
-          </a:bodyPr>
-          <a:lstStyle/>
-          <a:p>
-            <a:pPr marL="342900" lvl="0" indent="-342900" algn="ctr" latinLnBrk="1">
-              <a:tabLst>
-                <a:tab pos="457200" algn="l"/>
-              </a:tabLst>
-            </a:pPr>
-            <a:r>
-              <a:rPr lang="ko-KR" altLang="en-US" sz="2000" b="1" kern="100" dirty="0">
-                <a:solidFill>
-                  <a:srgbClr val="000000"/>
-                </a:solidFill>
-                <a:effectLst/>
-                <a:latin typeface="Pretendard Medium" panose="02000603000000020004" pitchFamily="2" charset="-127"/>
-                <a:ea typeface="Pretendard Medium" panose="02000603000000020004" pitchFamily="2" charset="-127"/>
-                <a:cs typeface="Pretendard Medium" panose="02000603000000020004" pitchFamily="2" charset="-127"/>
-              </a:rPr>
-              <a:t>추가 아이디어</a:t>
-            </a:r>
-            <a:endParaRPr lang="ko-KR" sz="2000" b="1" kern="100" dirty="0">
-              <a:solidFill>
-                <a:srgbClr val="000000"/>
-              </a:solidFill>
-              <a:effectLst/>
-              <a:latin typeface="Pretendard Medium" panose="02000603000000020004" pitchFamily="2" charset="-127"/>
-              <a:ea typeface="Pretendard Medium" panose="02000603000000020004" pitchFamily="2" charset="-127"/>
-              <a:cs typeface="Pretendard Medium" panose="02000603000000020004" pitchFamily="2" charset="-127"/>
-            </a:endParaRPr>
-          </a:p>
-        </p:txBody>
-      </p:sp>
-      <p:sp>
-        <p:nvSpPr>
-          <p:cNvPr id="3" name="TextBox 2">
-            <a:extLst>
-              <a:ext uri="{FF2B5EF4-FFF2-40B4-BE49-F238E27FC236}">
-                <a16:creationId xmlns:a16="http://schemas.microsoft.com/office/drawing/2014/main" id="{6AB13E1C-A6E5-227B-9D57-87200232B403}"/>
-              </a:ext>
-            </a:extLst>
-          </p:cNvPr>
-          <p:cNvSpPr txBox="1"/>
-          <p:nvPr/>
-        </p:nvSpPr>
-        <p:spPr>
-          <a:xfrm>
-            <a:off x="175267" y="483237"/>
-            <a:ext cx="1465145" cy="938719"/>
-          </a:xfrm>
-          <a:prstGeom prst="rect">
-            <a:avLst/>
-          </a:prstGeom>
-          <a:noFill/>
-        </p:spPr>
-        <p:txBody>
-          <a:bodyPr wrap="none" lIns="0" rIns="0" rtlCol="0">
-            <a:spAutoFit/>
-          </a:bodyPr>
-          <a:lstStyle/>
-          <a:p>
-            <a:pPr>
-              <a:spcAft>
-                <a:spcPts val="300"/>
-              </a:spcAft>
-            </a:pPr>
-            <a:r>
-              <a:rPr lang="ko-KR" altLang="en-US" sz="900" dirty="0">
-                <a:solidFill>
-                  <a:srgbClr val="D4CFC5"/>
-                </a:solidFill>
-                <a:latin typeface="Pretendard Medium" panose="02000603000000020004" pitchFamily="2" charset="-127"/>
-                <a:ea typeface="Pretendard Medium" panose="02000603000000020004" pitchFamily="2" charset="-127"/>
-                <a:cs typeface="Pretendard Medium" panose="02000603000000020004" pitchFamily="2" charset="-127"/>
-              </a:rPr>
-              <a:t>도전 </a:t>
-            </a:r>
-            <a:r>
-              <a:rPr lang="en-US" altLang="ko-KR" sz="900" dirty="0">
-                <a:solidFill>
-                  <a:srgbClr val="D4CFC5"/>
-                </a:solidFill>
-                <a:latin typeface="Pretendard Medium" panose="02000603000000020004" pitchFamily="2" charset="-127"/>
-                <a:ea typeface="Pretendard Medium" panose="02000603000000020004" pitchFamily="2" charset="-127"/>
-                <a:cs typeface="Pretendard Medium" panose="02000603000000020004" pitchFamily="2" charset="-127"/>
-              </a:rPr>
-              <a:t>– </a:t>
-            </a:r>
-            <a:r>
-              <a:rPr lang="ko-KR" altLang="en-US" sz="900" dirty="0">
-                <a:solidFill>
-                  <a:srgbClr val="D4CFC5"/>
-                </a:solidFill>
-                <a:latin typeface="Pretendard Medium" panose="02000603000000020004" pitchFamily="2" charset="-127"/>
-                <a:ea typeface="Pretendard Medium" panose="02000603000000020004" pitchFamily="2" charset="-127"/>
-                <a:cs typeface="Pretendard Medium" panose="02000603000000020004" pitchFamily="2" charset="-127"/>
-              </a:rPr>
-              <a:t>불굴 </a:t>
-            </a:r>
-            <a:r>
-              <a:rPr lang="en-US" altLang="ko-KR" sz="900" dirty="0">
-                <a:solidFill>
-                  <a:srgbClr val="D4CFC5"/>
-                </a:solidFill>
-                <a:latin typeface="Pretendard Medium" panose="02000603000000020004" pitchFamily="2" charset="-127"/>
-                <a:ea typeface="Pretendard Medium" panose="02000603000000020004" pitchFamily="2" charset="-127"/>
-                <a:cs typeface="Pretendard Medium" panose="02000603000000020004" pitchFamily="2" charset="-127"/>
-              </a:rPr>
-              <a:t>:</a:t>
-            </a:r>
-            <a:r>
-              <a:rPr lang="ko-KR" altLang="en-US" sz="900" dirty="0">
-                <a:solidFill>
-                  <a:srgbClr val="D4CFC5"/>
-                </a:solidFill>
-                <a:latin typeface="Pretendard Medium" panose="02000603000000020004" pitchFamily="2" charset="-127"/>
-                <a:ea typeface="Pretendard Medium" panose="02000603000000020004" pitchFamily="2" charset="-127"/>
-                <a:cs typeface="Pretendard Medium" panose="02000603000000020004" pitchFamily="2" charset="-127"/>
-              </a:rPr>
-              <a:t> 대립</a:t>
-            </a:r>
-            <a:endParaRPr lang="en-US" altLang="ko-KR" sz="900" dirty="0">
-              <a:solidFill>
-                <a:srgbClr val="D4CFC5"/>
-              </a:solidFill>
-              <a:latin typeface="Pretendard Medium" panose="02000603000000020004" pitchFamily="2" charset="-127"/>
-              <a:ea typeface="Pretendard Medium" panose="02000603000000020004" pitchFamily="2" charset="-127"/>
-              <a:cs typeface="Pretendard Medium" panose="02000603000000020004" pitchFamily="2" charset="-127"/>
-            </a:endParaRPr>
-          </a:p>
-          <a:p>
-            <a:pPr>
-              <a:spcAft>
-                <a:spcPts val="300"/>
-              </a:spcAft>
-            </a:pPr>
-            <a:r>
-              <a:rPr lang="ko-KR" altLang="en-US" sz="900" dirty="0">
-                <a:solidFill>
-                  <a:srgbClr val="D4CFC5"/>
-                </a:solidFill>
-                <a:latin typeface="Pretendard Medium" panose="02000603000000020004" pitchFamily="2" charset="-127"/>
-                <a:ea typeface="Pretendard Medium" panose="02000603000000020004" pitchFamily="2" charset="-127"/>
-                <a:cs typeface="Pretendard Medium" panose="02000603000000020004" pitchFamily="2" charset="-127"/>
-              </a:rPr>
-              <a:t>적응 </a:t>
-            </a:r>
-            <a:r>
-              <a:rPr lang="en-US" altLang="ko-KR" sz="900" dirty="0">
-                <a:solidFill>
-                  <a:srgbClr val="D4CFC5"/>
-                </a:solidFill>
-                <a:latin typeface="Pretendard Medium" panose="02000603000000020004" pitchFamily="2" charset="-127"/>
-                <a:ea typeface="Pretendard Medium" panose="02000603000000020004" pitchFamily="2" charset="-127"/>
-                <a:cs typeface="Pretendard Medium" panose="02000603000000020004" pitchFamily="2" charset="-127"/>
-              </a:rPr>
-              <a:t>: </a:t>
-            </a:r>
-            <a:r>
-              <a:rPr lang="ko-KR" altLang="en-US" sz="900" dirty="0">
-                <a:solidFill>
-                  <a:srgbClr val="D4CFC5"/>
-                </a:solidFill>
-                <a:latin typeface="Pretendard Medium" panose="02000603000000020004" pitchFamily="2" charset="-127"/>
-                <a:ea typeface="Pretendard Medium" panose="02000603000000020004" pitchFamily="2" charset="-127"/>
-                <a:cs typeface="Pretendard Medium" panose="02000603000000020004" pitchFamily="2" charset="-127"/>
-              </a:rPr>
-              <a:t>중립 </a:t>
-            </a:r>
-            <a:endParaRPr lang="en-US" altLang="ko-KR" sz="900" dirty="0">
-              <a:solidFill>
-                <a:srgbClr val="D4CFC5"/>
-              </a:solidFill>
-              <a:latin typeface="Pretendard Medium" panose="02000603000000020004" pitchFamily="2" charset="-127"/>
-              <a:ea typeface="Pretendard Medium" panose="02000603000000020004" pitchFamily="2" charset="-127"/>
-              <a:cs typeface="Pretendard Medium" panose="02000603000000020004" pitchFamily="2" charset="-127"/>
-            </a:endParaRPr>
-          </a:p>
-          <a:p>
-            <a:pPr>
-              <a:spcAft>
-                <a:spcPts val="300"/>
-              </a:spcAft>
-            </a:pPr>
-            <a:endParaRPr lang="en-US" altLang="ko-KR" sz="900" dirty="0">
-              <a:solidFill>
-                <a:srgbClr val="D4CFC5"/>
-              </a:solidFill>
-              <a:latin typeface="Pretendard Medium" panose="02000603000000020004" pitchFamily="2" charset="-127"/>
-              <a:ea typeface="Pretendard Medium" panose="02000603000000020004" pitchFamily="2" charset="-127"/>
-              <a:cs typeface="Pretendard Medium" panose="02000603000000020004" pitchFamily="2" charset="-127"/>
-            </a:endParaRPr>
-          </a:p>
-          <a:p>
-            <a:pPr>
-              <a:spcAft>
-                <a:spcPts val="300"/>
-              </a:spcAft>
-            </a:pPr>
-            <a:r>
-              <a:rPr lang="ko-KR" altLang="en-US" sz="900" dirty="0">
-                <a:solidFill>
-                  <a:srgbClr val="D4CFC5"/>
-                </a:solidFill>
-                <a:latin typeface="Pretendard Medium" panose="02000603000000020004" pitchFamily="2" charset="-127"/>
-                <a:ea typeface="Pretendard Medium" panose="02000603000000020004" pitchFamily="2" charset="-127"/>
-                <a:cs typeface="Pretendard Medium" panose="02000603000000020004" pitchFamily="2" charset="-127"/>
-              </a:rPr>
-              <a:t>이런 관계가 있으면 더 재밌을까</a:t>
-            </a:r>
-            <a:r>
-              <a:rPr lang="en-US" altLang="ko-KR" sz="900" dirty="0">
-                <a:solidFill>
-                  <a:srgbClr val="D4CFC5"/>
-                </a:solidFill>
-                <a:latin typeface="Pretendard Medium" panose="02000603000000020004" pitchFamily="2" charset="-127"/>
-                <a:ea typeface="Pretendard Medium" panose="02000603000000020004" pitchFamily="2" charset="-127"/>
-                <a:cs typeface="Pretendard Medium" panose="02000603000000020004" pitchFamily="2" charset="-127"/>
-              </a:rPr>
-              <a:t>?</a:t>
-            </a:r>
-          </a:p>
-          <a:p>
-            <a:pPr>
-              <a:spcAft>
-                <a:spcPts val="300"/>
-              </a:spcAft>
-            </a:pPr>
-            <a:endParaRPr lang="en-US" altLang="ko-KR" sz="900" dirty="0">
-              <a:solidFill>
-                <a:srgbClr val="D4CFC5"/>
-              </a:solidFill>
-              <a:latin typeface="Pretendard Medium" panose="02000603000000020004" pitchFamily="2" charset="-127"/>
-              <a:ea typeface="Pretendard Medium" panose="02000603000000020004" pitchFamily="2" charset="-127"/>
-              <a:cs typeface="Pretendard Medium" panose="02000603000000020004" pitchFamily="2" charset="-127"/>
-            </a:endParaRPr>
-          </a:p>
-        </p:txBody>
-      </p:sp>
-      <p:sp>
-        <p:nvSpPr>
-          <p:cNvPr id="6" name="TextBox 5">
-            <a:extLst>
-              <a:ext uri="{FF2B5EF4-FFF2-40B4-BE49-F238E27FC236}">
-                <a16:creationId xmlns:a16="http://schemas.microsoft.com/office/drawing/2014/main" id="{8C045AB5-5C2F-3E2A-25E0-03B296420E13}"/>
-              </a:ext>
-            </a:extLst>
-          </p:cNvPr>
-          <p:cNvSpPr txBox="1"/>
-          <p:nvPr/>
-        </p:nvSpPr>
-        <p:spPr>
-          <a:xfrm>
-            <a:off x="175267" y="2114610"/>
-            <a:ext cx="1308050" cy="761747"/>
-          </a:xfrm>
-          <a:prstGeom prst="rect">
-            <a:avLst/>
-          </a:prstGeom>
-          <a:noFill/>
-        </p:spPr>
-        <p:txBody>
-          <a:bodyPr wrap="none" lIns="0" rIns="0" rtlCol="0">
-            <a:spAutoFit/>
-          </a:bodyPr>
-          <a:lstStyle/>
-          <a:p>
-            <a:pPr>
-              <a:spcAft>
-                <a:spcPts val="300"/>
-              </a:spcAft>
-            </a:pPr>
-            <a:r>
-              <a:rPr lang="ko-KR" altLang="en-US" sz="900" dirty="0">
-                <a:solidFill>
-                  <a:srgbClr val="D4CFC5"/>
-                </a:solidFill>
-                <a:latin typeface="Pretendard Medium" panose="02000603000000020004" pitchFamily="2" charset="-127"/>
-                <a:ea typeface="Pretendard Medium" panose="02000603000000020004" pitchFamily="2" charset="-127"/>
-                <a:cs typeface="Pretendard Medium" panose="02000603000000020004" pitchFamily="2" charset="-127"/>
-              </a:rPr>
-              <a:t>메인 슬롯에 따른 최적의 조합</a:t>
-            </a:r>
-            <a:endParaRPr lang="en-US" altLang="ko-KR" sz="900" dirty="0">
-              <a:solidFill>
-                <a:srgbClr val="D4CFC5"/>
-              </a:solidFill>
-              <a:latin typeface="Pretendard Medium" panose="02000603000000020004" pitchFamily="2" charset="-127"/>
-              <a:ea typeface="Pretendard Medium" panose="02000603000000020004" pitchFamily="2" charset="-127"/>
-              <a:cs typeface="Pretendard Medium" panose="02000603000000020004" pitchFamily="2" charset="-127"/>
-            </a:endParaRPr>
-          </a:p>
-          <a:p>
-            <a:pPr>
-              <a:spcAft>
-                <a:spcPts val="300"/>
-              </a:spcAft>
-            </a:pPr>
-            <a:r>
-              <a:rPr lang="ko-KR" altLang="en-US" sz="900" dirty="0">
-                <a:solidFill>
-                  <a:srgbClr val="D4CFC5"/>
-                </a:solidFill>
-                <a:latin typeface="Pretendard Medium" panose="02000603000000020004" pitchFamily="2" charset="-127"/>
-                <a:ea typeface="Pretendard Medium" panose="02000603000000020004" pitchFamily="2" charset="-127"/>
-                <a:cs typeface="Pretendard Medium" panose="02000603000000020004" pitchFamily="2" charset="-127"/>
-              </a:rPr>
-              <a:t>도전 </a:t>
-            </a:r>
-            <a:r>
-              <a:rPr lang="en-US" altLang="ko-KR" sz="900" dirty="0">
-                <a:solidFill>
-                  <a:srgbClr val="D4CFC5"/>
-                </a:solidFill>
-                <a:latin typeface="Pretendard Medium" panose="02000603000000020004" pitchFamily="2" charset="-127"/>
-                <a:ea typeface="Pretendard Medium" panose="02000603000000020004" pitchFamily="2" charset="-127"/>
-                <a:cs typeface="Pretendard Medium" panose="02000603000000020004" pitchFamily="2" charset="-127"/>
-              </a:rPr>
-              <a:t>– </a:t>
-            </a:r>
-            <a:r>
-              <a:rPr lang="ko-KR" altLang="en-US" sz="900" dirty="0">
-                <a:solidFill>
-                  <a:srgbClr val="D4CFC5"/>
-                </a:solidFill>
-                <a:latin typeface="Pretendard Medium" panose="02000603000000020004" pitchFamily="2" charset="-127"/>
-                <a:ea typeface="Pretendard Medium" panose="02000603000000020004" pitchFamily="2" charset="-127"/>
-                <a:cs typeface="Pretendard Medium" panose="02000603000000020004" pitchFamily="2" charset="-127"/>
-              </a:rPr>
-              <a:t>모두 도전 양상</a:t>
-            </a:r>
-            <a:endParaRPr lang="en-US" altLang="ko-KR" sz="900" dirty="0">
-              <a:solidFill>
-                <a:srgbClr val="D4CFC5"/>
-              </a:solidFill>
-              <a:latin typeface="Pretendard Medium" panose="02000603000000020004" pitchFamily="2" charset="-127"/>
-              <a:ea typeface="Pretendard Medium" panose="02000603000000020004" pitchFamily="2" charset="-127"/>
-              <a:cs typeface="Pretendard Medium" panose="02000603000000020004" pitchFamily="2" charset="-127"/>
-            </a:endParaRPr>
-          </a:p>
-          <a:p>
-            <a:pPr>
-              <a:spcAft>
-                <a:spcPts val="300"/>
-              </a:spcAft>
-            </a:pPr>
-            <a:r>
-              <a:rPr lang="ko-KR" altLang="en-US" sz="900" dirty="0">
-                <a:solidFill>
-                  <a:srgbClr val="D4CFC5"/>
-                </a:solidFill>
-                <a:latin typeface="Pretendard Medium" panose="02000603000000020004" pitchFamily="2" charset="-127"/>
-                <a:ea typeface="Pretendard Medium" panose="02000603000000020004" pitchFamily="2" charset="-127"/>
-                <a:cs typeface="Pretendard Medium" panose="02000603000000020004" pitchFamily="2" charset="-127"/>
-              </a:rPr>
-              <a:t>불굴 </a:t>
-            </a:r>
-            <a:r>
-              <a:rPr lang="en-US" altLang="ko-KR" sz="900" dirty="0">
-                <a:solidFill>
-                  <a:srgbClr val="D4CFC5"/>
-                </a:solidFill>
-                <a:latin typeface="Pretendard Medium" panose="02000603000000020004" pitchFamily="2" charset="-127"/>
-                <a:ea typeface="Pretendard Medium" panose="02000603000000020004" pitchFamily="2" charset="-127"/>
-                <a:cs typeface="Pretendard Medium" panose="02000603000000020004" pitchFamily="2" charset="-127"/>
-              </a:rPr>
-              <a:t>– </a:t>
-            </a:r>
-            <a:r>
-              <a:rPr lang="ko-KR" altLang="en-US" sz="900" dirty="0">
-                <a:solidFill>
-                  <a:srgbClr val="D4CFC5"/>
-                </a:solidFill>
-                <a:latin typeface="Pretendard Medium" panose="02000603000000020004" pitchFamily="2" charset="-127"/>
-                <a:ea typeface="Pretendard Medium" panose="02000603000000020004" pitchFamily="2" charset="-127"/>
-                <a:cs typeface="Pretendard Medium" panose="02000603000000020004" pitchFamily="2" charset="-127"/>
-              </a:rPr>
-              <a:t>모두 불굴 양상</a:t>
-            </a:r>
-            <a:endParaRPr lang="en-US" altLang="ko-KR" sz="900" dirty="0">
-              <a:solidFill>
-                <a:srgbClr val="D4CFC5"/>
-              </a:solidFill>
-              <a:latin typeface="Pretendard Medium" panose="02000603000000020004" pitchFamily="2" charset="-127"/>
-              <a:ea typeface="Pretendard Medium" panose="02000603000000020004" pitchFamily="2" charset="-127"/>
-              <a:cs typeface="Pretendard Medium" panose="02000603000000020004" pitchFamily="2" charset="-127"/>
-            </a:endParaRPr>
-          </a:p>
-          <a:p>
-            <a:pPr>
-              <a:spcAft>
-                <a:spcPts val="300"/>
-              </a:spcAft>
-            </a:pPr>
-            <a:r>
-              <a:rPr lang="ko-KR" altLang="en-US" sz="900" dirty="0">
-                <a:solidFill>
-                  <a:srgbClr val="D4CFC5"/>
-                </a:solidFill>
-                <a:latin typeface="Pretendard Medium" panose="02000603000000020004" pitchFamily="2" charset="-127"/>
-                <a:ea typeface="Pretendard Medium" panose="02000603000000020004" pitchFamily="2" charset="-127"/>
-                <a:cs typeface="Pretendard Medium" panose="02000603000000020004" pitchFamily="2" charset="-127"/>
-              </a:rPr>
-              <a:t>적응 </a:t>
-            </a:r>
-            <a:r>
-              <a:rPr lang="en-US" altLang="ko-KR" sz="900" dirty="0">
-                <a:solidFill>
-                  <a:srgbClr val="D4CFC5"/>
-                </a:solidFill>
-                <a:latin typeface="Pretendard Medium" panose="02000603000000020004" pitchFamily="2" charset="-127"/>
-                <a:ea typeface="Pretendard Medium" panose="02000603000000020004" pitchFamily="2" charset="-127"/>
-                <a:cs typeface="Pretendard Medium" panose="02000603000000020004" pitchFamily="2" charset="-127"/>
-              </a:rPr>
-              <a:t>– </a:t>
-            </a:r>
-            <a:r>
-              <a:rPr lang="ko-KR" altLang="en-US" sz="900" dirty="0">
-                <a:solidFill>
-                  <a:srgbClr val="D4CFC5"/>
-                </a:solidFill>
-                <a:latin typeface="Pretendard Medium" panose="02000603000000020004" pitchFamily="2" charset="-127"/>
-                <a:ea typeface="Pretendard Medium" panose="02000603000000020004" pitchFamily="2" charset="-127"/>
-                <a:cs typeface="Pretendard Medium" panose="02000603000000020004" pitchFamily="2" charset="-127"/>
-              </a:rPr>
-              <a:t>모두 다르게</a:t>
-            </a:r>
-            <a:endParaRPr lang="en-US" altLang="ko-KR" sz="900" dirty="0">
-              <a:solidFill>
-                <a:srgbClr val="D4CFC5"/>
-              </a:solidFill>
-              <a:latin typeface="Pretendard Medium" panose="02000603000000020004" pitchFamily="2" charset="-127"/>
-              <a:ea typeface="Pretendard Medium" panose="02000603000000020004" pitchFamily="2" charset="-127"/>
-              <a:cs typeface="Pretendard Medium" panose="02000603000000020004" pitchFamily="2" charset="-127"/>
-            </a:endParaRPr>
-          </a:p>
-        </p:txBody>
-      </p:sp>
-      <p:sp>
-        <p:nvSpPr>
-          <p:cNvPr id="7" name="TextBox 6">
-            <a:extLst>
-              <a:ext uri="{FF2B5EF4-FFF2-40B4-BE49-F238E27FC236}">
-                <a16:creationId xmlns:a16="http://schemas.microsoft.com/office/drawing/2014/main" id="{4000604A-9C5F-8F8F-B22E-7184B301B42F}"/>
-              </a:ext>
-            </a:extLst>
-          </p:cNvPr>
-          <p:cNvSpPr txBox="1"/>
-          <p:nvPr/>
-        </p:nvSpPr>
-        <p:spPr>
-          <a:xfrm>
-            <a:off x="2412891" y="1052780"/>
-            <a:ext cx="7040389" cy="3239348"/>
-          </a:xfrm>
-          <a:prstGeom prst="rect">
-            <a:avLst/>
-          </a:prstGeom>
-          <a:noFill/>
-        </p:spPr>
-        <p:txBody>
-          <a:bodyPr wrap="none" lIns="0" rIns="0" rtlCol="0">
-            <a:spAutoFit/>
-          </a:bodyPr>
-          <a:lstStyle/>
-          <a:p>
-            <a:pPr>
-              <a:spcAft>
-                <a:spcPts val="300"/>
-              </a:spcAft>
-            </a:pPr>
-            <a:r>
-              <a:rPr lang="ko-KR" altLang="en-US" sz="900" dirty="0">
-                <a:solidFill>
-                  <a:srgbClr val="D4CFC5"/>
-                </a:solidFill>
-                <a:latin typeface="Pretendard Medium" panose="02000603000000020004" pitchFamily="2" charset="-127"/>
-                <a:ea typeface="Pretendard Medium" panose="02000603000000020004" pitchFamily="2" charset="-127"/>
-                <a:cs typeface="Pretendard Medium" panose="02000603000000020004" pitchFamily="2" charset="-127"/>
-              </a:rPr>
-              <a:t>기록 완료 시 양상 별 </a:t>
-            </a:r>
-            <a:r>
-              <a:rPr lang="ko-KR" altLang="en-US" sz="900" dirty="0" err="1">
-                <a:solidFill>
-                  <a:srgbClr val="D4CFC5"/>
-                </a:solidFill>
-                <a:latin typeface="Pretendard Medium" panose="02000603000000020004" pitchFamily="2" charset="-127"/>
-                <a:ea typeface="Pretendard Medium" panose="02000603000000020004" pitchFamily="2" charset="-127"/>
-                <a:cs typeface="Pretendard Medium" panose="02000603000000020004" pitchFamily="2" charset="-127"/>
-              </a:rPr>
-              <a:t>디버프가</a:t>
-            </a:r>
-            <a:r>
-              <a:rPr lang="ko-KR" altLang="en-US" sz="900" dirty="0">
-                <a:solidFill>
-                  <a:srgbClr val="D4CFC5"/>
-                </a:solidFill>
-                <a:latin typeface="Pretendard Medium" panose="02000603000000020004" pitchFamily="2" charset="-127"/>
-                <a:ea typeface="Pretendard Medium" panose="02000603000000020004" pitchFamily="2" charset="-127"/>
-                <a:cs typeface="Pretendard Medium" panose="02000603000000020004" pitchFamily="2" charset="-127"/>
-              </a:rPr>
-              <a:t> 발생한다</a:t>
-            </a:r>
-            <a:r>
-              <a:rPr lang="en-US" altLang="ko-KR" sz="900" dirty="0">
-                <a:solidFill>
-                  <a:srgbClr val="D4CFC5"/>
-                </a:solidFill>
-                <a:latin typeface="Pretendard Medium" panose="02000603000000020004" pitchFamily="2" charset="-127"/>
-                <a:ea typeface="Pretendard Medium" panose="02000603000000020004" pitchFamily="2" charset="-127"/>
-                <a:cs typeface="Pretendard Medium" panose="02000603000000020004" pitchFamily="2" charset="-127"/>
-              </a:rPr>
-              <a:t>. </a:t>
-            </a:r>
-            <a:r>
-              <a:rPr lang="ko-KR" altLang="en-US" sz="900" dirty="0">
-                <a:solidFill>
-                  <a:srgbClr val="D4CFC5"/>
-                </a:solidFill>
-                <a:latin typeface="Pretendard Medium" panose="02000603000000020004" pitchFamily="2" charset="-127"/>
-                <a:ea typeface="Pretendard Medium" panose="02000603000000020004" pitchFamily="2" charset="-127"/>
-                <a:cs typeface="Pretendard Medium" panose="02000603000000020004" pitchFamily="2" charset="-127"/>
-              </a:rPr>
-              <a:t>같은 양상 연속으로 기록하지 못함</a:t>
-            </a:r>
-            <a:endParaRPr lang="en-US" altLang="ko-KR" sz="900" dirty="0">
-              <a:solidFill>
-                <a:srgbClr val="D4CFC5"/>
-              </a:solidFill>
-              <a:latin typeface="Pretendard Medium" panose="02000603000000020004" pitchFamily="2" charset="-127"/>
-              <a:ea typeface="Pretendard Medium" panose="02000603000000020004" pitchFamily="2" charset="-127"/>
-              <a:cs typeface="Pretendard Medium" panose="02000603000000020004" pitchFamily="2" charset="-127"/>
-            </a:endParaRPr>
-          </a:p>
-          <a:p>
-            <a:pPr>
-              <a:spcAft>
-                <a:spcPts val="300"/>
-              </a:spcAft>
-            </a:pPr>
-            <a:endParaRPr lang="en-US" altLang="ko-KR" sz="900" dirty="0">
-              <a:solidFill>
-                <a:srgbClr val="D4CFC5"/>
-              </a:solidFill>
-              <a:latin typeface="Pretendard Medium" panose="02000603000000020004" pitchFamily="2" charset="-127"/>
-              <a:ea typeface="Pretendard Medium" panose="02000603000000020004" pitchFamily="2" charset="-127"/>
-              <a:cs typeface="Pretendard Medium" panose="02000603000000020004" pitchFamily="2" charset="-127"/>
-            </a:endParaRPr>
-          </a:p>
-          <a:p>
-            <a:pPr marL="171450" indent="-171450">
-              <a:spcAft>
-                <a:spcPts val="300"/>
-              </a:spcAft>
-              <a:buFontTx/>
-              <a:buChar char="-"/>
-            </a:pPr>
-            <a:r>
-              <a:rPr lang="ko-KR" altLang="en-US" sz="900" dirty="0">
-                <a:solidFill>
-                  <a:srgbClr val="D4CFC5"/>
-                </a:solidFill>
-                <a:latin typeface="Pretendard Medium" panose="02000603000000020004" pitchFamily="2" charset="-127"/>
-                <a:ea typeface="Pretendard Medium" panose="02000603000000020004" pitchFamily="2" charset="-127"/>
-                <a:cs typeface="Pretendard Medium" panose="02000603000000020004" pitchFamily="2" charset="-127"/>
-              </a:rPr>
-              <a:t>유실 </a:t>
-            </a:r>
-            <a:r>
-              <a:rPr lang="en-US" altLang="ko-KR" sz="900" dirty="0">
-                <a:solidFill>
-                  <a:srgbClr val="D4CFC5"/>
-                </a:solidFill>
-                <a:latin typeface="Pretendard Medium" panose="02000603000000020004" pitchFamily="2" charset="-127"/>
-                <a:ea typeface="Pretendard Medium" panose="02000603000000020004" pitchFamily="2" charset="-127"/>
-                <a:cs typeface="Pretendard Medium" panose="02000603000000020004" pitchFamily="2" charset="-127"/>
-              </a:rPr>
-              <a:t>: </a:t>
-            </a:r>
-            <a:r>
-              <a:rPr lang="ko-KR" altLang="en-US" sz="900" dirty="0">
-                <a:solidFill>
-                  <a:srgbClr val="D4CFC5"/>
-                </a:solidFill>
-                <a:latin typeface="Pretendard Medium" panose="02000603000000020004" pitchFamily="2" charset="-127"/>
-                <a:ea typeface="Pretendard Medium" panose="02000603000000020004" pitchFamily="2" charset="-127"/>
-                <a:cs typeface="Pretendard Medium" panose="02000603000000020004" pitchFamily="2" charset="-127"/>
-              </a:rPr>
-              <a:t>같은 양상 기록 불가</a:t>
-            </a:r>
-            <a:endParaRPr lang="en-US" altLang="ko-KR" sz="900" dirty="0">
-              <a:solidFill>
-                <a:srgbClr val="D4CFC5"/>
-              </a:solidFill>
-              <a:latin typeface="Pretendard Medium" panose="02000603000000020004" pitchFamily="2" charset="-127"/>
-              <a:ea typeface="Pretendard Medium" panose="02000603000000020004" pitchFamily="2" charset="-127"/>
-              <a:cs typeface="Pretendard Medium" panose="02000603000000020004" pitchFamily="2" charset="-127"/>
-            </a:endParaRPr>
-          </a:p>
-          <a:p>
-            <a:pPr marL="171450" indent="-171450">
-              <a:spcAft>
-                <a:spcPts val="300"/>
-              </a:spcAft>
-              <a:buFontTx/>
-              <a:buChar char="-"/>
-            </a:pPr>
-            <a:r>
-              <a:rPr lang="ko-KR" altLang="en-US" sz="900" dirty="0">
-                <a:solidFill>
-                  <a:srgbClr val="D4CFC5"/>
-                </a:solidFill>
-                <a:latin typeface="Pretendard Medium" panose="02000603000000020004" pitchFamily="2" charset="-127"/>
-                <a:ea typeface="Pretendard Medium" panose="02000603000000020004" pitchFamily="2" charset="-127"/>
-                <a:cs typeface="Pretendard Medium" panose="02000603000000020004" pitchFamily="2" charset="-127"/>
-              </a:rPr>
-              <a:t>유실</a:t>
-            </a:r>
-            <a:r>
-              <a:rPr lang="en-US" altLang="ko-KR" sz="900" dirty="0">
-                <a:solidFill>
-                  <a:srgbClr val="D4CFC5"/>
-                </a:solidFill>
-                <a:latin typeface="Pretendard Medium" panose="02000603000000020004" pitchFamily="2" charset="-127"/>
-                <a:ea typeface="Pretendard Medium" panose="02000603000000020004" pitchFamily="2" charset="-127"/>
-                <a:cs typeface="Pretendard Medium" panose="02000603000000020004" pitchFamily="2" charset="-127"/>
-              </a:rPr>
-              <a:t>: </a:t>
-            </a:r>
-            <a:r>
-              <a:rPr lang="ko-KR" altLang="en-US" sz="900" dirty="0">
-                <a:solidFill>
-                  <a:srgbClr val="D4CFC5"/>
-                </a:solidFill>
-                <a:latin typeface="Pretendard Medium" panose="02000603000000020004" pitchFamily="2" charset="-127"/>
-                <a:ea typeface="Pretendard Medium" panose="02000603000000020004" pitchFamily="2" charset="-127"/>
-                <a:cs typeface="Pretendard Medium" panose="02000603000000020004" pitchFamily="2" charset="-127"/>
-              </a:rPr>
-              <a:t>도전 </a:t>
-            </a:r>
-            <a:r>
-              <a:rPr lang="en-US" altLang="ko-KR" sz="900" dirty="0">
-                <a:solidFill>
-                  <a:srgbClr val="D4CFC5"/>
-                </a:solidFill>
-                <a:latin typeface="Pretendard Medium" panose="02000603000000020004" pitchFamily="2" charset="-127"/>
-                <a:ea typeface="Pretendard Medium" panose="02000603000000020004" pitchFamily="2" charset="-127"/>
-                <a:cs typeface="Pretendard Medium" panose="02000603000000020004" pitchFamily="2" charset="-127"/>
-              </a:rPr>
-              <a:t>/ </a:t>
-            </a:r>
-            <a:r>
-              <a:rPr lang="ko-KR" altLang="en-US" sz="900" dirty="0">
-                <a:solidFill>
-                  <a:srgbClr val="D4CFC5"/>
-                </a:solidFill>
-                <a:latin typeface="Pretendard Medium" panose="02000603000000020004" pitchFamily="2" charset="-127"/>
-                <a:ea typeface="Pretendard Medium" panose="02000603000000020004" pitchFamily="2" charset="-127"/>
-                <a:cs typeface="Pretendard Medium" panose="02000603000000020004" pitchFamily="2" charset="-127"/>
-              </a:rPr>
-              <a:t>유실</a:t>
-            </a:r>
-            <a:r>
-              <a:rPr lang="en-US" altLang="ko-KR" sz="900" dirty="0">
-                <a:solidFill>
-                  <a:srgbClr val="D4CFC5"/>
-                </a:solidFill>
-                <a:latin typeface="Pretendard Medium" panose="02000603000000020004" pitchFamily="2" charset="-127"/>
-                <a:ea typeface="Pretendard Medium" panose="02000603000000020004" pitchFamily="2" charset="-127"/>
-                <a:cs typeface="Pretendard Medium" panose="02000603000000020004" pitchFamily="2" charset="-127"/>
-              </a:rPr>
-              <a:t>: </a:t>
-            </a:r>
-            <a:r>
-              <a:rPr lang="ko-KR" altLang="en-US" sz="900" dirty="0">
-                <a:solidFill>
-                  <a:srgbClr val="D4CFC5"/>
-                </a:solidFill>
-                <a:latin typeface="Pretendard Medium" panose="02000603000000020004" pitchFamily="2" charset="-127"/>
-                <a:ea typeface="Pretendard Medium" panose="02000603000000020004" pitchFamily="2" charset="-127"/>
-                <a:cs typeface="Pretendard Medium" panose="02000603000000020004" pitchFamily="2" charset="-127"/>
-              </a:rPr>
-              <a:t>불굴 </a:t>
-            </a:r>
-            <a:r>
-              <a:rPr lang="en-US" altLang="ko-KR" sz="900" dirty="0">
-                <a:solidFill>
-                  <a:srgbClr val="D4CFC5"/>
-                </a:solidFill>
-                <a:latin typeface="Pretendard Medium" panose="02000603000000020004" pitchFamily="2" charset="-127"/>
-                <a:ea typeface="Pretendard Medium" panose="02000603000000020004" pitchFamily="2" charset="-127"/>
-                <a:cs typeface="Pretendard Medium" panose="02000603000000020004" pitchFamily="2" charset="-127"/>
-              </a:rPr>
-              <a:t>/ </a:t>
-            </a:r>
-            <a:r>
-              <a:rPr lang="ko-KR" altLang="en-US" sz="900" dirty="0">
-                <a:solidFill>
-                  <a:srgbClr val="D4CFC5"/>
-                </a:solidFill>
-                <a:latin typeface="Pretendard Medium" panose="02000603000000020004" pitchFamily="2" charset="-127"/>
-                <a:ea typeface="Pretendard Medium" panose="02000603000000020004" pitchFamily="2" charset="-127"/>
-                <a:cs typeface="Pretendard Medium" panose="02000603000000020004" pitchFamily="2" charset="-127"/>
-              </a:rPr>
-              <a:t>유실</a:t>
-            </a:r>
-            <a:r>
-              <a:rPr lang="en-US" altLang="ko-KR" sz="900" dirty="0">
-                <a:solidFill>
-                  <a:srgbClr val="D4CFC5"/>
-                </a:solidFill>
-                <a:latin typeface="Pretendard Medium" panose="02000603000000020004" pitchFamily="2" charset="-127"/>
-                <a:ea typeface="Pretendard Medium" panose="02000603000000020004" pitchFamily="2" charset="-127"/>
-                <a:cs typeface="Pretendard Medium" panose="02000603000000020004" pitchFamily="2" charset="-127"/>
-              </a:rPr>
-              <a:t>: </a:t>
-            </a:r>
-            <a:r>
-              <a:rPr lang="ko-KR" altLang="en-US" sz="900" dirty="0">
-                <a:solidFill>
-                  <a:srgbClr val="D4CFC5"/>
-                </a:solidFill>
-                <a:latin typeface="Pretendard Medium" panose="02000603000000020004" pitchFamily="2" charset="-127"/>
-                <a:ea typeface="Pretendard Medium" panose="02000603000000020004" pitchFamily="2" charset="-127"/>
-                <a:cs typeface="Pretendard Medium" panose="02000603000000020004" pitchFamily="2" charset="-127"/>
-              </a:rPr>
-              <a:t>적응</a:t>
-            </a:r>
-            <a:endParaRPr lang="en-US" altLang="ko-KR" sz="900" dirty="0">
-              <a:solidFill>
-                <a:srgbClr val="D4CFC5"/>
-              </a:solidFill>
-              <a:latin typeface="Pretendard Medium" panose="02000603000000020004" pitchFamily="2" charset="-127"/>
-              <a:ea typeface="Pretendard Medium" panose="02000603000000020004" pitchFamily="2" charset="-127"/>
-              <a:cs typeface="Pretendard Medium" panose="02000603000000020004" pitchFamily="2" charset="-127"/>
-            </a:endParaRPr>
-          </a:p>
-          <a:p>
-            <a:pPr marL="171450" indent="-171450">
-              <a:spcAft>
-                <a:spcPts val="300"/>
-              </a:spcAft>
-              <a:buFontTx/>
-              <a:buChar char="-"/>
-            </a:pPr>
-            <a:r>
-              <a:rPr lang="ko-KR" altLang="en-US" sz="900" dirty="0">
-                <a:solidFill>
-                  <a:srgbClr val="D4CFC5"/>
-                </a:solidFill>
-                <a:latin typeface="Pretendard Medium" panose="02000603000000020004" pitchFamily="2" charset="-127"/>
-                <a:ea typeface="Pretendard Medium" panose="02000603000000020004" pitchFamily="2" charset="-127"/>
-                <a:cs typeface="Pretendard Medium" panose="02000603000000020004" pitchFamily="2" charset="-127"/>
-              </a:rPr>
-              <a:t>해당 양상 기록 불가</a:t>
-            </a:r>
-            <a:endParaRPr lang="en-US" altLang="ko-KR" sz="900" dirty="0">
-              <a:solidFill>
-                <a:srgbClr val="D4CFC5"/>
-              </a:solidFill>
-              <a:latin typeface="Pretendard Medium" panose="02000603000000020004" pitchFamily="2" charset="-127"/>
-              <a:ea typeface="Pretendard Medium" panose="02000603000000020004" pitchFamily="2" charset="-127"/>
-              <a:cs typeface="Pretendard Medium" panose="02000603000000020004" pitchFamily="2" charset="-127"/>
-            </a:endParaRPr>
-          </a:p>
-          <a:p>
-            <a:pPr marL="171450" indent="-171450">
-              <a:spcAft>
-                <a:spcPts val="300"/>
-              </a:spcAft>
-              <a:buFontTx/>
-              <a:buChar char="-"/>
-            </a:pPr>
-            <a:r>
-              <a:rPr lang="ko-KR" altLang="en-US" sz="900" dirty="0">
-                <a:solidFill>
-                  <a:srgbClr val="D4CFC5"/>
-                </a:solidFill>
-                <a:latin typeface="Pretendard Medium" panose="02000603000000020004" pitchFamily="2" charset="-127"/>
-                <a:ea typeface="Pretendard Medium" panose="02000603000000020004" pitchFamily="2" charset="-127"/>
-                <a:cs typeface="Pretendard Medium" panose="02000603000000020004" pitchFamily="2" charset="-127"/>
-              </a:rPr>
-              <a:t>기록 모드 종료 후 기록한 양상에 맞는 유실 효과 갱신</a:t>
-            </a:r>
-            <a:r>
-              <a:rPr lang="en-US" altLang="ko-KR" sz="900" dirty="0">
-                <a:solidFill>
-                  <a:srgbClr val="D4CFC5"/>
-                </a:solidFill>
-                <a:latin typeface="Pretendard Medium" panose="02000603000000020004" pitchFamily="2" charset="-127"/>
-                <a:ea typeface="Pretendard Medium" panose="02000603000000020004" pitchFamily="2" charset="-127"/>
-                <a:cs typeface="Pretendard Medium" panose="02000603000000020004" pitchFamily="2" charset="-127"/>
-              </a:rPr>
-              <a:t>. (</a:t>
-            </a:r>
-            <a:r>
-              <a:rPr lang="ko-KR" altLang="en-US" sz="900" dirty="0">
-                <a:solidFill>
-                  <a:srgbClr val="D4CFC5"/>
-                </a:solidFill>
-                <a:latin typeface="Pretendard Medium" panose="02000603000000020004" pitchFamily="2" charset="-127"/>
-                <a:ea typeface="Pretendard Medium" panose="02000603000000020004" pitchFamily="2" charset="-127"/>
-                <a:cs typeface="Pretendard Medium" panose="02000603000000020004" pitchFamily="2" charset="-127"/>
-              </a:rPr>
-              <a:t>이전의 효과 삭제됨</a:t>
-            </a:r>
-            <a:r>
-              <a:rPr lang="en-US" altLang="ko-KR" sz="900" dirty="0">
-                <a:solidFill>
-                  <a:srgbClr val="D4CFC5"/>
-                </a:solidFill>
-                <a:latin typeface="Pretendard Medium" panose="02000603000000020004" pitchFamily="2" charset="-127"/>
-                <a:ea typeface="Pretendard Medium" panose="02000603000000020004" pitchFamily="2" charset="-127"/>
-                <a:cs typeface="Pretendard Medium" panose="02000603000000020004" pitchFamily="2" charset="-127"/>
-              </a:rPr>
-              <a:t>)</a:t>
-            </a:r>
-          </a:p>
-          <a:p>
-            <a:pPr marL="171450" indent="-171450">
-              <a:spcAft>
-                <a:spcPts val="300"/>
-              </a:spcAft>
-              <a:buFontTx/>
-              <a:buChar char="-"/>
-            </a:pPr>
-            <a:r>
-              <a:rPr lang="ko-KR" altLang="en-US" sz="900" dirty="0">
-                <a:solidFill>
-                  <a:srgbClr val="D4CFC5"/>
-                </a:solidFill>
-                <a:latin typeface="Pretendard Medium" panose="02000603000000020004" pitchFamily="2" charset="-127"/>
-                <a:ea typeface="Pretendard Medium" panose="02000603000000020004" pitchFamily="2" charset="-127"/>
-                <a:cs typeface="Pretendard Medium" panose="02000603000000020004" pitchFamily="2" charset="-127"/>
-              </a:rPr>
-              <a:t>해제 불가</a:t>
-            </a:r>
-            <a:r>
-              <a:rPr lang="en-US" altLang="ko-KR" sz="900" dirty="0">
-                <a:solidFill>
-                  <a:srgbClr val="D4CFC5"/>
-                </a:solidFill>
-                <a:latin typeface="Pretendard Medium" panose="02000603000000020004" pitchFamily="2" charset="-127"/>
-                <a:ea typeface="Pretendard Medium" panose="02000603000000020004" pitchFamily="2" charset="-127"/>
-                <a:cs typeface="Pretendard Medium" panose="02000603000000020004" pitchFamily="2" charset="-127"/>
-              </a:rPr>
-              <a:t>, </a:t>
-            </a:r>
-            <a:r>
-              <a:rPr lang="ko-KR" altLang="en-US" sz="900" dirty="0">
-                <a:solidFill>
-                  <a:srgbClr val="D4CFC5"/>
-                </a:solidFill>
-                <a:latin typeface="Pretendard Medium" panose="02000603000000020004" pitchFamily="2" charset="-127"/>
-                <a:ea typeface="Pretendard Medium" panose="02000603000000020004" pitchFamily="2" charset="-127"/>
-                <a:cs typeface="Pretendard Medium" panose="02000603000000020004" pitchFamily="2" charset="-127"/>
-              </a:rPr>
-              <a:t>면역 무시</a:t>
-            </a:r>
-            <a:endParaRPr lang="en-US" altLang="ko-KR" sz="900" dirty="0">
-              <a:solidFill>
-                <a:srgbClr val="D4CFC5"/>
-              </a:solidFill>
-              <a:latin typeface="Pretendard Medium" panose="02000603000000020004" pitchFamily="2" charset="-127"/>
-              <a:ea typeface="Pretendard Medium" panose="02000603000000020004" pitchFamily="2" charset="-127"/>
-              <a:cs typeface="Pretendard Medium" panose="02000603000000020004" pitchFamily="2" charset="-127"/>
-            </a:endParaRPr>
-          </a:p>
-          <a:p>
-            <a:pPr marL="171450" indent="-171450">
-              <a:spcAft>
-                <a:spcPts val="300"/>
-              </a:spcAft>
-              <a:buFontTx/>
-              <a:buChar char="-"/>
-            </a:pPr>
-            <a:r>
-              <a:rPr lang="ko-KR" altLang="en-US" sz="900" dirty="0">
-                <a:solidFill>
-                  <a:srgbClr val="D4CFC5"/>
-                </a:solidFill>
-                <a:latin typeface="Pretendard Medium" panose="02000603000000020004" pitchFamily="2" charset="-127"/>
-                <a:ea typeface="Pretendard Medium" panose="02000603000000020004" pitchFamily="2" charset="-127"/>
-                <a:cs typeface="Pretendard Medium" panose="02000603000000020004" pitchFamily="2" charset="-127"/>
-              </a:rPr>
-              <a:t>양상의 기록이 일부 유실되며 해당 양상의 기록이 </a:t>
-            </a:r>
-            <a:r>
-              <a:rPr lang="ko-KR" altLang="en-US" sz="900" dirty="0" err="1">
-                <a:solidFill>
-                  <a:srgbClr val="D4CFC5"/>
-                </a:solidFill>
-                <a:latin typeface="Pretendard Medium" panose="02000603000000020004" pitchFamily="2" charset="-127"/>
-                <a:ea typeface="Pretendard Medium" panose="02000603000000020004" pitchFamily="2" charset="-127"/>
-                <a:cs typeface="Pretendard Medium" panose="02000603000000020004" pitchFamily="2" charset="-127"/>
-              </a:rPr>
-              <a:t>불가능해집니다</a:t>
-            </a:r>
-            <a:r>
-              <a:rPr lang="en-US" altLang="ko-KR" sz="900" dirty="0">
-                <a:solidFill>
-                  <a:srgbClr val="D4CFC5"/>
-                </a:solidFill>
-                <a:latin typeface="Pretendard Medium" panose="02000603000000020004" pitchFamily="2" charset="-127"/>
-                <a:ea typeface="Pretendard Medium" panose="02000603000000020004" pitchFamily="2" charset="-127"/>
-                <a:cs typeface="Pretendard Medium" panose="02000603000000020004" pitchFamily="2" charset="-127"/>
-              </a:rPr>
-              <a:t>.</a:t>
-            </a:r>
-          </a:p>
-          <a:p>
-            <a:pPr marL="171450" indent="-171450">
-              <a:spcAft>
-                <a:spcPts val="300"/>
-              </a:spcAft>
-              <a:buFontTx/>
-              <a:buChar char="-"/>
-            </a:pPr>
-            <a:endParaRPr lang="en-US" altLang="ko-KR" sz="900" dirty="0">
-              <a:solidFill>
-                <a:srgbClr val="D4CFC5"/>
-              </a:solidFill>
-              <a:latin typeface="Pretendard Medium" panose="02000603000000020004" pitchFamily="2" charset="-127"/>
-              <a:ea typeface="Pretendard Medium" panose="02000603000000020004" pitchFamily="2" charset="-127"/>
-              <a:cs typeface="Pretendard Medium" panose="02000603000000020004" pitchFamily="2" charset="-127"/>
-            </a:endParaRPr>
-          </a:p>
-          <a:p>
-            <a:pPr>
-              <a:spcAft>
-                <a:spcPts val="300"/>
-              </a:spcAft>
-            </a:pPr>
-            <a:r>
-              <a:rPr lang="en-US" altLang="ko-KR" sz="900" dirty="0">
-                <a:solidFill>
-                  <a:srgbClr val="D4CFC5"/>
-                </a:solidFill>
-                <a:latin typeface="Pretendard Medium" panose="02000603000000020004" pitchFamily="2" charset="-127"/>
-                <a:ea typeface="Pretendard Medium" panose="02000603000000020004" pitchFamily="2" charset="-127"/>
-                <a:cs typeface="Pretendard Medium" panose="02000603000000020004" pitchFamily="2" charset="-127"/>
-              </a:rPr>
-              <a:t>+ </a:t>
-            </a:r>
-            <a:r>
-              <a:rPr lang="ko-KR" altLang="en-US" sz="900" dirty="0">
-                <a:solidFill>
-                  <a:srgbClr val="D4CFC5"/>
-                </a:solidFill>
-                <a:latin typeface="Pretendard Medium" panose="02000603000000020004" pitchFamily="2" charset="-127"/>
-                <a:ea typeface="Pretendard Medium" panose="02000603000000020004" pitchFamily="2" charset="-127"/>
-                <a:cs typeface="Pretendard Medium" panose="02000603000000020004" pitchFamily="2" charset="-127"/>
-              </a:rPr>
-              <a:t>유실 효과 추가 아이디어</a:t>
-            </a:r>
-            <a:endParaRPr lang="en-US" altLang="ko-KR" sz="900" dirty="0">
-              <a:solidFill>
-                <a:srgbClr val="D4CFC5"/>
-              </a:solidFill>
-              <a:latin typeface="Pretendard Medium" panose="02000603000000020004" pitchFamily="2" charset="-127"/>
-              <a:ea typeface="Pretendard Medium" panose="02000603000000020004" pitchFamily="2" charset="-127"/>
-              <a:cs typeface="Pretendard Medium" panose="02000603000000020004" pitchFamily="2" charset="-127"/>
-            </a:endParaRPr>
-          </a:p>
-          <a:p>
-            <a:pPr marL="171450" indent="-171450">
-              <a:spcAft>
-                <a:spcPts val="300"/>
-              </a:spcAft>
-              <a:buFontTx/>
-              <a:buChar char="-"/>
-            </a:pPr>
-            <a:r>
-              <a:rPr lang="ko-KR" altLang="en-US" sz="900" dirty="0">
-                <a:solidFill>
-                  <a:srgbClr val="D4CFC5"/>
-                </a:solidFill>
-                <a:latin typeface="Pretendard Medium" panose="02000603000000020004" pitchFamily="2" charset="-127"/>
-                <a:ea typeface="Pretendard Medium" panose="02000603000000020004" pitchFamily="2" charset="-127"/>
-                <a:cs typeface="Pretendard Medium" panose="02000603000000020004" pitchFamily="2" charset="-127"/>
-              </a:rPr>
-              <a:t>유실 효과가 적용된 양상은 기록이 불가능 하지만 해당 양상 스킬의</a:t>
-            </a:r>
-            <a:r>
-              <a:rPr lang="en-US" altLang="ko-KR" sz="900" dirty="0">
-                <a:solidFill>
-                  <a:srgbClr val="D4CFC5"/>
-                </a:solidFill>
-                <a:latin typeface="Pretendard Medium" panose="02000603000000020004" pitchFamily="2" charset="-127"/>
-                <a:ea typeface="Pretendard Medium" panose="02000603000000020004" pitchFamily="2" charset="-127"/>
-                <a:cs typeface="Pretendard Medium" panose="02000603000000020004" pitchFamily="2" charset="-127"/>
-              </a:rPr>
-              <a:t> </a:t>
-            </a:r>
-            <a:r>
-              <a:rPr lang="ko-KR" altLang="en-US" sz="900" dirty="0">
-                <a:solidFill>
-                  <a:srgbClr val="D4CFC5"/>
-                </a:solidFill>
-                <a:latin typeface="Pretendard Medium" panose="02000603000000020004" pitchFamily="2" charset="-127"/>
-                <a:ea typeface="Pretendard Medium" panose="02000603000000020004" pitchFamily="2" charset="-127"/>
-                <a:cs typeface="Pretendard Medium" panose="02000603000000020004" pitchFamily="2" charset="-127"/>
-              </a:rPr>
-              <a:t>기록 게이지 </a:t>
-            </a:r>
-            <a:r>
-              <a:rPr lang="ko-KR" altLang="en-US" sz="900" dirty="0" err="1">
-                <a:solidFill>
-                  <a:srgbClr val="D4CFC5"/>
-                </a:solidFill>
-                <a:latin typeface="Pretendard Medium" panose="02000603000000020004" pitchFamily="2" charset="-127"/>
-                <a:ea typeface="Pretendard Medium" panose="02000603000000020004" pitchFamily="2" charset="-127"/>
-                <a:cs typeface="Pretendard Medium" panose="02000603000000020004" pitchFamily="2" charset="-127"/>
-              </a:rPr>
-              <a:t>회복량이</a:t>
-            </a:r>
-            <a:r>
-              <a:rPr lang="ko-KR" altLang="en-US" sz="900" dirty="0">
-                <a:solidFill>
-                  <a:srgbClr val="D4CFC5"/>
-                </a:solidFill>
-                <a:latin typeface="Pretendard Medium" panose="02000603000000020004" pitchFamily="2" charset="-127"/>
-                <a:ea typeface="Pretendard Medium" panose="02000603000000020004" pitchFamily="2" charset="-127"/>
-                <a:cs typeface="Pretendard Medium" panose="02000603000000020004" pitchFamily="2" charset="-127"/>
-              </a:rPr>
-              <a:t> 증가합니다</a:t>
-            </a:r>
-            <a:r>
-              <a:rPr lang="en-US" altLang="ko-KR" sz="900" dirty="0">
-                <a:solidFill>
-                  <a:srgbClr val="D4CFC5"/>
-                </a:solidFill>
-                <a:latin typeface="Pretendard Medium" panose="02000603000000020004" pitchFamily="2" charset="-127"/>
-                <a:ea typeface="Pretendard Medium" panose="02000603000000020004" pitchFamily="2" charset="-127"/>
-                <a:cs typeface="Pretendard Medium" panose="02000603000000020004" pitchFamily="2" charset="-127"/>
-              </a:rPr>
-              <a:t>.</a:t>
-            </a:r>
-          </a:p>
-          <a:p>
-            <a:pPr>
-              <a:spcAft>
-                <a:spcPts val="300"/>
-              </a:spcAft>
-            </a:pPr>
-            <a:endParaRPr lang="en-US" altLang="ko-KR" sz="900" dirty="0">
-              <a:solidFill>
-                <a:srgbClr val="D4CFC5"/>
-              </a:solidFill>
-              <a:latin typeface="Pretendard Medium" panose="02000603000000020004" pitchFamily="2" charset="-127"/>
-              <a:ea typeface="Pretendard Medium" panose="02000603000000020004" pitchFamily="2" charset="-127"/>
-              <a:cs typeface="Pretendard Medium" panose="02000603000000020004" pitchFamily="2" charset="-127"/>
-            </a:endParaRPr>
-          </a:p>
-          <a:p>
-            <a:pPr>
-              <a:spcAft>
-                <a:spcPts val="300"/>
-              </a:spcAft>
-            </a:pPr>
-            <a:endParaRPr lang="en-US" altLang="ko-KR" sz="900" dirty="0">
-              <a:solidFill>
-                <a:srgbClr val="D4CFC5"/>
-              </a:solidFill>
-              <a:latin typeface="Pretendard Medium" panose="02000603000000020004" pitchFamily="2" charset="-127"/>
-              <a:ea typeface="Pretendard Medium" panose="02000603000000020004" pitchFamily="2" charset="-127"/>
-              <a:cs typeface="Pretendard Medium" panose="02000603000000020004" pitchFamily="2" charset="-127"/>
-            </a:endParaRPr>
-          </a:p>
-          <a:p>
-            <a:pPr>
-              <a:spcAft>
-                <a:spcPts val="300"/>
-              </a:spcAft>
-            </a:pPr>
-            <a:r>
-              <a:rPr lang="en-US" altLang="ko-KR" sz="900" dirty="0">
-                <a:solidFill>
-                  <a:srgbClr val="D4CFC5"/>
-                </a:solidFill>
-                <a:latin typeface="Pretendard Medium" panose="02000603000000020004" pitchFamily="2" charset="-127"/>
-                <a:ea typeface="Pretendard Medium" panose="02000603000000020004" pitchFamily="2" charset="-127"/>
-                <a:cs typeface="Pretendard Medium" panose="02000603000000020004" pitchFamily="2" charset="-127"/>
-              </a:rPr>
-              <a:t>+ ‘</a:t>
-            </a:r>
-            <a:r>
-              <a:rPr lang="ko-KR" altLang="en-US" sz="900" dirty="0">
-                <a:solidFill>
-                  <a:srgbClr val="D4CFC5"/>
-                </a:solidFill>
-                <a:latin typeface="Pretendard Medium" panose="02000603000000020004" pitchFamily="2" charset="-127"/>
-                <a:ea typeface="Pretendard Medium" panose="02000603000000020004" pitchFamily="2" charset="-127"/>
-                <a:cs typeface="Pretendard Medium" panose="02000603000000020004" pitchFamily="2" charset="-127"/>
-              </a:rPr>
-              <a:t>별의 인도</a:t>
-            </a:r>
-            <a:r>
-              <a:rPr lang="en-US" altLang="ko-KR" sz="900" dirty="0">
-                <a:solidFill>
-                  <a:srgbClr val="D4CFC5"/>
-                </a:solidFill>
-                <a:latin typeface="Pretendard Medium" panose="02000603000000020004" pitchFamily="2" charset="-127"/>
-                <a:ea typeface="Pretendard Medium" panose="02000603000000020004" pitchFamily="2" charset="-127"/>
-                <a:cs typeface="Pretendard Medium" panose="02000603000000020004" pitchFamily="2" charset="-127"/>
-              </a:rPr>
-              <a:t>’ </a:t>
-            </a:r>
-            <a:r>
-              <a:rPr lang="ko-KR" altLang="en-US" sz="900" dirty="0">
-                <a:solidFill>
-                  <a:srgbClr val="D4CFC5"/>
-                </a:solidFill>
-                <a:latin typeface="Pretendard Medium" panose="02000603000000020004" pitchFamily="2" charset="-127"/>
-                <a:ea typeface="Pretendard Medium" panose="02000603000000020004" pitchFamily="2" charset="-127"/>
-                <a:cs typeface="Pretendard Medium" panose="02000603000000020004" pitchFamily="2" charset="-127"/>
-              </a:rPr>
-              <a:t>유실 효과 </a:t>
-            </a:r>
-            <a:r>
-              <a:rPr lang="ko-KR" altLang="en-US" sz="900" dirty="0" err="1">
-                <a:solidFill>
-                  <a:srgbClr val="D4CFC5"/>
-                </a:solidFill>
-                <a:latin typeface="Pretendard Medium" panose="02000603000000020004" pitchFamily="2" charset="-127"/>
-                <a:ea typeface="Pretendard Medium" panose="02000603000000020004" pitchFamily="2" charset="-127"/>
-                <a:cs typeface="Pretendard Medium" panose="02000603000000020004" pitchFamily="2" charset="-127"/>
-              </a:rPr>
-              <a:t>변경점</a:t>
-            </a:r>
-            <a:endParaRPr lang="en-US" altLang="ko-KR" sz="900" dirty="0">
-              <a:solidFill>
-                <a:srgbClr val="D4CFC5"/>
-              </a:solidFill>
-              <a:latin typeface="Pretendard Medium" panose="02000603000000020004" pitchFamily="2" charset="-127"/>
-              <a:ea typeface="Pretendard Medium" panose="02000603000000020004" pitchFamily="2" charset="-127"/>
-              <a:cs typeface="Pretendard Medium" panose="02000603000000020004" pitchFamily="2" charset="-127"/>
-            </a:endParaRPr>
-          </a:p>
-          <a:p>
-            <a:pPr marL="171450" indent="-171450">
-              <a:spcAft>
-                <a:spcPts val="300"/>
-              </a:spcAft>
-              <a:buFontTx/>
-              <a:buChar char="-"/>
-            </a:pPr>
-            <a:r>
-              <a:rPr lang="ko-KR" altLang="en-US" sz="900" dirty="0">
-                <a:solidFill>
-                  <a:srgbClr val="D4CFC5"/>
-                </a:solidFill>
-                <a:latin typeface="Pretendard Medium" panose="02000603000000020004" pitchFamily="2" charset="-127"/>
-                <a:ea typeface="Pretendard Medium" panose="02000603000000020004" pitchFamily="2" charset="-127"/>
-                <a:cs typeface="Pretendard Medium" panose="02000603000000020004" pitchFamily="2" charset="-127"/>
-              </a:rPr>
-              <a:t>유실 효과가 변경되며 클러스터 스킬 사용시 해당 양상에 맞는 효과가 적용됩니다</a:t>
-            </a:r>
-            <a:r>
-              <a:rPr lang="en-US" altLang="ko-KR" sz="900" dirty="0">
-                <a:solidFill>
-                  <a:srgbClr val="D4CFC5"/>
-                </a:solidFill>
-                <a:latin typeface="Pretendard Medium" panose="02000603000000020004" pitchFamily="2" charset="-127"/>
-                <a:ea typeface="Pretendard Medium" panose="02000603000000020004" pitchFamily="2" charset="-127"/>
-                <a:cs typeface="Pretendard Medium" panose="02000603000000020004" pitchFamily="2" charset="-127"/>
-              </a:rPr>
-              <a:t>.</a:t>
-            </a:r>
-          </a:p>
-          <a:p>
-            <a:pPr marL="171450" indent="-171450">
-              <a:spcAft>
-                <a:spcPts val="300"/>
-              </a:spcAft>
-              <a:buFontTx/>
-              <a:buChar char="-"/>
-            </a:pPr>
-            <a:r>
-              <a:rPr lang="ko-KR" altLang="en-US" sz="900" dirty="0">
-                <a:solidFill>
-                  <a:srgbClr val="D4CFC5"/>
-                </a:solidFill>
-                <a:latin typeface="Pretendard Medium" panose="02000603000000020004" pitchFamily="2" charset="-127"/>
-                <a:ea typeface="Pretendard Medium" panose="02000603000000020004" pitchFamily="2" charset="-127"/>
-                <a:cs typeface="Pretendard Medium" panose="02000603000000020004" pitchFamily="2" charset="-127"/>
-              </a:rPr>
-              <a:t>유실 효과 </a:t>
-            </a:r>
-            <a:r>
-              <a:rPr lang="en-US" altLang="ko-KR" sz="900" dirty="0">
-                <a:solidFill>
-                  <a:srgbClr val="D4CFC5"/>
-                </a:solidFill>
-                <a:latin typeface="Pretendard Medium" panose="02000603000000020004" pitchFamily="2" charset="-127"/>
-                <a:ea typeface="Pretendard Medium" panose="02000603000000020004" pitchFamily="2" charset="-127"/>
-                <a:cs typeface="Pretendard Medium" panose="02000603000000020004" pitchFamily="2" charset="-127"/>
-              </a:rPr>
-              <a:t>: </a:t>
-            </a:r>
-            <a:r>
-              <a:rPr lang="ko-KR" altLang="en-US" sz="900" dirty="0">
-                <a:solidFill>
-                  <a:srgbClr val="D4CFC5"/>
-                </a:solidFill>
-                <a:latin typeface="Pretendard Medium" panose="02000603000000020004" pitchFamily="2" charset="-127"/>
-                <a:ea typeface="Pretendard Medium" panose="02000603000000020004" pitchFamily="2" charset="-127"/>
-                <a:cs typeface="Pretendard Medium" panose="02000603000000020004" pitchFamily="2" charset="-127"/>
-              </a:rPr>
-              <a:t>해당 클러스터 스킬의 피해량 </a:t>
-            </a:r>
-            <a:r>
-              <a:rPr lang="en-US" altLang="ko-KR" sz="900" dirty="0">
-                <a:solidFill>
-                  <a:srgbClr val="D4CFC5"/>
-                </a:solidFill>
-                <a:latin typeface="Pretendard Medium" panose="02000603000000020004" pitchFamily="2" charset="-127"/>
-                <a:ea typeface="Pretendard Medium" panose="02000603000000020004" pitchFamily="2" charset="-127"/>
-                <a:cs typeface="Pretendard Medium" panose="02000603000000020004" pitchFamily="2" charset="-127"/>
-              </a:rPr>
-              <a:t>20% </a:t>
-            </a:r>
-            <a:r>
-              <a:rPr lang="ko-KR" altLang="en-US" sz="900" dirty="0">
-                <a:solidFill>
-                  <a:srgbClr val="D4CFC5"/>
-                </a:solidFill>
-                <a:latin typeface="Pretendard Medium" panose="02000603000000020004" pitchFamily="2" charset="-127"/>
-                <a:ea typeface="Pretendard Medium" panose="02000603000000020004" pitchFamily="2" charset="-127"/>
-                <a:cs typeface="Pretendard Medium" panose="02000603000000020004" pitchFamily="2" charset="-127"/>
-              </a:rPr>
-              <a:t>감소</a:t>
-            </a:r>
-            <a:r>
-              <a:rPr lang="en-US" altLang="ko-KR" sz="900" dirty="0">
-                <a:solidFill>
-                  <a:srgbClr val="D4CFC5"/>
-                </a:solidFill>
-                <a:latin typeface="Pretendard Medium" panose="02000603000000020004" pitchFamily="2" charset="-127"/>
-                <a:ea typeface="Pretendard Medium" panose="02000603000000020004" pitchFamily="2" charset="-127"/>
-                <a:cs typeface="Pretendard Medium" panose="02000603000000020004" pitchFamily="2" charset="-127"/>
-              </a:rPr>
-              <a:t>, </a:t>
-            </a:r>
-            <a:r>
-              <a:rPr lang="ko-KR" altLang="en-US" sz="900" dirty="0">
-                <a:solidFill>
-                  <a:srgbClr val="D4CFC5"/>
-                </a:solidFill>
-                <a:latin typeface="Pretendard Medium" panose="02000603000000020004" pitchFamily="2" charset="-127"/>
-                <a:ea typeface="Pretendard Medium" panose="02000603000000020004" pitchFamily="2" charset="-127"/>
-                <a:cs typeface="Pretendard Medium" panose="02000603000000020004" pitchFamily="2" charset="-127"/>
-              </a:rPr>
-              <a:t>해당 클러스터 스킬 이외의 클러스터 스킬의 피해량 </a:t>
-            </a:r>
-            <a:r>
-              <a:rPr lang="en-US" altLang="ko-KR" sz="900" dirty="0">
-                <a:solidFill>
-                  <a:srgbClr val="D4CFC5"/>
-                </a:solidFill>
-                <a:latin typeface="Pretendard Medium" panose="02000603000000020004" pitchFamily="2" charset="-127"/>
-                <a:ea typeface="Pretendard Medium" panose="02000603000000020004" pitchFamily="2" charset="-127"/>
-                <a:cs typeface="Pretendard Medium" panose="02000603000000020004" pitchFamily="2" charset="-127"/>
-              </a:rPr>
-              <a:t>10% </a:t>
-            </a:r>
-            <a:r>
-              <a:rPr lang="ko-KR" altLang="en-US" sz="900" dirty="0">
-                <a:solidFill>
-                  <a:srgbClr val="D4CFC5"/>
-                </a:solidFill>
-                <a:latin typeface="Pretendard Medium" panose="02000603000000020004" pitchFamily="2" charset="-127"/>
-                <a:ea typeface="Pretendard Medium" panose="02000603000000020004" pitchFamily="2" charset="-127"/>
-                <a:cs typeface="Pretendard Medium" panose="02000603000000020004" pitchFamily="2" charset="-127"/>
-              </a:rPr>
-              <a:t>증가</a:t>
-            </a:r>
-            <a:endParaRPr lang="en-US" altLang="ko-KR" sz="900" dirty="0">
-              <a:solidFill>
-                <a:srgbClr val="D4CFC5"/>
-              </a:solidFill>
-              <a:latin typeface="Pretendard Medium" panose="02000603000000020004" pitchFamily="2" charset="-127"/>
-              <a:ea typeface="Pretendard Medium" panose="02000603000000020004" pitchFamily="2" charset="-127"/>
-              <a:cs typeface="Pretendard Medium" panose="02000603000000020004" pitchFamily="2" charset="-127"/>
-            </a:endParaRPr>
-          </a:p>
-          <a:p>
-            <a:pPr marL="171450" indent="-171450">
-              <a:spcAft>
-                <a:spcPts val="300"/>
-              </a:spcAft>
-              <a:buFontTx/>
-              <a:buChar char="-"/>
-            </a:pPr>
-            <a:r>
-              <a:rPr lang="ko-KR" altLang="en-US" sz="900" dirty="0">
-                <a:solidFill>
-                  <a:srgbClr val="D4CFC5"/>
-                </a:solidFill>
-                <a:latin typeface="Pretendard Medium" panose="02000603000000020004" pitchFamily="2" charset="-127"/>
-                <a:ea typeface="Pretendard Medium" panose="02000603000000020004" pitchFamily="2" charset="-127"/>
-                <a:cs typeface="Pretendard Medium" panose="02000603000000020004" pitchFamily="2" charset="-127"/>
-              </a:rPr>
-              <a:t>“기록한 양상의 에너지가 </a:t>
-            </a:r>
-            <a:r>
-              <a:rPr lang="ko-KR" altLang="en-US" sz="900" dirty="0" err="1">
-                <a:solidFill>
-                  <a:srgbClr val="D4CFC5"/>
-                </a:solidFill>
-                <a:latin typeface="Pretendard Medium" panose="02000603000000020004" pitchFamily="2" charset="-127"/>
-                <a:ea typeface="Pretendard Medium" panose="02000603000000020004" pitchFamily="2" charset="-127"/>
-                <a:cs typeface="Pretendard Medium" panose="02000603000000020004" pitchFamily="2" charset="-127"/>
-              </a:rPr>
-              <a:t>희미해지며</a:t>
-            </a:r>
-            <a:r>
-              <a:rPr lang="ko-KR" altLang="en-US" sz="900" dirty="0">
-                <a:solidFill>
-                  <a:srgbClr val="D4CFC5"/>
-                </a:solidFill>
-                <a:latin typeface="Pretendard Medium" panose="02000603000000020004" pitchFamily="2" charset="-127"/>
-                <a:ea typeface="Pretendard Medium" panose="02000603000000020004" pitchFamily="2" charset="-127"/>
-                <a:cs typeface="Pretendard Medium" panose="02000603000000020004" pitchFamily="2" charset="-127"/>
-              </a:rPr>
-              <a:t> 해당 양상의 클러스터 스킬 피해량이 </a:t>
-            </a:r>
-            <a:r>
-              <a:rPr lang="en-US" altLang="ko-KR" sz="900" dirty="0">
-                <a:solidFill>
-                  <a:srgbClr val="D4CFC5"/>
-                </a:solidFill>
-                <a:latin typeface="Pretendard Medium" panose="02000603000000020004" pitchFamily="2" charset="-127"/>
-                <a:ea typeface="Pretendard Medium" panose="02000603000000020004" pitchFamily="2" charset="-127"/>
-                <a:cs typeface="Pretendard Medium" panose="02000603000000020004" pitchFamily="2" charset="-127"/>
-              </a:rPr>
-              <a:t>50% </a:t>
-            </a:r>
-            <a:r>
-              <a:rPr lang="ko-KR" altLang="en-US" sz="900" dirty="0">
-                <a:solidFill>
-                  <a:srgbClr val="D4CFC5"/>
-                </a:solidFill>
-                <a:latin typeface="Pretendard Medium" panose="02000603000000020004" pitchFamily="2" charset="-127"/>
-                <a:ea typeface="Pretendard Medium" panose="02000603000000020004" pitchFamily="2" charset="-127"/>
-                <a:cs typeface="Pretendard Medium" panose="02000603000000020004" pitchFamily="2" charset="-127"/>
-              </a:rPr>
-              <a:t>감소합니다</a:t>
-            </a:r>
-            <a:r>
-              <a:rPr lang="en-US" altLang="ko-KR" sz="900" dirty="0">
-                <a:solidFill>
-                  <a:srgbClr val="D4CFC5"/>
-                </a:solidFill>
-                <a:latin typeface="Pretendard Medium" panose="02000603000000020004" pitchFamily="2" charset="-127"/>
-                <a:ea typeface="Pretendard Medium" panose="02000603000000020004" pitchFamily="2" charset="-127"/>
-                <a:cs typeface="Pretendard Medium" panose="02000603000000020004" pitchFamily="2" charset="-127"/>
-              </a:rPr>
-              <a:t>. </a:t>
-            </a:r>
-            <a:r>
-              <a:rPr lang="ko-KR" altLang="en-US" sz="900" dirty="0">
-                <a:solidFill>
-                  <a:srgbClr val="D4CFC5"/>
-                </a:solidFill>
-                <a:latin typeface="Pretendard Medium" panose="02000603000000020004" pitchFamily="2" charset="-127"/>
-                <a:ea typeface="Pretendard Medium" panose="02000603000000020004" pitchFamily="2" charset="-127"/>
-                <a:cs typeface="Pretendard Medium" panose="02000603000000020004" pitchFamily="2" charset="-127"/>
-              </a:rPr>
-              <a:t>대신</a:t>
-            </a:r>
-            <a:r>
-              <a:rPr lang="en-US" altLang="ko-KR" sz="900" dirty="0">
-                <a:solidFill>
-                  <a:srgbClr val="D4CFC5"/>
-                </a:solidFill>
-                <a:latin typeface="Pretendard Medium" panose="02000603000000020004" pitchFamily="2" charset="-127"/>
-                <a:ea typeface="Pretendard Medium" panose="02000603000000020004" pitchFamily="2" charset="-127"/>
-                <a:cs typeface="Pretendard Medium" panose="02000603000000020004" pitchFamily="2" charset="-127"/>
-              </a:rPr>
-              <a:t>, </a:t>
-            </a:r>
-            <a:r>
-              <a:rPr lang="ko-KR" altLang="en-US" sz="900" dirty="0">
-                <a:solidFill>
-                  <a:srgbClr val="D4CFC5"/>
-                </a:solidFill>
-                <a:latin typeface="Pretendard Medium" panose="02000603000000020004" pitchFamily="2" charset="-127"/>
-                <a:ea typeface="Pretendard Medium" panose="02000603000000020004" pitchFamily="2" charset="-127"/>
-                <a:cs typeface="Pretendard Medium" panose="02000603000000020004" pitchFamily="2" charset="-127"/>
-              </a:rPr>
-              <a:t>다른 양상의 클러스터 스킬 피해량이 </a:t>
-            </a:r>
-            <a:r>
-              <a:rPr lang="en-US" altLang="ko-KR" sz="900" dirty="0">
-                <a:solidFill>
-                  <a:srgbClr val="D4CFC5"/>
-                </a:solidFill>
-                <a:latin typeface="Pretendard Medium" panose="02000603000000020004" pitchFamily="2" charset="-127"/>
-                <a:ea typeface="Pretendard Medium" panose="02000603000000020004" pitchFamily="2" charset="-127"/>
-                <a:cs typeface="Pretendard Medium" panose="02000603000000020004" pitchFamily="2" charset="-127"/>
-              </a:rPr>
-              <a:t>20% </a:t>
-            </a:r>
-            <a:r>
-              <a:rPr lang="ko-KR" altLang="en-US" sz="900" dirty="0">
-                <a:solidFill>
-                  <a:srgbClr val="D4CFC5"/>
-                </a:solidFill>
-                <a:latin typeface="Pretendard Medium" panose="02000603000000020004" pitchFamily="2" charset="-127"/>
-                <a:ea typeface="Pretendard Medium" panose="02000603000000020004" pitchFamily="2" charset="-127"/>
-                <a:cs typeface="Pretendard Medium" panose="02000603000000020004" pitchFamily="2" charset="-127"/>
-              </a:rPr>
-              <a:t>증가합니다</a:t>
-            </a:r>
-            <a:r>
-              <a:rPr lang="en-US" altLang="ko-KR" sz="900" dirty="0">
-                <a:solidFill>
-                  <a:srgbClr val="D4CFC5"/>
-                </a:solidFill>
-                <a:latin typeface="Pretendard Medium" panose="02000603000000020004" pitchFamily="2" charset="-127"/>
-                <a:ea typeface="Pretendard Medium" panose="02000603000000020004" pitchFamily="2" charset="-127"/>
-                <a:cs typeface="Pretendard Medium" panose="02000603000000020004" pitchFamily="2" charset="-127"/>
-              </a:rPr>
-              <a:t>.”</a:t>
-            </a:r>
-          </a:p>
-          <a:p>
-            <a:pPr marL="171450" indent="-171450">
-              <a:spcAft>
-                <a:spcPts val="300"/>
-              </a:spcAft>
-              <a:buFontTx/>
-              <a:buChar char="-"/>
-            </a:pPr>
-            <a:endParaRPr lang="en-US" altLang="ko-KR" sz="900" dirty="0">
-              <a:solidFill>
-                <a:srgbClr val="D4CFC5"/>
-              </a:solidFill>
-              <a:latin typeface="Pretendard Medium" panose="02000603000000020004" pitchFamily="2" charset="-127"/>
-              <a:ea typeface="Pretendard Medium" panose="02000603000000020004" pitchFamily="2" charset="-127"/>
-              <a:cs typeface="Pretendard Medium" panose="02000603000000020004" pitchFamily="2" charset="-127"/>
-            </a:endParaRPr>
-          </a:p>
-        </p:txBody>
-      </p:sp>
-      <p:sp>
-        <p:nvSpPr>
-          <p:cNvPr id="5" name="TextBox 4">
-            <a:extLst>
-              <a:ext uri="{FF2B5EF4-FFF2-40B4-BE49-F238E27FC236}">
-                <a16:creationId xmlns:a16="http://schemas.microsoft.com/office/drawing/2014/main" id="{C1B635B8-F6EF-45E8-12C4-C9E4466B33F6}"/>
-              </a:ext>
-            </a:extLst>
-          </p:cNvPr>
-          <p:cNvSpPr txBox="1"/>
-          <p:nvPr/>
-        </p:nvSpPr>
-        <p:spPr>
-          <a:xfrm>
-            <a:off x="8690796" y="702062"/>
-            <a:ext cx="3813544" cy="584775"/>
-          </a:xfrm>
-          <a:prstGeom prst="rect">
-            <a:avLst/>
-          </a:prstGeom>
-          <a:noFill/>
-        </p:spPr>
-        <p:txBody>
-          <a:bodyPr wrap="none" lIns="0" rIns="0" rtlCol="0">
-            <a:spAutoFit/>
-          </a:bodyPr>
-          <a:lstStyle/>
-          <a:p>
-            <a:pPr>
-              <a:spcAft>
-                <a:spcPts val="300"/>
-              </a:spcAft>
-            </a:pPr>
-            <a:r>
-              <a:rPr lang="ko-KR" altLang="en-US" sz="900">
-                <a:solidFill>
-                  <a:srgbClr val="D4CFC5"/>
-                </a:solidFill>
-                <a:latin typeface="Pretendard Medium" panose="02000603000000020004" pitchFamily="2" charset="-127"/>
-                <a:ea typeface="Pretendard Medium" panose="02000603000000020004" pitchFamily="2" charset="-127"/>
-                <a:cs typeface="Pretendard Medium" panose="02000603000000020004" pitchFamily="2" charset="-127"/>
-              </a:rPr>
-              <a:t>기본 기호로 통일</a:t>
-            </a:r>
-            <a:endParaRPr lang="en-US" altLang="ko-KR" sz="900">
-              <a:solidFill>
-                <a:srgbClr val="D4CFC5"/>
-              </a:solidFill>
-              <a:latin typeface="Pretendard Medium" panose="02000603000000020004" pitchFamily="2" charset="-127"/>
-              <a:ea typeface="Pretendard Medium" panose="02000603000000020004" pitchFamily="2" charset="-127"/>
-              <a:cs typeface="Pretendard Medium" panose="02000603000000020004" pitchFamily="2" charset="-127"/>
-            </a:endParaRPr>
-          </a:p>
-          <a:p>
-            <a:pPr>
-              <a:spcAft>
-                <a:spcPts val="300"/>
-              </a:spcAft>
-            </a:pPr>
-            <a:r>
-              <a:rPr lang="en-US" altLang="ko-KR" sz="900" dirty="0">
-                <a:solidFill>
-                  <a:srgbClr val="D4CFC5"/>
-                </a:solidFill>
-                <a:latin typeface="Pretendard Medium" panose="02000603000000020004" pitchFamily="2" charset="-127"/>
-                <a:ea typeface="Pretendard Medium" panose="02000603000000020004" pitchFamily="2" charset="-127"/>
-                <a:cs typeface="Pretendard Medium" panose="02000603000000020004" pitchFamily="2" charset="-127"/>
-              </a:rPr>
-              <a:t>‘</a:t>
-            </a:r>
-            <a:r>
-              <a:rPr lang="ko-KR" altLang="en-US" sz="900" dirty="0">
-                <a:solidFill>
-                  <a:srgbClr val="D4CFC5"/>
-                </a:solidFill>
-                <a:latin typeface="Pretendard Medium" panose="02000603000000020004" pitchFamily="2" charset="-127"/>
-                <a:ea typeface="Pretendard Medium" panose="02000603000000020004" pitchFamily="2" charset="-127"/>
-                <a:cs typeface="Pretendard Medium" panose="02000603000000020004" pitchFamily="2" charset="-127"/>
-              </a:rPr>
-              <a:t>별의 인도</a:t>
-            </a:r>
-            <a:r>
-              <a:rPr lang="en-US" altLang="ko-KR" sz="900" dirty="0">
-                <a:solidFill>
-                  <a:srgbClr val="D4CFC5"/>
-                </a:solidFill>
-                <a:latin typeface="Pretendard Medium" panose="02000603000000020004" pitchFamily="2" charset="-127"/>
-                <a:ea typeface="Pretendard Medium" panose="02000603000000020004" pitchFamily="2" charset="-127"/>
-                <a:cs typeface="Pretendard Medium" panose="02000603000000020004" pitchFamily="2" charset="-127"/>
-              </a:rPr>
-              <a:t>’ </a:t>
-            </a:r>
-            <a:r>
-              <a:rPr lang="ko-KR" altLang="en-US" sz="900" dirty="0">
-                <a:solidFill>
-                  <a:srgbClr val="D4CFC5"/>
-                </a:solidFill>
-                <a:latin typeface="Pretendard Medium" panose="02000603000000020004" pitchFamily="2" charset="-127"/>
-                <a:ea typeface="Pretendard Medium" panose="02000603000000020004" pitchFamily="2" charset="-127"/>
-                <a:cs typeface="Pretendard Medium" panose="02000603000000020004" pitchFamily="2" charset="-127"/>
-              </a:rPr>
-              <a:t>연계형 노드 중 메인</a:t>
-            </a:r>
-            <a:r>
-              <a:rPr lang="en-US" altLang="ko-KR" sz="900" dirty="0">
-                <a:solidFill>
-                  <a:srgbClr val="D4CFC5"/>
-                </a:solidFill>
-                <a:latin typeface="Pretendard Medium" panose="02000603000000020004" pitchFamily="2" charset="-127"/>
-                <a:ea typeface="Pretendard Medium" panose="02000603000000020004" pitchFamily="2" charset="-127"/>
-                <a:cs typeface="Pretendard Medium" panose="02000603000000020004" pitchFamily="2" charset="-127"/>
-              </a:rPr>
-              <a:t>/</a:t>
-            </a:r>
-            <a:r>
-              <a:rPr lang="ko-KR" altLang="en-US" sz="900" dirty="0">
-                <a:solidFill>
-                  <a:srgbClr val="D4CFC5"/>
-                </a:solidFill>
-                <a:latin typeface="Pretendard Medium" panose="02000603000000020004" pitchFamily="2" charset="-127"/>
-                <a:ea typeface="Pretendard Medium" panose="02000603000000020004" pitchFamily="2" charset="-127"/>
-                <a:cs typeface="Pretendard Medium" panose="02000603000000020004" pitchFamily="2" charset="-127"/>
-              </a:rPr>
-              <a:t>서브</a:t>
-            </a:r>
-            <a:r>
-              <a:rPr lang="en-US" altLang="ko-KR" sz="900" dirty="0">
-                <a:solidFill>
-                  <a:srgbClr val="D4CFC5"/>
-                </a:solidFill>
-                <a:latin typeface="Pretendard Medium" panose="02000603000000020004" pitchFamily="2" charset="-127"/>
-                <a:ea typeface="Pretendard Medium" panose="02000603000000020004" pitchFamily="2" charset="-127"/>
-                <a:cs typeface="Pretendard Medium" panose="02000603000000020004" pitchFamily="2" charset="-127"/>
-              </a:rPr>
-              <a:t>1,2</a:t>
-            </a:r>
-            <a:r>
-              <a:rPr lang="ko-KR" altLang="en-US" sz="900" dirty="0">
-                <a:solidFill>
-                  <a:srgbClr val="D4CFC5"/>
-                </a:solidFill>
-                <a:latin typeface="Pretendard Medium" panose="02000603000000020004" pitchFamily="2" charset="-127"/>
-                <a:ea typeface="Pretendard Medium" panose="02000603000000020004" pitchFamily="2" charset="-127"/>
-                <a:cs typeface="Pretendard Medium" panose="02000603000000020004" pitchFamily="2" charset="-127"/>
-              </a:rPr>
-              <a:t>로 나뉘는 노드를 선택하면 게이지가 변경되고</a:t>
-            </a:r>
-            <a:endParaRPr lang="en-US" altLang="ko-KR" sz="900" dirty="0">
-              <a:solidFill>
-                <a:srgbClr val="D4CFC5"/>
-              </a:solidFill>
-              <a:latin typeface="Pretendard Medium" panose="02000603000000020004" pitchFamily="2" charset="-127"/>
-              <a:ea typeface="Pretendard Medium" panose="02000603000000020004" pitchFamily="2" charset="-127"/>
-              <a:cs typeface="Pretendard Medium" panose="02000603000000020004" pitchFamily="2" charset="-127"/>
-            </a:endParaRPr>
-          </a:p>
-          <a:p>
-            <a:pPr>
-              <a:spcAft>
-                <a:spcPts val="300"/>
-              </a:spcAft>
-            </a:pPr>
-            <a:r>
-              <a:rPr lang="ko-KR" altLang="en-US" sz="900" dirty="0">
-                <a:solidFill>
-                  <a:srgbClr val="D4CFC5"/>
-                </a:solidFill>
-                <a:latin typeface="Pretendard Medium" panose="02000603000000020004" pitchFamily="2" charset="-127"/>
-                <a:ea typeface="Pretendard Medium" panose="02000603000000020004" pitchFamily="2" charset="-127"/>
-                <a:cs typeface="Pretendard Medium" panose="02000603000000020004" pitchFamily="2" charset="-127"/>
-              </a:rPr>
-              <a:t>완성 기호가 메인 슬롯에 기록되는 거로 바꾸자</a:t>
-            </a:r>
-            <a:r>
-              <a:rPr lang="en-US" altLang="ko-KR" sz="900" dirty="0">
-                <a:solidFill>
-                  <a:srgbClr val="D4CFC5"/>
-                </a:solidFill>
-                <a:latin typeface="Pretendard Medium" panose="02000603000000020004" pitchFamily="2" charset="-127"/>
-                <a:ea typeface="Pretendard Medium" panose="02000603000000020004" pitchFamily="2" charset="-127"/>
-                <a:cs typeface="Pretendard Medium" panose="02000603000000020004" pitchFamily="2" charset="-127"/>
-              </a:rPr>
-              <a:t>.</a:t>
-            </a:r>
-          </a:p>
-        </p:txBody>
-      </p:sp>
-      <p:sp>
-        <p:nvSpPr>
-          <p:cNvPr id="4" name="TextBox 3">
-            <a:extLst>
-              <a:ext uri="{FF2B5EF4-FFF2-40B4-BE49-F238E27FC236}">
-                <a16:creationId xmlns:a16="http://schemas.microsoft.com/office/drawing/2014/main" id="{8F91E08F-7AB8-B9A4-3853-F74C1F286DC7}"/>
-              </a:ext>
-            </a:extLst>
-          </p:cNvPr>
-          <p:cNvSpPr txBox="1"/>
-          <p:nvPr/>
-        </p:nvSpPr>
-        <p:spPr>
-          <a:xfrm>
-            <a:off x="3147067" y="4461356"/>
-            <a:ext cx="4042773" cy="584775"/>
-          </a:xfrm>
-          <a:prstGeom prst="rect">
-            <a:avLst/>
-          </a:prstGeom>
-          <a:noFill/>
-        </p:spPr>
-        <p:txBody>
-          <a:bodyPr wrap="none" lIns="0" rIns="0" rtlCol="0">
-            <a:spAutoFit/>
-          </a:bodyPr>
-          <a:lstStyle/>
-          <a:p>
-            <a:pPr>
-              <a:spcAft>
-                <a:spcPts val="300"/>
-              </a:spcAft>
-            </a:pPr>
-            <a:r>
-              <a:rPr lang="ko-KR" altLang="en-US" sz="900" dirty="0">
-                <a:solidFill>
-                  <a:srgbClr val="D4CFC5"/>
-                </a:solidFill>
-                <a:latin typeface="Pretendard Medium" panose="02000603000000020004" pitchFamily="2" charset="-127"/>
-                <a:ea typeface="Pretendard Medium" panose="02000603000000020004" pitchFamily="2" charset="-127"/>
-                <a:cs typeface="Pretendard Medium" panose="02000603000000020004" pitchFamily="2" charset="-127"/>
-              </a:rPr>
-              <a:t>완성 기록 시 효과 발생으로 바꾸면 어때</a:t>
-            </a:r>
-            <a:r>
-              <a:rPr lang="en-US" altLang="ko-KR" sz="900" dirty="0">
-                <a:solidFill>
-                  <a:srgbClr val="D4CFC5"/>
-                </a:solidFill>
-                <a:latin typeface="Pretendard Medium" panose="02000603000000020004" pitchFamily="2" charset="-127"/>
-                <a:ea typeface="Pretendard Medium" panose="02000603000000020004" pitchFamily="2" charset="-127"/>
-                <a:cs typeface="Pretendard Medium" panose="02000603000000020004" pitchFamily="2" charset="-127"/>
-              </a:rPr>
-              <a:t>?</a:t>
-            </a:r>
-          </a:p>
-          <a:p>
-            <a:pPr marL="171450" indent="-171450">
-              <a:spcAft>
-                <a:spcPts val="300"/>
-              </a:spcAft>
-              <a:buFontTx/>
-              <a:buChar char="-"/>
-            </a:pPr>
-            <a:r>
-              <a:rPr lang="ko-KR" altLang="en-US" sz="900" dirty="0">
-                <a:solidFill>
-                  <a:srgbClr val="D4CFC5"/>
-                </a:solidFill>
-                <a:latin typeface="Pretendard Medium" panose="02000603000000020004" pitchFamily="2" charset="-127"/>
-                <a:ea typeface="Pretendard Medium" panose="02000603000000020004" pitchFamily="2" charset="-127"/>
-                <a:cs typeface="Pretendard Medium" panose="02000603000000020004" pitchFamily="2" charset="-127"/>
-              </a:rPr>
-              <a:t>하나  하나에 효과가 있는 게 아니라</a:t>
-            </a:r>
-            <a:r>
-              <a:rPr lang="en-US" altLang="ko-KR" sz="900" dirty="0">
-                <a:solidFill>
-                  <a:srgbClr val="D4CFC5"/>
-                </a:solidFill>
-                <a:latin typeface="Pretendard Medium" panose="02000603000000020004" pitchFamily="2" charset="-127"/>
-                <a:ea typeface="Pretendard Medium" panose="02000603000000020004" pitchFamily="2" charset="-127"/>
-                <a:cs typeface="Pretendard Medium" panose="02000603000000020004" pitchFamily="2" charset="-127"/>
-              </a:rPr>
-              <a:t>.</a:t>
-            </a:r>
-          </a:p>
-          <a:p>
-            <a:pPr marL="171450" indent="-171450">
-              <a:spcAft>
-                <a:spcPts val="300"/>
-              </a:spcAft>
-              <a:buFontTx/>
-              <a:buChar char="-"/>
-            </a:pPr>
-            <a:r>
-              <a:rPr lang="ko-KR" altLang="en-US" sz="900" dirty="0">
-                <a:solidFill>
-                  <a:srgbClr val="D4CFC5"/>
-                </a:solidFill>
-                <a:latin typeface="Pretendard Medium" panose="02000603000000020004" pitchFamily="2" charset="-127"/>
-                <a:ea typeface="Pretendard Medium" panose="02000603000000020004" pitchFamily="2" charset="-127"/>
-                <a:cs typeface="Pretendard Medium" panose="02000603000000020004" pitchFamily="2" charset="-127"/>
-              </a:rPr>
-              <a:t>대신</a:t>
-            </a:r>
-            <a:r>
-              <a:rPr lang="en-US" altLang="ko-KR" sz="900" dirty="0">
-                <a:solidFill>
-                  <a:srgbClr val="D4CFC5"/>
-                </a:solidFill>
-                <a:latin typeface="Pretendard Medium" panose="02000603000000020004" pitchFamily="2" charset="-127"/>
-                <a:ea typeface="Pretendard Medium" panose="02000603000000020004" pitchFamily="2" charset="-127"/>
-                <a:cs typeface="Pretendard Medium" panose="02000603000000020004" pitchFamily="2" charset="-127"/>
-              </a:rPr>
-              <a:t>, </a:t>
-            </a:r>
-            <a:r>
-              <a:rPr lang="ko-KR" altLang="en-US" sz="900" dirty="0">
-                <a:solidFill>
-                  <a:srgbClr val="D4CFC5"/>
-                </a:solidFill>
-                <a:latin typeface="Pretendard Medium" panose="02000603000000020004" pitchFamily="2" charset="-127"/>
-                <a:ea typeface="Pretendard Medium" panose="02000603000000020004" pitchFamily="2" charset="-127"/>
-                <a:cs typeface="Pretendard Medium" panose="02000603000000020004" pitchFamily="2" charset="-127"/>
-              </a:rPr>
-              <a:t>기록된 두 양상이 다른 경우 게이지 환급 </a:t>
-            </a:r>
-            <a:r>
-              <a:rPr lang="en-US" altLang="ko-KR" sz="900" dirty="0">
-                <a:solidFill>
-                  <a:srgbClr val="D4CFC5"/>
-                </a:solidFill>
-                <a:latin typeface="Pretendard Medium" panose="02000603000000020004" pitchFamily="2" charset="-127"/>
-                <a:ea typeface="Pretendard Medium" panose="02000603000000020004" pitchFamily="2" charset="-127"/>
-                <a:cs typeface="Pretendard Medium" panose="02000603000000020004" pitchFamily="2" charset="-127"/>
-              </a:rPr>
-              <a:t>or </a:t>
-            </a:r>
-            <a:r>
-              <a:rPr lang="ko-KR" altLang="en-US" sz="900" dirty="0" err="1">
-                <a:solidFill>
-                  <a:srgbClr val="D4CFC5"/>
-                </a:solidFill>
-                <a:latin typeface="Pretendard Medium" panose="02000603000000020004" pitchFamily="2" charset="-127"/>
-                <a:ea typeface="Pretendard Medium" panose="02000603000000020004" pitchFamily="2" charset="-127"/>
-                <a:cs typeface="Pretendard Medium" panose="02000603000000020004" pitchFamily="2" charset="-127"/>
-              </a:rPr>
-              <a:t>디버프</a:t>
-            </a:r>
-            <a:r>
-              <a:rPr lang="ko-KR" altLang="en-US" sz="900" dirty="0">
-                <a:solidFill>
-                  <a:srgbClr val="D4CFC5"/>
-                </a:solidFill>
-                <a:latin typeface="Pretendard Medium" panose="02000603000000020004" pitchFamily="2" charset="-127"/>
-                <a:ea typeface="Pretendard Medium" panose="02000603000000020004" pitchFamily="2" charset="-127"/>
-                <a:cs typeface="Pretendard Medium" panose="02000603000000020004" pitchFamily="2" charset="-127"/>
-              </a:rPr>
-              <a:t> 발생 </a:t>
-            </a:r>
-            <a:r>
-              <a:rPr lang="en-US" altLang="ko-KR" sz="900" dirty="0">
-                <a:solidFill>
-                  <a:srgbClr val="D4CFC5"/>
-                </a:solidFill>
-                <a:latin typeface="Pretendard Medium" panose="02000603000000020004" pitchFamily="2" charset="-127"/>
-                <a:ea typeface="Pretendard Medium" panose="02000603000000020004" pitchFamily="2" charset="-127"/>
-                <a:cs typeface="Pretendard Medium" panose="02000603000000020004" pitchFamily="2" charset="-127"/>
-              </a:rPr>
-              <a:t>x </a:t>
-            </a:r>
-            <a:r>
-              <a:rPr lang="ko-KR" altLang="en-US" sz="900" dirty="0">
-                <a:solidFill>
-                  <a:srgbClr val="D4CFC5"/>
-                </a:solidFill>
-                <a:latin typeface="Pretendard Medium" panose="02000603000000020004" pitchFamily="2" charset="-127"/>
-                <a:ea typeface="Pretendard Medium" panose="02000603000000020004" pitchFamily="2" charset="-127"/>
-                <a:cs typeface="Pretendard Medium" panose="02000603000000020004" pitchFamily="2" charset="-127"/>
-              </a:rPr>
-              <a:t>등 기타 효과가 있으면</a:t>
-            </a:r>
-            <a:r>
-              <a:rPr lang="en-US" altLang="ko-KR" sz="900">
-                <a:solidFill>
-                  <a:srgbClr val="D4CFC5"/>
-                </a:solidFill>
-                <a:latin typeface="Pretendard Medium" panose="02000603000000020004" pitchFamily="2" charset="-127"/>
-                <a:ea typeface="Pretendard Medium" panose="02000603000000020004" pitchFamily="2" charset="-127"/>
-                <a:cs typeface="Pretendard Medium" panose="02000603000000020004" pitchFamily="2" charset="-127"/>
-              </a:rPr>
-              <a:t>?</a:t>
-            </a:r>
-            <a:endParaRPr lang="en-US" altLang="ko-KR" sz="900" dirty="0">
-              <a:solidFill>
-                <a:srgbClr val="D4CFC5"/>
-              </a:solidFill>
-              <a:latin typeface="Pretendard Medium" panose="02000603000000020004" pitchFamily="2" charset="-127"/>
-              <a:ea typeface="Pretendard Medium" panose="02000603000000020004" pitchFamily="2" charset="-127"/>
-              <a:cs typeface="Pretendard Medium" panose="02000603000000020004" pitchFamily="2" charset="-127"/>
-            </a:endParaRPr>
-          </a:p>
-        </p:txBody>
-      </p:sp>
-    </p:spTree>
-    <p:extLst>
-      <p:ext uri="{BB962C8B-B14F-4D97-AF65-F5344CB8AC3E}">
-        <p14:creationId xmlns:p14="http://schemas.microsoft.com/office/powerpoint/2010/main" val="1976696391"/>
       </p:ext>
     </p:extLst>
   </p:cSld>

--- a/로스트아크/아스트로맨서(Astromancer)_현자/아이디어정리.pptx
+++ b/로스트아크/아스트로맨서(Astromancer)_현자/아이디어정리.pptx
@@ -4,6 +4,9 @@
   <p:sldMasterIdLst>
     <p:sldMasterId id="2147483648" r:id="rId1"/>
   </p:sldMasterIdLst>
+  <p:notesMasterIdLst>
+    <p:notesMasterId r:id="rId12"/>
+  </p:notesMasterIdLst>
   <p:sldIdLst>
     <p:sldId id="256" r:id="rId2"/>
     <p:sldId id="257" r:id="rId3"/>
@@ -132,6 +135,439 @@
 </p:presentation>
 </file>
 
+<file path=ppt/notesMasters/notesMaster1.xml><?xml version="1.0" encoding="utf-8"?>
+<p:notesMaster xmlns:a="http://schemas.openxmlformats.org/drawingml/2006/main" xmlns:r="http://schemas.openxmlformats.org/officeDocument/2006/relationships" xmlns:p="http://schemas.openxmlformats.org/presentationml/2006/main">
+  <p:cSld>
+    <p:bg>
+      <p:bgRef idx="1001">
+        <a:schemeClr val="bg1"/>
+      </p:bgRef>
+    </p:bg>
+    <p:spTree>
+      <p:nvGrpSpPr>
+        <p:cNvPr id="1" name=""/>
+        <p:cNvGrpSpPr/>
+        <p:nvPr/>
+      </p:nvGrpSpPr>
+      <p:grpSpPr>
+        <a:xfrm>
+          <a:off x="0" y="0"/>
+          <a:ext cx="0" cy="0"/>
+          <a:chOff x="0" y="0"/>
+          <a:chExt cx="0" cy="0"/>
+        </a:xfrm>
+      </p:grpSpPr>
+      <p:sp>
+        <p:nvSpPr>
+          <p:cNvPr id="2" name="머리글 개체 틀 1"/>
+          <p:cNvSpPr>
+            <a:spLocks noGrp="1"/>
+          </p:cNvSpPr>
+          <p:nvPr>
+            <p:ph type="hdr" sz="quarter"/>
+          </p:nvPr>
+        </p:nvSpPr>
+        <p:spPr>
+          <a:xfrm>
+            <a:off x="0" y="0"/>
+            <a:ext cx="2971800" cy="458788"/>
+          </a:xfrm>
+          <a:prstGeom prst="rect">
+            <a:avLst/>
+          </a:prstGeom>
+        </p:spPr>
+        <p:txBody>
+          <a:bodyPr vert="horz" lIns="91440" tIns="45720" rIns="91440" bIns="45720" rtlCol="0"/>
+          <a:lstStyle>
+            <a:lvl1pPr algn="l">
+              <a:defRPr sz="1200"/>
+            </a:lvl1pPr>
+          </a:lstStyle>
+          <a:p>
+            <a:endParaRPr lang="ko-KR" altLang="en-US"/>
+          </a:p>
+        </p:txBody>
+      </p:sp>
+      <p:sp>
+        <p:nvSpPr>
+          <p:cNvPr id="3" name="날짜 개체 틀 2"/>
+          <p:cNvSpPr>
+            <a:spLocks noGrp="1"/>
+          </p:cNvSpPr>
+          <p:nvPr>
+            <p:ph type="dt" idx="1"/>
+          </p:nvPr>
+        </p:nvSpPr>
+        <p:spPr>
+          <a:xfrm>
+            <a:off x="3884613" y="0"/>
+            <a:ext cx="2971800" cy="458788"/>
+          </a:xfrm>
+          <a:prstGeom prst="rect">
+            <a:avLst/>
+          </a:prstGeom>
+        </p:spPr>
+        <p:txBody>
+          <a:bodyPr vert="horz" lIns="91440" tIns="45720" rIns="91440" bIns="45720" rtlCol="0"/>
+          <a:lstStyle>
+            <a:lvl1pPr algn="r">
+              <a:defRPr sz="1200"/>
+            </a:lvl1pPr>
+          </a:lstStyle>
+          <a:p>
+            <a:fld id="{41A0BF77-366A-45AA-8526-1F6902086AAF}" type="datetimeFigureOut">
+              <a:rPr lang="ko-KR" altLang="en-US" smtClean="0"/>
+              <a:t>2025-04-04</a:t>
+            </a:fld>
+            <a:endParaRPr lang="ko-KR" altLang="en-US"/>
+          </a:p>
+        </p:txBody>
+      </p:sp>
+      <p:sp>
+        <p:nvSpPr>
+          <p:cNvPr id="4" name="슬라이드 이미지 개체 틀 3"/>
+          <p:cNvSpPr>
+            <a:spLocks noGrp="1" noRot="1" noChangeAspect="1"/>
+          </p:cNvSpPr>
+          <p:nvPr>
+            <p:ph type="sldImg" idx="2"/>
+          </p:nvPr>
+        </p:nvSpPr>
+        <p:spPr>
+          <a:xfrm>
+            <a:off x="685800" y="1143000"/>
+            <a:ext cx="5486400" cy="3086100"/>
+          </a:xfrm>
+          <a:prstGeom prst="rect">
+            <a:avLst/>
+          </a:prstGeom>
+          <a:noFill/>
+          <a:ln w="12700">
+            <a:solidFill>
+              <a:prstClr val="black"/>
+            </a:solidFill>
+          </a:ln>
+        </p:spPr>
+        <p:txBody>
+          <a:bodyPr vert="horz" lIns="91440" tIns="45720" rIns="91440" bIns="45720" rtlCol="0" anchor="ctr"/>
+          <a:lstStyle/>
+          <a:p>
+            <a:endParaRPr lang="ko-KR" altLang="en-US"/>
+          </a:p>
+        </p:txBody>
+      </p:sp>
+      <p:sp>
+        <p:nvSpPr>
+          <p:cNvPr id="5" name="슬라이드 노트 개체 틀 4"/>
+          <p:cNvSpPr>
+            <a:spLocks noGrp="1"/>
+          </p:cNvSpPr>
+          <p:nvPr>
+            <p:ph type="body" sz="quarter" idx="3"/>
+          </p:nvPr>
+        </p:nvSpPr>
+        <p:spPr>
+          <a:xfrm>
+            <a:off x="685800" y="4400550"/>
+            <a:ext cx="5486400" cy="3600450"/>
+          </a:xfrm>
+          <a:prstGeom prst="rect">
+            <a:avLst/>
+          </a:prstGeom>
+        </p:spPr>
+        <p:txBody>
+          <a:bodyPr vert="horz" lIns="91440" tIns="45720" rIns="91440" bIns="45720" rtlCol="0"/>
+          <a:lstStyle/>
+          <a:p>
+            <a:pPr lvl="0"/>
+            <a:r>
+              <a:rPr lang="ko-KR" altLang="en-US"/>
+              <a:t>마스터 텍스트 스타일을 편집하려면 클릭</a:t>
+            </a:r>
+          </a:p>
+          <a:p>
+            <a:pPr lvl="1"/>
+            <a:r>
+              <a:rPr lang="ko-KR" altLang="en-US"/>
+              <a:t>두 번째 수준</a:t>
+            </a:r>
+          </a:p>
+          <a:p>
+            <a:pPr lvl="2"/>
+            <a:r>
+              <a:rPr lang="ko-KR" altLang="en-US"/>
+              <a:t>세 번째 수준</a:t>
+            </a:r>
+          </a:p>
+          <a:p>
+            <a:pPr lvl="3"/>
+            <a:r>
+              <a:rPr lang="ko-KR" altLang="en-US"/>
+              <a:t>네 번째 수준</a:t>
+            </a:r>
+          </a:p>
+          <a:p>
+            <a:pPr lvl="4"/>
+            <a:r>
+              <a:rPr lang="ko-KR" altLang="en-US"/>
+              <a:t>다섯 번째 수준</a:t>
+            </a:r>
+          </a:p>
+        </p:txBody>
+      </p:sp>
+      <p:sp>
+        <p:nvSpPr>
+          <p:cNvPr id="6" name="바닥글 개체 틀 5"/>
+          <p:cNvSpPr>
+            <a:spLocks noGrp="1"/>
+          </p:cNvSpPr>
+          <p:nvPr>
+            <p:ph type="ftr" sz="quarter" idx="4"/>
+          </p:nvPr>
+        </p:nvSpPr>
+        <p:spPr>
+          <a:xfrm>
+            <a:off x="0" y="8685213"/>
+            <a:ext cx="2971800" cy="458787"/>
+          </a:xfrm>
+          <a:prstGeom prst="rect">
+            <a:avLst/>
+          </a:prstGeom>
+        </p:spPr>
+        <p:txBody>
+          <a:bodyPr vert="horz" lIns="91440" tIns="45720" rIns="91440" bIns="45720" rtlCol="0" anchor="b"/>
+          <a:lstStyle>
+            <a:lvl1pPr algn="l">
+              <a:defRPr sz="1200"/>
+            </a:lvl1pPr>
+          </a:lstStyle>
+          <a:p>
+            <a:endParaRPr lang="ko-KR" altLang="en-US"/>
+          </a:p>
+        </p:txBody>
+      </p:sp>
+      <p:sp>
+        <p:nvSpPr>
+          <p:cNvPr id="7" name="슬라이드 번호 개체 틀 6"/>
+          <p:cNvSpPr>
+            <a:spLocks noGrp="1"/>
+          </p:cNvSpPr>
+          <p:nvPr>
+            <p:ph type="sldNum" sz="quarter" idx="5"/>
+          </p:nvPr>
+        </p:nvSpPr>
+        <p:spPr>
+          <a:xfrm>
+            <a:off x="3884613" y="8685213"/>
+            <a:ext cx="2971800" cy="458787"/>
+          </a:xfrm>
+          <a:prstGeom prst="rect">
+            <a:avLst/>
+          </a:prstGeom>
+        </p:spPr>
+        <p:txBody>
+          <a:bodyPr vert="horz" lIns="91440" tIns="45720" rIns="91440" bIns="45720" rtlCol="0" anchor="b"/>
+          <a:lstStyle>
+            <a:lvl1pPr algn="r">
+              <a:defRPr sz="1200"/>
+            </a:lvl1pPr>
+          </a:lstStyle>
+          <a:p>
+            <a:fld id="{EBB25D69-F23B-4A6E-9946-0F15E9B7D4B8}" type="slidenum">
+              <a:rPr lang="ko-KR" altLang="en-US" smtClean="0"/>
+              <a:t>‹#›</a:t>
+            </a:fld>
+            <a:endParaRPr lang="ko-KR" altLang="en-US"/>
+          </a:p>
+        </p:txBody>
+      </p:sp>
+    </p:spTree>
+    <p:extLst>
+      <p:ext uri="{BB962C8B-B14F-4D97-AF65-F5344CB8AC3E}">
+        <p14:creationId xmlns:p14="http://schemas.microsoft.com/office/powerpoint/2010/main" val="743312340"/>
+      </p:ext>
+    </p:extLst>
+  </p:cSld>
+  <p:clrMap bg1="lt1" tx1="dk1" bg2="lt2" tx2="dk2" accent1="accent1" accent2="accent2" accent3="accent3" accent4="accent4" accent5="accent5" accent6="accent6" hlink="hlink" folHlink="folHlink"/>
+  <p:notesStyle>
+    <a:lvl1pPr marL="0" algn="l" defTabSz="914400" rtl="0" eaLnBrk="1" latinLnBrk="1" hangingPunct="1">
+      <a:defRPr sz="1200" kern="1200">
+        <a:solidFill>
+          <a:schemeClr val="tx1"/>
+        </a:solidFill>
+        <a:latin typeface="+mn-lt"/>
+        <a:ea typeface="+mn-ea"/>
+        <a:cs typeface="+mn-cs"/>
+      </a:defRPr>
+    </a:lvl1pPr>
+    <a:lvl2pPr marL="457200" algn="l" defTabSz="914400" rtl="0" eaLnBrk="1" latinLnBrk="1" hangingPunct="1">
+      <a:defRPr sz="1200" kern="1200">
+        <a:solidFill>
+          <a:schemeClr val="tx1"/>
+        </a:solidFill>
+        <a:latin typeface="+mn-lt"/>
+        <a:ea typeface="+mn-ea"/>
+        <a:cs typeface="+mn-cs"/>
+      </a:defRPr>
+    </a:lvl2pPr>
+    <a:lvl3pPr marL="914400" algn="l" defTabSz="914400" rtl="0" eaLnBrk="1" latinLnBrk="1" hangingPunct="1">
+      <a:defRPr sz="1200" kern="1200">
+        <a:solidFill>
+          <a:schemeClr val="tx1"/>
+        </a:solidFill>
+        <a:latin typeface="+mn-lt"/>
+        <a:ea typeface="+mn-ea"/>
+        <a:cs typeface="+mn-cs"/>
+      </a:defRPr>
+    </a:lvl3pPr>
+    <a:lvl4pPr marL="1371600" algn="l" defTabSz="914400" rtl="0" eaLnBrk="1" latinLnBrk="1" hangingPunct="1">
+      <a:defRPr sz="1200" kern="1200">
+        <a:solidFill>
+          <a:schemeClr val="tx1"/>
+        </a:solidFill>
+        <a:latin typeface="+mn-lt"/>
+        <a:ea typeface="+mn-ea"/>
+        <a:cs typeface="+mn-cs"/>
+      </a:defRPr>
+    </a:lvl4pPr>
+    <a:lvl5pPr marL="1828800" algn="l" defTabSz="914400" rtl="0" eaLnBrk="1" latinLnBrk="1" hangingPunct="1">
+      <a:defRPr sz="1200" kern="1200">
+        <a:solidFill>
+          <a:schemeClr val="tx1"/>
+        </a:solidFill>
+        <a:latin typeface="+mn-lt"/>
+        <a:ea typeface="+mn-ea"/>
+        <a:cs typeface="+mn-cs"/>
+      </a:defRPr>
+    </a:lvl5pPr>
+    <a:lvl6pPr marL="2286000" algn="l" defTabSz="914400" rtl="0" eaLnBrk="1" latinLnBrk="1" hangingPunct="1">
+      <a:defRPr sz="1200" kern="1200">
+        <a:solidFill>
+          <a:schemeClr val="tx1"/>
+        </a:solidFill>
+        <a:latin typeface="+mn-lt"/>
+        <a:ea typeface="+mn-ea"/>
+        <a:cs typeface="+mn-cs"/>
+      </a:defRPr>
+    </a:lvl6pPr>
+    <a:lvl7pPr marL="2743200" algn="l" defTabSz="914400" rtl="0" eaLnBrk="1" latinLnBrk="1" hangingPunct="1">
+      <a:defRPr sz="1200" kern="1200">
+        <a:solidFill>
+          <a:schemeClr val="tx1"/>
+        </a:solidFill>
+        <a:latin typeface="+mn-lt"/>
+        <a:ea typeface="+mn-ea"/>
+        <a:cs typeface="+mn-cs"/>
+      </a:defRPr>
+    </a:lvl7pPr>
+    <a:lvl8pPr marL="3200400" algn="l" defTabSz="914400" rtl="0" eaLnBrk="1" latinLnBrk="1" hangingPunct="1">
+      <a:defRPr sz="1200" kern="1200">
+        <a:solidFill>
+          <a:schemeClr val="tx1"/>
+        </a:solidFill>
+        <a:latin typeface="+mn-lt"/>
+        <a:ea typeface="+mn-ea"/>
+        <a:cs typeface="+mn-cs"/>
+      </a:defRPr>
+    </a:lvl8pPr>
+    <a:lvl9pPr marL="3657600" algn="l" defTabSz="914400" rtl="0" eaLnBrk="1" latinLnBrk="1" hangingPunct="1">
+      <a:defRPr sz="1200" kern="1200">
+        <a:solidFill>
+          <a:schemeClr val="tx1"/>
+        </a:solidFill>
+        <a:latin typeface="+mn-lt"/>
+        <a:ea typeface="+mn-ea"/>
+        <a:cs typeface="+mn-cs"/>
+      </a:defRPr>
+    </a:lvl9pPr>
+  </p:notesStyle>
+</p:notesMaster>
+</file>
+
+<file path=ppt/notesSlides/notesSlide1.xml><?xml version="1.0" encoding="utf-8"?>
+<p:notes xmlns:a="http://schemas.openxmlformats.org/drawingml/2006/main" xmlns:r="http://schemas.openxmlformats.org/officeDocument/2006/relationships" xmlns:p="http://schemas.openxmlformats.org/presentationml/2006/main">
+  <p:cSld>
+    <p:spTree>
+      <p:nvGrpSpPr>
+        <p:cNvPr id="1" name=""/>
+        <p:cNvGrpSpPr/>
+        <p:nvPr/>
+      </p:nvGrpSpPr>
+      <p:grpSpPr>
+        <a:xfrm>
+          <a:off x="0" y="0"/>
+          <a:ext cx="0" cy="0"/>
+          <a:chOff x="0" y="0"/>
+          <a:chExt cx="0" cy="0"/>
+        </a:xfrm>
+      </p:grpSpPr>
+      <p:sp>
+        <p:nvSpPr>
+          <p:cNvPr id="2" name="슬라이드 이미지 개체 틀 1"/>
+          <p:cNvSpPr>
+            <a:spLocks noGrp="1" noRot="1" noChangeAspect="1"/>
+          </p:cNvSpPr>
+          <p:nvPr>
+            <p:ph type="sldImg"/>
+          </p:nvPr>
+        </p:nvSpPr>
+        <p:spPr/>
+      </p:sp>
+      <p:sp>
+        <p:nvSpPr>
+          <p:cNvPr id="3" name="슬라이드 노트 개체 틀 2"/>
+          <p:cNvSpPr>
+            <a:spLocks noGrp="1"/>
+          </p:cNvSpPr>
+          <p:nvPr>
+            <p:ph type="body" idx="1"/>
+          </p:nvPr>
+        </p:nvSpPr>
+        <p:spPr/>
+        <p:txBody>
+          <a:bodyPr/>
+          <a:lstStyle/>
+          <a:p>
+            <a:endParaRPr lang="ko-KR" altLang="en-US" dirty="0"/>
+          </a:p>
+        </p:txBody>
+      </p:sp>
+      <p:sp>
+        <p:nvSpPr>
+          <p:cNvPr id="4" name="슬라이드 번호 개체 틀 3"/>
+          <p:cNvSpPr>
+            <a:spLocks noGrp="1"/>
+          </p:cNvSpPr>
+          <p:nvPr>
+            <p:ph type="sldNum" sz="quarter" idx="5"/>
+          </p:nvPr>
+        </p:nvSpPr>
+        <p:spPr/>
+        <p:txBody>
+          <a:bodyPr/>
+          <a:lstStyle/>
+          <a:p>
+            <a:fld id="{EBB25D69-F23B-4A6E-9946-0F15E9B7D4B8}" type="slidenum">
+              <a:rPr lang="ko-KR" altLang="en-US" smtClean="0"/>
+              <a:t>8</a:t>
+            </a:fld>
+            <a:endParaRPr lang="ko-KR" altLang="en-US"/>
+          </a:p>
+        </p:txBody>
+      </p:sp>
+    </p:spTree>
+    <p:extLst>
+      <p:ext uri="{BB962C8B-B14F-4D97-AF65-F5344CB8AC3E}">
+        <p14:creationId xmlns:p14="http://schemas.microsoft.com/office/powerpoint/2010/main" val="2057345186"/>
+      </p:ext>
+    </p:extLst>
+  </p:cSld>
+  <p:clrMapOvr>
+    <a:masterClrMapping/>
+  </p:clrMapOvr>
+</p:notes>
+</file>
+
 <file path=ppt/slideLayouts/slideLayout1.xml><?xml version="1.0" encoding="utf-8"?>
 <p:sldLayout xmlns:a="http://schemas.openxmlformats.org/drawingml/2006/main" xmlns:r="http://schemas.openxmlformats.org/officeDocument/2006/relationships" xmlns:p="http://schemas.openxmlformats.org/presentationml/2006/main" type="title" preserve="1">
   <p:cSld name="제목 슬라이드">
@@ -279,7 +715,7 @@
           <a:p>
             <a:fld id="{9C3EC951-20CE-4241-887B-24665EAD51A9}" type="datetimeFigureOut">
               <a:rPr lang="ko-KR" altLang="en-US" smtClean="0"/>
-              <a:t>2025-04-03</a:t>
+              <a:t>2025-04-04</a:t>
             </a:fld>
             <a:endParaRPr lang="ko-KR" altLang="en-US"/>
           </a:p>
@@ -477,7 +913,7 @@
           <a:p>
             <a:fld id="{9C3EC951-20CE-4241-887B-24665EAD51A9}" type="datetimeFigureOut">
               <a:rPr lang="ko-KR" altLang="en-US" smtClean="0"/>
-              <a:t>2025-04-03</a:t>
+              <a:t>2025-04-04</a:t>
             </a:fld>
             <a:endParaRPr lang="ko-KR" altLang="en-US"/>
           </a:p>
@@ -685,7 +1121,7 @@
           <a:p>
             <a:fld id="{9C3EC951-20CE-4241-887B-24665EAD51A9}" type="datetimeFigureOut">
               <a:rPr lang="ko-KR" altLang="en-US" smtClean="0"/>
-              <a:t>2025-04-03</a:t>
+              <a:t>2025-04-04</a:t>
             </a:fld>
             <a:endParaRPr lang="ko-KR" altLang="en-US"/>
           </a:p>
@@ -1014,7 +1450,7 @@
           <a:p>
             <a:fld id="{9C3EC951-20CE-4241-887B-24665EAD51A9}" type="datetimeFigureOut">
               <a:rPr lang="ko-KR" altLang="en-US" smtClean="0"/>
-              <a:t>2025-04-03</a:t>
+              <a:t>2025-04-04</a:t>
             </a:fld>
             <a:endParaRPr lang="ko-KR" altLang="en-US"/>
           </a:p>
@@ -1279,7 +1715,7 @@
           <a:p>
             <a:fld id="{9C3EC951-20CE-4241-887B-24665EAD51A9}" type="datetimeFigureOut">
               <a:rPr lang="ko-KR" altLang="en-US" smtClean="0"/>
-              <a:t>2025-04-03</a:t>
+              <a:t>2025-04-04</a:t>
             </a:fld>
             <a:endParaRPr lang="ko-KR" altLang="en-US"/>
           </a:p>
@@ -1691,7 +2127,7 @@
           <a:p>
             <a:fld id="{9C3EC951-20CE-4241-887B-24665EAD51A9}" type="datetimeFigureOut">
               <a:rPr lang="ko-KR" altLang="en-US" smtClean="0"/>
-              <a:t>2025-04-03</a:t>
+              <a:t>2025-04-04</a:t>
             </a:fld>
             <a:endParaRPr lang="ko-KR" altLang="en-US"/>
           </a:p>
@@ -1832,7 +2268,7 @@
           <a:p>
             <a:fld id="{9C3EC951-20CE-4241-887B-24665EAD51A9}" type="datetimeFigureOut">
               <a:rPr lang="ko-KR" altLang="en-US" smtClean="0"/>
-              <a:t>2025-04-03</a:t>
+              <a:t>2025-04-04</a:t>
             </a:fld>
             <a:endParaRPr lang="ko-KR" altLang="en-US"/>
           </a:p>
@@ -1945,7 +2381,7 @@
           <a:p>
             <a:fld id="{9C3EC951-20CE-4241-887B-24665EAD51A9}" type="datetimeFigureOut">
               <a:rPr lang="ko-KR" altLang="en-US" smtClean="0"/>
-              <a:t>2025-04-03</a:t>
+              <a:t>2025-04-04</a:t>
             </a:fld>
             <a:endParaRPr lang="ko-KR" altLang="en-US"/>
           </a:p>
@@ -2256,7 +2692,7 @@
           <a:p>
             <a:fld id="{9C3EC951-20CE-4241-887B-24665EAD51A9}" type="datetimeFigureOut">
               <a:rPr lang="ko-KR" altLang="en-US" smtClean="0"/>
-              <a:t>2025-04-03</a:t>
+              <a:t>2025-04-04</a:t>
             </a:fld>
             <a:endParaRPr lang="ko-KR" altLang="en-US"/>
           </a:p>
@@ -2544,7 +2980,7 @@
           <a:p>
             <a:fld id="{9C3EC951-20CE-4241-887B-24665EAD51A9}" type="datetimeFigureOut">
               <a:rPr lang="ko-KR" altLang="en-US" smtClean="0"/>
-              <a:t>2025-04-03</a:t>
+              <a:t>2025-04-04</a:t>
             </a:fld>
             <a:endParaRPr lang="ko-KR" altLang="en-US"/>
           </a:p>
@@ -2785,7 +3221,7 @@
           <a:p>
             <a:fld id="{9C3EC951-20CE-4241-887B-24665EAD51A9}" type="datetimeFigureOut">
               <a:rPr lang="ko-KR" altLang="en-US" smtClean="0"/>
-              <a:t>2025-04-03</a:t>
+              <a:t>2025-04-04</a:t>
             </a:fld>
             <a:endParaRPr lang="ko-KR" altLang="en-US"/>
           </a:p>
@@ -19508,7 +19944,7 @@
         <p:spPr>
           <a:xfrm>
             <a:off x="0" y="18582"/>
-            <a:ext cx="5006797" cy="1469633"/>
+            <a:ext cx="6443087" cy="938719"/>
           </a:xfrm>
           <a:prstGeom prst="rect">
             <a:avLst/>
@@ -19594,7 +20030,7 @@
             </a:r>
             <a:endParaRPr lang="en-US" altLang="ko-KR" sz="900" dirty="0">
               <a:solidFill>
-                <a:srgbClr val="FFFF00"/>
+                <a:srgbClr val="D4CFC5"/>
               </a:solidFill>
               <a:latin typeface="Pretendard Medium" panose="02000603000000020004" pitchFamily="2" charset="-127"/>
               <a:ea typeface="Pretendard Medium" panose="02000603000000020004" pitchFamily="2" charset="-127"/>
@@ -19616,7 +20052,7 @@
                 <a:ea typeface="Pretendard Medium" panose="02000603000000020004" pitchFamily="2" charset="-127"/>
                 <a:cs typeface="Pretendard Medium" panose="02000603000000020004" pitchFamily="2" charset="-127"/>
               </a:rPr>
-              <a:t>기록 모드에 진입할 수 없게 되지만</a:t>
+              <a:t>일반 상태에서 기록 게이지는 항상 최대치를 유지하며 </a:t>
             </a:r>
             <a:r>
               <a:rPr lang="en-US" altLang="ko-KR" sz="900" dirty="0">
@@ -19627,18 +20063,18 @@
                 <a:ea typeface="Pretendard Medium" panose="02000603000000020004" pitchFamily="2" charset="-127"/>
                 <a:cs typeface="Pretendard Medium" panose="02000603000000020004" pitchFamily="2" charset="-127"/>
               </a:rPr>
-              <a:t>, </a:t>
-            </a:r>
-            <a:r>
-              <a:rPr lang="ko-KR" altLang="en-US" sz="900" dirty="0">
-                <a:solidFill>
-                  <a:srgbClr val="D4CFC5"/>
-                </a:solidFill>
-                <a:latin typeface="Pretendard Medium" panose="02000603000000020004" pitchFamily="2" charset="-127"/>
-                <a:ea typeface="Pretendard Medium" panose="02000603000000020004" pitchFamily="2" charset="-127"/>
-                <a:cs typeface="Pretendard Medium" panose="02000603000000020004" pitchFamily="2" charset="-127"/>
-              </a:rPr>
-              <a:t>인공 별을 형성할 수 있습니다</a:t>
+              <a:t>Z</a:t>
+            </a:r>
+            <a:r>
+              <a:rPr lang="ko-KR" altLang="en-US" sz="900" dirty="0">
+                <a:solidFill>
+                  <a:srgbClr val="D4CFC5"/>
+                </a:solidFill>
+                <a:latin typeface="Pretendard Medium" panose="02000603000000020004" pitchFamily="2" charset="-127"/>
+                <a:ea typeface="Pretendard Medium" panose="02000603000000020004" pitchFamily="2" charset="-127"/>
+                <a:cs typeface="Pretendard Medium" panose="02000603000000020004" pitchFamily="2" charset="-127"/>
+              </a:rPr>
+              <a:t>키 입력 시 기록 모드에 진입하지 않고 </a:t>
             </a:r>
             <a:r>
               <a:rPr lang="en-US" altLang="ko-KR" sz="900" dirty="0">
@@ -19649,25 +20085,18 @@
                 <a:ea typeface="Pretendard Medium" panose="02000603000000020004" pitchFamily="2" charset="-127"/>
                 <a:cs typeface="Pretendard Medium" panose="02000603000000020004" pitchFamily="2" charset="-127"/>
               </a:rPr>
-              <a:t>. </a:t>
-            </a:r>
-          </a:p>
-          <a:p>
-            <a:pPr>
-              <a:spcAft>
-                <a:spcPts val="300"/>
-              </a:spcAft>
-            </a:pPr>
-            <a:r>
-              <a:rPr lang="ko-KR" altLang="en-US" sz="900" dirty="0">
-                <a:solidFill>
-                  <a:srgbClr val="D4CFC5"/>
-                </a:solidFill>
-                <a:latin typeface="Pretendard Medium" panose="02000603000000020004" pitchFamily="2" charset="-127"/>
-                <a:ea typeface="Pretendard Medium" panose="02000603000000020004" pitchFamily="2" charset="-127"/>
-                <a:cs typeface="Pretendard Medium" panose="02000603000000020004" pitchFamily="2" charset="-127"/>
-              </a:rPr>
-              <a:t>인공 별은 직접 조작할 수 는 없지만</a:t>
+              <a:t>5</a:t>
+            </a:r>
+            <a:r>
+              <a:rPr lang="ko-KR" altLang="en-US" sz="900" dirty="0">
+                <a:solidFill>
+                  <a:srgbClr val="D4CFC5"/>
+                </a:solidFill>
+                <a:latin typeface="Pretendard Medium" panose="02000603000000020004" pitchFamily="2" charset="-127"/>
+                <a:ea typeface="Pretendard Medium" panose="02000603000000020004" pitchFamily="2" charset="-127"/>
+                <a:cs typeface="Pretendard Medium" panose="02000603000000020004" pitchFamily="2" charset="-127"/>
+              </a:rPr>
+              <a:t>개의 인공 별을 형성합니다</a:t>
             </a:r>
             <a:r>
               <a:rPr lang="en-US" altLang="ko-KR" sz="900" dirty="0">
@@ -19678,37 +20107,19 @@
                 <a:ea typeface="Pretendard Medium" panose="02000603000000020004" pitchFamily="2" charset="-127"/>
                 <a:cs typeface="Pretendard Medium" panose="02000603000000020004" pitchFamily="2" charset="-127"/>
               </a:rPr>
-              <a:t>, </a:t>
-            </a:r>
-            <a:r>
-              <a:rPr lang="ko-KR" altLang="en-US" sz="900" dirty="0">
-                <a:solidFill>
-                  <a:srgbClr val="D4CFC5"/>
-                </a:solidFill>
-                <a:latin typeface="Pretendard Medium" panose="02000603000000020004" pitchFamily="2" charset="-127"/>
-                <a:ea typeface="Pretendard Medium" panose="02000603000000020004" pitchFamily="2" charset="-127"/>
-                <a:cs typeface="Pretendard Medium" panose="02000603000000020004" pitchFamily="2" charset="-127"/>
-              </a:rPr>
-              <a:t>현상 스킬 사용 시 인공 별이 스킬을 대신 시전한 후 자동으로 회수됩니다</a:t>
-            </a:r>
-            <a:r>
-              <a:rPr lang="en-US" altLang="ko-KR" sz="900" dirty="0">
-                <a:solidFill>
-                  <a:srgbClr val="D4CFC5"/>
-                </a:solidFill>
-                <a:latin typeface="Pretendard Medium" panose="02000603000000020004" pitchFamily="2" charset="-127"/>
-                <a:ea typeface="Pretendard Medium" panose="02000603000000020004" pitchFamily="2" charset="-127"/>
-                <a:cs typeface="Pretendard Medium" panose="02000603000000020004" pitchFamily="2" charset="-127"/>
-              </a:rPr>
               <a:t>.</a:t>
             </a:r>
-          </a:p>
-          <a:p>
-            <a:pPr>
-              <a:spcAft>
-                <a:spcPts val="300"/>
-              </a:spcAft>
-            </a:pPr>
+            <a:r>
+              <a:rPr lang="ko-KR" altLang="en-US" sz="900" dirty="0">
+                <a:solidFill>
+                  <a:srgbClr val="D4CFC5"/>
+                </a:solidFill>
+                <a:latin typeface="Pretendard Medium" panose="02000603000000020004" pitchFamily="2" charset="-127"/>
+                <a:ea typeface="Pretendard Medium" panose="02000603000000020004" pitchFamily="2" charset="-127"/>
+                <a:cs typeface="Pretendard Medium" panose="02000603000000020004" pitchFamily="2" charset="-127"/>
+              </a:rPr>
+              <a:t> </a:t>
+            </a:r>
             <a:endParaRPr lang="en-US" altLang="ko-KR" sz="900" dirty="0">
               <a:solidFill>
                 <a:srgbClr val="D4CFC5"/>
@@ -19733,7 +20144,7 @@
                 <a:ea typeface="Pretendard Medium" panose="02000603000000020004" pitchFamily="2" charset="-127"/>
                 <a:cs typeface="Pretendard Medium" panose="02000603000000020004" pitchFamily="2" charset="-127"/>
               </a:rPr>
-              <a:t>인공 별이 현상 스킬을 대신 시전하는 동안 다른 행동을 할 수 있습니다</a:t>
+              <a:t>인공 별은 직접 조작할 수 없지만</a:t>
             </a:r>
             <a:r>
               <a:rPr lang="en-US" altLang="ko-KR" sz="900" dirty="0">
@@ -19744,7 +20155,29 @@
                 <a:ea typeface="Pretendard Medium" panose="02000603000000020004" pitchFamily="2" charset="-127"/>
                 <a:cs typeface="Pretendard Medium" panose="02000603000000020004" pitchFamily="2" charset="-127"/>
               </a:rPr>
-              <a:t>. </a:t>
+              <a:t>, </a:t>
+            </a:r>
+            <a:r>
+              <a:rPr lang="ko-KR" altLang="en-US" sz="900" dirty="0">
+                <a:solidFill>
+                  <a:srgbClr val="D4CFC5"/>
+                </a:solidFill>
+                <a:latin typeface="Pretendard Medium" panose="02000603000000020004" pitchFamily="2" charset="-127"/>
+                <a:ea typeface="Pretendard Medium" panose="02000603000000020004" pitchFamily="2" charset="-127"/>
+                <a:cs typeface="Pretendard Medium" panose="02000603000000020004" pitchFamily="2" charset="-127"/>
+              </a:rPr>
+              <a:t>형성된 인공 별은 현상 스킬을 대신 시전한 후 자동으로 회수됩니다</a:t>
+            </a:r>
+            <a:r>
+              <a:rPr lang="en-US" altLang="ko-KR" sz="900" dirty="0">
+                <a:solidFill>
+                  <a:srgbClr val="D4CFC5"/>
+                </a:solidFill>
+                <a:latin typeface="Pretendard Medium" panose="02000603000000020004" pitchFamily="2" charset="-127"/>
+                <a:ea typeface="Pretendard Medium" panose="02000603000000020004" pitchFamily="2" charset="-127"/>
+                <a:cs typeface="Pretendard Medium" panose="02000603000000020004" pitchFamily="2" charset="-127"/>
+              </a:rPr>
+              <a:t>.</a:t>
             </a:r>
           </a:p>
           <a:p>
@@ -19762,7 +20195,7 @@
                 <a:ea typeface="Pretendard Medium" panose="02000603000000020004" pitchFamily="2" charset="-127"/>
                 <a:cs typeface="Pretendard Medium" panose="02000603000000020004" pitchFamily="2" charset="-127"/>
               </a:rPr>
-              <a:t>단</a:t>
+              <a:t>인공 별이 현상 스킬을 대신 시전하는 동안 캐릭터는 다른 행동을 할 수 있지만</a:t>
             </a:r>
             <a:r>
               <a:rPr lang="en-US" altLang="ko-KR" sz="900" dirty="0">
@@ -19784,16 +20217,19 @@
                 <a:ea typeface="Pretendard Medium" panose="02000603000000020004" pitchFamily="2" charset="-127"/>
                 <a:cs typeface="Pretendard Medium" panose="02000603000000020004" pitchFamily="2" charset="-127"/>
               </a:rPr>
-              <a:t>현상 스킬은 스킬을 시전할 인공 별이 회수되어 있을 때만 사용 가능합니다</a:t>
-            </a:r>
-            <a:endParaRPr lang="en-US" altLang="ko-KR" sz="900" dirty="0">
-              <a:solidFill>
-                <a:srgbClr val="D4CFC5"/>
-              </a:solidFill>
-              <a:latin typeface="Pretendard Medium" panose="02000603000000020004" pitchFamily="2" charset="-127"/>
-              <a:ea typeface="Pretendard Medium" panose="02000603000000020004" pitchFamily="2" charset="-127"/>
-              <a:cs typeface="Pretendard Medium" panose="02000603000000020004" pitchFamily="2" charset="-127"/>
-            </a:endParaRPr>
+              <a:t>현상 스킬은 인공 별이 회수되어 있을 때만 사용할 수 있습니다</a:t>
+            </a:r>
+            <a:r>
+              <a:rPr lang="en-US" altLang="ko-KR" sz="900" dirty="0">
+                <a:solidFill>
+                  <a:srgbClr val="D4CFC5"/>
+                </a:solidFill>
+                <a:latin typeface="Pretendard Medium" panose="02000603000000020004" pitchFamily="2" charset="-127"/>
+                <a:ea typeface="Pretendard Medium" panose="02000603000000020004" pitchFamily="2" charset="-127"/>
+                <a:cs typeface="Pretendard Medium" panose="02000603000000020004" pitchFamily="2" charset="-127"/>
+              </a:rPr>
+              <a:t>.</a:t>
+            </a:r>
           </a:p>
           <a:p>
             <a:pPr>
@@ -19801,31 +20237,16 @@
                 <a:spcPts val="300"/>
               </a:spcAft>
             </a:pPr>
-            <a:endParaRPr lang="en-US" altLang="ko-KR" sz="900" dirty="0">
-              <a:solidFill>
-                <a:srgbClr val="D4CFC5"/>
-              </a:solidFill>
-              <a:latin typeface="Pretendard Medium" panose="02000603000000020004" pitchFamily="2" charset="-127"/>
-              <a:ea typeface="Pretendard Medium" panose="02000603000000020004" pitchFamily="2" charset="-127"/>
-              <a:cs typeface="Pretendard Medium" panose="02000603000000020004" pitchFamily="2" charset="-127"/>
-            </a:endParaRPr>
-          </a:p>
-          <a:p>
-            <a:pPr>
-              <a:spcAft>
-                <a:spcPts val="300"/>
-              </a:spcAft>
-            </a:pPr>
-            <a:r>
-              <a:rPr lang="ko-KR" altLang="en-US" sz="900" dirty="0">
-                <a:solidFill>
-                  <a:srgbClr val="D4CFC5"/>
-                </a:solidFill>
-                <a:latin typeface="Pretendard Medium" panose="02000603000000020004" pitchFamily="2" charset="-127"/>
-                <a:ea typeface="Pretendard Medium" panose="02000603000000020004" pitchFamily="2" charset="-127"/>
-                <a:cs typeface="Pretendard Medium" panose="02000603000000020004" pitchFamily="2" charset="-127"/>
-              </a:rPr>
-              <a:t>인공 별의 시전 속도는 공격 속도에</a:t>
+            <a:r>
+              <a:rPr lang="ko-KR" altLang="en-US" sz="900" dirty="0">
+                <a:solidFill>
+                  <a:srgbClr val="D4CFC5"/>
+                </a:solidFill>
+                <a:latin typeface="Pretendard Medium" panose="02000603000000020004" pitchFamily="2" charset="-127"/>
+                <a:ea typeface="Pretendard Medium" panose="02000603000000020004" pitchFamily="2" charset="-127"/>
+                <a:cs typeface="Pretendard Medium" panose="02000603000000020004" pitchFamily="2" charset="-127"/>
+              </a:rPr>
+              <a:t>인공 별의 시전 속도는 캐릭터의 공격 속도에</a:t>
             </a:r>
             <a:r>
               <a:rPr lang="en-US" altLang="ko-KR" sz="900" dirty="0">
@@ -19836,18 +20257,18 @@
                 <a:ea typeface="Pretendard Medium" panose="02000603000000020004" pitchFamily="2" charset="-127"/>
                 <a:cs typeface="Pretendard Medium" panose="02000603000000020004" pitchFamily="2" charset="-127"/>
               </a:rPr>
-              <a:t>, </a:t>
-            </a:r>
-            <a:r>
-              <a:rPr lang="ko-KR" altLang="en-US" sz="900" dirty="0">
-                <a:solidFill>
-                  <a:srgbClr val="D4CFC5"/>
-                </a:solidFill>
-                <a:latin typeface="Pretendard Medium" panose="02000603000000020004" pitchFamily="2" charset="-127"/>
-                <a:ea typeface="Pretendard Medium" panose="02000603000000020004" pitchFamily="2" charset="-127"/>
-                <a:cs typeface="Pretendard Medium" panose="02000603000000020004" pitchFamily="2" charset="-127"/>
-              </a:rPr>
-              <a:t>인공 별의 회수 속도는 이동 속도에 비례합니다</a:t>
+              <a:t> </a:t>
+            </a:r>
+            <a:r>
+              <a:rPr lang="ko-KR" altLang="en-US" sz="900" dirty="0">
+                <a:solidFill>
+                  <a:srgbClr val="D4CFC5"/>
+                </a:solidFill>
+                <a:latin typeface="Pretendard Medium" panose="02000603000000020004" pitchFamily="2" charset="-127"/>
+                <a:ea typeface="Pretendard Medium" panose="02000603000000020004" pitchFamily="2" charset="-127"/>
+                <a:cs typeface="Pretendard Medium" panose="02000603000000020004" pitchFamily="2" charset="-127"/>
+              </a:rPr>
+              <a:t>비례합니다</a:t>
             </a:r>
             <a:r>
               <a:rPr lang="en-US" altLang="ko-KR" sz="900" dirty="0">
@@ -19877,8 +20298,8 @@
         </p:nvSpPr>
         <p:spPr>
           <a:xfrm>
-            <a:off x="0" y="1782657"/>
-            <a:ext cx="2927702" cy="407804"/>
+            <a:off x="0" y="1308791"/>
+            <a:ext cx="4238959" cy="407804"/>
           </a:xfrm>
           <a:prstGeom prst="rect">
             <a:avLst/>
@@ -19916,7 +20337,7 @@
                 <a:ea typeface="Pretendard Medium" panose="02000603000000020004" pitchFamily="2" charset="-127"/>
                 <a:cs typeface="Pretendard Medium" panose="02000603000000020004" pitchFamily="2" charset="-127"/>
               </a:rPr>
-              <a:t>인공별 강화      </a:t>
+              <a:t>등가 교환      </a:t>
             </a:r>
             <a:r>
               <a:rPr lang="en-US" altLang="ko-KR" sz="900" dirty="0">
@@ -19949,7 +20370,7 @@
                 <a:ea typeface="Pretendard Medium" panose="02000603000000020004" pitchFamily="2" charset="-127"/>
                 <a:cs typeface="Pretendard Medium" panose="02000603000000020004" pitchFamily="2" charset="-127"/>
               </a:rPr>
-              <a:t>신속 스탯 사용할 수 있게</a:t>
+              <a:t>현상 스킬 강화</a:t>
             </a:r>
             <a:endParaRPr lang="en-US" altLang="ko-KR" sz="900" dirty="0">
               <a:solidFill>
@@ -19975,7 +20396,73 @@
                 <a:ea typeface="Pretendard Medium" panose="02000603000000020004" pitchFamily="2" charset="-127"/>
                 <a:cs typeface="Pretendard Medium" panose="02000603000000020004" pitchFamily="2" charset="-127"/>
               </a:rPr>
-              <a:t>인공 별이 현상 스킬을 시전할 때 치명타 적중률이 증가합니다</a:t>
+              <a:t>현상 스킬의 피해량이 </a:t>
+            </a:r>
+            <a:r>
+              <a:rPr lang="en-US" altLang="ko-KR" sz="900" dirty="0">
+                <a:solidFill>
+                  <a:srgbClr val="D4CFC5"/>
+                </a:solidFill>
+                <a:latin typeface="Pretendard Medium" panose="02000603000000020004" pitchFamily="2" charset="-127"/>
+                <a:ea typeface="Pretendard Medium" panose="02000603000000020004" pitchFamily="2" charset="-127"/>
+                <a:cs typeface="Pretendard Medium" panose="02000603000000020004" pitchFamily="2" charset="-127"/>
+              </a:rPr>
+              <a:t>10/20/30% </a:t>
+            </a:r>
+            <a:r>
+              <a:rPr lang="ko-KR" altLang="en-US" sz="900" dirty="0">
+                <a:solidFill>
+                  <a:srgbClr val="D4CFC5"/>
+                </a:solidFill>
+                <a:latin typeface="Pretendard Medium" panose="02000603000000020004" pitchFamily="2" charset="-127"/>
+                <a:ea typeface="Pretendard Medium" panose="02000603000000020004" pitchFamily="2" charset="-127"/>
+                <a:cs typeface="Pretendard Medium" panose="02000603000000020004" pitchFamily="2" charset="-127"/>
+              </a:rPr>
+              <a:t>증가하지만</a:t>
+            </a:r>
+            <a:r>
+              <a:rPr lang="en-US" altLang="ko-KR" sz="900" dirty="0">
+                <a:solidFill>
+                  <a:srgbClr val="D4CFC5"/>
+                </a:solidFill>
+                <a:latin typeface="Pretendard Medium" panose="02000603000000020004" pitchFamily="2" charset="-127"/>
+                <a:ea typeface="Pretendard Medium" panose="02000603000000020004" pitchFamily="2" charset="-127"/>
+                <a:cs typeface="Pretendard Medium" panose="02000603000000020004" pitchFamily="2" charset="-127"/>
+              </a:rPr>
+              <a:t>, </a:t>
+            </a:r>
+            <a:r>
+              <a:rPr lang="ko-KR" altLang="en-US" sz="900" dirty="0">
+                <a:solidFill>
+                  <a:srgbClr val="D4CFC5"/>
+                </a:solidFill>
+                <a:latin typeface="Pretendard Medium" panose="02000603000000020004" pitchFamily="2" charset="-127"/>
+                <a:ea typeface="Pretendard Medium" panose="02000603000000020004" pitchFamily="2" charset="-127"/>
+                <a:cs typeface="Pretendard Medium" panose="02000603000000020004" pitchFamily="2" charset="-127"/>
+              </a:rPr>
+              <a:t>재사용 대기 시간이 </a:t>
+            </a:r>
+            <a:r>
+              <a:rPr lang="en-US" altLang="ko-KR" sz="900" dirty="0">
+                <a:solidFill>
+                  <a:srgbClr val="D4CFC5"/>
+                </a:solidFill>
+                <a:latin typeface="Pretendard Medium" panose="02000603000000020004" pitchFamily="2" charset="-127"/>
+                <a:ea typeface="Pretendard Medium" panose="02000603000000020004" pitchFamily="2" charset="-127"/>
+                <a:cs typeface="Pretendard Medium" panose="02000603000000020004" pitchFamily="2" charset="-127"/>
+              </a:rPr>
+              <a:t>20/15/10%</a:t>
+            </a:r>
+            <a:r>
+              <a:rPr lang="ko-KR" altLang="en-US" sz="900" dirty="0">
+                <a:solidFill>
+                  <a:srgbClr val="D4CFC5"/>
+                </a:solidFill>
+                <a:latin typeface="Pretendard Medium" panose="02000603000000020004" pitchFamily="2" charset="-127"/>
+                <a:ea typeface="Pretendard Medium" panose="02000603000000020004" pitchFamily="2" charset="-127"/>
+                <a:cs typeface="Pretendard Medium" panose="02000603000000020004" pitchFamily="2" charset="-127"/>
+              </a:rPr>
+              <a:t> 증가한다</a:t>
             </a:r>
             <a:r>
               <a:rPr lang="en-US" altLang="ko-KR" sz="900" dirty="0">
@@ -20005,8 +20492,8 @@
         </p:nvSpPr>
         <p:spPr>
           <a:xfrm>
-            <a:off x="0" y="4748032"/>
-            <a:ext cx="6595373" cy="938719"/>
+            <a:off x="0" y="4000364"/>
+            <a:ext cx="6526443" cy="1292662"/>
           </a:xfrm>
           <a:prstGeom prst="rect">
             <a:avLst/>
@@ -20044,7 +20531,7 @@
                 <a:ea typeface="Pretendard Medium" panose="02000603000000020004" pitchFamily="2" charset="-127"/>
                 <a:cs typeface="Pretendard Medium" panose="02000603000000020004" pitchFamily="2" charset="-127"/>
               </a:rPr>
-              <a:t>등가교환</a:t>
+              <a:t>흐름</a:t>
             </a:r>
             <a:r>
               <a:rPr lang="en-US" altLang="ko-KR" sz="900" dirty="0">
@@ -20099,7 +20586,29 @@
                 <a:ea typeface="Pretendard Medium" panose="02000603000000020004" pitchFamily="2" charset="-127"/>
                 <a:cs typeface="Pretendard Medium" panose="02000603000000020004" pitchFamily="2" charset="-127"/>
               </a:rPr>
-              <a:t>클러스터 강화</a:t>
+              <a:t>순행</a:t>
+            </a:r>
+            <a:r>
+              <a:rPr lang="en-US" altLang="ko-KR" sz="900" dirty="0">
+                <a:solidFill>
+                  <a:srgbClr val="FFFF00"/>
+                </a:solidFill>
+                <a:latin typeface="Pretendard Medium" panose="02000603000000020004" pitchFamily="2" charset="-127"/>
+                <a:ea typeface="Pretendard Medium" panose="02000603000000020004" pitchFamily="2" charset="-127"/>
+                <a:cs typeface="Pretendard Medium" panose="02000603000000020004" pitchFamily="2" charset="-127"/>
+              </a:rPr>
+              <a:t>/</a:t>
+            </a:r>
+            <a:r>
+              <a:rPr lang="ko-KR" altLang="en-US" sz="900" dirty="0">
+                <a:solidFill>
+                  <a:srgbClr val="FFFF00"/>
+                </a:solidFill>
+                <a:latin typeface="Pretendard Medium" panose="02000603000000020004" pitchFamily="2" charset="-127"/>
+                <a:ea typeface="Pretendard Medium" panose="02000603000000020004" pitchFamily="2" charset="-127"/>
+                <a:cs typeface="Pretendard Medium" panose="02000603000000020004" pitchFamily="2" charset="-127"/>
+              </a:rPr>
+              <a:t>역행 컨셉</a:t>
             </a:r>
             <a:endParaRPr lang="en-US" altLang="ko-KR" sz="900" dirty="0">
               <a:solidFill>
@@ -20125,7 +20634,7 @@
                 <a:ea typeface="Pretendard Medium" panose="02000603000000020004" pitchFamily="2" charset="-127"/>
                 <a:cs typeface="Pretendard Medium" panose="02000603000000020004" pitchFamily="2" charset="-127"/>
               </a:rPr>
-              <a:t>순행 효과로 소모한 게이지 만큼 암흑 에너지가 차오르며 암흑 에너지가 모든 게이지를 차지하게 되면 피해량이 감소합니다</a:t>
+              <a:t>인공 별을 </a:t>
             </a:r>
             <a:r>
               <a:rPr lang="en-US" altLang="ko-KR" sz="900" dirty="0">
@@ -20136,7 +20645,234 @@
                 <a:ea typeface="Pretendard Medium" panose="02000603000000020004" pitchFamily="2" charset="-127"/>
                 <a:cs typeface="Pretendard Medium" panose="02000603000000020004" pitchFamily="2" charset="-127"/>
               </a:rPr>
-              <a:t>.</a:t>
+              <a:t>8</a:t>
+            </a:r>
+            <a:r>
+              <a:rPr lang="ko-KR" altLang="en-US" sz="900" dirty="0">
+                <a:solidFill>
+                  <a:srgbClr val="D4CFC5"/>
+                </a:solidFill>
+                <a:latin typeface="Pretendard Medium" panose="02000603000000020004" pitchFamily="2" charset="-127"/>
+                <a:ea typeface="Pretendard Medium" panose="02000603000000020004" pitchFamily="2" charset="-127"/>
+                <a:cs typeface="Pretendard Medium" panose="02000603000000020004" pitchFamily="2" charset="-127"/>
+              </a:rPr>
+              <a:t>개 형성하며</a:t>
+            </a:r>
+            <a:r>
+              <a:rPr lang="en-US" altLang="ko-KR" sz="900" dirty="0">
+                <a:solidFill>
+                  <a:srgbClr val="D4CFC5"/>
+                </a:solidFill>
+                <a:latin typeface="Pretendard Medium" panose="02000603000000020004" pitchFamily="2" charset="-127"/>
+                <a:ea typeface="Pretendard Medium" panose="02000603000000020004" pitchFamily="2" charset="-127"/>
+                <a:cs typeface="Pretendard Medium" panose="02000603000000020004" pitchFamily="2" charset="-127"/>
+              </a:rPr>
+              <a:t>, </a:t>
+            </a:r>
+            <a:r>
+              <a:rPr lang="ko-KR" altLang="en-US" sz="900" dirty="0">
+                <a:solidFill>
+                  <a:srgbClr val="D4CFC5"/>
+                </a:solidFill>
+                <a:latin typeface="Pretendard Medium" panose="02000603000000020004" pitchFamily="2" charset="-127"/>
+                <a:ea typeface="Pretendard Medium" panose="02000603000000020004" pitchFamily="2" charset="-127"/>
+                <a:cs typeface="Pretendard Medium" panose="02000603000000020004" pitchFamily="2" charset="-127"/>
+              </a:rPr>
+              <a:t>스킬에 따라 시전에 필요한 인공 별이 달라집니다</a:t>
+            </a:r>
+            <a:r>
+              <a:rPr lang="en-US" altLang="ko-KR" sz="900" dirty="0">
+                <a:solidFill>
+                  <a:srgbClr val="D4CFC5"/>
+                </a:solidFill>
+                <a:latin typeface="Pretendard Medium" panose="02000603000000020004" pitchFamily="2" charset="-127"/>
+                <a:ea typeface="Pretendard Medium" panose="02000603000000020004" pitchFamily="2" charset="-127"/>
+                <a:cs typeface="Pretendard Medium" panose="02000603000000020004" pitchFamily="2" charset="-127"/>
+              </a:rPr>
+              <a:t>. (</a:t>
+            </a:r>
+            <a:r>
+              <a:rPr lang="ko-KR" altLang="en-US" sz="900" dirty="0">
+                <a:solidFill>
+                  <a:srgbClr val="D4CFC5"/>
+                </a:solidFill>
+                <a:latin typeface="Pretendard Medium" panose="02000603000000020004" pitchFamily="2" charset="-127"/>
+                <a:ea typeface="Pretendard Medium" panose="02000603000000020004" pitchFamily="2" charset="-127"/>
+                <a:cs typeface="Pretendard Medium" panose="02000603000000020004" pitchFamily="2" charset="-127"/>
+              </a:rPr>
+              <a:t>최대 </a:t>
+            </a:r>
+            <a:r>
+              <a:rPr lang="en-US" altLang="ko-KR" sz="900" dirty="0">
+                <a:solidFill>
+                  <a:srgbClr val="D4CFC5"/>
+                </a:solidFill>
+                <a:latin typeface="Pretendard Medium" panose="02000603000000020004" pitchFamily="2" charset="-127"/>
+                <a:ea typeface="Pretendard Medium" panose="02000603000000020004" pitchFamily="2" charset="-127"/>
+                <a:cs typeface="Pretendard Medium" panose="02000603000000020004" pitchFamily="2" charset="-127"/>
+              </a:rPr>
+              <a:t>5</a:t>
+            </a:r>
+            <a:r>
+              <a:rPr lang="ko-KR" altLang="en-US" sz="900" dirty="0">
+                <a:solidFill>
+                  <a:srgbClr val="D4CFC5"/>
+                </a:solidFill>
+                <a:latin typeface="Pretendard Medium" panose="02000603000000020004" pitchFamily="2" charset="-127"/>
+                <a:ea typeface="Pretendard Medium" panose="02000603000000020004" pitchFamily="2" charset="-127"/>
+                <a:cs typeface="Pretendard Medium" panose="02000603000000020004" pitchFamily="2" charset="-127"/>
+              </a:rPr>
+              <a:t>개</a:t>
+            </a:r>
+            <a:r>
+              <a:rPr lang="en-US" altLang="ko-KR" sz="900" dirty="0">
+                <a:solidFill>
+                  <a:srgbClr val="D4CFC5"/>
+                </a:solidFill>
+                <a:latin typeface="Pretendard Medium" panose="02000603000000020004" pitchFamily="2" charset="-127"/>
+                <a:ea typeface="Pretendard Medium" panose="02000603000000020004" pitchFamily="2" charset="-127"/>
+                <a:cs typeface="Pretendard Medium" panose="02000603000000020004" pitchFamily="2" charset="-127"/>
+              </a:rPr>
+              <a:t>, </a:t>
+            </a:r>
+            <a:r>
+              <a:rPr lang="ko-KR" altLang="en-US" sz="900" dirty="0">
+                <a:solidFill>
+                  <a:srgbClr val="D4CFC5"/>
+                </a:solidFill>
+                <a:latin typeface="Pretendard Medium" panose="02000603000000020004" pitchFamily="2" charset="-127"/>
+                <a:ea typeface="Pretendard Medium" panose="02000603000000020004" pitchFamily="2" charset="-127"/>
+                <a:cs typeface="Pretendard Medium" panose="02000603000000020004" pitchFamily="2" charset="-127"/>
+              </a:rPr>
+              <a:t>스킬의 기본 재사용 대기 시간에 비례</a:t>
+            </a:r>
+            <a:r>
+              <a:rPr lang="en-US" altLang="ko-KR" sz="900" dirty="0">
+                <a:solidFill>
+                  <a:srgbClr val="D4CFC5"/>
+                </a:solidFill>
+                <a:latin typeface="Pretendard Medium" panose="02000603000000020004" pitchFamily="2" charset="-127"/>
+                <a:ea typeface="Pretendard Medium" panose="02000603000000020004" pitchFamily="2" charset="-127"/>
+                <a:cs typeface="Pretendard Medium" panose="02000603000000020004" pitchFamily="2" charset="-127"/>
+              </a:rPr>
+              <a:t>)</a:t>
+            </a:r>
+          </a:p>
+          <a:p>
+            <a:pPr>
+              <a:spcAft>
+                <a:spcPts val="300"/>
+              </a:spcAft>
+            </a:pPr>
+            <a:r>
+              <a:rPr lang="ko-KR" altLang="en-US" sz="900" dirty="0">
+                <a:solidFill>
+                  <a:srgbClr val="D4CFC5"/>
+                </a:solidFill>
+                <a:latin typeface="Pretendard Medium" panose="02000603000000020004" pitchFamily="2" charset="-127"/>
+                <a:ea typeface="Pretendard Medium" panose="02000603000000020004" pitchFamily="2" charset="-127"/>
+                <a:cs typeface="Pretendard Medium" panose="02000603000000020004" pitchFamily="2" charset="-127"/>
+              </a:rPr>
+              <a:t>이에 따라 구현 게이지도 </a:t>
+            </a:r>
+            <a:r>
+              <a:rPr lang="en-US" altLang="ko-KR" sz="900" dirty="0">
+                <a:solidFill>
+                  <a:srgbClr val="D4CFC5"/>
+                </a:solidFill>
+                <a:latin typeface="Pretendard Medium" panose="02000603000000020004" pitchFamily="2" charset="-127"/>
+                <a:ea typeface="Pretendard Medium" panose="02000603000000020004" pitchFamily="2" charset="-127"/>
+                <a:cs typeface="Pretendard Medium" panose="02000603000000020004" pitchFamily="2" charset="-127"/>
+              </a:rPr>
+              <a:t>8</a:t>
+            </a:r>
+            <a:r>
+              <a:rPr lang="ko-KR" altLang="en-US" sz="900" dirty="0">
+                <a:solidFill>
+                  <a:srgbClr val="D4CFC5"/>
+                </a:solidFill>
+                <a:latin typeface="Pretendard Medium" panose="02000603000000020004" pitchFamily="2" charset="-127"/>
+                <a:ea typeface="Pretendard Medium" panose="02000603000000020004" pitchFamily="2" charset="-127"/>
+                <a:cs typeface="Pretendard Medium" panose="02000603000000020004" pitchFamily="2" charset="-127"/>
+              </a:rPr>
+              <a:t>칸으로 증가하며</a:t>
+            </a:r>
+            <a:r>
+              <a:rPr lang="en-US" altLang="ko-KR" sz="900" dirty="0">
+                <a:solidFill>
+                  <a:srgbClr val="D4CFC5"/>
+                </a:solidFill>
+                <a:latin typeface="Pretendard Medium" panose="02000603000000020004" pitchFamily="2" charset="-127"/>
+                <a:ea typeface="Pretendard Medium" panose="02000603000000020004" pitchFamily="2" charset="-127"/>
+                <a:cs typeface="Pretendard Medium" panose="02000603000000020004" pitchFamily="2" charset="-127"/>
+              </a:rPr>
+              <a:t>, </a:t>
+            </a:r>
+            <a:r>
+              <a:rPr lang="ko-KR" altLang="en-US" sz="900" dirty="0">
+                <a:solidFill>
+                  <a:srgbClr val="D4CFC5"/>
+                </a:solidFill>
+                <a:latin typeface="Pretendard Medium" panose="02000603000000020004" pitchFamily="2" charset="-127"/>
+                <a:ea typeface="Pretendard Medium" panose="02000603000000020004" pitchFamily="2" charset="-127"/>
+                <a:cs typeface="Pretendard Medium" panose="02000603000000020004" pitchFamily="2" charset="-127"/>
+              </a:rPr>
+              <a:t>인공 별 </a:t>
+            </a:r>
+            <a:r>
+              <a:rPr lang="en-US" altLang="ko-KR" sz="900" dirty="0">
+                <a:solidFill>
+                  <a:srgbClr val="D4CFC5"/>
+                </a:solidFill>
+                <a:latin typeface="Pretendard Medium" panose="02000603000000020004" pitchFamily="2" charset="-127"/>
+                <a:ea typeface="Pretendard Medium" panose="02000603000000020004" pitchFamily="2" charset="-127"/>
+                <a:cs typeface="Pretendard Medium" panose="02000603000000020004" pitchFamily="2" charset="-127"/>
+              </a:rPr>
+              <a:t>1</a:t>
+            </a:r>
+            <a:r>
+              <a:rPr lang="ko-KR" altLang="en-US" sz="900" dirty="0">
+                <a:solidFill>
+                  <a:srgbClr val="D4CFC5"/>
+                </a:solidFill>
+                <a:latin typeface="Pretendard Medium" panose="02000603000000020004" pitchFamily="2" charset="-127"/>
+                <a:ea typeface="Pretendard Medium" panose="02000603000000020004" pitchFamily="2" charset="-127"/>
+                <a:cs typeface="Pretendard Medium" panose="02000603000000020004" pitchFamily="2" charset="-127"/>
+              </a:rPr>
+              <a:t>개당 </a:t>
+            </a:r>
+            <a:r>
+              <a:rPr lang="en-US" altLang="ko-KR" sz="900" dirty="0">
+                <a:solidFill>
+                  <a:srgbClr val="D4CFC5"/>
+                </a:solidFill>
+                <a:latin typeface="Pretendard Medium" panose="02000603000000020004" pitchFamily="2" charset="-127"/>
+                <a:ea typeface="Pretendard Medium" panose="02000603000000020004" pitchFamily="2" charset="-127"/>
+                <a:cs typeface="Pretendard Medium" panose="02000603000000020004" pitchFamily="2" charset="-127"/>
+              </a:rPr>
+              <a:t>1</a:t>
+            </a:r>
+            <a:r>
+              <a:rPr lang="ko-KR" altLang="en-US" sz="900" dirty="0">
+                <a:solidFill>
+                  <a:srgbClr val="D4CFC5"/>
+                </a:solidFill>
+                <a:latin typeface="Pretendard Medium" panose="02000603000000020004" pitchFamily="2" charset="-127"/>
+                <a:ea typeface="Pretendard Medium" panose="02000603000000020004" pitchFamily="2" charset="-127"/>
+                <a:cs typeface="Pretendard Medium" panose="02000603000000020004" pitchFamily="2" charset="-127"/>
+              </a:rPr>
+              <a:t>개의 구현 게이지를 소모합니다</a:t>
+            </a:r>
+            <a:r>
+              <a:rPr lang="en-US" altLang="ko-KR" sz="900" dirty="0">
+                <a:solidFill>
+                  <a:srgbClr val="D4CFC5"/>
+                </a:solidFill>
+                <a:latin typeface="Pretendard Medium" panose="02000603000000020004" pitchFamily="2" charset="-127"/>
+                <a:ea typeface="Pretendard Medium" panose="02000603000000020004" pitchFamily="2" charset="-127"/>
+                <a:cs typeface="Pretendard Medium" panose="02000603000000020004" pitchFamily="2" charset="-127"/>
+              </a:rPr>
+              <a:t>. </a:t>
             </a:r>
           </a:p>
           <a:p>
@@ -20169,7 +20905,7 @@
                 <a:ea typeface="Pretendard Medium" panose="02000603000000020004" pitchFamily="2" charset="-127"/>
                 <a:cs typeface="Pretendard Medium" panose="02000603000000020004" pitchFamily="2" charset="-127"/>
               </a:rPr>
-              <a:t>공격 적중으로 인한 게이지 회복이 불가능해지지만</a:t>
+              <a:t>인공 별이 현상 스킬을 시전할 때 순행 효과가 발생하며 게이지를 소모합니다</a:t>
             </a:r>
             <a:r>
               <a:rPr lang="en-US" altLang="ko-KR" sz="900" dirty="0">
@@ -20180,18 +20916,18 @@
                 <a:ea typeface="Pretendard Medium" panose="02000603000000020004" pitchFamily="2" charset="-127"/>
                 <a:cs typeface="Pretendard Medium" panose="02000603000000020004" pitchFamily="2" charset="-127"/>
               </a:rPr>
-              <a:t>, </a:t>
-            </a:r>
-            <a:r>
-              <a:rPr lang="ko-KR" altLang="en-US" sz="900" dirty="0">
-                <a:solidFill>
-                  <a:srgbClr val="D4CFC5"/>
-                </a:solidFill>
-                <a:latin typeface="Pretendard Medium" panose="02000603000000020004" pitchFamily="2" charset="-127"/>
-                <a:ea typeface="Pretendard Medium" panose="02000603000000020004" pitchFamily="2" charset="-127"/>
-                <a:cs typeface="Pretendard Medium" panose="02000603000000020004" pitchFamily="2" charset="-127"/>
-              </a:rPr>
-              <a:t>순행 효과가 적용되어 있는 동안 별자리 스킬 시전 시 일정한 수 만큼 게이지가 회복됩니다</a:t>
+              <a:t>. </a:t>
+            </a:r>
+            <a:r>
+              <a:rPr lang="ko-KR" altLang="en-US" sz="900" dirty="0">
+                <a:solidFill>
+                  <a:srgbClr val="D4CFC5"/>
+                </a:solidFill>
+                <a:latin typeface="Pretendard Medium" panose="02000603000000020004" pitchFamily="2" charset="-127"/>
+                <a:ea typeface="Pretendard Medium" panose="02000603000000020004" pitchFamily="2" charset="-127"/>
+                <a:cs typeface="Pretendard Medium" panose="02000603000000020004" pitchFamily="2" charset="-127"/>
+              </a:rPr>
+              <a:t>소모한 게이지 개수에 비례하여 현상 스킬의 피해량이 증가합니다</a:t>
             </a:r>
             <a:r>
               <a:rPr lang="en-US" altLang="ko-KR" sz="900" dirty="0">
@@ -20219,6 +20955,57 @@
               <a:ea typeface="Pretendard Medium" panose="02000603000000020004" pitchFamily="2" charset="-127"/>
               <a:cs typeface="Pretendard Medium" panose="02000603000000020004" pitchFamily="2" charset="-127"/>
             </a:endParaRPr>
+          </a:p>
+          <a:p>
+            <a:pPr>
+              <a:spcAft>
+                <a:spcPts val="300"/>
+              </a:spcAft>
+            </a:pPr>
+            <a:r>
+              <a:rPr lang="ko-KR" altLang="en-US" sz="900" dirty="0">
+                <a:solidFill>
+                  <a:srgbClr val="D4CFC5"/>
+                </a:solidFill>
+                <a:latin typeface="Pretendard Medium" panose="02000603000000020004" pitchFamily="2" charset="-127"/>
+                <a:ea typeface="Pretendard Medium" panose="02000603000000020004" pitchFamily="2" charset="-127"/>
+                <a:cs typeface="Pretendard Medium" panose="02000603000000020004" pitchFamily="2" charset="-127"/>
+              </a:rPr>
+              <a:t>순행 효과로 소모한 게이지 만큼 암흑 에너지가 차오르며 암흑 에너지가 모든 게이지를 차지하게 되면 모든 피해량이 </a:t>
+            </a:r>
+            <a:r>
+              <a:rPr lang="en-US" altLang="ko-KR" sz="900" dirty="0">
+                <a:solidFill>
+                  <a:srgbClr val="D4CFC5"/>
+                </a:solidFill>
+                <a:latin typeface="Pretendard Medium" panose="02000603000000020004" pitchFamily="2" charset="-127"/>
+                <a:ea typeface="Pretendard Medium" panose="02000603000000020004" pitchFamily="2" charset="-127"/>
+                <a:cs typeface="Pretendard Medium" panose="02000603000000020004" pitchFamily="2" charset="-127"/>
+              </a:rPr>
+              <a:t>50% </a:t>
+            </a:r>
+            <a:r>
+              <a:rPr lang="ko-KR" altLang="en-US" sz="900" dirty="0">
+                <a:solidFill>
+                  <a:srgbClr val="D4CFC5"/>
+                </a:solidFill>
+                <a:latin typeface="Pretendard Medium" panose="02000603000000020004" pitchFamily="2" charset="-127"/>
+                <a:ea typeface="Pretendard Medium" panose="02000603000000020004" pitchFamily="2" charset="-127"/>
+                <a:cs typeface="Pretendard Medium" panose="02000603000000020004" pitchFamily="2" charset="-127"/>
+              </a:rPr>
+              <a:t>감소합니다</a:t>
+            </a:r>
+            <a:r>
+              <a:rPr lang="en-US" altLang="ko-KR" sz="900" dirty="0">
+                <a:solidFill>
+                  <a:srgbClr val="D4CFC5"/>
+                </a:solidFill>
+                <a:latin typeface="Pretendard Medium" panose="02000603000000020004" pitchFamily="2" charset="-127"/>
+                <a:ea typeface="Pretendard Medium" panose="02000603000000020004" pitchFamily="2" charset="-127"/>
+                <a:cs typeface="Pretendard Medium" panose="02000603000000020004" pitchFamily="2" charset="-127"/>
+              </a:rPr>
+              <a:t>.</a:t>
+            </a:r>
           </a:p>
         </p:txBody>
       </p:sp>
@@ -20236,8 +21023,8 @@
         </p:nvSpPr>
         <p:spPr>
           <a:xfrm>
-            <a:off x="0" y="2663405"/>
-            <a:ext cx="7452979" cy="1115690"/>
+            <a:off x="0" y="2211819"/>
+            <a:ext cx="6510413" cy="584775"/>
           </a:xfrm>
           <a:prstGeom prst="rect">
             <a:avLst/>
@@ -20297,8 +21084,16 @@
                 <a:ea typeface="Pretendard Medium" panose="02000603000000020004" pitchFamily="2" charset="-127"/>
                 <a:cs typeface="Pretendard Medium" panose="02000603000000020004" pitchFamily="2" charset="-127"/>
               </a:rPr>
-              <a:t>양상 기록의 불편함 해소 </a:t>
-            </a:r>
+              <a:t>현상 스킬 강화</a:t>
+            </a:r>
+            <a:endParaRPr lang="en-US" altLang="ko-KR" sz="900" dirty="0">
+              <a:solidFill>
+                <a:srgbClr val="FFFF00"/>
+              </a:solidFill>
+              <a:latin typeface="Pretendard Medium" panose="02000603000000020004" pitchFamily="2" charset="-127"/>
+              <a:ea typeface="Pretendard Medium" panose="02000603000000020004" pitchFamily="2" charset="-127"/>
+              <a:cs typeface="Pretendard Medium" panose="02000603000000020004" pitchFamily="2" charset="-127"/>
+            </a:endParaRPr>
           </a:p>
           <a:p>
             <a:pPr>
@@ -20315,7 +21110,7 @@
                 <a:ea typeface="Pretendard Medium" panose="02000603000000020004" pitchFamily="2" charset="-127"/>
                 <a:cs typeface="Pretendard Medium" panose="02000603000000020004" pitchFamily="2" charset="-127"/>
               </a:rPr>
-              <a:t>인공별이 </a:t>
+              <a:t>인공 별이 현상 스킬을 시전하는 동안 별자리 스킬을 사용하면 추가 피해를 입히고 소모한 게이지의 </a:t>
             </a:r>
             <a:r>
               <a:rPr lang="en-US" altLang="ko-KR" sz="900" dirty="0">
@@ -20326,18 +21121,18 @@
                 <a:ea typeface="Pretendard Medium" panose="02000603000000020004" pitchFamily="2" charset="-127"/>
                 <a:cs typeface="Pretendard Medium" panose="02000603000000020004" pitchFamily="2" charset="-127"/>
               </a:rPr>
-              <a:t>8</a:t>
-            </a:r>
-            <a:r>
-              <a:rPr lang="ko-KR" altLang="en-US" sz="900" dirty="0">
-                <a:solidFill>
-                  <a:srgbClr val="D4CFC5"/>
-                </a:solidFill>
-                <a:latin typeface="Pretendard Medium" panose="02000603000000020004" pitchFamily="2" charset="-127"/>
-                <a:ea typeface="Pretendard Medium" panose="02000603000000020004" pitchFamily="2" charset="-127"/>
-                <a:cs typeface="Pretendard Medium" panose="02000603000000020004" pitchFamily="2" charset="-127"/>
-              </a:rPr>
-              <a:t>개 까지 형성 가능해 지며</a:t>
+              <a:t>30/40/50% </a:t>
+            </a:r>
+            <a:r>
+              <a:rPr lang="ko-KR" altLang="en-US" sz="900" dirty="0">
+                <a:solidFill>
+                  <a:srgbClr val="D4CFC5"/>
+                </a:solidFill>
+                <a:latin typeface="Pretendard Medium" panose="02000603000000020004" pitchFamily="2" charset="-127"/>
+                <a:ea typeface="Pretendard Medium" panose="02000603000000020004" pitchFamily="2" charset="-127"/>
+                <a:cs typeface="Pretendard Medium" panose="02000603000000020004" pitchFamily="2" charset="-127"/>
+              </a:rPr>
+              <a:t>만큼 게이지를 환급 받습니다</a:t>
             </a:r>
             <a:r>
               <a:rPr lang="en-US" altLang="ko-KR" sz="900" dirty="0">
@@ -20348,73 +21143,7 @@
                 <a:ea typeface="Pretendard Medium" panose="02000603000000020004" pitchFamily="2" charset="-127"/>
                 <a:cs typeface="Pretendard Medium" panose="02000603000000020004" pitchFamily="2" charset="-127"/>
               </a:rPr>
-              <a:t>, </a:t>
-            </a:r>
-            <a:r>
-              <a:rPr lang="ko-KR" altLang="en-US" sz="900" dirty="0">
-                <a:solidFill>
-                  <a:srgbClr val="D4CFC5"/>
-                </a:solidFill>
-                <a:latin typeface="Pretendard Medium" panose="02000603000000020004" pitchFamily="2" charset="-127"/>
-                <a:ea typeface="Pretendard Medium" panose="02000603000000020004" pitchFamily="2" charset="-127"/>
-                <a:cs typeface="Pretendard Medium" panose="02000603000000020004" pitchFamily="2" charset="-127"/>
-              </a:rPr>
-              <a:t>스킬에 따라 시전에 필요한 인공 별이 달라집니다</a:t>
-            </a:r>
-            <a:r>
-              <a:rPr lang="en-US" altLang="ko-KR" sz="900" dirty="0">
-                <a:solidFill>
-                  <a:srgbClr val="D4CFC5"/>
-                </a:solidFill>
-                <a:latin typeface="Pretendard Medium" panose="02000603000000020004" pitchFamily="2" charset="-127"/>
-                <a:ea typeface="Pretendard Medium" panose="02000603000000020004" pitchFamily="2" charset="-127"/>
-                <a:cs typeface="Pretendard Medium" panose="02000603000000020004" pitchFamily="2" charset="-127"/>
-              </a:rPr>
-              <a:t>. (</a:t>
-            </a:r>
-            <a:r>
-              <a:rPr lang="ko-KR" altLang="en-US" sz="900" dirty="0">
-                <a:solidFill>
-                  <a:srgbClr val="D4CFC5"/>
-                </a:solidFill>
-                <a:latin typeface="Pretendard Medium" panose="02000603000000020004" pitchFamily="2" charset="-127"/>
-                <a:ea typeface="Pretendard Medium" panose="02000603000000020004" pitchFamily="2" charset="-127"/>
-                <a:cs typeface="Pretendard Medium" panose="02000603000000020004" pitchFamily="2" charset="-127"/>
-              </a:rPr>
-              <a:t>최대 </a:t>
-            </a:r>
-            <a:r>
-              <a:rPr lang="en-US" altLang="ko-KR" sz="900" dirty="0">
-                <a:solidFill>
-                  <a:srgbClr val="D4CFC5"/>
-                </a:solidFill>
-                <a:latin typeface="Pretendard Medium" panose="02000603000000020004" pitchFamily="2" charset="-127"/>
-                <a:ea typeface="Pretendard Medium" panose="02000603000000020004" pitchFamily="2" charset="-127"/>
-                <a:cs typeface="Pretendard Medium" panose="02000603000000020004" pitchFamily="2" charset="-127"/>
-              </a:rPr>
-              <a:t>5</a:t>
-            </a:r>
-            <a:r>
-              <a:rPr lang="ko-KR" altLang="en-US" sz="900" dirty="0">
-                <a:solidFill>
-                  <a:srgbClr val="D4CFC5"/>
-                </a:solidFill>
-                <a:latin typeface="Pretendard Medium" panose="02000603000000020004" pitchFamily="2" charset="-127"/>
-                <a:ea typeface="Pretendard Medium" panose="02000603000000020004" pitchFamily="2" charset="-127"/>
-                <a:cs typeface="Pretendard Medium" panose="02000603000000020004" pitchFamily="2" charset="-127"/>
-              </a:rPr>
-              <a:t>개</a:t>
-            </a:r>
-            <a:r>
-              <a:rPr lang="en-US" altLang="ko-KR" sz="900" dirty="0">
-                <a:solidFill>
-                  <a:srgbClr val="D4CFC5"/>
-                </a:solidFill>
-                <a:latin typeface="Pretendard Medium" panose="02000603000000020004" pitchFamily="2" charset="-127"/>
-                <a:ea typeface="Pretendard Medium" panose="02000603000000020004" pitchFamily="2" charset="-127"/>
-                <a:cs typeface="Pretendard Medium" panose="02000603000000020004" pitchFamily="2" charset="-127"/>
-              </a:rPr>
-              <a:t>)</a:t>
+              <a:t>.</a:t>
             </a:r>
           </a:p>
           <a:p>
@@ -20431,189 +21160,6 @@
               <a:ea typeface="Pretendard Medium" panose="02000603000000020004" pitchFamily="2" charset="-127"/>
               <a:cs typeface="Pretendard Medium" panose="02000603000000020004" pitchFamily="2" charset="-127"/>
             </a:endParaRPr>
-          </a:p>
-          <a:p>
-            <a:pPr>
-              <a:spcAft>
-                <a:spcPts val="300"/>
-              </a:spcAft>
-            </a:pPr>
-            <a:r>
-              <a:rPr lang="ko-KR" altLang="en-US" sz="900" dirty="0">
-                <a:solidFill>
-                  <a:srgbClr val="D4CFC5"/>
-                </a:solidFill>
-                <a:latin typeface="Pretendard Medium" panose="02000603000000020004" pitchFamily="2" charset="-127"/>
-                <a:ea typeface="Pretendard Medium" panose="02000603000000020004" pitchFamily="2" charset="-127"/>
-                <a:cs typeface="Pretendard Medium" panose="02000603000000020004" pitchFamily="2" charset="-127"/>
-              </a:rPr>
-              <a:t>또한</a:t>
-            </a:r>
-            <a:r>
-              <a:rPr lang="en-US" altLang="ko-KR" sz="900" dirty="0">
-                <a:solidFill>
-                  <a:srgbClr val="D4CFC5"/>
-                </a:solidFill>
-                <a:latin typeface="Pretendard Medium" panose="02000603000000020004" pitchFamily="2" charset="-127"/>
-                <a:ea typeface="Pretendard Medium" panose="02000603000000020004" pitchFamily="2" charset="-127"/>
-                <a:cs typeface="Pretendard Medium" panose="02000603000000020004" pitchFamily="2" charset="-127"/>
-              </a:rPr>
-              <a:t>, </a:t>
-            </a:r>
-            <a:r>
-              <a:rPr lang="ko-KR" altLang="en-US" sz="900" dirty="0">
-                <a:solidFill>
-                  <a:srgbClr val="D4CFC5"/>
-                </a:solidFill>
-                <a:latin typeface="Pretendard Medium" panose="02000603000000020004" pitchFamily="2" charset="-127"/>
-                <a:ea typeface="Pretendard Medium" panose="02000603000000020004" pitchFamily="2" charset="-127"/>
-                <a:cs typeface="Pretendard Medium" panose="02000603000000020004" pitchFamily="2" charset="-127"/>
-              </a:rPr>
-              <a:t>인공 별이 현상 스킬을 시전할 때  게이지를 소모하며 소모한 개수에 비례하여 현상 스킬의 피해량이 증가합니다</a:t>
-            </a:r>
-            <a:r>
-              <a:rPr lang="en-US" altLang="ko-KR" sz="900" dirty="0">
-                <a:solidFill>
-                  <a:srgbClr val="D4CFC5"/>
-                </a:solidFill>
-                <a:latin typeface="Pretendard Medium" panose="02000603000000020004" pitchFamily="2" charset="-127"/>
-                <a:ea typeface="Pretendard Medium" panose="02000603000000020004" pitchFamily="2" charset="-127"/>
-                <a:cs typeface="Pretendard Medium" panose="02000603000000020004" pitchFamily="2" charset="-127"/>
-              </a:rPr>
-              <a:t>. (</a:t>
-            </a:r>
-            <a:r>
-              <a:rPr lang="ko-KR" altLang="en-US" sz="900" dirty="0">
-                <a:solidFill>
-                  <a:srgbClr val="D4CFC5"/>
-                </a:solidFill>
-                <a:latin typeface="Pretendard Medium" panose="02000603000000020004" pitchFamily="2" charset="-127"/>
-                <a:ea typeface="Pretendard Medium" panose="02000603000000020004" pitchFamily="2" charset="-127"/>
-                <a:cs typeface="Pretendard Medium" panose="02000603000000020004" pitchFamily="2" charset="-127"/>
-              </a:rPr>
-              <a:t>시전에 필요한 인공별 </a:t>
-            </a:r>
-            <a:r>
-              <a:rPr lang="en-US" altLang="ko-KR" sz="900" dirty="0">
-                <a:solidFill>
-                  <a:srgbClr val="D4CFC5"/>
-                </a:solidFill>
-                <a:latin typeface="Pretendard Medium" panose="02000603000000020004" pitchFamily="2" charset="-127"/>
-                <a:ea typeface="Pretendard Medium" panose="02000603000000020004" pitchFamily="2" charset="-127"/>
-                <a:cs typeface="Pretendard Medium" panose="02000603000000020004" pitchFamily="2" charset="-127"/>
-              </a:rPr>
-              <a:t>1</a:t>
-            </a:r>
-            <a:r>
-              <a:rPr lang="ko-KR" altLang="en-US" sz="900" dirty="0">
-                <a:solidFill>
-                  <a:srgbClr val="D4CFC5"/>
-                </a:solidFill>
-                <a:latin typeface="Pretendard Medium" panose="02000603000000020004" pitchFamily="2" charset="-127"/>
-                <a:ea typeface="Pretendard Medium" panose="02000603000000020004" pitchFamily="2" charset="-127"/>
-                <a:cs typeface="Pretendard Medium" panose="02000603000000020004" pitchFamily="2" charset="-127"/>
-              </a:rPr>
-              <a:t>개당 게이지 </a:t>
-            </a:r>
-            <a:r>
-              <a:rPr lang="en-US" altLang="ko-KR" sz="900" dirty="0">
-                <a:solidFill>
-                  <a:srgbClr val="D4CFC5"/>
-                </a:solidFill>
-                <a:latin typeface="Pretendard Medium" panose="02000603000000020004" pitchFamily="2" charset="-127"/>
-                <a:ea typeface="Pretendard Medium" panose="02000603000000020004" pitchFamily="2" charset="-127"/>
-                <a:cs typeface="Pretendard Medium" panose="02000603000000020004" pitchFamily="2" charset="-127"/>
-              </a:rPr>
-              <a:t>1</a:t>
-            </a:r>
-            <a:r>
-              <a:rPr lang="ko-KR" altLang="en-US" sz="900" dirty="0">
-                <a:solidFill>
-                  <a:srgbClr val="D4CFC5"/>
-                </a:solidFill>
-                <a:latin typeface="Pretendard Medium" panose="02000603000000020004" pitchFamily="2" charset="-127"/>
-                <a:ea typeface="Pretendard Medium" panose="02000603000000020004" pitchFamily="2" charset="-127"/>
-                <a:cs typeface="Pretendard Medium" panose="02000603000000020004" pitchFamily="2" charset="-127"/>
-              </a:rPr>
-              <a:t>칸 소모</a:t>
-            </a:r>
-            <a:r>
-              <a:rPr lang="en-US" altLang="ko-KR" sz="900" dirty="0">
-                <a:solidFill>
-                  <a:srgbClr val="D4CFC5"/>
-                </a:solidFill>
-                <a:latin typeface="Pretendard Medium" panose="02000603000000020004" pitchFamily="2" charset="-127"/>
-                <a:ea typeface="Pretendard Medium" panose="02000603000000020004" pitchFamily="2" charset="-127"/>
-                <a:cs typeface="Pretendard Medium" panose="02000603000000020004" pitchFamily="2" charset="-127"/>
-              </a:rPr>
-              <a:t>)</a:t>
-            </a:r>
-          </a:p>
-          <a:p>
-            <a:pPr>
-              <a:spcAft>
-                <a:spcPts val="300"/>
-              </a:spcAft>
-            </a:pPr>
-            <a:endParaRPr lang="en-US" altLang="ko-KR" sz="900" dirty="0">
-              <a:solidFill>
-                <a:srgbClr val="D4CFC5"/>
-              </a:solidFill>
-              <a:latin typeface="Pretendard Medium" panose="02000603000000020004" pitchFamily="2" charset="-127"/>
-              <a:ea typeface="Pretendard Medium" panose="02000603000000020004" pitchFamily="2" charset="-127"/>
-              <a:cs typeface="Pretendard Medium" panose="02000603000000020004" pitchFamily="2" charset="-127"/>
-            </a:endParaRPr>
-          </a:p>
-          <a:p>
-            <a:pPr>
-              <a:spcAft>
-                <a:spcPts val="300"/>
-              </a:spcAft>
-            </a:pPr>
-            <a:r>
-              <a:rPr lang="ko-KR" altLang="en-US" sz="900" dirty="0">
-                <a:solidFill>
-                  <a:srgbClr val="D4CFC5"/>
-                </a:solidFill>
-                <a:latin typeface="Pretendard Medium" panose="02000603000000020004" pitchFamily="2" charset="-127"/>
-                <a:ea typeface="Pretendard Medium" panose="02000603000000020004" pitchFamily="2" charset="-127"/>
-                <a:cs typeface="Pretendard Medium" panose="02000603000000020004" pitchFamily="2" charset="-127"/>
-              </a:rPr>
-              <a:t>인공 별이 현상 스킬을 시전할 때 순행 효과가 발생하며 게이지를 소모합니다</a:t>
-            </a:r>
-            <a:r>
-              <a:rPr lang="en-US" altLang="ko-KR" sz="900" dirty="0">
-                <a:solidFill>
-                  <a:srgbClr val="D4CFC5"/>
-                </a:solidFill>
-                <a:latin typeface="Pretendard Medium" panose="02000603000000020004" pitchFamily="2" charset="-127"/>
-                <a:ea typeface="Pretendard Medium" panose="02000603000000020004" pitchFamily="2" charset="-127"/>
-                <a:cs typeface="Pretendard Medium" panose="02000603000000020004" pitchFamily="2" charset="-127"/>
-              </a:rPr>
-              <a:t>. </a:t>
-            </a:r>
-            <a:r>
-              <a:rPr lang="ko-KR" altLang="en-US" sz="900" dirty="0">
-                <a:solidFill>
-                  <a:srgbClr val="D4CFC5"/>
-                </a:solidFill>
-                <a:latin typeface="Pretendard Medium" panose="02000603000000020004" pitchFamily="2" charset="-127"/>
-                <a:ea typeface="Pretendard Medium" panose="02000603000000020004" pitchFamily="2" charset="-127"/>
-                <a:cs typeface="Pretendard Medium" panose="02000603000000020004" pitchFamily="2" charset="-127"/>
-              </a:rPr>
-              <a:t>소모한 게이지 개수에 비례하여 현상 스킬의 피해량이 증가합니다</a:t>
-            </a:r>
-            <a:r>
-              <a:rPr lang="en-US" altLang="ko-KR" sz="900" dirty="0">
-                <a:solidFill>
-                  <a:srgbClr val="D4CFC5"/>
-                </a:solidFill>
-                <a:latin typeface="Pretendard Medium" panose="02000603000000020004" pitchFamily="2" charset="-127"/>
-                <a:ea typeface="Pretendard Medium" panose="02000603000000020004" pitchFamily="2" charset="-127"/>
-                <a:cs typeface="Pretendard Medium" panose="02000603000000020004" pitchFamily="2" charset="-127"/>
-              </a:rPr>
-              <a:t>.</a:t>
-            </a:r>
           </a:p>
         </p:txBody>
       </p:sp>
@@ -20631,7 +21177,7 @@
         </p:nvSpPr>
         <p:spPr>
           <a:xfrm>
-            <a:off x="8023633" y="2813446"/>
+            <a:off x="8023633" y="3429000"/>
             <a:ext cx="3354101" cy="407804"/>
           </a:xfrm>
           <a:prstGeom prst="rect">
@@ -20773,7 +21319,7 @@
         </p:nvSpPr>
         <p:spPr>
           <a:xfrm>
-            <a:off x="5511256" y="80001"/>
+            <a:off x="6303554" y="80001"/>
             <a:ext cx="1129133" cy="400110"/>
           </a:xfrm>
           <a:prstGeom prst="rect">
@@ -21088,8 +21634,8 @@
         </p:nvSpPr>
         <p:spPr>
           <a:xfrm>
-            <a:off x="6912212" y="1020910"/>
-            <a:ext cx="3822178" cy="761747"/>
+            <a:off x="8023633" y="280056"/>
+            <a:ext cx="3822178" cy="1131079"/>
           </a:xfrm>
           <a:prstGeom prst="rect">
             <a:avLst/>
@@ -21108,129 +21654,68 @@
               </a:spcAft>
             </a:pPr>
             <a:r>
-              <a:rPr lang="ko-KR" altLang="en-US" sz="900" dirty="0">
-                <a:solidFill>
-                  <a:srgbClr val="D4CFC5"/>
-                </a:solidFill>
-                <a:latin typeface="Pretendard Medium" panose="02000603000000020004" pitchFamily="2" charset="-127"/>
-                <a:ea typeface="Pretendard Medium" panose="02000603000000020004" pitchFamily="2" charset="-127"/>
-                <a:cs typeface="Pretendard Medium" panose="02000603000000020004" pitchFamily="2" charset="-127"/>
-              </a:rPr>
-              <a:t>인공별이 </a:t>
-            </a:r>
-            <a:r>
-              <a:rPr lang="en-US" altLang="ko-KR" sz="900" dirty="0">
-                <a:solidFill>
-                  <a:srgbClr val="D4CFC5"/>
-                </a:solidFill>
-                <a:latin typeface="Pretendard Medium" panose="02000603000000020004" pitchFamily="2" charset="-127"/>
-                <a:ea typeface="Pretendard Medium" panose="02000603000000020004" pitchFamily="2" charset="-127"/>
-                <a:cs typeface="Pretendard Medium" panose="02000603000000020004" pitchFamily="2" charset="-127"/>
-              </a:rPr>
-              <a:t>8</a:t>
-            </a:r>
-            <a:r>
-              <a:rPr lang="ko-KR" altLang="en-US" sz="900" dirty="0">
-                <a:solidFill>
-                  <a:srgbClr val="D4CFC5"/>
-                </a:solidFill>
-                <a:latin typeface="Pretendard Medium" panose="02000603000000020004" pitchFamily="2" charset="-127"/>
-                <a:ea typeface="Pretendard Medium" panose="02000603000000020004" pitchFamily="2" charset="-127"/>
-                <a:cs typeface="Pretendard Medium" panose="02000603000000020004" pitchFamily="2" charset="-127"/>
-              </a:rPr>
-              <a:t>개 형성되어 있을 때 알파성 스킬</a:t>
-            </a:r>
-            <a:r>
-              <a:rPr lang="en-US" altLang="ko-KR" sz="900" dirty="0">
-                <a:solidFill>
-                  <a:srgbClr val="D4CFC5"/>
-                </a:solidFill>
-                <a:latin typeface="Pretendard Medium" panose="02000603000000020004" pitchFamily="2" charset="-127"/>
-                <a:ea typeface="Pretendard Medium" panose="02000603000000020004" pitchFamily="2" charset="-127"/>
-                <a:cs typeface="Pretendard Medium" panose="02000603000000020004" pitchFamily="2" charset="-127"/>
-              </a:rPr>
-              <a:t>[Z]</a:t>
-            </a:r>
-            <a:r>
-              <a:rPr lang="ko-KR" altLang="en-US" sz="900" dirty="0">
-                <a:solidFill>
-                  <a:srgbClr val="D4CFC5"/>
-                </a:solidFill>
-                <a:latin typeface="Pretendard Medium" panose="02000603000000020004" pitchFamily="2" charset="-127"/>
-                <a:ea typeface="Pretendard Medium" panose="02000603000000020004" pitchFamily="2" charset="-127"/>
-                <a:cs typeface="Pretendard Medium" panose="02000603000000020004" pitchFamily="2" charset="-127"/>
-              </a:rPr>
-              <a:t>이 활성화 됩니다</a:t>
-            </a:r>
-            <a:r>
-              <a:rPr lang="en-US" altLang="ko-KR" sz="900" dirty="0">
-                <a:solidFill>
-                  <a:srgbClr val="D4CFC5"/>
-                </a:solidFill>
-                <a:latin typeface="Pretendard Medium" panose="02000603000000020004" pitchFamily="2" charset="-127"/>
-                <a:ea typeface="Pretendard Medium" panose="02000603000000020004" pitchFamily="2" charset="-127"/>
-                <a:cs typeface="Pretendard Medium" panose="02000603000000020004" pitchFamily="2" charset="-127"/>
-              </a:rPr>
-              <a:t>.</a:t>
-            </a:r>
-          </a:p>
-          <a:p>
-            <a:pPr>
-              <a:spcAft>
-                <a:spcPts val="300"/>
-              </a:spcAft>
-            </a:pPr>
-            <a:r>
-              <a:rPr lang="ko-KR" altLang="en-US" sz="900" dirty="0">
-                <a:solidFill>
-                  <a:srgbClr val="D4CFC5"/>
-                </a:solidFill>
-                <a:latin typeface="Pretendard Medium" panose="02000603000000020004" pitchFamily="2" charset="-127"/>
-                <a:ea typeface="Pretendard Medium" panose="02000603000000020004" pitchFamily="2" charset="-127"/>
-                <a:cs typeface="Pretendard Medium" panose="02000603000000020004" pitchFamily="2" charset="-127"/>
-              </a:rPr>
-              <a:t>게이지를 모두 소모하여 인공 별을 주변으로 보냅니다</a:t>
-            </a:r>
-            <a:r>
-              <a:rPr lang="en-US" altLang="ko-KR" sz="900" dirty="0">
-                <a:solidFill>
-                  <a:srgbClr val="D4CFC5"/>
-                </a:solidFill>
-                <a:latin typeface="Pretendard Medium" panose="02000603000000020004" pitchFamily="2" charset="-127"/>
-                <a:ea typeface="Pretendard Medium" panose="02000603000000020004" pitchFamily="2" charset="-127"/>
-                <a:cs typeface="Pretendard Medium" panose="02000603000000020004" pitchFamily="2" charset="-127"/>
-              </a:rPr>
-              <a:t>.</a:t>
-            </a:r>
-          </a:p>
-          <a:p>
-            <a:pPr>
-              <a:spcAft>
-                <a:spcPts val="300"/>
-              </a:spcAft>
-            </a:pPr>
-            <a:r>
-              <a:rPr lang="ko-KR" altLang="en-US" sz="900" dirty="0">
-                <a:solidFill>
-                  <a:srgbClr val="D4CFC5"/>
-                </a:solidFill>
-                <a:latin typeface="Pretendard Medium" panose="02000603000000020004" pitchFamily="2" charset="-127"/>
-                <a:ea typeface="Pretendard Medium" panose="02000603000000020004" pitchFamily="2" charset="-127"/>
-                <a:cs typeface="Pretendard Medium" panose="02000603000000020004" pitchFamily="2" charset="-127"/>
-              </a:rPr>
-              <a:t>이후 인공별에서 사슬이 튀어나와 캐릭터와 연결되면서 새로운 별자리를 그립니다</a:t>
-            </a:r>
-            <a:r>
-              <a:rPr lang="en-US" altLang="ko-KR" sz="900" dirty="0">
-                <a:solidFill>
-                  <a:srgbClr val="D4CFC5"/>
-                </a:solidFill>
-                <a:latin typeface="Pretendard Medium" panose="02000603000000020004" pitchFamily="2" charset="-127"/>
-                <a:ea typeface="Pretendard Medium" panose="02000603000000020004" pitchFamily="2" charset="-127"/>
-                <a:cs typeface="Pretendard Medium" panose="02000603000000020004" pitchFamily="2" charset="-127"/>
-              </a:rPr>
-              <a:t>.</a:t>
-            </a:r>
+              <a:rPr lang="ko-KR" altLang="en-US" sz="1050" b="1" dirty="0">
+                <a:solidFill>
+                  <a:srgbClr val="D4CFC5"/>
+                </a:solidFill>
+                <a:latin typeface="Pretendard Medium" panose="02000603000000020004" pitchFamily="2" charset="-127"/>
+                <a:ea typeface="Pretendard Medium" panose="02000603000000020004" pitchFamily="2" charset="-127"/>
+                <a:cs typeface="Pretendard Medium" panose="02000603000000020004" pitchFamily="2" charset="-127"/>
+              </a:rPr>
+              <a:t>각성기 </a:t>
+            </a:r>
+            <a:r>
+              <a:rPr lang="en-US" altLang="ko-KR" sz="1050" b="1" dirty="0">
+                <a:solidFill>
+                  <a:srgbClr val="D4CFC5"/>
+                </a:solidFill>
+                <a:latin typeface="Pretendard Medium" panose="02000603000000020004" pitchFamily="2" charset="-127"/>
+                <a:ea typeface="Pretendard Medium" panose="02000603000000020004" pitchFamily="2" charset="-127"/>
+                <a:cs typeface="Pretendard Medium" panose="02000603000000020004" pitchFamily="2" charset="-127"/>
+              </a:rPr>
+              <a:t>or </a:t>
+            </a:r>
+            <a:r>
+              <a:rPr lang="ko-KR" altLang="en-US" sz="1050" b="1" dirty="0">
+                <a:solidFill>
+                  <a:srgbClr val="D4CFC5"/>
+                </a:solidFill>
+                <a:latin typeface="Pretendard Medium" panose="02000603000000020004" pitchFamily="2" charset="-127"/>
+                <a:ea typeface="Pretendard Medium" panose="02000603000000020004" pitchFamily="2" charset="-127"/>
+                <a:cs typeface="Pretendard Medium" panose="02000603000000020004" pitchFamily="2" charset="-127"/>
+              </a:rPr>
+              <a:t>초각성기 </a:t>
+            </a:r>
+            <a:r>
+              <a:rPr lang="en-US" altLang="ko-KR" sz="1050" b="1" dirty="0">
+                <a:solidFill>
+                  <a:srgbClr val="D4CFC5"/>
+                </a:solidFill>
+                <a:latin typeface="Pretendard Medium" panose="02000603000000020004" pitchFamily="2" charset="-127"/>
+                <a:ea typeface="Pretendard Medium" panose="02000603000000020004" pitchFamily="2" charset="-127"/>
+                <a:cs typeface="Pretendard Medium" panose="02000603000000020004" pitchFamily="2" charset="-127"/>
+              </a:rPr>
+              <a:t>or </a:t>
+            </a:r>
+            <a:r>
+              <a:rPr lang="ko-KR" altLang="en-US" sz="1050" b="1" dirty="0">
+                <a:solidFill>
+                  <a:srgbClr val="D4CFC5"/>
+                </a:solidFill>
+                <a:latin typeface="Pretendard Medium" panose="02000603000000020004" pitchFamily="2" charset="-127"/>
+                <a:ea typeface="Pretendard Medium" panose="02000603000000020004" pitchFamily="2" charset="-127"/>
+                <a:cs typeface="Pretendard Medium" panose="02000603000000020004" pitchFamily="2" charset="-127"/>
+              </a:rPr>
+              <a:t>초각성 스킬</a:t>
+            </a:r>
+            <a:endParaRPr lang="en-US" altLang="ko-KR" sz="1050" b="1" dirty="0">
+              <a:solidFill>
+                <a:srgbClr val="D4CFC5"/>
+              </a:solidFill>
+              <a:latin typeface="Pretendard Medium" panose="02000603000000020004" pitchFamily="2" charset="-127"/>
+              <a:ea typeface="Pretendard Medium" panose="02000603000000020004" pitchFamily="2" charset="-127"/>
+              <a:cs typeface="Pretendard Medium" panose="02000603000000020004" pitchFamily="2" charset="-127"/>
+            </a:endParaRPr>
           </a:p>
           <a:p>
             <a:pPr>
@@ -21246,6 +21731,876 @@
               <a:ea typeface="Pretendard Medium" panose="02000603000000020004" pitchFamily="2" charset="-127"/>
               <a:cs typeface="Pretendard Medium" panose="02000603000000020004" pitchFamily="2" charset="-127"/>
             </a:endParaRPr>
+          </a:p>
+          <a:p>
+            <a:pPr>
+              <a:spcAft>
+                <a:spcPts val="300"/>
+              </a:spcAft>
+            </a:pPr>
+            <a:r>
+              <a:rPr lang="ko-KR" altLang="en-US" sz="900" dirty="0">
+                <a:solidFill>
+                  <a:srgbClr val="D4CFC5"/>
+                </a:solidFill>
+                <a:latin typeface="Pretendard Medium" panose="02000603000000020004" pitchFamily="2" charset="-127"/>
+                <a:ea typeface="Pretendard Medium" panose="02000603000000020004" pitchFamily="2" charset="-127"/>
+                <a:cs typeface="Pretendard Medium" panose="02000603000000020004" pitchFamily="2" charset="-127"/>
+              </a:rPr>
+              <a:t>인공별이 </a:t>
+            </a:r>
+            <a:r>
+              <a:rPr lang="en-US" altLang="ko-KR" sz="900" dirty="0">
+                <a:solidFill>
+                  <a:srgbClr val="D4CFC5"/>
+                </a:solidFill>
+                <a:latin typeface="Pretendard Medium" panose="02000603000000020004" pitchFamily="2" charset="-127"/>
+                <a:ea typeface="Pretendard Medium" panose="02000603000000020004" pitchFamily="2" charset="-127"/>
+                <a:cs typeface="Pretendard Medium" panose="02000603000000020004" pitchFamily="2" charset="-127"/>
+              </a:rPr>
+              <a:t>8</a:t>
+            </a:r>
+            <a:r>
+              <a:rPr lang="ko-KR" altLang="en-US" sz="900" dirty="0">
+                <a:solidFill>
+                  <a:srgbClr val="D4CFC5"/>
+                </a:solidFill>
+                <a:latin typeface="Pretendard Medium" panose="02000603000000020004" pitchFamily="2" charset="-127"/>
+                <a:ea typeface="Pretendard Medium" panose="02000603000000020004" pitchFamily="2" charset="-127"/>
+                <a:cs typeface="Pretendard Medium" panose="02000603000000020004" pitchFamily="2" charset="-127"/>
+              </a:rPr>
+              <a:t>개 형성되어 있을 때 알파성 스킬</a:t>
+            </a:r>
+            <a:r>
+              <a:rPr lang="en-US" altLang="ko-KR" sz="900" dirty="0">
+                <a:solidFill>
+                  <a:srgbClr val="D4CFC5"/>
+                </a:solidFill>
+                <a:latin typeface="Pretendard Medium" panose="02000603000000020004" pitchFamily="2" charset="-127"/>
+                <a:ea typeface="Pretendard Medium" panose="02000603000000020004" pitchFamily="2" charset="-127"/>
+                <a:cs typeface="Pretendard Medium" panose="02000603000000020004" pitchFamily="2" charset="-127"/>
+              </a:rPr>
+              <a:t>[Z]</a:t>
+            </a:r>
+            <a:r>
+              <a:rPr lang="ko-KR" altLang="en-US" sz="900" dirty="0">
+                <a:solidFill>
+                  <a:srgbClr val="D4CFC5"/>
+                </a:solidFill>
+                <a:latin typeface="Pretendard Medium" panose="02000603000000020004" pitchFamily="2" charset="-127"/>
+                <a:ea typeface="Pretendard Medium" panose="02000603000000020004" pitchFamily="2" charset="-127"/>
+                <a:cs typeface="Pretendard Medium" panose="02000603000000020004" pitchFamily="2" charset="-127"/>
+              </a:rPr>
+              <a:t>이 활성화 됩니다</a:t>
+            </a:r>
+            <a:r>
+              <a:rPr lang="en-US" altLang="ko-KR" sz="900" dirty="0">
+                <a:solidFill>
+                  <a:srgbClr val="D4CFC5"/>
+                </a:solidFill>
+                <a:latin typeface="Pretendard Medium" panose="02000603000000020004" pitchFamily="2" charset="-127"/>
+                <a:ea typeface="Pretendard Medium" panose="02000603000000020004" pitchFamily="2" charset="-127"/>
+                <a:cs typeface="Pretendard Medium" panose="02000603000000020004" pitchFamily="2" charset="-127"/>
+              </a:rPr>
+              <a:t>.</a:t>
+            </a:r>
+          </a:p>
+          <a:p>
+            <a:pPr>
+              <a:spcAft>
+                <a:spcPts val="300"/>
+              </a:spcAft>
+            </a:pPr>
+            <a:r>
+              <a:rPr lang="ko-KR" altLang="en-US" sz="900" dirty="0">
+                <a:solidFill>
+                  <a:srgbClr val="D4CFC5"/>
+                </a:solidFill>
+                <a:latin typeface="Pretendard Medium" panose="02000603000000020004" pitchFamily="2" charset="-127"/>
+                <a:ea typeface="Pretendard Medium" panose="02000603000000020004" pitchFamily="2" charset="-127"/>
+                <a:cs typeface="Pretendard Medium" panose="02000603000000020004" pitchFamily="2" charset="-127"/>
+              </a:rPr>
+              <a:t>게이지를 모두 소모하여 인공 별을 주변으로 보냅니다</a:t>
+            </a:r>
+            <a:r>
+              <a:rPr lang="en-US" altLang="ko-KR" sz="900" dirty="0">
+                <a:solidFill>
+                  <a:srgbClr val="D4CFC5"/>
+                </a:solidFill>
+                <a:latin typeface="Pretendard Medium" panose="02000603000000020004" pitchFamily="2" charset="-127"/>
+                <a:ea typeface="Pretendard Medium" panose="02000603000000020004" pitchFamily="2" charset="-127"/>
+                <a:cs typeface="Pretendard Medium" panose="02000603000000020004" pitchFamily="2" charset="-127"/>
+              </a:rPr>
+              <a:t>.</a:t>
+            </a:r>
+          </a:p>
+          <a:p>
+            <a:pPr>
+              <a:spcAft>
+                <a:spcPts val="300"/>
+              </a:spcAft>
+            </a:pPr>
+            <a:r>
+              <a:rPr lang="ko-KR" altLang="en-US" sz="900" dirty="0">
+                <a:solidFill>
+                  <a:srgbClr val="D4CFC5"/>
+                </a:solidFill>
+                <a:latin typeface="Pretendard Medium" panose="02000603000000020004" pitchFamily="2" charset="-127"/>
+                <a:ea typeface="Pretendard Medium" panose="02000603000000020004" pitchFamily="2" charset="-127"/>
+                <a:cs typeface="Pretendard Medium" panose="02000603000000020004" pitchFamily="2" charset="-127"/>
+              </a:rPr>
+              <a:t>이후 인공별에서 사슬이 튀어나와 캐릭터와 연결되면서 새로운 별자리를 그립니다</a:t>
+            </a:r>
+            <a:r>
+              <a:rPr lang="en-US" altLang="ko-KR" sz="900" dirty="0">
+                <a:solidFill>
+                  <a:srgbClr val="D4CFC5"/>
+                </a:solidFill>
+                <a:latin typeface="Pretendard Medium" panose="02000603000000020004" pitchFamily="2" charset="-127"/>
+                <a:ea typeface="Pretendard Medium" panose="02000603000000020004" pitchFamily="2" charset="-127"/>
+                <a:cs typeface="Pretendard Medium" panose="02000603000000020004" pitchFamily="2" charset="-127"/>
+              </a:rPr>
+              <a:t>.</a:t>
+            </a:r>
+          </a:p>
+          <a:p>
+            <a:pPr>
+              <a:spcAft>
+                <a:spcPts val="300"/>
+              </a:spcAft>
+            </a:pPr>
+            <a:endParaRPr lang="en-US" altLang="ko-KR" sz="900" dirty="0">
+              <a:solidFill>
+                <a:srgbClr val="D4CFC5"/>
+              </a:solidFill>
+              <a:latin typeface="Pretendard Medium" panose="02000603000000020004" pitchFamily="2" charset="-127"/>
+              <a:ea typeface="Pretendard Medium" panose="02000603000000020004" pitchFamily="2" charset="-127"/>
+              <a:cs typeface="Pretendard Medium" panose="02000603000000020004" pitchFamily="2" charset="-127"/>
+            </a:endParaRPr>
+          </a:p>
+        </p:txBody>
+      </p:sp>
+      <p:sp>
+        <p:nvSpPr>
+          <p:cNvPr id="9" name="TextBox 8">
+            <a:extLst>
+              <a:ext uri="{FF2B5EF4-FFF2-40B4-BE49-F238E27FC236}">
+                <a16:creationId xmlns:a16="http://schemas.microsoft.com/office/drawing/2014/main" id="{3F5CF650-48C6-FADE-C46F-C77F27F8D2C8}"/>
+              </a:ext>
+            </a:extLst>
+          </p:cNvPr>
+          <p:cNvSpPr txBox="1"/>
+          <p:nvPr/>
+        </p:nvSpPr>
+        <p:spPr>
+          <a:xfrm>
+            <a:off x="12374141" y="0"/>
+            <a:ext cx="2179099" cy="2531462"/>
+          </a:xfrm>
+          <a:prstGeom prst="rect">
+            <a:avLst/>
+          </a:prstGeom>
+          <a:solidFill>
+            <a:srgbClr val="212227"/>
+          </a:solidFill>
+        </p:spPr>
+        <p:txBody>
+          <a:bodyPr wrap="none" lIns="90000" rIns="90000" rtlCol="0">
+            <a:spAutoFit/>
+          </a:bodyPr>
+          <a:lstStyle/>
+          <a:p>
+            <a:pPr>
+              <a:spcAft>
+                <a:spcPts val="300"/>
+              </a:spcAft>
+            </a:pPr>
+            <a:r>
+              <a:rPr lang="ko-KR" altLang="en-US" sz="900" dirty="0">
+                <a:solidFill>
+                  <a:srgbClr val="D4CFC5"/>
+                </a:solidFill>
+                <a:latin typeface="Pretendard Medium" panose="02000603000000020004" pitchFamily="2" charset="-127"/>
+                <a:ea typeface="Pretendard Medium" panose="02000603000000020004" pitchFamily="2" charset="-127"/>
+                <a:cs typeface="Pretendard Medium" panose="02000603000000020004" pitchFamily="2" charset="-127"/>
+              </a:rPr>
+              <a:t>치명 </a:t>
+            </a:r>
+            <a:r>
+              <a:rPr lang="en-US" altLang="ko-KR" sz="900" dirty="0">
+                <a:solidFill>
+                  <a:srgbClr val="D4CFC5"/>
+                </a:solidFill>
+                <a:latin typeface="Pretendard Medium" panose="02000603000000020004" pitchFamily="2" charset="-127"/>
+                <a:ea typeface="Pretendard Medium" panose="02000603000000020004" pitchFamily="2" charset="-127"/>
+                <a:cs typeface="Pretendard Medium" panose="02000603000000020004" pitchFamily="2" charset="-127"/>
+              </a:rPr>
+              <a:t>610 : 21.8197 </a:t>
+            </a:r>
+          </a:p>
+          <a:p>
+            <a:pPr>
+              <a:spcAft>
+                <a:spcPts val="300"/>
+              </a:spcAft>
+            </a:pPr>
+            <a:r>
+              <a:rPr lang="ko-KR" altLang="en-US" sz="900" dirty="0" err="1">
+                <a:solidFill>
+                  <a:srgbClr val="D4CFC5"/>
+                </a:solidFill>
+                <a:latin typeface="Pretendard Medium" panose="02000603000000020004" pitchFamily="2" charset="-127"/>
+                <a:ea typeface="Pretendard Medium" panose="02000603000000020004" pitchFamily="2" charset="-127"/>
+                <a:cs typeface="Pretendard Medium" panose="02000603000000020004" pitchFamily="2" charset="-127"/>
+              </a:rPr>
+              <a:t>아드</a:t>
+            </a:r>
+            <a:r>
+              <a:rPr lang="ko-KR" altLang="en-US" sz="900" dirty="0">
+                <a:solidFill>
+                  <a:srgbClr val="D4CFC5"/>
+                </a:solidFill>
+                <a:latin typeface="Pretendard Medium" panose="02000603000000020004" pitchFamily="2" charset="-127"/>
+                <a:ea typeface="Pretendard Medium" panose="02000603000000020004" pitchFamily="2" charset="-127"/>
+                <a:cs typeface="Pretendard Medium" panose="02000603000000020004" pitchFamily="2" charset="-127"/>
+              </a:rPr>
+              <a:t> 전각</a:t>
+            </a:r>
+            <a:r>
+              <a:rPr lang="en-US" altLang="ko-KR" sz="900" dirty="0">
+                <a:solidFill>
+                  <a:srgbClr val="D4CFC5"/>
+                </a:solidFill>
+                <a:latin typeface="Pretendard Medium" panose="02000603000000020004" pitchFamily="2" charset="-127"/>
+                <a:ea typeface="Pretendard Medium" panose="02000603000000020004" pitchFamily="2" charset="-127"/>
+                <a:cs typeface="Pretendard Medium" panose="02000603000000020004" pitchFamily="2" charset="-127"/>
+              </a:rPr>
+              <a:t>: 14</a:t>
+            </a:r>
+          </a:p>
+          <a:p>
+            <a:pPr>
+              <a:spcAft>
+                <a:spcPts val="300"/>
+              </a:spcAft>
+            </a:pPr>
+            <a:r>
+              <a:rPr lang="ko-KR" altLang="en-US" sz="900" dirty="0">
+                <a:solidFill>
+                  <a:srgbClr val="D4CFC5"/>
+                </a:solidFill>
+                <a:latin typeface="Pretendard Medium" panose="02000603000000020004" pitchFamily="2" charset="-127"/>
+                <a:ea typeface="Pretendard Medium" panose="02000603000000020004" pitchFamily="2" charset="-127"/>
+                <a:cs typeface="Pretendard Medium" panose="02000603000000020004" pitchFamily="2" charset="-127"/>
+              </a:rPr>
+              <a:t>예감 </a:t>
+            </a:r>
+            <a:r>
+              <a:rPr lang="en-US" altLang="ko-KR" sz="900" dirty="0">
+                <a:solidFill>
+                  <a:srgbClr val="D4CFC5"/>
+                </a:solidFill>
+                <a:latin typeface="Pretendard Medium" panose="02000603000000020004" pitchFamily="2" charset="-127"/>
+                <a:ea typeface="Pretendard Medium" panose="02000603000000020004" pitchFamily="2" charset="-127"/>
+                <a:cs typeface="Pretendard Medium" panose="02000603000000020004" pitchFamily="2" charset="-127"/>
+              </a:rPr>
+              <a:t>2</a:t>
+            </a:r>
+            <a:r>
+              <a:rPr lang="ko-KR" altLang="en-US" sz="900" dirty="0">
+                <a:solidFill>
+                  <a:srgbClr val="D4CFC5"/>
+                </a:solidFill>
+                <a:latin typeface="Pretendard Medium" panose="02000603000000020004" pitchFamily="2" charset="-127"/>
+                <a:ea typeface="Pretendard Medium" panose="02000603000000020004" pitchFamily="2" charset="-127"/>
+                <a:cs typeface="Pretendard Medium" panose="02000603000000020004" pitchFamily="2" charset="-127"/>
+              </a:rPr>
+              <a:t>레벨 </a:t>
+            </a:r>
+            <a:r>
+              <a:rPr lang="en-US" altLang="ko-KR" sz="900" dirty="0">
+                <a:solidFill>
+                  <a:srgbClr val="D4CFC5"/>
+                </a:solidFill>
+                <a:latin typeface="Pretendard Medium" panose="02000603000000020004" pitchFamily="2" charset="-127"/>
+                <a:ea typeface="Pretendard Medium" panose="02000603000000020004" pitchFamily="2" charset="-127"/>
+                <a:cs typeface="Pretendard Medium" panose="02000603000000020004" pitchFamily="2" charset="-127"/>
+              </a:rPr>
+              <a:t>: 8</a:t>
+            </a:r>
+          </a:p>
+          <a:p>
+            <a:pPr>
+              <a:spcAft>
+                <a:spcPts val="300"/>
+              </a:spcAft>
+            </a:pPr>
+            <a:r>
+              <a:rPr lang="ko-KR" altLang="en-US" sz="900" dirty="0" err="1">
+                <a:solidFill>
+                  <a:srgbClr val="D4CFC5"/>
+                </a:solidFill>
+                <a:latin typeface="Pretendard Medium" panose="02000603000000020004" pitchFamily="2" charset="-127"/>
+                <a:ea typeface="Pretendard Medium" panose="02000603000000020004" pitchFamily="2" charset="-127"/>
+                <a:cs typeface="Pretendard Medium" panose="02000603000000020004" pitchFamily="2" charset="-127"/>
+              </a:rPr>
+              <a:t>혼강</a:t>
+            </a:r>
+            <a:r>
+              <a:rPr lang="ko-KR" altLang="en-US" sz="900" dirty="0">
+                <a:solidFill>
+                  <a:srgbClr val="D4CFC5"/>
+                </a:solidFill>
+                <a:latin typeface="Pretendard Medium" panose="02000603000000020004" pitchFamily="2" charset="-127"/>
+                <a:ea typeface="Pretendard Medium" panose="02000603000000020004" pitchFamily="2" charset="-127"/>
+                <a:cs typeface="Pretendard Medium" panose="02000603000000020004" pitchFamily="2" charset="-127"/>
+              </a:rPr>
+              <a:t> </a:t>
+            </a:r>
+            <a:r>
+              <a:rPr lang="en-US" altLang="ko-KR" sz="900" dirty="0">
+                <a:solidFill>
+                  <a:srgbClr val="D4CFC5"/>
+                </a:solidFill>
+                <a:latin typeface="Pretendard Medium" panose="02000603000000020004" pitchFamily="2" charset="-127"/>
+                <a:ea typeface="Pretendard Medium" panose="02000603000000020004" pitchFamily="2" charset="-127"/>
+                <a:cs typeface="Pretendard Medium" panose="02000603000000020004" pitchFamily="2" charset="-127"/>
+              </a:rPr>
+              <a:t>2</a:t>
+            </a:r>
+            <a:r>
+              <a:rPr lang="ko-KR" altLang="en-US" sz="900" dirty="0">
+                <a:solidFill>
+                  <a:srgbClr val="D4CFC5"/>
+                </a:solidFill>
+                <a:latin typeface="Pretendard Medium" panose="02000603000000020004" pitchFamily="2" charset="-127"/>
+                <a:ea typeface="Pretendard Medium" panose="02000603000000020004" pitchFamily="2" charset="-127"/>
+                <a:cs typeface="Pretendard Medium" panose="02000603000000020004" pitchFamily="2" charset="-127"/>
+              </a:rPr>
+              <a:t>레벨 </a:t>
+            </a:r>
+            <a:r>
+              <a:rPr lang="en-US" altLang="ko-KR" sz="900" dirty="0">
+                <a:solidFill>
+                  <a:srgbClr val="D4CFC5"/>
+                </a:solidFill>
+                <a:latin typeface="Pretendard Medium" panose="02000603000000020004" pitchFamily="2" charset="-127"/>
+                <a:ea typeface="Pretendard Medium" panose="02000603000000020004" pitchFamily="2" charset="-127"/>
+                <a:cs typeface="Pretendard Medium" panose="02000603000000020004" pitchFamily="2" charset="-127"/>
+              </a:rPr>
+              <a:t>: 24</a:t>
+            </a:r>
+          </a:p>
+          <a:p>
+            <a:pPr>
+              <a:spcAft>
+                <a:spcPts val="300"/>
+              </a:spcAft>
+            </a:pPr>
+            <a:r>
+              <a:rPr lang="ko-KR" altLang="en-US" sz="900" dirty="0">
+                <a:solidFill>
+                  <a:srgbClr val="D4CFC5"/>
+                </a:solidFill>
+                <a:latin typeface="Pretendard Medium" panose="02000603000000020004" pitchFamily="2" charset="-127"/>
+                <a:ea typeface="Pretendard Medium" panose="02000603000000020004" pitchFamily="2" charset="-127"/>
+                <a:cs typeface="Pretendard Medium" panose="02000603000000020004" pitchFamily="2" charset="-127"/>
+              </a:rPr>
+              <a:t>자체 치적 시너지 </a:t>
+            </a:r>
+            <a:r>
+              <a:rPr lang="en-US" altLang="ko-KR" sz="900" dirty="0">
+                <a:solidFill>
+                  <a:srgbClr val="D4CFC5"/>
+                </a:solidFill>
+                <a:latin typeface="Pretendard Medium" panose="02000603000000020004" pitchFamily="2" charset="-127"/>
+                <a:ea typeface="Pretendard Medium" panose="02000603000000020004" pitchFamily="2" charset="-127"/>
+                <a:cs typeface="Pretendard Medium" panose="02000603000000020004" pitchFamily="2" charset="-127"/>
+              </a:rPr>
+              <a:t>: 10</a:t>
+            </a:r>
+          </a:p>
+          <a:p>
+            <a:pPr marL="171450" indent="-171450">
+              <a:spcAft>
+                <a:spcPts val="300"/>
+              </a:spcAft>
+              <a:buFont typeface="Symbol" panose="05050102010706020507" pitchFamily="18" charset="2"/>
+              <a:buChar char="Þ"/>
+            </a:pPr>
+            <a:r>
+              <a:rPr lang="en-US" altLang="ko-KR" sz="900" dirty="0">
+                <a:solidFill>
+                  <a:srgbClr val="D4CFC5"/>
+                </a:solidFill>
+                <a:latin typeface="Pretendard Medium" panose="02000603000000020004" pitchFamily="2" charset="-127"/>
+                <a:ea typeface="Pretendard Medium" panose="02000603000000020004" pitchFamily="2" charset="-127"/>
+                <a:cs typeface="Pretendard Medium" panose="02000603000000020004" pitchFamily="2" charset="-127"/>
+              </a:rPr>
+              <a:t>77.8197</a:t>
+            </a:r>
+          </a:p>
+          <a:p>
+            <a:pPr marL="171450" indent="-171450">
+              <a:spcAft>
+                <a:spcPts val="300"/>
+              </a:spcAft>
+              <a:buFont typeface="Symbol" panose="05050102010706020507" pitchFamily="18" charset="2"/>
+              <a:buChar char="Þ"/>
+            </a:pPr>
+            <a:endParaRPr lang="en-US" altLang="ko-KR" sz="900" dirty="0">
+              <a:solidFill>
+                <a:srgbClr val="D4CFC5"/>
+              </a:solidFill>
+              <a:latin typeface="Pretendard Medium" panose="02000603000000020004" pitchFamily="2" charset="-127"/>
+              <a:ea typeface="Pretendard Medium" panose="02000603000000020004" pitchFamily="2" charset="-127"/>
+              <a:cs typeface="Pretendard Medium" panose="02000603000000020004" pitchFamily="2" charset="-127"/>
+            </a:endParaRPr>
+          </a:p>
+          <a:p>
+            <a:pPr marL="171450" indent="-171450">
+              <a:spcAft>
+                <a:spcPts val="300"/>
+              </a:spcAft>
+              <a:buFontTx/>
+              <a:buChar char="-"/>
+            </a:pPr>
+            <a:r>
+              <a:rPr lang="ko-KR" altLang="en-US" sz="900" dirty="0">
+                <a:solidFill>
+                  <a:srgbClr val="D4CFC5"/>
+                </a:solidFill>
+                <a:latin typeface="Pretendard Medium" panose="02000603000000020004" pitchFamily="2" charset="-127"/>
+                <a:ea typeface="Pretendard Medium" panose="02000603000000020004" pitchFamily="2" charset="-127"/>
+                <a:cs typeface="Pretendard Medium" panose="02000603000000020004" pitchFamily="2" charset="-127"/>
+              </a:rPr>
+              <a:t>달인 </a:t>
+            </a:r>
+            <a:r>
+              <a:rPr lang="en-US" altLang="ko-KR" sz="900" dirty="0">
+                <a:solidFill>
+                  <a:srgbClr val="D4CFC5"/>
+                </a:solidFill>
+                <a:latin typeface="Pretendard Medium" panose="02000603000000020004" pitchFamily="2" charset="-127"/>
+                <a:ea typeface="Pretendard Medium" panose="02000603000000020004" pitchFamily="2" charset="-127"/>
+                <a:cs typeface="Pretendard Medium" panose="02000603000000020004" pitchFamily="2" charset="-127"/>
+              </a:rPr>
+              <a:t>: 7%</a:t>
+            </a:r>
+          </a:p>
+          <a:p>
+            <a:pPr marL="171450" indent="-171450">
+              <a:spcAft>
+                <a:spcPts val="300"/>
+              </a:spcAft>
+              <a:buFontTx/>
+              <a:buChar char="-"/>
+            </a:pPr>
+            <a:r>
+              <a:rPr lang="ko-KR" altLang="en-US" sz="900" dirty="0">
+                <a:solidFill>
+                  <a:srgbClr val="D4CFC5"/>
+                </a:solidFill>
+                <a:latin typeface="Pretendard Medium" panose="02000603000000020004" pitchFamily="2" charset="-127"/>
+                <a:ea typeface="Pretendard Medium" panose="02000603000000020004" pitchFamily="2" charset="-127"/>
+                <a:cs typeface="Pretendard Medium" panose="02000603000000020004" pitchFamily="2" charset="-127"/>
+              </a:rPr>
+              <a:t>치적 시너지 </a:t>
+            </a:r>
+            <a:r>
+              <a:rPr lang="en-US" altLang="ko-KR" sz="900" dirty="0">
+                <a:solidFill>
+                  <a:srgbClr val="D4CFC5"/>
+                </a:solidFill>
+                <a:latin typeface="Pretendard Medium" panose="02000603000000020004" pitchFamily="2" charset="-127"/>
+                <a:ea typeface="Pretendard Medium" panose="02000603000000020004" pitchFamily="2" charset="-127"/>
+                <a:cs typeface="Pretendard Medium" panose="02000603000000020004" pitchFamily="2" charset="-127"/>
+              </a:rPr>
+              <a:t>: 10</a:t>
+            </a:r>
+          </a:p>
+          <a:p>
+            <a:pPr marL="171450" indent="-171450">
+              <a:spcAft>
+                <a:spcPts val="300"/>
+              </a:spcAft>
+              <a:buFontTx/>
+              <a:buChar char="-"/>
+            </a:pPr>
+            <a:r>
+              <a:rPr lang="ko-KR" altLang="en-US" sz="900" dirty="0">
+                <a:solidFill>
+                  <a:srgbClr val="D4CFC5"/>
+                </a:solidFill>
+                <a:latin typeface="Pretendard Medium" panose="02000603000000020004" pitchFamily="2" charset="-127"/>
+                <a:ea typeface="Pretendard Medium" panose="02000603000000020004" pitchFamily="2" charset="-127"/>
+                <a:cs typeface="Pretendard Medium" panose="02000603000000020004" pitchFamily="2" charset="-127"/>
+              </a:rPr>
+              <a:t>팔찌 고대 </a:t>
+            </a:r>
+            <a:r>
+              <a:rPr lang="ko-KR" altLang="en-US" sz="900" dirty="0" err="1">
+                <a:solidFill>
+                  <a:srgbClr val="D4CFC5"/>
+                </a:solidFill>
+                <a:latin typeface="Pretendard Medium" panose="02000603000000020004" pitchFamily="2" charset="-127"/>
+                <a:ea typeface="Pretendard Medium" panose="02000603000000020004" pitchFamily="2" charset="-127"/>
+                <a:cs typeface="Pretendard Medium" panose="02000603000000020004" pitchFamily="2" charset="-127"/>
+              </a:rPr>
+              <a:t>하옵</a:t>
+            </a:r>
+            <a:r>
+              <a:rPr lang="ko-KR" altLang="en-US" sz="900" dirty="0">
+                <a:solidFill>
+                  <a:srgbClr val="D4CFC5"/>
+                </a:solidFill>
+                <a:latin typeface="Pretendard Medium" panose="02000603000000020004" pitchFamily="2" charset="-127"/>
+                <a:ea typeface="Pretendard Medium" panose="02000603000000020004" pitchFamily="2" charset="-127"/>
+                <a:cs typeface="Pretendard Medium" panose="02000603000000020004" pitchFamily="2" charset="-127"/>
+              </a:rPr>
+              <a:t> </a:t>
+            </a:r>
+            <a:r>
+              <a:rPr lang="en-US" altLang="ko-KR" sz="900" dirty="0">
+                <a:solidFill>
+                  <a:srgbClr val="D4CFC5"/>
+                </a:solidFill>
+                <a:latin typeface="Pretendard Medium" panose="02000603000000020004" pitchFamily="2" charset="-127"/>
+                <a:ea typeface="Pretendard Medium" panose="02000603000000020004" pitchFamily="2" charset="-127"/>
+                <a:cs typeface="Pretendard Medium" panose="02000603000000020004" pitchFamily="2" charset="-127"/>
+              </a:rPr>
+              <a:t>: 3.4</a:t>
+            </a:r>
+          </a:p>
+          <a:p>
+            <a:pPr marL="171450" indent="-171450">
+              <a:spcAft>
+                <a:spcPts val="300"/>
+              </a:spcAft>
+              <a:buFontTx/>
+              <a:buChar char="-"/>
+            </a:pPr>
+            <a:r>
+              <a:rPr lang="ko-KR" altLang="en-US" sz="900" dirty="0">
+                <a:solidFill>
+                  <a:srgbClr val="D4CFC5"/>
+                </a:solidFill>
+                <a:latin typeface="Pretendard Medium" panose="02000603000000020004" pitchFamily="2" charset="-127"/>
+                <a:ea typeface="Pretendard Medium" panose="02000603000000020004" pitchFamily="2" charset="-127"/>
+                <a:cs typeface="Pretendard Medium" panose="02000603000000020004" pitchFamily="2" charset="-127"/>
+              </a:rPr>
+              <a:t>반지 </a:t>
+            </a:r>
+            <a:r>
+              <a:rPr lang="ko-KR" altLang="en-US" sz="900" dirty="0" err="1">
+                <a:solidFill>
+                  <a:srgbClr val="D4CFC5"/>
+                </a:solidFill>
+                <a:latin typeface="Pretendard Medium" panose="02000603000000020004" pitchFamily="2" charset="-127"/>
+                <a:ea typeface="Pretendard Medium" panose="02000603000000020004" pitchFamily="2" charset="-127"/>
+                <a:cs typeface="Pretendard Medium" panose="02000603000000020004" pitchFamily="2" charset="-127"/>
+              </a:rPr>
+              <a:t>중옵</a:t>
+            </a:r>
+            <a:r>
+              <a:rPr lang="ko-KR" altLang="en-US" sz="900" dirty="0">
+                <a:solidFill>
+                  <a:srgbClr val="D4CFC5"/>
+                </a:solidFill>
+                <a:latin typeface="Pretendard Medium" panose="02000603000000020004" pitchFamily="2" charset="-127"/>
+                <a:ea typeface="Pretendard Medium" panose="02000603000000020004" pitchFamily="2" charset="-127"/>
+                <a:cs typeface="Pretendard Medium" panose="02000603000000020004" pitchFamily="2" charset="-127"/>
+              </a:rPr>
+              <a:t> </a:t>
+            </a:r>
+            <a:r>
+              <a:rPr lang="en-US" altLang="ko-KR" sz="900" dirty="0">
+                <a:solidFill>
+                  <a:srgbClr val="D4CFC5"/>
+                </a:solidFill>
+                <a:latin typeface="Pretendard Medium" panose="02000603000000020004" pitchFamily="2" charset="-127"/>
+                <a:ea typeface="Pretendard Medium" panose="02000603000000020004" pitchFamily="2" charset="-127"/>
+                <a:cs typeface="Pretendard Medium" panose="02000603000000020004" pitchFamily="2" charset="-127"/>
+              </a:rPr>
+              <a:t>: 0.95 * 2 = 1.9</a:t>
+            </a:r>
+          </a:p>
+          <a:p>
+            <a:pPr marL="171450" indent="-171450">
+              <a:spcAft>
+                <a:spcPts val="300"/>
+              </a:spcAft>
+              <a:buFontTx/>
+              <a:buChar char="-"/>
+            </a:pPr>
+            <a:endParaRPr lang="en-US" altLang="ko-KR" sz="900" dirty="0">
+              <a:solidFill>
+                <a:srgbClr val="D4CFC5"/>
+              </a:solidFill>
+              <a:latin typeface="Pretendard Medium" panose="02000603000000020004" pitchFamily="2" charset="-127"/>
+              <a:ea typeface="Pretendard Medium" panose="02000603000000020004" pitchFamily="2" charset="-127"/>
+              <a:cs typeface="Pretendard Medium" panose="02000603000000020004" pitchFamily="2" charset="-127"/>
+            </a:endParaRPr>
+          </a:p>
+          <a:p>
+            <a:pPr>
+              <a:spcAft>
+                <a:spcPts val="300"/>
+              </a:spcAft>
+            </a:pPr>
+            <a:r>
+              <a:rPr lang="ko-KR" altLang="en-US" sz="900" dirty="0">
+                <a:solidFill>
+                  <a:srgbClr val="D4CFC5"/>
+                </a:solidFill>
+                <a:latin typeface="Pretendard Medium" panose="02000603000000020004" pitchFamily="2" charset="-127"/>
+                <a:ea typeface="Pretendard Medium" panose="02000603000000020004" pitchFamily="2" charset="-127"/>
+                <a:cs typeface="Pretendard Medium" panose="02000603000000020004" pitchFamily="2" charset="-127"/>
+              </a:rPr>
+              <a:t>치적 시너지 제외 모든 거 포함하면</a:t>
+            </a:r>
+            <a:r>
+              <a:rPr lang="en-US" altLang="ko-KR" sz="900" dirty="0">
+                <a:solidFill>
+                  <a:srgbClr val="D4CFC5"/>
+                </a:solidFill>
+                <a:latin typeface="Pretendard Medium" panose="02000603000000020004" pitchFamily="2" charset="-127"/>
+                <a:ea typeface="Pretendard Medium" panose="02000603000000020004" pitchFamily="2" charset="-127"/>
+                <a:cs typeface="Pretendard Medium" panose="02000603000000020004" pitchFamily="2" charset="-127"/>
+              </a:rPr>
+              <a:t> : </a:t>
+            </a:r>
+            <a:r>
+              <a:rPr lang="ko-KR" altLang="en-US" sz="900" dirty="0">
+                <a:solidFill>
+                  <a:srgbClr val="D4CFC5"/>
+                </a:solidFill>
+                <a:latin typeface="Pretendard Medium" panose="02000603000000020004" pitchFamily="2" charset="-127"/>
+                <a:ea typeface="Pretendard Medium" panose="02000603000000020004" pitchFamily="2" charset="-127"/>
+                <a:cs typeface="Pretendard Medium" panose="02000603000000020004" pitchFamily="2" charset="-127"/>
+              </a:rPr>
+              <a:t>약 </a:t>
+            </a:r>
+            <a:r>
+              <a:rPr lang="en-US" altLang="ko-KR" sz="900" dirty="0">
+                <a:solidFill>
+                  <a:srgbClr val="D4CFC5"/>
+                </a:solidFill>
+                <a:latin typeface="Pretendard Medium" panose="02000603000000020004" pitchFamily="2" charset="-127"/>
+                <a:ea typeface="Pretendard Medium" panose="02000603000000020004" pitchFamily="2" charset="-127"/>
+                <a:cs typeface="Pretendard Medium" panose="02000603000000020004" pitchFamily="2" charset="-127"/>
+              </a:rPr>
+              <a:t>90%</a:t>
+            </a:r>
+          </a:p>
+          <a:p>
+            <a:pPr>
+              <a:spcAft>
+                <a:spcPts val="300"/>
+              </a:spcAft>
+            </a:pPr>
+            <a:endParaRPr lang="en-US" altLang="ko-KR" sz="900" dirty="0">
+              <a:solidFill>
+                <a:srgbClr val="D4CFC5"/>
+              </a:solidFill>
+              <a:latin typeface="Pretendard Medium" panose="02000603000000020004" pitchFamily="2" charset="-127"/>
+              <a:ea typeface="Pretendard Medium" panose="02000603000000020004" pitchFamily="2" charset="-127"/>
+              <a:cs typeface="Pretendard Medium" panose="02000603000000020004" pitchFamily="2" charset="-127"/>
+            </a:endParaRPr>
+          </a:p>
+        </p:txBody>
+      </p:sp>
+      <p:sp>
+        <p:nvSpPr>
+          <p:cNvPr id="10" name="TextBox 9">
+            <a:extLst>
+              <a:ext uri="{FF2B5EF4-FFF2-40B4-BE49-F238E27FC236}">
+                <a16:creationId xmlns:a16="http://schemas.microsoft.com/office/drawing/2014/main" id="{AD9A2F0A-56CE-3608-FEBF-59167DA208FB}"/>
+              </a:ext>
+            </a:extLst>
+          </p:cNvPr>
+          <p:cNvSpPr txBox="1"/>
+          <p:nvPr/>
+        </p:nvSpPr>
+        <p:spPr>
+          <a:xfrm>
+            <a:off x="7853067" y="1544976"/>
+            <a:ext cx="4311093" cy="584775"/>
+          </a:xfrm>
+          <a:prstGeom prst="rect">
+            <a:avLst/>
+          </a:prstGeom>
+          <a:noFill/>
+        </p:spPr>
+        <p:txBody>
+          <a:bodyPr wrap="none" lIns="90000" rIns="90000" rtlCol="0">
+            <a:spAutoFit/>
+          </a:bodyPr>
+          <a:lstStyle/>
+          <a:p>
+            <a:pPr>
+              <a:spcAft>
+                <a:spcPts val="300"/>
+              </a:spcAft>
+            </a:pPr>
+            <a:r>
+              <a:rPr lang="ko-KR" altLang="en-US" sz="900" dirty="0">
+                <a:solidFill>
+                  <a:srgbClr val="D4CFC5"/>
+                </a:solidFill>
+                <a:latin typeface="Pretendard Medium" panose="02000603000000020004" pitchFamily="2" charset="-127"/>
+                <a:ea typeface="Pretendard Medium" panose="02000603000000020004" pitchFamily="2" charset="-127"/>
+                <a:cs typeface="Pretendard Medium" panose="02000603000000020004" pitchFamily="2" charset="-127"/>
+              </a:rPr>
+              <a:t>불안정</a:t>
+            </a:r>
+            <a:endParaRPr lang="en-US" altLang="ko-KR" sz="900" dirty="0">
+              <a:solidFill>
+                <a:srgbClr val="D4CFC5"/>
+              </a:solidFill>
+              <a:latin typeface="Pretendard Medium" panose="02000603000000020004" pitchFamily="2" charset="-127"/>
+              <a:ea typeface="Pretendard Medium" panose="02000603000000020004" pitchFamily="2" charset="-127"/>
+              <a:cs typeface="Pretendard Medium" panose="02000603000000020004" pitchFamily="2" charset="-127"/>
+            </a:endParaRPr>
+          </a:p>
+          <a:p>
+            <a:pPr marL="171450" indent="-171450">
+              <a:spcAft>
+                <a:spcPts val="300"/>
+              </a:spcAft>
+              <a:buFontTx/>
+              <a:buChar char="-"/>
+            </a:pPr>
+            <a:r>
+              <a:rPr lang="ko-KR" altLang="en-US" sz="900" dirty="0">
+                <a:solidFill>
+                  <a:srgbClr val="D4CFC5"/>
+                </a:solidFill>
+                <a:latin typeface="Pretendard Medium" panose="02000603000000020004" pitchFamily="2" charset="-127"/>
+                <a:ea typeface="Pretendard Medium" panose="02000603000000020004" pitchFamily="2" charset="-127"/>
+                <a:cs typeface="Pretendard Medium" panose="02000603000000020004" pitchFamily="2" charset="-127"/>
+              </a:rPr>
+              <a:t>암흑 에너지가 </a:t>
+            </a:r>
+            <a:r>
+              <a:rPr lang="en-US" altLang="ko-KR" sz="900" dirty="0">
+                <a:solidFill>
+                  <a:srgbClr val="D4CFC5"/>
+                </a:solidFill>
+                <a:latin typeface="Pretendard Medium" panose="02000603000000020004" pitchFamily="2" charset="-127"/>
+                <a:ea typeface="Pretendard Medium" panose="02000603000000020004" pitchFamily="2" charset="-127"/>
+                <a:cs typeface="Pretendard Medium" panose="02000603000000020004" pitchFamily="2" charset="-127"/>
+              </a:rPr>
+              <a:t>8</a:t>
+            </a:r>
+            <a:r>
+              <a:rPr lang="ko-KR" altLang="en-US" sz="900" dirty="0">
+                <a:solidFill>
+                  <a:srgbClr val="D4CFC5"/>
+                </a:solidFill>
+                <a:latin typeface="Pretendard Medium" panose="02000603000000020004" pitchFamily="2" charset="-127"/>
+                <a:ea typeface="Pretendard Medium" panose="02000603000000020004" pitchFamily="2" charset="-127"/>
+                <a:cs typeface="Pretendard Medium" panose="02000603000000020004" pitchFamily="2" charset="-127"/>
+              </a:rPr>
+              <a:t>칸에 꽉 차게 되면 형성된 인공 별이 모두 사라지며 불안정 효과를 얻는다</a:t>
+            </a:r>
+            <a:r>
+              <a:rPr lang="en-US" altLang="ko-KR" sz="900" dirty="0">
+                <a:solidFill>
+                  <a:srgbClr val="D4CFC5"/>
+                </a:solidFill>
+                <a:latin typeface="Pretendard Medium" panose="02000603000000020004" pitchFamily="2" charset="-127"/>
+                <a:ea typeface="Pretendard Medium" panose="02000603000000020004" pitchFamily="2" charset="-127"/>
+                <a:cs typeface="Pretendard Medium" panose="02000603000000020004" pitchFamily="2" charset="-127"/>
+              </a:rPr>
+              <a:t>.</a:t>
+            </a:r>
+          </a:p>
+          <a:p>
+            <a:pPr marL="171450" indent="-171450">
+              <a:spcAft>
+                <a:spcPts val="300"/>
+              </a:spcAft>
+              <a:buFontTx/>
+              <a:buChar char="-"/>
+            </a:pPr>
+            <a:r>
+              <a:rPr lang="ko-KR" altLang="en-US" sz="900" dirty="0">
+                <a:solidFill>
+                  <a:srgbClr val="D4CFC5"/>
+                </a:solidFill>
+                <a:latin typeface="Pretendard Medium" panose="02000603000000020004" pitchFamily="2" charset="-127"/>
+                <a:ea typeface="Pretendard Medium" panose="02000603000000020004" pitchFamily="2" charset="-127"/>
+                <a:cs typeface="Pretendard Medium" panose="02000603000000020004" pitchFamily="2" charset="-127"/>
+              </a:rPr>
+              <a:t>불안정 효과</a:t>
+            </a:r>
+            <a:r>
+              <a:rPr lang="en-US" altLang="ko-KR" sz="900" dirty="0">
+                <a:solidFill>
+                  <a:srgbClr val="D4CFC5"/>
+                </a:solidFill>
+                <a:latin typeface="Pretendard Medium" panose="02000603000000020004" pitchFamily="2" charset="-127"/>
+                <a:ea typeface="Pretendard Medium" panose="02000603000000020004" pitchFamily="2" charset="-127"/>
+                <a:cs typeface="Pretendard Medium" panose="02000603000000020004" pitchFamily="2" charset="-127"/>
+              </a:rPr>
+              <a:t> : </a:t>
+            </a:r>
+            <a:r>
+              <a:rPr lang="ko-KR" altLang="en-US" sz="900" dirty="0">
+                <a:solidFill>
+                  <a:srgbClr val="D4CFC5"/>
+                </a:solidFill>
+                <a:latin typeface="Pretendard Medium" panose="02000603000000020004" pitchFamily="2" charset="-127"/>
+                <a:ea typeface="Pretendard Medium" panose="02000603000000020004" pitchFamily="2" charset="-127"/>
+                <a:cs typeface="Pretendard Medium" panose="02000603000000020004" pitchFamily="2" charset="-127"/>
+              </a:rPr>
+              <a:t>인공 별을 형성할 수 없다</a:t>
+            </a:r>
+            <a:r>
+              <a:rPr lang="en-US" altLang="ko-KR" sz="900" dirty="0">
+                <a:solidFill>
+                  <a:srgbClr val="D4CFC5"/>
+                </a:solidFill>
+                <a:latin typeface="Pretendard Medium" panose="02000603000000020004" pitchFamily="2" charset="-127"/>
+                <a:ea typeface="Pretendard Medium" panose="02000603000000020004" pitchFamily="2" charset="-127"/>
+                <a:cs typeface="Pretendard Medium" panose="02000603000000020004" pitchFamily="2" charset="-127"/>
+              </a:rPr>
+              <a:t>. 10</a:t>
+            </a:r>
+            <a:r>
+              <a:rPr lang="ko-KR" altLang="en-US" sz="900" dirty="0">
+                <a:solidFill>
+                  <a:srgbClr val="D4CFC5"/>
+                </a:solidFill>
+                <a:latin typeface="Pretendard Medium" panose="02000603000000020004" pitchFamily="2" charset="-127"/>
+                <a:ea typeface="Pretendard Medium" panose="02000603000000020004" pitchFamily="2" charset="-127"/>
+                <a:cs typeface="Pretendard Medium" panose="02000603000000020004" pitchFamily="2" charset="-127"/>
+              </a:rPr>
+              <a:t>초 후에 다시 인공 별을 형성할 수 </a:t>
+            </a:r>
+            <a:r>
+              <a:rPr lang="ko-KR" altLang="en-US" sz="900" dirty="0" err="1">
+                <a:solidFill>
+                  <a:srgbClr val="D4CFC5"/>
+                </a:solidFill>
+                <a:latin typeface="Pretendard Medium" panose="02000603000000020004" pitchFamily="2" charset="-127"/>
+                <a:ea typeface="Pretendard Medium" panose="02000603000000020004" pitchFamily="2" charset="-127"/>
+                <a:cs typeface="Pretendard Medium" panose="02000603000000020004" pitchFamily="2" charset="-127"/>
+              </a:rPr>
+              <a:t>잇따</a:t>
+            </a:r>
+            <a:r>
+              <a:rPr lang="en-US" altLang="ko-KR" sz="900" dirty="0">
+                <a:solidFill>
+                  <a:srgbClr val="D4CFC5"/>
+                </a:solidFill>
+                <a:latin typeface="Pretendard Medium" panose="02000603000000020004" pitchFamily="2" charset="-127"/>
+                <a:ea typeface="Pretendard Medium" panose="02000603000000020004" pitchFamily="2" charset="-127"/>
+                <a:cs typeface="Pretendard Medium" panose="02000603000000020004" pitchFamily="2" charset="-127"/>
+              </a:rPr>
+              <a:t>.</a:t>
+            </a:r>
           </a:p>
         </p:txBody>
       </p:sp>
@@ -22472,4 +23827,319 @@
     </a:ext>
   </a:extLst>
 </a:theme>
+</file>
+
+<file path=ppt/theme/theme2.xml><?xml version="1.0" encoding="utf-8"?>
+<a:theme xmlns:a="http://schemas.openxmlformats.org/drawingml/2006/main" name="Office 테마">
+  <a:themeElements>
+    <a:clrScheme name="Office">
+      <a:dk1>
+        <a:sysClr val="windowText" lastClr="000000"/>
+      </a:dk1>
+      <a:lt1>
+        <a:sysClr val="window" lastClr="FFFFFF"/>
+      </a:lt1>
+      <a:dk2>
+        <a:srgbClr val="0E2841"/>
+      </a:dk2>
+      <a:lt2>
+        <a:srgbClr val="E8E8E8"/>
+      </a:lt2>
+      <a:accent1>
+        <a:srgbClr val="156082"/>
+      </a:accent1>
+      <a:accent2>
+        <a:srgbClr val="E97132"/>
+      </a:accent2>
+      <a:accent3>
+        <a:srgbClr val="196B24"/>
+      </a:accent3>
+      <a:accent4>
+        <a:srgbClr val="0F9ED5"/>
+      </a:accent4>
+      <a:accent5>
+        <a:srgbClr val="A02B93"/>
+      </a:accent5>
+      <a:accent6>
+        <a:srgbClr val="4EA72E"/>
+      </a:accent6>
+      <a:hlink>
+        <a:srgbClr val="467886"/>
+      </a:hlink>
+      <a:folHlink>
+        <a:srgbClr val="96607D"/>
+      </a:folHlink>
+    </a:clrScheme>
+    <a:fontScheme name="Office">
+      <a:majorFont>
+        <a:latin typeface="맑은 고딕" panose="02110004020202020204"/>
+        <a:ea typeface=""/>
+        <a:cs typeface=""/>
+        <a:font script="Jpan" typeface="游ゴシック Light"/>
+        <a:font script="Hang" typeface="맑은 고딕"/>
+        <a:font script="Hans" typeface="等线 Light"/>
+        <a:font script="Hant" typeface="新細明體"/>
+        <a:font script="Arab" typeface="Times New Roman"/>
+        <a:font script="Hebr" typeface="Times New Roman"/>
+        <a:font script="Thai" typeface="Angsana New"/>
+        <a:font script="Ethi" typeface="Nyala"/>
+        <a:font script="Beng" typeface="Vrinda"/>
+        <a:font script="Gujr" typeface="Shruti"/>
+        <a:font script="Khmr" typeface="MoolBoran"/>
+        <a:font script="Knda" typeface="Tunga"/>
+        <a:font script="Guru" typeface="Raavi"/>
+        <a:font script="Cans" typeface="Euphemia"/>
+        <a:font script="Cher" typeface="Plantagenet Cherokee"/>
+        <a:font script="Yiii" typeface="Microsoft Yi Baiti"/>
+        <a:font script="Tibt" typeface="Microsoft Himalaya"/>
+        <a:font script="Thaa" typeface="MV Boli"/>
+        <a:font script="Deva" typeface="Mangal"/>
+        <a:font script="Telu" typeface="Gautami"/>
+        <a:font script="Taml" typeface="Latha"/>
+        <a:font script="Syrc" typeface="Estrangelo Edessa"/>
+        <a:font script="Orya" typeface="Kalinga"/>
+        <a:font script="Mlym" typeface="Kartika"/>
+        <a:font script="Laoo" typeface="DokChampa"/>
+        <a:font script="Sinh" typeface="Iskoola Pota"/>
+        <a:font script="Mong" typeface="Mongolian Baiti"/>
+        <a:font script="Viet" typeface="Times New Roman"/>
+        <a:font script="Uigh" typeface="Microsoft Uighur"/>
+        <a:font script="Geor" typeface="Sylfaen"/>
+        <a:font script="Armn" typeface="Arial"/>
+        <a:font script="Bugi" typeface="Leelawadee UI"/>
+        <a:font script="Bopo" typeface="Microsoft JhengHei"/>
+        <a:font script="Java" typeface="Javanese Text"/>
+        <a:font script="Lisu" typeface="Segoe UI"/>
+        <a:font script="Mymr" typeface="Myanmar Text"/>
+        <a:font script="Nkoo" typeface="Ebrima"/>
+        <a:font script="Olck" typeface="Nirmala UI"/>
+        <a:font script="Osma" typeface="Ebrima"/>
+        <a:font script="Phag" typeface="Phagspa"/>
+        <a:font script="Syrn" typeface="Estrangelo Edessa"/>
+        <a:font script="Syrj" typeface="Estrangelo Edessa"/>
+        <a:font script="Syre" typeface="Estrangelo Edessa"/>
+        <a:font script="Sora" typeface="Nirmala UI"/>
+        <a:font script="Tale" typeface="Microsoft Tai Le"/>
+        <a:font script="Talu" typeface="Microsoft New Tai Lue"/>
+        <a:font script="Tfng" typeface="Ebrima"/>
+      </a:majorFont>
+      <a:minorFont>
+        <a:latin typeface="맑은 고딕" panose="02110004020202020204"/>
+        <a:ea typeface=""/>
+        <a:cs typeface=""/>
+        <a:font script="Jpan" typeface="游ゴシック"/>
+        <a:font script="Hang" typeface="맑은 고딕"/>
+        <a:font script="Hans" typeface="等线"/>
+        <a:font script="Hant" typeface="新細明體"/>
+        <a:font script="Arab" typeface="Arial"/>
+        <a:font script="Hebr" typeface="Arial"/>
+        <a:font script="Thai" typeface="Cordia New"/>
+        <a:font script="Ethi" typeface="Nyala"/>
+        <a:font script="Beng" typeface="Vrinda"/>
+        <a:font script="Gujr" typeface="Shruti"/>
+        <a:font script="Khmr" typeface="DaunPenh"/>
+        <a:font script="Knda" typeface="Tunga"/>
+        <a:font script="Guru" typeface="Raavi"/>
+        <a:font script="Cans" typeface="Euphemia"/>
+        <a:font script="Cher" typeface="Plantagenet Cherokee"/>
+        <a:font script="Yiii" typeface="Microsoft Yi Baiti"/>
+        <a:font script="Tibt" typeface="Microsoft Himalaya"/>
+        <a:font script="Thaa" typeface="MV Boli"/>
+        <a:font script="Deva" typeface="Mangal"/>
+        <a:font script="Telu" typeface="Gautami"/>
+        <a:font script="Taml" typeface="Latha"/>
+        <a:font script="Syrc" typeface="Estrangelo Edessa"/>
+        <a:font script="Orya" typeface="Kalinga"/>
+        <a:font script="Mlym" typeface="Kartika"/>
+        <a:font script="Laoo" typeface="DokChampa"/>
+        <a:font script="Sinh" typeface="Iskoola Pota"/>
+        <a:font script="Mong" typeface="Mongolian Baiti"/>
+        <a:font script="Viet" typeface="Arial"/>
+        <a:font script="Uigh" typeface="Microsoft Uighur"/>
+        <a:font script="Geor" typeface="Sylfaen"/>
+        <a:font script="Armn" typeface="Arial"/>
+        <a:font script="Bugi" typeface="Leelawadee UI"/>
+        <a:font script="Bopo" typeface="Microsoft JhengHei"/>
+        <a:font script="Java" typeface="Javanese Text"/>
+        <a:font script="Lisu" typeface="Segoe UI"/>
+        <a:font script="Mymr" typeface="Myanmar Text"/>
+        <a:font script="Nkoo" typeface="Ebrima"/>
+        <a:font script="Olck" typeface="Nirmala UI"/>
+        <a:font script="Osma" typeface="Ebrima"/>
+        <a:font script="Phag" typeface="Phagspa"/>
+        <a:font script="Syrn" typeface="Estrangelo Edessa"/>
+        <a:font script="Syrj" typeface="Estrangelo Edessa"/>
+        <a:font script="Syre" typeface="Estrangelo Edessa"/>
+        <a:font script="Sora" typeface="Nirmala UI"/>
+        <a:font script="Tale" typeface="Microsoft Tai Le"/>
+        <a:font script="Talu" typeface="Microsoft New Tai Lue"/>
+        <a:font script="Tfng" typeface="Ebrima"/>
+      </a:minorFont>
+    </a:fontScheme>
+    <a:fmtScheme name="Office">
+      <a:fillStyleLst>
+        <a:solidFill>
+          <a:schemeClr val="phClr"/>
+        </a:solidFill>
+        <a:gradFill rotWithShape="1">
+          <a:gsLst>
+            <a:gs pos="0">
+              <a:schemeClr val="phClr">
+                <a:lumMod val="110000"/>
+                <a:satMod val="105000"/>
+                <a:tint val="67000"/>
+              </a:schemeClr>
+            </a:gs>
+            <a:gs pos="50000">
+              <a:schemeClr val="phClr">
+                <a:lumMod val="105000"/>
+                <a:satMod val="103000"/>
+                <a:tint val="73000"/>
+              </a:schemeClr>
+            </a:gs>
+            <a:gs pos="100000">
+              <a:schemeClr val="phClr">
+                <a:lumMod val="105000"/>
+                <a:satMod val="109000"/>
+                <a:tint val="81000"/>
+              </a:schemeClr>
+            </a:gs>
+          </a:gsLst>
+          <a:lin ang="5400000" scaled="0"/>
+        </a:gradFill>
+        <a:gradFill rotWithShape="1">
+          <a:gsLst>
+            <a:gs pos="0">
+              <a:schemeClr val="phClr">
+                <a:satMod val="103000"/>
+                <a:lumMod val="102000"/>
+                <a:tint val="94000"/>
+              </a:schemeClr>
+            </a:gs>
+            <a:gs pos="50000">
+              <a:schemeClr val="phClr">
+                <a:satMod val="110000"/>
+                <a:lumMod val="100000"/>
+                <a:shade val="100000"/>
+              </a:schemeClr>
+            </a:gs>
+            <a:gs pos="100000">
+              <a:schemeClr val="phClr">
+                <a:lumMod val="99000"/>
+                <a:satMod val="120000"/>
+                <a:shade val="78000"/>
+              </a:schemeClr>
+            </a:gs>
+          </a:gsLst>
+          <a:lin ang="5400000" scaled="0"/>
+        </a:gradFill>
+      </a:fillStyleLst>
+      <a:lnStyleLst>
+        <a:ln w="12700" cap="flat" cmpd="sng" algn="ctr">
+          <a:solidFill>
+            <a:schemeClr val="phClr"/>
+          </a:solidFill>
+          <a:prstDash val="solid"/>
+          <a:miter lim="800000"/>
+        </a:ln>
+        <a:ln w="19050" cap="flat" cmpd="sng" algn="ctr">
+          <a:solidFill>
+            <a:schemeClr val="phClr"/>
+          </a:solidFill>
+          <a:prstDash val="solid"/>
+          <a:miter lim="800000"/>
+        </a:ln>
+        <a:ln w="25400" cap="flat" cmpd="sng" algn="ctr">
+          <a:solidFill>
+            <a:schemeClr val="phClr"/>
+          </a:solidFill>
+          <a:prstDash val="solid"/>
+          <a:miter lim="800000"/>
+        </a:ln>
+      </a:lnStyleLst>
+      <a:effectStyleLst>
+        <a:effectStyle>
+          <a:effectLst/>
+        </a:effectStyle>
+        <a:effectStyle>
+          <a:effectLst/>
+        </a:effectStyle>
+        <a:effectStyle>
+          <a:effectLst>
+            <a:outerShdw blurRad="57150" dist="19050" dir="5400000" algn="ctr" rotWithShape="0">
+              <a:srgbClr val="000000">
+                <a:alpha val="63000"/>
+              </a:srgbClr>
+            </a:outerShdw>
+          </a:effectLst>
+        </a:effectStyle>
+      </a:effectStyleLst>
+      <a:bgFillStyleLst>
+        <a:solidFill>
+          <a:schemeClr val="phClr"/>
+        </a:solidFill>
+        <a:solidFill>
+          <a:schemeClr val="phClr">
+            <a:tint val="95000"/>
+            <a:satMod val="170000"/>
+          </a:schemeClr>
+        </a:solidFill>
+        <a:gradFill rotWithShape="1">
+          <a:gsLst>
+            <a:gs pos="0">
+              <a:schemeClr val="phClr">
+                <a:tint val="93000"/>
+                <a:satMod val="150000"/>
+                <a:shade val="98000"/>
+                <a:lumMod val="102000"/>
+              </a:schemeClr>
+            </a:gs>
+            <a:gs pos="50000">
+              <a:schemeClr val="phClr">
+                <a:tint val="98000"/>
+                <a:satMod val="130000"/>
+                <a:shade val="90000"/>
+                <a:lumMod val="103000"/>
+              </a:schemeClr>
+            </a:gs>
+            <a:gs pos="100000">
+              <a:schemeClr val="phClr">
+                <a:shade val="63000"/>
+                <a:satMod val="120000"/>
+              </a:schemeClr>
+            </a:gs>
+          </a:gsLst>
+          <a:lin ang="5400000" scaled="0"/>
+        </a:gradFill>
+      </a:bgFillStyleLst>
+    </a:fmtScheme>
+  </a:themeElements>
+  <a:objectDefaults>
+    <a:lnDef>
+      <a:spPr/>
+      <a:bodyPr/>
+      <a:lstStyle/>
+      <a:style>
+        <a:lnRef idx="2">
+          <a:schemeClr val="accent1"/>
+        </a:lnRef>
+        <a:fillRef idx="0">
+          <a:schemeClr val="accent1"/>
+        </a:fillRef>
+        <a:effectRef idx="1">
+          <a:schemeClr val="accent1"/>
+        </a:effectRef>
+        <a:fontRef idx="minor">
+          <a:schemeClr val="tx1"/>
+        </a:fontRef>
+      </a:style>
+    </a:lnDef>
+  </a:objectDefaults>
+  <a:extraClrSchemeLst/>
+  <a:extLst>
+    <a:ext uri="{05A4C25C-085E-4340-85A3-A5531E510DB2}">
+      <thm15:themeFamily xmlns:thm15="http://schemas.microsoft.com/office/thememl/2012/main" name="Office Theme" id="{2E142A2C-CD16-42D6-873A-C26D2A0506FA}" vid="{1BDDFF52-6CD6-40A5-AB3C-68EB2F1E4D0A}"/>
+    </a:ext>
+  </a:extLst>
+</a:theme>
 </file>
--- a/로스트아크/아스트로맨서(Astromancer)_현자/아이디어정리.pptx
+++ b/로스트아크/아스트로맨서(Astromancer)_현자/아이디어정리.pptx
@@ -217,7 +217,7 @@
           <a:p>
             <a:fld id="{41A0BF77-366A-45AA-8526-1F6902086AAF}" type="datetimeFigureOut">
               <a:rPr lang="ko-KR" altLang="en-US" smtClean="0"/>
-              <a:t>2025-04-04</a:t>
+              <a:t>2025-04-05</a:t>
             </a:fld>
             <a:endParaRPr lang="ko-KR" altLang="en-US"/>
           </a:p>
@@ -715,7 +715,7 @@
           <a:p>
             <a:fld id="{9C3EC951-20CE-4241-887B-24665EAD51A9}" type="datetimeFigureOut">
               <a:rPr lang="ko-KR" altLang="en-US" smtClean="0"/>
-              <a:t>2025-04-04</a:t>
+              <a:t>2025-04-05</a:t>
             </a:fld>
             <a:endParaRPr lang="ko-KR" altLang="en-US"/>
           </a:p>
@@ -913,7 +913,7 @@
           <a:p>
             <a:fld id="{9C3EC951-20CE-4241-887B-24665EAD51A9}" type="datetimeFigureOut">
               <a:rPr lang="ko-KR" altLang="en-US" smtClean="0"/>
-              <a:t>2025-04-04</a:t>
+              <a:t>2025-04-05</a:t>
             </a:fld>
             <a:endParaRPr lang="ko-KR" altLang="en-US"/>
           </a:p>
@@ -1121,7 +1121,7 @@
           <a:p>
             <a:fld id="{9C3EC951-20CE-4241-887B-24665EAD51A9}" type="datetimeFigureOut">
               <a:rPr lang="ko-KR" altLang="en-US" smtClean="0"/>
-              <a:t>2025-04-04</a:t>
+              <a:t>2025-04-05</a:t>
             </a:fld>
             <a:endParaRPr lang="ko-KR" altLang="en-US"/>
           </a:p>
@@ -1450,7 +1450,7 @@
           <a:p>
             <a:fld id="{9C3EC951-20CE-4241-887B-24665EAD51A9}" type="datetimeFigureOut">
               <a:rPr lang="ko-KR" altLang="en-US" smtClean="0"/>
-              <a:t>2025-04-04</a:t>
+              <a:t>2025-04-05</a:t>
             </a:fld>
             <a:endParaRPr lang="ko-KR" altLang="en-US"/>
           </a:p>
@@ -1715,7 +1715,7 @@
           <a:p>
             <a:fld id="{9C3EC951-20CE-4241-887B-24665EAD51A9}" type="datetimeFigureOut">
               <a:rPr lang="ko-KR" altLang="en-US" smtClean="0"/>
-              <a:t>2025-04-04</a:t>
+              <a:t>2025-04-05</a:t>
             </a:fld>
             <a:endParaRPr lang="ko-KR" altLang="en-US"/>
           </a:p>
@@ -2127,7 +2127,7 @@
           <a:p>
             <a:fld id="{9C3EC951-20CE-4241-887B-24665EAD51A9}" type="datetimeFigureOut">
               <a:rPr lang="ko-KR" altLang="en-US" smtClean="0"/>
-              <a:t>2025-04-04</a:t>
+              <a:t>2025-04-05</a:t>
             </a:fld>
             <a:endParaRPr lang="ko-KR" altLang="en-US"/>
           </a:p>
@@ -2268,7 +2268,7 @@
           <a:p>
             <a:fld id="{9C3EC951-20CE-4241-887B-24665EAD51A9}" type="datetimeFigureOut">
               <a:rPr lang="ko-KR" altLang="en-US" smtClean="0"/>
-              <a:t>2025-04-04</a:t>
+              <a:t>2025-04-05</a:t>
             </a:fld>
             <a:endParaRPr lang="ko-KR" altLang="en-US"/>
           </a:p>
@@ -2381,7 +2381,7 @@
           <a:p>
             <a:fld id="{9C3EC951-20CE-4241-887B-24665EAD51A9}" type="datetimeFigureOut">
               <a:rPr lang="ko-KR" altLang="en-US" smtClean="0"/>
-              <a:t>2025-04-04</a:t>
+              <a:t>2025-04-05</a:t>
             </a:fld>
             <a:endParaRPr lang="ko-KR" altLang="en-US"/>
           </a:p>
@@ -2692,7 +2692,7 @@
           <a:p>
             <a:fld id="{9C3EC951-20CE-4241-887B-24665EAD51A9}" type="datetimeFigureOut">
               <a:rPr lang="ko-KR" altLang="en-US" smtClean="0"/>
-              <a:t>2025-04-04</a:t>
+              <a:t>2025-04-05</a:t>
             </a:fld>
             <a:endParaRPr lang="ko-KR" altLang="en-US"/>
           </a:p>
@@ -2980,7 +2980,7 @@
           <a:p>
             <a:fld id="{9C3EC951-20CE-4241-887B-24665EAD51A9}" type="datetimeFigureOut">
               <a:rPr lang="ko-KR" altLang="en-US" smtClean="0"/>
-              <a:t>2025-04-04</a:t>
+              <a:t>2025-04-05</a:t>
             </a:fld>
             <a:endParaRPr lang="ko-KR" altLang="en-US"/>
           </a:p>
@@ -3221,7 +3221,7 @@
           <a:p>
             <a:fld id="{9C3EC951-20CE-4241-887B-24665EAD51A9}" type="datetimeFigureOut">
               <a:rPr lang="ko-KR" altLang="en-US" smtClean="0"/>
-              <a:t>2025-04-04</a:t>
+              <a:t>2025-04-05</a:t>
             </a:fld>
             <a:endParaRPr lang="ko-KR" altLang="en-US"/>
           </a:p>
@@ -19944,7 +19944,7 @@
         <p:spPr>
           <a:xfrm>
             <a:off x="0" y="18582"/>
-            <a:ext cx="6443087" cy="938719"/>
+            <a:ext cx="6842235" cy="1292662"/>
           </a:xfrm>
           <a:prstGeom prst="rect">
             <a:avLst/>
@@ -20052,7 +20052,7 @@
                 <a:ea typeface="Pretendard Medium" panose="02000603000000020004" pitchFamily="2" charset="-127"/>
                 <a:cs typeface="Pretendard Medium" panose="02000603000000020004" pitchFamily="2" charset="-127"/>
               </a:rPr>
-              <a:t>일반 상태에서 기록 게이지는 항상 최대치를 유지하며 </a:t>
+              <a:t>기록 게이지가 조율 게이지로 변하며 기록 모드 대신 조율 모드에 진입합니다</a:t>
             </a:r>
             <a:r>
               <a:rPr lang="en-US" altLang="ko-KR" sz="900" dirty="0">
@@ -20063,18 +20063,18 @@
                 <a:ea typeface="Pretendard Medium" panose="02000603000000020004" pitchFamily="2" charset="-127"/>
                 <a:cs typeface="Pretendard Medium" panose="02000603000000020004" pitchFamily="2" charset="-127"/>
               </a:rPr>
-              <a:t>Z</a:t>
-            </a:r>
-            <a:r>
-              <a:rPr lang="ko-KR" altLang="en-US" sz="900" dirty="0">
-                <a:solidFill>
-                  <a:srgbClr val="D4CFC5"/>
-                </a:solidFill>
-                <a:latin typeface="Pretendard Medium" panose="02000603000000020004" pitchFamily="2" charset="-127"/>
-                <a:ea typeface="Pretendard Medium" panose="02000603000000020004" pitchFamily="2" charset="-127"/>
-                <a:cs typeface="Pretendard Medium" panose="02000603000000020004" pitchFamily="2" charset="-127"/>
-              </a:rPr>
-              <a:t>키 입력 시 기록 모드에 진입하지 않고 </a:t>
+              <a:t>. </a:t>
+            </a:r>
+            <a:r>
+              <a:rPr lang="ko-KR" altLang="en-US" sz="900" dirty="0">
+                <a:solidFill>
+                  <a:srgbClr val="D4CFC5"/>
+                </a:solidFill>
+                <a:latin typeface="Pretendard Medium" panose="02000603000000020004" pitchFamily="2" charset="-127"/>
+                <a:ea typeface="Pretendard Medium" panose="02000603000000020004" pitchFamily="2" charset="-127"/>
+                <a:cs typeface="Pretendard Medium" panose="02000603000000020004" pitchFamily="2" charset="-127"/>
+              </a:rPr>
+              <a:t>일반 상태에서 조율 게이지는 항상 최대치를 유지합니다</a:t>
             </a:r>
             <a:r>
               <a:rPr lang="en-US" altLang="ko-KR" sz="900" dirty="0">
@@ -20085,41 +20085,30 @@
                 <a:ea typeface="Pretendard Medium" panose="02000603000000020004" pitchFamily="2" charset="-127"/>
                 <a:cs typeface="Pretendard Medium" panose="02000603000000020004" pitchFamily="2" charset="-127"/>
               </a:rPr>
-              <a:t>5</a:t>
-            </a:r>
-            <a:r>
-              <a:rPr lang="ko-KR" altLang="en-US" sz="900" dirty="0">
-                <a:solidFill>
-                  <a:srgbClr val="D4CFC5"/>
-                </a:solidFill>
-                <a:latin typeface="Pretendard Medium" panose="02000603000000020004" pitchFamily="2" charset="-127"/>
-                <a:ea typeface="Pretendard Medium" panose="02000603000000020004" pitchFamily="2" charset="-127"/>
-                <a:cs typeface="Pretendard Medium" panose="02000603000000020004" pitchFamily="2" charset="-127"/>
-              </a:rPr>
-              <a:t>개의 인공 별을 형성합니다</a:t>
-            </a:r>
-            <a:r>
-              <a:rPr lang="en-US" altLang="ko-KR" sz="900" dirty="0">
-                <a:solidFill>
-                  <a:srgbClr val="D4CFC5"/>
-                </a:solidFill>
-                <a:latin typeface="Pretendard Medium" panose="02000603000000020004" pitchFamily="2" charset="-127"/>
-                <a:ea typeface="Pretendard Medium" panose="02000603000000020004" pitchFamily="2" charset="-127"/>
-                <a:cs typeface="Pretendard Medium" panose="02000603000000020004" pitchFamily="2" charset="-127"/>
-              </a:rPr>
               <a:t>.</a:t>
             </a:r>
-            <a:r>
-              <a:rPr lang="ko-KR" altLang="en-US" sz="900" dirty="0">
-                <a:solidFill>
-                  <a:srgbClr val="D4CFC5"/>
-                </a:solidFill>
-                <a:latin typeface="Pretendard Medium" panose="02000603000000020004" pitchFamily="2" charset="-127"/>
-                <a:ea typeface="Pretendard Medium" panose="02000603000000020004" pitchFamily="2" charset="-127"/>
-                <a:cs typeface="Pretendard Medium" panose="02000603000000020004" pitchFamily="2" charset="-127"/>
-              </a:rPr>
-              <a:t> </a:t>
-            </a:r>
+          </a:p>
+          <a:p>
+            <a:pPr>
+              <a:spcAft>
+                <a:spcPts val="300"/>
+              </a:spcAft>
+            </a:pPr>
+            <a:endParaRPr lang="en-US" altLang="ko-KR" sz="900">
+              <a:solidFill>
+                <a:srgbClr val="D4CFC5"/>
+              </a:solidFill>
+              <a:latin typeface="Pretendard Medium" panose="02000603000000020004" pitchFamily="2" charset="-127"/>
+              <a:ea typeface="Pretendard Medium" panose="02000603000000020004" pitchFamily="2" charset="-127"/>
+              <a:cs typeface="Pretendard Medium" panose="02000603000000020004" pitchFamily="2" charset="-127"/>
+            </a:endParaRPr>
+          </a:p>
+          <a:p>
+            <a:pPr>
+              <a:spcAft>
+                <a:spcPts val="300"/>
+              </a:spcAft>
+            </a:pPr>
             <a:endParaRPr lang="en-US" altLang="ko-KR" sz="900" dirty="0">
               <a:solidFill>
                 <a:srgbClr val="D4CFC5"/>
@@ -20135,6 +20124,50 @@
                 <a:spcPts val="300"/>
               </a:spcAft>
             </a:pPr>
+            <a:r>
+              <a:rPr lang="ko-KR" altLang="en-US" sz="900" dirty="0">
+                <a:solidFill>
+                  <a:srgbClr val="D4CFC5"/>
+                </a:solidFill>
+                <a:latin typeface="Pretendard Medium" panose="02000603000000020004" pitchFamily="2" charset="-127"/>
+                <a:ea typeface="Pretendard Medium" panose="02000603000000020004" pitchFamily="2" charset="-127"/>
+                <a:cs typeface="Pretendard Medium" panose="02000603000000020004" pitchFamily="2" charset="-127"/>
+              </a:rPr>
+              <a:t>조율 모드에 진입하면 인공 별을 </a:t>
+            </a:r>
+            <a:r>
+              <a:rPr lang="en-US" altLang="ko-KR" sz="900" dirty="0">
+                <a:solidFill>
+                  <a:srgbClr val="D4CFC5"/>
+                </a:solidFill>
+                <a:latin typeface="Pretendard Medium" panose="02000603000000020004" pitchFamily="2" charset="-127"/>
+                <a:ea typeface="Pretendard Medium" panose="02000603000000020004" pitchFamily="2" charset="-127"/>
+                <a:cs typeface="Pretendard Medium" panose="02000603000000020004" pitchFamily="2" charset="-127"/>
+              </a:rPr>
+              <a:t>5</a:t>
+            </a:r>
+            <a:r>
+              <a:rPr lang="ko-KR" altLang="en-US" sz="900" dirty="0">
+                <a:solidFill>
+                  <a:srgbClr val="D4CFC5"/>
+                </a:solidFill>
+                <a:latin typeface="Pretendard Medium" panose="02000603000000020004" pitchFamily="2" charset="-127"/>
+                <a:ea typeface="Pretendard Medium" panose="02000603000000020004" pitchFamily="2" charset="-127"/>
+                <a:cs typeface="Pretendard Medium" panose="02000603000000020004" pitchFamily="2" charset="-127"/>
+              </a:rPr>
+              <a:t>개 형성합니다</a:t>
+            </a:r>
+            <a:r>
+              <a:rPr lang="en-US" altLang="ko-KR" sz="900" dirty="0">
+                <a:solidFill>
+                  <a:srgbClr val="D4CFC5"/>
+                </a:solidFill>
+                <a:latin typeface="Pretendard Medium" panose="02000603000000020004" pitchFamily="2" charset="-127"/>
+                <a:ea typeface="Pretendard Medium" panose="02000603000000020004" pitchFamily="2" charset="-127"/>
+                <a:cs typeface="Pretendard Medium" panose="02000603000000020004" pitchFamily="2" charset="-127"/>
+              </a:rPr>
+              <a:t>. </a:t>
+            </a:r>
             <a:r>
               <a:rPr lang="ko-KR" altLang="en-US" sz="900" dirty="0">
                 <a:solidFill>
@@ -20298,7 +20331,7 @@
         </p:nvSpPr>
         <p:spPr>
           <a:xfrm>
-            <a:off x="0" y="1308791"/>
+            <a:off x="0" y="1564974"/>
             <a:ext cx="4238959" cy="407804"/>
           </a:xfrm>
           <a:prstGeom prst="rect">
@@ -20337,7 +20370,29 @@
                 <a:ea typeface="Pretendard Medium" panose="02000603000000020004" pitchFamily="2" charset="-127"/>
                 <a:cs typeface="Pretendard Medium" panose="02000603000000020004" pitchFamily="2" charset="-127"/>
               </a:rPr>
-              <a:t>등가 교환      </a:t>
+              <a:t>조화</a:t>
+            </a:r>
+            <a:r>
+              <a:rPr lang="en-US" altLang="ko-KR" sz="900" dirty="0">
+                <a:solidFill>
+                  <a:srgbClr val="D4CFC5"/>
+                </a:solidFill>
+                <a:latin typeface="Pretendard Medium" panose="02000603000000020004" pitchFamily="2" charset="-127"/>
+                <a:ea typeface="Pretendard Medium" panose="02000603000000020004" pitchFamily="2" charset="-127"/>
+                <a:cs typeface="Pretendard Medium" panose="02000603000000020004" pitchFamily="2" charset="-127"/>
+              </a:rPr>
+              <a:t>, </a:t>
+            </a:r>
+            <a:r>
+              <a:rPr lang="ko-KR" altLang="en-US" sz="900" dirty="0">
+                <a:solidFill>
+                  <a:srgbClr val="D4CFC5"/>
+                </a:solidFill>
+                <a:latin typeface="Pretendard Medium" panose="02000603000000020004" pitchFamily="2" charset="-127"/>
+                <a:ea typeface="Pretendard Medium" panose="02000603000000020004" pitchFamily="2" charset="-127"/>
+                <a:cs typeface="Pretendard Medium" panose="02000603000000020004" pitchFamily="2" charset="-127"/>
+              </a:rPr>
+              <a:t>반동      </a:t>
             </a:r>
             <a:r>
               <a:rPr lang="en-US" altLang="ko-KR" sz="900" dirty="0">
@@ -20531,7 +20586,7 @@
                 <a:ea typeface="Pretendard Medium" panose="02000603000000020004" pitchFamily="2" charset="-127"/>
                 <a:cs typeface="Pretendard Medium" panose="02000603000000020004" pitchFamily="2" charset="-127"/>
               </a:rPr>
-              <a:t>흐름</a:t>
+              <a:t>등가교환</a:t>
             </a:r>
             <a:r>
               <a:rPr lang="en-US" altLang="ko-KR" sz="900" dirty="0">
@@ -21062,7 +21117,7 @@
                 <a:ea typeface="Pretendard Medium" panose="02000603000000020004" pitchFamily="2" charset="-127"/>
                 <a:cs typeface="Pretendard Medium" panose="02000603000000020004" pitchFamily="2" charset="-127"/>
               </a:rPr>
-              <a:t>밝기 증가           </a:t>
+              <a:t>완전한 조율           </a:t>
             </a:r>
             <a:r>
               <a:rPr lang="en-US" altLang="ko-KR" sz="900" dirty="0">

--- a/로스트아크/아스트로맨서(Astromancer)_현자/아이디어정리.pptx
+++ b/로스트아크/아스트로맨서(Astromancer)_현자/아이디어정리.pptx
@@ -217,7 +217,7 @@
           <a:p>
             <a:fld id="{41A0BF77-366A-45AA-8526-1F6902086AAF}" type="datetimeFigureOut">
               <a:rPr lang="ko-KR" altLang="en-US" smtClean="0"/>
-              <a:t>2025-04-05</a:t>
+              <a:t>2025-04-06</a:t>
             </a:fld>
             <a:endParaRPr lang="ko-KR" altLang="en-US"/>
           </a:p>
@@ -715,7 +715,7 @@
           <a:p>
             <a:fld id="{9C3EC951-20CE-4241-887B-24665EAD51A9}" type="datetimeFigureOut">
               <a:rPr lang="ko-KR" altLang="en-US" smtClean="0"/>
-              <a:t>2025-04-05</a:t>
+              <a:t>2025-04-06</a:t>
             </a:fld>
             <a:endParaRPr lang="ko-KR" altLang="en-US"/>
           </a:p>
@@ -913,7 +913,7 @@
           <a:p>
             <a:fld id="{9C3EC951-20CE-4241-887B-24665EAD51A9}" type="datetimeFigureOut">
               <a:rPr lang="ko-KR" altLang="en-US" smtClean="0"/>
-              <a:t>2025-04-05</a:t>
+              <a:t>2025-04-06</a:t>
             </a:fld>
             <a:endParaRPr lang="ko-KR" altLang="en-US"/>
           </a:p>
@@ -1121,7 +1121,7 @@
           <a:p>
             <a:fld id="{9C3EC951-20CE-4241-887B-24665EAD51A9}" type="datetimeFigureOut">
               <a:rPr lang="ko-KR" altLang="en-US" smtClean="0"/>
-              <a:t>2025-04-05</a:t>
+              <a:t>2025-04-06</a:t>
             </a:fld>
             <a:endParaRPr lang="ko-KR" altLang="en-US"/>
           </a:p>
@@ -1450,7 +1450,7 @@
           <a:p>
             <a:fld id="{9C3EC951-20CE-4241-887B-24665EAD51A9}" type="datetimeFigureOut">
               <a:rPr lang="ko-KR" altLang="en-US" smtClean="0"/>
-              <a:t>2025-04-05</a:t>
+              <a:t>2025-04-06</a:t>
             </a:fld>
             <a:endParaRPr lang="ko-KR" altLang="en-US"/>
           </a:p>
@@ -1715,7 +1715,7 @@
           <a:p>
             <a:fld id="{9C3EC951-20CE-4241-887B-24665EAD51A9}" type="datetimeFigureOut">
               <a:rPr lang="ko-KR" altLang="en-US" smtClean="0"/>
-              <a:t>2025-04-05</a:t>
+              <a:t>2025-04-06</a:t>
             </a:fld>
             <a:endParaRPr lang="ko-KR" altLang="en-US"/>
           </a:p>
@@ -2127,7 +2127,7 @@
           <a:p>
             <a:fld id="{9C3EC951-20CE-4241-887B-24665EAD51A9}" type="datetimeFigureOut">
               <a:rPr lang="ko-KR" altLang="en-US" smtClean="0"/>
-              <a:t>2025-04-05</a:t>
+              <a:t>2025-04-06</a:t>
             </a:fld>
             <a:endParaRPr lang="ko-KR" altLang="en-US"/>
           </a:p>
@@ -2268,7 +2268,7 @@
           <a:p>
             <a:fld id="{9C3EC951-20CE-4241-887B-24665EAD51A9}" type="datetimeFigureOut">
               <a:rPr lang="ko-KR" altLang="en-US" smtClean="0"/>
-              <a:t>2025-04-05</a:t>
+              <a:t>2025-04-06</a:t>
             </a:fld>
             <a:endParaRPr lang="ko-KR" altLang="en-US"/>
           </a:p>
@@ -2381,7 +2381,7 @@
           <a:p>
             <a:fld id="{9C3EC951-20CE-4241-887B-24665EAD51A9}" type="datetimeFigureOut">
               <a:rPr lang="ko-KR" altLang="en-US" smtClean="0"/>
-              <a:t>2025-04-05</a:t>
+              <a:t>2025-04-06</a:t>
             </a:fld>
             <a:endParaRPr lang="ko-KR" altLang="en-US"/>
           </a:p>
@@ -2692,7 +2692,7 @@
           <a:p>
             <a:fld id="{9C3EC951-20CE-4241-887B-24665EAD51A9}" type="datetimeFigureOut">
               <a:rPr lang="ko-KR" altLang="en-US" smtClean="0"/>
-              <a:t>2025-04-05</a:t>
+              <a:t>2025-04-06</a:t>
             </a:fld>
             <a:endParaRPr lang="ko-KR" altLang="en-US"/>
           </a:p>
@@ -2980,7 +2980,7 @@
           <a:p>
             <a:fld id="{9C3EC951-20CE-4241-887B-24665EAD51A9}" type="datetimeFigureOut">
               <a:rPr lang="ko-KR" altLang="en-US" smtClean="0"/>
-              <a:t>2025-04-05</a:t>
+              <a:t>2025-04-06</a:t>
             </a:fld>
             <a:endParaRPr lang="ko-KR" altLang="en-US"/>
           </a:p>
@@ -3221,7 +3221,7 @@
           <a:p>
             <a:fld id="{9C3EC951-20CE-4241-887B-24665EAD51A9}" type="datetimeFigureOut">
               <a:rPr lang="ko-KR" altLang="en-US" smtClean="0"/>
-              <a:t>2025-04-05</a:t>
+              <a:t>2025-04-06</a:t>
             </a:fld>
             <a:endParaRPr lang="ko-KR" altLang="en-US"/>
           </a:p>
@@ -6456,7 +6456,7 @@
         </p:nvSpPr>
         <p:spPr>
           <a:xfrm>
-            <a:off x="3147067" y="4461356"/>
+            <a:off x="2502830" y="4174194"/>
             <a:ext cx="4042773" cy="584775"/>
           </a:xfrm>
           <a:prstGeom prst="rect">
@@ -7103,6 +7103,1512 @@
           </p:txBody>
         </p:sp>
       </p:grpSp>
+      <p:sp>
+        <p:nvSpPr>
+          <p:cNvPr id="8" name="TextBox 7">
+            <a:extLst>
+              <a:ext uri="{FF2B5EF4-FFF2-40B4-BE49-F238E27FC236}">
+                <a16:creationId xmlns:a16="http://schemas.microsoft.com/office/drawing/2014/main" id="{7061558C-A8A9-FA6C-DCC7-7126E49BE469}"/>
+              </a:ext>
+            </a:extLst>
+          </p:cNvPr>
+          <p:cNvSpPr txBox="1"/>
+          <p:nvPr/>
+        </p:nvSpPr>
+        <p:spPr>
+          <a:xfrm>
+            <a:off x="0" y="5312967"/>
+            <a:ext cx="6761466" cy="3693319"/>
+          </a:xfrm>
+          <a:prstGeom prst="rect">
+            <a:avLst/>
+          </a:prstGeom>
+          <a:solidFill>
+            <a:srgbClr val="212227"/>
+          </a:solidFill>
+        </p:spPr>
+        <p:txBody>
+          <a:bodyPr wrap="none" lIns="0" rIns="0" rtlCol="0">
+            <a:spAutoFit/>
+          </a:bodyPr>
+          <a:lstStyle/>
+          <a:p>
+            <a:pPr>
+              <a:spcAft>
+                <a:spcPts val="300"/>
+              </a:spcAft>
+            </a:pPr>
+            <a:r>
+              <a:rPr lang="en-US" altLang="ko-KR" sz="900" dirty="0">
+                <a:solidFill>
+                  <a:schemeClr val="bg1"/>
+                </a:solidFill>
+                <a:latin typeface="Pretendard Medium" panose="02000603000000020004" pitchFamily="2" charset="-127"/>
+                <a:ea typeface="Pretendard Medium" panose="02000603000000020004" pitchFamily="2" charset="-127"/>
+                <a:cs typeface="Pretendard Medium" panose="02000603000000020004" pitchFamily="2" charset="-127"/>
+              </a:rPr>
+              <a:t>@ </a:t>
+            </a:r>
+            <a:r>
+              <a:rPr lang="ko-KR" altLang="en-US" sz="900" dirty="0">
+                <a:solidFill>
+                  <a:schemeClr val="bg1"/>
+                </a:solidFill>
+                <a:latin typeface="Pretendard Medium" panose="02000603000000020004" pitchFamily="2" charset="-127"/>
+                <a:ea typeface="Pretendard Medium" panose="02000603000000020004" pitchFamily="2" charset="-127"/>
+                <a:cs typeface="Pretendard Medium" panose="02000603000000020004" pitchFamily="2" charset="-127"/>
+              </a:rPr>
+              <a:t>생각해 봐야 할 것 </a:t>
+            </a:r>
+            <a:r>
+              <a:rPr lang="en-US" altLang="ko-KR" sz="900" dirty="0">
+                <a:solidFill>
+                  <a:schemeClr val="bg1"/>
+                </a:solidFill>
+                <a:latin typeface="Pretendard Medium" panose="02000603000000020004" pitchFamily="2" charset="-127"/>
+                <a:ea typeface="Pretendard Medium" panose="02000603000000020004" pitchFamily="2" charset="-127"/>
+                <a:cs typeface="Pretendard Medium" panose="02000603000000020004" pitchFamily="2" charset="-127"/>
+              </a:rPr>
+              <a:t>@</a:t>
+            </a:r>
+          </a:p>
+          <a:p>
+            <a:pPr marL="171450" indent="-171450">
+              <a:spcAft>
+                <a:spcPts val="300"/>
+              </a:spcAft>
+              <a:buFontTx/>
+              <a:buChar char="-"/>
+            </a:pPr>
+            <a:r>
+              <a:rPr lang="ko-KR" altLang="en-US" sz="900" dirty="0">
+                <a:solidFill>
+                  <a:schemeClr val="bg1"/>
+                </a:solidFill>
+                <a:latin typeface="Pretendard Medium" panose="02000603000000020004" pitchFamily="2" charset="-127"/>
+                <a:ea typeface="Pretendard Medium" panose="02000603000000020004" pitchFamily="2" charset="-127"/>
+                <a:cs typeface="Pretendard Medium" panose="02000603000000020004" pitchFamily="2" charset="-127"/>
+              </a:rPr>
+              <a:t>인공 별이 현상 스킬 시전에 필요한 개수가 남아 있을 때 현상 스킬 또 시전 가능</a:t>
+            </a:r>
+            <a:r>
+              <a:rPr lang="en-US" altLang="ko-KR" sz="900" dirty="0">
+                <a:solidFill>
+                  <a:schemeClr val="bg1"/>
+                </a:solidFill>
+                <a:latin typeface="Pretendard Medium" panose="02000603000000020004" pitchFamily="2" charset="-127"/>
+                <a:ea typeface="Pretendard Medium" panose="02000603000000020004" pitchFamily="2" charset="-127"/>
+                <a:cs typeface="Pretendard Medium" panose="02000603000000020004" pitchFamily="2" charset="-127"/>
+              </a:rPr>
+              <a:t>?</a:t>
+            </a:r>
+            <a:br>
+              <a:rPr lang="en-US" altLang="ko-KR" sz="900" dirty="0">
+                <a:solidFill>
+                  <a:schemeClr val="bg1"/>
+                </a:solidFill>
+                <a:latin typeface="Pretendard Medium" panose="02000603000000020004" pitchFamily="2" charset="-127"/>
+                <a:ea typeface="Pretendard Medium" panose="02000603000000020004" pitchFamily="2" charset="-127"/>
+                <a:cs typeface="Pretendard Medium" panose="02000603000000020004" pitchFamily="2" charset="-127"/>
+              </a:rPr>
+            </a:br>
+            <a:r>
+              <a:rPr lang="ko-KR" altLang="en-US" sz="900" dirty="0">
+                <a:solidFill>
+                  <a:schemeClr val="bg1"/>
+                </a:solidFill>
+                <a:latin typeface="Pretendard Medium" panose="02000603000000020004" pitchFamily="2" charset="-127"/>
+                <a:ea typeface="Pretendard Medium" panose="02000603000000020004" pitchFamily="2" charset="-127"/>
+                <a:cs typeface="Pretendard Medium" panose="02000603000000020004" pitchFamily="2" charset="-127"/>
+              </a:rPr>
+              <a:t>예시</a:t>
+            </a:r>
+            <a:r>
+              <a:rPr lang="en-US" altLang="ko-KR" sz="900" dirty="0">
+                <a:solidFill>
+                  <a:schemeClr val="bg1"/>
+                </a:solidFill>
+                <a:latin typeface="Pretendard Medium" panose="02000603000000020004" pitchFamily="2" charset="-127"/>
+                <a:ea typeface="Pretendard Medium" panose="02000603000000020004" pitchFamily="2" charset="-127"/>
+                <a:cs typeface="Pretendard Medium" panose="02000603000000020004" pitchFamily="2" charset="-127"/>
+              </a:rPr>
+              <a:t>) </a:t>
+            </a:r>
+            <a:r>
+              <a:rPr lang="ko-KR" altLang="en-US" sz="900" dirty="0">
+                <a:solidFill>
+                  <a:schemeClr val="bg1"/>
+                </a:solidFill>
+                <a:latin typeface="Pretendard Medium" panose="02000603000000020004" pitchFamily="2" charset="-127"/>
+                <a:ea typeface="Pretendard Medium" panose="02000603000000020004" pitchFamily="2" charset="-127"/>
+                <a:cs typeface="Pretendard Medium" panose="02000603000000020004" pitchFamily="2" charset="-127"/>
+              </a:rPr>
+              <a:t>수중에 인공별 </a:t>
+            </a:r>
+            <a:r>
+              <a:rPr lang="en-US" altLang="ko-KR" sz="900" dirty="0">
+                <a:solidFill>
+                  <a:schemeClr val="bg1"/>
+                </a:solidFill>
+                <a:latin typeface="Pretendard Medium" panose="02000603000000020004" pitchFamily="2" charset="-127"/>
+                <a:ea typeface="Pretendard Medium" panose="02000603000000020004" pitchFamily="2" charset="-127"/>
+                <a:cs typeface="Pretendard Medium" panose="02000603000000020004" pitchFamily="2" charset="-127"/>
+              </a:rPr>
+              <a:t>3</a:t>
+            </a:r>
+            <a:r>
+              <a:rPr lang="ko-KR" altLang="en-US" sz="900" dirty="0">
+                <a:solidFill>
+                  <a:schemeClr val="bg1"/>
+                </a:solidFill>
+                <a:latin typeface="Pretendard Medium" panose="02000603000000020004" pitchFamily="2" charset="-127"/>
+                <a:ea typeface="Pretendard Medium" panose="02000603000000020004" pitchFamily="2" charset="-127"/>
+                <a:cs typeface="Pretendard Medium" panose="02000603000000020004" pitchFamily="2" charset="-127"/>
+              </a:rPr>
+              <a:t>개 남음</a:t>
+            </a:r>
+            <a:r>
+              <a:rPr lang="en-US" altLang="ko-KR" sz="900" dirty="0">
+                <a:solidFill>
+                  <a:schemeClr val="bg1"/>
+                </a:solidFill>
+                <a:latin typeface="Pretendard Medium" panose="02000603000000020004" pitchFamily="2" charset="-127"/>
+                <a:ea typeface="Pretendard Medium" panose="02000603000000020004" pitchFamily="2" charset="-127"/>
+                <a:cs typeface="Pretendard Medium" panose="02000603000000020004" pitchFamily="2" charset="-127"/>
+              </a:rPr>
+              <a:t>, </a:t>
+            </a:r>
+            <a:r>
+              <a:rPr lang="ko-KR" altLang="en-US" sz="900" dirty="0">
+                <a:solidFill>
+                  <a:schemeClr val="bg1"/>
+                </a:solidFill>
+                <a:latin typeface="Pretendard Medium" panose="02000603000000020004" pitchFamily="2" charset="-127"/>
+                <a:ea typeface="Pretendard Medium" panose="02000603000000020004" pitchFamily="2" charset="-127"/>
+                <a:cs typeface="Pretendard Medium" panose="02000603000000020004" pitchFamily="2" charset="-127"/>
+              </a:rPr>
+              <a:t>인공 별 </a:t>
+            </a:r>
+            <a:r>
+              <a:rPr lang="en-US" altLang="ko-KR" sz="900" dirty="0">
+                <a:solidFill>
+                  <a:schemeClr val="bg1"/>
+                </a:solidFill>
+                <a:latin typeface="Pretendard Medium" panose="02000603000000020004" pitchFamily="2" charset="-127"/>
+                <a:ea typeface="Pretendard Medium" panose="02000603000000020004" pitchFamily="2" charset="-127"/>
+                <a:cs typeface="Pretendard Medium" panose="02000603000000020004" pitchFamily="2" charset="-127"/>
+              </a:rPr>
+              <a:t>3</a:t>
+            </a:r>
+            <a:r>
+              <a:rPr lang="ko-KR" altLang="en-US" sz="900" dirty="0">
+                <a:solidFill>
+                  <a:schemeClr val="bg1"/>
+                </a:solidFill>
+                <a:latin typeface="Pretendard Medium" panose="02000603000000020004" pitchFamily="2" charset="-127"/>
+                <a:ea typeface="Pretendard Medium" panose="02000603000000020004" pitchFamily="2" charset="-127"/>
+                <a:cs typeface="Pretendard Medium" panose="02000603000000020004" pitchFamily="2" charset="-127"/>
+              </a:rPr>
+              <a:t>개가 필요한 현상 스킬 시전 가능</a:t>
+            </a:r>
+            <a:r>
+              <a:rPr lang="en-US" altLang="ko-KR" sz="900" dirty="0">
+                <a:solidFill>
+                  <a:schemeClr val="bg1"/>
+                </a:solidFill>
+                <a:latin typeface="Pretendard Medium" panose="02000603000000020004" pitchFamily="2" charset="-127"/>
+                <a:ea typeface="Pretendard Medium" panose="02000603000000020004" pitchFamily="2" charset="-127"/>
+                <a:cs typeface="Pretendard Medium" panose="02000603000000020004" pitchFamily="2" charset="-127"/>
+              </a:rPr>
+              <a:t>?</a:t>
+            </a:r>
+            <a:br>
+              <a:rPr lang="en-US" altLang="ko-KR" sz="900" dirty="0">
+                <a:solidFill>
+                  <a:schemeClr val="bg1"/>
+                </a:solidFill>
+                <a:latin typeface="Pretendard Medium" panose="02000603000000020004" pitchFamily="2" charset="-127"/>
+                <a:ea typeface="Pretendard Medium" panose="02000603000000020004" pitchFamily="2" charset="-127"/>
+                <a:cs typeface="Pretendard Medium" panose="02000603000000020004" pitchFamily="2" charset="-127"/>
+              </a:rPr>
+            </a:br>
+            <a:r>
+              <a:rPr lang="en-US" altLang="ko-KR" sz="900" dirty="0">
+                <a:solidFill>
+                  <a:schemeClr val="bg1"/>
+                </a:solidFill>
+                <a:latin typeface="Pretendard Medium" panose="02000603000000020004" pitchFamily="2" charset="-127"/>
+                <a:ea typeface="Pretendard Medium" panose="02000603000000020004" pitchFamily="2" charset="-127"/>
+                <a:cs typeface="Pretendard Medium" panose="02000603000000020004" pitchFamily="2" charset="-127"/>
+              </a:rPr>
+              <a:t>          </a:t>
+            </a:r>
+            <a:r>
+              <a:rPr lang="ko-KR" altLang="en-US" sz="900" dirty="0">
+                <a:solidFill>
+                  <a:schemeClr val="bg1"/>
+                </a:solidFill>
+                <a:latin typeface="Pretendard Medium" panose="02000603000000020004" pitchFamily="2" charset="-127"/>
+                <a:ea typeface="Pretendard Medium" panose="02000603000000020004" pitchFamily="2" charset="-127"/>
+                <a:cs typeface="Pretendard Medium" panose="02000603000000020004" pitchFamily="2" charset="-127"/>
+              </a:rPr>
+              <a:t>인공별 </a:t>
+            </a:r>
+            <a:r>
+              <a:rPr lang="en-US" altLang="ko-KR" sz="900" dirty="0">
+                <a:solidFill>
+                  <a:schemeClr val="bg1"/>
+                </a:solidFill>
+                <a:latin typeface="Pretendard Medium" panose="02000603000000020004" pitchFamily="2" charset="-127"/>
+                <a:ea typeface="Pretendard Medium" panose="02000603000000020004" pitchFamily="2" charset="-127"/>
+                <a:cs typeface="Pretendard Medium" panose="02000603000000020004" pitchFamily="2" charset="-127"/>
+              </a:rPr>
+              <a:t>5</a:t>
+            </a:r>
+            <a:r>
+              <a:rPr lang="ko-KR" altLang="en-US" sz="900" dirty="0">
+                <a:solidFill>
+                  <a:schemeClr val="bg1"/>
+                </a:solidFill>
+                <a:latin typeface="Pretendard Medium" panose="02000603000000020004" pitchFamily="2" charset="-127"/>
+                <a:ea typeface="Pretendard Medium" panose="02000603000000020004" pitchFamily="2" charset="-127"/>
+                <a:cs typeface="Pretendard Medium" panose="02000603000000020004" pitchFamily="2" charset="-127"/>
+              </a:rPr>
+              <a:t>개 소모 현상 스킬 사용 </a:t>
+            </a:r>
+            <a:r>
+              <a:rPr lang="en-US" altLang="ko-KR" sz="900" dirty="0">
+                <a:solidFill>
+                  <a:schemeClr val="bg1"/>
+                </a:solidFill>
+                <a:latin typeface="Pretendard Medium" panose="02000603000000020004" pitchFamily="2" charset="-127"/>
+                <a:ea typeface="Pretendard Medium" panose="02000603000000020004" pitchFamily="2" charset="-127"/>
+                <a:cs typeface="Pretendard Medium" panose="02000603000000020004" pitchFamily="2" charset="-127"/>
+              </a:rPr>
+              <a:t>-&gt; </a:t>
+            </a:r>
+            <a:r>
+              <a:rPr lang="ko-KR" altLang="en-US" sz="900" dirty="0">
+                <a:solidFill>
+                  <a:schemeClr val="bg1"/>
+                </a:solidFill>
+                <a:latin typeface="Pretendard Medium" panose="02000603000000020004" pitchFamily="2" charset="-127"/>
+                <a:ea typeface="Pretendard Medium" panose="02000603000000020004" pitchFamily="2" charset="-127"/>
+                <a:cs typeface="Pretendard Medium" panose="02000603000000020004" pitchFamily="2" charset="-127"/>
+              </a:rPr>
+              <a:t>별자리 스킬 연계 </a:t>
+            </a:r>
+            <a:r>
+              <a:rPr lang="en-US" altLang="ko-KR" sz="900" dirty="0">
+                <a:solidFill>
+                  <a:schemeClr val="bg1"/>
+                </a:solidFill>
+                <a:latin typeface="Pretendard Medium" panose="02000603000000020004" pitchFamily="2" charset="-127"/>
+                <a:ea typeface="Pretendard Medium" panose="02000603000000020004" pitchFamily="2" charset="-127"/>
+                <a:cs typeface="Pretendard Medium" panose="02000603000000020004" pitchFamily="2" charset="-127"/>
+              </a:rPr>
+              <a:t>-&gt; </a:t>
+            </a:r>
+            <a:r>
+              <a:rPr lang="ko-KR" altLang="en-US" sz="900" dirty="0">
+                <a:solidFill>
+                  <a:schemeClr val="bg1"/>
+                </a:solidFill>
+                <a:latin typeface="Pretendard Medium" panose="02000603000000020004" pitchFamily="2" charset="-127"/>
+                <a:ea typeface="Pretendard Medium" panose="02000603000000020004" pitchFamily="2" charset="-127"/>
+                <a:cs typeface="Pretendard Medium" panose="02000603000000020004" pitchFamily="2" charset="-127"/>
+              </a:rPr>
+              <a:t>인공 별 회수 </a:t>
+            </a:r>
+            <a:endParaRPr lang="en-US" altLang="ko-KR" sz="900" dirty="0">
+              <a:solidFill>
+                <a:schemeClr val="bg1"/>
+              </a:solidFill>
+              <a:latin typeface="Pretendard Medium" panose="02000603000000020004" pitchFamily="2" charset="-127"/>
+              <a:ea typeface="Pretendard Medium" panose="02000603000000020004" pitchFamily="2" charset="-127"/>
+              <a:cs typeface="Pretendard Medium" panose="02000603000000020004" pitchFamily="2" charset="-127"/>
+            </a:endParaRPr>
+          </a:p>
+          <a:p>
+            <a:pPr marL="171450" indent="-171450">
+              <a:spcAft>
+                <a:spcPts val="300"/>
+              </a:spcAft>
+              <a:buFontTx/>
+              <a:buChar char="-"/>
+            </a:pPr>
+            <a:endParaRPr lang="en-US" altLang="ko-KR" sz="900" dirty="0">
+              <a:solidFill>
+                <a:schemeClr val="bg1"/>
+              </a:solidFill>
+              <a:latin typeface="Pretendard Medium" panose="02000603000000020004" pitchFamily="2" charset="-127"/>
+              <a:ea typeface="Pretendard Medium" panose="02000603000000020004" pitchFamily="2" charset="-127"/>
+              <a:cs typeface="Pretendard Medium" panose="02000603000000020004" pitchFamily="2" charset="-127"/>
+            </a:endParaRPr>
+          </a:p>
+          <a:p>
+            <a:pPr marL="171450" indent="-171450">
+              <a:spcAft>
+                <a:spcPts val="300"/>
+              </a:spcAft>
+              <a:buFontTx/>
+              <a:buChar char="-"/>
+            </a:pPr>
+            <a:r>
+              <a:rPr lang="ko-KR" altLang="en-US" sz="900" dirty="0">
+                <a:solidFill>
+                  <a:schemeClr val="bg1"/>
+                </a:solidFill>
+                <a:latin typeface="Pretendard Medium" panose="02000603000000020004" pitchFamily="2" charset="-127"/>
+                <a:ea typeface="Pretendard Medium" panose="02000603000000020004" pitchFamily="2" charset="-127"/>
+                <a:cs typeface="Pretendard Medium" panose="02000603000000020004" pitchFamily="2" charset="-127"/>
+              </a:rPr>
+              <a:t>기본으로 인공별 </a:t>
+            </a:r>
+            <a:r>
+              <a:rPr lang="en-US" altLang="ko-KR" sz="900" dirty="0">
+                <a:solidFill>
+                  <a:schemeClr val="bg1"/>
+                </a:solidFill>
+                <a:latin typeface="Pretendard Medium" panose="02000603000000020004" pitchFamily="2" charset="-127"/>
+                <a:ea typeface="Pretendard Medium" panose="02000603000000020004" pitchFamily="2" charset="-127"/>
+                <a:cs typeface="Pretendard Medium" panose="02000603000000020004" pitchFamily="2" charset="-127"/>
+              </a:rPr>
+              <a:t>5</a:t>
+            </a:r>
+            <a:r>
+              <a:rPr lang="ko-KR" altLang="en-US" sz="900" dirty="0">
+                <a:solidFill>
+                  <a:schemeClr val="bg1"/>
+                </a:solidFill>
+                <a:latin typeface="Pretendard Medium" panose="02000603000000020004" pitchFamily="2" charset="-127"/>
+                <a:ea typeface="Pretendard Medium" panose="02000603000000020004" pitchFamily="2" charset="-127"/>
+                <a:cs typeface="Pretendard Medium" panose="02000603000000020004" pitchFamily="2" charset="-127"/>
+              </a:rPr>
+              <a:t>개가 한번에 현상 스킬을 대신 시전</a:t>
+            </a:r>
+            <a:r>
+              <a:rPr lang="en-US" altLang="ko-KR" sz="900" dirty="0">
+                <a:solidFill>
+                  <a:schemeClr val="bg1"/>
+                </a:solidFill>
+                <a:latin typeface="Pretendard Medium" panose="02000603000000020004" pitchFamily="2" charset="-127"/>
+                <a:ea typeface="Pretendard Medium" panose="02000603000000020004" pitchFamily="2" charset="-127"/>
+                <a:cs typeface="Pretendard Medium" panose="02000603000000020004" pitchFamily="2" charset="-127"/>
+              </a:rPr>
+              <a:t>.</a:t>
+            </a:r>
+          </a:p>
+          <a:p>
+            <a:pPr marL="171450" indent="-171450">
+              <a:spcAft>
+                <a:spcPts val="300"/>
+              </a:spcAft>
+              <a:buFontTx/>
+              <a:buChar char="-"/>
+            </a:pPr>
+            <a:r>
+              <a:rPr lang="ko-KR" altLang="en-US" sz="900" dirty="0">
+                <a:solidFill>
+                  <a:schemeClr val="bg1"/>
+                </a:solidFill>
+                <a:latin typeface="Pretendard Medium" panose="02000603000000020004" pitchFamily="2" charset="-127"/>
+                <a:ea typeface="Pretendard Medium" panose="02000603000000020004" pitchFamily="2" charset="-127"/>
+                <a:cs typeface="Pretendard Medium" panose="02000603000000020004" pitchFamily="2" charset="-127"/>
+              </a:rPr>
+              <a:t>별자리 스킬 연계하면 별무리가 더 많이 참</a:t>
+            </a:r>
+            <a:r>
+              <a:rPr lang="en-US" altLang="ko-KR" sz="900" dirty="0">
+                <a:solidFill>
+                  <a:schemeClr val="bg1"/>
+                </a:solidFill>
+                <a:latin typeface="Pretendard Medium" panose="02000603000000020004" pitchFamily="2" charset="-127"/>
+                <a:ea typeface="Pretendard Medium" panose="02000603000000020004" pitchFamily="2" charset="-127"/>
+                <a:cs typeface="Pretendard Medium" panose="02000603000000020004" pitchFamily="2" charset="-127"/>
+              </a:rPr>
+              <a:t>.</a:t>
+            </a:r>
+          </a:p>
+          <a:p>
+            <a:pPr marL="171450" indent="-171450">
+              <a:spcAft>
+                <a:spcPts val="300"/>
+              </a:spcAft>
+              <a:buFontTx/>
+              <a:buChar char="-"/>
+            </a:pPr>
+            <a:r>
+              <a:rPr lang="ko-KR" altLang="en-US" sz="900" dirty="0">
+                <a:solidFill>
+                  <a:schemeClr val="bg1"/>
+                </a:solidFill>
+                <a:latin typeface="Pretendard Medium" panose="02000603000000020004" pitchFamily="2" charset="-127"/>
+                <a:ea typeface="Pretendard Medium" panose="02000603000000020004" pitchFamily="2" charset="-127"/>
+                <a:cs typeface="Pretendard Medium" panose="02000603000000020004" pitchFamily="2" charset="-127"/>
+              </a:rPr>
+              <a:t>별무리는 </a:t>
+            </a:r>
+            <a:r>
+              <a:rPr lang="en-US" altLang="ko-KR" sz="900" dirty="0">
+                <a:solidFill>
+                  <a:schemeClr val="bg1"/>
+                </a:solidFill>
+                <a:latin typeface="Pretendard Medium" panose="02000603000000020004" pitchFamily="2" charset="-127"/>
+                <a:ea typeface="Pretendard Medium" panose="02000603000000020004" pitchFamily="2" charset="-127"/>
+                <a:cs typeface="Pretendard Medium" panose="02000603000000020004" pitchFamily="2" charset="-127"/>
+              </a:rPr>
+              <a:t>8</a:t>
+            </a:r>
+            <a:r>
+              <a:rPr lang="ko-KR" altLang="en-US" sz="900" dirty="0">
+                <a:solidFill>
+                  <a:schemeClr val="bg1"/>
+                </a:solidFill>
+                <a:latin typeface="Pretendard Medium" panose="02000603000000020004" pitchFamily="2" charset="-127"/>
+                <a:ea typeface="Pretendard Medium" panose="02000603000000020004" pitchFamily="2" charset="-127"/>
+                <a:cs typeface="Pretendard Medium" panose="02000603000000020004" pitchFamily="2" charset="-127"/>
+              </a:rPr>
+              <a:t>칸</a:t>
+            </a:r>
+            <a:r>
+              <a:rPr lang="en-US" altLang="ko-KR" sz="900" dirty="0">
+                <a:solidFill>
+                  <a:schemeClr val="bg1"/>
+                </a:solidFill>
+                <a:latin typeface="Pretendard Medium" panose="02000603000000020004" pitchFamily="2" charset="-127"/>
+                <a:ea typeface="Pretendard Medium" panose="02000603000000020004" pitchFamily="2" charset="-127"/>
+                <a:cs typeface="Pretendard Medium" panose="02000603000000020004" pitchFamily="2" charset="-127"/>
+              </a:rPr>
+              <a:t>. </a:t>
+            </a:r>
+            <a:r>
+              <a:rPr lang="ko-KR" altLang="en-US" sz="900" dirty="0">
+                <a:solidFill>
+                  <a:schemeClr val="bg1"/>
+                </a:solidFill>
+                <a:latin typeface="Pretendard Medium" panose="02000603000000020004" pitchFamily="2" charset="-127"/>
+                <a:ea typeface="Pretendard Medium" panose="02000603000000020004" pitchFamily="2" charset="-127"/>
+                <a:cs typeface="Pretendard Medium" panose="02000603000000020004" pitchFamily="2" charset="-127"/>
+              </a:rPr>
+              <a:t>별무리를 모두 채우면 </a:t>
+            </a:r>
+            <a:r>
+              <a:rPr lang="en-US" altLang="ko-KR" sz="900" dirty="0">
+                <a:solidFill>
+                  <a:schemeClr val="bg1"/>
+                </a:solidFill>
+                <a:latin typeface="Pretendard Medium" panose="02000603000000020004" pitchFamily="2" charset="-127"/>
+                <a:ea typeface="Pretendard Medium" panose="02000603000000020004" pitchFamily="2" charset="-127"/>
+                <a:cs typeface="Pretendard Medium" panose="02000603000000020004" pitchFamily="2" charset="-127"/>
+              </a:rPr>
+              <a:t>10</a:t>
+            </a:r>
+            <a:r>
+              <a:rPr lang="ko-KR" altLang="en-US" sz="900" dirty="0">
+                <a:solidFill>
+                  <a:schemeClr val="bg1"/>
+                </a:solidFill>
+                <a:latin typeface="Pretendard Medium" panose="02000603000000020004" pitchFamily="2" charset="-127"/>
+                <a:ea typeface="Pretendard Medium" panose="02000603000000020004" pitchFamily="2" charset="-127"/>
+                <a:cs typeface="Pretendard Medium" panose="02000603000000020004" pitchFamily="2" charset="-127"/>
+              </a:rPr>
+              <a:t>초간 별무리를 소모할 수 있음</a:t>
+            </a:r>
+            <a:r>
+              <a:rPr lang="en-US" altLang="ko-KR" sz="900" dirty="0">
+                <a:solidFill>
+                  <a:schemeClr val="bg1"/>
+                </a:solidFill>
+                <a:latin typeface="Pretendard Medium" panose="02000603000000020004" pitchFamily="2" charset="-127"/>
+                <a:ea typeface="Pretendard Medium" panose="02000603000000020004" pitchFamily="2" charset="-127"/>
+                <a:cs typeface="Pretendard Medium" panose="02000603000000020004" pitchFamily="2" charset="-127"/>
+              </a:rPr>
+              <a:t>. </a:t>
+            </a:r>
+            <a:r>
+              <a:rPr lang="ko-KR" altLang="en-US" sz="900" dirty="0">
+                <a:solidFill>
+                  <a:schemeClr val="bg1"/>
+                </a:solidFill>
+                <a:latin typeface="Pretendard Medium" panose="02000603000000020004" pitchFamily="2" charset="-127"/>
+                <a:ea typeface="Pretendard Medium" panose="02000603000000020004" pitchFamily="2" charset="-127"/>
+                <a:cs typeface="Pretendard Medium" panose="02000603000000020004" pitchFamily="2" charset="-127"/>
+              </a:rPr>
+              <a:t>현상 스킬 사용 시 별무리 소모하여 강한 피해를 줌</a:t>
+            </a:r>
+            <a:r>
+              <a:rPr lang="en-US" altLang="ko-KR" sz="900" dirty="0">
+                <a:solidFill>
+                  <a:schemeClr val="bg1"/>
+                </a:solidFill>
+                <a:latin typeface="Pretendard Medium" panose="02000603000000020004" pitchFamily="2" charset="-127"/>
+                <a:ea typeface="Pretendard Medium" panose="02000603000000020004" pitchFamily="2" charset="-127"/>
+                <a:cs typeface="Pretendard Medium" panose="02000603000000020004" pitchFamily="2" charset="-127"/>
+              </a:rPr>
+              <a:t>.</a:t>
+            </a:r>
+          </a:p>
+          <a:p>
+            <a:pPr marL="171450" indent="-171450">
+              <a:spcAft>
+                <a:spcPts val="300"/>
+              </a:spcAft>
+              <a:buFontTx/>
+              <a:buChar char="-"/>
+            </a:pPr>
+            <a:r>
+              <a:rPr lang="ko-KR" altLang="en-US" sz="900" dirty="0">
+                <a:solidFill>
+                  <a:schemeClr val="bg1"/>
+                </a:solidFill>
+                <a:latin typeface="Pretendard Medium" panose="02000603000000020004" pitchFamily="2" charset="-127"/>
+                <a:ea typeface="Pretendard Medium" panose="02000603000000020004" pitchFamily="2" charset="-127"/>
+                <a:cs typeface="Pretendard Medium" panose="02000603000000020004" pitchFamily="2" charset="-127"/>
+              </a:rPr>
+              <a:t>소모하는 별 무리는 현상 스킬의 기본 재사용 대기 시간에 비례 </a:t>
+            </a:r>
+            <a:r>
+              <a:rPr lang="en-US" altLang="ko-KR" sz="900" dirty="0">
+                <a:solidFill>
+                  <a:schemeClr val="bg1"/>
+                </a:solidFill>
+                <a:latin typeface="Pretendard Medium" panose="02000603000000020004" pitchFamily="2" charset="-127"/>
+                <a:ea typeface="Pretendard Medium" panose="02000603000000020004" pitchFamily="2" charset="-127"/>
+                <a:cs typeface="Pretendard Medium" panose="02000603000000020004" pitchFamily="2" charset="-127"/>
+              </a:rPr>
+              <a:t>(6</a:t>
+            </a:r>
+            <a:r>
+              <a:rPr lang="ko-KR" altLang="en-US" sz="900" dirty="0">
+                <a:solidFill>
+                  <a:schemeClr val="bg1"/>
+                </a:solidFill>
+                <a:latin typeface="Pretendard Medium" panose="02000603000000020004" pitchFamily="2" charset="-127"/>
+                <a:ea typeface="Pretendard Medium" panose="02000603000000020004" pitchFamily="2" charset="-127"/>
+                <a:cs typeface="Pretendard Medium" panose="02000603000000020004" pitchFamily="2" charset="-127"/>
+              </a:rPr>
+              <a:t>초당 </a:t>
+            </a:r>
+            <a:r>
+              <a:rPr lang="en-US" altLang="ko-KR" sz="900" dirty="0">
+                <a:solidFill>
+                  <a:schemeClr val="bg1"/>
+                </a:solidFill>
+                <a:latin typeface="Pretendard Medium" panose="02000603000000020004" pitchFamily="2" charset="-127"/>
+                <a:ea typeface="Pretendard Medium" panose="02000603000000020004" pitchFamily="2" charset="-127"/>
+                <a:cs typeface="Pretendard Medium" panose="02000603000000020004" pitchFamily="2" charset="-127"/>
+              </a:rPr>
+              <a:t>1</a:t>
+            </a:r>
+            <a:r>
+              <a:rPr lang="ko-KR" altLang="en-US" sz="900" dirty="0">
+                <a:solidFill>
+                  <a:schemeClr val="bg1"/>
+                </a:solidFill>
+                <a:latin typeface="Pretendard Medium" panose="02000603000000020004" pitchFamily="2" charset="-127"/>
+                <a:ea typeface="Pretendard Medium" panose="02000603000000020004" pitchFamily="2" charset="-127"/>
+                <a:cs typeface="Pretendard Medium" panose="02000603000000020004" pitchFamily="2" charset="-127"/>
+              </a:rPr>
+              <a:t>칸</a:t>
+            </a:r>
+            <a:r>
+              <a:rPr lang="en-US" altLang="ko-KR" sz="900" dirty="0">
+                <a:solidFill>
+                  <a:schemeClr val="bg1"/>
+                </a:solidFill>
+                <a:latin typeface="Pretendard Medium" panose="02000603000000020004" pitchFamily="2" charset="-127"/>
+                <a:ea typeface="Pretendard Medium" panose="02000603000000020004" pitchFamily="2" charset="-127"/>
+                <a:cs typeface="Pretendard Medium" panose="02000603000000020004" pitchFamily="2" charset="-127"/>
+              </a:rPr>
+              <a:t>) (</a:t>
+            </a:r>
+            <a:r>
+              <a:rPr lang="ko-KR" altLang="en-US" sz="900" dirty="0">
+                <a:solidFill>
+                  <a:schemeClr val="bg1"/>
+                </a:solidFill>
+                <a:latin typeface="Pretendard Medium" panose="02000603000000020004" pitchFamily="2" charset="-127"/>
+                <a:ea typeface="Pretendard Medium" panose="02000603000000020004" pitchFamily="2" charset="-127"/>
+                <a:cs typeface="Pretendard Medium" panose="02000603000000020004" pitchFamily="2" charset="-127"/>
+              </a:rPr>
+              <a:t>최대 </a:t>
+            </a:r>
+            <a:r>
+              <a:rPr lang="en-US" altLang="ko-KR" sz="900" dirty="0">
+                <a:solidFill>
+                  <a:schemeClr val="bg1"/>
+                </a:solidFill>
+                <a:latin typeface="Pretendard Medium" panose="02000603000000020004" pitchFamily="2" charset="-127"/>
+                <a:ea typeface="Pretendard Medium" panose="02000603000000020004" pitchFamily="2" charset="-127"/>
+                <a:cs typeface="Pretendard Medium" panose="02000603000000020004" pitchFamily="2" charset="-127"/>
+              </a:rPr>
+              <a:t>5</a:t>
+            </a:r>
+            <a:r>
+              <a:rPr lang="ko-KR" altLang="en-US" sz="900" dirty="0">
+                <a:solidFill>
+                  <a:schemeClr val="bg1"/>
+                </a:solidFill>
+                <a:latin typeface="Pretendard Medium" panose="02000603000000020004" pitchFamily="2" charset="-127"/>
+                <a:ea typeface="Pretendard Medium" panose="02000603000000020004" pitchFamily="2" charset="-127"/>
+                <a:cs typeface="Pretendard Medium" panose="02000603000000020004" pitchFamily="2" charset="-127"/>
+              </a:rPr>
+              <a:t>칸</a:t>
+            </a:r>
+            <a:r>
+              <a:rPr lang="en-US" altLang="ko-KR" sz="900" dirty="0">
+                <a:solidFill>
+                  <a:schemeClr val="bg1"/>
+                </a:solidFill>
+                <a:latin typeface="Pretendard Medium" panose="02000603000000020004" pitchFamily="2" charset="-127"/>
+                <a:ea typeface="Pretendard Medium" panose="02000603000000020004" pitchFamily="2" charset="-127"/>
+                <a:cs typeface="Pretendard Medium" panose="02000603000000020004" pitchFamily="2" charset="-127"/>
+              </a:rPr>
+              <a:t>)</a:t>
+            </a:r>
+          </a:p>
+          <a:p>
+            <a:pPr marL="171450" indent="-171450">
+              <a:spcAft>
+                <a:spcPts val="300"/>
+              </a:spcAft>
+              <a:buFontTx/>
+              <a:buChar char="-"/>
+            </a:pPr>
+            <a:r>
+              <a:rPr lang="ko-KR" altLang="en-US" sz="900" dirty="0">
+                <a:solidFill>
+                  <a:schemeClr val="bg1"/>
+                </a:solidFill>
+                <a:latin typeface="Pretendard Medium" panose="02000603000000020004" pitchFamily="2" charset="-127"/>
+                <a:ea typeface="Pretendard Medium" panose="02000603000000020004" pitchFamily="2" charset="-127"/>
+                <a:cs typeface="Pretendard Medium" panose="02000603000000020004" pitchFamily="2" charset="-127"/>
+              </a:rPr>
+              <a:t>별자리 스킬 연계 시 </a:t>
+            </a:r>
+            <a:r>
+              <a:rPr lang="en-US" altLang="ko-KR" sz="900" dirty="0">
+                <a:solidFill>
+                  <a:schemeClr val="bg1"/>
+                </a:solidFill>
+                <a:latin typeface="Pretendard Medium" panose="02000603000000020004" pitchFamily="2" charset="-127"/>
+                <a:ea typeface="Pretendard Medium" panose="02000603000000020004" pitchFamily="2" charset="-127"/>
+                <a:cs typeface="Pretendard Medium" panose="02000603000000020004" pitchFamily="2" charset="-127"/>
+              </a:rPr>
+              <a:t>1</a:t>
+            </a:r>
+            <a:r>
+              <a:rPr lang="ko-KR" altLang="en-US" sz="900" dirty="0">
+                <a:solidFill>
+                  <a:schemeClr val="bg1"/>
+                </a:solidFill>
+                <a:latin typeface="Pretendard Medium" panose="02000603000000020004" pitchFamily="2" charset="-127"/>
+                <a:ea typeface="Pretendard Medium" panose="02000603000000020004" pitchFamily="2" charset="-127"/>
+                <a:cs typeface="Pretendard Medium" panose="02000603000000020004" pitchFamily="2" charset="-127"/>
+              </a:rPr>
+              <a:t>칸을 복구 </a:t>
+            </a:r>
+            <a:r>
+              <a:rPr lang="ko-KR" altLang="en-US" sz="900" dirty="0" err="1">
+                <a:solidFill>
+                  <a:schemeClr val="bg1"/>
+                </a:solidFill>
+                <a:latin typeface="Pretendard Medium" panose="02000603000000020004" pitchFamily="2" charset="-127"/>
+                <a:ea typeface="Pretendard Medium" panose="02000603000000020004" pitchFamily="2" charset="-127"/>
+                <a:cs typeface="Pretendard Medium" panose="02000603000000020004" pitchFamily="2" charset="-127"/>
+              </a:rPr>
+              <a:t>해줌</a:t>
+            </a:r>
+            <a:r>
+              <a:rPr lang="en-US" altLang="ko-KR" sz="900" dirty="0">
+                <a:solidFill>
+                  <a:schemeClr val="bg1"/>
+                </a:solidFill>
+                <a:latin typeface="Pretendard Medium" panose="02000603000000020004" pitchFamily="2" charset="-127"/>
+                <a:ea typeface="Pretendard Medium" panose="02000603000000020004" pitchFamily="2" charset="-127"/>
+                <a:cs typeface="Pretendard Medium" panose="02000603000000020004" pitchFamily="2" charset="-127"/>
+              </a:rPr>
+              <a:t>. </a:t>
+            </a:r>
+          </a:p>
+          <a:p>
+            <a:pPr marL="171450" indent="-171450">
+              <a:spcAft>
+                <a:spcPts val="300"/>
+              </a:spcAft>
+              <a:buFontTx/>
+              <a:buChar char="-"/>
+            </a:pPr>
+            <a:r>
+              <a:rPr lang="ko-KR" altLang="en-US" sz="900" dirty="0">
+                <a:solidFill>
+                  <a:schemeClr val="bg1"/>
+                </a:solidFill>
+                <a:latin typeface="Pretendard Medium" panose="02000603000000020004" pitchFamily="2" charset="-127"/>
+                <a:ea typeface="Pretendard Medium" panose="02000603000000020004" pitchFamily="2" charset="-127"/>
+                <a:cs typeface="Pretendard Medium" panose="02000603000000020004" pitchFamily="2" charset="-127"/>
+              </a:rPr>
+              <a:t>예시</a:t>
+            </a:r>
+            <a:r>
+              <a:rPr lang="en-US" altLang="ko-KR" sz="900" dirty="0">
+                <a:solidFill>
+                  <a:schemeClr val="bg1"/>
+                </a:solidFill>
+                <a:latin typeface="Pretendard Medium" panose="02000603000000020004" pitchFamily="2" charset="-127"/>
+                <a:ea typeface="Pretendard Medium" panose="02000603000000020004" pitchFamily="2" charset="-127"/>
+                <a:cs typeface="Pretendard Medium" panose="02000603000000020004" pitchFamily="2" charset="-127"/>
+              </a:rPr>
+              <a:t>) </a:t>
+            </a:r>
+            <a:r>
+              <a:rPr lang="ko-KR" altLang="en-US" sz="900" dirty="0">
+                <a:solidFill>
+                  <a:schemeClr val="bg1"/>
+                </a:solidFill>
+                <a:latin typeface="Pretendard Medium" panose="02000603000000020004" pitchFamily="2" charset="-127"/>
+                <a:ea typeface="Pretendard Medium" panose="02000603000000020004" pitchFamily="2" charset="-127"/>
+                <a:cs typeface="Pretendard Medium" panose="02000603000000020004" pitchFamily="2" charset="-127"/>
+              </a:rPr>
+              <a:t>별무리 </a:t>
+            </a:r>
+            <a:r>
+              <a:rPr lang="en-US" altLang="ko-KR" sz="900" dirty="0">
+                <a:solidFill>
+                  <a:schemeClr val="bg1"/>
+                </a:solidFill>
+                <a:latin typeface="Pretendard Medium" panose="02000603000000020004" pitchFamily="2" charset="-127"/>
+                <a:ea typeface="Pretendard Medium" panose="02000603000000020004" pitchFamily="2" charset="-127"/>
+                <a:cs typeface="Pretendard Medium" panose="02000603000000020004" pitchFamily="2" charset="-127"/>
+              </a:rPr>
+              <a:t>5</a:t>
+            </a:r>
+            <a:r>
+              <a:rPr lang="ko-KR" altLang="en-US" sz="900" dirty="0">
+                <a:solidFill>
+                  <a:schemeClr val="bg1"/>
+                </a:solidFill>
+                <a:latin typeface="Pretendard Medium" panose="02000603000000020004" pitchFamily="2" charset="-127"/>
+                <a:ea typeface="Pretendard Medium" panose="02000603000000020004" pitchFamily="2" charset="-127"/>
+                <a:cs typeface="Pretendard Medium" panose="02000603000000020004" pitchFamily="2" charset="-127"/>
+              </a:rPr>
+              <a:t>칸 소모 </a:t>
+            </a:r>
+            <a:r>
+              <a:rPr lang="en-US" altLang="ko-KR" sz="900" dirty="0">
+                <a:solidFill>
+                  <a:schemeClr val="bg1"/>
+                </a:solidFill>
+                <a:latin typeface="Pretendard Medium" panose="02000603000000020004" pitchFamily="2" charset="-127"/>
+                <a:ea typeface="Pretendard Medium" panose="02000603000000020004" pitchFamily="2" charset="-127"/>
+                <a:cs typeface="Pretendard Medium" panose="02000603000000020004" pitchFamily="2" charset="-127"/>
+              </a:rPr>
+              <a:t>-&gt; </a:t>
+            </a:r>
+            <a:r>
+              <a:rPr lang="ko-KR" altLang="en-US" sz="900" dirty="0">
+                <a:solidFill>
+                  <a:schemeClr val="bg1"/>
+                </a:solidFill>
+                <a:latin typeface="Pretendard Medium" panose="02000603000000020004" pitchFamily="2" charset="-127"/>
+                <a:ea typeface="Pretendard Medium" panose="02000603000000020004" pitchFamily="2" charset="-127"/>
+                <a:cs typeface="Pretendard Medium" panose="02000603000000020004" pitchFamily="2" charset="-127"/>
+              </a:rPr>
+              <a:t>별자리 스킬 연계 </a:t>
+            </a:r>
+            <a:r>
+              <a:rPr lang="en-US" altLang="ko-KR" sz="900" dirty="0">
+                <a:solidFill>
+                  <a:schemeClr val="bg1"/>
+                </a:solidFill>
+                <a:latin typeface="Pretendard Medium" panose="02000603000000020004" pitchFamily="2" charset="-127"/>
+                <a:ea typeface="Pretendard Medium" panose="02000603000000020004" pitchFamily="2" charset="-127"/>
+                <a:cs typeface="Pretendard Medium" panose="02000603000000020004" pitchFamily="2" charset="-127"/>
+              </a:rPr>
+              <a:t>-&gt; 1</a:t>
+            </a:r>
+            <a:r>
+              <a:rPr lang="ko-KR" altLang="en-US" sz="900" dirty="0">
+                <a:solidFill>
+                  <a:schemeClr val="bg1"/>
+                </a:solidFill>
+                <a:latin typeface="Pretendard Medium" panose="02000603000000020004" pitchFamily="2" charset="-127"/>
+                <a:ea typeface="Pretendard Medium" panose="02000603000000020004" pitchFamily="2" charset="-127"/>
+                <a:cs typeface="Pretendard Medium" panose="02000603000000020004" pitchFamily="2" charset="-127"/>
+              </a:rPr>
+              <a:t>칸 복구로 남은 별무리 </a:t>
+            </a:r>
+            <a:r>
+              <a:rPr lang="en-US" altLang="ko-KR" sz="900" dirty="0">
+                <a:solidFill>
+                  <a:schemeClr val="bg1"/>
+                </a:solidFill>
+                <a:latin typeface="Pretendard Medium" panose="02000603000000020004" pitchFamily="2" charset="-127"/>
+                <a:ea typeface="Pretendard Medium" panose="02000603000000020004" pitchFamily="2" charset="-127"/>
+                <a:cs typeface="Pretendard Medium" panose="02000603000000020004" pitchFamily="2" charset="-127"/>
+              </a:rPr>
+              <a:t>4</a:t>
+            </a:r>
+            <a:r>
+              <a:rPr lang="ko-KR" altLang="en-US" sz="900" dirty="0">
+                <a:solidFill>
+                  <a:schemeClr val="bg1"/>
+                </a:solidFill>
+                <a:latin typeface="Pretendard Medium" panose="02000603000000020004" pitchFamily="2" charset="-127"/>
+                <a:ea typeface="Pretendard Medium" panose="02000603000000020004" pitchFamily="2" charset="-127"/>
+                <a:cs typeface="Pretendard Medium" panose="02000603000000020004" pitchFamily="2" charset="-127"/>
+              </a:rPr>
+              <a:t>칸 </a:t>
+            </a:r>
+            <a:r>
+              <a:rPr lang="en-US" altLang="ko-KR" sz="900" dirty="0">
+                <a:solidFill>
+                  <a:schemeClr val="bg1"/>
+                </a:solidFill>
+                <a:latin typeface="Pretendard Medium" panose="02000603000000020004" pitchFamily="2" charset="-127"/>
+                <a:ea typeface="Pretendard Medium" panose="02000603000000020004" pitchFamily="2" charset="-127"/>
+                <a:cs typeface="Pretendard Medium" panose="02000603000000020004" pitchFamily="2" charset="-127"/>
+              </a:rPr>
+              <a:t>-&gt; </a:t>
+            </a:r>
+            <a:r>
+              <a:rPr lang="ko-KR" altLang="en-US" sz="900" dirty="0">
+                <a:solidFill>
+                  <a:schemeClr val="bg1"/>
+                </a:solidFill>
+                <a:latin typeface="Pretendard Medium" panose="02000603000000020004" pitchFamily="2" charset="-127"/>
+                <a:ea typeface="Pretendard Medium" panose="02000603000000020004" pitchFamily="2" charset="-127"/>
+                <a:cs typeface="Pretendard Medium" panose="02000603000000020004" pitchFamily="2" charset="-127"/>
+              </a:rPr>
+              <a:t>별무리 </a:t>
+            </a:r>
+            <a:r>
+              <a:rPr lang="en-US" altLang="ko-KR" sz="900" dirty="0">
+                <a:solidFill>
+                  <a:schemeClr val="bg1"/>
+                </a:solidFill>
+                <a:latin typeface="Pretendard Medium" panose="02000603000000020004" pitchFamily="2" charset="-127"/>
+                <a:ea typeface="Pretendard Medium" panose="02000603000000020004" pitchFamily="2" charset="-127"/>
+                <a:cs typeface="Pretendard Medium" panose="02000603000000020004" pitchFamily="2" charset="-127"/>
+              </a:rPr>
+              <a:t>4</a:t>
+            </a:r>
+            <a:r>
+              <a:rPr lang="ko-KR" altLang="en-US" sz="900" dirty="0">
+                <a:solidFill>
+                  <a:schemeClr val="bg1"/>
+                </a:solidFill>
+                <a:latin typeface="Pretendard Medium" panose="02000603000000020004" pitchFamily="2" charset="-127"/>
+                <a:ea typeface="Pretendard Medium" panose="02000603000000020004" pitchFamily="2" charset="-127"/>
+                <a:cs typeface="Pretendard Medium" panose="02000603000000020004" pitchFamily="2" charset="-127"/>
+              </a:rPr>
+              <a:t>칸 소모 </a:t>
+            </a:r>
+            <a:r>
+              <a:rPr lang="en-US" altLang="ko-KR" sz="900" dirty="0">
+                <a:solidFill>
+                  <a:schemeClr val="bg1"/>
+                </a:solidFill>
+                <a:latin typeface="Pretendard Medium" panose="02000603000000020004" pitchFamily="2" charset="-127"/>
+                <a:ea typeface="Pretendard Medium" panose="02000603000000020004" pitchFamily="2" charset="-127"/>
+                <a:cs typeface="Pretendard Medium" panose="02000603000000020004" pitchFamily="2" charset="-127"/>
+              </a:rPr>
+              <a:t>-&gt; </a:t>
+            </a:r>
+            <a:r>
+              <a:rPr lang="ko-KR" altLang="en-US" sz="900" dirty="0">
+                <a:solidFill>
+                  <a:schemeClr val="bg1"/>
+                </a:solidFill>
+                <a:latin typeface="Pretendard Medium" panose="02000603000000020004" pitchFamily="2" charset="-127"/>
+                <a:ea typeface="Pretendard Medium" panose="02000603000000020004" pitchFamily="2" charset="-127"/>
+                <a:cs typeface="Pretendard Medium" panose="02000603000000020004" pitchFamily="2" charset="-127"/>
+              </a:rPr>
+              <a:t>별자리 스킬 연계 </a:t>
+            </a:r>
+            <a:r>
+              <a:rPr lang="en-US" altLang="ko-KR" sz="900" dirty="0">
+                <a:solidFill>
+                  <a:schemeClr val="bg1"/>
+                </a:solidFill>
+                <a:latin typeface="Pretendard Medium" panose="02000603000000020004" pitchFamily="2" charset="-127"/>
+                <a:ea typeface="Pretendard Medium" panose="02000603000000020004" pitchFamily="2" charset="-127"/>
+                <a:cs typeface="Pretendard Medium" panose="02000603000000020004" pitchFamily="2" charset="-127"/>
+              </a:rPr>
+              <a:t>-&gt; 1</a:t>
+            </a:r>
+            <a:r>
+              <a:rPr lang="ko-KR" altLang="en-US" sz="900" dirty="0">
+                <a:solidFill>
+                  <a:schemeClr val="bg1"/>
+                </a:solidFill>
+                <a:latin typeface="Pretendard Medium" panose="02000603000000020004" pitchFamily="2" charset="-127"/>
+                <a:ea typeface="Pretendard Medium" panose="02000603000000020004" pitchFamily="2" charset="-127"/>
+                <a:cs typeface="Pretendard Medium" panose="02000603000000020004" pitchFamily="2" charset="-127"/>
+              </a:rPr>
+              <a:t>칸 복구로 남은 별무리 </a:t>
+            </a:r>
+            <a:r>
+              <a:rPr lang="en-US" altLang="ko-KR" sz="900" dirty="0">
+                <a:solidFill>
+                  <a:schemeClr val="bg1"/>
+                </a:solidFill>
+                <a:latin typeface="Pretendard Medium" panose="02000603000000020004" pitchFamily="2" charset="-127"/>
+                <a:ea typeface="Pretendard Medium" panose="02000603000000020004" pitchFamily="2" charset="-127"/>
+                <a:cs typeface="Pretendard Medium" panose="02000603000000020004" pitchFamily="2" charset="-127"/>
+              </a:rPr>
+              <a:t>1</a:t>
+            </a:r>
+            <a:r>
+              <a:rPr lang="ko-KR" altLang="en-US" sz="900" dirty="0">
+                <a:solidFill>
+                  <a:schemeClr val="bg1"/>
+                </a:solidFill>
+                <a:latin typeface="Pretendard Medium" panose="02000603000000020004" pitchFamily="2" charset="-127"/>
+                <a:ea typeface="Pretendard Medium" panose="02000603000000020004" pitchFamily="2" charset="-127"/>
+                <a:cs typeface="Pretendard Medium" panose="02000603000000020004" pitchFamily="2" charset="-127"/>
+              </a:rPr>
+              <a:t>칸</a:t>
+            </a:r>
+            <a:endParaRPr lang="en-US" altLang="ko-KR" sz="900" dirty="0">
+              <a:solidFill>
+                <a:schemeClr val="bg1"/>
+              </a:solidFill>
+              <a:latin typeface="Pretendard Medium" panose="02000603000000020004" pitchFamily="2" charset="-127"/>
+              <a:ea typeface="Pretendard Medium" panose="02000603000000020004" pitchFamily="2" charset="-127"/>
+              <a:cs typeface="Pretendard Medium" panose="02000603000000020004" pitchFamily="2" charset="-127"/>
+            </a:endParaRPr>
+          </a:p>
+          <a:p>
+            <a:pPr marL="171450" indent="-171450">
+              <a:spcAft>
+                <a:spcPts val="300"/>
+              </a:spcAft>
+              <a:buFontTx/>
+              <a:buChar char="-"/>
+            </a:pPr>
+            <a:r>
+              <a:rPr lang="ko-KR" altLang="en-US" sz="900" dirty="0">
+                <a:solidFill>
+                  <a:schemeClr val="bg1"/>
+                </a:solidFill>
+                <a:latin typeface="Pretendard Medium" panose="02000603000000020004" pitchFamily="2" charset="-127"/>
+                <a:ea typeface="Pretendard Medium" panose="02000603000000020004" pitchFamily="2" charset="-127"/>
+                <a:cs typeface="Pretendard Medium" panose="02000603000000020004" pitchFamily="2" charset="-127"/>
+              </a:rPr>
+              <a:t>인공 별의 시전 속도 </a:t>
+            </a:r>
+            <a:r>
+              <a:rPr lang="en-US" altLang="ko-KR" sz="900" dirty="0">
+                <a:solidFill>
+                  <a:schemeClr val="bg1"/>
+                </a:solidFill>
+                <a:latin typeface="Pretendard Medium" panose="02000603000000020004" pitchFamily="2" charset="-127"/>
+                <a:ea typeface="Pretendard Medium" panose="02000603000000020004" pitchFamily="2" charset="-127"/>
+                <a:cs typeface="Pretendard Medium" panose="02000603000000020004" pitchFamily="2" charset="-127"/>
+              </a:rPr>
+              <a:t>= </a:t>
+            </a:r>
+            <a:r>
+              <a:rPr lang="ko-KR" altLang="en-US" sz="900" dirty="0">
+                <a:solidFill>
+                  <a:schemeClr val="bg1"/>
+                </a:solidFill>
+                <a:latin typeface="Pretendard Medium" panose="02000603000000020004" pitchFamily="2" charset="-127"/>
+                <a:ea typeface="Pretendard Medium" panose="02000603000000020004" pitchFamily="2" charset="-127"/>
+                <a:cs typeface="Pretendard Medium" panose="02000603000000020004" pitchFamily="2" charset="-127"/>
+              </a:rPr>
+              <a:t>캐릭터의 공격 속도 </a:t>
+            </a:r>
+            <a:r>
+              <a:rPr lang="en-US" altLang="ko-KR" sz="900" dirty="0">
+                <a:solidFill>
+                  <a:schemeClr val="bg1"/>
+                </a:solidFill>
+                <a:latin typeface="Pretendard Medium" panose="02000603000000020004" pitchFamily="2" charset="-127"/>
+                <a:ea typeface="Pretendard Medium" panose="02000603000000020004" pitchFamily="2" charset="-127"/>
+                <a:cs typeface="Pretendard Medium" panose="02000603000000020004" pitchFamily="2" charset="-127"/>
+              </a:rPr>
+              <a:t>/ </a:t>
+            </a:r>
+            <a:r>
+              <a:rPr lang="ko-KR" altLang="en-US" sz="900" dirty="0">
+                <a:solidFill>
+                  <a:schemeClr val="bg1"/>
+                </a:solidFill>
+                <a:latin typeface="Pretendard Medium" panose="02000603000000020004" pitchFamily="2" charset="-127"/>
+                <a:ea typeface="Pretendard Medium" panose="02000603000000020004" pitchFamily="2" charset="-127"/>
+                <a:cs typeface="Pretendard Medium" panose="02000603000000020004" pitchFamily="2" charset="-127"/>
+              </a:rPr>
+              <a:t>인공 별의 회수 속도 </a:t>
+            </a:r>
+            <a:r>
+              <a:rPr lang="en-US" altLang="ko-KR" sz="900" dirty="0">
+                <a:solidFill>
+                  <a:schemeClr val="bg1"/>
+                </a:solidFill>
+                <a:latin typeface="Pretendard Medium" panose="02000603000000020004" pitchFamily="2" charset="-127"/>
+                <a:ea typeface="Pretendard Medium" panose="02000603000000020004" pitchFamily="2" charset="-127"/>
+                <a:cs typeface="Pretendard Medium" panose="02000603000000020004" pitchFamily="2" charset="-127"/>
+              </a:rPr>
+              <a:t>= </a:t>
+            </a:r>
+            <a:r>
+              <a:rPr lang="ko-KR" altLang="en-US" sz="900" dirty="0">
+                <a:solidFill>
+                  <a:schemeClr val="bg1"/>
+                </a:solidFill>
+                <a:latin typeface="Pretendard Medium" panose="02000603000000020004" pitchFamily="2" charset="-127"/>
+                <a:ea typeface="Pretendard Medium" panose="02000603000000020004" pitchFamily="2" charset="-127"/>
+                <a:cs typeface="Pretendard Medium" panose="02000603000000020004" pitchFamily="2" charset="-127"/>
+              </a:rPr>
+              <a:t>캐릭터의 이동 속도</a:t>
+            </a:r>
+            <a:endParaRPr lang="en-US" altLang="ko-KR" sz="900" dirty="0">
+              <a:solidFill>
+                <a:schemeClr val="bg1"/>
+              </a:solidFill>
+              <a:latin typeface="Pretendard Medium" panose="02000603000000020004" pitchFamily="2" charset="-127"/>
+              <a:ea typeface="Pretendard Medium" panose="02000603000000020004" pitchFamily="2" charset="-127"/>
+              <a:cs typeface="Pretendard Medium" panose="02000603000000020004" pitchFamily="2" charset="-127"/>
+            </a:endParaRPr>
+          </a:p>
+          <a:p>
+            <a:pPr marL="171450" indent="-171450">
+              <a:spcAft>
+                <a:spcPts val="300"/>
+              </a:spcAft>
+              <a:buFontTx/>
+              <a:buChar char="-"/>
+            </a:pPr>
+            <a:endParaRPr lang="en-US" altLang="ko-KR" sz="900" dirty="0">
+              <a:solidFill>
+                <a:schemeClr val="bg1"/>
+              </a:solidFill>
+              <a:latin typeface="Pretendard Medium" panose="02000603000000020004" pitchFamily="2" charset="-127"/>
+              <a:ea typeface="Pretendard Medium" panose="02000603000000020004" pitchFamily="2" charset="-127"/>
+              <a:cs typeface="Pretendard Medium" panose="02000603000000020004" pitchFamily="2" charset="-127"/>
+            </a:endParaRPr>
+          </a:p>
+          <a:p>
+            <a:pPr marL="171450" indent="-171450">
+              <a:spcAft>
+                <a:spcPts val="300"/>
+              </a:spcAft>
+              <a:buFontTx/>
+              <a:buChar char="-"/>
+            </a:pPr>
+            <a:endParaRPr lang="en-US" altLang="ko-KR" sz="900" dirty="0">
+              <a:solidFill>
+                <a:schemeClr val="bg1"/>
+              </a:solidFill>
+              <a:latin typeface="Pretendard Medium" panose="02000603000000020004" pitchFamily="2" charset="-127"/>
+              <a:ea typeface="Pretendard Medium" panose="02000603000000020004" pitchFamily="2" charset="-127"/>
+              <a:cs typeface="Pretendard Medium" panose="02000603000000020004" pitchFamily="2" charset="-127"/>
+            </a:endParaRPr>
+          </a:p>
+          <a:p>
+            <a:pPr>
+              <a:spcAft>
+                <a:spcPts val="300"/>
+              </a:spcAft>
+            </a:pPr>
+            <a:r>
+              <a:rPr lang="en-US" altLang="ko-KR" sz="900" dirty="0">
+                <a:solidFill>
+                  <a:schemeClr val="bg1"/>
+                </a:solidFill>
+                <a:latin typeface="Pretendard Medium" panose="02000603000000020004" pitchFamily="2" charset="-127"/>
+                <a:ea typeface="Pretendard Medium" panose="02000603000000020004" pitchFamily="2" charset="-127"/>
+                <a:cs typeface="Pretendard Medium" panose="02000603000000020004" pitchFamily="2" charset="-127"/>
+              </a:rPr>
+              <a:t>## </a:t>
+            </a:r>
+            <a:r>
+              <a:rPr lang="ko-KR" altLang="en-US" sz="900" dirty="0">
+                <a:solidFill>
+                  <a:schemeClr val="bg1"/>
+                </a:solidFill>
+                <a:latin typeface="Pretendard Medium" panose="02000603000000020004" pitchFamily="2" charset="-127"/>
+                <a:ea typeface="Pretendard Medium" panose="02000603000000020004" pitchFamily="2" charset="-127"/>
+                <a:cs typeface="Pretendard Medium" panose="02000603000000020004" pitchFamily="2" charset="-127"/>
+              </a:rPr>
+              <a:t>연계는 어떤 식으로 할 건데</a:t>
+            </a:r>
+            <a:r>
+              <a:rPr lang="en-US" altLang="ko-KR" sz="900" dirty="0">
+                <a:solidFill>
+                  <a:schemeClr val="bg1"/>
+                </a:solidFill>
+                <a:latin typeface="Pretendard Medium" panose="02000603000000020004" pitchFamily="2" charset="-127"/>
+                <a:ea typeface="Pretendard Medium" panose="02000603000000020004" pitchFamily="2" charset="-127"/>
+                <a:cs typeface="Pretendard Medium" panose="02000603000000020004" pitchFamily="2" charset="-127"/>
+              </a:rPr>
+              <a:t>? ##</a:t>
+            </a:r>
+          </a:p>
+          <a:p>
+            <a:pPr marL="171450" indent="-171450">
+              <a:spcAft>
+                <a:spcPts val="300"/>
+              </a:spcAft>
+              <a:buFontTx/>
+              <a:buChar char="-"/>
+            </a:pPr>
+            <a:r>
+              <a:rPr lang="ko-KR" altLang="en-US" sz="900" dirty="0">
+                <a:solidFill>
+                  <a:schemeClr val="bg1"/>
+                </a:solidFill>
+                <a:latin typeface="Pretendard Medium" panose="02000603000000020004" pitchFamily="2" charset="-127"/>
+                <a:ea typeface="Pretendard Medium" panose="02000603000000020004" pitchFamily="2" charset="-127"/>
+                <a:cs typeface="Pretendard Medium" panose="02000603000000020004" pitchFamily="2" charset="-127"/>
+              </a:rPr>
+              <a:t>이펙트</a:t>
+            </a:r>
+            <a:r>
+              <a:rPr lang="en-US" altLang="ko-KR" sz="900" dirty="0">
+                <a:solidFill>
+                  <a:schemeClr val="bg1"/>
+                </a:solidFill>
+                <a:latin typeface="Pretendard Medium" panose="02000603000000020004" pitchFamily="2" charset="-127"/>
+                <a:ea typeface="Pretendard Medium" panose="02000603000000020004" pitchFamily="2" charset="-127"/>
+                <a:cs typeface="Pretendard Medium" panose="02000603000000020004" pitchFamily="2" charset="-127"/>
+              </a:rPr>
+              <a:t>or</a:t>
+            </a:r>
+            <a:r>
+              <a:rPr lang="ko-KR" altLang="en-US" sz="900" dirty="0">
+                <a:solidFill>
+                  <a:schemeClr val="bg1"/>
+                </a:solidFill>
+                <a:latin typeface="Pretendard Medium" panose="02000603000000020004" pitchFamily="2" charset="-127"/>
+                <a:ea typeface="Pretendard Medium" panose="02000603000000020004" pitchFamily="2" charset="-127"/>
+                <a:cs typeface="Pretendard Medium" panose="02000603000000020004" pitchFamily="2" charset="-127"/>
+              </a:rPr>
+              <a:t>모션이 변해</a:t>
+            </a:r>
+            <a:r>
+              <a:rPr lang="en-US" altLang="ko-KR" sz="900" dirty="0">
+                <a:solidFill>
+                  <a:schemeClr val="bg1"/>
+                </a:solidFill>
+                <a:latin typeface="Pretendard Medium" panose="02000603000000020004" pitchFamily="2" charset="-127"/>
+                <a:ea typeface="Pretendard Medium" panose="02000603000000020004" pitchFamily="2" charset="-127"/>
+                <a:cs typeface="Pretendard Medium" panose="02000603000000020004" pitchFamily="2" charset="-127"/>
+              </a:rPr>
+              <a:t>?</a:t>
+            </a:r>
+          </a:p>
+          <a:p>
+            <a:pPr marL="171450" indent="-171450">
+              <a:spcAft>
+                <a:spcPts val="300"/>
+              </a:spcAft>
+              <a:buFontTx/>
+              <a:buChar char="-"/>
+            </a:pPr>
+            <a:r>
+              <a:rPr lang="ko-KR" altLang="en-US" sz="900" dirty="0">
+                <a:solidFill>
+                  <a:schemeClr val="bg1"/>
+                </a:solidFill>
+                <a:latin typeface="Pretendard Medium" panose="02000603000000020004" pitchFamily="2" charset="-127"/>
+                <a:ea typeface="Pretendard Medium" panose="02000603000000020004" pitchFamily="2" charset="-127"/>
+                <a:cs typeface="Pretendard Medium" panose="02000603000000020004" pitchFamily="2" charset="-127"/>
+              </a:rPr>
+              <a:t>효과만 적용 돼</a:t>
+            </a:r>
+            <a:r>
+              <a:rPr lang="en-US" altLang="ko-KR" sz="900" dirty="0">
+                <a:solidFill>
+                  <a:schemeClr val="bg1"/>
+                </a:solidFill>
+                <a:latin typeface="Pretendard Medium" panose="02000603000000020004" pitchFamily="2" charset="-127"/>
+                <a:ea typeface="Pretendard Medium" panose="02000603000000020004" pitchFamily="2" charset="-127"/>
+                <a:cs typeface="Pretendard Medium" panose="02000603000000020004" pitchFamily="2" charset="-127"/>
+              </a:rPr>
+              <a:t>? -&gt; </a:t>
+            </a:r>
+            <a:r>
+              <a:rPr lang="ko-KR" altLang="en-US" sz="900" dirty="0">
+                <a:solidFill>
+                  <a:schemeClr val="bg1"/>
+                </a:solidFill>
+                <a:latin typeface="Pretendard Medium" panose="02000603000000020004" pitchFamily="2" charset="-127"/>
+                <a:ea typeface="Pretendard Medium" panose="02000603000000020004" pitchFamily="2" charset="-127"/>
+                <a:cs typeface="Pretendard Medium" panose="02000603000000020004" pitchFamily="2" charset="-127"/>
+              </a:rPr>
+              <a:t>이러면 연계하는 의미가 단순 시스템만을 </a:t>
+            </a:r>
+            <a:r>
+              <a:rPr lang="ko-KR" altLang="en-US" sz="900" dirty="0" err="1">
+                <a:solidFill>
+                  <a:schemeClr val="bg1"/>
+                </a:solidFill>
+                <a:latin typeface="Pretendard Medium" panose="02000603000000020004" pitchFamily="2" charset="-127"/>
+                <a:ea typeface="Pretendard Medium" panose="02000603000000020004" pitchFamily="2" charset="-127"/>
+                <a:cs typeface="Pretendard Medium" panose="02000603000000020004" pitchFamily="2" charset="-127"/>
+              </a:rPr>
+              <a:t>위한거니까</a:t>
+            </a:r>
+            <a:r>
+              <a:rPr lang="ko-KR" altLang="en-US" sz="900" dirty="0">
+                <a:solidFill>
+                  <a:schemeClr val="bg1"/>
+                </a:solidFill>
+                <a:latin typeface="Pretendard Medium" panose="02000603000000020004" pitchFamily="2" charset="-127"/>
+                <a:ea typeface="Pretendard Medium" panose="02000603000000020004" pitchFamily="2" charset="-127"/>
+                <a:cs typeface="Pretendard Medium" panose="02000603000000020004" pitchFamily="2" charset="-127"/>
+              </a:rPr>
+              <a:t> 타격감을 보완한다는 점에 어긋나지</a:t>
+            </a:r>
+            <a:r>
+              <a:rPr lang="en-US" altLang="ko-KR" sz="900" dirty="0">
+                <a:solidFill>
+                  <a:schemeClr val="bg1"/>
+                </a:solidFill>
+                <a:latin typeface="Pretendard Medium" panose="02000603000000020004" pitchFamily="2" charset="-127"/>
+                <a:ea typeface="Pretendard Medium" panose="02000603000000020004" pitchFamily="2" charset="-127"/>
+                <a:cs typeface="Pretendard Medium" panose="02000603000000020004" pitchFamily="2" charset="-127"/>
+              </a:rPr>
+              <a:t>.</a:t>
+            </a:r>
+          </a:p>
+          <a:p>
+            <a:pPr marL="171450" indent="-171450">
+              <a:spcAft>
+                <a:spcPts val="300"/>
+              </a:spcAft>
+              <a:buFontTx/>
+              <a:buChar char="-"/>
+            </a:pPr>
+            <a:r>
+              <a:rPr lang="ko-KR" altLang="en-US" sz="900" dirty="0">
+                <a:solidFill>
+                  <a:schemeClr val="bg1"/>
+                </a:solidFill>
+                <a:latin typeface="Pretendard Medium" panose="02000603000000020004" pitchFamily="2" charset="-127"/>
+                <a:ea typeface="Pretendard Medium" panose="02000603000000020004" pitchFamily="2" charset="-127"/>
+                <a:cs typeface="Pretendard Medium" panose="02000603000000020004" pitchFamily="2" charset="-127"/>
+              </a:rPr>
+              <a:t>연계 시 별자리 스킬이 시전 되지 않고 다른 스킬을 사용</a:t>
+            </a:r>
+            <a:r>
+              <a:rPr lang="en-US" altLang="ko-KR" sz="900" dirty="0">
+                <a:solidFill>
+                  <a:schemeClr val="bg1"/>
+                </a:solidFill>
+                <a:latin typeface="Pretendard Medium" panose="02000603000000020004" pitchFamily="2" charset="-127"/>
+                <a:ea typeface="Pretendard Medium" panose="02000603000000020004" pitchFamily="2" charset="-127"/>
+                <a:cs typeface="Pretendard Medium" panose="02000603000000020004" pitchFamily="2" charset="-127"/>
+              </a:rPr>
+              <a:t>?</a:t>
+            </a:r>
+          </a:p>
+          <a:p>
+            <a:pPr marL="171450" indent="-171450">
+              <a:spcAft>
+                <a:spcPts val="300"/>
+              </a:spcAft>
+              <a:buFontTx/>
+              <a:buChar char="-"/>
+            </a:pPr>
+            <a:r>
+              <a:rPr lang="ko-KR" altLang="en-US" sz="900" dirty="0">
+                <a:solidFill>
+                  <a:schemeClr val="bg1"/>
+                </a:solidFill>
+                <a:latin typeface="Pretendard Medium" panose="02000603000000020004" pitchFamily="2" charset="-127"/>
+                <a:ea typeface="Pretendard Medium" panose="02000603000000020004" pitchFamily="2" charset="-127"/>
+                <a:cs typeface="Pretendard Medium" panose="02000603000000020004" pitchFamily="2" charset="-127"/>
+              </a:rPr>
+              <a:t>현상 스킬의 강화 </a:t>
+            </a:r>
+            <a:r>
+              <a:rPr lang="en-US" altLang="ko-KR" sz="900" dirty="0">
+                <a:solidFill>
+                  <a:schemeClr val="bg1"/>
+                </a:solidFill>
+                <a:latin typeface="Pretendard Medium" panose="02000603000000020004" pitchFamily="2" charset="-127"/>
+                <a:ea typeface="Pretendard Medium" panose="02000603000000020004" pitchFamily="2" charset="-127"/>
+                <a:cs typeface="Pretendard Medium" panose="02000603000000020004" pitchFamily="2" charset="-127"/>
+              </a:rPr>
+              <a:t>or </a:t>
+            </a:r>
+            <a:r>
+              <a:rPr lang="ko-KR" altLang="en-US" sz="900" dirty="0">
+                <a:solidFill>
+                  <a:schemeClr val="bg1"/>
+                </a:solidFill>
+                <a:latin typeface="Pretendard Medium" panose="02000603000000020004" pitchFamily="2" charset="-127"/>
+                <a:ea typeface="Pretendard Medium" panose="02000603000000020004" pitchFamily="2" charset="-127"/>
+                <a:cs typeface="Pretendard Medium" panose="02000603000000020004" pitchFamily="2" charset="-127"/>
+              </a:rPr>
+              <a:t>새로운 모션의 스킬 </a:t>
+            </a:r>
+            <a:r>
+              <a:rPr lang="en-US" altLang="ko-KR" sz="900" dirty="0">
+                <a:solidFill>
+                  <a:schemeClr val="bg1"/>
+                </a:solidFill>
+                <a:latin typeface="Pretendard Medium" panose="02000603000000020004" pitchFamily="2" charset="-127"/>
+                <a:ea typeface="Pretendard Medium" panose="02000603000000020004" pitchFamily="2" charset="-127"/>
+                <a:cs typeface="Pretendard Medium" panose="02000603000000020004" pitchFamily="2" charset="-127"/>
+              </a:rPr>
+              <a:t>or  </a:t>
+            </a:r>
+            <a:r>
+              <a:rPr lang="ko-KR" altLang="en-US" sz="900" dirty="0">
+                <a:solidFill>
+                  <a:schemeClr val="bg1"/>
+                </a:solidFill>
+                <a:latin typeface="Pretendard Medium" panose="02000603000000020004" pitchFamily="2" charset="-127"/>
+                <a:ea typeface="Pretendard Medium" panose="02000603000000020004" pitchFamily="2" charset="-127"/>
+                <a:cs typeface="Pretendard Medium" panose="02000603000000020004" pitchFamily="2" charset="-127"/>
+              </a:rPr>
+              <a:t>별자리 스킬의 모션을 그대로 쓰지만 이펙트가 달라진다</a:t>
+            </a:r>
+            <a:r>
+              <a:rPr lang="en-US" altLang="ko-KR" sz="900" dirty="0">
+                <a:solidFill>
+                  <a:schemeClr val="bg1"/>
+                </a:solidFill>
+                <a:latin typeface="Pretendard Medium" panose="02000603000000020004" pitchFamily="2" charset="-127"/>
+                <a:ea typeface="Pretendard Medium" panose="02000603000000020004" pitchFamily="2" charset="-127"/>
+                <a:cs typeface="Pretendard Medium" panose="02000603000000020004" pitchFamily="2" charset="-127"/>
+              </a:rPr>
+              <a:t>?</a:t>
+            </a:r>
+          </a:p>
+          <a:p>
+            <a:pPr marL="171450" indent="-171450">
+              <a:spcAft>
+                <a:spcPts val="300"/>
+              </a:spcAft>
+              <a:buFontTx/>
+              <a:buChar char="-"/>
+            </a:pPr>
+            <a:endParaRPr lang="en-US" altLang="ko-KR" sz="900" dirty="0">
+              <a:solidFill>
+                <a:schemeClr val="bg1"/>
+              </a:solidFill>
+              <a:latin typeface="Pretendard Medium" panose="02000603000000020004" pitchFamily="2" charset="-127"/>
+              <a:ea typeface="Pretendard Medium" panose="02000603000000020004" pitchFamily="2" charset="-127"/>
+              <a:cs typeface="Pretendard Medium" panose="02000603000000020004" pitchFamily="2" charset="-127"/>
+            </a:endParaRPr>
+          </a:p>
+          <a:p>
+            <a:pPr marL="171450" indent="-171450">
+              <a:spcAft>
+                <a:spcPts val="300"/>
+              </a:spcAft>
+              <a:buFontTx/>
+              <a:buChar char="-"/>
+            </a:pPr>
+            <a:r>
+              <a:rPr lang="ko-KR" altLang="en-US" sz="900" dirty="0" err="1">
+                <a:solidFill>
+                  <a:schemeClr val="bg1"/>
+                </a:solidFill>
+                <a:latin typeface="Pretendard Medium" panose="02000603000000020004" pitchFamily="2" charset="-127"/>
+                <a:ea typeface="Pretendard Medium" panose="02000603000000020004" pitchFamily="2" charset="-127"/>
+                <a:cs typeface="Pretendard Medium" panose="02000603000000020004" pitchFamily="2" charset="-127"/>
+              </a:rPr>
+              <a:t>브레이커</a:t>
+            </a:r>
+            <a:r>
+              <a:rPr lang="ko-KR" altLang="en-US" sz="900" dirty="0">
+                <a:solidFill>
+                  <a:schemeClr val="bg1"/>
+                </a:solidFill>
+                <a:latin typeface="Pretendard Medium" panose="02000603000000020004" pitchFamily="2" charset="-127"/>
+                <a:ea typeface="Pretendard Medium" panose="02000603000000020004" pitchFamily="2" charset="-127"/>
+                <a:cs typeface="Pretendard Medium" panose="02000603000000020004" pitchFamily="2" charset="-127"/>
+              </a:rPr>
+              <a:t> </a:t>
+            </a:r>
+            <a:r>
+              <a:rPr lang="ko-KR" altLang="en-US" sz="900" dirty="0" err="1">
+                <a:solidFill>
+                  <a:schemeClr val="bg1"/>
+                </a:solidFill>
+                <a:latin typeface="Pretendard Medium" panose="02000603000000020004" pitchFamily="2" charset="-127"/>
+                <a:ea typeface="Pretendard Medium" panose="02000603000000020004" pitchFamily="2" charset="-127"/>
+                <a:cs typeface="Pretendard Medium" panose="02000603000000020004" pitchFamily="2" charset="-127"/>
+              </a:rPr>
+              <a:t>평캔</a:t>
+            </a:r>
+            <a:r>
+              <a:rPr lang="ko-KR" altLang="en-US" sz="900" dirty="0">
+                <a:solidFill>
+                  <a:schemeClr val="bg1"/>
+                </a:solidFill>
+                <a:latin typeface="Pretendard Medium" panose="02000603000000020004" pitchFamily="2" charset="-127"/>
+                <a:ea typeface="Pretendard Medium" panose="02000603000000020004" pitchFamily="2" charset="-127"/>
+                <a:cs typeface="Pretendard Medium" panose="02000603000000020004" pitchFamily="2" charset="-127"/>
+              </a:rPr>
+              <a:t> </a:t>
+            </a:r>
+            <a:r>
+              <a:rPr lang="en-US" altLang="ko-KR" sz="900" dirty="0">
+                <a:solidFill>
+                  <a:schemeClr val="bg1"/>
+                </a:solidFill>
+                <a:latin typeface="Pretendard Medium" panose="02000603000000020004" pitchFamily="2" charset="-127"/>
+                <a:ea typeface="Pretendard Medium" panose="02000603000000020004" pitchFamily="2" charset="-127"/>
+                <a:cs typeface="Pretendard Medium" panose="02000603000000020004" pitchFamily="2" charset="-127"/>
+              </a:rPr>
+              <a:t>: </a:t>
+            </a:r>
+            <a:r>
+              <a:rPr lang="ko-KR" altLang="en-US" sz="900" dirty="0">
+                <a:solidFill>
+                  <a:schemeClr val="bg1"/>
+                </a:solidFill>
+                <a:latin typeface="Pretendard Medium" panose="02000603000000020004" pitchFamily="2" charset="-127"/>
+                <a:ea typeface="Pretendard Medium" panose="02000603000000020004" pitchFamily="2" charset="-127"/>
+                <a:cs typeface="Pretendard Medium" panose="02000603000000020004" pitchFamily="2" charset="-127"/>
+              </a:rPr>
+              <a:t>일종의 연계 효과 </a:t>
+            </a:r>
+            <a:r>
+              <a:rPr lang="en-US" altLang="ko-KR" sz="900" dirty="0">
+                <a:solidFill>
+                  <a:schemeClr val="bg1"/>
+                </a:solidFill>
+                <a:latin typeface="Pretendard Medium" panose="02000603000000020004" pitchFamily="2" charset="-127"/>
+                <a:ea typeface="Pretendard Medium" panose="02000603000000020004" pitchFamily="2" charset="-127"/>
+                <a:cs typeface="Pretendard Medium" panose="02000603000000020004" pitchFamily="2" charset="-127"/>
+              </a:rPr>
+              <a:t>(</a:t>
+            </a:r>
+            <a:r>
+              <a:rPr lang="ko-KR" altLang="en-US" sz="900" dirty="0">
+                <a:solidFill>
+                  <a:schemeClr val="bg1"/>
+                </a:solidFill>
+                <a:latin typeface="Pretendard Medium" panose="02000603000000020004" pitchFamily="2" charset="-127"/>
+                <a:ea typeface="Pretendard Medium" panose="02000603000000020004" pitchFamily="2" charset="-127"/>
+                <a:cs typeface="Pretendard Medium" panose="02000603000000020004" pitchFamily="2" charset="-127"/>
+              </a:rPr>
+              <a:t>스킬 사용 후 평타 시 기본 공격의 마지막 타격이 발생</a:t>
+            </a:r>
+            <a:r>
+              <a:rPr lang="en-US" altLang="ko-KR" sz="900" dirty="0">
+                <a:solidFill>
+                  <a:schemeClr val="bg1"/>
+                </a:solidFill>
+                <a:latin typeface="Pretendard Medium" panose="02000603000000020004" pitchFamily="2" charset="-127"/>
+                <a:ea typeface="Pretendard Medium" panose="02000603000000020004" pitchFamily="2" charset="-127"/>
+                <a:cs typeface="Pretendard Medium" panose="02000603000000020004" pitchFamily="2" charset="-127"/>
+              </a:rPr>
+              <a:t>)</a:t>
+            </a:r>
+          </a:p>
+        </p:txBody>
+      </p:sp>
     </p:spTree>
     <p:extLst>
       <p:ext uri="{BB962C8B-B14F-4D97-AF65-F5344CB8AC3E}">
@@ -19944,7 +21450,7 @@
         <p:spPr>
           <a:xfrm>
             <a:off x="0" y="18582"/>
-            <a:ext cx="6842235" cy="1292662"/>
+            <a:ext cx="6443087" cy="1292662"/>
           </a:xfrm>
           <a:prstGeom prst="rect">
             <a:avLst/>
@@ -20094,21 +21600,6 @@
                 <a:spcPts val="300"/>
               </a:spcAft>
             </a:pPr>
-            <a:endParaRPr lang="en-US" altLang="ko-KR" sz="900">
-              <a:solidFill>
-                <a:srgbClr val="D4CFC5"/>
-              </a:solidFill>
-              <a:latin typeface="Pretendard Medium" panose="02000603000000020004" pitchFamily="2" charset="-127"/>
-              <a:ea typeface="Pretendard Medium" panose="02000603000000020004" pitchFamily="2" charset="-127"/>
-              <a:cs typeface="Pretendard Medium" panose="02000603000000020004" pitchFamily="2" charset="-127"/>
-            </a:endParaRPr>
-          </a:p>
-          <a:p>
-            <a:pPr>
-              <a:spcAft>
-                <a:spcPts val="300"/>
-              </a:spcAft>
-            </a:pPr>
             <a:endParaRPr lang="en-US" altLang="ko-KR" sz="900" dirty="0">
               <a:solidFill>
                 <a:srgbClr val="D4CFC5"/>
@@ -20168,38 +21659,23 @@
               </a:rPr>
               <a:t>. </a:t>
             </a:r>
-            <a:r>
-              <a:rPr lang="ko-KR" altLang="en-US" sz="900" dirty="0">
-                <a:solidFill>
-                  <a:srgbClr val="D4CFC5"/>
-                </a:solidFill>
-                <a:latin typeface="Pretendard Medium" panose="02000603000000020004" pitchFamily="2" charset="-127"/>
-                <a:ea typeface="Pretendard Medium" panose="02000603000000020004" pitchFamily="2" charset="-127"/>
-                <a:cs typeface="Pretendard Medium" panose="02000603000000020004" pitchFamily="2" charset="-127"/>
-              </a:rPr>
-              <a:t>인공 별은 직접 조작할 수 없지만</a:t>
-            </a:r>
-            <a:r>
-              <a:rPr lang="en-US" altLang="ko-KR" sz="900" dirty="0">
-                <a:solidFill>
-                  <a:srgbClr val="D4CFC5"/>
-                </a:solidFill>
-                <a:latin typeface="Pretendard Medium" panose="02000603000000020004" pitchFamily="2" charset="-127"/>
-                <a:ea typeface="Pretendard Medium" panose="02000603000000020004" pitchFamily="2" charset="-127"/>
-                <a:cs typeface="Pretendard Medium" panose="02000603000000020004" pitchFamily="2" charset="-127"/>
-              </a:rPr>
-              <a:t>, </a:t>
-            </a:r>
-            <a:r>
-              <a:rPr lang="ko-KR" altLang="en-US" sz="900" dirty="0">
-                <a:solidFill>
-                  <a:srgbClr val="D4CFC5"/>
-                </a:solidFill>
-                <a:latin typeface="Pretendard Medium" panose="02000603000000020004" pitchFamily="2" charset="-127"/>
-                <a:ea typeface="Pretendard Medium" panose="02000603000000020004" pitchFamily="2" charset="-127"/>
-                <a:cs typeface="Pretendard Medium" panose="02000603000000020004" pitchFamily="2" charset="-127"/>
-              </a:rPr>
-              <a:t>형성된 인공 별은 현상 스킬을 대신 시전한 후 자동으로 회수됩니다</a:t>
+          </a:p>
+          <a:p>
+            <a:pPr>
+              <a:spcAft>
+                <a:spcPts val="300"/>
+              </a:spcAft>
+            </a:pPr>
+            <a:r>
+              <a:rPr lang="ko-KR" altLang="en-US" sz="900" dirty="0">
+                <a:solidFill>
+                  <a:srgbClr val="D4CFC5"/>
+                </a:solidFill>
+                <a:latin typeface="Pretendard Medium" panose="02000603000000020004" pitchFamily="2" charset="-127"/>
+                <a:ea typeface="Pretendard Medium" panose="02000603000000020004" pitchFamily="2" charset="-127"/>
+                <a:cs typeface="Pretendard Medium" panose="02000603000000020004" pitchFamily="2" charset="-127"/>
+              </a:rPr>
+              <a:t>인공 별이 형성된 상태에서 현상 스킬을 사용하면 캐릭터가 시전하지 않고 인공 별이 스킬을 대신 시전합니다</a:t>
             </a:r>
             <a:r>
               <a:rPr lang="en-US" altLang="ko-KR" sz="900" dirty="0">
@@ -20331,7 +21807,7 @@
         </p:nvSpPr>
         <p:spPr>
           <a:xfrm>
-            <a:off x="0" y="1564974"/>
+            <a:off x="0" y="1626016"/>
             <a:ext cx="4238959" cy="407804"/>
           </a:xfrm>
           <a:prstGeom prst="rect">
@@ -21078,7 +22554,7 @@
         </p:nvSpPr>
         <p:spPr>
           <a:xfrm>
-            <a:off x="0" y="2211819"/>
+            <a:off x="0" y="2531462"/>
             <a:ext cx="6510413" cy="584775"/>
           </a:xfrm>
           <a:prstGeom prst="rect">
@@ -22656,6 +24132,1391 @@
               </a:rPr>
               <a:t>.</a:t>
             </a:r>
+          </a:p>
+        </p:txBody>
+      </p:sp>
+      <p:sp>
+        <p:nvSpPr>
+          <p:cNvPr id="3" name="TextBox 2">
+            <a:extLst>
+              <a:ext uri="{FF2B5EF4-FFF2-40B4-BE49-F238E27FC236}">
+                <a16:creationId xmlns:a16="http://schemas.microsoft.com/office/drawing/2014/main" id="{F9433B23-CCCF-4516-D42D-D6234B0554FE}"/>
+              </a:ext>
+            </a:extLst>
+          </p:cNvPr>
+          <p:cNvSpPr txBox="1"/>
+          <p:nvPr/>
+        </p:nvSpPr>
+        <p:spPr>
+          <a:xfrm>
+            <a:off x="0" y="-1900809"/>
+            <a:ext cx="8635995" cy="1762021"/>
+          </a:xfrm>
+          <a:prstGeom prst="rect">
+            <a:avLst/>
+          </a:prstGeom>
+          <a:solidFill>
+            <a:srgbClr val="212227"/>
+          </a:solidFill>
+        </p:spPr>
+        <p:txBody>
+          <a:bodyPr wrap="none" lIns="90000" rIns="90000" rtlCol="0">
+            <a:spAutoFit/>
+          </a:bodyPr>
+          <a:lstStyle/>
+          <a:p>
+            <a:pPr marL="171450" indent="-171450">
+              <a:spcAft>
+                <a:spcPts val="300"/>
+              </a:spcAft>
+              <a:buFontTx/>
+              <a:buChar char="-"/>
+            </a:pPr>
+            <a:r>
+              <a:rPr lang="ko-KR" altLang="en-US" sz="1600" dirty="0">
+                <a:solidFill>
+                  <a:schemeClr val="bg1"/>
+                </a:solidFill>
+                <a:latin typeface="Pretendard Medium" panose="02000603000000020004" pitchFamily="2" charset="-127"/>
+                <a:ea typeface="Pretendard Medium" panose="02000603000000020004" pitchFamily="2" charset="-127"/>
+                <a:cs typeface="Pretendard Medium" panose="02000603000000020004" pitchFamily="2" charset="-127"/>
+              </a:rPr>
+              <a:t>신속</a:t>
+            </a:r>
+            <a:r>
+              <a:rPr lang="en-US" altLang="ko-KR" sz="1600" dirty="0">
+                <a:solidFill>
+                  <a:schemeClr val="bg1"/>
+                </a:solidFill>
+                <a:latin typeface="Pretendard Medium" panose="02000603000000020004" pitchFamily="2" charset="-127"/>
+                <a:ea typeface="Pretendard Medium" panose="02000603000000020004" pitchFamily="2" charset="-127"/>
+                <a:cs typeface="Pretendard Medium" panose="02000603000000020004" pitchFamily="2" charset="-127"/>
+              </a:rPr>
+              <a:t>, </a:t>
+            </a:r>
+            <a:r>
+              <a:rPr lang="ko-KR" altLang="en-US" sz="1600" dirty="0">
+                <a:solidFill>
+                  <a:schemeClr val="bg1"/>
+                </a:solidFill>
+                <a:latin typeface="Pretendard Medium" panose="02000603000000020004" pitchFamily="2" charset="-127"/>
+                <a:ea typeface="Pretendard Medium" panose="02000603000000020004" pitchFamily="2" charset="-127"/>
+                <a:cs typeface="Pretendard Medium" panose="02000603000000020004" pitchFamily="2" charset="-127"/>
+              </a:rPr>
+              <a:t>현상 스킬이 메인</a:t>
+            </a:r>
+            <a:endParaRPr lang="en-US" altLang="ko-KR" sz="1600" dirty="0">
+              <a:solidFill>
+                <a:schemeClr val="bg1"/>
+              </a:solidFill>
+              <a:latin typeface="Pretendard Medium" panose="02000603000000020004" pitchFamily="2" charset="-127"/>
+              <a:ea typeface="Pretendard Medium" panose="02000603000000020004" pitchFamily="2" charset="-127"/>
+              <a:cs typeface="Pretendard Medium" panose="02000603000000020004" pitchFamily="2" charset="-127"/>
+            </a:endParaRPr>
+          </a:p>
+          <a:p>
+            <a:pPr marL="171450" indent="-171450">
+              <a:spcAft>
+                <a:spcPts val="300"/>
+              </a:spcAft>
+              <a:buFontTx/>
+              <a:buChar char="-"/>
+            </a:pPr>
+            <a:r>
+              <a:rPr lang="ko-KR" altLang="en-US" sz="1600" dirty="0">
+                <a:solidFill>
+                  <a:schemeClr val="bg1"/>
+                </a:solidFill>
+                <a:latin typeface="Pretendard Medium" panose="02000603000000020004" pitchFamily="2" charset="-127"/>
+                <a:ea typeface="Pretendard Medium" panose="02000603000000020004" pitchFamily="2" charset="-127"/>
+                <a:cs typeface="Pretendard Medium" panose="02000603000000020004" pitchFamily="2" charset="-127"/>
+              </a:rPr>
+              <a:t>인공 별 현상 스킬 대신 시전</a:t>
+            </a:r>
+            <a:endParaRPr lang="en-US" altLang="ko-KR" sz="1600" dirty="0">
+              <a:solidFill>
+                <a:schemeClr val="bg1"/>
+              </a:solidFill>
+              <a:latin typeface="Pretendard Medium" panose="02000603000000020004" pitchFamily="2" charset="-127"/>
+              <a:ea typeface="Pretendard Medium" panose="02000603000000020004" pitchFamily="2" charset="-127"/>
+              <a:cs typeface="Pretendard Medium" panose="02000603000000020004" pitchFamily="2" charset="-127"/>
+            </a:endParaRPr>
+          </a:p>
+          <a:p>
+            <a:pPr marL="171450" indent="-171450">
+              <a:spcAft>
+                <a:spcPts val="300"/>
+              </a:spcAft>
+              <a:buFontTx/>
+              <a:buChar char="-"/>
+            </a:pPr>
+            <a:r>
+              <a:rPr lang="ko-KR" altLang="en-US" sz="1600" dirty="0">
+                <a:solidFill>
+                  <a:schemeClr val="bg1"/>
+                </a:solidFill>
+                <a:latin typeface="Pretendard Medium" panose="02000603000000020004" pitchFamily="2" charset="-127"/>
+                <a:ea typeface="Pretendard Medium" panose="02000603000000020004" pitchFamily="2" charset="-127"/>
+                <a:cs typeface="Pretendard Medium" panose="02000603000000020004" pitchFamily="2" charset="-127"/>
+              </a:rPr>
+              <a:t>인공 별이 스킬을 대신 시전하는 것의 부족한 타격감을 위해 콤보형 스킬 사용 </a:t>
+            </a:r>
+            <a:r>
+              <a:rPr lang="en-US" altLang="ko-KR" sz="1600" dirty="0">
+                <a:solidFill>
+                  <a:schemeClr val="bg1"/>
+                </a:solidFill>
+                <a:latin typeface="Pretendard Medium" panose="02000603000000020004" pitchFamily="2" charset="-127"/>
+                <a:ea typeface="Pretendard Medium" panose="02000603000000020004" pitchFamily="2" charset="-127"/>
+                <a:cs typeface="Pretendard Medium" panose="02000603000000020004" pitchFamily="2" charset="-127"/>
+              </a:rPr>
+              <a:t>(</a:t>
+            </a:r>
+            <a:r>
+              <a:rPr lang="ko-KR" altLang="en-US" sz="1600" dirty="0">
+                <a:solidFill>
+                  <a:schemeClr val="bg1"/>
+                </a:solidFill>
+                <a:latin typeface="Pretendard Medium" panose="02000603000000020004" pitchFamily="2" charset="-127"/>
+                <a:ea typeface="Pretendard Medium" panose="02000603000000020004" pitchFamily="2" charset="-127"/>
+                <a:cs typeface="Pretendard Medium" panose="02000603000000020004" pitchFamily="2" charset="-127"/>
+              </a:rPr>
+              <a:t>현상 스킬 </a:t>
+            </a:r>
+            <a:r>
+              <a:rPr lang="en-US" altLang="ko-KR" sz="1600" dirty="0">
+                <a:solidFill>
+                  <a:schemeClr val="bg1"/>
+                </a:solidFill>
+                <a:latin typeface="Pretendard Medium" panose="02000603000000020004" pitchFamily="2" charset="-127"/>
+                <a:ea typeface="Pretendard Medium" panose="02000603000000020004" pitchFamily="2" charset="-127"/>
+                <a:cs typeface="Pretendard Medium" panose="02000603000000020004" pitchFamily="2" charset="-127"/>
+              </a:rPr>
+              <a:t>-&gt; </a:t>
+            </a:r>
+            <a:r>
+              <a:rPr lang="ko-KR" altLang="en-US" sz="1600" dirty="0">
+                <a:solidFill>
+                  <a:schemeClr val="bg1"/>
+                </a:solidFill>
+                <a:latin typeface="Pretendard Medium" panose="02000603000000020004" pitchFamily="2" charset="-127"/>
+                <a:ea typeface="Pretendard Medium" panose="02000603000000020004" pitchFamily="2" charset="-127"/>
+                <a:cs typeface="Pretendard Medium" panose="02000603000000020004" pitchFamily="2" charset="-127"/>
+              </a:rPr>
+              <a:t>별자리 스킬</a:t>
+            </a:r>
+            <a:r>
+              <a:rPr lang="en-US" altLang="ko-KR" sz="1600" dirty="0">
+                <a:solidFill>
+                  <a:schemeClr val="bg1"/>
+                </a:solidFill>
+                <a:latin typeface="Pretendard Medium" panose="02000603000000020004" pitchFamily="2" charset="-127"/>
+                <a:ea typeface="Pretendard Medium" panose="02000603000000020004" pitchFamily="2" charset="-127"/>
+                <a:cs typeface="Pretendard Medium" panose="02000603000000020004" pitchFamily="2" charset="-127"/>
+              </a:rPr>
+              <a:t>)</a:t>
+            </a:r>
+          </a:p>
+          <a:p>
+            <a:pPr marL="171450" indent="-171450">
+              <a:spcAft>
+                <a:spcPts val="300"/>
+              </a:spcAft>
+              <a:buFontTx/>
+              <a:buChar char="-"/>
+            </a:pPr>
+            <a:r>
+              <a:rPr lang="ko-KR" altLang="en-US" sz="1600" dirty="0">
+                <a:solidFill>
+                  <a:schemeClr val="bg1"/>
+                </a:solidFill>
+                <a:latin typeface="Pretendard Medium" panose="02000603000000020004" pitchFamily="2" charset="-127"/>
+                <a:ea typeface="Pretendard Medium" panose="02000603000000020004" pitchFamily="2" charset="-127"/>
+                <a:cs typeface="Pretendard Medium" panose="02000603000000020004" pitchFamily="2" charset="-127"/>
+              </a:rPr>
+              <a:t>인공 별 </a:t>
+            </a:r>
+            <a:r>
+              <a:rPr lang="en-US" altLang="ko-KR" sz="1600" dirty="0">
+                <a:solidFill>
+                  <a:schemeClr val="bg1"/>
+                </a:solidFill>
+                <a:latin typeface="Pretendard Medium" panose="02000603000000020004" pitchFamily="2" charset="-127"/>
+                <a:ea typeface="Pretendard Medium" panose="02000603000000020004" pitchFamily="2" charset="-127"/>
+                <a:cs typeface="Pretendard Medium" panose="02000603000000020004" pitchFamily="2" charset="-127"/>
+              </a:rPr>
+              <a:t>1</a:t>
+            </a:r>
+            <a:r>
+              <a:rPr lang="ko-KR" altLang="en-US" sz="1600" dirty="0">
+                <a:solidFill>
+                  <a:schemeClr val="bg1"/>
+                </a:solidFill>
+                <a:latin typeface="Pretendard Medium" panose="02000603000000020004" pitchFamily="2" charset="-127"/>
+                <a:ea typeface="Pretendard Medium" panose="02000603000000020004" pitchFamily="2" charset="-127"/>
+                <a:cs typeface="Pretendard Medium" panose="02000603000000020004" pitchFamily="2" charset="-127"/>
+              </a:rPr>
+              <a:t>개당 게이지 </a:t>
+            </a:r>
+            <a:r>
+              <a:rPr lang="en-US" altLang="ko-KR" sz="1600" dirty="0">
+                <a:solidFill>
+                  <a:schemeClr val="bg1"/>
+                </a:solidFill>
+                <a:latin typeface="Pretendard Medium" panose="02000603000000020004" pitchFamily="2" charset="-127"/>
+                <a:ea typeface="Pretendard Medium" panose="02000603000000020004" pitchFamily="2" charset="-127"/>
+                <a:cs typeface="Pretendard Medium" panose="02000603000000020004" pitchFamily="2" charset="-127"/>
+              </a:rPr>
+              <a:t>1</a:t>
+            </a:r>
+            <a:r>
+              <a:rPr lang="ko-KR" altLang="en-US" sz="1600" dirty="0">
+                <a:solidFill>
+                  <a:schemeClr val="bg1"/>
+                </a:solidFill>
+                <a:latin typeface="Pretendard Medium" panose="02000603000000020004" pitchFamily="2" charset="-127"/>
+                <a:ea typeface="Pretendard Medium" panose="02000603000000020004" pitchFamily="2" charset="-127"/>
+                <a:cs typeface="Pretendard Medium" panose="02000603000000020004" pitchFamily="2" charset="-127"/>
+              </a:rPr>
+              <a:t>칸을 소모하여 현상 스킬을 강화</a:t>
+            </a:r>
+            <a:endParaRPr lang="en-US" altLang="ko-KR" sz="1600" dirty="0">
+              <a:solidFill>
+                <a:schemeClr val="bg1"/>
+              </a:solidFill>
+              <a:latin typeface="Pretendard Medium" panose="02000603000000020004" pitchFamily="2" charset="-127"/>
+              <a:ea typeface="Pretendard Medium" panose="02000603000000020004" pitchFamily="2" charset="-127"/>
+              <a:cs typeface="Pretendard Medium" panose="02000603000000020004" pitchFamily="2" charset="-127"/>
+            </a:endParaRPr>
+          </a:p>
+          <a:p>
+            <a:pPr marL="171450" indent="-171450">
+              <a:spcAft>
+                <a:spcPts val="300"/>
+              </a:spcAft>
+              <a:buFontTx/>
+              <a:buChar char="-"/>
+            </a:pPr>
+            <a:r>
+              <a:rPr lang="ko-KR" altLang="en-US" sz="1600" dirty="0">
+                <a:solidFill>
+                  <a:schemeClr val="bg1"/>
+                </a:solidFill>
+                <a:latin typeface="Pretendard Medium" panose="02000603000000020004" pitchFamily="2" charset="-127"/>
+                <a:ea typeface="Pretendard Medium" panose="02000603000000020004" pitchFamily="2" charset="-127"/>
+                <a:cs typeface="Pretendard Medium" panose="02000603000000020004" pitchFamily="2" charset="-127"/>
+              </a:rPr>
+              <a:t>현상 스킬 시전에 필요한 인공 별의 개수는 기본 재사용 대기 시간에 비례하여 증가 </a:t>
+            </a:r>
+            <a:r>
+              <a:rPr lang="en-US" altLang="ko-KR" sz="1600" dirty="0">
+                <a:solidFill>
+                  <a:schemeClr val="bg1"/>
+                </a:solidFill>
+                <a:latin typeface="Pretendard Medium" panose="02000603000000020004" pitchFamily="2" charset="-127"/>
+                <a:ea typeface="Pretendard Medium" panose="02000603000000020004" pitchFamily="2" charset="-127"/>
+                <a:cs typeface="Pretendard Medium" panose="02000603000000020004" pitchFamily="2" charset="-127"/>
+              </a:rPr>
+              <a:t>(6</a:t>
+            </a:r>
+            <a:r>
+              <a:rPr lang="ko-KR" altLang="en-US" sz="1600" dirty="0">
+                <a:solidFill>
+                  <a:schemeClr val="bg1"/>
+                </a:solidFill>
+                <a:latin typeface="Pretendard Medium" panose="02000603000000020004" pitchFamily="2" charset="-127"/>
+                <a:ea typeface="Pretendard Medium" panose="02000603000000020004" pitchFamily="2" charset="-127"/>
+                <a:cs typeface="Pretendard Medium" panose="02000603000000020004" pitchFamily="2" charset="-127"/>
+              </a:rPr>
+              <a:t>초당 </a:t>
+            </a:r>
+            <a:r>
+              <a:rPr lang="en-US" altLang="ko-KR" sz="1600" dirty="0">
+                <a:solidFill>
+                  <a:schemeClr val="bg1"/>
+                </a:solidFill>
+                <a:latin typeface="Pretendard Medium" panose="02000603000000020004" pitchFamily="2" charset="-127"/>
+                <a:ea typeface="Pretendard Medium" panose="02000603000000020004" pitchFamily="2" charset="-127"/>
+                <a:cs typeface="Pretendard Medium" panose="02000603000000020004" pitchFamily="2" charset="-127"/>
+              </a:rPr>
+              <a:t>1</a:t>
+            </a:r>
+            <a:r>
+              <a:rPr lang="ko-KR" altLang="en-US" sz="1600" dirty="0">
+                <a:solidFill>
+                  <a:schemeClr val="bg1"/>
+                </a:solidFill>
+                <a:latin typeface="Pretendard Medium" panose="02000603000000020004" pitchFamily="2" charset="-127"/>
+                <a:ea typeface="Pretendard Medium" panose="02000603000000020004" pitchFamily="2" charset="-127"/>
+                <a:cs typeface="Pretendard Medium" panose="02000603000000020004" pitchFamily="2" charset="-127"/>
+              </a:rPr>
+              <a:t>개</a:t>
+            </a:r>
+            <a:r>
+              <a:rPr lang="en-US" altLang="ko-KR" sz="1600" dirty="0">
+                <a:solidFill>
+                  <a:schemeClr val="bg1"/>
+                </a:solidFill>
+                <a:latin typeface="Pretendard Medium" panose="02000603000000020004" pitchFamily="2" charset="-127"/>
+                <a:ea typeface="Pretendard Medium" panose="02000603000000020004" pitchFamily="2" charset="-127"/>
+                <a:cs typeface="Pretendard Medium" panose="02000603000000020004" pitchFamily="2" charset="-127"/>
+              </a:rPr>
+              <a:t>, </a:t>
+            </a:r>
+            <a:r>
+              <a:rPr lang="ko-KR" altLang="en-US" sz="1600" dirty="0">
+                <a:solidFill>
+                  <a:schemeClr val="bg1"/>
+                </a:solidFill>
+                <a:latin typeface="Pretendard Medium" panose="02000603000000020004" pitchFamily="2" charset="-127"/>
+                <a:ea typeface="Pretendard Medium" panose="02000603000000020004" pitchFamily="2" charset="-127"/>
+                <a:cs typeface="Pretendard Medium" panose="02000603000000020004" pitchFamily="2" charset="-127"/>
+              </a:rPr>
+              <a:t>최대 </a:t>
+            </a:r>
+            <a:r>
+              <a:rPr lang="en-US" altLang="ko-KR" sz="1600" dirty="0">
+                <a:solidFill>
+                  <a:schemeClr val="bg1"/>
+                </a:solidFill>
+                <a:latin typeface="Pretendard Medium" panose="02000603000000020004" pitchFamily="2" charset="-127"/>
+                <a:ea typeface="Pretendard Medium" panose="02000603000000020004" pitchFamily="2" charset="-127"/>
+                <a:cs typeface="Pretendard Medium" panose="02000603000000020004" pitchFamily="2" charset="-127"/>
+              </a:rPr>
+              <a:t>5</a:t>
+            </a:r>
+            <a:r>
+              <a:rPr lang="ko-KR" altLang="en-US" sz="1600" dirty="0">
+                <a:solidFill>
+                  <a:schemeClr val="bg1"/>
+                </a:solidFill>
+                <a:latin typeface="Pretendard Medium" panose="02000603000000020004" pitchFamily="2" charset="-127"/>
+                <a:ea typeface="Pretendard Medium" panose="02000603000000020004" pitchFamily="2" charset="-127"/>
+                <a:cs typeface="Pretendard Medium" panose="02000603000000020004" pitchFamily="2" charset="-127"/>
+              </a:rPr>
+              <a:t>개</a:t>
+            </a:r>
+            <a:r>
+              <a:rPr lang="en-US" altLang="ko-KR" sz="1600" dirty="0">
+                <a:solidFill>
+                  <a:schemeClr val="bg1"/>
+                </a:solidFill>
+                <a:latin typeface="Pretendard Medium" panose="02000603000000020004" pitchFamily="2" charset="-127"/>
+                <a:ea typeface="Pretendard Medium" panose="02000603000000020004" pitchFamily="2" charset="-127"/>
+                <a:cs typeface="Pretendard Medium" panose="02000603000000020004" pitchFamily="2" charset="-127"/>
+              </a:rPr>
+              <a:t>)</a:t>
+            </a:r>
+          </a:p>
+          <a:p>
+            <a:pPr marL="171450" indent="-171450">
+              <a:spcAft>
+                <a:spcPts val="300"/>
+              </a:spcAft>
+              <a:buFontTx/>
+              <a:buChar char="-"/>
+            </a:pPr>
+            <a:r>
+              <a:rPr lang="ko-KR" altLang="en-US" sz="1600" dirty="0">
+                <a:solidFill>
+                  <a:schemeClr val="bg1"/>
+                </a:solidFill>
+                <a:latin typeface="Pretendard Medium" panose="02000603000000020004" pitchFamily="2" charset="-127"/>
+                <a:ea typeface="Pretendard Medium" panose="02000603000000020004" pitchFamily="2" charset="-127"/>
+                <a:cs typeface="Pretendard Medium" panose="02000603000000020004" pitchFamily="2" charset="-127"/>
+              </a:rPr>
+              <a:t>처음에는 인공 별 </a:t>
+            </a:r>
+            <a:r>
+              <a:rPr lang="en-US" altLang="ko-KR" sz="1600" dirty="0">
+                <a:solidFill>
+                  <a:schemeClr val="bg1"/>
+                </a:solidFill>
+                <a:latin typeface="Pretendard Medium" panose="02000603000000020004" pitchFamily="2" charset="-127"/>
+                <a:ea typeface="Pretendard Medium" panose="02000603000000020004" pitchFamily="2" charset="-127"/>
+                <a:cs typeface="Pretendard Medium" panose="02000603000000020004" pitchFamily="2" charset="-127"/>
+              </a:rPr>
+              <a:t>5</a:t>
+            </a:r>
+            <a:r>
+              <a:rPr lang="ko-KR" altLang="en-US" sz="1600" dirty="0">
+                <a:solidFill>
+                  <a:schemeClr val="bg1"/>
+                </a:solidFill>
+                <a:latin typeface="Pretendard Medium" panose="02000603000000020004" pitchFamily="2" charset="-127"/>
+                <a:ea typeface="Pretendard Medium" panose="02000603000000020004" pitchFamily="2" charset="-127"/>
+                <a:cs typeface="Pretendard Medium" panose="02000603000000020004" pitchFamily="2" charset="-127"/>
+              </a:rPr>
+              <a:t>개가 한번에 현상 스킬을 시전함</a:t>
+            </a:r>
+            <a:r>
+              <a:rPr lang="en-US" altLang="ko-KR" sz="1600" dirty="0">
+                <a:solidFill>
+                  <a:schemeClr val="bg1"/>
+                </a:solidFill>
+                <a:latin typeface="Pretendard Medium" panose="02000603000000020004" pitchFamily="2" charset="-127"/>
+                <a:ea typeface="Pretendard Medium" panose="02000603000000020004" pitchFamily="2" charset="-127"/>
+                <a:cs typeface="Pretendard Medium" panose="02000603000000020004" pitchFamily="2" charset="-127"/>
+              </a:rPr>
+              <a:t>.</a:t>
+            </a:r>
+          </a:p>
+        </p:txBody>
+      </p:sp>
+      <p:sp>
+        <p:nvSpPr>
+          <p:cNvPr id="8" name="TextBox 7">
+            <a:extLst>
+              <a:ext uri="{FF2B5EF4-FFF2-40B4-BE49-F238E27FC236}">
+                <a16:creationId xmlns:a16="http://schemas.microsoft.com/office/drawing/2014/main" id="{A3959066-8E96-C208-4DF5-AC8D3137D77C}"/>
+              </a:ext>
+            </a:extLst>
+          </p:cNvPr>
+          <p:cNvSpPr txBox="1"/>
+          <p:nvPr/>
+        </p:nvSpPr>
+        <p:spPr>
+          <a:xfrm>
+            <a:off x="9525000" y="-2270088"/>
+            <a:ext cx="7680606" cy="2092881"/>
+          </a:xfrm>
+          <a:prstGeom prst="rect">
+            <a:avLst/>
+          </a:prstGeom>
+          <a:solidFill>
+            <a:srgbClr val="212227"/>
+          </a:solidFill>
+        </p:spPr>
+        <p:txBody>
+          <a:bodyPr wrap="none" lIns="90000" rIns="90000" rtlCol="0">
+            <a:spAutoFit/>
+          </a:bodyPr>
+          <a:lstStyle/>
+          <a:p>
+            <a:pPr>
+              <a:spcAft>
+                <a:spcPts val="300"/>
+              </a:spcAft>
+            </a:pPr>
+            <a:r>
+              <a:rPr lang="en-US" altLang="ko-KR" sz="1000" dirty="0">
+                <a:solidFill>
+                  <a:schemeClr val="bg1"/>
+                </a:solidFill>
+                <a:latin typeface="Pretendard Medium" panose="02000603000000020004" pitchFamily="2" charset="-127"/>
+                <a:ea typeface="Pretendard Medium" panose="02000603000000020004" pitchFamily="2" charset="-127"/>
+                <a:cs typeface="Pretendard Medium" panose="02000603000000020004" pitchFamily="2" charset="-127"/>
+              </a:rPr>
+              <a:t>@ </a:t>
+            </a:r>
+            <a:r>
+              <a:rPr lang="ko-KR" altLang="en-US" sz="1000" dirty="0">
+                <a:solidFill>
+                  <a:schemeClr val="bg1"/>
+                </a:solidFill>
+                <a:latin typeface="Pretendard Medium" panose="02000603000000020004" pitchFamily="2" charset="-127"/>
+                <a:ea typeface="Pretendard Medium" panose="02000603000000020004" pitchFamily="2" charset="-127"/>
+                <a:cs typeface="Pretendard Medium" panose="02000603000000020004" pitchFamily="2" charset="-127"/>
+              </a:rPr>
+              <a:t>생각해 봐야 할 것 </a:t>
+            </a:r>
+            <a:r>
+              <a:rPr lang="en-US" altLang="ko-KR" sz="1000" dirty="0">
+                <a:solidFill>
+                  <a:schemeClr val="bg1"/>
+                </a:solidFill>
+                <a:latin typeface="Pretendard Medium" panose="02000603000000020004" pitchFamily="2" charset="-127"/>
+                <a:ea typeface="Pretendard Medium" panose="02000603000000020004" pitchFamily="2" charset="-127"/>
+                <a:cs typeface="Pretendard Medium" panose="02000603000000020004" pitchFamily="2" charset="-127"/>
+              </a:rPr>
+              <a:t>@</a:t>
+            </a:r>
+          </a:p>
+          <a:p>
+            <a:pPr marL="171450" indent="-171450">
+              <a:spcAft>
+                <a:spcPts val="300"/>
+              </a:spcAft>
+              <a:buFontTx/>
+              <a:buChar char="-"/>
+            </a:pPr>
+            <a:r>
+              <a:rPr lang="ko-KR" altLang="en-US" sz="1000" dirty="0">
+                <a:solidFill>
+                  <a:schemeClr val="bg1"/>
+                </a:solidFill>
+                <a:latin typeface="Pretendard Medium" panose="02000603000000020004" pitchFamily="2" charset="-127"/>
+                <a:ea typeface="Pretendard Medium" panose="02000603000000020004" pitchFamily="2" charset="-127"/>
+                <a:cs typeface="Pretendard Medium" panose="02000603000000020004" pitchFamily="2" charset="-127"/>
+              </a:rPr>
+              <a:t>인공 별이 현상 스킬 시전에 필요한 개수가 남아 있을 때 현상 스킬 또 시전 가능</a:t>
+            </a:r>
+            <a:r>
+              <a:rPr lang="en-US" altLang="ko-KR" sz="1000" dirty="0">
+                <a:solidFill>
+                  <a:schemeClr val="bg1"/>
+                </a:solidFill>
+                <a:latin typeface="Pretendard Medium" panose="02000603000000020004" pitchFamily="2" charset="-127"/>
+                <a:ea typeface="Pretendard Medium" panose="02000603000000020004" pitchFamily="2" charset="-127"/>
+                <a:cs typeface="Pretendard Medium" panose="02000603000000020004" pitchFamily="2" charset="-127"/>
+              </a:rPr>
+              <a:t>?</a:t>
+            </a:r>
+            <a:br>
+              <a:rPr lang="en-US" altLang="ko-KR" sz="1000" dirty="0">
+                <a:solidFill>
+                  <a:schemeClr val="bg1"/>
+                </a:solidFill>
+                <a:latin typeface="Pretendard Medium" panose="02000603000000020004" pitchFamily="2" charset="-127"/>
+                <a:ea typeface="Pretendard Medium" panose="02000603000000020004" pitchFamily="2" charset="-127"/>
+                <a:cs typeface="Pretendard Medium" panose="02000603000000020004" pitchFamily="2" charset="-127"/>
+              </a:rPr>
+            </a:br>
+            <a:r>
+              <a:rPr lang="ko-KR" altLang="en-US" sz="1000" dirty="0">
+                <a:solidFill>
+                  <a:schemeClr val="bg1"/>
+                </a:solidFill>
+                <a:latin typeface="Pretendard Medium" panose="02000603000000020004" pitchFamily="2" charset="-127"/>
+                <a:ea typeface="Pretendard Medium" panose="02000603000000020004" pitchFamily="2" charset="-127"/>
+                <a:cs typeface="Pretendard Medium" panose="02000603000000020004" pitchFamily="2" charset="-127"/>
+              </a:rPr>
+              <a:t>예시</a:t>
+            </a:r>
+            <a:r>
+              <a:rPr lang="en-US" altLang="ko-KR" sz="1000" dirty="0">
+                <a:solidFill>
+                  <a:schemeClr val="bg1"/>
+                </a:solidFill>
+                <a:latin typeface="Pretendard Medium" panose="02000603000000020004" pitchFamily="2" charset="-127"/>
+                <a:ea typeface="Pretendard Medium" panose="02000603000000020004" pitchFamily="2" charset="-127"/>
+                <a:cs typeface="Pretendard Medium" panose="02000603000000020004" pitchFamily="2" charset="-127"/>
+              </a:rPr>
+              <a:t>) </a:t>
+            </a:r>
+            <a:r>
+              <a:rPr lang="ko-KR" altLang="en-US" sz="1000" dirty="0">
+                <a:solidFill>
+                  <a:schemeClr val="bg1"/>
+                </a:solidFill>
+                <a:latin typeface="Pretendard Medium" panose="02000603000000020004" pitchFamily="2" charset="-127"/>
+                <a:ea typeface="Pretendard Medium" panose="02000603000000020004" pitchFamily="2" charset="-127"/>
+                <a:cs typeface="Pretendard Medium" panose="02000603000000020004" pitchFamily="2" charset="-127"/>
+              </a:rPr>
+              <a:t>수중에 인공별 </a:t>
+            </a:r>
+            <a:r>
+              <a:rPr lang="en-US" altLang="ko-KR" sz="1000" dirty="0">
+                <a:solidFill>
+                  <a:schemeClr val="bg1"/>
+                </a:solidFill>
+                <a:latin typeface="Pretendard Medium" panose="02000603000000020004" pitchFamily="2" charset="-127"/>
+                <a:ea typeface="Pretendard Medium" panose="02000603000000020004" pitchFamily="2" charset="-127"/>
+                <a:cs typeface="Pretendard Medium" panose="02000603000000020004" pitchFamily="2" charset="-127"/>
+              </a:rPr>
+              <a:t>3</a:t>
+            </a:r>
+            <a:r>
+              <a:rPr lang="ko-KR" altLang="en-US" sz="1000" dirty="0">
+                <a:solidFill>
+                  <a:schemeClr val="bg1"/>
+                </a:solidFill>
+                <a:latin typeface="Pretendard Medium" panose="02000603000000020004" pitchFamily="2" charset="-127"/>
+                <a:ea typeface="Pretendard Medium" panose="02000603000000020004" pitchFamily="2" charset="-127"/>
+                <a:cs typeface="Pretendard Medium" panose="02000603000000020004" pitchFamily="2" charset="-127"/>
+              </a:rPr>
+              <a:t>개 남음</a:t>
+            </a:r>
+            <a:r>
+              <a:rPr lang="en-US" altLang="ko-KR" sz="1000" dirty="0">
+                <a:solidFill>
+                  <a:schemeClr val="bg1"/>
+                </a:solidFill>
+                <a:latin typeface="Pretendard Medium" panose="02000603000000020004" pitchFamily="2" charset="-127"/>
+                <a:ea typeface="Pretendard Medium" panose="02000603000000020004" pitchFamily="2" charset="-127"/>
+                <a:cs typeface="Pretendard Medium" panose="02000603000000020004" pitchFamily="2" charset="-127"/>
+              </a:rPr>
+              <a:t>, </a:t>
+            </a:r>
+            <a:r>
+              <a:rPr lang="ko-KR" altLang="en-US" sz="1000" dirty="0">
+                <a:solidFill>
+                  <a:schemeClr val="bg1"/>
+                </a:solidFill>
+                <a:latin typeface="Pretendard Medium" panose="02000603000000020004" pitchFamily="2" charset="-127"/>
+                <a:ea typeface="Pretendard Medium" panose="02000603000000020004" pitchFamily="2" charset="-127"/>
+                <a:cs typeface="Pretendard Medium" panose="02000603000000020004" pitchFamily="2" charset="-127"/>
+              </a:rPr>
+              <a:t>인공 별 </a:t>
+            </a:r>
+            <a:r>
+              <a:rPr lang="en-US" altLang="ko-KR" sz="1000" dirty="0">
+                <a:solidFill>
+                  <a:schemeClr val="bg1"/>
+                </a:solidFill>
+                <a:latin typeface="Pretendard Medium" panose="02000603000000020004" pitchFamily="2" charset="-127"/>
+                <a:ea typeface="Pretendard Medium" panose="02000603000000020004" pitchFamily="2" charset="-127"/>
+                <a:cs typeface="Pretendard Medium" panose="02000603000000020004" pitchFamily="2" charset="-127"/>
+              </a:rPr>
+              <a:t>3</a:t>
+            </a:r>
+            <a:r>
+              <a:rPr lang="ko-KR" altLang="en-US" sz="1000" dirty="0">
+                <a:solidFill>
+                  <a:schemeClr val="bg1"/>
+                </a:solidFill>
+                <a:latin typeface="Pretendard Medium" panose="02000603000000020004" pitchFamily="2" charset="-127"/>
+                <a:ea typeface="Pretendard Medium" panose="02000603000000020004" pitchFamily="2" charset="-127"/>
+                <a:cs typeface="Pretendard Medium" panose="02000603000000020004" pitchFamily="2" charset="-127"/>
+              </a:rPr>
+              <a:t>개가 필요한 현상 스킬 시전 가능</a:t>
+            </a:r>
+            <a:r>
+              <a:rPr lang="en-US" altLang="ko-KR" sz="1000" dirty="0">
+                <a:solidFill>
+                  <a:schemeClr val="bg1"/>
+                </a:solidFill>
+                <a:latin typeface="Pretendard Medium" panose="02000603000000020004" pitchFamily="2" charset="-127"/>
+                <a:ea typeface="Pretendard Medium" panose="02000603000000020004" pitchFamily="2" charset="-127"/>
+                <a:cs typeface="Pretendard Medium" panose="02000603000000020004" pitchFamily="2" charset="-127"/>
+              </a:rPr>
+              <a:t>?</a:t>
+            </a:r>
+            <a:br>
+              <a:rPr lang="en-US" altLang="ko-KR" sz="1000" dirty="0">
+                <a:solidFill>
+                  <a:schemeClr val="bg1"/>
+                </a:solidFill>
+                <a:latin typeface="Pretendard Medium" panose="02000603000000020004" pitchFamily="2" charset="-127"/>
+                <a:ea typeface="Pretendard Medium" panose="02000603000000020004" pitchFamily="2" charset="-127"/>
+                <a:cs typeface="Pretendard Medium" panose="02000603000000020004" pitchFamily="2" charset="-127"/>
+              </a:rPr>
+            </a:br>
+            <a:r>
+              <a:rPr lang="en-US" altLang="ko-KR" sz="1000" dirty="0">
+                <a:solidFill>
+                  <a:schemeClr val="bg1"/>
+                </a:solidFill>
+                <a:latin typeface="Pretendard Medium" panose="02000603000000020004" pitchFamily="2" charset="-127"/>
+                <a:ea typeface="Pretendard Medium" panose="02000603000000020004" pitchFamily="2" charset="-127"/>
+                <a:cs typeface="Pretendard Medium" panose="02000603000000020004" pitchFamily="2" charset="-127"/>
+              </a:rPr>
+              <a:t>          </a:t>
+            </a:r>
+            <a:r>
+              <a:rPr lang="ko-KR" altLang="en-US" sz="1000" dirty="0">
+                <a:solidFill>
+                  <a:schemeClr val="bg1"/>
+                </a:solidFill>
+                <a:latin typeface="Pretendard Medium" panose="02000603000000020004" pitchFamily="2" charset="-127"/>
+                <a:ea typeface="Pretendard Medium" panose="02000603000000020004" pitchFamily="2" charset="-127"/>
+                <a:cs typeface="Pretendard Medium" panose="02000603000000020004" pitchFamily="2" charset="-127"/>
+              </a:rPr>
+              <a:t>인공별 </a:t>
+            </a:r>
+            <a:r>
+              <a:rPr lang="en-US" altLang="ko-KR" sz="1000" dirty="0">
+                <a:solidFill>
+                  <a:schemeClr val="bg1"/>
+                </a:solidFill>
+                <a:latin typeface="Pretendard Medium" panose="02000603000000020004" pitchFamily="2" charset="-127"/>
+                <a:ea typeface="Pretendard Medium" panose="02000603000000020004" pitchFamily="2" charset="-127"/>
+                <a:cs typeface="Pretendard Medium" panose="02000603000000020004" pitchFamily="2" charset="-127"/>
+              </a:rPr>
+              <a:t>5</a:t>
+            </a:r>
+            <a:r>
+              <a:rPr lang="ko-KR" altLang="en-US" sz="1000" dirty="0">
+                <a:solidFill>
+                  <a:schemeClr val="bg1"/>
+                </a:solidFill>
+                <a:latin typeface="Pretendard Medium" panose="02000603000000020004" pitchFamily="2" charset="-127"/>
+                <a:ea typeface="Pretendard Medium" panose="02000603000000020004" pitchFamily="2" charset="-127"/>
+                <a:cs typeface="Pretendard Medium" panose="02000603000000020004" pitchFamily="2" charset="-127"/>
+              </a:rPr>
+              <a:t>개 소모 현상 스킬 사용 </a:t>
+            </a:r>
+            <a:r>
+              <a:rPr lang="en-US" altLang="ko-KR" sz="1000" dirty="0">
+                <a:solidFill>
+                  <a:schemeClr val="bg1"/>
+                </a:solidFill>
+                <a:latin typeface="Pretendard Medium" panose="02000603000000020004" pitchFamily="2" charset="-127"/>
+                <a:ea typeface="Pretendard Medium" panose="02000603000000020004" pitchFamily="2" charset="-127"/>
+                <a:cs typeface="Pretendard Medium" panose="02000603000000020004" pitchFamily="2" charset="-127"/>
+              </a:rPr>
+              <a:t>-&gt; </a:t>
+            </a:r>
+            <a:r>
+              <a:rPr lang="ko-KR" altLang="en-US" sz="1000" dirty="0">
+                <a:solidFill>
+                  <a:schemeClr val="bg1"/>
+                </a:solidFill>
+                <a:latin typeface="Pretendard Medium" panose="02000603000000020004" pitchFamily="2" charset="-127"/>
+                <a:ea typeface="Pretendard Medium" panose="02000603000000020004" pitchFamily="2" charset="-127"/>
+                <a:cs typeface="Pretendard Medium" panose="02000603000000020004" pitchFamily="2" charset="-127"/>
+              </a:rPr>
+              <a:t>별자리 스킬 연계 </a:t>
+            </a:r>
+            <a:r>
+              <a:rPr lang="en-US" altLang="ko-KR" sz="1000" dirty="0">
+                <a:solidFill>
+                  <a:schemeClr val="bg1"/>
+                </a:solidFill>
+                <a:latin typeface="Pretendard Medium" panose="02000603000000020004" pitchFamily="2" charset="-127"/>
+                <a:ea typeface="Pretendard Medium" panose="02000603000000020004" pitchFamily="2" charset="-127"/>
+                <a:cs typeface="Pretendard Medium" panose="02000603000000020004" pitchFamily="2" charset="-127"/>
+              </a:rPr>
+              <a:t>-&gt; </a:t>
+            </a:r>
+            <a:r>
+              <a:rPr lang="ko-KR" altLang="en-US" sz="1000" dirty="0">
+                <a:solidFill>
+                  <a:schemeClr val="bg1"/>
+                </a:solidFill>
+                <a:latin typeface="Pretendard Medium" panose="02000603000000020004" pitchFamily="2" charset="-127"/>
+                <a:ea typeface="Pretendard Medium" panose="02000603000000020004" pitchFamily="2" charset="-127"/>
+                <a:cs typeface="Pretendard Medium" panose="02000603000000020004" pitchFamily="2" charset="-127"/>
+              </a:rPr>
+              <a:t>인공 별 회수 </a:t>
+            </a:r>
+            <a:endParaRPr lang="en-US" altLang="ko-KR" sz="1000" dirty="0">
+              <a:solidFill>
+                <a:schemeClr val="bg1"/>
+              </a:solidFill>
+              <a:latin typeface="Pretendard Medium" panose="02000603000000020004" pitchFamily="2" charset="-127"/>
+              <a:ea typeface="Pretendard Medium" panose="02000603000000020004" pitchFamily="2" charset="-127"/>
+              <a:cs typeface="Pretendard Medium" panose="02000603000000020004" pitchFamily="2" charset="-127"/>
+            </a:endParaRPr>
+          </a:p>
+          <a:p>
+            <a:pPr marL="171450" indent="-171450">
+              <a:spcAft>
+                <a:spcPts val="300"/>
+              </a:spcAft>
+              <a:buFontTx/>
+              <a:buChar char="-"/>
+            </a:pPr>
+            <a:endParaRPr lang="en-US" altLang="ko-KR" sz="1000" dirty="0">
+              <a:solidFill>
+                <a:schemeClr val="bg1"/>
+              </a:solidFill>
+              <a:latin typeface="Pretendard Medium" panose="02000603000000020004" pitchFamily="2" charset="-127"/>
+              <a:ea typeface="Pretendard Medium" panose="02000603000000020004" pitchFamily="2" charset="-127"/>
+              <a:cs typeface="Pretendard Medium" panose="02000603000000020004" pitchFamily="2" charset="-127"/>
+            </a:endParaRPr>
+          </a:p>
+          <a:p>
+            <a:pPr marL="171450" indent="-171450">
+              <a:spcAft>
+                <a:spcPts val="300"/>
+              </a:spcAft>
+              <a:buFontTx/>
+              <a:buChar char="-"/>
+            </a:pPr>
+            <a:r>
+              <a:rPr lang="ko-KR" altLang="en-US" sz="1000" dirty="0">
+                <a:solidFill>
+                  <a:schemeClr val="bg1"/>
+                </a:solidFill>
+                <a:latin typeface="Pretendard Medium" panose="02000603000000020004" pitchFamily="2" charset="-127"/>
+                <a:ea typeface="Pretendard Medium" panose="02000603000000020004" pitchFamily="2" charset="-127"/>
+                <a:cs typeface="Pretendard Medium" panose="02000603000000020004" pitchFamily="2" charset="-127"/>
+              </a:rPr>
+              <a:t>기본으로 인공별 </a:t>
+            </a:r>
+            <a:r>
+              <a:rPr lang="en-US" altLang="ko-KR" sz="1000" dirty="0">
+                <a:solidFill>
+                  <a:schemeClr val="bg1"/>
+                </a:solidFill>
+                <a:latin typeface="Pretendard Medium" panose="02000603000000020004" pitchFamily="2" charset="-127"/>
+                <a:ea typeface="Pretendard Medium" panose="02000603000000020004" pitchFamily="2" charset="-127"/>
+                <a:cs typeface="Pretendard Medium" panose="02000603000000020004" pitchFamily="2" charset="-127"/>
+              </a:rPr>
+              <a:t>5</a:t>
+            </a:r>
+            <a:r>
+              <a:rPr lang="ko-KR" altLang="en-US" sz="1000" dirty="0">
+                <a:solidFill>
+                  <a:schemeClr val="bg1"/>
+                </a:solidFill>
+                <a:latin typeface="Pretendard Medium" panose="02000603000000020004" pitchFamily="2" charset="-127"/>
+                <a:ea typeface="Pretendard Medium" panose="02000603000000020004" pitchFamily="2" charset="-127"/>
+                <a:cs typeface="Pretendard Medium" panose="02000603000000020004" pitchFamily="2" charset="-127"/>
+              </a:rPr>
+              <a:t>개가 한번에 현상 스킬을 대신 시전</a:t>
+            </a:r>
+            <a:r>
+              <a:rPr lang="en-US" altLang="ko-KR" sz="1000" dirty="0">
+                <a:solidFill>
+                  <a:schemeClr val="bg1"/>
+                </a:solidFill>
+                <a:latin typeface="Pretendard Medium" panose="02000603000000020004" pitchFamily="2" charset="-127"/>
+                <a:ea typeface="Pretendard Medium" panose="02000603000000020004" pitchFamily="2" charset="-127"/>
+                <a:cs typeface="Pretendard Medium" panose="02000603000000020004" pitchFamily="2" charset="-127"/>
+              </a:rPr>
+              <a:t>.</a:t>
+            </a:r>
+          </a:p>
+          <a:p>
+            <a:pPr marL="171450" indent="-171450">
+              <a:spcAft>
+                <a:spcPts val="300"/>
+              </a:spcAft>
+              <a:buFontTx/>
+              <a:buChar char="-"/>
+            </a:pPr>
+            <a:r>
+              <a:rPr lang="ko-KR" altLang="en-US" sz="1000" dirty="0">
+                <a:solidFill>
+                  <a:schemeClr val="bg1"/>
+                </a:solidFill>
+                <a:latin typeface="Pretendard Medium" panose="02000603000000020004" pitchFamily="2" charset="-127"/>
+                <a:ea typeface="Pretendard Medium" panose="02000603000000020004" pitchFamily="2" charset="-127"/>
+                <a:cs typeface="Pretendard Medium" panose="02000603000000020004" pitchFamily="2" charset="-127"/>
+              </a:rPr>
+              <a:t>별자리 스킬 연계하면 별무리가 더 많이 참</a:t>
+            </a:r>
+            <a:r>
+              <a:rPr lang="en-US" altLang="ko-KR" sz="1000" dirty="0">
+                <a:solidFill>
+                  <a:schemeClr val="bg1"/>
+                </a:solidFill>
+                <a:latin typeface="Pretendard Medium" panose="02000603000000020004" pitchFamily="2" charset="-127"/>
+                <a:ea typeface="Pretendard Medium" panose="02000603000000020004" pitchFamily="2" charset="-127"/>
+                <a:cs typeface="Pretendard Medium" panose="02000603000000020004" pitchFamily="2" charset="-127"/>
+              </a:rPr>
+              <a:t>.</a:t>
+            </a:r>
+          </a:p>
+          <a:p>
+            <a:pPr marL="171450" indent="-171450">
+              <a:spcAft>
+                <a:spcPts val="300"/>
+              </a:spcAft>
+              <a:buFontTx/>
+              <a:buChar char="-"/>
+            </a:pPr>
+            <a:r>
+              <a:rPr lang="ko-KR" altLang="en-US" sz="1000" dirty="0">
+                <a:solidFill>
+                  <a:schemeClr val="bg1"/>
+                </a:solidFill>
+                <a:latin typeface="Pretendard Medium" panose="02000603000000020004" pitchFamily="2" charset="-127"/>
+                <a:ea typeface="Pretendard Medium" panose="02000603000000020004" pitchFamily="2" charset="-127"/>
+                <a:cs typeface="Pretendard Medium" panose="02000603000000020004" pitchFamily="2" charset="-127"/>
+              </a:rPr>
+              <a:t>별무리는 </a:t>
+            </a:r>
+            <a:r>
+              <a:rPr lang="en-US" altLang="ko-KR" sz="1000" dirty="0">
+                <a:solidFill>
+                  <a:schemeClr val="bg1"/>
+                </a:solidFill>
+                <a:latin typeface="Pretendard Medium" panose="02000603000000020004" pitchFamily="2" charset="-127"/>
+                <a:ea typeface="Pretendard Medium" panose="02000603000000020004" pitchFamily="2" charset="-127"/>
+                <a:cs typeface="Pretendard Medium" panose="02000603000000020004" pitchFamily="2" charset="-127"/>
+              </a:rPr>
+              <a:t>8</a:t>
+            </a:r>
+            <a:r>
+              <a:rPr lang="ko-KR" altLang="en-US" sz="1000" dirty="0">
+                <a:solidFill>
+                  <a:schemeClr val="bg1"/>
+                </a:solidFill>
+                <a:latin typeface="Pretendard Medium" panose="02000603000000020004" pitchFamily="2" charset="-127"/>
+                <a:ea typeface="Pretendard Medium" panose="02000603000000020004" pitchFamily="2" charset="-127"/>
+                <a:cs typeface="Pretendard Medium" panose="02000603000000020004" pitchFamily="2" charset="-127"/>
+              </a:rPr>
+              <a:t>칸</a:t>
+            </a:r>
+            <a:r>
+              <a:rPr lang="en-US" altLang="ko-KR" sz="1000" dirty="0">
+                <a:solidFill>
+                  <a:schemeClr val="bg1"/>
+                </a:solidFill>
+                <a:latin typeface="Pretendard Medium" panose="02000603000000020004" pitchFamily="2" charset="-127"/>
+                <a:ea typeface="Pretendard Medium" panose="02000603000000020004" pitchFamily="2" charset="-127"/>
+                <a:cs typeface="Pretendard Medium" panose="02000603000000020004" pitchFamily="2" charset="-127"/>
+              </a:rPr>
+              <a:t>. </a:t>
+            </a:r>
+            <a:r>
+              <a:rPr lang="ko-KR" altLang="en-US" sz="1000" dirty="0">
+                <a:solidFill>
+                  <a:schemeClr val="bg1"/>
+                </a:solidFill>
+                <a:latin typeface="Pretendard Medium" panose="02000603000000020004" pitchFamily="2" charset="-127"/>
+                <a:ea typeface="Pretendard Medium" panose="02000603000000020004" pitchFamily="2" charset="-127"/>
+                <a:cs typeface="Pretendard Medium" panose="02000603000000020004" pitchFamily="2" charset="-127"/>
+              </a:rPr>
+              <a:t>별무리를 모두 채우면 별무리를 소모할 수 있음</a:t>
+            </a:r>
+            <a:r>
+              <a:rPr lang="en-US" altLang="ko-KR" sz="1000" dirty="0">
+                <a:solidFill>
+                  <a:schemeClr val="bg1"/>
+                </a:solidFill>
+                <a:latin typeface="Pretendard Medium" panose="02000603000000020004" pitchFamily="2" charset="-127"/>
+                <a:ea typeface="Pretendard Medium" panose="02000603000000020004" pitchFamily="2" charset="-127"/>
+                <a:cs typeface="Pretendard Medium" panose="02000603000000020004" pitchFamily="2" charset="-127"/>
+              </a:rPr>
+              <a:t>. </a:t>
+            </a:r>
+            <a:r>
+              <a:rPr lang="ko-KR" altLang="en-US" sz="1000" dirty="0">
+                <a:solidFill>
+                  <a:schemeClr val="bg1"/>
+                </a:solidFill>
+                <a:latin typeface="Pretendard Medium" panose="02000603000000020004" pitchFamily="2" charset="-127"/>
+                <a:ea typeface="Pretendard Medium" panose="02000603000000020004" pitchFamily="2" charset="-127"/>
+                <a:cs typeface="Pretendard Medium" panose="02000603000000020004" pitchFamily="2" charset="-127"/>
+              </a:rPr>
+              <a:t>현상 스킬 사용 시 별무리 소모하여 강한 피해를 줌</a:t>
+            </a:r>
+            <a:r>
+              <a:rPr lang="en-US" altLang="ko-KR" sz="1000" dirty="0">
+                <a:solidFill>
+                  <a:schemeClr val="bg1"/>
+                </a:solidFill>
+                <a:latin typeface="Pretendard Medium" panose="02000603000000020004" pitchFamily="2" charset="-127"/>
+                <a:ea typeface="Pretendard Medium" panose="02000603000000020004" pitchFamily="2" charset="-127"/>
+                <a:cs typeface="Pretendard Medium" panose="02000603000000020004" pitchFamily="2" charset="-127"/>
+              </a:rPr>
+              <a:t>.</a:t>
+            </a:r>
+          </a:p>
+          <a:p>
+            <a:pPr marL="171450" indent="-171450">
+              <a:spcAft>
+                <a:spcPts val="300"/>
+              </a:spcAft>
+              <a:buFontTx/>
+              <a:buChar char="-"/>
+            </a:pPr>
+            <a:r>
+              <a:rPr lang="ko-KR" altLang="en-US" sz="1000" dirty="0">
+                <a:solidFill>
+                  <a:schemeClr val="bg1"/>
+                </a:solidFill>
+                <a:latin typeface="Pretendard Medium" panose="02000603000000020004" pitchFamily="2" charset="-127"/>
+                <a:ea typeface="Pretendard Medium" panose="02000603000000020004" pitchFamily="2" charset="-127"/>
+                <a:cs typeface="Pretendard Medium" panose="02000603000000020004" pitchFamily="2" charset="-127"/>
+              </a:rPr>
+              <a:t>소모하는 별 무리는 현상 스킬의 기본 재사용 대기 시간에 비례 </a:t>
+            </a:r>
+            <a:r>
+              <a:rPr lang="en-US" altLang="ko-KR" sz="1000" dirty="0">
+                <a:solidFill>
+                  <a:schemeClr val="bg1"/>
+                </a:solidFill>
+                <a:latin typeface="Pretendard Medium" panose="02000603000000020004" pitchFamily="2" charset="-127"/>
+                <a:ea typeface="Pretendard Medium" panose="02000603000000020004" pitchFamily="2" charset="-127"/>
+                <a:cs typeface="Pretendard Medium" panose="02000603000000020004" pitchFamily="2" charset="-127"/>
+              </a:rPr>
+              <a:t>(6</a:t>
+            </a:r>
+            <a:r>
+              <a:rPr lang="ko-KR" altLang="en-US" sz="1000" dirty="0">
+                <a:solidFill>
+                  <a:schemeClr val="bg1"/>
+                </a:solidFill>
+                <a:latin typeface="Pretendard Medium" panose="02000603000000020004" pitchFamily="2" charset="-127"/>
+                <a:ea typeface="Pretendard Medium" panose="02000603000000020004" pitchFamily="2" charset="-127"/>
+                <a:cs typeface="Pretendard Medium" panose="02000603000000020004" pitchFamily="2" charset="-127"/>
+              </a:rPr>
+              <a:t>초당 </a:t>
+            </a:r>
+            <a:r>
+              <a:rPr lang="en-US" altLang="ko-KR" sz="1000" dirty="0">
+                <a:solidFill>
+                  <a:schemeClr val="bg1"/>
+                </a:solidFill>
+                <a:latin typeface="Pretendard Medium" panose="02000603000000020004" pitchFamily="2" charset="-127"/>
+                <a:ea typeface="Pretendard Medium" panose="02000603000000020004" pitchFamily="2" charset="-127"/>
+                <a:cs typeface="Pretendard Medium" panose="02000603000000020004" pitchFamily="2" charset="-127"/>
+              </a:rPr>
+              <a:t>1</a:t>
+            </a:r>
+            <a:r>
+              <a:rPr lang="ko-KR" altLang="en-US" sz="1000" dirty="0">
+                <a:solidFill>
+                  <a:schemeClr val="bg1"/>
+                </a:solidFill>
+                <a:latin typeface="Pretendard Medium" panose="02000603000000020004" pitchFamily="2" charset="-127"/>
+                <a:ea typeface="Pretendard Medium" panose="02000603000000020004" pitchFamily="2" charset="-127"/>
+                <a:cs typeface="Pretendard Medium" panose="02000603000000020004" pitchFamily="2" charset="-127"/>
+              </a:rPr>
+              <a:t>칸</a:t>
+            </a:r>
+            <a:r>
+              <a:rPr lang="en-US" altLang="ko-KR" sz="1000" dirty="0">
+                <a:solidFill>
+                  <a:schemeClr val="bg1"/>
+                </a:solidFill>
+                <a:latin typeface="Pretendard Medium" panose="02000603000000020004" pitchFamily="2" charset="-127"/>
+                <a:ea typeface="Pretendard Medium" panose="02000603000000020004" pitchFamily="2" charset="-127"/>
+                <a:cs typeface="Pretendard Medium" panose="02000603000000020004" pitchFamily="2" charset="-127"/>
+              </a:rPr>
+              <a:t>) (</a:t>
+            </a:r>
+            <a:r>
+              <a:rPr lang="ko-KR" altLang="en-US" sz="1000" dirty="0">
+                <a:solidFill>
+                  <a:schemeClr val="bg1"/>
+                </a:solidFill>
+                <a:latin typeface="Pretendard Medium" panose="02000603000000020004" pitchFamily="2" charset="-127"/>
+                <a:ea typeface="Pretendard Medium" panose="02000603000000020004" pitchFamily="2" charset="-127"/>
+                <a:cs typeface="Pretendard Medium" panose="02000603000000020004" pitchFamily="2" charset="-127"/>
+              </a:rPr>
+              <a:t>최대 </a:t>
+            </a:r>
+            <a:r>
+              <a:rPr lang="en-US" altLang="ko-KR" sz="1000" dirty="0">
+                <a:solidFill>
+                  <a:schemeClr val="bg1"/>
+                </a:solidFill>
+                <a:latin typeface="Pretendard Medium" panose="02000603000000020004" pitchFamily="2" charset="-127"/>
+                <a:ea typeface="Pretendard Medium" panose="02000603000000020004" pitchFamily="2" charset="-127"/>
+                <a:cs typeface="Pretendard Medium" panose="02000603000000020004" pitchFamily="2" charset="-127"/>
+              </a:rPr>
+              <a:t>5</a:t>
+            </a:r>
+            <a:r>
+              <a:rPr lang="ko-KR" altLang="en-US" sz="1000" dirty="0">
+                <a:solidFill>
+                  <a:schemeClr val="bg1"/>
+                </a:solidFill>
+                <a:latin typeface="Pretendard Medium" panose="02000603000000020004" pitchFamily="2" charset="-127"/>
+                <a:ea typeface="Pretendard Medium" panose="02000603000000020004" pitchFamily="2" charset="-127"/>
+                <a:cs typeface="Pretendard Medium" panose="02000603000000020004" pitchFamily="2" charset="-127"/>
+              </a:rPr>
+              <a:t>칸</a:t>
+            </a:r>
+            <a:r>
+              <a:rPr lang="en-US" altLang="ko-KR" sz="1000" dirty="0">
+                <a:solidFill>
+                  <a:schemeClr val="bg1"/>
+                </a:solidFill>
+                <a:latin typeface="Pretendard Medium" panose="02000603000000020004" pitchFamily="2" charset="-127"/>
+                <a:ea typeface="Pretendard Medium" panose="02000603000000020004" pitchFamily="2" charset="-127"/>
+                <a:cs typeface="Pretendard Medium" panose="02000603000000020004" pitchFamily="2" charset="-127"/>
+              </a:rPr>
+              <a:t>)</a:t>
+            </a:r>
+          </a:p>
+          <a:p>
+            <a:pPr marL="171450" indent="-171450">
+              <a:spcAft>
+                <a:spcPts val="300"/>
+              </a:spcAft>
+              <a:buFontTx/>
+              <a:buChar char="-"/>
+            </a:pPr>
+            <a:r>
+              <a:rPr lang="ko-KR" altLang="en-US" sz="1000" dirty="0">
+                <a:solidFill>
+                  <a:schemeClr val="bg1"/>
+                </a:solidFill>
+                <a:latin typeface="Pretendard Medium" panose="02000603000000020004" pitchFamily="2" charset="-127"/>
+                <a:ea typeface="Pretendard Medium" panose="02000603000000020004" pitchFamily="2" charset="-127"/>
+                <a:cs typeface="Pretendard Medium" panose="02000603000000020004" pitchFamily="2" charset="-127"/>
+              </a:rPr>
+              <a:t>별자리 스킬 연계 시 </a:t>
+            </a:r>
+            <a:r>
+              <a:rPr lang="en-US" altLang="ko-KR" sz="1000" dirty="0">
+                <a:solidFill>
+                  <a:schemeClr val="bg1"/>
+                </a:solidFill>
+                <a:latin typeface="Pretendard Medium" panose="02000603000000020004" pitchFamily="2" charset="-127"/>
+                <a:ea typeface="Pretendard Medium" panose="02000603000000020004" pitchFamily="2" charset="-127"/>
+                <a:cs typeface="Pretendard Medium" panose="02000603000000020004" pitchFamily="2" charset="-127"/>
+              </a:rPr>
+              <a:t>1</a:t>
+            </a:r>
+            <a:r>
+              <a:rPr lang="ko-KR" altLang="en-US" sz="1000" dirty="0">
+                <a:solidFill>
+                  <a:schemeClr val="bg1"/>
+                </a:solidFill>
+                <a:latin typeface="Pretendard Medium" panose="02000603000000020004" pitchFamily="2" charset="-127"/>
+                <a:ea typeface="Pretendard Medium" panose="02000603000000020004" pitchFamily="2" charset="-127"/>
+                <a:cs typeface="Pretendard Medium" panose="02000603000000020004" pitchFamily="2" charset="-127"/>
+              </a:rPr>
+              <a:t>칸을 복구 </a:t>
+            </a:r>
+            <a:r>
+              <a:rPr lang="ko-KR" altLang="en-US" sz="1000" dirty="0" err="1">
+                <a:solidFill>
+                  <a:schemeClr val="bg1"/>
+                </a:solidFill>
+                <a:latin typeface="Pretendard Medium" panose="02000603000000020004" pitchFamily="2" charset="-127"/>
+                <a:ea typeface="Pretendard Medium" panose="02000603000000020004" pitchFamily="2" charset="-127"/>
+                <a:cs typeface="Pretendard Medium" panose="02000603000000020004" pitchFamily="2" charset="-127"/>
+              </a:rPr>
+              <a:t>해줌</a:t>
+            </a:r>
+            <a:r>
+              <a:rPr lang="en-US" altLang="ko-KR" sz="1000" dirty="0">
+                <a:solidFill>
+                  <a:schemeClr val="bg1"/>
+                </a:solidFill>
+                <a:latin typeface="Pretendard Medium" panose="02000603000000020004" pitchFamily="2" charset="-127"/>
+                <a:ea typeface="Pretendard Medium" panose="02000603000000020004" pitchFamily="2" charset="-127"/>
+                <a:cs typeface="Pretendard Medium" panose="02000603000000020004" pitchFamily="2" charset="-127"/>
+              </a:rPr>
+              <a:t>. </a:t>
+            </a:r>
+          </a:p>
+          <a:p>
+            <a:pPr marL="171450" indent="-171450">
+              <a:spcAft>
+                <a:spcPts val="300"/>
+              </a:spcAft>
+              <a:buFontTx/>
+              <a:buChar char="-"/>
+            </a:pPr>
+            <a:r>
+              <a:rPr lang="ko-KR" altLang="en-US" sz="1000" dirty="0">
+                <a:solidFill>
+                  <a:schemeClr val="bg1"/>
+                </a:solidFill>
+                <a:latin typeface="Pretendard Medium" panose="02000603000000020004" pitchFamily="2" charset="-127"/>
+                <a:ea typeface="Pretendard Medium" panose="02000603000000020004" pitchFamily="2" charset="-127"/>
+                <a:cs typeface="Pretendard Medium" panose="02000603000000020004" pitchFamily="2" charset="-127"/>
+              </a:rPr>
+              <a:t>예시</a:t>
+            </a:r>
+            <a:r>
+              <a:rPr lang="en-US" altLang="ko-KR" sz="1000" dirty="0">
+                <a:solidFill>
+                  <a:schemeClr val="bg1"/>
+                </a:solidFill>
+                <a:latin typeface="Pretendard Medium" panose="02000603000000020004" pitchFamily="2" charset="-127"/>
+                <a:ea typeface="Pretendard Medium" panose="02000603000000020004" pitchFamily="2" charset="-127"/>
+                <a:cs typeface="Pretendard Medium" panose="02000603000000020004" pitchFamily="2" charset="-127"/>
+              </a:rPr>
+              <a:t>) </a:t>
+            </a:r>
+            <a:r>
+              <a:rPr lang="ko-KR" altLang="en-US" sz="1000" dirty="0">
+                <a:solidFill>
+                  <a:schemeClr val="bg1"/>
+                </a:solidFill>
+                <a:latin typeface="Pretendard Medium" panose="02000603000000020004" pitchFamily="2" charset="-127"/>
+                <a:ea typeface="Pretendard Medium" panose="02000603000000020004" pitchFamily="2" charset="-127"/>
+                <a:cs typeface="Pretendard Medium" panose="02000603000000020004" pitchFamily="2" charset="-127"/>
+              </a:rPr>
+              <a:t>별무리 </a:t>
+            </a:r>
+            <a:r>
+              <a:rPr lang="en-US" altLang="ko-KR" sz="1000" dirty="0">
+                <a:solidFill>
+                  <a:schemeClr val="bg1"/>
+                </a:solidFill>
+                <a:latin typeface="Pretendard Medium" panose="02000603000000020004" pitchFamily="2" charset="-127"/>
+                <a:ea typeface="Pretendard Medium" panose="02000603000000020004" pitchFamily="2" charset="-127"/>
+                <a:cs typeface="Pretendard Medium" panose="02000603000000020004" pitchFamily="2" charset="-127"/>
+              </a:rPr>
+              <a:t>5</a:t>
+            </a:r>
+            <a:r>
+              <a:rPr lang="ko-KR" altLang="en-US" sz="1000" dirty="0">
+                <a:solidFill>
+                  <a:schemeClr val="bg1"/>
+                </a:solidFill>
+                <a:latin typeface="Pretendard Medium" panose="02000603000000020004" pitchFamily="2" charset="-127"/>
+                <a:ea typeface="Pretendard Medium" panose="02000603000000020004" pitchFamily="2" charset="-127"/>
+                <a:cs typeface="Pretendard Medium" panose="02000603000000020004" pitchFamily="2" charset="-127"/>
+              </a:rPr>
+              <a:t>칸 소모 </a:t>
+            </a:r>
+            <a:r>
+              <a:rPr lang="en-US" altLang="ko-KR" sz="1000" dirty="0">
+                <a:solidFill>
+                  <a:schemeClr val="bg1"/>
+                </a:solidFill>
+                <a:latin typeface="Pretendard Medium" panose="02000603000000020004" pitchFamily="2" charset="-127"/>
+                <a:ea typeface="Pretendard Medium" panose="02000603000000020004" pitchFamily="2" charset="-127"/>
+                <a:cs typeface="Pretendard Medium" panose="02000603000000020004" pitchFamily="2" charset="-127"/>
+              </a:rPr>
+              <a:t>-&gt; </a:t>
+            </a:r>
+            <a:r>
+              <a:rPr lang="ko-KR" altLang="en-US" sz="1000" dirty="0">
+                <a:solidFill>
+                  <a:schemeClr val="bg1"/>
+                </a:solidFill>
+                <a:latin typeface="Pretendard Medium" panose="02000603000000020004" pitchFamily="2" charset="-127"/>
+                <a:ea typeface="Pretendard Medium" panose="02000603000000020004" pitchFamily="2" charset="-127"/>
+                <a:cs typeface="Pretendard Medium" panose="02000603000000020004" pitchFamily="2" charset="-127"/>
+              </a:rPr>
+              <a:t>별자리 스킬 연계 </a:t>
+            </a:r>
+            <a:r>
+              <a:rPr lang="en-US" altLang="ko-KR" sz="1000" dirty="0">
+                <a:solidFill>
+                  <a:schemeClr val="bg1"/>
+                </a:solidFill>
+                <a:latin typeface="Pretendard Medium" panose="02000603000000020004" pitchFamily="2" charset="-127"/>
+                <a:ea typeface="Pretendard Medium" panose="02000603000000020004" pitchFamily="2" charset="-127"/>
+                <a:cs typeface="Pretendard Medium" panose="02000603000000020004" pitchFamily="2" charset="-127"/>
+              </a:rPr>
+              <a:t>-&gt; 1</a:t>
+            </a:r>
+            <a:r>
+              <a:rPr lang="ko-KR" altLang="en-US" sz="1000" dirty="0">
+                <a:solidFill>
+                  <a:schemeClr val="bg1"/>
+                </a:solidFill>
+                <a:latin typeface="Pretendard Medium" panose="02000603000000020004" pitchFamily="2" charset="-127"/>
+                <a:ea typeface="Pretendard Medium" panose="02000603000000020004" pitchFamily="2" charset="-127"/>
+                <a:cs typeface="Pretendard Medium" panose="02000603000000020004" pitchFamily="2" charset="-127"/>
+              </a:rPr>
+              <a:t>칸 복구로 남은 별무리 </a:t>
+            </a:r>
+            <a:r>
+              <a:rPr lang="en-US" altLang="ko-KR" sz="1000" dirty="0">
+                <a:solidFill>
+                  <a:schemeClr val="bg1"/>
+                </a:solidFill>
+                <a:latin typeface="Pretendard Medium" panose="02000603000000020004" pitchFamily="2" charset="-127"/>
+                <a:ea typeface="Pretendard Medium" panose="02000603000000020004" pitchFamily="2" charset="-127"/>
+                <a:cs typeface="Pretendard Medium" panose="02000603000000020004" pitchFamily="2" charset="-127"/>
+              </a:rPr>
+              <a:t>4</a:t>
+            </a:r>
+            <a:r>
+              <a:rPr lang="ko-KR" altLang="en-US" sz="1000" dirty="0">
+                <a:solidFill>
+                  <a:schemeClr val="bg1"/>
+                </a:solidFill>
+                <a:latin typeface="Pretendard Medium" panose="02000603000000020004" pitchFamily="2" charset="-127"/>
+                <a:ea typeface="Pretendard Medium" panose="02000603000000020004" pitchFamily="2" charset="-127"/>
+                <a:cs typeface="Pretendard Medium" panose="02000603000000020004" pitchFamily="2" charset="-127"/>
+              </a:rPr>
+              <a:t>칸 </a:t>
+            </a:r>
+            <a:r>
+              <a:rPr lang="en-US" altLang="ko-KR" sz="1000" dirty="0">
+                <a:solidFill>
+                  <a:schemeClr val="bg1"/>
+                </a:solidFill>
+                <a:latin typeface="Pretendard Medium" panose="02000603000000020004" pitchFamily="2" charset="-127"/>
+                <a:ea typeface="Pretendard Medium" panose="02000603000000020004" pitchFamily="2" charset="-127"/>
+                <a:cs typeface="Pretendard Medium" panose="02000603000000020004" pitchFamily="2" charset="-127"/>
+              </a:rPr>
+              <a:t>-&gt; </a:t>
+            </a:r>
+            <a:r>
+              <a:rPr lang="ko-KR" altLang="en-US" sz="1000" dirty="0">
+                <a:solidFill>
+                  <a:schemeClr val="bg1"/>
+                </a:solidFill>
+                <a:latin typeface="Pretendard Medium" panose="02000603000000020004" pitchFamily="2" charset="-127"/>
+                <a:ea typeface="Pretendard Medium" panose="02000603000000020004" pitchFamily="2" charset="-127"/>
+                <a:cs typeface="Pretendard Medium" panose="02000603000000020004" pitchFamily="2" charset="-127"/>
+              </a:rPr>
+              <a:t>별무리 </a:t>
+            </a:r>
+            <a:r>
+              <a:rPr lang="en-US" altLang="ko-KR" sz="1000" dirty="0">
+                <a:solidFill>
+                  <a:schemeClr val="bg1"/>
+                </a:solidFill>
+                <a:latin typeface="Pretendard Medium" panose="02000603000000020004" pitchFamily="2" charset="-127"/>
+                <a:ea typeface="Pretendard Medium" panose="02000603000000020004" pitchFamily="2" charset="-127"/>
+                <a:cs typeface="Pretendard Medium" panose="02000603000000020004" pitchFamily="2" charset="-127"/>
+              </a:rPr>
+              <a:t>4</a:t>
+            </a:r>
+            <a:r>
+              <a:rPr lang="ko-KR" altLang="en-US" sz="1000" dirty="0">
+                <a:solidFill>
+                  <a:schemeClr val="bg1"/>
+                </a:solidFill>
+                <a:latin typeface="Pretendard Medium" panose="02000603000000020004" pitchFamily="2" charset="-127"/>
+                <a:ea typeface="Pretendard Medium" panose="02000603000000020004" pitchFamily="2" charset="-127"/>
+                <a:cs typeface="Pretendard Medium" panose="02000603000000020004" pitchFamily="2" charset="-127"/>
+              </a:rPr>
+              <a:t>칸 소모 </a:t>
+            </a:r>
+            <a:r>
+              <a:rPr lang="en-US" altLang="ko-KR" sz="1000" dirty="0">
+                <a:solidFill>
+                  <a:schemeClr val="bg1"/>
+                </a:solidFill>
+                <a:latin typeface="Pretendard Medium" panose="02000603000000020004" pitchFamily="2" charset="-127"/>
+                <a:ea typeface="Pretendard Medium" panose="02000603000000020004" pitchFamily="2" charset="-127"/>
+                <a:cs typeface="Pretendard Medium" panose="02000603000000020004" pitchFamily="2" charset="-127"/>
+              </a:rPr>
+              <a:t>-&gt; </a:t>
+            </a:r>
+            <a:r>
+              <a:rPr lang="ko-KR" altLang="en-US" sz="1000" dirty="0">
+                <a:solidFill>
+                  <a:schemeClr val="bg1"/>
+                </a:solidFill>
+                <a:latin typeface="Pretendard Medium" panose="02000603000000020004" pitchFamily="2" charset="-127"/>
+                <a:ea typeface="Pretendard Medium" panose="02000603000000020004" pitchFamily="2" charset="-127"/>
+                <a:cs typeface="Pretendard Medium" panose="02000603000000020004" pitchFamily="2" charset="-127"/>
+              </a:rPr>
+              <a:t>별자리 스킬 연계 </a:t>
+            </a:r>
+            <a:r>
+              <a:rPr lang="en-US" altLang="ko-KR" sz="1000" dirty="0">
+                <a:solidFill>
+                  <a:schemeClr val="bg1"/>
+                </a:solidFill>
+                <a:latin typeface="Pretendard Medium" panose="02000603000000020004" pitchFamily="2" charset="-127"/>
+                <a:ea typeface="Pretendard Medium" panose="02000603000000020004" pitchFamily="2" charset="-127"/>
+                <a:cs typeface="Pretendard Medium" panose="02000603000000020004" pitchFamily="2" charset="-127"/>
+              </a:rPr>
+              <a:t>-&gt; 1</a:t>
+            </a:r>
+            <a:r>
+              <a:rPr lang="ko-KR" altLang="en-US" sz="1000" dirty="0">
+                <a:solidFill>
+                  <a:schemeClr val="bg1"/>
+                </a:solidFill>
+                <a:latin typeface="Pretendard Medium" panose="02000603000000020004" pitchFamily="2" charset="-127"/>
+                <a:ea typeface="Pretendard Medium" panose="02000603000000020004" pitchFamily="2" charset="-127"/>
+                <a:cs typeface="Pretendard Medium" panose="02000603000000020004" pitchFamily="2" charset="-127"/>
+              </a:rPr>
+              <a:t>칸 복구로 남은 별무리 </a:t>
+            </a:r>
+            <a:r>
+              <a:rPr lang="en-US" altLang="ko-KR" sz="1000" dirty="0">
+                <a:solidFill>
+                  <a:schemeClr val="bg1"/>
+                </a:solidFill>
+                <a:latin typeface="Pretendard Medium" panose="02000603000000020004" pitchFamily="2" charset="-127"/>
+                <a:ea typeface="Pretendard Medium" panose="02000603000000020004" pitchFamily="2" charset="-127"/>
+                <a:cs typeface="Pretendard Medium" panose="02000603000000020004" pitchFamily="2" charset="-127"/>
+              </a:rPr>
+              <a:t>1</a:t>
+            </a:r>
+            <a:r>
+              <a:rPr lang="ko-KR" altLang="en-US" sz="1000" dirty="0">
+                <a:solidFill>
+                  <a:schemeClr val="bg1"/>
+                </a:solidFill>
+                <a:latin typeface="Pretendard Medium" panose="02000603000000020004" pitchFamily="2" charset="-127"/>
+                <a:ea typeface="Pretendard Medium" panose="02000603000000020004" pitchFamily="2" charset="-127"/>
+                <a:cs typeface="Pretendard Medium" panose="02000603000000020004" pitchFamily="2" charset="-127"/>
+              </a:rPr>
+              <a:t>칸</a:t>
+            </a:r>
+            <a:endParaRPr lang="en-US" altLang="ko-KR" sz="1000" dirty="0">
+              <a:solidFill>
+                <a:schemeClr val="bg1"/>
+              </a:solidFill>
+              <a:latin typeface="Pretendard Medium" panose="02000603000000020004" pitchFamily="2" charset="-127"/>
+              <a:ea typeface="Pretendard Medium" panose="02000603000000020004" pitchFamily="2" charset="-127"/>
+              <a:cs typeface="Pretendard Medium" panose="02000603000000020004" pitchFamily="2" charset="-127"/>
+            </a:endParaRPr>
           </a:p>
         </p:txBody>
       </p:sp>

--- a/로스트아크/아스트로맨서(Astromancer)_현자/아이디어정리.pptx
+++ b/로스트아크/아스트로맨서(Astromancer)_현자/아이디어정리.pptx
@@ -217,7 +217,7 @@
           <a:p>
             <a:fld id="{41A0BF77-366A-45AA-8526-1F6902086AAF}" type="datetimeFigureOut">
               <a:rPr lang="ko-KR" altLang="en-US" smtClean="0"/>
-              <a:t>2025-04-06</a:t>
+              <a:t>2025-04-07</a:t>
             </a:fld>
             <a:endParaRPr lang="ko-KR" altLang="en-US"/>
           </a:p>
@@ -715,7 +715,7 @@
           <a:p>
             <a:fld id="{9C3EC951-20CE-4241-887B-24665EAD51A9}" type="datetimeFigureOut">
               <a:rPr lang="ko-KR" altLang="en-US" smtClean="0"/>
-              <a:t>2025-04-06</a:t>
+              <a:t>2025-04-07</a:t>
             </a:fld>
             <a:endParaRPr lang="ko-KR" altLang="en-US"/>
           </a:p>
@@ -913,7 +913,7 @@
           <a:p>
             <a:fld id="{9C3EC951-20CE-4241-887B-24665EAD51A9}" type="datetimeFigureOut">
               <a:rPr lang="ko-KR" altLang="en-US" smtClean="0"/>
-              <a:t>2025-04-06</a:t>
+              <a:t>2025-04-07</a:t>
             </a:fld>
             <a:endParaRPr lang="ko-KR" altLang="en-US"/>
           </a:p>
@@ -1121,7 +1121,7 @@
           <a:p>
             <a:fld id="{9C3EC951-20CE-4241-887B-24665EAD51A9}" type="datetimeFigureOut">
               <a:rPr lang="ko-KR" altLang="en-US" smtClean="0"/>
-              <a:t>2025-04-06</a:t>
+              <a:t>2025-04-07</a:t>
             </a:fld>
             <a:endParaRPr lang="ko-KR" altLang="en-US"/>
           </a:p>
@@ -1450,7 +1450,7 @@
           <a:p>
             <a:fld id="{9C3EC951-20CE-4241-887B-24665EAD51A9}" type="datetimeFigureOut">
               <a:rPr lang="ko-KR" altLang="en-US" smtClean="0"/>
-              <a:t>2025-04-06</a:t>
+              <a:t>2025-04-07</a:t>
             </a:fld>
             <a:endParaRPr lang="ko-KR" altLang="en-US"/>
           </a:p>
@@ -1715,7 +1715,7 @@
           <a:p>
             <a:fld id="{9C3EC951-20CE-4241-887B-24665EAD51A9}" type="datetimeFigureOut">
               <a:rPr lang="ko-KR" altLang="en-US" smtClean="0"/>
-              <a:t>2025-04-06</a:t>
+              <a:t>2025-04-07</a:t>
             </a:fld>
             <a:endParaRPr lang="ko-KR" altLang="en-US"/>
           </a:p>
@@ -2127,7 +2127,7 @@
           <a:p>
             <a:fld id="{9C3EC951-20CE-4241-887B-24665EAD51A9}" type="datetimeFigureOut">
               <a:rPr lang="ko-KR" altLang="en-US" smtClean="0"/>
-              <a:t>2025-04-06</a:t>
+              <a:t>2025-04-07</a:t>
             </a:fld>
             <a:endParaRPr lang="ko-KR" altLang="en-US"/>
           </a:p>
@@ -2268,7 +2268,7 @@
           <a:p>
             <a:fld id="{9C3EC951-20CE-4241-887B-24665EAD51A9}" type="datetimeFigureOut">
               <a:rPr lang="ko-KR" altLang="en-US" smtClean="0"/>
-              <a:t>2025-04-06</a:t>
+              <a:t>2025-04-07</a:t>
             </a:fld>
             <a:endParaRPr lang="ko-KR" altLang="en-US"/>
           </a:p>
@@ -2381,7 +2381,7 @@
           <a:p>
             <a:fld id="{9C3EC951-20CE-4241-887B-24665EAD51A9}" type="datetimeFigureOut">
               <a:rPr lang="ko-KR" altLang="en-US" smtClean="0"/>
-              <a:t>2025-04-06</a:t>
+              <a:t>2025-04-07</a:t>
             </a:fld>
             <a:endParaRPr lang="ko-KR" altLang="en-US"/>
           </a:p>
@@ -2692,7 +2692,7 @@
           <a:p>
             <a:fld id="{9C3EC951-20CE-4241-887B-24665EAD51A9}" type="datetimeFigureOut">
               <a:rPr lang="ko-KR" altLang="en-US" smtClean="0"/>
-              <a:t>2025-04-06</a:t>
+              <a:t>2025-04-07</a:t>
             </a:fld>
             <a:endParaRPr lang="ko-KR" altLang="en-US"/>
           </a:p>
@@ -2980,7 +2980,7 @@
           <a:p>
             <a:fld id="{9C3EC951-20CE-4241-887B-24665EAD51A9}" type="datetimeFigureOut">
               <a:rPr lang="ko-KR" altLang="en-US" smtClean="0"/>
-              <a:t>2025-04-06</a:t>
+              <a:t>2025-04-07</a:t>
             </a:fld>
             <a:endParaRPr lang="ko-KR" altLang="en-US"/>
           </a:p>
@@ -3221,7 +3221,7 @@
           <a:p>
             <a:fld id="{9C3EC951-20CE-4241-887B-24665EAD51A9}" type="datetimeFigureOut">
               <a:rPr lang="ko-KR" altLang="en-US" smtClean="0"/>
-              <a:t>2025-04-06</a:t>
+              <a:t>2025-04-07</a:t>
             </a:fld>
             <a:endParaRPr lang="ko-KR" altLang="en-US"/>
           </a:p>
@@ -19536,15 +19536,15 @@
               <a:t>(4T) </a:t>
             </a:r>
             <a:r>
-              <a:rPr lang="ko-KR" altLang="en-US" sz="900" dirty="0" err="1">
-                <a:solidFill>
-                  <a:srgbClr val="D4CFC5"/>
-                </a:solidFill>
-                <a:latin typeface="Pretendard Medium" panose="02000603000000020004" pitchFamily="2" charset="-127"/>
-                <a:ea typeface="Pretendard Medium" panose="02000603000000020004" pitchFamily="2" charset="-127"/>
-                <a:cs typeface="Pretendard Medium" panose="02000603000000020004" pitchFamily="2" charset="-127"/>
-              </a:rPr>
-              <a:t>트리니티</a:t>
+              <a:rPr lang="ko-KR" altLang="en-US" sz="900" dirty="0">
+                <a:solidFill>
+                  <a:srgbClr val="D4CFC5"/>
+                </a:solidFill>
+                <a:latin typeface="Pretendard Medium" panose="02000603000000020004" pitchFamily="2" charset="-127"/>
+                <a:ea typeface="Pretendard Medium" panose="02000603000000020004" pitchFamily="2" charset="-127"/>
+                <a:cs typeface="Pretendard Medium" panose="02000603000000020004" pitchFamily="2" charset="-127"/>
+              </a:rPr>
+              <a:t>완성된 기록</a:t>
             </a:r>
             <a:r>
               <a:rPr lang="en-US" altLang="ko-KR" sz="900" dirty="0">
@@ -20090,7 +20090,7 @@
                 <a:ea typeface="Pretendard Medium" panose="02000603000000020004" pitchFamily="2" charset="-127"/>
                 <a:cs typeface="Pretendard Medium" panose="02000603000000020004" pitchFamily="2" charset="-127"/>
               </a:rPr>
-              <a:t>완성</a:t>
+              <a:t>균형</a:t>
             </a:r>
             <a:r>
               <a:rPr lang="en-US" altLang="ko-KR" sz="900" dirty="0">
@@ -20192,15 +20192,26 @@
               <a:t>(3T) </a:t>
             </a:r>
             <a:r>
-              <a:rPr lang="ko-KR" altLang="en-US" sz="900" dirty="0">
-                <a:solidFill>
-                  <a:srgbClr val="D4CFC5"/>
-                </a:solidFill>
-                <a:latin typeface="Pretendard Medium" panose="02000603000000020004" pitchFamily="2" charset="-127"/>
-                <a:ea typeface="Pretendard Medium" panose="02000603000000020004" pitchFamily="2" charset="-127"/>
-                <a:cs typeface="Pretendard Medium" panose="02000603000000020004" pitchFamily="2" charset="-127"/>
-              </a:rPr>
-              <a:t>완성된 기록           </a:t>
+              <a:rPr lang="ko-KR" altLang="en-US" sz="900" dirty="0" err="1">
+                <a:solidFill>
+                  <a:srgbClr val="D4CFC5"/>
+                </a:solidFill>
+                <a:latin typeface="Pretendard Medium" panose="02000603000000020004" pitchFamily="2" charset="-127"/>
+                <a:ea typeface="Pretendard Medium" panose="02000603000000020004" pitchFamily="2" charset="-127"/>
+                <a:cs typeface="Pretendard Medium" panose="02000603000000020004" pitchFamily="2" charset="-127"/>
+              </a:rPr>
+              <a:t>트리니티</a:t>
+            </a:r>
+            <a:r>
+              <a:rPr lang="ko-KR" altLang="en-US" sz="900" dirty="0">
+                <a:solidFill>
+                  <a:srgbClr val="D4CFC5"/>
+                </a:solidFill>
+                <a:latin typeface="Pretendard Medium" panose="02000603000000020004" pitchFamily="2" charset="-127"/>
+                <a:ea typeface="Pretendard Medium" panose="02000603000000020004" pitchFamily="2" charset="-127"/>
+                <a:cs typeface="Pretendard Medium" panose="02000603000000020004" pitchFamily="2" charset="-127"/>
+              </a:rPr>
+              <a:t>    </a:t>
             </a:r>
             <a:r>
               <a:rPr lang="en-US" altLang="ko-KR" sz="900" dirty="0">
@@ -20387,7 +20398,7 @@
                 <a:ea typeface="Pretendard Medium" panose="02000603000000020004" pitchFamily="2" charset="-127"/>
                 <a:cs typeface="Pretendard Medium" panose="02000603000000020004" pitchFamily="2" charset="-127"/>
               </a:rPr>
-              <a:t>완성</a:t>
+              <a:t>균형</a:t>
             </a:r>
             <a:r>
               <a:rPr lang="en-US" altLang="ko-KR" sz="900" dirty="0">
@@ -20453,7 +20464,7 @@
                 <a:ea typeface="Pretendard Medium" panose="02000603000000020004" pitchFamily="2" charset="-127"/>
                 <a:cs typeface="Pretendard Medium" panose="02000603000000020004" pitchFamily="2" charset="-127"/>
               </a:rPr>
-              <a:t>완성</a:t>
+              <a:t>균형</a:t>
             </a:r>
             <a:r>
               <a:rPr lang="en-US" altLang="ko-KR" sz="900" dirty="0">
@@ -20552,7 +20563,7 @@
                 <a:ea typeface="Pretendard Medium" panose="02000603000000020004" pitchFamily="2" charset="-127"/>
                 <a:cs typeface="Pretendard Medium" panose="02000603000000020004" pitchFamily="2" charset="-127"/>
               </a:rPr>
-              <a:t>완성</a:t>
+              <a:t>균형</a:t>
             </a:r>
             <a:r>
               <a:rPr lang="en-US" altLang="ko-KR" sz="900" dirty="0">
@@ -21450,7 +21461,7 @@
         <p:spPr>
           <a:xfrm>
             <a:off x="0" y="18582"/>
-            <a:ext cx="6443087" cy="1292662"/>
+            <a:ext cx="6276375" cy="1823576"/>
           </a:xfrm>
           <a:prstGeom prst="rect">
             <a:avLst/>
@@ -21534,6 +21545,502 @@
               </a:rPr>
               <a:t>인공별 형성</a:t>
             </a:r>
+          </a:p>
+          <a:p>
+            <a:pPr>
+              <a:spcAft>
+                <a:spcPts val="300"/>
+              </a:spcAft>
+            </a:pPr>
+            <a:r>
+              <a:rPr lang="ko-KR" altLang="en-US" sz="900" dirty="0">
+                <a:solidFill>
+                  <a:srgbClr val="D4CFC5"/>
+                </a:solidFill>
+                <a:latin typeface="Pretendard Medium" panose="02000603000000020004" pitchFamily="2" charset="-127"/>
+                <a:ea typeface="Pretendard Medium" panose="02000603000000020004" pitchFamily="2" charset="-127"/>
+                <a:cs typeface="Pretendard Medium" panose="02000603000000020004" pitchFamily="2" charset="-127"/>
+              </a:rPr>
+              <a:t>기록 게이지가 조율 게이지로 변경되며 기록 모드 대신 조율 모드에 진입한다</a:t>
+            </a:r>
+            <a:r>
+              <a:rPr lang="en-US" altLang="ko-KR" sz="900" dirty="0">
+                <a:solidFill>
+                  <a:srgbClr val="D4CFC5"/>
+                </a:solidFill>
+                <a:latin typeface="Pretendard Medium" panose="02000603000000020004" pitchFamily="2" charset="-127"/>
+                <a:ea typeface="Pretendard Medium" panose="02000603000000020004" pitchFamily="2" charset="-127"/>
+                <a:cs typeface="Pretendard Medium" panose="02000603000000020004" pitchFamily="2" charset="-127"/>
+              </a:rPr>
+              <a:t>. </a:t>
+            </a:r>
+            <a:r>
+              <a:rPr lang="ko-KR" altLang="en-US" sz="900" dirty="0">
+                <a:solidFill>
+                  <a:srgbClr val="D4CFC5"/>
+                </a:solidFill>
+                <a:latin typeface="Pretendard Medium" panose="02000603000000020004" pitchFamily="2" charset="-127"/>
+                <a:ea typeface="Pretendard Medium" panose="02000603000000020004" pitchFamily="2" charset="-127"/>
+                <a:cs typeface="Pretendard Medium" panose="02000603000000020004" pitchFamily="2" charset="-127"/>
+              </a:rPr>
+              <a:t>또한</a:t>
+            </a:r>
+            <a:r>
+              <a:rPr lang="en-US" altLang="ko-KR" sz="900" dirty="0">
+                <a:solidFill>
+                  <a:srgbClr val="D4CFC5"/>
+                </a:solidFill>
+                <a:latin typeface="Pretendard Medium" panose="02000603000000020004" pitchFamily="2" charset="-127"/>
+                <a:ea typeface="Pretendard Medium" panose="02000603000000020004" pitchFamily="2" charset="-127"/>
+                <a:cs typeface="Pretendard Medium" panose="02000603000000020004" pitchFamily="2" charset="-127"/>
+              </a:rPr>
+              <a:t>, </a:t>
+            </a:r>
+            <a:r>
+              <a:rPr lang="ko-KR" altLang="en-US" sz="900" dirty="0">
+                <a:solidFill>
+                  <a:srgbClr val="D4CFC5"/>
+                </a:solidFill>
+                <a:latin typeface="Pretendard Medium" panose="02000603000000020004" pitchFamily="2" charset="-127"/>
+                <a:ea typeface="Pretendard Medium" panose="02000603000000020004" pitchFamily="2" charset="-127"/>
+                <a:cs typeface="Pretendard Medium" panose="02000603000000020004" pitchFamily="2" charset="-127"/>
+              </a:rPr>
+              <a:t>게이지 외곽에 </a:t>
+            </a:r>
+            <a:r>
+              <a:rPr lang="en-US" altLang="ko-KR" sz="900" dirty="0">
+                <a:solidFill>
+                  <a:srgbClr val="D4CFC5"/>
+                </a:solidFill>
+                <a:latin typeface="Pretendard Medium" panose="02000603000000020004" pitchFamily="2" charset="-127"/>
+                <a:ea typeface="Pretendard Medium" panose="02000603000000020004" pitchFamily="2" charset="-127"/>
+                <a:cs typeface="Pretendard Medium" panose="02000603000000020004" pitchFamily="2" charset="-127"/>
+              </a:rPr>
+              <a:t>4</a:t>
+            </a:r>
+            <a:r>
+              <a:rPr lang="ko-KR" altLang="en-US" sz="900" dirty="0">
+                <a:solidFill>
+                  <a:srgbClr val="D4CFC5"/>
+                </a:solidFill>
+                <a:latin typeface="Pretendard Medium" panose="02000603000000020004" pitchFamily="2" charset="-127"/>
+                <a:ea typeface="Pretendard Medium" panose="02000603000000020004" pitchFamily="2" charset="-127"/>
+                <a:cs typeface="Pretendard Medium" panose="02000603000000020004" pitchFamily="2" charset="-127"/>
+              </a:rPr>
+              <a:t>칸의 별무리가 추가된다</a:t>
+            </a:r>
+            <a:r>
+              <a:rPr lang="en-US" altLang="ko-KR" sz="900" dirty="0">
+                <a:solidFill>
+                  <a:srgbClr val="D4CFC5"/>
+                </a:solidFill>
+                <a:latin typeface="Pretendard Medium" panose="02000603000000020004" pitchFamily="2" charset="-127"/>
+                <a:ea typeface="Pretendard Medium" panose="02000603000000020004" pitchFamily="2" charset="-127"/>
+                <a:cs typeface="Pretendard Medium" panose="02000603000000020004" pitchFamily="2" charset="-127"/>
+              </a:rPr>
+              <a:t>.</a:t>
+            </a:r>
+          </a:p>
+          <a:p>
+            <a:pPr>
+              <a:spcAft>
+                <a:spcPts val="300"/>
+              </a:spcAft>
+            </a:pPr>
+            <a:r>
+              <a:rPr lang="ko-KR" altLang="en-US" sz="900" dirty="0">
+                <a:solidFill>
+                  <a:srgbClr val="D4CFC5"/>
+                </a:solidFill>
+                <a:latin typeface="Pretendard Medium" panose="02000603000000020004" pitchFamily="2" charset="-127"/>
+                <a:ea typeface="Pretendard Medium" panose="02000603000000020004" pitchFamily="2" charset="-127"/>
+                <a:cs typeface="Pretendard Medium" panose="02000603000000020004" pitchFamily="2" charset="-127"/>
+              </a:rPr>
+              <a:t>조율 게이지는 암흑 에너지와 별빛 에너지로 구성된다</a:t>
+            </a:r>
+            <a:r>
+              <a:rPr lang="en-US" altLang="ko-KR" sz="900" dirty="0">
+                <a:solidFill>
+                  <a:srgbClr val="D4CFC5"/>
+                </a:solidFill>
+                <a:latin typeface="Pretendard Medium" panose="02000603000000020004" pitchFamily="2" charset="-127"/>
+                <a:ea typeface="Pretendard Medium" panose="02000603000000020004" pitchFamily="2" charset="-127"/>
+                <a:cs typeface="Pretendard Medium" panose="02000603000000020004" pitchFamily="2" charset="-127"/>
+              </a:rPr>
+              <a:t>.</a:t>
+            </a:r>
+            <a:r>
+              <a:rPr lang="ko-KR" altLang="en-US" sz="900" dirty="0">
+                <a:solidFill>
+                  <a:srgbClr val="D4CFC5"/>
+                </a:solidFill>
+                <a:latin typeface="Pretendard Medium" panose="02000603000000020004" pitchFamily="2" charset="-127"/>
+                <a:ea typeface="Pretendard Medium" panose="02000603000000020004" pitchFamily="2" charset="-127"/>
+                <a:cs typeface="Pretendard Medium" panose="02000603000000020004" pitchFamily="2" charset="-127"/>
+              </a:rPr>
+              <a:t> 두 에너지는 일반 상태에서는 항상 균형을 유지한다</a:t>
+            </a:r>
+            <a:r>
+              <a:rPr lang="en-US" altLang="ko-KR" sz="900" dirty="0">
+                <a:solidFill>
+                  <a:srgbClr val="D4CFC5"/>
+                </a:solidFill>
+                <a:latin typeface="Pretendard Medium" panose="02000603000000020004" pitchFamily="2" charset="-127"/>
+                <a:ea typeface="Pretendard Medium" panose="02000603000000020004" pitchFamily="2" charset="-127"/>
+                <a:cs typeface="Pretendard Medium" panose="02000603000000020004" pitchFamily="2" charset="-127"/>
+              </a:rPr>
+              <a:t>.</a:t>
+            </a:r>
+          </a:p>
+          <a:p>
+            <a:pPr>
+              <a:spcAft>
+                <a:spcPts val="300"/>
+              </a:spcAft>
+            </a:pPr>
+            <a:r>
+              <a:rPr lang="ko-KR" altLang="en-US" sz="900" dirty="0">
+                <a:solidFill>
+                  <a:srgbClr val="D4CFC5"/>
+                </a:solidFill>
+                <a:latin typeface="Pretendard Medium" panose="02000603000000020004" pitchFamily="2" charset="-127"/>
+                <a:ea typeface="Pretendard Medium" panose="02000603000000020004" pitchFamily="2" charset="-127"/>
+                <a:cs typeface="Pretendard Medium" panose="02000603000000020004" pitchFamily="2" charset="-127"/>
+              </a:rPr>
+              <a:t>일반 상태에서 두 에너지가 균형을 유지할 때 </a:t>
+            </a:r>
+            <a:r>
+              <a:rPr lang="en-US" altLang="ko-KR" sz="900" dirty="0">
+                <a:solidFill>
+                  <a:srgbClr val="D4CFC5"/>
+                </a:solidFill>
+                <a:latin typeface="Pretendard Medium" panose="02000603000000020004" pitchFamily="2" charset="-127"/>
+                <a:ea typeface="Pretendard Medium" panose="02000603000000020004" pitchFamily="2" charset="-127"/>
+                <a:cs typeface="Pretendard Medium" panose="02000603000000020004" pitchFamily="2" charset="-127"/>
+              </a:rPr>
+              <a:t>z</a:t>
+            </a:r>
+            <a:r>
+              <a:rPr lang="ko-KR" altLang="en-US" sz="900" dirty="0">
+                <a:solidFill>
+                  <a:srgbClr val="D4CFC5"/>
+                </a:solidFill>
+                <a:latin typeface="Pretendard Medium" panose="02000603000000020004" pitchFamily="2" charset="-127"/>
+                <a:ea typeface="Pretendard Medium" panose="02000603000000020004" pitchFamily="2" charset="-127"/>
+                <a:cs typeface="Pretendard Medium" panose="02000603000000020004" pitchFamily="2" charset="-127"/>
+              </a:rPr>
+              <a:t>키 입력 시 인공 별 </a:t>
+            </a:r>
+            <a:r>
+              <a:rPr lang="en-US" altLang="ko-KR" sz="900" dirty="0">
+                <a:solidFill>
+                  <a:srgbClr val="D4CFC5"/>
+                </a:solidFill>
+                <a:latin typeface="Pretendard Medium" panose="02000603000000020004" pitchFamily="2" charset="-127"/>
+                <a:ea typeface="Pretendard Medium" panose="02000603000000020004" pitchFamily="2" charset="-127"/>
+                <a:cs typeface="Pretendard Medium" panose="02000603000000020004" pitchFamily="2" charset="-127"/>
+              </a:rPr>
+              <a:t>5</a:t>
+            </a:r>
+            <a:r>
+              <a:rPr lang="ko-KR" altLang="en-US" sz="900" dirty="0">
+                <a:solidFill>
+                  <a:srgbClr val="D4CFC5"/>
+                </a:solidFill>
+                <a:latin typeface="Pretendard Medium" panose="02000603000000020004" pitchFamily="2" charset="-127"/>
+                <a:ea typeface="Pretendard Medium" panose="02000603000000020004" pitchFamily="2" charset="-127"/>
+                <a:cs typeface="Pretendard Medium" panose="02000603000000020004" pitchFamily="2" charset="-127"/>
+              </a:rPr>
+              <a:t>개를 형성할 수 있다</a:t>
+            </a:r>
+            <a:r>
+              <a:rPr lang="en-US" altLang="ko-KR" sz="900" dirty="0">
+                <a:solidFill>
+                  <a:srgbClr val="D4CFC5"/>
+                </a:solidFill>
+                <a:latin typeface="Pretendard Medium" panose="02000603000000020004" pitchFamily="2" charset="-127"/>
+                <a:ea typeface="Pretendard Medium" panose="02000603000000020004" pitchFamily="2" charset="-127"/>
+                <a:cs typeface="Pretendard Medium" panose="02000603000000020004" pitchFamily="2" charset="-127"/>
+              </a:rPr>
+              <a:t>. </a:t>
+            </a:r>
+            <a:r>
+              <a:rPr lang="ko-KR" altLang="en-US" sz="900" dirty="0">
+                <a:solidFill>
+                  <a:srgbClr val="D4CFC5"/>
+                </a:solidFill>
+                <a:latin typeface="Pretendard Medium" panose="02000603000000020004" pitchFamily="2" charset="-127"/>
+                <a:ea typeface="Pretendard Medium" panose="02000603000000020004" pitchFamily="2" charset="-127"/>
+                <a:cs typeface="Pretendard Medium" panose="02000603000000020004" pitchFamily="2" charset="-127"/>
+              </a:rPr>
+              <a:t>인공 별은 현상 스킬을 강화하며 시전을 보조한다</a:t>
+            </a:r>
+            <a:r>
+              <a:rPr lang="en-US" altLang="ko-KR" sz="900" dirty="0">
+                <a:solidFill>
+                  <a:srgbClr val="D4CFC5"/>
+                </a:solidFill>
+                <a:latin typeface="Pretendard Medium" panose="02000603000000020004" pitchFamily="2" charset="-127"/>
+                <a:ea typeface="Pretendard Medium" panose="02000603000000020004" pitchFamily="2" charset="-127"/>
+                <a:cs typeface="Pretendard Medium" panose="02000603000000020004" pitchFamily="2" charset="-127"/>
+              </a:rPr>
+              <a:t>.</a:t>
+            </a:r>
+          </a:p>
+          <a:p>
+            <a:pPr>
+              <a:spcAft>
+                <a:spcPts val="300"/>
+              </a:spcAft>
+            </a:pPr>
+            <a:r>
+              <a:rPr lang="ko-KR" altLang="en-US" sz="900" dirty="0">
+                <a:solidFill>
+                  <a:srgbClr val="D4CFC5"/>
+                </a:solidFill>
+                <a:latin typeface="Pretendard Medium" panose="02000603000000020004" pitchFamily="2" charset="-127"/>
+                <a:ea typeface="Pretendard Medium" panose="02000603000000020004" pitchFamily="2" charset="-127"/>
+                <a:cs typeface="Pretendard Medium" panose="02000603000000020004" pitchFamily="2" charset="-127"/>
+              </a:rPr>
+              <a:t>별빛 에너지는 현상 스킬 적중 시 회복된다</a:t>
+            </a:r>
+            <a:r>
+              <a:rPr lang="en-US" altLang="ko-KR" sz="900" dirty="0">
+                <a:solidFill>
+                  <a:srgbClr val="D4CFC5"/>
+                </a:solidFill>
+                <a:latin typeface="Pretendard Medium" panose="02000603000000020004" pitchFamily="2" charset="-127"/>
+                <a:ea typeface="Pretendard Medium" panose="02000603000000020004" pitchFamily="2" charset="-127"/>
+                <a:cs typeface="Pretendard Medium" panose="02000603000000020004" pitchFamily="2" charset="-127"/>
+              </a:rPr>
+              <a:t>. </a:t>
+            </a:r>
+            <a:r>
+              <a:rPr lang="ko-KR" altLang="en-US" sz="900" dirty="0">
+                <a:solidFill>
+                  <a:srgbClr val="D4CFC5"/>
+                </a:solidFill>
+                <a:latin typeface="Pretendard Medium" panose="02000603000000020004" pitchFamily="2" charset="-127"/>
+                <a:ea typeface="Pretendard Medium" panose="02000603000000020004" pitchFamily="2" charset="-127"/>
+                <a:cs typeface="Pretendard Medium" panose="02000603000000020004" pitchFamily="2" charset="-127"/>
+              </a:rPr>
+              <a:t>별빛 에너지가 꽉 차게 되면 별무리 </a:t>
+            </a:r>
+            <a:r>
+              <a:rPr lang="en-US" altLang="ko-KR" sz="900" dirty="0">
+                <a:solidFill>
+                  <a:srgbClr val="D4CFC5"/>
+                </a:solidFill>
+                <a:latin typeface="Pretendard Medium" panose="02000603000000020004" pitchFamily="2" charset="-127"/>
+                <a:ea typeface="Pretendard Medium" panose="02000603000000020004" pitchFamily="2" charset="-127"/>
+                <a:cs typeface="Pretendard Medium" panose="02000603000000020004" pitchFamily="2" charset="-127"/>
+              </a:rPr>
+              <a:t>1</a:t>
+            </a:r>
+            <a:r>
+              <a:rPr lang="ko-KR" altLang="en-US" sz="900" dirty="0">
+                <a:solidFill>
+                  <a:srgbClr val="D4CFC5"/>
+                </a:solidFill>
+                <a:latin typeface="Pretendard Medium" panose="02000603000000020004" pitchFamily="2" charset="-127"/>
+                <a:ea typeface="Pretendard Medium" panose="02000603000000020004" pitchFamily="2" charset="-127"/>
+                <a:cs typeface="Pretendard Medium" panose="02000603000000020004" pitchFamily="2" charset="-127"/>
+              </a:rPr>
+              <a:t>칸이 채워진다</a:t>
+            </a:r>
+            <a:r>
+              <a:rPr lang="en-US" altLang="ko-KR" sz="900" dirty="0">
+                <a:solidFill>
+                  <a:srgbClr val="D4CFC5"/>
+                </a:solidFill>
+                <a:latin typeface="Pretendard Medium" panose="02000603000000020004" pitchFamily="2" charset="-127"/>
+                <a:ea typeface="Pretendard Medium" panose="02000603000000020004" pitchFamily="2" charset="-127"/>
+                <a:cs typeface="Pretendard Medium" panose="02000603000000020004" pitchFamily="2" charset="-127"/>
+              </a:rPr>
+              <a:t>. </a:t>
+            </a:r>
+          </a:p>
+          <a:p>
+            <a:pPr>
+              <a:spcAft>
+                <a:spcPts val="300"/>
+              </a:spcAft>
+            </a:pPr>
+            <a:r>
+              <a:rPr lang="ko-KR" altLang="en-US" sz="900" dirty="0">
+                <a:solidFill>
+                  <a:srgbClr val="D4CFC5"/>
+                </a:solidFill>
+                <a:latin typeface="Pretendard Medium" panose="02000603000000020004" pitchFamily="2" charset="-127"/>
+                <a:ea typeface="Pretendard Medium" panose="02000603000000020004" pitchFamily="2" charset="-127"/>
+                <a:cs typeface="Pretendard Medium" panose="02000603000000020004" pitchFamily="2" charset="-127"/>
+              </a:rPr>
+              <a:t>암흑 에너지는 조율 모드에서 자연 회복이 되며 별자리 스킬 적중 시 회복된다</a:t>
+            </a:r>
+            <a:r>
+              <a:rPr lang="en-US" altLang="ko-KR" sz="900" dirty="0">
+                <a:solidFill>
+                  <a:srgbClr val="D4CFC5"/>
+                </a:solidFill>
+                <a:latin typeface="Pretendard Medium" panose="02000603000000020004" pitchFamily="2" charset="-127"/>
+                <a:ea typeface="Pretendard Medium" panose="02000603000000020004" pitchFamily="2" charset="-127"/>
+                <a:cs typeface="Pretendard Medium" panose="02000603000000020004" pitchFamily="2" charset="-127"/>
+              </a:rPr>
+              <a:t>.</a:t>
+            </a:r>
+          </a:p>
+          <a:p>
+            <a:pPr>
+              <a:spcAft>
+                <a:spcPts val="300"/>
+              </a:spcAft>
+            </a:pPr>
+            <a:r>
+              <a:rPr lang="ko-KR" altLang="en-US" sz="900" dirty="0">
+                <a:solidFill>
+                  <a:srgbClr val="D4CFC5"/>
+                </a:solidFill>
+                <a:latin typeface="Pretendard Medium" panose="02000603000000020004" pitchFamily="2" charset="-127"/>
+                <a:ea typeface="Pretendard Medium" panose="02000603000000020004" pitchFamily="2" charset="-127"/>
+                <a:cs typeface="Pretendard Medium" panose="02000603000000020004" pitchFamily="2" charset="-127"/>
+              </a:rPr>
+              <a:t>암흑 에너지가 꽉 차게 되면 조율 모드가 해제되며 암흑 에너지가 </a:t>
+            </a:r>
+            <a:r>
+              <a:rPr lang="en-US" altLang="ko-KR" sz="900" dirty="0">
+                <a:solidFill>
+                  <a:srgbClr val="D4CFC5"/>
+                </a:solidFill>
+                <a:latin typeface="Pretendard Medium" panose="02000603000000020004" pitchFamily="2" charset="-127"/>
+                <a:ea typeface="Pretendard Medium" panose="02000603000000020004" pitchFamily="2" charset="-127"/>
+                <a:cs typeface="Pretendard Medium" panose="02000603000000020004" pitchFamily="2" charset="-127"/>
+              </a:rPr>
+              <a:t>5</a:t>
+            </a:r>
+            <a:r>
+              <a:rPr lang="ko-KR" altLang="en-US" sz="900" dirty="0">
+                <a:solidFill>
+                  <a:srgbClr val="D4CFC5"/>
+                </a:solidFill>
+                <a:latin typeface="Pretendard Medium" panose="02000603000000020004" pitchFamily="2" charset="-127"/>
+                <a:ea typeface="Pretendard Medium" panose="02000603000000020004" pitchFamily="2" charset="-127"/>
+                <a:cs typeface="Pretendard Medium" panose="02000603000000020004" pitchFamily="2" charset="-127"/>
+              </a:rPr>
+              <a:t>초간 서서히 감소한다</a:t>
+            </a:r>
+            <a:r>
+              <a:rPr lang="en-US" altLang="ko-KR" sz="900" dirty="0">
+                <a:solidFill>
+                  <a:srgbClr val="D4CFC5"/>
+                </a:solidFill>
+                <a:latin typeface="Pretendard Medium" panose="02000603000000020004" pitchFamily="2" charset="-127"/>
+                <a:ea typeface="Pretendard Medium" panose="02000603000000020004" pitchFamily="2" charset="-127"/>
+                <a:cs typeface="Pretendard Medium" panose="02000603000000020004" pitchFamily="2" charset="-127"/>
+              </a:rPr>
+              <a:t>. </a:t>
+            </a:r>
+          </a:p>
+          <a:p>
+            <a:pPr>
+              <a:spcAft>
+                <a:spcPts val="300"/>
+              </a:spcAft>
+            </a:pPr>
+            <a:r>
+              <a:rPr lang="ko-KR" altLang="en-US" sz="900" dirty="0">
+                <a:solidFill>
+                  <a:srgbClr val="D4CFC5"/>
+                </a:solidFill>
+                <a:latin typeface="Pretendard Medium" panose="02000603000000020004" pitchFamily="2" charset="-127"/>
+                <a:ea typeface="Pretendard Medium" panose="02000603000000020004" pitchFamily="2" charset="-127"/>
+                <a:cs typeface="Pretendard Medium" panose="02000603000000020004" pitchFamily="2" charset="-127"/>
+              </a:rPr>
+              <a:t>별무리 </a:t>
+            </a:r>
+            <a:r>
+              <a:rPr lang="en-US" altLang="ko-KR" sz="900" dirty="0">
+                <a:solidFill>
+                  <a:srgbClr val="D4CFC5"/>
+                </a:solidFill>
+                <a:latin typeface="Pretendard Medium" panose="02000603000000020004" pitchFamily="2" charset="-127"/>
+                <a:ea typeface="Pretendard Medium" panose="02000603000000020004" pitchFamily="2" charset="-127"/>
+                <a:cs typeface="Pretendard Medium" panose="02000603000000020004" pitchFamily="2" charset="-127"/>
+              </a:rPr>
+              <a:t>4</a:t>
+            </a:r>
+            <a:r>
+              <a:rPr lang="ko-KR" altLang="en-US" sz="900" dirty="0">
+                <a:solidFill>
+                  <a:srgbClr val="D4CFC5"/>
+                </a:solidFill>
+                <a:latin typeface="Pretendard Medium" panose="02000603000000020004" pitchFamily="2" charset="-127"/>
+                <a:ea typeface="Pretendard Medium" panose="02000603000000020004" pitchFamily="2" charset="-127"/>
+                <a:cs typeface="Pretendard Medium" panose="02000603000000020004" pitchFamily="2" charset="-127"/>
+              </a:rPr>
+              <a:t>칸이 모두 채워지면 </a:t>
+            </a:r>
+            <a:r>
+              <a:rPr lang="en-US" altLang="ko-KR" sz="900" dirty="0">
+                <a:solidFill>
+                  <a:srgbClr val="D4CFC5"/>
+                </a:solidFill>
+                <a:latin typeface="Pretendard Medium" panose="02000603000000020004" pitchFamily="2" charset="-127"/>
+                <a:ea typeface="Pretendard Medium" panose="02000603000000020004" pitchFamily="2" charset="-127"/>
+                <a:cs typeface="Pretendard Medium" panose="02000603000000020004" pitchFamily="2" charset="-127"/>
+              </a:rPr>
+              <a:t>‘</a:t>
+            </a:r>
+            <a:r>
+              <a:rPr lang="ko-KR" altLang="en-US" sz="900" dirty="0">
+                <a:solidFill>
+                  <a:srgbClr val="D4CFC5"/>
+                </a:solidFill>
+                <a:latin typeface="Pretendard Medium" panose="02000603000000020004" pitchFamily="2" charset="-127"/>
+                <a:ea typeface="Pretendard Medium" panose="02000603000000020004" pitchFamily="2" charset="-127"/>
+                <a:cs typeface="Pretendard Medium" panose="02000603000000020004" pitchFamily="2" charset="-127"/>
+              </a:rPr>
+              <a:t>조율</a:t>
+            </a:r>
+            <a:r>
+              <a:rPr lang="en-US" altLang="ko-KR" sz="900" dirty="0">
+                <a:solidFill>
+                  <a:srgbClr val="D4CFC5"/>
+                </a:solidFill>
+                <a:latin typeface="Pretendard Medium" panose="02000603000000020004" pitchFamily="2" charset="-127"/>
+                <a:ea typeface="Pretendard Medium" panose="02000603000000020004" pitchFamily="2" charset="-127"/>
+                <a:cs typeface="Pretendard Medium" panose="02000603000000020004" pitchFamily="2" charset="-127"/>
+              </a:rPr>
+              <a:t>’</a:t>
+            </a:r>
+            <a:r>
+              <a:rPr lang="ko-KR" altLang="en-US" sz="900" dirty="0">
+                <a:solidFill>
+                  <a:srgbClr val="D4CFC5"/>
+                </a:solidFill>
+                <a:latin typeface="Pretendard Medium" panose="02000603000000020004" pitchFamily="2" charset="-127"/>
+                <a:ea typeface="Pretendard Medium" panose="02000603000000020004" pitchFamily="2" charset="-127"/>
+                <a:cs typeface="Pretendard Medium" panose="02000603000000020004" pitchFamily="2" charset="-127"/>
+              </a:rPr>
+              <a:t>효과를 획득한다</a:t>
+            </a:r>
+            <a:r>
+              <a:rPr lang="en-US" altLang="ko-KR" sz="900" dirty="0">
+                <a:solidFill>
+                  <a:srgbClr val="D4CFC5"/>
+                </a:solidFill>
+                <a:latin typeface="Pretendard Medium" panose="02000603000000020004" pitchFamily="2" charset="-127"/>
+                <a:ea typeface="Pretendard Medium" panose="02000603000000020004" pitchFamily="2" charset="-127"/>
+                <a:cs typeface="Pretendard Medium" panose="02000603000000020004" pitchFamily="2" charset="-127"/>
+              </a:rPr>
+              <a:t>.</a:t>
+            </a:r>
+          </a:p>
+          <a:p>
+            <a:pPr>
+              <a:spcAft>
+                <a:spcPts val="300"/>
+              </a:spcAft>
+            </a:pPr>
             <a:endParaRPr lang="en-US" altLang="ko-KR" sz="900" dirty="0">
               <a:solidFill>
                 <a:srgbClr val="D4CFC5"/>
@@ -21558,7 +22065,73 @@
                 <a:ea typeface="Pretendard Medium" panose="02000603000000020004" pitchFamily="2" charset="-127"/>
                 <a:cs typeface="Pretendard Medium" panose="02000603000000020004" pitchFamily="2" charset="-127"/>
               </a:rPr>
-              <a:t>기록 게이지가 조율 게이지로 변하며 기록 모드 대신 조율 모드에 진입합니다</a:t>
+              <a:t>조율 </a:t>
+            </a:r>
+            <a:r>
+              <a:rPr lang="en-US" altLang="ko-KR" sz="900" dirty="0">
+                <a:solidFill>
+                  <a:srgbClr val="D4CFC5"/>
+                </a:solidFill>
+                <a:latin typeface="Pretendard Medium" panose="02000603000000020004" pitchFamily="2" charset="-127"/>
+                <a:ea typeface="Pretendard Medium" panose="02000603000000020004" pitchFamily="2" charset="-127"/>
+                <a:cs typeface="Pretendard Medium" panose="02000603000000020004" pitchFamily="2" charset="-127"/>
+              </a:rPr>
+              <a:t>: </a:t>
+            </a:r>
+            <a:r>
+              <a:rPr lang="ko-KR" altLang="en-US" sz="900" dirty="0">
+                <a:solidFill>
+                  <a:srgbClr val="D4CFC5"/>
+                </a:solidFill>
+                <a:latin typeface="Pretendard Medium" panose="02000603000000020004" pitchFamily="2" charset="-127"/>
+                <a:ea typeface="Pretendard Medium" panose="02000603000000020004" pitchFamily="2" charset="-127"/>
+                <a:cs typeface="Pretendard Medium" panose="02000603000000020004" pitchFamily="2" charset="-127"/>
+              </a:rPr>
+              <a:t>인공 별이 별무리 </a:t>
+            </a:r>
+            <a:r>
+              <a:rPr lang="en-US" altLang="ko-KR" sz="900" dirty="0">
+                <a:solidFill>
+                  <a:srgbClr val="D4CFC5"/>
+                </a:solidFill>
+                <a:latin typeface="Pretendard Medium" panose="02000603000000020004" pitchFamily="2" charset="-127"/>
+                <a:ea typeface="Pretendard Medium" panose="02000603000000020004" pitchFamily="2" charset="-127"/>
+                <a:cs typeface="Pretendard Medium" panose="02000603000000020004" pitchFamily="2" charset="-127"/>
+              </a:rPr>
+              <a:t>4</a:t>
+            </a:r>
+            <a:r>
+              <a:rPr lang="ko-KR" altLang="en-US" sz="900" dirty="0">
+                <a:solidFill>
+                  <a:srgbClr val="D4CFC5"/>
+                </a:solidFill>
+                <a:latin typeface="Pretendard Medium" panose="02000603000000020004" pitchFamily="2" charset="-127"/>
+                <a:ea typeface="Pretendard Medium" panose="02000603000000020004" pitchFamily="2" charset="-127"/>
+                <a:cs typeface="Pretendard Medium" panose="02000603000000020004" pitchFamily="2" charset="-127"/>
+              </a:rPr>
+              <a:t>칸을 소모하여 현상 스킬을 대신 시전하며 </a:t>
+            </a:r>
+            <a:r>
+              <a:rPr lang="en-US" altLang="ko-KR" sz="900" dirty="0">
+                <a:solidFill>
+                  <a:srgbClr val="D4CFC5"/>
+                </a:solidFill>
+                <a:latin typeface="Pretendard Medium" panose="02000603000000020004" pitchFamily="2" charset="-127"/>
+                <a:ea typeface="Pretendard Medium" panose="02000603000000020004" pitchFamily="2" charset="-127"/>
+                <a:cs typeface="Pretendard Medium" panose="02000603000000020004" pitchFamily="2" charset="-127"/>
+              </a:rPr>
+              <a:t>n% </a:t>
+            </a:r>
+            <a:r>
+              <a:rPr lang="ko-KR" altLang="en-US" sz="900" dirty="0">
+                <a:solidFill>
+                  <a:srgbClr val="D4CFC5"/>
+                </a:solidFill>
+                <a:latin typeface="Pretendard Medium" panose="02000603000000020004" pitchFamily="2" charset="-127"/>
+                <a:ea typeface="Pretendard Medium" panose="02000603000000020004" pitchFamily="2" charset="-127"/>
+                <a:cs typeface="Pretendard Medium" panose="02000603000000020004" pitchFamily="2" charset="-127"/>
+              </a:rPr>
+              <a:t>증가된 피해를 준다</a:t>
             </a:r>
             <a:r>
               <a:rPr lang="en-US" altLang="ko-KR" sz="900" dirty="0">
@@ -21580,204 +22153,7 @@
                 <a:ea typeface="Pretendard Medium" panose="02000603000000020004" pitchFamily="2" charset="-127"/>
                 <a:cs typeface="Pretendard Medium" panose="02000603000000020004" pitchFamily="2" charset="-127"/>
               </a:rPr>
-              <a:t>일반 상태에서 조율 게이지는 항상 최대치를 유지합니다</a:t>
-            </a:r>
-            <a:r>
-              <a:rPr lang="en-US" altLang="ko-KR" sz="900" dirty="0">
-                <a:solidFill>
-                  <a:srgbClr val="D4CFC5"/>
-                </a:solidFill>
-                <a:latin typeface="Pretendard Medium" panose="02000603000000020004" pitchFamily="2" charset="-127"/>
-                <a:ea typeface="Pretendard Medium" panose="02000603000000020004" pitchFamily="2" charset="-127"/>
-                <a:cs typeface="Pretendard Medium" panose="02000603000000020004" pitchFamily="2" charset="-127"/>
-              </a:rPr>
-              <a:t>.</a:t>
-            </a:r>
-          </a:p>
-          <a:p>
-            <a:pPr>
-              <a:spcAft>
-                <a:spcPts val="300"/>
-              </a:spcAft>
-            </a:pPr>
-            <a:endParaRPr lang="en-US" altLang="ko-KR" sz="900" dirty="0">
-              <a:solidFill>
-                <a:srgbClr val="D4CFC5"/>
-              </a:solidFill>
-              <a:latin typeface="Pretendard Medium" panose="02000603000000020004" pitchFamily="2" charset="-127"/>
-              <a:ea typeface="Pretendard Medium" panose="02000603000000020004" pitchFamily="2" charset="-127"/>
-              <a:cs typeface="Pretendard Medium" panose="02000603000000020004" pitchFamily="2" charset="-127"/>
-            </a:endParaRPr>
-          </a:p>
-          <a:p>
-            <a:pPr>
-              <a:spcAft>
-                <a:spcPts val="300"/>
-              </a:spcAft>
-            </a:pPr>
-            <a:r>
-              <a:rPr lang="ko-KR" altLang="en-US" sz="900" dirty="0">
-                <a:solidFill>
-                  <a:srgbClr val="D4CFC5"/>
-                </a:solidFill>
-                <a:latin typeface="Pretendard Medium" panose="02000603000000020004" pitchFamily="2" charset="-127"/>
-                <a:ea typeface="Pretendard Medium" panose="02000603000000020004" pitchFamily="2" charset="-127"/>
-                <a:cs typeface="Pretendard Medium" panose="02000603000000020004" pitchFamily="2" charset="-127"/>
-              </a:rPr>
-              <a:t>조율 모드에 진입하면 인공 별을 </a:t>
-            </a:r>
-            <a:r>
-              <a:rPr lang="en-US" altLang="ko-KR" sz="900" dirty="0">
-                <a:solidFill>
-                  <a:srgbClr val="D4CFC5"/>
-                </a:solidFill>
-                <a:latin typeface="Pretendard Medium" panose="02000603000000020004" pitchFamily="2" charset="-127"/>
-                <a:ea typeface="Pretendard Medium" panose="02000603000000020004" pitchFamily="2" charset="-127"/>
-                <a:cs typeface="Pretendard Medium" panose="02000603000000020004" pitchFamily="2" charset="-127"/>
-              </a:rPr>
-              <a:t>5</a:t>
-            </a:r>
-            <a:r>
-              <a:rPr lang="ko-KR" altLang="en-US" sz="900" dirty="0">
-                <a:solidFill>
-                  <a:srgbClr val="D4CFC5"/>
-                </a:solidFill>
-                <a:latin typeface="Pretendard Medium" panose="02000603000000020004" pitchFamily="2" charset="-127"/>
-                <a:ea typeface="Pretendard Medium" panose="02000603000000020004" pitchFamily="2" charset="-127"/>
-                <a:cs typeface="Pretendard Medium" panose="02000603000000020004" pitchFamily="2" charset="-127"/>
-              </a:rPr>
-              <a:t>개 형성합니다</a:t>
-            </a:r>
-            <a:r>
-              <a:rPr lang="en-US" altLang="ko-KR" sz="900" dirty="0">
-                <a:solidFill>
-                  <a:srgbClr val="D4CFC5"/>
-                </a:solidFill>
-                <a:latin typeface="Pretendard Medium" panose="02000603000000020004" pitchFamily="2" charset="-127"/>
-                <a:ea typeface="Pretendard Medium" panose="02000603000000020004" pitchFamily="2" charset="-127"/>
-                <a:cs typeface="Pretendard Medium" panose="02000603000000020004" pitchFamily="2" charset="-127"/>
-              </a:rPr>
-              <a:t>. </a:t>
-            </a:r>
-          </a:p>
-          <a:p>
-            <a:pPr>
-              <a:spcAft>
-                <a:spcPts val="300"/>
-              </a:spcAft>
-            </a:pPr>
-            <a:r>
-              <a:rPr lang="ko-KR" altLang="en-US" sz="900" dirty="0">
-                <a:solidFill>
-                  <a:srgbClr val="D4CFC5"/>
-                </a:solidFill>
-                <a:latin typeface="Pretendard Medium" panose="02000603000000020004" pitchFamily="2" charset="-127"/>
-                <a:ea typeface="Pretendard Medium" panose="02000603000000020004" pitchFamily="2" charset="-127"/>
-                <a:cs typeface="Pretendard Medium" panose="02000603000000020004" pitchFamily="2" charset="-127"/>
-              </a:rPr>
-              <a:t>인공 별이 형성된 상태에서 현상 스킬을 사용하면 캐릭터가 시전하지 않고 인공 별이 스킬을 대신 시전합니다</a:t>
-            </a:r>
-            <a:r>
-              <a:rPr lang="en-US" altLang="ko-KR" sz="900" dirty="0">
-                <a:solidFill>
-                  <a:srgbClr val="D4CFC5"/>
-                </a:solidFill>
-                <a:latin typeface="Pretendard Medium" panose="02000603000000020004" pitchFamily="2" charset="-127"/>
-                <a:ea typeface="Pretendard Medium" panose="02000603000000020004" pitchFamily="2" charset="-127"/>
-                <a:cs typeface="Pretendard Medium" panose="02000603000000020004" pitchFamily="2" charset="-127"/>
-              </a:rPr>
-              <a:t>.</a:t>
-            </a:r>
-          </a:p>
-          <a:p>
-            <a:pPr>
-              <a:spcAft>
-                <a:spcPts val="300"/>
-              </a:spcAft>
-            </a:pPr>
-            <a:r>
-              <a:rPr lang="ko-KR" altLang="en-US" sz="900" dirty="0">
-                <a:solidFill>
-                  <a:srgbClr val="D4CFC5"/>
-                </a:solidFill>
-                <a:latin typeface="Pretendard Medium" panose="02000603000000020004" pitchFamily="2" charset="-127"/>
-                <a:ea typeface="Pretendard Medium" panose="02000603000000020004" pitchFamily="2" charset="-127"/>
-                <a:cs typeface="Pretendard Medium" panose="02000603000000020004" pitchFamily="2" charset="-127"/>
-              </a:rPr>
-              <a:t>인공 별이 현상 스킬을 대신 시전하는 동안 캐릭터는 다른 행동을 할 수 있지만</a:t>
-            </a:r>
-            <a:r>
-              <a:rPr lang="en-US" altLang="ko-KR" sz="900" dirty="0">
-                <a:solidFill>
-                  <a:srgbClr val="D4CFC5"/>
-                </a:solidFill>
-                <a:latin typeface="Pretendard Medium" panose="02000603000000020004" pitchFamily="2" charset="-127"/>
-                <a:ea typeface="Pretendard Medium" panose="02000603000000020004" pitchFamily="2" charset="-127"/>
-                <a:cs typeface="Pretendard Medium" panose="02000603000000020004" pitchFamily="2" charset="-127"/>
-              </a:rPr>
-              <a:t>, </a:t>
-            </a:r>
-            <a:r>
-              <a:rPr lang="ko-KR" altLang="en-US" sz="900" dirty="0">
-                <a:solidFill>
-                  <a:srgbClr val="D4CFC5"/>
-                </a:solidFill>
-                <a:latin typeface="Pretendard Medium" panose="02000603000000020004" pitchFamily="2" charset="-127"/>
-                <a:ea typeface="Pretendard Medium" panose="02000603000000020004" pitchFamily="2" charset="-127"/>
-                <a:cs typeface="Pretendard Medium" panose="02000603000000020004" pitchFamily="2" charset="-127"/>
-              </a:rPr>
-              <a:t>현상 스킬은 인공 별이 회수되어 있을 때만 사용할 수 있습니다</a:t>
-            </a:r>
-            <a:r>
-              <a:rPr lang="en-US" altLang="ko-KR" sz="900" dirty="0">
-                <a:solidFill>
-                  <a:srgbClr val="D4CFC5"/>
-                </a:solidFill>
-                <a:latin typeface="Pretendard Medium" panose="02000603000000020004" pitchFamily="2" charset="-127"/>
-                <a:ea typeface="Pretendard Medium" panose="02000603000000020004" pitchFamily="2" charset="-127"/>
-                <a:cs typeface="Pretendard Medium" panose="02000603000000020004" pitchFamily="2" charset="-127"/>
-              </a:rPr>
-              <a:t>.</a:t>
-            </a:r>
-          </a:p>
-          <a:p>
-            <a:pPr>
-              <a:spcAft>
-                <a:spcPts val="300"/>
-              </a:spcAft>
-            </a:pPr>
-            <a:r>
-              <a:rPr lang="ko-KR" altLang="en-US" sz="900" dirty="0">
-                <a:solidFill>
-                  <a:srgbClr val="D4CFC5"/>
-                </a:solidFill>
-                <a:latin typeface="Pretendard Medium" panose="02000603000000020004" pitchFamily="2" charset="-127"/>
-                <a:ea typeface="Pretendard Medium" panose="02000603000000020004" pitchFamily="2" charset="-127"/>
-                <a:cs typeface="Pretendard Medium" panose="02000603000000020004" pitchFamily="2" charset="-127"/>
-              </a:rPr>
-              <a:t>인공 별의 시전 속도는 캐릭터의 공격 속도에</a:t>
-            </a:r>
-            <a:r>
-              <a:rPr lang="en-US" altLang="ko-KR" sz="900" dirty="0">
-                <a:solidFill>
-                  <a:srgbClr val="D4CFC5"/>
-                </a:solidFill>
-                <a:latin typeface="Pretendard Medium" panose="02000603000000020004" pitchFamily="2" charset="-127"/>
-                <a:ea typeface="Pretendard Medium" panose="02000603000000020004" pitchFamily="2" charset="-127"/>
-                <a:cs typeface="Pretendard Medium" panose="02000603000000020004" pitchFamily="2" charset="-127"/>
-              </a:rPr>
-              <a:t> </a:t>
-            </a:r>
-            <a:r>
-              <a:rPr lang="ko-KR" altLang="en-US" sz="900" dirty="0">
-                <a:solidFill>
-                  <a:srgbClr val="D4CFC5"/>
-                </a:solidFill>
-                <a:latin typeface="Pretendard Medium" panose="02000603000000020004" pitchFamily="2" charset="-127"/>
-                <a:ea typeface="Pretendard Medium" panose="02000603000000020004" pitchFamily="2" charset="-127"/>
-                <a:cs typeface="Pretendard Medium" panose="02000603000000020004" pitchFamily="2" charset="-127"/>
-              </a:rPr>
-              <a:t>비례합니다</a:t>
+              <a:t>이 효과는 한 번만 적용된다</a:t>
             </a:r>
             <a:r>
               <a:rPr lang="en-US" altLang="ko-KR" sz="900" dirty="0">
@@ -21807,8 +22183,8 @@
         </p:nvSpPr>
         <p:spPr>
           <a:xfrm>
-            <a:off x="0" y="1626016"/>
-            <a:ext cx="4238959" cy="407804"/>
+            <a:off x="0" y="2207695"/>
+            <a:ext cx="3705158" cy="584775"/>
           </a:xfrm>
           <a:prstGeom prst="rect">
             <a:avLst/>
@@ -21938,62 +22314,91 @@
                 <a:ea typeface="Pretendard Medium" panose="02000603000000020004" pitchFamily="2" charset="-127"/>
                 <a:cs typeface="Pretendard Medium" panose="02000603000000020004" pitchFamily="2" charset="-127"/>
               </a:rPr>
-              <a:t>10/20/30% </a:t>
-            </a:r>
-            <a:r>
-              <a:rPr lang="ko-KR" altLang="en-US" sz="900" dirty="0">
-                <a:solidFill>
-                  <a:srgbClr val="D4CFC5"/>
-                </a:solidFill>
-                <a:latin typeface="Pretendard Medium" panose="02000603000000020004" pitchFamily="2" charset="-127"/>
-                <a:ea typeface="Pretendard Medium" panose="02000603000000020004" pitchFamily="2" charset="-127"/>
-                <a:cs typeface="Pretendard Medium" panose="02000603000000020004" pitchFamily="2" charset="-127"/>
-              </a:rPr>
-              <a:t>증가하지만</a:t>
-            </a:r>
-            <a:r>
-              <a:rPr lang="en-US" altLang="ko-KR" sz="900" dirty="0">
-                <a:solidFill>
-                  <a:srgbClr val="D4CFC5"/>
-                </a:solidFill>
-                <a:latin typeface="Pretendard Medium" panose="02000603000000020004" pitchFamily="2" charset="-127"/>
-                <a:ea typeface="Pretendard Medium" panose="02000603000000020004" pitchFamily="2" charset="-127"/>
-                <a:cs typeface="Pretendard Medium" panose="02000603000000020004" pitchFamily="2" charset="-127"/>
-              </a:rPr>
-              <a:t>, </a:t>
-            </a:r>
-            <a:r>
-              <a:rPr lang="ko-KR" altLang="en-US" sz="900" dirty="0">
-                <a:solidFill>
-                  <a:srgbClr val="D4CFC5"/>
-                </a:solidFill>
-                <a:latin typeface="Pretendard Medium" panose="02000603000000020004" pitchFamily="2" charset="-127"/>
-                <a:ea typeface="Pretendard Medium" panose="02000603000000020004" pitchFamily="2" charset="-127"/>
-                <a:cs typeface="Pretendard Medium" panose="02000603000000020004" pitchFamily="2" charset="-127"/>
-              </a:rPr>
-              <a:t>재사용 대기 시간이 </a:t>
-            </a:r>
-            <a:r>
-              <a:rPr lang="en-US" altLang="ko-KR" sz="900" dirty="0">
-                <a:solidFill>
-                  <a:srgbClr val="D4CFC5"/>
-                </a:solidFill>
-                <a:latin typeface="Pretendard Medium" panose="02000603000000020004" pitchFamily="2" charset="-127"/>
-                <a:ea typeface="Pretendard Medium" panose="02000603000000020004" pitchFamily="2" charset="-127"/>
-                <a:cs typeface="Pretendard Medium" panose="02000603000000020004" pitchFamily="2" charset="-127"/>
-              </a:rPr>
-              <a:t>20/15/10%</a:t>
-            </a:r>
-            <a:r>
-              <a:rPr lang="ko-KR" altLang="en-US" sz="900" dirty="0">
-                <a:solidFill>
-                  <a:srgbClr val="D4CFC5"/>
-                </a:solidFill>
-                <a:latin typeface="Pretendard Medium" panose="02000603000000020004" pitchFamily="2" charset="-127"/>
-                <a:ea typeface="Pretendard Medium" panose="02000603000000020004" pitchFamily="2" charset="-127"/>
-                <a:cs typeface="Pretendard Medium" panose="02000603000000020004" pitchFamily="2" charset="-127"/>
-              </a:rPr>
-              <a:t> 증가한다</a:t>
+              <a:t>n/n/n% </a:t>
+            </a:r>
+            <a:r>
+              <a:rPr lang="ko-KR" altLang="en-US" sz="900" dirty="0">
+                <a:solidFill>
+                  <a:srgbClr val="D4CFC5"/>
+                </a:solidFill>
+                <a:latin typeface="Pretendard Medium" panose="02000603000000020004" pitchFamily="2" charset="-127"/>
+                <a:ea typeface="Pretendard Medium" panose="02000603000000020004" pitchFamily="2" charset="-127"/>
+                <a:cs typeface="Pretendard Medium" panose="02000603000000020004" pitchFamily="2" charset="-127"/>
+              </a:rPr>
+              <a:t>증가한다</a:t>
+            </a:r>
+            <a:r>
+              <a:rPr lang="en-US" altLang="ko-KR" sz="900" dirty="0">
+                <a:solidFill>
+                  <a:srgbClr val="D4CFC5"/>
+                </a:solidFill>
+                <a:latin typeface="Pretendard Medium" panose="02000603000000020004" pitchFamily="2" charset="-127"/>
+                <a:ea typeface="Pretendard Medium" panose="02000603000000020004" pitchFamily="2" charset="-127"/>
+                <a:cs typeface="Pretendard Medium" panose="02000603000000020004" pitchFamily="2" charset="-127"/>
+              </a:rPr>
+              <a:t>.</a:t>
+            </a:r>
+          </a:p>
+          <a:p>
+            <a:pPr>
+              <a:spcAft>
+                <a:spcPts val="300"/>
+              </a:spcAft>
+            </a:pPr>
+            <a:r>
+              <a:rPr lang="ko-KR" altLang="en-US" sz="900" dirty="0">
+                <a:solidFill>
+                  <a:srgbClr val="D4CFC5"/>
+                </a:solidFill>
+                <a:latin typeface="Pretendard Medium" panose="02000603000000020004" pitchFamily="2" charset="-127"/>
+                <a:ea typeface="Pretendard Medium" panose="02000603000000020004" pitchFamily="2" charset="-127"/>
+                <a:cs typeface="Pretendard Medium" panose="02000603000000020004" pitchFamily="2" charset="-127"/>
+              </a:rPr>
+              <a:t>또한</a:t>
+            </a:r>
+            <a:r>
+              <a:rPr lang="en-US" altLang="ko-KR" sz="900" dirty="0">
+                <a:solidFill>
+                  <a:srgbClr val="D4CFC5"/>
+                </a:solidFill>
+                <a:latin typeface="Pretendard Medium" panose="02000603000000020004" pitchFamily="2" charset="-127"/>
+                <a:ea typeface="Pretendard Medium" panose="02000603000000020004" pitchFamily="2" charset="-127"/>
+                <a:cs typeface="Pretendard Medium" panose="02000603000000020004" pitchFamily="2" charset="-127"/>
+              </a:rPr>
+              <a:t> </a:t>
+            </a:r>
+            <a:r>
+              <a:rPr lang="ko-KR" altLang="en-US" sz="900" dirty="0">
+                <a:solidFill>
+                  <a:srgbClr val="D4CFC5"/>
+                </a:solidFill>
+                <a:latin typeface="Pretendard Medium" panose="02000603000000020004" pitchFamily="2" charset="-127"/>
+                <a:ea typeface="Pretendard Medium" panose="02000603000000020004" pitchFamily="2" charset="-127"/>
+                <a:cs typeface="Pretendard Medium" panose="02000603000000020004" pitchFamily="2" charset="-127"/>
+              </a:rPr>
+              <a:t>인공 별의 시전 속도가 캐릭터의 공격 속도의 </a:t>
+            </a:r>
+            <a:r>
+              <a:rPr lang="en-US" altLang="ko-KR" sz="900" dirty="0">
+                <a:solidFill>
+                  <a:srgbClr val="D4CFC5"/>
+                </a:solidFill>
+                <a:latin typeface="Pretendard Medium" panose="02000603000000020004" pitchFamily="2" charset="-127"/>
+                <a:ea typeface="Pretendard Medium" panose="02000603000000020004" pitchFamily="2" charset="-127"/>
+                <a:cs typeface="Pretendard Medium" panose="02000603000000020004" pitchFamily="2" charset="-127"/>
+              </a:rPr>
+              <a:t>50/70/100% </a:t>
+            </a:r>
+            <a:r>
+              <a:rPr lang="ko-KR" altLang="en-US" sz="900" dirty="0">
+                <a:solidFill>
+                  <a:srgbClr val="D4CFC5"/>
+                </a:solidFill>
+                <a:latin typeface="Pretendard Medium" panose="02000603000000020004" pitchFamily="2" charset="-127"/>
+                <a:ea typeface="Pretendard Medium" panose="02000603000000020004" pitchFamily="2" charset="-127"/>
+                <a:cs typeface="Pretendard Medium" panose="02000603000000020004" pitchFamily="2" charset="-127"/>
+              </a:rPr>
+              <a:t>만큼 증가한다</a:t>
             </a:r>
             <a:r>
               <a:rPr lang="en-US" altLang="ko-KR" sz="900" dirty="0">
@@ -22023,8 +22428,8 @@
         </p:nvSpPr>
         <p:spPr>
           <a:xfrm>
-            <a:off x="0" y="4000364"/>
-            <a:ext cx="6526443" cy="1292662"/>
+            <a:off x="0" y="5015842"/>
+            <a:ext cx="5146258" cy="1823576"/>
           </a:xfrm>
           <a:prstGeom prst="rect">
             <a:avLst/>
@@ -22062,7 +22467,7 @@
                 <a:ea typeface="Pretendard Medium" panose="02000603000000020004" pitchFamily="2" charset="-127"/>
                 <a:cs typeface="Pretendard Medium" panose="02000603000000020004" pitchFamily="2" charset="-127"/>
               </a:rPr>
-              <a:t>등가교환</a:t>
+              <a:t>완전한 조율</a:t>
             </a:r>
             <a:r>
               <a:rPr lang="en-US" altLang="ko-KR" sz="900" dirty="0">
@@ -22165,7 +22570,7 @@
                 <a:ea typeface="Pretendard Medium" panose="02000603000000020004" pitchFamily="2" charset="-127"/>
                 <a:cs typeface="Pretendard Medium" panose="02000603000000020004" pitchFamily="2" charset="-127"/>
               </a:rPr>
-              <a:t>인공 별을 </a:t>
+              <a:t>별무리가 </a:t>
             </a:r>
             <a:r>
               <a:rPr lang="en-US" altLang="ko-KR" sz="900" dirty="0">
@@ -22187,106 +22592,18 @@
                 <a:ea typeface="Pretendard Medium" panose="02000603000000020004" pitchFamily="2" charset="-127"/>
                 <a:cs typeface="Pretendard Medium" panose="02000603000000020004" pitchFamily="2" charset="-127"/>
               </a:rPr>
-              <a:t>개 형성하며</a:t>
-            </a:r>
-            <a:r>
-              <a:rPr lang="en-US" altLang="ko-KR" sz="900" dirty="0">
-                <a:solidFill>
-                  <a:srgbClr val="D4CFC5"/>
-                </a:solidFill>
-                <a:latin typeface="Pretendard Medium" panose="02000603000000020004" pitchFamily="2" charset="-127"/>
-                <a:ea typeface="Pretendard Medium" panose="02000603000000020004" pitchFamily="2" charset="-127"/>
-                <a:cs typeface="Pretendard Medium" panose="02000603000000020004" pitchFamily="2" charset="-127"/>
-              </a:rPr>
-              <a:t>, </a:t>
-            </a:r>
-            <a:r>
-              <a:rPr lang="ko-KR" altLang="en-US" sz="900" dirty="0">
-                <a:solidFill>
-                  <a:srgbClr val="D4CFC5"/>
-                </a:solidFill>
-                <a:latin typeface="Pretendard Medium" panose="02000603000000020004" pitchFamily="2" charset="-127"/>
-                <a:ea typeface="Pretendard Medium" panose="02000603000000020004" pitchFamily="2" charset="-127"/>
-                <a:cs typeface="Pretendard Medium" panose="02000603000000020004" pitchFamily="2" charset="-127"/>
-              </a:rPr>
-              <a:t>스킬에 따라 시전에 필요한 인공 별이 달라집니다</a:t>
-            </a:r>
-            <a:r>
-              <a:rPr lang="en-US" altLang="ko-KR" sz="900" dirty="0">
-                <a:solidFill>
-                  <a:srgbClr val="D4CFC5"/>
-                </a:solidFill>
-                <a:latin typeface="Pretendard Medium" panose="02000603000000020004" pitchFamily="2" charset="-127"/>
-                <a:ea typeface="Pretendard Medium" panose="02000603000000020004" pitchFamily="2" charset="-127"/>
-                <a:cs typeface="Pretendard Medium" panose="02000603000000020004" pitchFamily="2" charset="-127"/>
-              </a:rPr>
-              <a:t>. (</a:t>
-            </a:r>
-            <a:r>
-              <a:rPr lang="ko-KR" altLang="en-US" sz="900" dirty="0">
-                <a:solidFill>
-                  <a:srgbClr val="D4CFC5"/>
-                </a:solidFill>
-                <a:latin typeface="Pretendard Medium" panose="02000603000000020004" pitchFamily="2" charset="-127"/>
-                <a:ea typeface="Pretendard Medium" panose="02000603000000020004" pitchFamily="2" charset="-127"/>
-                <a:cs typeface="Pretendard Medium" panose="02000603000000020004" pitchFamily="2" charset="-127"/>
-              </a:rPr>
-              <a:t>최대 </a:t>
-            </a:r>
-            <a:r>
-              <a:rPr lang="en-US" altLang="ko-KR" sz="900" dirty="0">
-                <a:solidFill>
-                  <a:srgbClr val="D4CFC5"/>
-                </a:solidFill>
-                <a:latin typeface="Pretendard Medium" panose="02000603000000020004" pitchFamily="2" charset="-127"/>
-                <a:ea typeface="Pretendard Medium" panose="02000603000000020004" pitchFamily="2" charset="-127"/>
-                <a:cs typeface="Pretendard Medium" panose="02000603000000020004" pitchFamily="2" charset="-127"/>
-              </a:rPr>
-              <a:t>5</a:t>
-            </a:r>
-            <a:r>
-              <a:rPr lang="ko-KR" altLang="en-US" sz="900" dirty="0">
-                <a:solidFill>
-                  <a:srgbClr val="D4CFC5"/>
-                </a:solidFill>
-                <a:latin typeface="Pretendard Medium" panose="02000603000000020004" pitchFamily="2" charset="-127"/>
-                <a:ea typeface="Pretendard Medium" panose="02000603000000020004" pitchFamily="2" charset="-127"/>
-                <a:cs typeface="Pretendard Medium" panose="02000603000000020004" pitchFamily="2" charset="-127"/>
-              </a:rPr>
-              <a:t>개</a:t>
-            </a:r>
-            <a:r>
-              <a:rPr lang="en-US" altLang="ko-KR" sz="900" dirty="0">
-                <a:solidFill>
-                  <a:srgbClr val="D4CFC5"/>
-                </a:solidFill>
-                <a:latin typeface="Pretendard Medium" panose="02000603000000020004" pitchFamily="2" charset="-127"/>
-                <a:ea typeface="Pretendard Medium" panose="02000603000000020004" pitchFamily="2" charset="-127"/>
-                <a:cs typeface="Pretendard Medium" panose="02000603000000020004" pitchFamily="2" charset="-127"/>
-              </a:rPr>
-              <a:t>, </a:t>
-            </a:r>
-            <a:r>
-              <a:rPr lang="ko-KR" altLang="en-US" sz="900" dirty="0">
-                <a:solidFill>
-                  <a:srgbClr val="D4CFC5"/>
-                </a:solidFill>
-                <a:latin typeface="Pretendard Medium" panose="02000603000000020004" pitchFamily="2" charset="-127"/>
-                <a:ea typeface="Pretendard Medium" panose="02000603000000020004" pitchFamily="2" charset="-127"/>
-                <a:cs typeface="Pretendard Medium" panose="02000603000000020004" pitchFamily="2" charset="-127"/>
-              </a:rPr>
-              <a:t>스킬의 기본 재사용 대기 시간에 비례</a:t>
-            </a:r>
-            <a:r>
-              <a:rPr lang="en-US" altLang="ko-KR" sz="900" dirty="0">
-                <a:solidFill>
-                  <a:srgbClr val="D4CFC5"/>
-                </a:solidFill>
-                <a:latin typeface="Pretendard Medium" panose="02000603000000020004" pitchFamily="2" charset="-127"/>
-                <a:ea typeface="Pretendard Medium" panose="02000603000000020004" pitchFamily="2" charset="-127"/>
-                <a:cs typeface="Pretendard Medium" panose="02000603000000020004" pitchFamily="2" charset="-127"/>
-              </a:rPr>
-              <a:t>)</a:t>
+              <a:t>칸으로 증가하며 현상 스킬과 별자리 스킬 연계 성공 시 별빛 에너지를 추가로 회복한다</a:t>
+            </a:r>
+            <a:r>
+              <a:rPr lang="en-US" altLang="ko-KR" sz="900" dirty="0">
+                <a:solidFill>
+                  <a:srgbClr val="D4CFC5"/>
+                </a:solidFill>
+                <a:latin typeface="Pretendard Medium" panose="02000603000000020004" pitchFamily="2" charset="-127"/>
+                <a:ea typeface="Pretendard Medium" panose="02000603000000020004" pitchFamily="2" charset="-127"/>
+                <a:cs typeface="Pretendard Medium" panose="02000603000000020004" pitchFamily="2" charset="-127"/>
+              </a:rPr>
+              <a:t>.</a:t>
             </a:r>
           </a:p>
           <a:p>
@@ -22304,7 +22621,7 @@
                 <a:ea typeface="Pretendard Medium" panose="02000603000000020004" pitchFamily="2" charset="-127"/>
                 <a:cs typeface="Pretendard Medium" panose="02000603000000020004" pitchFamily="2" charset="-127"/>
               </a:rPr>
-              <a:t>이에 따라 구현 게이지도 </a:t>
+              <a:t>별무리 </a:t>
             </a:r>
             <a:r>
               <a:rPr lang="en-US" altLang="ko-KR" sz="900" dirty="0">
@@ -22326,73 +22643,117 @@
                 <a:ea typeface="Pretendard Medium" panose="02000603000000020004" pitchFamily="2" charset="-127"/>
                 <a:cs typeface="Pretendard Medium" panose="02000603000000020004" pitchFamily="2" charset="-127"/>
               </a:rPr>
-              <a:t>칸으로 증가하며</a:t>
-            </a:r>
-            <a:r>
-              <a:rPr lang="en-US" altLang="ko-KR" sz="900" dirty="0">
-                <a:solidFill>
-                  <a:srgbClr val="D4CFC5"/>
-                </a:solidFill>
-                <a:latin typeface="Pretendard Medium" panose="02000603000000020004" pitchFamily="2" charset="-127"/>
-                <a:ea typeface="Pretendard Medium" panose="02000603000000020004" pitchFamily="2" charset="-127"/>
-                <a:cs typeface="Pretendard Medium" panose="02000603000000020004" pitchFamily="2" charset="-127"/>
-              </a:rPr>
-              <a:t>, </a:t>
-            </a:r>
-            <a:r>
-              <a:rPr lang="ko-KR" altLang="en-US" sz="900" dirty="0">
-                <a:solidFill>
-                  <a:srgbClr val="D4CFC5"/>
-                </a:solidFill>
-                <a:latin typeface="Pretendard Medium" panose="02000603000000020004" pitchFamily="2" charset="-127"/>
-                <a:ea typeface="Pretendard Medium" panose="02000603000000020004" pitchFamily="2" charset="-127"/>
-                <a:cs typeface="Pretendard Medium" panose="02000603000000020004" pitchFamily="2" charset="-127"/>
-              </a:rPr>
-              <a:t>인공 별 </a:t>
-            </a:r>
-            <a:r>
-              <a:rPr lang="en-US" altLang="ko-KR" sz="900" dirty="0">
-                <a:solidFill>
-                  <a:srgbClr val="D4CFC5"/>
-                </a:solidFill>
-                <a:latin typeface="Pretendard Medium" panose="02000603000000020004" pitchFamily="2" charset="-127"/>
-                <a:ea typeface="Pretendard Medium" panose="02000603000000020004" pitchFamily="2" charset="-127"/>
-                <a:cs typeface="Pretendard Medium" panose="02000603000000020004" pitchFamily="2" charset="-127"/>
-              </a:rPr>
-              <a:t>1</a:t>
-            </a:r>
-            <a:r>
-              <a:rPr lang="ko-KR" altLang="en-US" sz="900" dirty="0">
-                <a:solidFill>
-                  <a:srgbClr val="D4CFC5"/>
-                </a:solidFill>
-                <a:latin typeface="Pretendard Medium" panose="02000603000000020004" pitchFamily="2" charset="-127"/>
-                <a:ea typeface="Pretendard Medium" panose="02000603000000020004" pitchFamily="2" charset="-127"/>
-                <a:cs typeface="Pretendard Medium" panose="02000603000000020004" pitchFamily="2" charset="-127"/>
-              </a:rPr>
-              <a:t>개당 </a:t>
-            </a:r>
-            <a:r>
-              <a:rPr lang="en-US" altLang="ko-KR" sz="900" dirty="0">
-                <a:solidFill>
-                  <a:srgbClr val="D4CFC5"/>
-                </a:solidFill>
-                <a:latin typeface="Pretendard Medium" panose="02000603000000020004" pitchFamily="2" charset="-127"/>
-                <a:ea typeface="Pretendard Medium" panose="02000603000000020004" pitchFamily="2" charset="-127"/>
-                <a:cs typeface="Pretendard Medium" panose="02000603000000020004" pitchFamily="2" charset="-127"/>
-              </a:rPr>
-              <a:t>1</a:t>
-            </a:r>
-            <a:r>
-              <a:rPr lang="ko-KR" altLang="en-US" sz="900" dirty="0">
-                <a:solidFill>
-                  <a:srgbClr val="D4CFC5"/>
-                </a:solidFill>
-                <a:latin typeface="Pretendard Medium" panose="02000603000000020004" pitchFamily="2" charset="-127"/>
-                <a:ea typeface="Pretendard Medium" panose="02000603000000020004" pitchFamily="2" charset="-127"/>
-                <a:cs typeface="Pretendard Medium" panose="02000603000000020004" pitchFamily="2" charset="-127"/>
-              </a:rPr>
-              <a:t>개의 구현 게이지를 소모합니다</a:t>
+              <a:t>칸을 모두 채우면 </a:t>
+            </a:r>
+            <a:r>
+              <a:rPr lang="en-US" altLang="ko-KR" sz="900" dirty="0">
+                <a:solidFill>
+                  <a:srgbClr val="D4CFC5"/>
+                </a:solidFill>
+                <a:latin typeface="Pretendard Medium" panose="02000603000000020004" pitchFamily="2" charset="-127"/>
+                <a:ea typeface="Pretendard Medium" panose="02000603000000020004" pitchFamily="2" charset="-127"/>
+                <a:cs typeface="Pretendard Medium" panose="02000603000000020004" pitchFamily="2" charset="-127"/>
+              </a:rPr>
+              <a:t>Z</a:t>
+            </a:r>
+            <a:r>
+              <a:rPr lang="ko-KR" altLang="en-US" sz="900" dirty="0">
+                <a:solidFill>
+                  <a:srgbClr val="D4CFC5"/>
+                </a:solidFill>
+                <a:latin typeface="Pretendard Medium" panose="02000603000000020004" pitchFamily="2" charset="-127"/>
+                <a:ea typeface="Pretendard Medium" panose="02000603000000020004" pitchFamily="2" charset="-127"/>
+                <a:cs typeface="Pretendard Medium" panose="02000603000000020004" pitchFamily="2" charset="-127"/>
+              </a:rPr>
+              <a:t>키가 활성화 되며</a:t>
+            </a:r>
+            <a:r>
+              <a:rPr lang="en-US" altLang="ko-KR" sz="900" dirty="0">
+                <a:solidFill>
+                  <a:srgbClr val="D4CFC5"/>
+                </a:solidFill>
+                <a:latin typeface="Pretendard Medium" panose="02000603000000020004" pitchFamily="2" charset="-127"/>
+                <a:ea typeface="Pretendard Medium" panose="02000603000000020004" pitchFamily="2" charset="-127"/>
+                <a:cs typeface="Pretendard Medium" panose="02000603000000020004" pitchFamily="2" charset="-127"/>
+              </a:rPr>
+              <a:t>, Z</a:t>
+            </a:r>
+            <a:r>
+              <a:rPr lang="ko-KR" altLang="en-US" sz="900" dirty="0">
+                <a:solidFill>
+                  <a:srgbClr val="D4CFC5"/>
+                </a:solidFill>
+                <a:latin typeface="Pretendard Medium" panose="02000603000000020004" pitchFamily="2" charset="-127"/>
+                <a:ea typeface="Pretendard Medium" panose="02000603000000020004" pitchFamily="2" charset="-127"/>
+                <a:cs typeface="Pretendard Medium" panose="02000603000000020004" pitchFamily="2" charset="-127"/>
+              </a:rPr>
+              <a:t>키 입력 시 </a:t>
+            </a:r>
+            <a:r>
+              <a:rPr lang="en-US" altLang="ko-KR" sz="900" dirty="0">
+                <a:solidFill>
+                  <a:srgbClr val="D4CFC5"/>
+                </a:solidFill>
+                <a:latin typeface="Pretendard Medium" panose="02000603000000020004" pitchFamily="2" charset="-127"/>
+                <a:ea typeface="Pretendard Medium" panose="02000603000000020004" pitchFamily="2" charset="-127"/>
+                <a:cs typeface="Pretendard Medium" panose="02000603000000020004" pitchFamily="2" charset="-127"/>
+              </a:rPr>
+              <a:t>10</a:t>
+            </a:r>
+            <a:r>
+              <a:rPr lang="ko-KR" altLang="en-US" sz="900" dirty="0">
+                <a:solidFill>
+                  <a:srgbClr val="D4CFC5"/>
+                </a:solidFill>
+                <a:latin typeface="Pretendard Medium" panose="02000603000000020004" pitchFamily="2" charset="-127"/>
+                <a:ea typeface="Pretendard Medium" panose="02000603000000020004" pitchFamily="2" charset="-127"/>
+                <a:cs typeface="Pretendard Medium" panose="02000603000000020004" pitchFamily="2" charset="-127"/>
+              </a:rPr>
+              <a:t>초 동안 </a:t>
+            </a:r>
+            <a:r>
+              <a:rPr lang="en-US" altLang="ko-KR" sz="900" dirty="0">
+                <a:solidFill>
+                  <a:srgbClr val="D4CFC5"/>
+                </a:solidFill>
+                <a:latin typeface="Pretendard Medium" panose="02000603000000020004" pitchFamily="2" charset="-127"/>
+                <a:ea typeface="Pretendard Medium" panose="02000603000000020004" pitchFamily="2" charset="-127"/>
+                <a:cs typeface="Pretendard Medium" panose="02000603000000020004" pitchFamily="2" charset="-127"/>
+              </a:rPr>
+              <a:t>‘</a:t>
+            </a:r>
+            <a:r>
+              <a:rPr lang="ko-KR" altLang="en-US" sz="900" dirty="0">
+                <a:solidFill>
+                  <a:srgbClr val="D4CFC5"/>
+                </a:solidFill>
+                <a:latin typeface="Pretendard Medium" panose="02000603000000020004" pitchFamily="2" charset="-127"/>
+                <a:ea typeface="Pretendard Medium" panose="02000603000000020004" pitchFamily="2" charset="-127"/>
+                <a:cs typeface="Pretendard Medium" panose="02000603000000020004" pitchFamily="2" charset="-127"/>
+              </a:rPr>
+              <a:t>완전한 조율</a:t>
+            </a:r>
+            <a:r>
+              <a:rPr lang="en-US" altLang="ko-KR" sz="900" dirty="0">
+                <a:solidFill>
+                  <a:srgbClr val="D4CFC5"/>
+                </a:solidFill>
+                <a:latin typeface="Pretendard Medium" panose="02000603000000020004" pitchFamily="2" charset="-127"/>
+                <a:ea typeface="Pretendard Medium" panose="02000603000000020004" pitchFamily="2" charset="-127"/>
+                <a:cs typeface="Pretendard Medium" panose="02000603000000020004" pitchFamily="2" charset="-127"/>
+              </a:rPr>
+              <a:t>‘ </a:t>
+            </a:r>
+            <a:r>
+              <a:rPr lang="ko-KR" altLang="en-US" sz="900" dirty="0">
+                <a:solidFill>
+                  <a:srgbClr val="D4CFC5"/>
+                </a:solidFill>
+                <a:latin typeface="Pretendard Medium" panose="02000603000000020004" pitchFamily="2" charset="-127"/>
+                <a:ea typeface="Pretendard Medium" panose="02000603000000020004" pitchFamily="2" charset="-127"/>
+                <a:cs typeface="Pretendard Medium" panose="02000603000000020004" pitchFamily="2" charset="-127"/>
+              </a:rPr>
+              <a:t>효과를 획득한다</a:t>
             </a:r>
             <a:r>
               <a:rPr lang="en-US" altLang="ko-KR" sz="900" dirty="0">
@@ -22436,29 +22797,51 @@
                 <a:ea typeface="Pretendard Medium" panose="02000603000000020004" pitchFamily="2" charset="-127"/>
                 <a:cs typeface="Pretendard Medium" panose="02000603000000020004" pitchFamily="2" charset="-127"/>
               </a:rPr>
-              <a:t>인공 별이 현상 스킬을 시전할 때 순행 효과가 발생하며 게이지를 소모합니다</a:t>
-            </a:r>
-            <a:r>
-              <a:rPr lang="en-US" altLang="ko-KR" sz="900" dirty="0">
-                <a:solidFill>
-                  <a:srgbClr val="D4CFC5"/>
-                </a:solidFill>
-                <a:latin typeface="Pretendard Medium" panose="02000603000000020004" pitchFamily="2" charset="-127"/>
-                <a:ea typeface="Pretendard Medium" panose="02000603000000020004" pitchFamily="2" charset="-127"/>
-                <a:cs typeface="Pretendard Medium" panose="02000603000000020004" pitchFamily="2" charset="-127"/>
-              </a:rPr>
-              <a:t>. </a:t>
-            </a:r>
-            <a:r>
-              <a:rPr lang="ko-KR" altLang="en-US" sz="900" dirty="0">
-                <a:solidFill>
-                  <a:srgbClr val="D4CFC5"/>
-                </a:solidFill>
-                <a:latin typeface="Pretendard Medium" panose="02000603000000020004" pitchFamily="2" charset="-127"/>
-                <a:ea typeface="Pretendard Medium" panose="02000603000000020004" pitchFamily="2" charset="-127"/>
-                <a:cs typeface="Pretendard Medium" panose="02000603000000020004" pitchFamily="2" charset="-127"/>
-              </a:rPr>
-              <a:t>소모한 게이지 개수에 비례하여 현상 스킬의 피해량이 증가합니다</a:t>
+              <a:t>완전한 조율 </a:t>
+            </a:r>
+            <a:r>
+              <a:rPr lang="en-US" altLang="ko-KR" sz="900" dirty="0">
+                <a:solidFill>
+                  <a:srgbClr val="D4CFC5"/>
+                </a:solidFill>
+                <a:latin typeface="Pretendard Medium" panose="02000603000000020004" pitchFamily="2" charset="-127"/>
+                <a:ea typeface="Pretendard Medium" panose="02000603000000020004" pitchFamily="2" charset="-127"/>
+                <a:cs typeface="Pretendard Medium" panose="02000603000000020004" pitchFamily="2" charset="-127"/>
+              </a:rPr>
+              <a:t>: </a:t>
+            </a:r>
+            <a:r>
+              <a:rPr lang="ko-KR" altLang="en-US" sz="900" dirty="0">
+                <a:solidFill>
+                  <a:srgbClr val="D4CFC5"/>
+                </a:solidFill>
+                <a:latin typeface="Pretendard Medium" panose="02000603000000020004" pitchFamily="2" charset="-127"/>
+                <a:ea typeface="Pretendard Medium" panose="02000603000000020004" pitchFamily="2" charset="-127"/>
+                <a:cs typeface="Pretendard Medium" panose="02000603000000020004" pitchFamily="2" charset="-127"/>
+              </a:rPr>
+              <a:t>인공 별이 별무리를 소모하여 현상 스킬을 대신 시전하며 소모한 별무리당 </a:t>
+            </a:r>
+            <a:r>
+              <a:rPr lang="en-US" altLang="ko-KR" sz="900" dirty="0">
+                <a:solidFill>
+                  <a:srgbClr val="D4CFC5"/>
+                </a:solidFill>
+                <a:latin typeface="Pretendard Medium" panose="02000603000000020004" pitchFamily="2" charset="-127"/>
+                <a:ea typeface="Pretendard Medium" panose="02000603000000020004" pitchFamily="2" charset="-127"/>
+                <a:cs typeface="Pretendard Medium" panose="02000603000000020004" pitchFamily="2" charset="-127"/>
+              </a:rPr>
+              <a:t>n% </a:t>
+            </a:r>
+            <a:r>
+              <a:rPr lang="ko-KR" altLang="en-US" sz="900" dirty="0">
+                <a:solidFill>
+                  <a:srgbClr val="D4CFC5"/>
+                </a:solidFill>
+                <a:latin typeface="Pretendard Medium" panose="02000603000000020004" pitchFamily="2" charset="-127"/>
+                <a:ea typeface="Pretendard Medium" panose="02000603000000020004" pitchFamily="2" charset="-127"/>
+                <a:cs typeface="Pretendard Medium" panose="02000603000000020004" pitchFamily="2" charset="-127"/>
+              </a:rPr>
+              <a:t>증가한 피해를 준다</a:t>
             </a:r>
             <a:r>
               <a:rPr lang="en-US" altLang="ko-KR" sz="900" dirty="0">
@@ -22470,6 +22853,79 @@
                 <a:cs typeface="Pretendard Medium" panose="02000603000000020004" pitchFamily="2" charset="-127"/>
               </a:rPr>
               <a:t>.</a:t>
+            </a:r>
+          </a:p>
+          <a:p>
+            <a:pPr>
+              <a:spcAft>
+                <a:spcPts val="300"/>
+              </a:spcAft>
+            </a:pPr>
+            <a:r>
+              <a:rPr lang="ko-KR" altLang="en-US" sz="900" dirty="0">
+                <a:solidFill>
+                  <a:srgbClr val="D4CFC5"/>
+                </a:solidFill>
+                <a:latin typeface="Pretendard Medium" panose="02000603000000020004" pitchFamily="2" charset="-127"/>
+                <a:ea typeface="Pretendard Medium" panose="02000603000000020004" pitchFamily="2" charset="-127"/>
+                <a:cs typeface="Pretendard Medium" panose="02000603000000020004" pitchFamily="2" charset="-127"/>
+              </a:rPr>
+              <a:t>소모하는 별무리 칸수는 현상 스킬의 기본 재사용 대기 시간에 비례한다</a:t>
+            </a:r>
+            <a:r>
+              <a:rPr lang="en-US" altLang="ko-KR" sz="900" dirty="0">
+                <a:solidFill>
+                  <a:srgbClr val="D4CFC5"/>
+                </a:solidFill>
+                <a:latin typeface="Pretendard Medium" panose="02000603000000020004" pitchFamily="2" charset="-127"/>
+                <a:ea typeface="Pretendard Medium" panose="02000603000000020004" pitchFamily="2" charset="-127"/>
+                <a:cs typeface="Pretendard Medium" panose="02000603000000020004" pitchFamily="2" charset="-127"/>
+              </a:rPr>
+              <a:t>. (6</a:t>
+            </a:r>
+            <a:r>
+              <a:rPr lang="ko-KR" altLang="en-US" sz="900" dirty="0">
+                <a:solidFill>
+                  <a:srgbClr val="D4CFC5"/>
+                </a:solidFill>
+                <a:latin typeface="Pretendard Medium" panose="02000603000000020004" pitchFamily="2" charset="-127"/>
+                <a:ea typeface="Pretendard Medium" panose="02000603000000020004" pitchFamily="2" charset="-127"/>
+                <a:cs typeface="Pretendard Medium" panose="02000603000000020004" pitchFamily="2" charset="-127"/>
+              </a:rPr>
+              <a:t>초당 </a:t>
+            </a:r>
+            <a:r>
+              <a:rPr lang="en-US" altLang="ko-KR" sz="900" dirty="0">
+                <a:solidFill>
+                  <a:srgbClr val="D4CFC5"/>
+                </a:solidFill>
+                <a:latin typeface="Pretendard Medium" panose="02000603000000020004" pitchFamily="2" charset="-127"/>
+                <a:ea typeface="Pretendard Medium" panose="02000603000000020004" pitchFamily="2" charset="-127"/>
+                <a:cs typeface="Pretendard Medium" panose="02000603000000020004" pitchFamily="2" charset="-127"/>
+              </a:rPr>
+              <a:t>1</a:t>
+            </a:r>
+            <a:r>
+              <a:rPr lang="ko-KR" altLang="en-US" sz="900" dirty="0">
+                <a:solidFill>
+                  <a:srgbClr val="D4CFC5"/>
+                </a:solidFill>
+                <a:latin typeface="Pretendard Medium" panose="02000603000000020004" pitchFamily="2" charset="-127"/>
+                <a:ea typeface="Pretendard Medium" panose="02000603000000020004" pitchFamily="2" charset="-127"/>
+                <a:cs typeface="Pretendard Medium" panose="02000603000000020004" pitchFamily="2" charset="-127"/>
+              </a:rPr>
+              <a:t>칸</a:t>
+            </a:r>
+            <a:r>
+              <a:rPr lang="en-US" altLang="ko-KR" sz="900" dirty="0">
+                <a:solidFill>
+                  <a:srgbClr val="D4CFC5"/>
+                </a:solidFill>
+                <a:latin typeface="Pretendard Medium" panose="02000603000000020004" pitchFamily="2" charset="-127"/>
+                <a:ea typeface="Pretendard Medium" panose="02000603000000020004" pitchFamily="2" charset="-127"/>
+                <a:cs typeface="Pretendard Medium" panose="02000603000000020004" pitchFamily="2" charset="-127"/>
+              </a:rPr>
+              <a:t>)</a:t>
             </a:r>
           </a:p>
           <a:p>
@@ -22502,29 +22958,51 @@
                 <a:ea typeface="Pretendard Medium" panose="02000603000000020004" pitchFamily="2" charset="-127"/>
                 <a:cs typeface="Pretendard Medium" panose="02000603000000020004" pitchFamily="2" charset="-127"/>
               </a:rPr>
-              <a:t>순행 효과로 소모한 게이지 만큼 암흑 에너지가 차오르며 암흑 에너지가 모든 게이지를 차지하게 되면 모든 피해량이 </a:t>
-            </a:r>
-            <a:r>
-              <a:rPr lang="en-US" altLang="ko-KR" sz="900" dirty="0">
-                <a:solidFill>
-                  <a:srgbClr val="D4CFC5"/>
-                </a:solidFill>
-                <a:latin typeface="Pretendard Medium" panose="02000603000000020004" pitchFamily="2" charset="-127"/>
-                <a:ea typeface="Pretendard Medium" panose="02000603000000020004" pitchFamily="2" charset="-127"/>
-                <a:cs typeface="Pretendard Medium" panose="02000603000000020004" pitchFamily="2" charset="-127"/>
-              </a:rPr>
-              <a:t>50% </a:t>
-            </a:r>
-            <a:r>
-              <a:rPr lang="ko-KR" altLang="en-US" sz="900" dirty="0">
-                <a:solidFill>
-                  <a:srgbClr val="D4CFC5"/>
-                </a:solidFill>
-                <a:latin typeface="Pretendard Medium" panose="02000603000000020004" pitchFamily="2" charset="-127"/>
-                <a:ea typeface="Pretendard Medium" panose="02000603000000020004" pitchFamily="2" charset="-127"/>
-                <a:cs typeface="Pretendard Medium" panose="02000603000000020004" pitchFamily="2" charset="-127"/>
-              </a:rPr>
-              <a:t>감소합니다</a:t>
+              <a:t>완전한 조율 효과를 획득한 상태에서는 별빛 에너지와 암흑 에너지는 항상 균형을 이룬다</a:t>
+            </a:r>
+            <a:r>
+              <a:rPr lang="en-US" altLang="ko-KR" sz="900" dirty="0">
+                <a:solidFill>
+                  <a:srgbClr val="D4CFC5"/>
+                </a:solidFill>
+                <a:latin typeface="Pretendard Medium" panose="02000603000000020004" pitchFamily="2" charset="-127"/>
+                <a:ea typeface="Pretendard Medium" panose="02000603000000020004" pitchFamily="2" charset="-127"/>
+                <a:cs typeface="Pretendard Medium" panose="02000603000000020004" pitchFamily="2" charset="-127"/>
+              </a:rPr>
+              <a:t>.</a:t>
+            </a:r>
+          </a:p>
+          <a:p>
+            <a:pPr>
+              <a:spcAft>
+                <a:spcPts val="300"/>
+              </a:spcAft>
+            </a:pPr>
+            <a:endParaRPr lang="en-US" altLang="ko-KR" sz="900" dirty="0">
+              <a:solidFill>
+                <a:srgbClr val="D4CFC5"/>
+              </a:solidFill>
+              <a:latin typeface="Pretendard Medium" panose="02000603000000020004" pitchFamily="2" charset="-127"/>
+              <a:ea typeface="Pretendard Medium" panose="02000603000000020004" pitchFamily="2" charset="-127"/>
+              <a:cs typeface="Pretendard Medium" panose="02000603000000020004" pitchFamily="2" charset="-127"/>
+            </a:endParaRPr>
+          </a:p>
+          <a:p>
+            <a:pPr>
+              <a:spcAft>
+                <a:spcPts val="300"/>
+              </a:spcAft>
+            </a:pPr>
+            <a:r>
+              <a:rPr lang="ko-KR" altLang="en-US" sz="900" dirty="0">
+                <a:solidFill>
+                  <a:srgbClr val="D4CFC5"/>
+                </a:solidFill>
+                <a:latin typeface="Pretendard Medium" panose="02000603000000020004" pitchFamily="2" charset="-127"/>
+                <a:ea typeface="Pretendard Medium" panose="02000603000000020004" pitchFamily="2" charset="-127"/>
+                <a:cs typeface="Pretendard Medium" panose="02000603000000020004" pitchFamily="2" charset="-127"/>
+              </a:rPr>
+              <a:t>완전한 조율 효과가 끝나면 모든 별무리가 사라진다</a:t>
             </a:r>
             <a:r>
               <a:rPr lang="en-US" altLang="ko-KR" sz="900" dirty="0">
@@ -22554,8 +23032,8 @@
         </p:nvSpPr>
         <p:spPr>
           <a:xfrm>
-            <a:off x="0" y="2531462"/>
-            <a:ext cx="6510413" cy="584775"/>
+            <a:off x="0" y="3101987"/>
+            <a:ext cx="5332207" cy="1469633"/>
           </a:xfrm>
           <a:prstGeom prst="rect">
             <a:avLst/>
@@ -22593,7 +23071,7 @@
                 <a:ea typeface="Pretendard Medium" panose="02000603000000020004" pitchFamily="2" charset="-127"/>
                 <a:cs typeface="Pretendard Medium" panose="02000603000000020004" pitchFamily="2" charset="-127"/>
               </a:rPr>
-              <a:t>완전한 조율           </a:t>
+              <a:t>양상 발현           </a:t>
             </a:r>
             <a:r>
               <a:rPr lang="en-US" altLang="ko-KR" sz="900" dirty="0">
@@ -22641,48 +23119,74 @@
                 <a:ea typeface="Pretendard Medium" panose="02000603000000020004" pitchFamily="2" charset="-127"/>
                 <a:cs typeface="Pretendard Medium" panose="02000603000000020004" pitchFamily="2" charset="-127"/>
               </a:rPr>
-              <a:t>인공 별이 현상 스킬을 시전하는 동안 별자리 스킬을 사용하면 추가 피해를 입히고 소모한 게이지의 </a:t>
-            </a:r>
-            <a:r>
-              <a:rPr lang="en-US" altLang="ko-KR" sz="900" dirty="0">
-                <a:solidFill>
-                  <a:srgbClr val="D4CFC5"/>
-                </a:solidFill>
-                <a:latin typeface="Pretendard Medium" panose="02000603000000020004" pitchFamily="2" charset="-127"/>
-                <a:ea typeface="Pretendard Medium" panose="02000603000000020004" pitchFamily="2" charset="-127"/>
-                <a:cs typeface="Pretendard Medium" panose="02000603000000020004" pitchFamily="2" charset="-127"/>
-              </a:rPr>
-              <a:t>30/40/50% </a:t>
-            </a:r>
-            <a:r>
-              <a:rPr lang="ko-KR" altLang="en-US" sz="900" dirty="0">
-                <a:solidFill>
-                  <a:srgbClr val="D4CFC5"/>
-                </a:solidFill>
-                <a:latin typeface="Pretendard Medium" panose="02000603000000020004" pitchFamily="2" charset="-127"/>
-                <a:ea typeface="Pretendard Medium" panose="02000603000000020004" pitchFamily="2" charset="-127"/>
-                <a:cs typeface="Pretendard Medium" panose="02000603000000020004" pitchFamily="2" charset="-127"/>
-              </a:rPr>
-              <a:t>만큼 게이지를 환급 받습니다</a:t>
-            </a:r>
-            <a:r>
-              <a:rPr lang="en-US" altLang="ko-KR" sz="900" dirty="0">
-                <a:solidFill>
-                  <a:srgbClr val="D4CFC5"/>
-                </a:solidFill>
-                <a:latin typeface="Pretendard Medium" panose="02000603000000020004" pitchFamily="2" charset="-127"/>
-                <a:ea typeface="Pretendard Medium" panose="02000603000000020004" pitchFamily="2" charset="-127"/>
-                <a:cs typeface="Pretendard Medium" panose="02000603000000020004" pitchFamily="2" charset="-127"/>
-              </a:rPr>
-              <a:t>.</a:t>
-            </a:r>
-          </a:p>
-          <a:p>
-            <a:pPr>
-              <a:spcAft>
-                <a:spcPts val="300"/>
-              </a:spcAft>
-            </a:pPr>
+              <a:t>별자리 스킬의 피해량이 </a:t>
+            </a:r>
+            <a:r>
+              <a:rPr lang="en-US" altLang="ko-KR" sz="900" dirty="0">
+                <a:solidFill>
+                  <a:srgbClr val="D4CFC5"/>
+                </a:solidFill>
+                <a:latin typeface="Pretendard Medium" panose="02000603000000020004" pitchFamily="2" charset="-127"/>
+                <a:ea typeface="Pretendard Medium" panose="02000603000000020004" pitchFamily="2" charset="-127"/>
+                <a:cs typeface="Pretendard Medium" panose="02000603000000020004" pitchFamily="2" charset="-127"/>
+              </a:rPr>
+              <a:t>n% </a:t>
+            </a:r>
+            <a:r>
+              <a:rPr lang="ko-KR" altLang="en-US" sz="900" dirty="0">
+                <a:solidFill>
+                  <a:srgbClr val="D4CFC5"/>
+                </a:solidFill>
+                <a:latin typeface="Pretendard Medium" panose="02000603000000020004" pitchFamily="2" charset="-127"/>
+                <a:ea typeface="Pretendard Medium" panose="02000603000000020004" pitchFamily="2" charset="-127"/>
+                <a:cs typeface="Pretendard Medium" panose="02000603000000020004" pitchFamily="2" charset="-127"/>
+              </a:rPr>
+              <a:t>감소하며 적중 시 암흑 에너지 </a:t>
+            </a:r>
+            <a:r>
+              <a:rPr lang="ko-KR" altLang="en-US" sz="900" dirty="0" err="1">
+                <a:solidFill>
+                  <a:srgbClr val="D4CFC5"/>
+                </a:solidFill>
+                <a:latin typeface="Pretendard Medium" panose="02000603000000020004" pitchFamily="2" charset="-127"/>
+                <a:ea typeface="Pretendard Medium" panose="02000603000000020004" pitchFamily="2" charset="-127"/>
+                <a:cs typeface="Pretendard Medium" panose="02000603000000020004" pitchFamily="2" charset="-127"/>
+              </a:rPr>
+              <a:t>회복량이</a:t>
+            </a:r>
+            <a:r>
+              <a:rPr lang="ko-KR" altLang="en-US" sz="900" dirty="0">
+                <a:solidFill>
+                  <a:srgbClr val="D4CFC5"/>
+                </a:solidFill>
+                <a:latin typeface="Pretendard Medium" panose="02000603000000020004" pitchFamily="2" charset="-127"/>
+                <a:ea typeface="Pretendard Medium" panose="02000603000000020004" pitchFamily="2" charset="-127"/>
+                <a:cs typeface="Pretendard Medium" panose="02000603000000020004" pitchFamily="2" charset="-127"/>
+              </a:rPr>
+              <a:t> </a:t>
+            </a:r>
+            <a:r>
+              <a:rPr lang="en-US" altLang="ko-KR" sz="900" dirty="0">
+                <a:solidFill>
+                  <a:srgbClr val="D4CFC5"/>
+                </a:solidFill>
+                <a:latin typeface="Pretendard Medium" panose="02000603000000020004" pitchFamily="2" charset="-127"/>
+                <a:ea typeface="Pretendard Medium" panose="02000603000000020004" pitchFamily="2" charset="-127"/>
+                <a:cs typeface="Pretendard Medium" panose="02000603000000020004" pitchFamily="2" charset="-127"/>
+              </a:rPr>
+              <a:t>n% </a:t>
+            </a:r>
+            <a:r>
+              <a:rPr lang="ko-KR" altLang="en-US" sz="900" dirty="0">
+                <a:solidFill>
+                  <a:srgbClr val="D4CFC5"/>
+                </a:solidFill>
+                <a:latin typeface="Pretendard Medium" panose="02000603000000020004" pitchFamily="2" charset="-127"/>
+                <a:ea typeface="Pretendard Medium" panose="02000603000000020004" pitchFamily="2" charset="-127"/>
+                <a:cs typeface="Pretendard Medium" panose="02000603000000020004" pitchFamily="2" charset="-127"/>
+              </a:rPr>
+              <a:t>증가하고</a:t>
+            </a:r>
             <a:endParaRPr lang="en-US" altLang="ko-KR" sz="900" dirty="0">
               <a:solidFill>
                 <a:srgbClr val="D4CFC5"/>
@@ -22691,6 +23195,328 @@
               <a:ea typeface="Pretendard Medium" panose="02000603000000020004" pitchFamily="2" charset="-127"/>
               <a:cs typeface="Pretendard Medium" panose="02000603000000020004" pitchFamily="2" charset="-127"/>
             </a:endParaRPr>
+          </a:p>
+          <a:p>
+            <a:pPr>
+              <a:spcAft>
+                <a:spcPts val="300"/>
+              </a:spcAft>
+            </a:pPr>
+            <a:r>
+              <a:rPr lang="ko-KR" altLang="en-US" sz="900" dirty="0">
+                <a:solidFill>
+                  <a:srgbClr val="D4CFC5"/>
+                </a:solidFill>
+                <a:latin typeface="Pretendard Medium" panose="02000603000000020004" pitchFamily="2" charset="-127"/>
+                <a:ea typeface="Pretendard Medium" panose="02000603000000020004" pitchFamily="2" charset="-127"/>
+                <a:cs typeface="Pretendard Medium" panose="02000603000000020004" pitchFamily="2" charset="-127"/>
+              </a:rPr>
+              <a:t>현상 스킬 시전 시 </a:t>
+            </a:r>
+            <a:r>
+              <a:rPr lang="en-US" altLang="ko-KR" sz="900" dirty="0">
+                <a:solidFill>
+                  <a:srgbClr val="D4CFC5"/>
+                </a:solidFill>
+                <a:latin typeface="Pretendard Medium" panose="02000603000000020004" pitchFamily="2" charset="-127"/>
+                <a:ea typeface="Pretendard Medium" panose="02000603000000020004" pitchFamily="2" charset="-127"/>
+                <a:cs typeface="Pretendard Medium" panose="02000603000000020004" pitchFamily="2" charset="-127"/>
+              </a:rPr>
+              <a:t>1</a:t>
+            </a:r>
+            <a:r>
+              <a:rPr lang="ko-KR" altLang="en-US" sz="900" dirty="0" err="1">
+                <a:solidFill>
+                  <a:srgbClr val="D4CFC5"/>
+                </a:solidFill>
+                <a:latin typeface="Pretendard Medium" panose="02000603000000020004" pitchFamily="2" charset="-127"/>
+                <a:ea typeface="Pretendard Medium" panose="02000603000000020004" pitchFamily="2" charset="-127"/>
+                <a:cs typeface="Pretendard Medium" panose="02000603000000020004" pitchFamily="2" charset="-127"/>
+              </a:rPr>
+              <a:t>초동안</a:t>
+            </a:r>
+            <a:r>
+              <a:rPr lang="ko-KR" altLang="en-US" sz="900" dirty="0">
+                <a:solidFill>
+                  <a:srgbClr val="D4CFC5"/>
+                </a:solidFill>
+                <a:latin typeface="Pretendard Medium" panose="02000603000000020004" pitchFamily="2" charset="-127"/>
+                <a:ea typeface="Pretendard Medium" panose="02000603000000020004" pitchFamily="2" charset="-127"/>
+                <a:cs typeface="Pretendard Medium" panose="02000603000000020004" pitchFamily="2" charset="-127"/>
+              </a:rPr>
+              <a:t> </a:t>
+            </a:r>
+            <a:r>
+              <a:rPr lang="en-US" altLang="ko-KR" sz="900" dirty="0">
+                <a:solidFill>
+                  <a:srgbClr val="D4CFC5"/>
+                </a:solidFill>
+                <a:latin typeface="Pretendard Medium" panose="02000603000000020004" pitchFamily="2" charset="-127"/>
+                <a:ea typeface="Pretendard Medium" panose="02000603000000020004" pitchFamily="2" charset="-127"/>
+                <a:cs typeface="Pretendard Medium" panose="02000603000000020004" pitchFamily="2" charset="-127"/>
+              </a:rPr>
+              <a:t>‘</a:t>
+            </a:r>
+            <a:r>
+              <a:rPr lang="ko-KR" altLang="en-US" sz="900" dirty="0">
+                <a:solidFill>
+                  <a:srgbClr val="D4CFC5"/>
+                </a:solidFill>
+                <a:latin typeface="Pretendard Medium" panose="02000603000000020004" pitchFamily="2" charset="-127"/>
+                <a:ea typeface="Pretendard Medium" panose="02000603000000020004" pitchFamily="2" charset="-127"/>
+                <a:cs typeface="Pretendard Medium" panose="02000603000000020004" pitchFamily="2" charset="-127"/>
+              </a:rPr>
+              <a:t>양상 발현</a:t>
+            </a:r>
+            <a:r>
+              <a:rPr lang="en-US" altLang="ko-KR" sz="900" dirty="0">
+                <a:solidFill>
+                  <a:srgbClr val="D4CFC5"/>
+                </a:solidFill>
+                <a:latin typeface="Pretendard Medium" panose="02000603000000020004" pitchFamily="2" charset="-127"/>
+                <a:ea typeface="Pretendard Medium" panose="02000603000000020004" pitchFamily="2" charset="-127"/>
+                <a:cs typeface="Pretendard Medium" panose="02000603000000020004" pitchFamily="2" charset="-127"/>
+              </a:rPr>
+              <a:t>’ </a:t>
+            </a:r>
+            <a:r>
+              <a:rPr lang="ko-KR" altLang="en-US" sz="900" dirty="0">
+                <a:solidFill>
+                  <a:srgbClr val="D4CFC5"/>
+                </a:solidFill>
+                <a:latin typeface="Pretendard Medium" panose="02000603000000020004" pitchFamily="2" charset="-127"/>
+                <a:ea typeface="Pretendard Medium" panose="02000603000000020004" pitchFamily="2" charset="-127"/>
+                <a:cs typeface="Pretendard Medium" panose="02000603000000020004" pitchFamily="2" charset="-127"/>
+              </a:rPr>
+              <a:t>효과를 획득한다</a:t>
+            </a:r>
+            <a:r>
+              <a:rPr lang="en-US" altLang="ko-KR" sz="900" dirty="0">
+                <a:solidFill>
+                  <a:srgbClr val="D4CFC5"/>
+                </a:solidFill>
+                <a:latin typeface="Pretendard Medium" panose="02000603000000020004" pitchFamily="2" charset="-127"/>
+                <a:ea typeface="Pretendard Medium" panose="02000603000000020004" pitchFamily="2" charset="-127"/>
+                <a:cs typeface="Pretendard Medium" panose="02000603000000020004" pitchFamily="2" charset="-127"/>
+              </a:rPr>
+              <a:t>.</a:t>
+            </a:r>
+            <a:r>
+              <a:rPr lang="ko-KR" altLang="en-US" sz="900" dirty="0">
+                <a:solidFill>
+                  <a:srgbClr val="D4CFC5"/>
+                </a:solidFill>
+                <a:latin typeface="Pretendard Medium" panose="02000603000000020004" pitchFamily="2" charset="-127"/>
+                <a:ea typeface="Pretendard Medium" panose="02000603000000020004" pitchFamily="2" charset="-127"/>
+                <a:cs typeface="Pretendard Medium" panose="02000603000000020004" pitchFamily="2" charset="-127"/>
+              </a:rPr>
+              <a:t> </a:t>
+            </a:r>
+            <a:endParaRPr lang="en-US" altLang="ko-KR" sz="900" dirty="0">
+              <a:solidFill>
+                <a:srgbClr val="D4CFC5"/>
+              </a:solidFill>
+              <a:latin typeface="Pretendard Medium" panose="02000603000000020004" pitchFamily="2" charset="-127"/>
+              <a:ea typeface="Pretendard Medium" panose="02000603000000020004" pitchFamily="2" charset="-127"/>
+              <a:cs typeface="Pretendard Medium" panose="02000603000000020004" pitchFamily="2" charset="-127"/>
+            </a:endParaRPr>
+          </a:p>
+          <a:p>
+            <a:pPr>
+              <a:spcAft>
+                <a:spcPts val="300"/>
+              </a:spcAft>
+            </a:pPr>
+            <a:r>
+              <a:rPr lang="ko-KR" altLang="en-US" sz="900" dirty="0">
+                <a:solidFill>
+                  <a:srgbClr val="D4CFC5"/>
+                </a:solidFill>
+                <a:latin typeface="Pretendard Medium" panose="02000603000000020004" pitchFamily="2" charset="-127"/>
+                <a:ea typeface="Pretendard Medium" panose="02000603000000020004" pitchFamily="2" charset="-127"/>
+                <a:cs typeface="Pretendard Medium" panose="02000603000000020004" pitchFamily="2" charset="-127"/>
+              </a:rPr>
+              <a:t>현상 발현 효과가 적용 되어 있을 때 별자리 스킬은 스킬의 양상 별로 다른 양상 발현 스킬로 변경되며 시전할 수 있다</a:t>
+            </a:r>
+            <a:r>
+              <a:rPr lang="en-US" altLang="ko-KR" sz="900" dirty="0">
+                <a:solidFill>
+                  <a:srgbClr val="D4CFC5"/>
+                </a:solidFill>
+                <a:latin typeface="Pretendard Medium" panose="02000603000000020004" pitchFamily="2" charset="-127"/>
+                <a:ea typeface="Pretendard Medium" panose="02000603000000020004" pitchFamily="2" charset="-127"/>
+                <a:cs typeface="Pretendard Medium" panose="02000603000000020004" pitchFamily="2" charset="-127"/>
+              </a:rPr>
+              <a:t>.</a:t>
+            </a:r>
+          </a:p>
+          <a:p>
+            <a:pPr>
+              <a:spcAft>
+                <a:spcPts val="300"/>
+              </a:spcAft>
+            </a:pPr>
+            <a:endParaRPr lang="en-US" altLang="ko-KR" sz="900" dirty="0">
+              <a:solidFill>
+                <a:srgbClr val="D4CFC5"/>
+              </a:solidFill>
+              <a:latin typeface="Pretendard Medium" panose="02000603000000020004" pitchFamily="2" charset="-127"/>
+              <a:ea typeface="Pretendard Medium" panose="02000603000000020004" pitchFamily="2" charset="-127"/>
+              <a:cs typeface="Pretendard Medium" panose="02000603000000020004" pitchFamily="2" charset="-127"/>
+            </a:endParaRPr>
+          </a:p>
+          <a:p>
+            <a:pPr>
+              <a:spcAft>
+                <a:spcPts val="300"/>
+              </a:spcAft>
+            </a:pPr>
+            <a:r>
+              <a:rPr lang="ko-KR" altLang="en-US" sz="900" dirty="0">
+                <a:solidFill>
+                  <a:srgbClr val="D4CFC5"/>
+                </a:solidFill>
+                <a:latin typeface="Pretendard Medium" panose="02000603000000020004" pitchFamily="2" charset="-127"/>
+                <a:ea typeface="Pretendard Medium" panose="02000603000000020004" pitchFamily="2" charset="-127"/>
+                <a:cs typeface="Pretendard Medium" panose="02000603000000020004" pitchFamily="2" charset="-127"/>
+              </a:rPr>
+              <a:t>양상 발현 시전 시 인공 별은 현상 스킬 시전을 유지하며 동시에 캐릭터는 양상 발현 스킬을 시전한다</a:t>
+            </a:r>
+            <a:r>
+              <a:rPr lang="en-US" altLang="ko-KR" sz="900" dirty="0">
+                <a:solidFill>
+                  <a:srgbClr val="D4CFC5"/>
+                </a:solidFill>
+                <a:latin typeface="Pretendard Medium" panose="02000603000000020004" pitchFamily="2" charset="-127"/>
+                <a:ea typeface="Pretendard Medium" panose="02000603000000020004" pitchFamily="2" charset="-127"/>
+                <a:cs typeface="Pretendard Medium" panose="02000603000000020004" pitchFamily="2" charset="-127"/>
+              </a:rPr>
+              <a:t>.</a:t>
+            </a:r>
+          </a:p>
+          <a:p>
+            <a:pPr>
+              <a:spcAft>
+                <a:spcPts val="300"/>
+              </a:spcAft>
+            </a:pPr>
+            <a:r>
+              <a:rPr lang="ko-KR" altLang="en-US" sz="900" dirty="0">
+                <a:solidFill>
+                  <a:srgbClr val="D4CFC5"/>
+                </a:solidFill>
+                <a:latin typeface="Pretendard Medium" panose="02000603000000020004" pitchFamily="2" charset="-127"/>
+                <a:ea typeface="Pretendard Medium" panose="02000603000000020004" pitchFamily="2" charset="-127"/>
+                <a:cs typeface="Pretendard Medium" panose="02000603000000020004" pitchFamily="2" charset="-127"/>
+              </a:rPr>
+              <a:t>또한</a:t>
+            </a:r>
+            <a:r>
+              <a:rPr lang="en-US" altLang="ko-KR" sz="900" dirty="0">
+                <a:solidFill>
+                  <a:srgbClr val="D4CFC5"/>
+                </a:solidFill>
+                <a:latin typeface="Pretendard Medium" panose="02000603000000020004" pitchFamily="2" charset="-127"/>
+                <a:ea typeface="Pretendard Medium" panose="02000603000000020004" pitchFamily="2" charset="-127"/>
+                <a:cs typeface="Pretendard Medium" panose="02000603000000020004" pitchFamily="2" charset="-127"/>
+              </a:rPr>
+              <a:t>, </a:t>
+            </a:r>
+            <a:r>
+              <a:rPr lang="ko-KR" altLang="en-US" sz="900" dirty="0">
+                <a:solidFill>
+                  <a:srgbClr val="D4CFC5"/>
+                </a:solidFill>
+                <a:latin typeface="Pretendard Medium" panose="02000603000000020004" pitchFamily="2" charset="-127"/>
+                <a:ea typeface="Pretendard Medium" panose="02000603000000020004" pitchFamily="2" charset="-127"/>
+                <a:cs typeface="Pretendard Medium" panose="02000603000000020004" pitchFamily="2" charset="-127"/>
+              </a:rPr>
+              <a:t>연계로 </a:t>
+            </a:r>
+            <a:r>
+              <a:rPr lang="ko-KR" altLang="en-US" sz="900" dirty="0" err="1">
+                <a:solidFill>
+                  <a:srgbClr val="D4CFC5"/>
+                </a:solidFill>
+                <a:latin typeface="Pretendard Medium" panose="02000603000000020004" pitchFamily="2" charset="-127"/>
+                <a:ea typeface="Pretendard Medium" panose="02000603000000020004" pitchFamily="2" charset="-127"/>
+                <a:cs typeface="Pretendard Medium" panose="02000603000000020004" pitchFamily="2" charset="-127"/>
+              </a:rPr>
+              <a:t>시전되는</a:t>
+            </a:r>
+            <a:r>
+              <a:rPr lang="ko-KR" altLang="en-US" sz="900" dirty="0">
+                <a:solidFill>
+                  <a:srgbClr val="D4CFC5"/>
+                </a:solidFill>
+                <a:latin typeface="Pretendard Medium" panose="02000603000000020004" pitchFamily="2" charset="-127"/>
+                <a:ea typeface="Pretendard Medium" panose="02000603000000020004" pitchFamily="2" charset="-127"/>
+                <a:cs typeface="Pretendard Medium" panose="02000603000000020004" pitchFamily="2" charset="-127"/>
+              </a:rPr>
+              <a:t> 별자리 스킬은 적중 시 암흑 에너지가 증가하지 않는다</a:t>
+            </a:r>
+            <a:r>
+              <a:rPr lang="en-US" altLang="ko-KR" sz="900" dirty="0">
+                <a:solidFill>
+                  <a:srgbClr val="D4CFC5"/>
+                </a:solidFill>
+                <a:latin typeface="Pretendard Medium" panose="02000603000000020004" pitchFamily="2" charset="-127"/>
+                <a:ea typeface="Pretendard Medium" panose="02000603000000020004" pitchFamily="2" charset="-127"/>
+                <a:cs typeface="Pretendard Medium" panose="02000603000000020004" pitchFamily="2" charset="-127"/>
+              </a:rPr>
+              <a:t>.</a:t>
+            </a:r>
+          </a:p>
+          <a:p>
+            <a:pPr>
+              <a:spcAft>
+                <a:spcPts val="300"/>
+              </a:spcAft>
+            </a:pPr>
+            <a:r>
+              <a:rPr lang="ko-KR" altLang="en-US" sz="900" dirty="0">
+                <a:solidFill>
+                  <a:srgbClr val="D4CFC5"/>
+                </a:solidFill>
+                <a:latin typeface="Pretendard Medium" panose="02000603000000020004" pitchFamily="2" charset="-127"/>
+                <a:ea typeface="Pretendard Medium" panose="02000603000000020004" pitchFamily="2" charset="-127"/>
+                <a:cs typeface="Pretendard Medium" panose="02000603000000020004" pitchFamily="2" charset="-127"/>
+              </a:rPr>
+              <a:t>양상 발현 스킬 사용 후 별자리 스킬의 재사용 대기 시간 </a:t>
+            </a:r>
+            <a:r>
+              <a:rPr lang="en-US" altLang="ko-KR" sz="900" dirty="0">
+                <a:solidFill>
+                  <a:srgbClr val="D4CFC5"/>
+                </a:solidFill>
+                <a:latin typeface="Pretendard Medium" panose="02000603000000020004" pitchFamily="2" charset="-127"/>
+                <a:ea typeface="Pretendard Medium" panose="02000603000000020004" pitchFamily="2" charset="-127"/>
+                <a:cs typeface="Pretendard Medium" panose="02000603000000020004" pitchFamily="2" charset="-127"/>
+              </a:rPr>
+              <a:t>50%</a:t>
+            </a:r>
+            <a:r>
+              <a:rPr lang="ko-KR" altLang="en-US" sz="900" dirty="0">
+                <a:solidFill>
+                  <a:srgbClr val="D4CFC5"/>
+                </a:solidFill>
+                <a:latin typeface="Pretendard Medium" panose="02000603000000020004" pitchFamily="2" charset="-127"/>
+                <a:ea typeface="Pretendard Medium" panose="02000603000000020004" pitchFamily="2" charset="-127"/>
+                <a:cs typeface="Pretendard Medium" panose="02000603000000020004" pitchFamily="2" charset="-127"/>
+              </a:rPr>
+              <a:t>만 적용 된다</a:t>
+            </a:r>
+            <a:r>
+              <a:rPr lang="en-US" altLang="ko-KR" sz="900" dirty="0">
+                <a:solidFill>
+                  <a:srgbClr val="D4CFC5"/>
+                </a:solidFill>
+                <a:latin typeface="Pretendard Medium" panose="02000603000000020004" pitchFamily="2" charset="-127"/>
+                <a:ea typeface="Pretendard Medium" panose="02000603000000020004" pitchFamily="2" charset="-127"/>
+                <a:cs typeface="Pretendard Medium" panose="02000603000000020004" pitchFamily="2" charset="-127"/>
+              </a:rPr>
+              <a:t>.</a:t>
+            </a:r>
           </a:p>
         </p:txBody>
       </p:sp>

--- a/로스트아크/아스트로맨서(Astromancer)_현자/아이디어정리.pptx
+++ b/로스트아크/아스트로맨서(Astromancer)_현자/아이디어정리.pptx
@@ -217,7 +217,7 @@
           <a:p>
             <a:fld id="{41A0BF77-366A-45AA-8526-1F6902086AAF}" type="datetimeFigureOut">
               <a:rPr lang="ko-KR" altLang="en-US" smtClean="0"/>
-              <a:t>2025-04-07</a:t>
+              <a:t>2025-04-08</a:t>
             </a:fld>
             <a:endParaRPr lang="ko-KR" altLang="en-US"/>
           </a:p>
@@ -715,7 +715,7 @@
           <a:p>
             <a:fld id="{9C3EC951-20CE-4241-887B-24665EAD51A9}" type="datetimeFigureOut">
               <a:rPr lang="ko-KR" altLang="en-US" smtClean="0"/>
-              <a:t>2025-04-07</a:t>
+              <a:t>2025-04-08</a:t>
             </a:fld>
             <a:endParaRPr lang="ko-KR" altLang="en-US"/>
           </a:p>
@@ -913,7 +913,7 @@
           <a:p>
             <a:fld id="{9C3EC951-20CE-4241-887B-24665EAD51A9}" type="datetimeFigureOut">
               <a:rPr lang="ko-KR" altLang="en-US" smtClean="0"/>
-              <a:t>2025-04-07</a:t>
+              <a:t>2025-04-08</a:t>
             </a:fld>
             <a:endParaRPr lang="ko-KR" altLang="en-US"/>
           </a:p>
@@ -1121,7 +1121,7 @@
           <a:p>
             <a:fld id="{9C3EC951-20CE-4241-887B-24665EAD51A9}" type="datetimeFigureOut">
               <a:rPr lang="ko-KR" altLang="en-US" smtClean="0"/>
-              <a:t>2025-04-07</a:t>
+              <a:t>2025-04-08</a:t>
             </a:fld>
             <a:endParaRPr lang="ko-KR" altLang="en-US"/>
           </a:p>
@@ -1450,7 +1450,7 @@
           <a:p>
             <a:fld id="{9C3EC951-20CE-4241-887B-24665EAD51A9}" type="datetimeFigureOut">
               <a:rPr lang="ko-KR" altLang="en-US" smtClean="0"/>
-              <a:t>2025-04-07</a:t>
+              <a:t>2025-04-08</a:t>
             </a:fld>
             <a:endParaRPr lang="ko-KR" altLang="en-US"/>
           </a:p>
@@ -1715,7 +1715,7 @@
           <a:p>
             <a:fld id="{9C3EC951-20CE-4241-887B-24665EAD51A9}" type="datetimeFigureOut">
               <a:rPr lang="ko-KR" altLang="en-US" smtClean="0"/>
-              <a:t>2025-04-07</a:t>
+              <a:t>2025-04-08</a:t>
             </a:fld>
             <a:endParaRPr lang="ko-KR" altLang="en-US"/>
           </a:p>
@@ -2127,7 +2127,7 @@
           <a:p>
             <a:fld id="{9C3EC951-20CE-4241-887B-24665EAD51A9}" type="datetimeFigureOut">
               <a:rPr lang="ko-KR" altLang="en-US" smtClean="0"/>
-              <a:t>2025-04-07</a:t>
+              <a:t>2025-04-08</a:t>
             </a:fld>
             <a:endParaRPr lang="ko-KR" altLang="en-US"/>
           </a:p>
@@ -2268,7 +2268,7 @@
           <a:p>
             <a:fld id="{9C3EC951-20CE-4241-887B-24665EAD51A9}" type="datetimeFigureOut">
               <a:rPr lang="ko-KR" altLang="en-US" smtClean="0"/>
-              <a:t>2025-04-07</a:t>
+              <a:t>2025-04-08</a:t>
             </a:fld>
             <a:endParaRPr lang="ko-KR" altLang="en-US"/>
           </a:p>
@@ -2381,7 +2381,7 @@
           <a:p>
             <a:fld id="{9C3EC951-20CE-4241-887B-24665EAD51A9}" type="datetimeFigureOut">
               <a:rPr lang="ko-KR" altLang="en-US" smtClean="0"/>
-              <a:t>2025-04-07</a:t>
+              <a:t>2025-04-08</a:t>
             </a:fld>
             <a:endParaRPr lang="ko-KR" altLang="en-US"/>
           </a:p>
@@ -2692,7 +2692,7 @@
           <a:p>
             <a:fld id="{9C3EC951-20CE-4241-887B-24665EAD51A9}" type="datetimeFigureOut">
               <a:rPr lang="ko-KR" altLang="en-US" smtClean="0"/>
-              <a:t>2025-04-07</a:t>
+              <a:t>2025-04-08</a:t>
             </a:fld>
             <a:endParaRPr lang="ko-KR" altLang="en-US"/>
           </a:p>
@@ -2980,7 +2980,7 @@
           <a:p>
             <a:fld id="{9C3EC951-20CE-4241-887B-24665EAD51A9}" type="datetimeFigureOut">
               <a:rPr lang="ko-KR" altLang="en-US" smtClean="0"/>
-              <a:t>2025-04-07</a:t>
+              <a:t>2025-04-08</a:t>
             </a:fld>
             <a:endParaRPr lang="ko-KR" altLang="en-US"/>
           </a:p>
@@ -3221,7 +3221,7 @@
           <a:p>
             <a:fld id="{9C3EC951-20CE-4241-887B-24665EAD51A9}" type="datetimeFigureOut">
               <a:rPr lang="ko-KR" altLang="en-US" smtClean="0"/>
-              <a:t>2025-04-07</a:t>
+              <a:t>2025-04-08</a:t>
             </a:fld>
             <a:endParaRPr lang="ko-KR" altLang="en-US"/>
           </a:p>
@@ -21545,6 +21545,28 @@
               </a:rPr>
               <a:t>인공별 형성</a:t>
             </a:r>
+            <a:r>
+              <a:rPr lang="en-US" altLang="ko-KR" sz="900" dirty="0">
+                <a:solidFill>
+                  <a:srgbClr val="FFFF00"/>
+                </a:solidFill>
+                <a:latin typeface="Pretendard Medium" panose="02000603000000020004" pitchFamily="2" charset="-127"/>
+                <a:ea typeface="Pretendard Medium" panose="02000603000000020004" pitchFamily="2" charset="-127"/>
+                <a:cs typeface="Pretendard Medium" panose="02000603000000020004" pitchFamily="2" charset="-127"/>
+              </a:rPr>
+              <a:t>	     #</a:t>
+            </a:r>
+            <a:r>
+              <a:rPr lang="ko-KR" altLang="en-US" sz="900" dirty="0">
+                <a:solidFill>
+                  <a:srgbClr val="FFFF00"/>
+                </a:solidFill>
+                <a:latin typeface="Pretendard Medium" panose="02000603000000020004" pitchFamily="2" charset="-127"/>
+                <a:ea typeface="Pretendard Medium" panose="02000603000000020004" pitchFamily="2" charset="-127"/>
+                <a:cs typeface="Pretendard Medium" panose="02000603000000020004" pitchFamily="2" charset="-127"/>
+              </a:rPr>
+              <a:t>균형</a:t>
+            </a:r>
           </a:p>
           <a:p>
             <a:pPr>
@@ -22222,29 +22244,7 @@
                 <a:ea typeface="Pretendard Medium" panose="02000603000000020004" pitchFamily="2" charset="-127"/>
                 <a:cs typeface="Pretendard Medium" panose="02000603000000020004" pitchFamily="2" charset="-127"/>
               </a:rPr>
-              <a:t>조화</a:t>
-            </a:r>
-            <a:r>
-              <a:rPr lang="en-US" altLang="ko-KR" sz="900" dirty="0">
-                <a:solidFill>
-                  <a:srgbClr val="D4CFC5"/>
-                </a:solidFill>
-                <a:latin typeface="Pretendard Medium" panose="02000603000000020004" pitchFamily="2" charset="-127"/>
-                <a:ea typeface="Pretendard Medium" panose="02000603000000020004" pitchFamily="2" charset="-127"/>
-                <a:cs typeface="Pretendard Medium" panose="02000603000000020004" pitchFamily="2" charset="-127"/>
-              </a:rPr>
-              <a:t>, </a:t>
-            </a:r>
-            <a:r>
-              <a:rPr lang="ko-KR" altLang="en-US" sz="900" dirty="0">
-                <a:solidFill>
-                  <a:srgbClr val="D4CFC5"/>
-                </a:solidFill>
-                <a:latin typeface="Pretendard Medium" panose="02000603000000020004" pitchFamily="2" charset="-127"/>
-                <a:ea typeface="Pretendard Medium" panose="02000603000000020004" pitchFamily="2" charset="-127"/>
-                <a:cs typeface="Pretendard Medium" panose="02000603000000020004" pitchFamily="2" charset="-127"/>
-              </a:rPr>
-              <a:t>반동      </a:t>
+              <a:t>흐름      </a:t>
             </a:r>
             <a:r>
               <a:rPr lang="en-US" altLang="ko-KR" sz="900" dirty="0">
@@ -22500,51 +22500,7 @@
                 <a:ea typeface="Pretendard Medium" panose="02000603000000020004" pitchFamily="2" charset="-127"/>
                 <a:cs typeface="Pretendard Medium" panose="02000603000000020004" pitchFamily="2" charset="-127"/>
               </a:rPr>
-              <a:t>전투스타일 변화           </a:t>
-            </a:r>
-            <a:r>
-              <a:rPr lang="en-US" altLang="ko-KR" sz="900" dirty="0">
-                <a:solidFill>
-                  <a:srgbClr val="FFFF00"/>
-                </a:solidFill>
-                <a:latin typeface="Pretendard Medium" panose="02000603000000020004" pitchFamily="2" charset="-127"/>
-                <a:ea typeface="Pretendard Medium" panose="02000603000000020004" pitchFamily="2" charset="-127"/>
-                <a:cs typeface="Pretendard Medium" panose="02000603000000020004" pitchFamily="2" charset="-127"/>
-              </a:rPr>
-              <a:t>#</a:t>
-            </a:r>
-            <a:r>
-              <a:rPr lang="ko-KR" altLang="en-US" sz="900" dirty="0">
-                <a:solidFill>
-                  <a:srgbClr val="FFFF00"/>
-                </a:solidFill>
-                <a:latin typeface="Pretendard Medium" panose="02000603000000020004" pitchFamily="2" charset="-127"/>
-                <a:ea typeface="Pretendard Medium" panose="02000603000000020004" pitchFamily="2" charset="-127"/>
-                <a:cs typeface="Pretendard Medium" panose="02000603000000020004" pitchFamily="2" charset="-127"/>
-              </a:rPr>
-              <a:t>순행</a:t>
-            </a:r>
-            <a:r>
-              <a:rPr lang="en-US" altLang="ko-KR" sz="900" dirty="0">
-                <a:solidFill>
-                  <a:srgbClr val="FFFF00"/>
-                </a:solidFill>
-                <a:latin typeface="Pretendard Medium" panose="02000603000000020004" pitchFamily="2" charset="-127"/>
-                <a:ea typeface="Pretendard Medium" panose="02000603000000020004" pitchFamily="2" charset="-127"/>
-                <a:cs typeface="Pretendard Medium" panose="02000603000000020004" pitchFamily="2" charset="-127"/>
-              </a:rPr>
-              <a:t>/</a:t>
-            </a:r>
-            <a:r>
-              <a:rPr lang="ko-KR" altLang="en-US" sz="900" dirty="0">
-                <a:solidFill>
-                  <a:srgbClr val="FFFF00"/>
-                </a:solidFill>
-                <a:latin typeface="Pretendard Medium" panose="02000603000000020004" pitchFamily="2" charset="-127"/>
-                <a:ea typeface="Pretendard Medium" panose="02000603000000020004" pitchFamily="2" charset="-127"/>
-                <a:cs typeface="Pretendard Medium" panose="02000603000000020004" pitchFamily="2" charset="-127"/>
-              </a:rPr>
-              <a:t>역행 컨셉</a:t>
+              <a:t>전투스타일 변화</a:t>
             </a:r>
             <a:endParaRPr lang="en-US" altLang="ko-KR" sz="900" dirty="0">
               <a:solidFill>
@@ -23033,7 +22989,7 @@
         <p:spPr>
           <a:xfrm>
             <a:off x="0" y="3101987"/>
-            <a:ext cx="5332207" cy="1469633"/>
+            <a:ext cx="4848100" cy="1646605"/>
           </a:xfrm>
           <a:prstGeom prst="rect">
             <a:avLst/>
@@ -23071,7 +23027,7 @@
                 <a:ea typeface="Pretendard Medium" panose="02000603000000020004" pitchFamily="2" charset="-127"/>
                 <a:cs typeface="Pretendard Medium" panose="02000603000000020004" pitchFamily="2" charset="-127"/>
               </a:rPr>
-              <a:t>양상 발현           </a:t>
+              <a:t>양상 구현           </a:t>
             </a:r>
             <a:r>
               <a:rPr lang="en-US" altLang="ko-KR" sz="900" dirty="0">
@@ -23085,7 +23041,7 @@
               <a:t>#</a:t>
             </a:r>
             <a:r>
-              <a:rPr lang="ko-KR" altLang="en-US" sz="900" dirty="0">
+              <a:rPr lang="ko-KR" altLang="en-US" sz="900" dirty="0" err="1">
                 <a:solidFill>
                   <a:srgbClr val="FFFF00"/>
                 </a:solidFill>
@@ -23093,7 +23049,7 @@
                 <a:ea typeface="Pretendard Medium" panose="02000603000000020004" pitchFamily="2" charset="-127"/>
                 <a:cs typeface="Pretendard Medium" panose="02000603000000020004" pitchFamily="2" charset="-127"/>
               </a:rPr>
-              <a:t>현상 스킬 강화</a:t>
+              <a:t>연계스킬</a:t>
             </a:r>
             <a:endParaRPr lang="en-US" altLang="ko-KR" sz="900" dirty="0">
               <a:solidFill>
@@ -23185,7 +23141,135 @@
                 <a:ea typeface="Pretendard Medium" panose="02000603000000020004" pitchFamily="2" charset="-127"/>
                 <a:cs typeface="Pretendard Medium" panose="02000603000000020004" pitchFamily="2" charset="-127"/>
               </a:rPr>
-              <a:t>증가하고</a:t>
+              <a:t>증가한다</a:t>
+            </a:r>
+            <a:r>
+              <a:rPr lang="en-US" altLang="ko-KR" sz="900" dirty="0">
+                <a:solidFill>
+                  <a:srgbClr val="D4CFC5"/>
+                </a:solidFill>
+                <a:latin typeface="Pretendard Medium" panose="02000603000000020004" pitchFamily="2" charset="-127"/>
+                <a:ea typeface="Pretendard Medium" panose="02000603000000020004" pitchFamily="2" charset="-127"/>
+                <a:cs typeface="Pretendard Medium" panose="02000603000000020004" pitchFamily="2" charset="-127"/>
+              </a:rPr>
+              <a:t>.</a:t>
+            </a:r>
+          </a:p>
+          <a:p>
+            <a:pPr>
+              <a:spcAft>
+                <a:spcPts val="300"/>
+              </a:spcAft>
+            </a:pPr>
+            <a:r>
+              <a:rPr lang="ko-KR" altLang="en-US" sz="900" dirty="0">
+                <a:solidFill>
+                  <a:srgbClr val="D4CFC5"/>
+                </a:solidFill>
+                <a:latin typeface="Pretendard Medium" panose="02000603000000020004" pitchFamily="2" charset="-127"/>
+                <a:ea typeface="Pretendard Medium" panose="02000603000000020004" pitchFamily="2" charset="-127"/>
+                <a:cs typeface="Pretendard Medium" panose="02000603000000020004" pitchFamily="2" charset="-127"/>
+              </a:rPr>
+              <a:t>현상 스킬 시전 시 </a:t>
+            </a:r>
+            <a:r>
+              <a:rPr lang="en-US" altLang="ko-KR" sz="900" dirty="0">
+                <a:solidFill>
+                  <a:srgbClr val="D4CFC5"/>
+                </a:solidFill>
+                <a:latin typeface="Pretendard Medium" panose="02000603000000020004" pitchFamily="2" charset="-127"/>
+                <a:ea typeface="Pretendard Medium" panose="02000603000000020004" pitchFamily="2" charset="-127"/>
+                <a:cs typeface="Pretendard Medium" panose="02000603000000020004" pitchFamily="2" charset="-127"/>
+              </a:rPr>
+              <a:t>1</a:t>
+            </a:r>
+            <a:r>
+              <a:rPr lang="ko-KR" altLang="en-US" sz="900" dirty="0" err="1">
+                <a:solidFill>
+                  <a:srgbClr val="D4CFC5"/>
+                </a:solidFill>
+                <a:latin typeface="Pretendard Medium" panose="02000603000000020004" pitchFamily="2" charset="-127"/>
+                <a:ea typeface="Pretendard Medium" panose="02000603000000020004" pitchFamily="2" charset="-127"/>
+                <a:cs typeface="Pretendard Medium" panose="02000603000000020004" pitchFamily="2" charset="-127"/>
+              </a:rPr>
+              <a:t>초동안</a:t>
+            </a:r>
+            <a:r>
+              <a:rPr lang="ko-KR" altLang="en-US" sz="900" dirty="0">
+                <a:solidFill>
+                  <a:srgbClr val="D4CFC5"/>
+                </a:solidFill>
+                <a:latin typeface="Pretendard Medium" panose="02000603000000020004" pitchFamily="2" charset="-127"/>
+                <a:ea typeface="Pretendard Medium" panose="02000603000000020004" pitchFamily="2" charset="-127"/>
+                <a:cs typeface="Pretendard Medium" panose="02000603000000020004" pitchFamily="2" charset="-127"/>
+              </a:rPr>
+              <a:t> </a:t>
+            </a:r>
+            <a:r>
+              <a:rPr lang="en-US" altLang="ko-KR" sz="900" dirty="0">
+                <a:solidFill>
+                  <a:srgbClr val="D4CFC5"/>
+                </a:solidFill>
+                <a:latin typeface="Pretendard Medium" panose="02000603000000020004" pitchFamily="2" charset="-127"/>
+                <a:ea typeface="Pretendard Medium" panose="02000603000000020004" pitchFamily="2" charset="-127"/>
+                <a:cs typeface="Pretendard Medium" panose="02000603000000020004" pitchFamily="2" charset="-127"/>
+              </a:rPr>
+              <a:t>‘</a:t>
+            </a:r>
+            <a:r>
+              <a:rPr lang="ko-KR" altLang="en-US" sz="900" dirty="0">
+                <a:solidFill>
+                  <a:srgbClr val="D4CFC5"/>
+                </a:solidFill>
+                <a:latin typeface="Pretendard Medium" panose="02000603000000020004" pitchFamily="2" charset="-127"/>
+                <a:ea typeface="Pretendard Medium" panose="02000603000000020004" pitchFamily="2" charset="-127"/>
+                <a:cs typeface="Pretendard Medium" panose="02000603000000020004" pitchFamily="2" charset="-127"/>
+              </a:rPr>
+              <a:t>양상 구현</a:t>
+            </a:r>
+            <a:r>
+              <a:rPr lang="en-US" altLang="ko-KR" sz="900" dirty="0">
+                <a:solidFill>
+                  <a:srgbClr val="D4CFC5"/>
+                </a:solidFill>
+                <a:latin typeface="Pretendard Medium" panose="02000603000000020004" pitchFamily="2" charset="-127"/>
+                <a:ea typeface="Pretendard Medium" panose="02000603000000020004" pitchFamily="2" charset="-127"/>
+                <a:cs typeface="Pretendard Medium" panose="02000603000000020004" pitchFamily="2" charset="-127"/>
+              </a:rPr>
+              <a:t>’ </a:t>
+            </a:r>
+            <a:r>
+              <a:rPr lang="ko-KR" altLang="en-US" sz="900" dirty="0">
+                <a:solidFill>
+                  <a:srgbClr val="D4CFC5"/>
+                </a:solidFill>
+                <a:latin typeface="Pretendard Medium" panose="02000603000000020004" pitchFamily="2" charset="-127"/>
+                <a:ea typeface="Pretendard Medium" panose="02000603000000020004" pitchFamily="2" charset="-127"/>
+                <a:cs typeface="Pretendard Medium" panose="02000603000000020004" pitchFamily="2" charset="-127"/>
+              </a:rPr>
+              <a:t>효과를 획득한다</a:t>
+            </a:r>
+            <a:r>
+              <a:rPr lang="en-US" altLang="ko-KR" sz="900" dirty="0">
+                <a:solidFill>
+                  <a:srgbClr val="D4CFC5"/>
+                </a:solidFill>
+                <a:latin typeface="Pretendard Medium" panose="02000603000000020004" pitchFamily="2" charset="-127"/>
+                <a:ea typeface="Pretendard Medium" panose="02000603000000020004" pitchFamily="2" charset="-127"/>
+                <a:cs typeface="Pretendard Medium" panose="02000603000000020004" pitchFamily="2" charset="-127"/>
+              </a:rPr>
+              <a:t>.</a:t>
+            </a:r>
+            <a:r>
+              <a:rPr lang="ko-KR" altLang="en-US" sz="900" dirty="0">
+                <a:solidFill>
+                  <a:srgbClr val="D4CFC5"/>
+                </a:solidFill>
+                <a:latin typeface="Pretendard Medium" panose="02000603000000020004" pitchFamily="2" charset="-127"/>
+                <a:ea typeface="Pretendard Medium" panose="02000603000000020004" pitchFamily="2" charset="-127"/>
+                <a:cs typeface="Pretendard Medium" panose="02000603000000020004" pitchFamily="2" charset="-127"/>
+              </a:rPr>
+              <a:t> </a:t>
             </a:r>
             <a:endParaRPr lang="en-US" altLang="ko-KR" sz="900" dirty="0">
               <a:solidFill>
@@ -23211,84 +23295,7 @@
                 <a:ea typeface="Pretendard Medium" panose="02000603000000020004" pitchFamily="2" charset="-127"/>
                 <a:cs typeface="Pretendard Medium" panose="02000603000000020004" pitchFamily="2" charset="-127"/>
               </a:rPr>
-              <a:t>현상 스킬 시전 시 </a:t>
-            </a:r>
-            <a:r>
-              <a:rPr lang="en-US" altLang="ko-KR" sz="900" dirty="0">
-                <a:solidFill>
-                  <a:srgbClr val="D4CFC5"/>
-                </a:solidFill>
-                <a:latin typeface="Pretendard Medium" panose="02000603000000020004" pitchFamily="2" charset="-127"/>
-                <a:ea typeface="Pretendard Medium" panose="02000603000000020004" pitchFamily="2" charset="-127"/>
-                <a:cs typeface="Pretendard Medium" panose="02000603000000020004" pitchFamily="2" charset="-127"/>
-              </a:rPr>
-              <a:t>1</a:t>
-            </a:r>
-            <a:r>
-              <a:rPr lang="ko-KR" altLang="en-US" sz="900" dirty="0" err="1">
-                <a:solidFill>
-                  <a:srgbClr val="D4CFC5"/>
-                </a:solidFill>
-                <a:latin typeface="Pretendard Medium" panose="02000603000000020004" pitchFamily="2" charset="-127"/>
-                <a:ea typeface="Pretendard Medium" panose="02000603000000020004" pitchFamily="2" charset="-127"/>
-                <a:cs typeface="Pretendard Medium" panose="02000603000000020004" pitchFamily="2" charset="-127"/>
-              </a:rPr>
-              <a:t>초동안</a:t>
-            </a:r>
-            <a:r>
-              <a:rPr lang="ko-KR" altLang="en-US" sz="900" dirty="0">
-                <a:solidFill>
-                  <a:srgbClr val="D4CFC5"/>
-                </a:solidFill>
-                <a:latin typeface="Pretendard Medium" panose="02000603000000020004" pitchFamily="2" charset="-127"/>
-                <a:ea typeface="Pretendard Medium" panose="02000603000000020004" pitchFamily="2" charset="-127"/>
-                <a:cs typeface="Pretendard Medium" panose="02000603000000020004" pitchFamily="2" charset="-127"/>
-              </a:rPr>
-              <a:t> </a:t>
-            </a:r>
-            <a:r>
-              <a:rPr lang="en-US" altLang="ko-KR" sz="900" dirty="0">
-                <a:solidFill>
-                  <a:srgbClr val="D4CFC5"/>
-                </a:solidFill>
-                <a:latin typeface="Pretendard Medium" panose="02000603000000020004" pitchFamily="2" charset="-127"/>
-                <a:ea typeface="Pretendard Medium" panose="02000603000000020004" pitchFamily="2" charset="-127"/>
-                <a:cs typeface="Pretendard Medium" panose="02000603000000020004" pitchFamily="2" charset="-127"/>
-              </a:rPr>
-              <a:t>‘</a:t>
-            </a:r>
-            <a:r>
-              <a:rPr lang="ko-KR" altLang="en-US" sz="900" dirty="0">
-                <a:solidFill>
-                  <a:srgbClr val="D4CFC5"/>
-                </a:solidFill>
-                <a:latin typeface="Pretendard Medium" panose="02000603000000020004" pitchFamily="2" charset="-127"/>
-                <a:ea typeface="Pretendard Medium" panose="02000603000000020004" pitchFamily="2" charset="-127"/>
-                <a:cs typeface="Pretendard Medium" panose="02000603000000020004" pitchFamily="2" charset="-127"/>
-              </a:rPr>
-              <a:t>양상 발현</a:t>
-            </a:r>
-            <a:r>
-              <a:rPr lang="en-US" altLang="ko-KR" sz="900" dirty="0">
-                <a:solidFill>
-                  <a:srgbClr val="D4CFC5"/>
-                </a:solidFill>
-                <a:latin typeface="Pretendard Medium" panose="02000603000000020004" pitchFamily="2" charset="-127"/>
-                <a:ea typeface="Pretendard Medium" panose="02000603000000020004" pitchFamily="2" charset="-127"/>
-                <a:cs typeface="Pretendard Medium" panose="02000603000000020004" pitchFamily="2" charset="-127"/>
-              </a:rPr>
-              <a:t>’ </a:t>
-            </a:r>
-            <a:r>
-              <a:rPr lang="ko-KR" altLang="en-US" sz="900" dirty="0">
-                <a:solidFill>
-                  <a:srgbClr val="D4CFC5"/>
-                </a:solidFill>
-                <a:latin typeface="Pretendard Medium" panose="02000603000000020004" pitchFamily="2" charset="-127"/>
-                <a:ea typeface="Pretendard Medium" panose="02000603000000020004" pitchFamily="2" charset="-127"/>
-                <a:cs typeface="Pretendard Medium" panose="02000603000000020004" pitchFamily="2" charset="-127"/>
-              </a:rPr>
-              <a:t>효과를 획득한다</a:t>
+              <a:t>양상 구현 효과가 적용 되어 있을 때 별자리 스킬은 양상 별 양상 구현 스킬로 변경된다</a:t>
             </a:r>
             <a:r>
               <a:rPr lang="en-US" altLang="ko-KR" sz="900" dirty="0">
@@ -23301,25 +23308,6 @@
               </a:rPr>
               <a:t>.</a:t>
             </a:r>
-            <a:r>
-              <a:rPr lang="ko-KR" altLang="en-US" sz="900" dirty="0">
-                <a:solidFill>
-                  <a:srgbClr val="D4CFC5"/>
-                </a:solidFill>
-                <a:latin typeface="Pretendard Medium" panose="02000603000000020004" pitchFamily="2" charset="-127"/>
-                <a:ea typeface="Pretendard Medium" panose="02000603000000020004" pitchFamily="2" charset="-127"/>
-                <a:cs typeface="Pretendard Medium" panose="02000603000000020004" pitchFamily="2" charset="-127"/>
-              </a:rPr>
-              <a:t> </a:t>
-            </a:r>
-            <a:endParaRPr lang="en-US" altLang="ko-KR" sz="900" dirty="0">
-              <a:solidFill>
-                <a:srgbClr val="D4CFC5"/>
-              </a:solidFill>
-              <a:latin typeface="Pretendard Medium" panose="02000603000000020004" pitchFamily="2" charset="-127"/>
-              <a:ea typeface="Pretendard Medium" panose="02000603000000020004" pitchFamily="2" charset="-127"/>
-              <a:cs typeface="Pretendard Medium" panose="02000603000000020004" pitchFamily="2" charset="-127"/>
-            </a:endParaRPr>
           </a:p>
           <a:p>
             <a:pPr>
@@ -23336,7 +23324,7 @@
                 <a:ea typeface="Pretendard Medium" panose="02000603000000020004" pitchFamily="2" charset="-127"/>
                 <a:cs typeface="Pretendard Medium" panose="02000603000000020004" pitchFamily="2" charset="-127"/>
               </a:rPr>
-              <a:t>현상 발현 효과가 적용 되어 있을 때 별자리 스킬은 스킬의 양상 별로 다른 양상 발현 스킬로 변경되며 시전할 수 있다</a:t>
+              <a:t>양상 구현 스킬은 현상 스킬의 시전 중에도 사용할 수 있다</a:t>
             </a:r>
             <a:r>
               <a:rPr lang="en-US" altLang="ko-KR" sz="900" dirty="0">
@@ -23356,14 +23344,171 @@
                 <a:spcPts val="300"/>
               </a:spcAft>
             </a:pPr>
-            <a:endParaRPr lang="en-US" altLang="ko-KR" sz="900" dirty="0">
-              <a:solidFill>
-                <a:srgbClr val="D4CFC5"/>
-              </a:solidFill>
-              <a:latin typeface="Pretendard Medium" panose="02000603000000020004" pitchFamily="2" charset="-127"/>
-              <a:ea typeface="Pretendard Medium" panose="02000603000000020004" pitchFamily="2" charset="-127"/>
-              <a:cs typeface="Pretendard Medium" panose="02000603000000020004" pitchFamily="2" charset="-127"/>
-            </a:endParaRPr>
+            <a:r>
+              <a:rPr lang="en-US" altLang="ko-KR" sz="900" dirty="0">
+                <a:solidFill>
+                  <a:srgbClr val="D4CFC5"/>
+                </a:solidFill>
+                <a:latin typeface="Pretendard Medium" panose="02000603000000020004" pitchFamily="2" charset="-127"/>
+                <a:ea typeface="Pretendard Medium" panose="02000603000000020004" pitchFamily="2" charset="-127"/>
+                <a:cs typeface="Pretendard Medium" panose="02000603000000020004" pitchFamily="2" charset="-127"/>
+              </a:rPr>
+              <a:t>(</a:t>
+            </a:r>
+            <a:r>
+              <a:rPr lang="ko-KR" altLang="en-US" sz="900" dirty="0">
+                <a:solidFill>
+                  <a:srgbClr val="D4CFC5"/>
+                </a:solidFill>
+                <a:latin typeface="Pretendard Medium" panose="02000603000000020004" pitchFamily="2" charset="-127"/>
+                <a:ea typeface="Pretendard Medium" panose="02000603000000020004" pitchFamily="2" charset="-127"/>
+                <a:cs typeface="Pretendard Medium" panose="02000603000000020004" pitchFamily="2" charset="-127"/>
+              </a:rPr>
+              <a:t>양상 구현 스킬 목록 </a:t>
+            </a:r>
+            <a:r>
+              <a:rPr lang="en-US" altLang="ko-KR" sz="900" dirty="0">
+                <a:solidFill>
+                  <a:srgbClr val="D4CFC5"/>
+                </a:solidFill>
+                <a:latin typeface="Pretendard Medium" panose="02000603000000020004" pitchFamily="2" charset="-127"/>
+                <a:ea typeface="Pretendard Medium" panose="02000603000000020004" pitchFamily="2" charset="-127"/>
+                <a:cs typeface="Pretendard Medium" panose="02000603000000020004" pitchFamily="2" charset="-127"/>
+              </a:rPr>
+              <a:t>: </a:t>
+            </a:r>
+            <a:r>
+              <a:rPr lang="ko-KR" altLang="en-US" sz="900" dirty="0">
+                <a:solidFill>
+                  <a:srgbClr val="D4CFC5"/>
+                </a:solidFill>
+                <a:latin typeface="Pretendard Medium" panose="02000603000000020004" pitchFamily="2" charset="-127"/>
+                <a:ea typeface="Pretendard Medium" panose="02000603000000020004" pitchFamily="2" charset="-127"/>
+                <a:cs typeface="Pretendard Medium" panose="02000603000000020004" pitchFamily="2" charset="-127"/>
+              </a:rPr>
+              <a:t>양상 구현 </a:t>
+            </a:r>
+            <a:r>
+              <a:rPr lang="en-US" altLang="ko-KR" sz="900" dirty="0">
+                <a:solidFill>
+                  <a:srgbClr val="D4CFC5"/>
+                </a:solidFill>
+                <a:latin typeface="Pretendard Medium" panose="02000603000000020004" pitchFamily="2" charset="-127"/>
+                <a:ea typeface="Pretendard Medium" panose="02000603000000020004" pitchFamily="2" charset="-127"/>
+                <a:cs typeface="Pretendard Medium" panose="02000603000000020004" pitchFamily="2" charset="-127"/>
+              </a:rPr>
+              <a:t>– </a:t>
+            </a:r>
+            <a:r>
+              <a:rPr lang="ko-KR" altLang="en-US" sz="900" dirty="0">
+                <a:solidFill>
+                  <a:srgbClr val="D4CFC5"/>
+                </a:solidFill>
+                <a:latin typeface="Pretendard Medium" panose="02000603000000020004" pitchFamily="2" charset="-127"/>
+                <a:ea typeface="Pretendard Medium" panose="02000603000000020004" pitchFamily="2" charset="-127"/>
+                <a:cs typeface="Pretendard Medium" panose="02000603000000020004" pitchFamily="2" charset="-127"/>
+              </a:rPr>
+              <a:t>도전 </a:t>
+            </a:r>
+            <a:r>
+              <a:rPr lang="en-US" altLang="ko-KR" sz="900" dirty="0">
+                <a:solidFill>
+                  <a:srgbClr val="D4CFC5"/>
+                </a:solidFill>
+                <a:latin typeface="Pretendard Medium" panose="02000603000000020004" pitchFamily="2" charset="-127"/>
+                <a:ea typeface="Pretendard Medium" panose="02000603000000020004" pitchFamily="2" charset="-127"/>
+                <a:cs typeface="Pretendard Medium" panose="02000603000000020004" pitchFamily="2" charset="-127"/>
+              </a:rPr>
+              <a:t>/ </a:t>
+            </a:r>
+            <a:r>
+              <a:rPr lang="ko-KR" altLang="en-US" sz="900" dirty="0">
+                <a:solidFill>
+                  <a:srgbClr val="D4CFC5"/>
+                </a:solidFill>
+                <a:latin typeface="Pretendard Medium" panose="02000603000000020004" pitchFamily="2" charset="-127"/>
+                <a:ea typeface="Pretendard Medium" panose="02000603000000020004" pitchFamily="2" charset="-127"/>
+                <a:cs typeface="Pretendard Medium" panose="02000603000000020004" pitchFamily="2" charset="-127"/>
+              </a:rPr>
+              <a:t>양상 구현 </a:t>
+            </a:r>
+            <a:r>
+              <a:rPr lang="en-US" altLang="ko-KR" sz="900" dirty="0">
+                <a:solidFill>
+                  <a:srgbClr val="D4CFC5"/>
+                </a:solidFill>
+                <a:latin typeface="Pretendard Medium" panose="02000603000000020004" pitchFamily="2" charset="-127"/>
+                <a:ea typeface="Pretendard Medium" panose="02000603000000020004" pitchFamily="2" charset="-127"/>
+                <a:cs typeface="Pretendard Medium" panose="02000603000000020004" pitchFamily="2" charset="-127"/>
+              </a:rPr>
+              <a:t>– </a:t>
+            </a:r>
+            <a:r>
+              <a:rPr lang="ko-KR" altLang="en-US" sz="900" dirty="0">
+                <a:solidFill>
+                  <a:srgbClr val="D4CFC5"/>
+                </a:solidFill>
+                <a:latin typeface="Pretendard Medium" panose="02000603000000020004" pitchFamily="2" charset="-127"/>
+                <a:ea typeface="Pretendard Medium" panose="02000603000000020004" pitchFamily="2" charset="-127"/>
+                <a:cs typeface="Pretendard Medium" panose="02000603000000020004" pitchFamily="2" charset="-127"/>
+              </a:rPr>
+              <a:t>불굴 </a:t>
+            </a:r>
+            <a:r>
+              <a:rPr lang="en-US" altLang="ko-KR" sz="900" dirty="0">
+                <a:solidFill>
+                  <a:srgbClr val="D4CFC5"/>
+                </a:solidFill>
+                <a:latin typeface="Pretendard Medium" panose="02000603000000020004" pitchFamily="2" charset="-127"/>
+                <a:ea typeface="Pretendard Medium" panose="02000603000000020004" pitchFamily="2" charset="-127"/>
+                <a:cs typeface="Pretendard Medium" panose="02000603000000020004" pitchFamily="2" charset="-127"/>
+              </a:rPr>
+              <a:t>/ </a:t>
+            </a:r>
+            <a:r>
+              <a:rPr lang="ko-KR" altLang="en-US" sz="900" dirty="0">
+                <a:solidFill>
+                  <a:srgbClr val="D4CFC5"/>
+                </a:solidFill>
+                <a:latin typeface="Pretendard Medium" panose="02000603000000020004" pitchFamily="2" charset="-127"/>
+                <a:ea typeface="Pretendard Medium" panose="02000603000000020004" pitchFamily="2" charset="-127"/>
+                <a:cs typeface="Pretendard Medium" panose="02000603000000020004" pitchFamily="2" charset="-127"/>
+              </a:rPr>
+              <a:t>양상 구현 </a:t>
+            </a:r>
+            <a:r>
+              <a:rPr lang="en-US" altLang="ko-KR" sz="900" dirty="0">
+                <a:solidFill>
+                  <a:srgbClr val="D4CFC5"/>
+                </a:solidFill>
+                <a:latin typeface="Pretendard Medium" panose="02000603000000020004" pitchFamily="2" charset="-127"/>
+                <a:ea typeface="Pretendard Medium" panose="02000603000000020004" pitchFamily="2" charset="-127"/>
+                <a:cs typeface="Pretendard Medium" panose="02000603000000020004" pitchFamily="2" charset="-127"/>
+              </a:rPr>
+              <a:t>– </a:t>
+            </a:r>
+            <a:r>
+              <a:rPr lang="ko-KR" altLang="en-US" sz="900" dirty="0">
+                <a:solidFill>
+                  <a:srgbClr val="D4CFC5"/>
+                </a:solidFill>
+                <a:latin typeface="Pretendard Medium" panose="02000603000000020004" pitchFamily="2" charset="-127"/>
+                <a:ea typeface="Pretendard Medium" panose="02000603000000020004" pitchFamily="2" charset="-127"/>
+                <a:cs typeface="Pretendard Medium" panose="02000603000000020004" pitchFamily="2" charset="-127"/>
+              </a:rPr>
+              <a:t>적응 </a:t>
+            </a:r>
+            <a:r>
+              <a:rPr lang="en-US" altLang="ko-KR" sz="900" dirty="0">
+                <a:solidFill>
+                  <a:srgbClr val="D4CFC5"/>
+                </a:solidFill>
+                <a:latin typeface="Pretendard Medium" panose="02000603000000020004" pitchFamily="2" charset="-127"/>
+                <a:ea typeface="Pretendard Medium" panose="02000603000000020004" pitchFamily="2" charset="-127"/>
+                <a:cs typeface="Pretendard Medium" panose="02000603000000020004" pitchFamily="2" charset="-127"/>
+              </a:rPr>
+              <a:t>)</a:t>
+            </a:r>
           </a:p>
           <a:p>
             <a:pPr>
@@ -23380,7 +23525,7 @@
                 <a:ea typeface="Pretendard Medium" panose="02000603000000020004" pitchFamily="2" charset="-127"/>
                 <a:cs typeface="Pretendard Medium" panose="02000603000000020004" pitchFamily="2" charset="-127"/>
               </a:rPr>
-              <a:t>양상 발현 시전 시 인공 별은 현상 스킬 시전을 유지하며 동시에 캐릭터는 양상 발현 스킬을 시전한다</a:t>
+              <a:t>양상 구현 스킬 사용 시 인공 별은 현상 스킬 시전을 유지하며 동시에 캐릭터는 양상 구현 스킬을 시전한다</a:t>
             </a:r>
             <a:r>
               <a:rPr lang="en-US" altLang="ko-KR" sz="900" dirty="0">
@@ -23431,29 +23576,7 @@
                 <a:ea typeface="Pretendard Medium" panose="02000603000000020004" pitchFamily="2" charset="-127"/>
                 <a:cs typeface="Pretendard Medium" panose="02000603000000020004" pitchFamily="2" charset="-127"/>
               </a:rPr>
-              <a:t>연계로 </a:t>
-            </a:r>
-            <a:r>
-              <a:rPr lang="ko-KR" altLang="en-US" sz="900" dirty="0" err="1">
-                <a:solidFill>
-                  <a:srgbClr val="D4CFC5"/>
-                </a:solidFill>
-                <a:latin typeface="Pretendard Medium" panose="02000603000000020004" pitchFamily="2" charset="-127"/>
-                <a:ea typeface="Pretendard Medium" panose="02000603000000020004" pitchFamily="2" charset="-127"/>
-                <a:cs typeface="Pretendard Medium" panose="02000603000000020004" pitchFamily="2" charset="-127"/>
-              </a:rPr>
-              <a:t>시전되는</a:t>
-            </a:r>
-            <a:r>
-              <a:rPr lang="ko-KR" altLang="en-US" sz="900" dirty="0">
-                <a:solidFill>
-                  <a:srgbClr val="D4CFC5"/>
-                </a:solidFill>
-                <a:latin typeface="Pretendard Medium" panose="02000603000000020004" pitchFamily="2" charset="-127"/>
-                <a:ea typeface="Pretendard Medium" panose="02000603000000020004" pitchFamily="2" charset="-127"/>
-                <a:cs typeface="Pretendard Medium" panose="02000603000000020004" pitchFamily="2" charset="-127"/>
-              </a:rPr>
-              <a:t> 별자리 스킬은 적중 시 암흑 에너지가 증가하지 않는다</a:t>
+              <a:t>양상 구현 스킬은 적중 시 암흑 에너지가 증가하지 않는다</a:t>
             </a:r>
             <a:r>
               <a:rPr lang="en-US" altLang="ko-KR" sz="900" dirty="0">
@@ -23474,15 +23597,26 @@
               </a:spcAft>
             </a:pPr>
             <a:r>
-              <a:rPr lang="ko-KR" altLang="en-US" sz="900" dirty="0">
-                <a:solidFill>
-                  <a:srgbClr val="D4CFC5"/>
-                </a:solidFill>
-                <a:latin typeface="Pretendard Medium" panose="02000603000000020004" pitchFamily="2" charset="-127"/>
-                <a:ea typeface="Pretendard Medium" panose="02000603000000020004" pitchFamily="2" charset="-127"/>
-                <a:cs typeface="Pretendard Medium" panose="02000603000000020004" pitchFamily="2" charset="-127"/>
-              </a:rPr>
-              <a:t>양상 발현 스킬 사용 후 별자리 스킬의 재사용 대기 시간 </a:t>
+              <a:rPr lang="en-US" altLang="ko-KR" sz="900" dirty="0">
+                <a:solidFill>
+                  <a:srgbClr val="D4CFC5"/>
+                </a:solidFill>
+                <a:latin typeface="Pretendard Medium" panose="02000603000000020004" pitchFamily="2" charset="-127"/>
+                <a:ea typeface="Pretendard Medium" panose="02000603000000020004" pitchFamily="2" charset="-127"/>
+                <a:cs typeface="Pretendard Medium" panose="02000603000000020004" pitchFamily="2" charset="-127"/>
+              </a:rPr>
+              <a:t>// </a:t>
+            </a:r>
+            <a:r>
+              <a:rPr lang="ko-KR" altLang="en-US" sz="900" dirty="0">
+                <a:solidFill>
+                  <a:srgbClr val="D4CFC5"/>
+                </a:solidFill>
+                <a:latin typeface="Pretendard Medium" panose="02000603000000020004" pitchFamily="2" charset="-127"/>
+                <a:ea typeface="Pretendard Medium" panose="02000603000000020004" pitchFamily="2" charset="-127"/>
+                <a:cs typeface="Pretendard Medium" panose="02000603000000020004" pitchFamily="2" charset="-127"/>
+              </a:rPr>
+              <a:t>양상 구현 스킬 사용 후 해당 별자리 스킬의 재사용 대기 시간은 </a:t>
             </a:r>
             <a:r>
               <a:rPr lang="en-US" altLang="ko-KR" sz="900" dirty="0">

--- a/로스트아크/아스트로맨서(Astromancer)_현자/아이디어정리.pptx
+++ b/로스트아크/아스트로맨서(Astromancer)_현자/아이디어정리.pptx
@@ -217,7 +217,7 @@
           <a:p>
             <a:fld id="{41A0BF77-366A-45AA-8526-1F6902086AAF}" type="datetimeFigureOut">
               <a:rPr lang="ko-KR" altLang="en-US" smtClean="0"/>
-              <a:t>2025-04-08</a:t>
+              <a:t>2025-04-09</a:t>
             </a:fld>
             <a:endParaRPr lang="ko-KR" altLang="en-US"/>
           </a:p>
@@ -715,7 +715,7 @@
           <a:p>
             <a:fld id="{9C3EC951-20CE-4241-887B-24665EAD51A9}" type="datetimeFigureOut">
               <a:rPr lang="ko-KR" altLang="en-US" smtClean="0"/>
-              <a:t>2025-04-08</a:t>
+              <a:t>2025-04-09</a:t>
             </a:fld>
             <a:endParaRPr lang="ko-KR" altLang="en-US"/>
           </a:p>
@@ -913,7 +913,7 @@
           <a:p>
             <a:fld id="{9C3EC951-20CE-4241-887B-24665EAD51A9}" type="datetimeFigureOut">
               <a:rPr lang="ko-KR" altLang="en-US" smtClean="0"/>
-              <a:t>2025-04-08</a:t>
+              <a:t>2025-04-09</a:t>
             </a:fld>
             <a:endParaRPr lang="ko-KR" altLang="en-US"/>
           </a:p>
@@ -1121,7 +1121,7 @@
           <a:p>
             <a:fld id="{9C3EC951-20CE-4241-887B-24665EAD51A9}" type="datetimeFigureOut">
               <a:rPr lang="ko-KR" altLang="en-US" smtClean="0"/>
-              <a:t>2025-04-08</a:t>
+              <a:t>2025-04-09</a:t>
             </a:fld>
             <a:endParaRPr lang="ko-KR" altLang="en-US"/>
           </a:p>
@@ -1450,7 +1450,7 @@
           <a:p>
             <a:fld id="{9C3EC951-20CE-4241-887B-24665EAD51A9}" type="datetimeFigureOut">
               <a:rPr lang="ko-KR" altLang="en-US" smtClean="0"/>
-              <a:t>2025-04-08</a:t>
+              <a:t>2025-04-09</a:t>
             </a:fld>
             <a:endParaRPr lang="ko-KR" altLang="en-US"/>
           </a:p>
@@ -1715,7 +1715,7 @@
           <a:p>
             <a:fld id="{9C3EC951-20CE-4241-887B-24665EAD51A9}" type="datetimeFigureOut">
               <a:rPr lang="ko-KR" altLang="en-US" smtClean="0"/>
-              <a:t>2025-04-08</a:t>
+              <a:t>2025-04-09</a:t>
             </a:fld>
             <a:endParaRPr lang="ko-KR" altLang="en-US"/>
           </a:p>
@@ -2127,7 +2127,7 @@
           <a:p>
             <a:fld id="{9C3EC951-20CE-4241-887B-24665EAD51A9}" type="datetimeFigureOut">
               <a:rPr lang="ko-KR" altLang="en-US" smtClean="0"/>
-              <a:t>2025-04-08</a:t>
+              <a:t>2025-04-09</a:t>
             </a:fld>
             <a:endParaRPr lang="ko-KR" altLang="en-US"/>
           </a:p>
@@ -2268,7 +2268,7 @@
           <a:p>
             <a:fld id="{9C3EC951-20CE-4241-887B-24665EAD51A9}" type="datetimeFigureOut">
               <a:rPr lang="ko-KR" altLang="en-US" smtClean="0"/>
-              <a:t>2025-04-08</a:t>
+              <a:t>2025-04-09</a:t>
             </a:fld>
             <a:endParaRPr lang="ko-KR" altLang="en-US"/>
           </a:p>
@@ -2381,7 +2381,7 @@
           <a:p>
             <a:fld id="{9C3EC951-20CE-4241-887B-24665EAD51A9}" type="datetimeFigureOut">
               <a:rPr lang="ko-KR" altLang="en-US" smtClean="0"/>
-              <a:t>2025-04-08</a:t>
+              <a:t>2025-04-09</a:t>
             </a:fld>
             <a:endParaRPr lang="ko-KR" altLang="en-US"/>
           </a:p>
@@ -2692,7 +2692,7 @@
           <a:p>
             <a:fld id="{9C3EC951-20CE-4241-887B-24665EAD51A9}" type="datetimeFigureOut">
               <a:rPr lang="ko-KR" altLang="en-US" smtClean="0"/>
-              <a:t>2025-04-08</a:t>
+              <a:t>2025-04-09</a:t>
             </a:fld>
             <a:endParaRPr lang="ko-KR" altLang="en-US"/>
           </a:p>
@@ -2980,7 +2980,7 @@
           <a:p>
             <a:fld id="{9C3EC951-20CE-4241-887B-24665EAD51A9}" type="datetimeFigureOut">
               <a:rPr lang="ko-KR" altLang="en-US" smtClean="0"/>
-              <a:t>2025-04-08</a:t>
+              <a:t>2025-04-09</a:t>
             </a:fld>
             <a:endParaRPr lang="ko-KR" altLang="en-US"/>
           </a:p>
@@ -3221,7 +3221,7 @@
           <a:p>
             <a:fld id="{9C3EC951-20CE-4241-887B-24665EAD51A9}" type="datetimeFigureOut">
               <a:rPr lang="ko-KR" altLang="en-US" smtClean="0"/>
-              <a:t>2025-04-08</a:t>
+              <a:t>2025-04-09</a:t>
             </a:fld>
             <a:endParaRPr lang="ko-KR" altLang="en-US"/>
           </a:p>
@@ -22632,18 +22632,18 @@
                 <a:ea typeface="Pretendard Medium" panose="02000603000000020004" pitchFamily="2" charset="-127"/>
                 <a:cs typeface="Pretendard Medium" panose="02000603000000020004" pitchFamily="2" charset="-127"/>
               </a:rPr>
-              <a:t>, Z</a:t>
-            </a:r>
-            <a:r>
-              <a:rPr lang="ko-KR" altLang="en-US" sz="900" dirty="0">
-                <a:solidFill>
-                  <a:srgbClr val="D4CFC5"/>
-                </a:solidFill>
-                <a:latin typeface="Pretendard Medium" panose="02000603000000020004" pitchFamily="2" charset="-127"/>
-                <a:ea typeface="Pretendard Medium" panose="02000603000000020004" pitchFamily="2" charset="-127"/>
-                <a:cs typeface="Pretendard Medium" panose="02000603000000020004" pitchFamily="2" charset="-127"/>
-              </a:rPr>
-              <a:t>키 입력 시 </a:t>
+              <a:t>, </a:t>
+            </a:r>
+            <a:r>
+              <a:rPr lang="ko-KR" altLang="en-US" sz="900" dirty="0">
+                <a:solidFill>
+                  <a:srgbClr val="D4CFC5"/>
+                </a:solidFill>
+                <a:latin typeface="Pretendard Medium" panose="02000603000000020004" pitchFamily="2" charset="-127"/>
+                <a:ea typeface="Pretendard Medium" panose="02000603000000020004" pitchFamily="2" charset="-127"/>
+                <a:cs typeface="Pretendard Medium" panose="02000603000000020004" pitchFamily="2" charset="-127"/>
+              </a:rPr>
+              <a:t>사용 시 </a:t>
             </a:r>
             <a:r>
               <a:rPr lang="en-US" altLang="ko-KR" sz="900" dirty="0">
